--- a/Papers/Zayd_Hammoudeh_-_Square_Jigsaw_Puzzle_Problem_Literature_Review.pptx
+++ b/Papers/Zayd_Hammoudeh_-_Square_Jigsaw_Puzzle_Problem_Literature_Review.pptx
@@ -5,11 +5,11 @@
     <p:sldMasterId id="2147483751" r:id="rId1"/>
   </p:sldMasterIdLst>
   <p:notesMasterIdLst>
-    <p:notesMasterId r:id="rId27"/>
+    <p:notesMasterId r:id="rId29"/>
   </p:notesMasterIdLst>
   <p:sldIdLst>
     <p:sldId id="256" r:id="rId2"/>
-    <p:sldId id="257" r:id="rId3"/>
+    <p:sldId id="329" r:id="rId3"/>
     <p:sldId id="273" r:id="rId4"/>
     <p:sldId id="304" r:id="rId5"/>
     <p:sldId id="308" r:id="rId6"/>
@@ -18,21 +18,23 @@
     <p:sldId id="324" r:id="rId9"/>
     <p:sldId id="325" r:id="rId10"/>
     <p:sldId id="326" r:id="rId11"/>
-    <p:sldId id="310" r:id="rId12"/>
-    <p:sldId id="306" r:id="rId13"/>
-    <p:sldId id="313" r:id="rId14"/>
-    <p:sldId id="314" r:id="rId15"/>
-    <p:sldId id="315" r:id="rId16"/>
-    <p:sldId id="316" r:id="rId17"/>
-    <p:sldId id="317" r:id="rId18"/>
-    <p:sldId id="318" r:id="rId19"/>
-    <p:sldId id="320" r:id="rId20"/>
-    <p:sldId id="321" r:id="rId21"/>
-    <p:sldId id="309" r:id="rId22"/>
-    <p:sldId id="312" r:id="rId23"/>
-    <p:sldId id="303" r:id="rId24"/>
-    <p:sldId id="305" r:id="rId25"/>
-    <p:sldId id="319" r:id="rId26"/>
+    <p:sldId id="328" r:id="rId12"/>
+    <p:sldId id="309" r:id="rId13"/>
+    <p:sldId id="327" r:id="rId14"/>
+    <p:sldId id="310" r:id="rId15"/>
+    <p:sldId id="306" r:id="rId16"/>
+    <p:sldId id="313" r:id="rId17"/>
+    <p:sldId id="314" r:id="rId18"/>
+    <p:sldId id="315" r:id="rId19"/>
+    <p:sldId id="316" r:id="rId20"/>
+    <p:sldId id="317" r:id="rId21"/>
+    <p:sldId id="318" r:id="rId22"/>
+    <p:sldId id="320" r:id="rId23"/>
+    <p:sldId id="321" r:id="rId24"/>
+    <p:sldId id="312" r:id="rId25"/>
+    <p:sldId id="303" r:id="rId26"/>
+    <p:sldId id="305" r:id="rId27"/>
+    <p:sldId id="319" r:id="rId28"/>
   </p:sldIdLst>
   <p:sldSz cx="9144000" cy="6858000" type="screen4x3"/>
   <p:notesSz cx="6858000" cy="9144000"/>
@@ -3083,15 +3085,15 @@
         <p:spPr/>
         <p:txBody>
           <a:bodyPr>
-            <a:normAutofit/>
+            <a:normAutofit fontScale="90000"/>
           </a:bodyPr>
           <a:lstStyle/>
           <a:p>
             <a:r>
-              <a:rPr lang="en-US" sz="2800" dirty="0" smtClean="0"/>
-              <a:t>Existing Square Jigsaw Puzzle Approaches</a:t>
-            </a:r>
-            <a:endParaRPr lang="en-US" sz="2800" dirty="0"/>
+              <a:rPr lang="en-US" dirty="0" smtClean="0"/>
+              <a:t>Performance Metrics</a:t>
+            </a:r>
+            <a:endParaRPr lang="en-US" dirty="0"/>
           </a:p>
         </p:txBody>
       </p:sp>
@@ -3107,78 +3109,142 @@
         </p:nvSpPr>
         <p:spPr/>
         <p:txBody>
-          <a:bodyPr/>
+          <a:bodyPr>
+            <a:normAutofit lnSpcReduction="10000"/>
+          </a:bodyPr>
           <a:lstStyle/>
           <a:p>
+            <a:pPr>
+              <a:lnSpc>
+                <a:spcPct val="120000"/>
+              </a:lnSpc>
+              <a:spcBef>
+                <a:spcPts val="1200"/>
+              </a:spcBef>
+            </a:pPr>
+            <a:r>
+              <a:rPr lang="en-US" b="1" dirty="0" smtClean="0"/>
+              <a:t>Summary: </a:t>
+            </a:r>
             <a:r>
               <a:rPr lang="en-US" dirty="0" smtClean="0"/>
-              <a:t>Low Resolution “Solution Image” [8]</a:t>
-            </a:r>
-          </a:p>
-          <a:p>
+              <a:t>Evaluate the performance of a jigsaw puzzle solver against the original (correct) image.</a:t>
+            </a:r>
+          </a:p>
+          <a:p>
+            <a:pPr marL="914400" lvl="2" indent="0">
+              <a:lnSpc>
+                <a:spcPct val="120000"/>
+              </a:lnSpc>
+              <a:spcBef>
+                <a:spcPts val="1200"/>
+              </a:spcBef>
+              <a:buNone/>
+            </a:pPr>
+            <a:endParaRPr lang="en-US" sz="900" dirty="0"/>
+          </a:p>
+          <a:p>
+            <a:pPr>
+              <a:lnSpc>
+                <a:spcPct val="120000"/>
+              </a:lnSpc>
+              <a:spcBef>
+                <a:spcPts val="1200"/>
+              </a:spcBef>
+            </a:pPr>
             <a:r>
               <a:rPr lang="en-US" dirty="0" smtClean="0"/>
-              <a:t>Dynamic Programming and the “Hungarian” Procedure [13]</a:t>
-            </a:r>
-          </a:p>
-          <a:p>
+              <a:t>Cho </a:t>
+            </a:r>
+            <a:r>
+              <a:rPr lang="en-US" i="1" dirty="0" smtClean="0"/>
+              <a:t>et. al. </a:t>
+            </a:r>
             <a:r>
               <a:rPr lang="en-US" dirty="0" smtClean="0"/>
-              <a:t>“</a:t>
+              <a:t>proposed three performance metrics:</a:t>
+            </a:r>
+          </a:p>
+          <a:p>
+            <a:pPr lvl="1">
+              <a:lnSpc>
+                <a:spcPct val="120000"/>
+              </a:lnSpc>
+              <a:spcBef>
+                <a:spcPts val="1200"/>
+              </a:spcBef>
+            </a:pPr>
+            <a:r>
+              <a:rPr lang="en-US" i="1" dirty="0" smtClean="0">
+                <a:solidFill>
+                  <a:srgbClr val="006600"/>
+                </a:solidFill>
+              </a:rPr>
+              <a:t>Direct Comparison Method:</a:t>
             </a:r>
             <a:r>
               <a:rPr lang="en-US" dirty="0" smtClean="0"/>
-              <a:t>Dense and Noisy</a:t>
+              <a:t> Most naïve approach.  The ratio of the  number of patches in their correct locations versus the total number of patches.</a:t>
+            </a:r>
+          </a:p>
+          <a:p>
+            <a:pPr lvl="2">
+              <a:lnSpc>
+                <a:spcPct val="120000"/>
+              </a:lnSpc>
+              <a:spcBef>
+                <a:spcPts val="1200"/>
+              </a:spcBef>
+            </a:pPr>
+            <a:r>
+              <a:rPr lang="en-US" i="1" dirty="0" smtClean="0"/>
+              <a:t>Disadvantage: </a:t>
             </a:r>
             <a:r>
               <a:rPr lang="en-US" dirty="0" smtClean="0"/>
-              <a:t>” or “Sparse and Accurate” with Loopy Belief Propagation [7</a:t>
+              <a:t>Susceptible to shifts</a:t>
+            </a:r>
+          </a:p>
+          <a:p>
+            <a:pPr marL="914400" lvl="2" indent="0">
+              <a:lnSpc>
+                <a:spcPct val="120000"/>
+              </a:lnSpc>
+              <a:spcBef>
+                <a:spcPts val="1200"/>
+              </a:spcBef>
+              <a:buNone/>
+            </a:pPr>
+            <a:endParaRPr lang="en-US" sz="900" dirty="0" smtClean="0"/>
+          </a:p>
+          <a:p>
+            <a:pPr lvl="1">
+              <a:lnSpc>
+                <a:spcPct val="120000"/>
+              </a:lnSpc>
+              <a:spcBef>
+                <a:spcPts val="1200"/>
+              </a:spcBef>
+            </a:pPr>
+            <a:r>
+              <a:rPr lang="en-US" i="1" dirty="0">
+                <a:solidFill>
+                  <a:srgbClr val="006600"/>
+                </a:solidFill>
+              </a:rPr>
+              <a:t>Neighbor </a:t>
+            </a:r>
+            <a:r>
+              <a:rPr lang="en-US" i="1" dirty="0" smtClean="0">
+                <a:solidFill>
+                  <a:srgbClr val="006600"/>
+                </a:solidFill>
+              </a:rPr>
+              <a:t>Comparison Method:</a:t>
             </a:r>
             <a:r>
               <a:rPr lang="en-US" dirty="0" smtClean="0"/>
-              <a:t>]</a:t>
-            </a:r>
-          </a:p>
-          <a:p>
-            <a:r>
-              <a:rPr lang="en-US" dirty="0" smtClean="0"/>
-              <a:t>Particle Filter-Based Solver [11]</a:t>
-            </a:r>
-          </a:p>
-          <a:p>
-            <a:r>
-              <a:rPr lang="en-US" dirty="0" smtClean="0"/>
-              <a:t>Greedy </a:t>
-            </a:r>
-            <a:r>
-              <a:rPr lang="en-US" dirty="0" smtClean="0"/>
-              <a:t>Algorithm [10]</a:t>
-            </a:r>
-          </a:p>
-          <a:p>
-            <a:r>
-              <a:rPr lang="en-US" dirty="0" smtClean="0"/>
-              <a:t>Genetic Algorithm [9</a:t>
-            </a:r>
-            <a:r>
-              <a:rPr lang="en-US" dirty="0" smtClean="0"/>
-              <a:t>]</a:t>
-            </a:r>
-          </a:p>
-          <a:p>
-            <a:endParaRPr lang="en-US" dirty="0"/>
-          </a:p>
-          <a:p>
-            <a:r>
-              <a:rPr lang="en-US" dirty="0" smtClean="0"/>
-              <a:t>Variations of the Problem</a:t>
-            </a:r>
-          </a:p>
-          <a:p>
-            <a:pPr lvl="1"/>
-            <a:r>
-              <a:rPr lang="en-US" dirty="0" smtClean="0"/>
-              <a:t>Unknown orientation (i.e. rotation) and puzzle dimensions [12]</a:t>
+              <a:t> For each patch, calculate the fraction of the four neighbors that are correct.  The total accuracy is the average neighbor accuracy of all patches.</a:t>
             </a:r>
             <a:endParaRPr lang="en-US" dirty="0"/>
           </a:p>
@@ -3187,7 +3253,7 @@
     </p:spTree>
     <p:extLst>
       <p:ext uri="{BB962C8B-B14F-4D97-AF65-F5344CB8AC3E}">
-        <p14:creationId xmlns:p14="http://schemas.microsoft.com/office/powerpoint/2010/main" val="1857748040"/>
+        <p14:creationId xmlns:p14="http://schemas.microsoft.com/office/powerpoint/2010/main" val="375726251"/>
       </p:ext>
     </p:extLst>
   </p:cSld>
@@ -3234,2266 +3300,13 @@
         <p:spPr/>
         <p:txBody>
           <a:bodyPr>
-            <a:normAutofit/>
-          </a:bodyPr>
-          <a:lstStyle/>
-          <a:p>
-            <a:r>
-              <a:rPr lang="en-US" sz="2800" dirty="0" smtClean="0"/>
-              <a:t>“Dense and Noisy” Estimation</a:t>
-            </a:r>
-            <a:endParaRPr lang="en-US" sz="2800" dirty="0"/>
-          </a:p>
-        </p:txBody>
-      </p:sp>
-      <mc:AlternateContent xmlns:mc="http://schemas.openxmlformats.org/markup-compatibility/2006">
-        <mc:Choice xmlns:a14="http://schemas.microsoft.com/office/drawing/2010/main" Requires="a14">
-          <p:sp>
-            <p:nvSpPr>
-              <p:cNvPr id="3" name="Content Placeholder 2"/>
-              <p:cNvSpPr>
-                <a:spLocks noGrp="1"/>
-              </p:cNvSpPr>
-              <p:nvPr>
-                <p:ph idx="1"/>
-              </p:nvPr>
-            </p:nvSpPr>
-            <p:spPr/>
-            <p:txBody>
-              <a:bodyPr/>
-              <a:lstStyle/>
-              <a:p>
-                <a:r>
-                  <a:rPr lang="en-US" dirty="0" smtClean="0"/>
-                  <a:t>Proposed by Cho et. al. in [7] in 2010.</a:t>
-                </a:r>
-                <a:endParaRPr lang="en-US" dirty="0" smtClean="0"/>
-              </a:p>
-              <a:p>
-                <a:endParaRPr lang="en-US" dirty="0" smtClean="0"/>
-              </a:p>
-              <a:p>
-                <a:r>
-                  <a:rPr lang="en-US" b="1" dirty="0" smtClean="0"/>
-                  <a:t>Overview: </a:t>
-                </a:r>
-                <a:r>
-                  <a:rPr lang="en-US" dirty="0" smtClean="0"/>
-                  <a:t>In Cho et. al.’s work in [8], they assumed access to a correct, low resolution version of the original image.</a:t>
-                </a:r>
-              </a:p>
-              <a:p>
-                <a:pPr lvl="1"/>
-                <a:r>
-                  <a:rPr lang="en-US" dirty="0" smtClean="0"/>
-                  <a:t>In many real world applications, such a low resolution image is not available.</a:t>
-                </a:r>
-              </a:p>
-              <a:p>
-                <a:endParaRPr lang="en-US" dirty="0" smtClean="0"/>
-              </a:p>
-              <a:p>
-                <a:r>
-                  <a:rPr lang="en-US" b="1" dirty="0" smtClean="0"/>
-                  <a:t>Solution:</a:t>
-                </a:r>
-                <a:r>
-                  <a:rPr lang="en-US" dirty="0" smtClean="0"/>
-                  <a:t> Estimate a low resolution image from a “bag of patches.”  The simplified procedure is:</a:t>
-                </a:r>
-              </a:p>
-              <a:p>
-                <a:pPr lvl="1"/>
-                <a:r>
-                  <a:rPr lang="en-US" dirty="0" smtClean="0"/>
-                  <a:t>Creating a histogram of the bag of patches</a:t>
-                </a:r>
-              </a:p>
-              <a:p>
-                <a:pPr lvl="1"/>
-                <a:r>
-                  <a:rPr lang="en-US" dirty="0" smtClean="0"/>
-                  <a:t>“Estimate” a low resolution version by comparing the histogram to a set of </a:t>
-                </a:r>
-                <a14:m>
-                  <m:oMath xmlns:m="http://schemas.openxmlformats.org/officeDocument/2006/math">
-                    <m:r>
-                      <a:rPr lang="en-US" b="0" i="1" smtClean="0">
-                        <a:latin typeface="Cambria Math"/>
-                      </a:rPr>
-                      <m:t>𝐾</m:t>
-                    </m:r>
-                  </m:oMath>
-                </a14:m>
-                <a:r>
-                  <a:rPr lang="en-US" dirty="0" smtClean="0"/>
-                  <a:t> centroids with predefined low resolution images.</a:t>
-                </a:r>
-              </a:p>
-              <a:p>
-                <a:pPr lvl="1"/>
-                <a:endParaRPr lang="en-US" dirty="0" smtClean="0"/>
-              </a:p>
-              <a:p>
-                <a:endParaRPr lang="en-US" dirty="0"/>
-              </a:p>
-            </p:txBody>
-          </p:sp>
-        </mc:Choice>
-        <mc:Fallback>
-          <p:sp>
-            <p:nvSpPr>
-              <p:cNvPr id="3" name="Content Placeholder 2"/>
-              <p:cNvSpPr>
-                <a:spLocks noGrp="1" noRot="1" noChangeAspect="1" noMove="1" noResize="1" noEditPoints="1" noAdjustHandles="1" noChangeArrowheads="1" noChangeShapeType="1" noTextEdit="1"/>
-              </p:cNvSpPr>
-              <p:nvPr>
-                <p:ph idx="1"/>
-              </p:nvPr>
-            </p:nvSpPr>
-            <p:spPr>
-              <a:blipFill rotWithShape="1">
-                <a:blip r:embed="rId2"/>
-                <a:stretch>
-                  <a:fillRect l="-963" t="-949" r="-1333"/>
-                </a:stretch>
-              </a:blipFill>
-            </p:spPr>
-            <p:txBody>
-              <a:bodyPr/>
-              <a:lstStyle/>
-              <a:p>
-                <a:r>
-                  <a:rPr lang="en-US">
-                    <a:noFill/>
-                  </a:rPr>
-                  <a:t> </a:t>
-                </a:r>
-              </a:p>
-            </p:txBody>
-          </p:sp>
-        </mc:Fallback>
-      </mc:AlternateContent>
-    </p:spTree>
-    <p:extLst>
-      <p:ext uri="{BB962C8B-B14F-4D97-AF65-F5344CB8AC3E}">
-        <p14:creationId xmlns:p14="http://schemas.microsoft.com/office/powerpoint/2010/main" val="2946689892"/>
-      </p:ext>
-    </p:extLst>
-  </p:cSld>
-  <p:clrMapOvr>
-    <a:masterClrMapping/>
-  </p:clrMapOvr>
-  <p:timing>
-    <p:tnLst>
-      <p:par>
-        <p:cTn id="1" dur="indefinite" restart="never" nodeType="tmRoot"/>
-      </p:par>
-    </p:tnLst>
-  </p:timing>
-</p:sld>
-</file>
-
-<file path=ppt/slides/slide13.xml><?xml version="1.0" encoding="utf-8"?>
-<p:sld xmlns:a="http://schemas.openxmlformats.org/drawingml/2006/main" xmlns:r="http://schemas.openxmlformats.org/officeDocument/2006/relationships" xmlns:p="http://schemas.openxmlformats.org/presentationml/2006/main">
-  <p:cSld>
-    <p:spTree>
-      <p:nvGrpSpPr>
-        <p:cNvPr id="1" name=""/>
-        <p:cNvGrpSpPr/>
-        <p:nvPr/>
-      </p:nvGrpSpPr>
-      <p:grpSpPr>
-        <a:xfrm>
-          <a:off x="0" y="0"/>
-          <a:ext cx="0" cy="0"/>
-          <a:chOff x="0" y="0"/>
-          <a:chExt cx="0" cy="0"/>
-        </a:xfrm>
-      </p:grpSpPr>
-      <p:sp>
-        <p:nvSpPr>
-          <p:cNvPr id="2" name="Title 1"/>
-          <p:cNvSpPr>
-            <a:spLocks noGrp="1"/>
-          </p:cNvSpPr>
-          <p:nvPr>
-            <p:ph type="title"/>
-          </p:nvPr>
-        </p:nvSpPr>
-        <p:spPr>
-          <a:xfrm>
-            <a:off x="1790700" y="127002"/>
-            <a:ext cx="7353300" cy="550863"/>
-          </a:xfrm>
-        </p:spPr>
-        <p:txBody>
-          <a:bodyPr>
-            <a:noAutofit/>
-          </a:bodyPr>
-          <a:lstStyle/>
-          <a:p>
-            <a:r>
-              <a:rPr lang="en-US" sz="2400" dirty="0" smtClean="0"/>
-              <a:t>“Dense and Noisy” Clustering </a:t>
-            </a:r>
-            <a:br>
-              <a:rPr lang="en-US" sz="2400" dirty="0" smtClean="0"/>
-            </a:br>
-            <a:r>
-              <a:rPr lang="en-US" sz="2400" dirty="0" smtClean="0"/>
-              <a:t>and Histogram Generation</a:t>
-            </a:r>
-            <a:endParaRPr lang="en-US" sz="2400" dirty="0"/>
-          </a:p>
-        </p:txBody>
-      </p:sp>
-      <mc:AlternateContent xmlns:mc="http://schemas.openxmlformats.org/markup-compatibility/2006">
-        <mc:Choice xmlns:a14="http://schemas.microsoft.com/office/drawing/2010/main" Requires="a14">
-          <p:sp>
-            <p:nvSpPr>
-              <p:cNvPr id="3" name="Content Placeholder 2"/>
-              <p:cNvSpPr>
-                <a:spLocks noGrp="1"/>
-              </p:cNvSpPr>
-              <p:nvPr>
-                <p:ph idx="1"/>
-              </p:nvPr>
-            </p:nvSpPr>
-            <p:spPr/>
-            <p:txBody>
-              <a:bodyPr/>
-              <a:lstStyle/>
-              <a:p>
-                <a:pPr>
-                  <a:spcBef>
-                    <a:spcPts val="1000"/>
-                  </a:spcBef>
-                </a:pPr>
-                <a:r>
-                  <a:rPr lang="en-US" b="1" dirty="0" smtClean="0"/>
-                  <a:t>Training Set:</a:t>
-                </a:r>
-                <a:r>
-                  <a:rPr lang="en-US" dirty="0" smtClean="0"/>
-                  <a:t> 8.5M patches from 15,000 images.</a:t>
-                </a:r>
-              </a:p>
-              <a:p>
-                <a:pPr lvl="1">
-                  <a:spcBef>
-                    <a:spcPts val="1000"/>
-                  </a:spcBef>
-                </a:pPr>
-                <a:r>
-                  <a:rPr lang="en-US" i="1" dirty="0">
-                    <a:solidFill>
-                      <a:srgbClr val="006600"/>
-                    </a:solidFill>
-                  </a:rPr>
-                  <a:t>Patch Size: </a:t>
-                </a:r>
-                <a:r>
-                  <a:rPr lang="en-US" dirty="0" smtClean="0"/>
-                  <a:t>7px by 7px by 3 (LAB) for 147 total, original dimensions.  This dimensionality is reduced via PCA.</a:t>
-                </a:r>
-              </a:p>
-              <a:p>
-                <a:pPr marL="457200" lvl="1" indent="0">
-                  <a:spcBef>
-                    <a:spcPts val="1000"/>
-                  </a:spcBef>
-                  <a:buNone/>
-                </a:pPr>
-                <a:endParaRPr lang="en-US" dirty="0" smtClean="0"/>
-              </a:p>
-              <a:p>
-                <a:pPr>
-                  <a:spcBef>
-                    <a:spcPts val="1000"/>
-                  </a:spcBef>
-                </a:pPr>
-                <a:r>
-                  <a:rPr lang="en-US" b="1" dirty="0" smtClean="0"/>
-                  <a:t>Clustering the Patches</a:t>
-                </a:r>
-              </a:p>
-              <a:p>
-                <a:pPr lvl="1">
-                  <a:spcBef>
-                    <a:spcPts val="1000"/>
-                  </a:spcBef>
-                </a:pPr>
-                <a:r>
-                  <a:rPr lang="en-US" i="1" dirty="0">
-                    <a:solidFill>
-                      <a:srgbClr val="006600"/>
-                    </a:solidFill>
-                  </a:rPr>
-                  <a:t>Step #1: </a:t>
-                </a:r>
-                <a:r>
-                  <a:rPr lang="en-US" dirty="0" smtClean="0"/>
-                  <a:t>Cluster each image’s patches into </a:t>
-                </a:r>
-                <a14:m>
-                  <m:oMath xmlns:m="http://schemas.openxmlformats.org/officeDocument/2006/math">
-                    <m:r>
-                      <a:rPr lang="en-US" b="0" i="1" smtClean="0">
-                        <a:latin typeface="Cambria Math"/>
-                      </a:rPr>
-                      <m:t>𝐿</m:t>
-                    </m:r>
-                  </m:oMath>
-                </a14:m>
-                <a:r>
-                  <a:rPr lang="en-US" dirty="0" smtClean="0"/>
-                  <a:t> (e.g. 20) centroids.</a:t>
-                </a:r>
-              </a:p>
-              <a:p>
-                <a:pPr lvl="1">
-                  <a:spcBef>
-                    <a:spcPts val="1000"/>
-                  </a:spcBef>
-                </a:pPr>
-                <a:r>
-                  <a:rPr lang="en-US" i="1" dirty="0" smtClean="0">
-                    <a:solidFill>
-                      <a:srgbClr val="006600"/>
-                    </a:solidFill>
-                  </a:rPr>
-                  <a:t>Step #2</a:t>
-                </a:r>
-                <a:r>
-                  <a:rPr lang="en-US" dirty="0" smtClean="0"/>
-                  <a:t>: Re-cluster </a:t>
-                </a:r>
-                <a14:m>
-                  <m:oMath xmlns:m="http://schemas.openxmlformats.org/officeDocument/2006/math">
-                    <m:r>
-                      <a:rPr lang="en-US" b="0" i="1" smtClean="0">
-                        <a:latin typeface="Cambria Math"/>
-                      </a:rPr>
-                      <m:t>𝐿</m:t>
-                    </m:r>
-                  </m:oMath>
-                </a14:m>
-                <a:r>
-                  <a:rPr lang="en-US" dirty="0" smtClean="0"/>
-                  <a:t> centroids from all images into </a:t>
-                </a:r>
-                <a14:m>
-                  <m:oMath xmlns:m="http://schemas.openxmlformats.org/officeDocument/2006/math">
-                    <m:r>
-                      <a:rPr lang="en-US" b="0" i="1" smtClean="0">
-                        <a:latin typeface="Cambria Math"/>
-                      </a:rPr>
-                      <m:t>𝑁</m:t>
-                    </m:r>
-                  </m:oMath>
-                </a14:m>
-                <a:r>
-                  <a:rPr lang="en-US" dirty="0" smtClean="0"/>
-                  <a:t> (e.g. 200) centroids. </a:t>
-                </a:r>
-              </a:p>
-              <a:p>
-                <a:pPr>
-                  <a:spcBef>
-                    <a:spcPts val="1000"/>
-                  </a:spcBef>
-                </a:pPr>
-                <a:endParaRPr lang="en-US" dirty="0" smtClean="0"/>
-              </a:p>
-              <a:p>
-                <a:pPr>
-                  <a:spcBef>
-                    <a:spcPts val="1000"/>
-                  </a:spcBef>
-                </a:pPr>
-                <a:r>
-                  <a:rPr lang="en-US" b="1" dirty="0" smtClean="0"/>
-                  <a:t>Creating the Histogram: </a:t>
-                </a:r>
-                <a:r>
-                  <a:rPr lang="en-US" dirty="0" smtClean="0"/>
-                  <a:t>For a given image, assign each patch to its closest centroid.  </a:t>
-                </a:r>
-              </a:p>
-            </p:txBody>
-          </p:sp>
-        </mc:Choice>
-        <mc:Fallback>
-          <p:sp>
-            <p:nvSpPr>
-              <p:cNvPr id="3" name="Content Placeholder 2"/>
-              <p:cNvSpPr>
-                <a:spLocks noGrp="1" noRot="1" noChangeAspect="1" noMove="1" noResize="1" noEditPoints="1" noAdjustHandles="1" noChangeArrowheads="1" noChangeShapeType="1" noTextEdit="1"/>
-              </p:cNvSpPr>
-              <p:nvPr>
-                <p:ph idx="1"/>
-              </p:nvPr>
-            </p:nvSpPr>
-            <p:spPr>
-              <a:blipFill rotWithShape="1">
-                <a:blip r:embed="rId2"/>
-                <a:stretch>
-                  <a:fillRect l="-963" t="-949" r="-444"/>
-                </a:stretch>
-              </a:blipFill>
-            </p:spPr>
-            <p:txBody>
-              <a:bodyPr/>
-              <a:lstStyle/>
-              <a:p>
-                <a:r>
-                  <a:rPr lang="en-US">
-                    <a:noFill/>
-                  </a:rPr>
-                  <a:t> </a:t>
-                </a:r>
-              </a:p>
-            </p:txBody>
-          </p:sp>
-        </mc:Fallback>
-      </mc:AlternateContent>
-    </p:spTree>
-    <p:extLst>
-      <p:ext uri="{BB962C8B-B14F-4D97-AF65-F5344CB8AC3E}">
-        <p14:creationId xmlns:p14="http://schemas.microsoft.com/office/powerpoint/2010/main" val="1855633438"/>
-      </p:ext>
-    </p:extLst>
-  </p:cSld>
-  <p:clrMapOvr>
-    <a:masterClrMapping/>
-  </p:clrMapOvr>
-  <p:timing>
-    <p:tnLst>
-      <p:par>
-        <p:cTn id="1" dur="indefinite" restart="never" nodeType="tmRoot"/>
-      </p:par>
-    </p:tnLst>
-  </p:timing>
-</p:sld>
-</file>
-
-<file path=ppt/slides/slide14.xml><?xml version="1.0" encoding="utf-8"?>
-<p:sld xmlns:a="http://schemas.openxmlformats.org/drawingml/2006/main" xmlns:r="http://schemas.openxmlformats.org/officeDocument/2006/relationships" xmlns:p="http://schemas.openxmlformats.org/presentationml/2006/main">
-  <p:cSld>
-    <p:spTree>
-      <p:nvGrpSpPr>
-        <p:cNvPr id="1" name=""/>
-        <p:cNvGrpSpPr/>
-        <p:nvPr/>
-      </p:nvGrpSpPr>
-      <p:grpSpPr>
-        <a:xfrm>
-          <a:off x="0" y="0"/>
-          <a:ext cx="0" cy="0"/>
-          <a:chOff x="0" y="0"/>
-          <a:chExt cx="0" cy="0"/>
-        </a:xfrm>
-      </p:grpSpPr>
-      <p:sp>
-        <p:nvSpPr>
-          <p:cNvPr id="2" name="Title 1"/>
-          <p:cNvSpPr>
-            <a:spLocks noGrp="1"/>
-          </p:cNvSpPr>
-          <p:nvPr>
-            <p:ph type="title"/>
-          </p:nvPr>
-        </p:nvSpPr>
-        <p:spPr>
-          <a:xfrm>
-            <a:off x="2105024" y="76200"/>
-            <a:ext cx="7038975" cy="550863"/>
-          </a:xfrm>
-        </p:spPr>
-        <p:txBody>
-          <a:bodyPr>
-            <a:noAutofit/>
-          </a:bodyPr>
-          <a:lstStyle/>
-          <a:p>
-            <a:r>
-              <a:rPr lang="en-US" sz="2400" dirty="0" smtClean="0"/>
-              <a:t>“Dense and Noisy” – Generating the Low Res. Image</a:t>
-            </a:r>
-            <a:endParaRPr lang="en-US" sz="2400" dirty="0"/>
-          </a:p>
-        </p:txBody>
-      </p:sp>
-      <p:sp>
-        <p:nvSpPr>
-          <p:cNvPr id="3" name="Content Placeholder 2"/>
-          <p:cNvSpPr>
-            <a:spLocks noGrp="1"/>
-          </p:cNvSpPr>
-          <p:nvPr>
-            <p:ph idx="1"/>
-          </p:nvPr>
-        </p:nvSpPr>
-        <p:spPr/>
-        <p:txBody>
-          <a:bodyPr/>
-          <a:lstStyle/>
-          <a:p>
-            <a:r>
-              <a:rPr lang="en-US" b="1" dirty="0" smtClean="0"/>
-              <a:t>Theoretical Motivation: </a:t>
-            </a:r>
-            <a:r>
-              <a:rPr lang="en-US" dirty="0" smtClean="0"/>
-              <a:t>Different colors are more likely to be at different places in an image.</a:t>
-            </a:r>
-          </a:p>
-          <a:p>
-            <a:pPr lvl="1"/>
-            <a:r>
-              <a:rPr lang="en-US" i="1" dirty="0" smtClean="0">
-                <a:solidFill>
-                  <a:srgbClr val="006600"/>
-                </a:solidFill>
-              </a:rPr>
-              <a:t>Example</a:t>
-            </a:r>
-            <a:r>
-              <a:rPr lang="en-US" b="1" dirty="0" smtClean="0"/>
-              <a:t>:</a:t>
-            </a:r>
-            <a:r>
-              <a:rPr lang="en-US" dirty="0" smtClean="0"/>
-              <a:t> Blue (sky) is more likely to be towards the top of the image while brown (soil) tends to be in the image foreground.</a:t>
-            </a:r>
-          </a:p>
-          <a:p>
-            <a:endParaRPr lang="en-US" dirty="0" smtClean="0"/>
-          </a:p>
-          <a:p>
-            <a:r>
-              <a:rPr lang="en-US" b="1" dirty="0" smtClean="0"/>
-              <a:t>Mapping Bins to the Image</a:t>
-            </a:r>
-            <a:r>
-              <a:rPr lang="en-US" dirty="0" smtClean="0"/>
-              <a:t>: Use the training set to generate probability density maps for each histogram bin.</a:t>
-            </a:r>
-          </a:p>
-          <a:p>
-            <a:endParaRPr lang="en-US" dirty="0"/>
-          </a:p>
-          <a:p>
-            <a:r>
-              <a:rPr lang="en-US" b="1" dirty="0" smtClean="0"/>
-              <a:t>Using the Histogram to Create the Low Resolution Image</a:t>
-            </a:r>
-            <a:r>
-              <a:rPr lang="en-US" dirty="0" smtClean="0"/>
-              <a:t>: Use a trained, linear regression function to map a bag of pieces histogram to the training images (i.e. use prior knowledge).</a:t>
-            </a:r>
-            <a:endParaRPr lang="en-US" dirty="0"/>
-          </a:p>
-        </p:txBody>
-      </p:sp>
-    </p:spTree>
-    <p:extLst>
-      <p:ext uri="{BB962C8B-B14F-4D97-AF65-F5344CB8AC3E}">
-        <p14:creationId xmlns:p14="http://schemas.microsoft.com/office/powerpoint/2010/main" val="58278014"/>
-      </p:ext>
-    </p:extLst>
-  </p:cSld>
-  <p:clrMapOvr>
-    <a:masterClrMapping/>
-  </p:clrMapOvr>
-  <p:timing>
-    <p:tnLst>
-      <p:par>
-        <p:cTn id="1" dur="indefinite" restart="never" nodeType="tmRoot"/>
-      </p:par>
-    </p:tnLst>
-  </p:timing>
-</p:sld>
-</file>
-
-<file path=ppt/slides/slide15.xml><?xml version="1.0" encoding="utf-8"?>
-<p:sld xmlns:a="http://schemas.openxmlformats.org/drawingml/2006/main" xmlns:r="http://schemas.openxmlformats.org/officeDocument/2006/relationships" xmlns:p="http://schemas.openxmlformats.org/presentationml/2006/main">
-  <p:cSld>
-    <p:spTree>
-      <p:nvGrpSpPr>
-        <p:cNvPr id="1" name=""/>
-        <p:cNvGrpSpPr/>
-        <p:nvPr/>
-      </p:nvGrpSpPr>
-      <p:grpSpPr>
-        <a:xfrm>
-          <a:off x="0" y="0"/>
-          <a:ext cx="0" cy="0"/>
-          <a:chOff x="0" y="0"/>
-          <a:chExt cx="0" cy="0"/>
-        </a:xfrm>
-      </p:grpSpPr>
-      <p:sp>
-        <p:nvSpPr>
-          <p:cNvPr id="2" name="Title 1"/>
-          <p:cNvSpPr>
-            <a:spLocks noGrp="1"/>
-          </p:cNvSpPr>
-          <p:nvPr>
-            <p:ph type="title"/>
-          </p:nvPr>
-        </p:nvSpPr>
-        <p:spPr/>
-        <p:txBody>
-          <a:bodyPr>
             <a:normAutofit fontScale="90000"/>
           </a:bodyPr>
           <a:lstStyle/>
           <a:p>
             <a:r>
               <a:rPr lang="en-US" dirty="0" smtClean="0"/>
-              <a:t>“Dense and Noisy” Results</a:t>
-            </a:r>
-            <a:endParaRPr lang="en-US" dirty="0"/>
-          </a:p>
-        </p:txBody>
-      </p:sp>
-      <mc:AlternateContent xmlns:mc="http://schemas.openxmlformats.org/markup-compatibility/2006">
-        <mc:Choice xmlns:a14="http://schemas.microsoft.com/office/drawing/2010/main" Requires="a14">
-          <p:sp>
-            <p:nvSpPr>
-              <p:cNvPr id="3" name="Content Placeholder 2"/>
-              <p:cNvSpPr>
-                <a:spLocks noGrp="1"/>
-              </p:cNvSpPr>
-              <p:nvPr>
-                <p:ph idx="1"/>
-              </p:nvPr>
-            </p:nvSpPr>
-            <p:spPr/>
-            <p:txBody>
-              <a:bodyPr/>
-              <a:lstStyle/>
-              <a:p>
-                <a:r>
-                  <a:rPr lang="en-US" b="1" dirty="0" smtClean="0"/>
-                  <a:t>Summary: </a:t>
-                </a:r>
-                <a:r>
-                  <a:rPr lang="en-US" dirty="0" smtClean="0"/>
-                  <a:t>Patch histogram can “coarsely predict” a low resolution of the original image.</a:t>
-                </a:r>
-              </a:p>
-              <a:p>
-                <a:pPr lvl="1"/>
-                <a:r>
-                  <a:rPr lang="en-US" i="1" dirty="0" smtClean="0">
-                    <a:solidFill>
-                      <a:srgbClr val="006600"/>
-                    </a:solidFill>
-                  </a:rPr>
-                  <a:t>Possible Explanation</a:t>
-                </a:r>
-                <a:r>
-                  <a:rPr lang="en-US" dirty="0" smtClean="0">
-                    <a:solidFill>
-                      <a:srgbClr val="006600"/>
-                    </a:solidFill>
-                  </a:rPr>
-                  <a:t>: </a:t>
-                </a:r>
-                <a:r>
-                  <a:rPr lang="en-US" dirty="0" smtClean="0"/>
-                  <a:t>There is enough “structural regularity” in images that a bag of patches proves spatial information.</a:t>
-                </a:r>
-              </a:p>
-              <a:p>
-                <a:endParaRPr lang="en-US" dirty="0"/>
-              </a:p>
-              <a:p>
-                <a:r>
-                  <a:rPr lang="en-US" b="1" dirty="0" smtClean="0"/>
-                  <a:t>Patch Rank Map: </a:t>
-                </a:r>
-                <a:r>
-                  <a:rPr lang="en-US" dirty="0" smtClean="0"/>
-                  <a:t>For each pixel in the low resolution images, patches are ranked from least likely to most likely to reside in that location.</a:t>
-                </a:r>
-              </a:p>
-              <a:p>
-                <a:pPr lvl="1"/>
-                <a:r>
-                  <a:rPr lang="en-US" i="1" dirty="0" smtClean="0">
-                    <a:solidFill>
-                      <a:srgbClr val="006600"/>
-                    </a:solidFill>
-                  </a:rPr>
-                  <a:t>Ideal Case</a:t>
-                </a:r>
-                <a:r>
-                  <a:rPr lang="en-US" dirty="0" smtClean="0">
-                    <a:solidFill>
-                      <a:srgbClr val="006600"/>
-                    </a:solidFill>
-                  </a:rPr>
-                  <a:t>: </a:t>
-                </a:r>
-                <a:r>
-                  <a:rPr lang="en-US" dirty="0" smtClean="0"/>
-                  <a:t>The set of patches that map to the low resolution will have the best rank (i.e. 1)</a:t>
-                </a:r>
-              </a:p>
-              <a:p>
-                <a:pPr marL="457200" lvl="1" indent="0">
-                  <a:buNone/>
-                </a:pPr>
-                <a:endParaRPr lang="en-US" dirty="0" smtClean="0"/>
-              </a:p>
-              <a:p>
-                <a:pPr lvl="1"/>
-                <a:r>
-                  <a:rPr lang="en-US" i="1" dirty="0" smtClean="0">
-                    <a:solidFill>
-                      <a:srgbClr val="006600"/>
-                    </a:solidFill>
-                  </a:rPr>
-                  <a:t>Worst Case</a:t>
-                </a:r>
-                <a:r>
-                  <a:rPr lang="en-US" dirty="0" smtClean="0">
-                    <a:solidFill>
-                      <a:srgbClr val="006600"/>
-                    </a:solidFill>
-                  </a:rPr>
-                  <a:t>: </a:t>
-                </a:r>
-                <a:r>
-                  <a:rPr lang="en-US" dirty="0" smtClean="0"/>
-                  <a:t>The matching set of patches will have rank </a:t>
-                </a:r>
-                <a14:m>
-                  <m:oMath xmlns:m="http://schemas.openxmlformats.org/officeDocument/2006/math">
-                    <m:r>
-                      <a:rPr lang="en-US" b="0" i="1" smtClean="0">
-                        <a:latin typeface="Cambria Math"/>
-                      </a:rPr>
-                      <m:t>𝑁</m:t>
-                    </m:r>
-                  </m:oMath>
-                </a14:m>
-                <a:r>
-                  <a:rPr lang="en-US" dirty="0" smtClean="0"/>
-                  <a:t>, where </a:t>
-                </a:r>
-                <a14:m>
-                  <m:oMath xmlns:m="http://schemas.openxmlformats.org/officeDocument/2006/math">
-                    <m:r>
-                      <a:rPr lang="en-US" b="0" i="1" smtClean="0">
-                        <a:latin typeface="Cambria Math"/>
-                      </a:rPr>
-                      <m:t>𝑁</m:t>
-                    </m:r>
-                  </m:oMath>
-                </a14:m>
-                <a:r>
-                  <a:rPr lang="en-US" dirty="0" smtClean="0"/>
-                  <a:t> is the number of patches in the image.</a:t>
-                </a:r>
-                <a:endParaRPr lang="en-US" dirty="0"/>
-              </a:p>
-            </p:txBody>
-          </p:sp>
-        </mc:Choice>
-        <mc:Fallback>
-          <p:sp>
-            <p:nvSpPr>
-              <p:cNvPr id="3" name="Content Placeholder 2"/>
-              <p:cNvSpPr>
-                <a:spLocks noGrp="1" noRot="1" noChangeAspect="1" noMove="1" noResize="1" noEditPoints="1" noAdjustHandles="1" noChangeArrowheads="1" noChangeShapeType="1" noTextEdit="1"/>
-              </p:cNvSpPr>
-              <p:nvPr>
-                <p:ph idx="1"/>
-              </p:nvPr>
-            </p:nvSpPr>
-            <p:spPr>
-              <a:blipFill rotWithShape="1">
-                <a:blip r:embed="rId2"/>
-                <a:stretch>
-                  <a:fillRect l="-963" t="-949" r="-593" b="-593"/>
-                </a:stretch>
-              </a:blipFill>
-            </p:spPr>
-            <p:txBody>
-              <a:bodyPr/>
-              <a:lstStyle/>
-              <a:p>
-                <a:r>
-                  <a:rPr lang="en-US">
-                    <a:noFill/>
-                  </a:rPr>
-                  <a:t> </a:t>
-                </a:r>
-              </a:p>
-            </p:txBody>
-          </p:sp>
-        </mc:Fallback>
-      </mc:AlternateContent>
-    </p:spTree>
-    <p:extLst>
-      <p:ext uri="{BB962C8B-B14F-4D97-AF65-F5344CB8AC3E}">
-        <p14:creationId xmlns:p14="http://schemas.microsoft.com/office/powerpoint/2010/main" val="2990768384"/>
-      </p:ext>
-    </p:extLst>
-  </p:cSld>
-  <p:clrMapOvr>
-    <a:masterClrMapping/>
-  </p:clrMapOvr>
-  <p:timing>
-    <p:tnLst>
-      <p:par>
-        <p:cTn id="1" dur="indefinite" restart="never" nodeType="tmRoot"/>
-      </p:par>
-    </p:tnLst>
-  </p:timing>
-</p:sld>
-</file>
-
-<file path=ppt/slides/slide16.xml><?xml version="1.0" encoding="utf-8"?>
-<p:sld xmlns:a="http://schemas.openxmlformats.org/drawingml/2006/main" xmlns:r="http://schemas.openxmlformats.org/officeDocument/2006/relationships" xmlns:p="http://schemas.openxmlformats.org/presentationml/2006/main">
-  <p:cSld>
-    <p:spTree>
-      <p:nvGrpSpPr>
-        <p:cNvPr id="1" name=""/>
-        <p:cNvGrpSpPr/>
-        <p:nvPr/>
-      </p:nvGrpSpPr>
-      <p:grpSpPr>
-        <a:xfrm>
-          <a:off x="0" y="0"/>
-          <a:ext cx="0" cy="0"/>
-          <a:chOff x="0" y="0"/>
-          <a:chExt cx="0" cy="0"/>
-        </a:xfrm>
-      </p:grpSpPr>
-      <p:sp>
-        <p:nvSpPr>
-          <p:cNvPr id="2" name="Title 1"/>
-          <p:cNvSpPr>
-            <a:spLocks noGrp="1"/>
-          </p:cNvSpPr>
-          <p:nvPr>
-            <p:ph type="title"/>
-          </p:nvPr>
-        </p:nvSpPr>
-        <p:spPr/>
-        <p:txBody>
-          <a:bodyPr>
-            <a:noAutofit/>
-          </a:bodyPr>
-          <a:lstStyle/>
-          <a:p>
-            <a:r>
-              <a:rPr lang="en-US" sz="3200" dirty="0" smtClean="0"/>
-              <a:t>“Dense and Noisy” End to End Example</a:t>
-            </a:r>
-            <a:endParaRPr lang="en-US" sz="3200" dirty="0"/>
-          </a:p>
-        </p:txBody>
-      </p:sp>
-      <p:pic>
-        <p:nvPicPr>
-          <p:cNvPr id="4" name="Content Placeholder 3"/>
-          <p:cNvPicPr>
-            <a:picLocks noGrp="1" noChangeAspect="1"/>
-          </p:cNvPicPr>
-          <p:nvPr>
-            <p:ph idx="1"/>
-          </p:nvPr>
-        </p:nvPicPr>
-        <p:blipFill rotWithShape="1">
-          <a:blip r:embed="rId2">
-            <a:extLst>
-              <a:ext uri="{28A0092B-C50C-407E-A947-70E740481C1C}">
-                <a14:useLocalDpi xmlns:a14="http://schemas.microsoft.com/office/drawing/2010/main" val="0"/>
-              </a:ext>
-            </a:extLst>
-          </a:blip>
-          <a:srcRect b="433"/>
-          <a:stretch/>
-        </p:blipFill>
-        <p:spPr>
-          <a:xfrm>
-            <a:off x="1226820" y="989013"/>
-            <a:ext cx="6309360" cy="5607821"/>
-          </a:xfrm>
-        </p:spPr>
-      </p:pic>
-      <p:sp>
-        <p:nvSpPr>
-          <p:cNvPr id="6" name="Rectangle 5"/>
-          <p:cNvSpPr/>
-          <p:nvPr/>
-        </p:nvSpPr>
-        <p:spPr bwMode="auto">
-          <a:xfrm>
-            <a:off x="1371600" y="1409700"/>
-            <a:ext cx="6073140" cy="1188720"/>
-          </a:xfrm>
-          <a:prstGeom prst="rect">
-            <a:avLst/>
-          </a:prstGeom>
-          <a:noFill/>
-          <a:ln w="63500" cap="flat" cmpd="sng" algn="ctr">
-            <a:solidFill>
-              <a:srgbClr val="FF0000"/>
-            </a:solidFill>
-            <a:prstDash val="solid"/>
-            <a:round/>
-            <a:headEnd type="none" w="med" len="med"/>
-            <a:tailEnd type="none" w="med" len="med"/>
-          </a:ln>
-          <a:effectLst/>
-        </p:spPr>
-        <p:txBody>
-          <a:bodyPr vert="horz" wrap="square" lIns="91440" tIns="45720" rIns="91440" bIns="45720" numCol="1" rtlCol="0" anchor="t" anchorCtr="0" compatLnSpc="1">
-            <a:prstTxWarp prst="textNoShape">
-              <a:avLst/>
-            </a:prstTxWarp>
-          </a:bodyPr>
-          <a:lstStyle/>
-          <a:p>
-            <a:pPr marL="0" marR="0" indent="0" algn="l" defTabSz="914400" rtl="0" eaLnBrk="1" fontAlgn="base" latinLnBrk="0" hangingPunct="1">
-              <a:lnSpc>
-                <a:spcPct val="100000"/>
-              </a:lnSpc>
-              <a:spcBef>
-                <a:spcPct val="0"/>
-              </a:spcBef>
-              <a:spcAft>
-                <a:spcPct val="0"/>
-              </a:spcAft>
-              <a:buClrTx/>
-              <a:buSzTx/>
-              <a:buFontTx/>
-              <a:buNone/>
-              <a:tabLst/>
-            </a:pPr>
-            <a:endParaRPr kumimoji="0" lang="en-US" sz="1800" b="1" i="0" u="none" strike="noStrike" cap="none" normalizeH="0" baseline="0" smtClean="0">
-              <a:ln>
-                <a:noFill/>
-              </a:ln>
-              <a:solidFill>
-                <a:schemeClr val="tx1"/>
-              </a:solidFill>
-              <a:effectLst/>
-              <a:latin typeface="Arial" charset="0"/>
-              <a:cs typeface="Arial" charset="0"/>
-            </a:endParaRPr>
-          </a:p>
-        </p:txBody>
-      </p:sp>
-      <p:sp>
-        <p:nvSpPr>
-          <p:cNvPr id="7" name="TextBox 6"/>
-          <p:cNvSpPr txBox="1"/>
-          <p:nvPr/>
-        </p:nvSpPr>
-        <p:spPr>
-          <a:xfrm>
-            <a:off x="7525159" y="5091850"/>
-            <a:ext cx="1618841" cy="911019"/>
-          </a:xfrm>
-          <a:prstGeom prst="rect">
-            <a:avLst/>
-          </a:prstGeom>
-          <a:noFill/>
-        </p:spPr>
-        <p:txBody>
-          <a:bodyPr wrap="none" rtlCol="0">
-            <a:spAutoFit/>
-          </a:bodyPr>
-          <a:lstStyle/>
-          <a:p>
-            <a:pPr algn="ctr">
-              <a:lnSpc>
-                <a:spcPct val="114000"/>
-              </a:lnSpc>
-            </a:pPr>
-            <a:r>
-              <a:rPr lang="en-US" sz="1600" b="1" dirty="0" smtClean="0"/>
-              <a:t>Worst Results</a:t>
-            </a:r>
-            <a:r>
-              <a:rPr lang="en-US" sz="1600" dirty="0" smtClean="0"/>
-              <a:t> </a:t>
-            </a:r>
-          </a:p>
-          <a:p>
-            <a:pPr algn="ctr">
-              <a:lnSpc>
-                <a:spcPct val="114000"/>
-              </a:lnSpc>
-            </a:pPr>
-            <a:r>
-              <a:rPr lang="en-US" sz="1600" dirty="0" smtClean="0"/>
-              <a:t>Confused </a:t>
-            </a:r>
-          </a:p>
-          <a:p>
-            <a:pPr algn="ctr">
-              <a:lnSpc>
-                <a:spcPct val="114000"/>
-              </a:lnSpc>
-            </a:pPr>
-            <a:r>
-              <a:rPr lang="en-US" sz="1600" dirty="0" smtClean="0"/>
-              <a:t>snow for sky</a:t>
-            </a:r>
-          </a:p>
-        </p:txBody>
-      </p:sp>
-      <p:sp>
-        <p:nvSpPr>
-          <p:cNvPr id="8" name="Rectangle 7"/>
-          <p:cNvSpPr/>
-          <p:nvPr/>
-        </p:nvSpPr>
-        <p:spPr bwMode="auto">
-          <a:xfrm>
-            <a:off x="1371600" y="4953000"/>
-            <a:ext cx="6073140" cy="1188720"/>
-          </a:xfrm>
-          <a:prstGeom prst="rect">
-            <a:avLst/>
-          </a:prstGeom>
-          <a:noFill/>
-          <a:ln w="63500" cap="flat" cmpd="sng" algn="ctr">
-            <a:solidFill>
-              <a:srgbClr val="FF0000"/>
-            </a:solidFill>
-            <a:prstDash val="solid"/>
-            <a:round/>
-            <a:headEnd type="none" w="med" len="med"/>
-            <a:tailEnd type="none" w="med" len="med"/>
-          </a:ln>
-          <a:effectLst/>
-        </p:spPr>
-        <p:txBody>
-          <a:bodyPr vert="horz" wrap="square" lIns="91440" tIns="45720" rIns="91440" bIns="45720" numCol="1" rtlCol="0" anchor="t" anchorCtr="0" compatLnSpc="1">
-            <a:prstTxWarp prst="textNoShape">
-              <a:avLst/>
-            </a:prstTxWarp>
-          </a:bodyPr>
-          <a:lstStyle/>
-          <a:p>
-            <a:pPr marL="0" marR="0" indent="0" algn="l" defTabSz="914400" rtl="0" eaLnBrk="1" fontAlgn="base" latinLnBrk="0" hangingPunct="1">
-              <a:lnSpc>
-                <a:spcPct val="100000"/>
-              </a:lnSpc>
-              <a:spcBef>
-                <a:spcPct val="0"/>
-              </a:spcBef>
-              <a:spcAft>
-                <a:spcPct val="0"/>
-              </a:spcAft>
-              <a:buClrTx/>
-              <a:buSzTx/>
-              <a:buFontTx/>
-              <a:buNone/>
-              <a:tabLst/>
-            </a:pPr>
-            <a:endParaRPr kumimoji="0" lang="en-US" sz="1800" b="1" i="0" u="none" strike="noStrike" cap="none" normalizeH="0" baseline="0" smtClean="0">
-              <a:ln>
-                <a:noFill/>
-              </a:ln>
-              <a:solidFill>
-                <a:schemeClr val="tx1"/>
-              </a:solidFill>
-              <a:effectLst/>
-              <a:latin typeface="Arial" charset="0"/>
-              <a:cs typeface="Arial" charset="0"/>
-            </a:endParaRPr>
-          </a:p>
-        </p:txBody>
-      </p:sp>
-      <p:sp>
-        <p:nvSpPr>
-          <p:cNvPr id="10" name="TextBox 9"/>
-          <p:cNvSpPr txBox="1"/>
-          <p:nvPr/>
-        </p:nvSpPr>
-        <p:spPr>
-          <a:xfrm>
-            <a:off x="7621082" y="1829268"/>
-            <a:ext cx="1426994" cy="349583"/>
-          </a:xfrm>
-          <a:prstGeom prst="rect">
-            <a:avLst/>
-          </a:prstGeom>
-          <a:noFill/>
-        </p:spPr>
-        <p:txBody>
-          <a:bodyPr wrap="none" rtlCol="0">
-            <a:spAutoFit/>
-          </a:bodyPr>
-          <a:lstStyle/>
-          <a:p>
-            <a:pPr algn="ctr">
-              <a:lnSpc>
-                <a:spcPct val="114000"/>
-              </a:lnSpc>
-            </a:pPr>
-            <a:r>
-              <a:rPr lang="en-US" sz="1600" b="1" dirty="0" smtClean="0"/>
-              <a:t>Best Results</a:t>
-            </a:r>
-            <a:endParaRPr lang="en-US" sz="1600" dirty="0" smtClean="0"/>
-          </a:p>
-        </p:txBody>
-      </p:sp>
-    </p:spTree>
-    <p:extLst>
-      <p:ext uri="{BB962C8B-B14F-4D97-AF65-F5344CB8AC3E}">
-        <p14:creationId xmlns:p14="http://schemas.microsoft.com/office/powerpoint/2010/main" val="3358056143"/>
-      </p:ext>
-    </p:extLst>
-  </p:cSld>
-  <p:clrMapOvr>
-    <a:masterClrMapping/>
-  </p:clrMapOvr>
-  <p:timing>
-    <p:tnLst>
-      <p:par>
-        <p:cTn id="1" dur="indefinite" restart="never" nodeType="tmRoot">
-          <p:childTnLst>
-            <p:seq concurrent="1" nextAc="seek">
-              <p:cTn id="2" dur="indefinite" nodeType="mainSeq">
-                <p:childTnLst>
-                  <p:par>
-                    <p:cTn id="3" fill="hold">
-                      <p:stCondLst>
-                        <p:cond delay="indefinite"/>
-                      </p:stCondLst>
-                      <p:childTnLst>
-                        <p:par>
-                          <p:cTn id="4" fill="hold">
-                            <p:stCondLst>
-                              <p:cond delay="0"/>
-                            </p:stCondLst>
-                            <p:childTnLst>
-                              <p:par>
-                                <p:cTn id="5" presetID="10" presetClass="entr" presetSubtype="0" fill="hold" grpId="0" nodeType="clickEffect">
-                                  <p:stCondLst>
-                                    <p:cond delay="0"/>
-                                  </p:stCondLst>
-                                  <p:childTnLst>
-                                    <p:set>
-                                      <p:cBhvr>
-                                        <p:cTn id="6" dur="1" fill="hold">
-                                          <p:stCondLst>
-                                            <p:cond delay="0"/>
-                                          </p:stCondLst>
-                                        </p:cTn>
-                                        <p:tgtEl>
-                                          <p:spTgt spid="6"/>
-                                        </p:tgtEl>
-                                        <p:attrNameLst>
-                                          <p:attrName>style.visibility</p:attrName>
-                                        </p:attrNameLst>
-                                      </p:cBhvr>
-                                      <p:to>
-                                        <p:strVal val="visible"/>
-                                      </p:to>
-                                    </p:set>
-                                    <p:animEffect transition="in" filter="fade">
-                                      <p:cBhvr>
-                                        <p:cTn id="7" dur="500"/>
-                                        <p:tgtEl>
-                                          <p:spTgt spid="6"/>
-                                        </p:tgtEl>
-                                      </p:cBhvr>
-                                    </p:animEffect>
-                                  </p:childTnLst>
-                                </p:cTn>
-                              </p:par>
-                            </p:childTnLst>
-                          </p:cTn>
-                        </p:par>
-                        <p:par>
-                          <p:cTn id="8" fill="hold">
-                            <p:stCondLst>
-                              <p:cond delay="500"/>
-                            </p:stCondLst>
-                            <p:childTnLst>
-                              <p:par>
-                                <p:cTn id="9" presetID="10" presetClass="entr" presetSubtype="0" fill="hold" grpId="0" nodeType="afterEffect">
-                                  <p:stCondLst>
-                                    <p:cond delay="0"/>
-                                  </p:stCondLst>
-                                  <p:childTnLst>
-                                    <p:set>
-                                      <p:cBhvr>
-                                        <p:cTn id="10" dur="1" fill="hold">
-                                          <p:stCondLst>
-                                            <p:cond delay="0"/>
-                                          </p:stCondLst>
-                                        </p:cTn>
-                                        <p:tgtEl>
-                                          <p:spTgt spid="10"/>
-                                        </p:tgtEl>
-                                        <p:attrNameLst>
-                                          <p:attrName>style.visibility</p:attrName>
-                                        </p:attrNameLst>
-                                      </p:cBhvr>
-                                      <p:to>
-                                        <p:strVal val="visible"/>
-                                      </p:to>
-                                    </p:set>
-                                    <p:animEffect transition="in" filter="fade">
-                                      <p:cBhvr>
-                                        <p:cTn id="11" dur="500"/>
-                                        <p:tgtEl>
-                                          <p:spTgt spid="10"/>
-                                        </p:tgtEl>
-                                      </p:cBhvr>
-                                    </p:animEffect>
-                                  </p:childTnLst>
-                                </p:cTn>
-                              </p:par>
-                            </p:childTnLst>
-                          </p:cTn>
-                        </p:par>
-                      </p:childTnLst>
-                    </p:cTn>
-                  </p:par>
-                  <p:par>
-                    <p:cTn id="12" fill="hold">
-                      <p:stCondLst>
-                        <p:cond delay="indefinite"/>
-                      </p:stCondLst>
-                      <p:childTnLst>
-                        <p:par>
-                          <p:cTn id="13" fill="hold">
-                            <p:stCondLst>
-                              <p:cond delay="0"/>
-                            </p:stCondLst>
-                            <p:childTnLst>
-                              <p:par>
-                                <p:cTn id="14" presetID="10" presetClass="entr" presetSubtype="0" fill="hold" grpId="0" nodeType="clickEffect">
-                                  <p:stCondLst>
-                                    <p:cond delay="0"/>
-                                  </p:stCondLst>
-                                  <p:childTnLst>
-                                    <p:set>
-                                      <p:cBhvr>
-                                        <p:cTn id="15" dur="1" fill="hold">
-                                          <p:stCondLst>
-                                            <p:cond delay="0"/>
-                                          </p:stCondLst>
-                                        </p:cTn>
-                                        <p:tgtEl>
-                                          <p:spTgt spid="8"/>
-                                        </p:tgtEl>
-                                        <p:attrNameLst>
-                                          <p:attrName>style.visibility</p:attrName>
-                                        </p:attrNameLst>
-                                      </p:cBhvr>
-                                      <p:to>
-                                        <p:strVal val="visible"/>
-                                      </p:to>
-                                    </p:set>
-                                    <p:animEffect transition="in" filter="fade">
-                                      <p:cBhvr>
-                                        <p:cTn id="16" dur="500"/>
-                                        <p:tgtEl>
-                                          <p:spTgt spid="8"/>
-                                        </p:tgtEl>
-                                      </p:cBhvr>
-                                    </p:animEffect>
-                                  </p:childTnLst>
-                                </p:cTn>
-                              </p:par>
-                            </p:childTnLst>
-                          </p:cTn>
-                        </p:par>
-                        <p:par>
-                          <p:cTn id="17" fill="hold">
-                            <p:stCondLst>
-                              <p:cond delay="500"/>
-                            </p:stCondLst>
-                            <p:childTnLst>
-                              <p:par>
-                                <p:cTn id="18" presetID="10" presetClass="entr" presetSubtype="0" fill="hold" grpId="0" nodeType="afterEffect">
-                                  <p:stCondLst>
-                                    <p:cond delay="0"/>
-                                  </p:stCondLst>
-                                  <p:childTnLst>
-                                    <p:set>
-                                      <p:cBhvr>
-                                        <p:cTn id="19" dur="1" fill="hold">
-                                          <p:stCondLst>
-                                            <p:cond delay="0"/>
-                                          </p:stCondLst>
-                                        </p:cTn>
-                                        <p:tgtEl>
-                                          <p:spTgt spid="7"/>
-                                        </p:tgtEl>
-                                        <p:attrNameLst>
-                                          <p:attrName>style.visibility</p:attrName>
-                                        </p:attrNameLst>
-                                      </p:cBhvr>
-                                      <p:to>
-                                        <p:strVal val="visible"/>
-                                      </p:to>
-                                    </p:set>
-                                    <p:animEffect transition="in" filter="fade">
-                                      <p:cBhvr>
-                                        <p:cTn id="20" dur="500"/>
-                                        <p:tgtEl>
-                                          <p:spTgt spid="7"/>
-                                        </p:tgtEl>
-                                      </p:cBhvr>
-                                    </p:animEffect>
-                                  </p:childTnLst>
-                                </p:cTn>
-                              </p:par>
-                            </p:childTnLst>
-                          </p:cTn>
-                        </p:par>
-                      </p:childTnLst>
-                    </p:cTn>
-                  </p:par>
-                </p:childTnLst>
-              </p:cTn>
-              <p:prevCondLst>
-                <p:cond evt="onPrev" delay="0">
-                  <p:tgtEl>
-                    <p:sldTgt/>
-                  </p:tgtEl>
-                </p:cond>
-              </p:prevCondLst>
-              <p:nextCondLst>
-                <p:cond evt="onNext" delay="0">
-                  <p:tgtEl>
-                    <p:sldTgt/>
-                  </p:tgtEl>
-                </p:cond>
-              </p:nextCondLst>
-            </p:seq>
-          </p:childTnLst>
-        </p:cTn>
-      </p:par>
-    </p:tnLst>
-    <p:bldLst>
-      <p:bldP spid="6" grpId="0" animBg="1"/>
-      <p:bldP spid="7" grpId="0"/>
-      <p:bldP spid="8" grpId="0" animBg="1"/>
-      <p:bldP spid="10" grpId="0"/>
-    </p:bldLst>
-  </p:timing>
-</p:sld>
-</file>
-
-<file path=ppt/slides/slide17.xml><?xml version="1.0" encoding="utf-8"?>
-<p:sld xmlns:a="http://schemas.openxmlformats.org/drawingml/2006/main" xmlns:r="http://schemas.openxmlformats.org/officeDocument/2006/relationships" xmlns:p="http://schemas.openxmlformats.org/presentationml/2006/main">
-  <p:cSld>
-    <p:spTree>
-      <p:nvGrpSpPr>
-        <p:cNvPr id="1" name=""/>
-        <p:cNvGrpSpPr/>
-        <p:nvPr/>
-      </p:nvGrpSpPr>
-      <p:grpSpPr>
-        <a:xfrm>
-          <a:off x="0" y="0"/>
-          <a:ext cx="0" cy="0"/>
-          <a:chOff x="0" y="0"/>
-          <a:chExt cx="0" cy="0"/>
-        </a:xfrm>
-      </p:grpSpPr>
-      <p:sp>
-        <p:nvSpPr>
-          <p:cNvPr id="2" name="Title 1"/>
-          <p:cNvSpPr>
-            <a:spLocks noGrp="1"/>
-          </p:cNvSpPr>
-          <p:nvPr>
-            <p:ph type="title"/>
-          </p:nvPr>
-        </p:nvSpPr>
-        <p:spPr/>
-        <p:txBody>
-          <a:bodyPr>
-            <a:normAutofit fontScale="90000"/>
-          </a:bodyPr>
-          <a:lstStyle/>
-          <a:p>
-            <a:r>
-              <a:rPr lang="en-US" dirty="0" smtClean="0"/>
-              <a:t>“Sparse and Accurate”</a:t>
-            </a:r>
-            <a:endParaRPr lang="en-US" dirty="0"/>
-          </a:p>
-        </p:txBody>
-      </p:sp>
-      <mc:AlternateContent xmlns:mc="http://schemas.openxmlformats.org/markup-compatibility/2006">
-        <mc:Choice xmlns:a14="http://schemas.microsoft.com/office/drawing/2010/main" Requires="a14">
-          <p:sp>
-            <p:nvSpPr>
-              <p:cNvPr id="3" name="Content Placeholder 2"/>
-              <p:cNvSpPr>
-                <a:spLocks noGrp="1"/>
-              </p:cNvSpPr>
-              <p:nvPr>
-                <p:ph idx="1"/>
-              </p:nvPr>
-            </p:nvSpPr>
-            <p:spPr/>
-            <p:txBody>
-              <a:bodyPr>
-                <a:normAutofit fontScale="92500" lnSpcReduction="20000"/>
-              </a:bodyPr>
-              <a:lstStyle/>
-              <a:p>
-                <a:r>
-                  <a:rPr lang="en-US" dirty="0" smtClean="0"/>
-                  <a:t>Proposed by Cho et. al. in [7] </a:t>
-                </a:r>
-              </a:p>
-              <a:p>
-                <a:endParaRPr lang="en-US" b="1" dirty="0"/>
-              </a:p>
-              <a:p>
-                <a:r>
-                  <a:rPr lang="en-US" b="1" dirty="0" smtClean="0"/>
-                  <a:t>Common Human Approach to Solving Puzzles</a:t>
-                </a:r>
-                <a:r>
-                  <a:rPr lang="en-US" dirty="0" smtClean="0"/>
-                  <a:t>: “Outside-in”</a:t>
-                </a:r>
-              </a:p>
-              <a:p>
-                <a:pPr lvl="1"/>
-                <a:r>
-                  <a:rPr lang="en-US" dirty="0" smtClean="0"/>
-                  <a:t>Find the puzzle’s four corner pieces.</a:t>
-                </a:r>
-              </a:p>
-              <a:p>
-                <a:pPr lvl="1"/>
-                <a:r>
-                  <a:rPr lang="en-US" dirty="0" smtClean="0"/>
-                  <a:t>Build from the corner pieces until all four sections converge.</a:t>
-                </a:r>
-              </a:p>
-              <a:p>
-                <a:endParaRPr lang="en-US" dirty="0"/>
-              </a:p>
-              <a:p>
-                <a:r>
-                  <a:rPr lang="en-US" dirty="0" smtClean="0"/>
-                  <a:t>“Sparse and accurate” is based off the “outside-in” technique.</a:t>
-                </a:r>
-              </a:p>
-              <a:p>
-                <a:pPr lvl="1"/>
-                <a:r>
-                  <a:rPr lang="en-US" b="1" dirty="0" smtClean="0"/>
-                  <a:t>Definition on an “Anchor Patch”</a:t>
-                </a:r>
-                <a:r>
-                  <a:rPr lang="en-US" dirty="0" smtClean="0"/>
-                  <a:t>: A puzzle patch that is placed in its correct location and orientation.</a:t>
-                </a:r>
-              </a:p>
-              <a:p>
-                <a:pPr lvl="1"/>
-                <a:endParaRPr lang="en-US" dirty="0" smtClean="0"/>
-              </a:p>
-              <a:p>
-                <a:pPr lvl="1"/>
-                <a:r>
-                  <a:rPr lang="en-US" b="1" dirty="0" smtClean="0"/>
-                  <a:t>Summary of the Approach:</a:t>
-                </a:r>
-                <a:r>
-                  <a:rPr lang="en-US" dirty="0" smtClean="0"/>
-                  <a:t> Place a set of </a:t>
-                </a:r>
-                <a14:m>
-                  <m:oMath xmlns:m="http://schemas.openxmlformats.org/officeDocument/2006/math">
-                    <m:r>
-                      <a:rPr lang="en-US" b="0" i="1" smtClean="0">
-                        <a:latin typeface="Cambria Math"/>
-                      </a:rPr>
-                      <m:t>𝑁</m:t>
-                    </m:r>
-                  </m:oMath>
-                </a14:m>
-                <a:r>
-                  <a:rPr lang="en-US" dirty="0" smtClean="0"/>
-                  <a:t> anchor patches and then solve the puzzle.</a:t>
-                </a:r>
-              </a:p>
-              <a:p>
-                <a:pPr marL="457200" lvl="1" indent="0">
-                  <a:buNone/>
-                </a:pPr>
-                <a:endParaRPr lang="en-US" dirty="0" smtClean="0"/>
-              </a:p>
-              <a:p>
-                <a:r>
-                  <a:rPr lang="en-US" dirty="0" smtClean="0"/>
-                  <a:t>Two most important criteria of anchor patches</a:t>
-                </a:r>
-              </a:p>
-              <a:p>
-                <a:pPr lvl="1"/>
-                <a:r>
-                  <a:rPr lang="en-US" dirty="0" smtClean="0"/>
-                  <a:t>Quantity</a:t>
-                </a:r>
-              </a:p>
-              <a:p>
-                <a:pPr lvl="1"/>
-                <a:r>
-                  <a:rPr lang="en-US" dirty="0" smtClean="0"/>
-                  <a:t>Spatial uniformity</a:t>
-                </a:r>
-              </a:p>
-            </p:txBody>
-          </p:sp>
-        </mc:Choice>
-        <mc:Fallback>
-          <p:sp>
-            <p:nvSpPr>
-              <p:cNvPr id="3" name="Content Placeholder 2"/>
-              <p:cNvSpPr>
-                <a:spLocks noGrp="1" noRot="1" noChangeAspect="1" noMove="1" noResize="1" noEditPoints="1" noAdjustHandles="1" noChangeArrowheads="1" noChangeShapeType="1" noTextEdit="1"/>
-              </p:cNvSpPr>
-              <p:nvPr>
-                <p:ph idx="1"/>
-              </p:nvPr>
-            </p:nvSpPr>
-            <p:spPr>
-              <a:blipFill rotWithShape="1">
-                <a:blip r:embed="rId2"/>
-                <a:stretch>
-                  <a:fillRect l="-815" t="-1898"/>
-                </a:stretch>
-              </a:blipFill>
-            </p:spPr>
-            <p:txBody>
-              <a:bodyPr/>
-              <a:lstStyle/>
-              <a:p>
-                <a:r>
-                  <a:rPr lang="en-US">
-                    <a:noFill/>
-                  </a:rPr>
-                  <a:t> </a:t>
-                </a:r>
-              </a:p>
-            </p:txBody>
-          </p:sp>
-        </mc:Fallback>
-      </mc:AlternateContent>
-    </p:spTree>
-    <p:extLst>
-      <p:ext uri="{BB962C8B-B14F-4D97-AF65-F5344CB8AC3E}">
-        <p14:creationId xmlns:p14="http://schemas.microsoft.com/office/powerpoint/2010/main" val="4118033345"/>
-      </p:ext>
-    </p:extLst>
-  </p:cSld>
-  <p:clrMapOvr>
-    <a:masterClrMapping/>
-  </p:clrMapOvr>
-  <p:timing>
-    <p:tnLst>
-      <p:par>
-        <p:cTn id="1" dur="indefinite" restart="never" nodeType="tmRoot"/>
-      </p:par>
-    </p:tnLst>
-  </p:timing>
-</p:sld>
-</file>
-
-<file path=ppt/slides/slide18.xml><?xml version="1.0" encoding="utf-8"?>
-<p:sld xmlns:a="http://schemas.openxmlformats.org/drawingml/2006/main" xmlns:r="http://schemas.openxmlformats.org/officeDocument/2006/relationships" xmlns:p="http://schemas.openxmlformats.org/presentationml/2006/main">
-  <p:cSld>
-    <p:spTree>
-      <p:nvGrpSpPr>
-        <p:cNvPr id="1" name=""/>
-        <p:cNvGrpSpPr/>
-        <p:nvPr/>
-      </p:nvGrpSpPr>
-      <p:grpSpPr>
-        <a:xfrm>
-          <a:off x="0" y="0"/>
-          <a:ext cx="0" cy="0"/>
-          <a:chOff x="0" y="0"/>
-          <a:chExt cx="0" cy="0"/>
-        </a:xfrm>
-      </p:grpSpPr>
-      <p:sp>
-        <p:nvSpPr>
-          <p:cNvPr id="2" name="Title 1"/>
-          <p:cNvSpPr>
-            <a:spLocks noGrp="1"/>
-          </p:cNvSpPr>
-          <p:nvPr>
-            <p:ph type="title"/>
-          </p:nvPr>
-        </p:nvSpPr>
-        <p:spPr/>
-        <p:txBody>
-          <a:bodyPr>
-            <a:normAutofit fontScale="90000"/>
-          </a:bodyPr>
-          <a:lstStyle/>
-          <a:p>
-            <a:r>
-              <a:rPr lang="en-US" dirty="0" smtClean="0"/>
-              <a:t>Loopy Belief Propagation Solver</a:t>
-            </a:r>
-            <a:endParaRPr lang="en-US" dirty="0"/>
-          </a:p>
-        </p:txBody>
-      </p:sp>
-      <p:sp>
-        <p:nvSpPr>
-          <p:cNvPr id="3" name="Content Placeholder 2"/>
-          <p:cNvSpPr>
-            <a:spLocks noGrp="1"/>
-          </p:cNvSpPr>
-          <p:nvPr>
-            <p:ph idx="1"/>
-          </p:nvPr>
-        </p:nvSpPr>
-        <p:spPr/>
-        <p:txBody>
-          <a:bodyPr/>
-          <a:lstStyle/>
-          <a:p>
-            <a:r>
-              <a:rPr lang="en-US" dirty="0" smtClean="0"/>
-              <a:t>Coupled with the “Dense and Noisy” and “Spare and Accurate” techniques by [7].</a:t>
-            </a:r>
-          </a:p>
-          <a:p>
-            <a:endParaRPr lang="en-US" dirty="0"/>
-          </a:p>
-          <a:p>
-            <a:r>
-              <a:rPr lang="en-US" dirty="0" smtClean="0"/>
-              <a:t>Maximizes a probability function using loopy belief propagation.</a:t>
-            </a:r>
-          </a:p>
-          <a:p>
-            <a:endParaRPr lang="en-US" dirty="0"/>
-          </a:p>
-          <a:p>
-            <a:r>
-              <a:rPr lang="en-US" dirty="0" smtClean="0"/>
-              <a:t>Susceptible to local maxima so three random restarts are performed.</a:t>
-            </a:r>
-            <a:endParaRPr lang="en-US" dirty="0"/>
-          </a:p>
-        </p:txBody>
-      </p:sp>
-    </p:spTree>
-    <p:extLst>
-      <p:ext uri="{BB962C8B-B14F-4D97-AF65-F5344CB8AC3E}">
-        <p14:creationId xmlns:p14="http://schemas.microsoft.com/office/powerpoint/2010/main" val="674603872"/>
-      </p:ext>
-    </p:extLst>
-  </p:cSld>
-  <p:clrMapOvr>
-    <a:masterClrMapping/>
-  </p:clrMapOvr>
-  <p:timing>
-    <p:tnLst>
-      <p:par>
-        <p:cTn id="1" dur="indefinite" restart="never" nodeType="tmRoot"/>
-      </p:par>
-    </p:tnLst>
-  </p:timing>
-</p:sld>
-</file>
-
-<file path=ppt/slides/slide19.xml><?xml version="1.0" encoding="utf-8"?>
-<p:sld xmlns:a="http://schemas.openxmlformats.org/drawingml/2006/main" xmlns:r="http://schemas.openxmlformats.org/officeDocument/2006/relationships" xmlns:p="http://schemas.openxmlformats.org/presentationml/2006/main">
-  <p:cSld>
-    <p:spTree>
-      <p:nvGrpSpPr>
-        <p:cNvPr id="1" name=""/>
-        <p:cNvGrpSpPr/>
-        <p:nvPr/>
-      </p:nvGrpSpPr>
-      <p:grpSpPr>
-        <a:xfrm>
-          <a:off x="0" y="0"/>
-          <a:ext cx="0" cy="0"/>
-          <a:chOff x="0" y="0"/>
-          <a:chExt cx="0" cy="0"/>
-        </a:xfrm>
-      </p:grpSpPr>
-      <p:sp>
-        <p:nvSpPr>
-          <p:cNvPr id="2" name="Title 1"/>
-          <p:cNvSpPr>
-            <a:spLocks noGrp="1"/>
-          </p:cNvSpPr>
-          <p:nvPr>
-            <p:ph type="title"/>
-          </p:nvPr>
-        </p:nvSpPr>
-        <p:spPr/>
-        <p:txBody>
-          <a:bodyPr>
-            <a:normAutofit fontScale="90000"/>
-          </a:bodyPr>
-          <a:lstStyle/>
-          <a:p>
-            <a:r>
-              <a:rPr lang="en-US" dirty="0" smtClean="0"/>
-              <a:t>Generalized Greedy Algorithm</a:t>
-            </a:r>
-            <a:endParaRPr lang="en-US" dirty="0"/>
-          </a:p>
-        </p:txBody>
-      </p:sp>
-      <p:sp>
-        <p:nvSpPr>
-          <p:cNvPr id="3" name="Content Placeholder 2"/>
-          <p:cNvSpPr>
-            <a:spLocks noGrp="1"/>
-          </p:cNvSpPr>
-          <p:nvPr>
-            <p:ph idx="1"/>
-          </p:nvPr>
-        </p:nvSpPr>
-        <p:spPr/>
-        <p:txBody>
-          <a:bodyPr/>
-          <a:lstStyle/>
-          <a:p>
-            <a:r>
-              <a:rPr lang="en-US" dirty="0" smtClean="0"/>
-              <a:t>Proposed by </a:t>
-            </a:r>
-            <a:r>
-              <a:rPr lang="en-US" dirty="0" err="1" smtClean="0"/>
-              <a:t>Pomeranz</a:t>
-            </a:r>
-            <a:r>
-              <a:rPr lang="en-US" dirty="0" smtClean="0"/>
-              <a:t> in [10] in 2011.</a:t>
-            </a:r>
-          </a:p>
-          <a:p>
-            <a:endParaRPr lang="en-US" dirty="0"/>
-          </a:p>
-          <a:p>
-            <a:r>
-              <a:rPr lang="en-US" b="1" dirty="0" smtClean="0"/>
-              <a:t>Goal: </a:t>
-            </a:r>
-            <a:r>
-              <a:rPr lang="en-US" dirty="0" smtClean="0"/>
-              <a:t>Provide a computational framework for handling square jigsaw puzzles in reasonable time that does not rely on any prior knowledge or human intervention.</a:t>
-            </a:r>
-          </a:p>
-          <a:p>
-            <a:endParaRPr lang="en-US" dirty="0"/>
-          </a:p>
-          <a:p>
-            <a:endParaRPr lang="en-US" dirty="0" smtClean="0"/>
-          </a:p>
-          <a:p>
-            <a:endParaRPr lang="en-US" dirty="0"/>
-          </a:p>
-          <a:p>
-            <a:endParaRPr lang="en-US" dirty="0"/>
-          </a:p>
-        </p:txBody>
-      </p:sp>
-    </p:spTree>
-    <p:extLst>
-      <p:ext uri="{BB962C8B-B14F-4D97-AF65-F5344CB8AC3E}">
-        <p14:creationId xmlns:p14="http://schemas.microsoft.com/office/powerpoint/2010/main" val="2483816693"/>
-      </p:ext>
-    </p:extLst>
-  </p:cSld>
-  <p:clrMapOvr>
-    <a:masterClrMapping/>
-  </p:clrMapOvr>
-  <p:timing>
-    <p:tnLst>
-      <p:par>
-        <p:cTn id="1" dur="indefinite" restart="never" nodeType="tmRoot"/>
-      </p:par>
-    </p:tnLst>
-  </p:timing>
-</p:sld>
-</file>
-
-<file path=ppt/slides/slide2.xml><?xml version="1.0" encoding="utf-8"?>
-<p:sld xmlns:a="http://schemas.openxmlformats.org/drawingml/2006/main" xmlns:r="http://schemas.openxmlformats.org/officeDocument/2006/relationships" xmlns:p="http://schemas.openxmlformats.org/presentationml/2006/main">
-  <p:cSld>
-    <p:spTree>
-      <p:nvGrpSpPr>
-        <p:cNvPr id="1" name=""/>
-        <p:cNvGrpSpPr/>
-        <p:nvPr/>
-      </p:nvGrpSpPr>
-      <p:grpSpPr>
-        <a:xfrm>
-          <a:off x="0" y="0"/>
-          <a:ext cx="0" cy="0"/>
-          <a:chOff x="0" y="0"/>
-          <a:chExt cx="0" cy="0"/>
-        </a:xfrm>
-      </p:grpSpPr>
-      <p:sp>
-        <p:nvSpPr>
-          <p:cNvPr id="15361" name="Title 1"/>
-          <p:cNvSpPr>
-            <a:spLocks noGrp="1"/>
-          </p:cNvSpPr>
-          <p:nvPr>
-            <p:ph type="title"/>
-          </p:nvPr>
-        </p:nvSpPr>
-        <p:spPr/>
-        <p:txBody>
-          <a:bodyPr>
-            <a:normAutofit fontScale="90000"/>
-          </a:bodyPr>
-          <a:lstStyle/>
-          <a:p>
-            <a:r>
-              <a:rPr lang="en-US" b="1" dirty="0" smtClean="0"/>
-              <a:t>Problem Description</a:t>
-            </a:r>
-          </a:p>
-        </p:txBody>
-      </p:sp>
-      <p:sp>
-        <p:nvSpPr>
-          <p:cNvPr id="3" name="Content Placeholder 2"/>
-          <p:cNvSpPr>
-            <a:spLocks noGrp="1"/>
-          </p:cNvSpPr>
-          <p:nvPr>
-            <p:ph idx="1"/>
-          </p:nvPr>
-        </p:nvSpPr>
-        <p:spPr/>
-        <p:txBody>
-          <a:bodyPr>
-            <a:normAutofit/>
-          </a:bodyPr>
-          <a:lstStyle/>
-          <a:p>
-            <a:pPr marL="274320" indent="-274320" fontAlgn="auto">
-              <a:spcAft>
-                <a:spcPts val="0"/>
-              </a:spcAft>
-              <a:buFont typeface="Wingdings 3"/>
-              <a:buChar char=""/>
-              <a:defRPr/>
-            </a:pPr>
-            <a:r>
-              <a:rPr lang="en-US" dirty="0" smtClean="0"/>
-              <a:t>“Jigsaw Puzzle Problem”</a:t>
-            </a:r>
-          </a:p>
-          <a:p>
-            <a:pPr marL="548640" lvl="1" indent="-274320" fontAlgn="auto">
-              <a:spcAft>
-                <a:spcPts val="0"/>
-              </a:spcAft>
-              <a:buFont typeface="Wingdings 3"/>
-              <a:buChar char=""/>
-              <a:defRPr/>
-            </a:pPr>
-            <a:r>
-              <a:rPr lang="en-US" b="1" dirty="0" smtClean="0"/>
-              <a:t>Problem Statement: </a:t>
-            </a:r>
-            <a:r>
-              <a:rPr lang="en-US" dirty="0" smtClean="0"/>
-              <a:t>Reconstruct an image from a set of image patches.</a:t>
-            </a:r>
-          </a:p>
-          <a:p>
-            <a:pPr marL="548640" lvl="1" indent="-274320" fontAlgn="auto">
-              <a:spcAft>
-                <a:spcPts val="0"/>
-              </a:spcAft>
-              <a:buFont typeface="Wingdings 3"/>
-              <a:buChar char=""/>
-              <a:defRPr/>
-            </a:pPr>
-            <a:r>
-              <a:rPr lang="en-US" b="1" dirty="0" smtClean="0"/>
-              <a:t>Problem Complexity: </a:t>
-            </a:r>
-            <a:r>
-              <a:rPr lang="en-US" dirty="0" smtClean="0"/>
-              <a:t>NP-Complete when pairwise affinity of pieces is unreliable [1]</a:t>
-            </a:r>
-          </a:p>
-          <a:p>
-            <a:pPr marL="274320" indent="-274320" fontAlgn="auto">
-              <a:spcAft>
-                <a:spcPts val="0"/>
-              </a:spcAft>
-              <a:buFont typeface="Wingdings 3"/>
-              <a:buChar char=""/>
-              <a:defRPr/>
-            </a:pPr>
-            <a:endParaRPr lang="en-US" dirty="0" smtClean="0"/>
-          </a:p>
-          <a:p>
-            <a:pPr marL="274320" indent="-274320" fontAlgn="auto">
-              <a:spcAft>
-                <a:spcPts val="0"/>
-              </a:spcAft>
-              <a:buFont typeface="Wingdings 3"/>
-              <a:buChar char=""/>
-              <a:defRPr/>
-            </a:pPr>
-            <a:r>
-              <a:rPr lang="en-US" b="1" dirty="0" smtClean="0"/>
-              <a:t>Problem Formulation</a:t>
-            </a:r>
-            <a:r>
-              <a:rPr lang="en-US" dirty="0" smtClean="0"/>
-              <a:t>: Set of square, non-overlapping patches</a:t>
-            </a:r>
-          </a:p>
-          <a:p>
-            <a:pPr marL="674370" lvl="1" indent="-274320" fontAlgn="auto">
-              <a:spcAft>
-                <a:spcPts val="0"/>
-              </a:spcAft>
-              <a:buFont typeface="Wingdings 3"/>
-              <a:buChar char=""/>
-              <a:defRPr/>
-            </a:pPr>
-            <a:r>
-              <a:rPr lang="en-US" dirty="0" smtClean="0"/>
-              <a:t>This type of puzzle is known as a “jig swap puzzle” [7]</a:t>
-            </a:r>
-          </a:p>
-          <a:p>
-            <a:pPr marL="674370" lvl="1" indent="-274320" fontAlgn="auto">
-              <a:spcAft>
-                <a:spcPts val="0"/>
-              </a:spcAft>
-              <a:buFont typeface="Wingdings 3"/>
-              <a:buChar char=""/>
-              <a:defRPr/>
-            </a:pPr>
-            <a:r>
-              <a:rPr lang="en-US" i="1" dirty="0" smtClean="0"/>
-              <a:t>Variation of the Problem</a:t>
-            </a:r>
-            <a:r>
-              <a:rPr lang="en-US" dirty="0" smtClean="0"/>
-              <a:t>: Allow/disallow patch rotation</a:t>
-            </a:r>
-          </a:p>
-          <a:p>
-            <a:pPr marL="0" indent="0" fontAlgn="auto">
-              <a:spcAft>
-                <a:spcPts val="0"/>
-              </a:spcAft>
-              <a:buNone/>
-              <a:defRPr/>
-            </a:pPr>
-            <a:endParaRPr lang="en-US" dirty="0" smtClean="0"/>
-          </a:p>
-          <a:p>
-            <a:pPr marL="274320" indent="-274320" fontAlgn="auto">
-              <a:spcAft>
-                <a:spcPts val="0"/>
-              </a:spcAft>
-              <a:buFont typeface="Wingdings 3"/>
-              <a:buChar char=""/>
-              <a:defRPr/>
-            </a:pPr>
-            <a:r>
-              <a:rPr lang="en-US" b="1" dirty="0" smtClean="0"/>
-              <a:t>A Key Difference with Standard Jigsaw Puzzle Solving: </a:t>
-            </a:r>
-            <a:r>
-              <a:rPr lang="en-US" dirty="0" smtClean="0"/>
-              <a:t>The source image you are trying to reconstruct is unknown.</a:t>
-            </a:r>
-          </a:p>
-        </p:txBody>
-      </p:sp>
-    </p:spTree>
-  </p:cSld>
-  <p:clrMapOvr>
-    <a:masterClrMapping/>
-  </p:clrMapOvr>
-  <p:timing>
-    <p:tnLst>
-      <p:par>
-        <p:cTn id="1" dur="indefinite" restart="never" nodeType="tmRoot"/>
-      </p:par>
-    </p:tnLst>
-  </p:timing>
-</p:sld>
-</file>
-
-<file path=ppt/slides/slide20.xml><?xml version="1.0" encoding="utf-8"?>
-<p:sld xmlns:a="http://schemas.openxmlformats.org/drawingml/2006/main" xmlns:r="http://schemas.openxmlformats.org/officeDocument/2006/relationships" xmlns:p="http://schemas.openxmlformats.org/presentationml/2006/main">
-  <p:cSld>
-    <p:spTree>
-      <p:nvGrpSpPr>
-        <p:cNvPr id="1" name=""/>
-        <p:cNvGrpSpPr/>
-        <p:nvPr/>
-      </p:nvGrpSpPr>
-      <p:grpSpPr>
-        <a:xfrm>
-          <a:off x="0" y="0"/>
-          <a:ext cx="0" cy="0"/>
-          <a:chOff x="0" y="0"/>
-          <a:chExt cx="0" cy="0"/>
-        </a:xfrm>
-      </p:grpSpPr>
-      <p:sp>
-        <p:nvSpPr>
-          <p:cNvPr id="2" name="Title 1"/>
-          <p:cNvSpPr>
-            <a:spLocks noGrp="1"/>
-          </p:cNvSpPr>
-          <p:nvPr>
-            <p:ph type="title"/>
-          </p:nvPr>
-        </p:nvSpPr>
-        <p:spPr/>
-        <p:txBody>
-          <a:bodyPr>
-            <a:normAutofit fontScale="90000"/>
-          </a:bodyPr>
-          <a:lstStyle/>
-          <a:p>
-            <a:r>
-              <a:rPr lang="en-US" dirty="0" smtClean="0"/>
-              <a:t>Measuring Solution Quality</a:t>
-            </a:r>
-            <a:endParaRPr lang="en-US" dirty="0"/>
-          </a:p>
-        </p:txBody>
-      </p:sp>
-      <p:sp>
-        <p:nvSpPr>
-          <p:cNvPr id="3" name="Content Placeholder 2"/>
-          <p:cNvSpPr>
-            <a:spLocks noGrp="1"/>
-          </p:cNvSpPr>
-          <p:nvPr>
-            <p:ph idx="1"/>
-          </p:nvPr>
-        </p:nvSpPr>
-        <p:spPr>
-          <a:xfrm>
-            <a:off x="457199" y="989013"/>
-            <a:ext cx="8353425" cy="5135562"/>
-          </a:xfrm>
-        </p:spPr>
-        <p:txBody>
-          <a:bodyPr>
-            <a:normAutofit fontScale="92500" lnSpcReduction="10000"/>
-          </a:bodyPr>
-          <a:lstStyle/>
-          <a:p>
-            <a:pPr>
-              <a:lnSpc>
-                <a:spcPct val="110000"/>
-              </a:lnSpc>
-            </a:pPr>
-            <a:r>
-              <a:rPr lang="en-US" b="1" dirty="0" smtClean="0"/>
-              <a:t>Problem Statement: </a:t>
-            </a:r>
-            <a:r>
-              <a:rPr lang="en-US" dirty="0" smtClean="0"/>
-              <a:t>There is no uniform technique for grading the final output of a square jigsaw puzzle solver.</a:t>
-            </a:r>
-          </a:p>
-          <a:p>
-            <a:pPr>
-              <a:lnSpc>
-                <a:spcPct val="110000"/>
-              </a:lnSpc>
-            </a:pPr>
-            <a:endParaRPr lang="en-US" dirty="0"/>
-          </a:p>
-          <a:p>
-            <a:pPr>
-              <a:lnSpc>
-                <a:spcPct val="110000"/>
-              </a:lnSpc>
-            </a:pPr>
-            <a:r>
-              <a:rPr lang="en-US" dirty="0" smtClean="0"/>
-              <a:t>Two Divergent Approaches:</a:t>
-            </a:r>
-          </a:p>
-          <a:p>
-            <a:pPr lvl="1">
-              <a:lnSpc>
-                <a:spcPct val="110000"/>
-              </a:lnSpc>
-            </a:pPr>
-            <a:r>
-              <a:rPr lang="en-US" b="1" dirty="0" smtClean="0"/>
-              <a:t>Performance Metrics – </a:t>
-            </a:r>
-            <a:r>
-              <a:rPr lang="en-US" dirty="0" smtClean="0"/>
-              <a:t>Use the original image to grade solution quality.</a:t>
-            </a:r>
-            <a:endParaRPr lang="en-US" dirty="0"/>
-          </a:p>
-          <a:p>
-            <a:pPr lvl="2">
-              <a:lnSpc>
-                <a:spcPct val="110000"/>
-              </a:lnSpc>
-            </a:pPr>
-            <a:r>
-              <a:rPr lang="en-US" dirty="0" smtClean="0"/>
-              <a:t>Direct Comparison [7]</a:t>
-            </a:r>
-          </a:p>
-          <a:p>
-            <a:pPr lvl="2">
-              <a:lnSpc>
-                <a:spcPct val="110000"/>
-              </a:lnSpc>
-            </a:pPr>
-            <a:r>
-              <a:rPr lang="en-US" dirty="0" smtClean="0"/>
-              <a:t>Cluster Comparison [7]</a:t>
-            </a:r>
-          </a:p>
-          <a:p>
-            <a:pPr lvl="2">
-              <a:lnSpc>
-                <a:spcPct val="110000"/>
-              </a:lnSpc>
-            </a:pPr>
-            <a:r>
-              <a:rPr lang="en-US" dirty="0" smtClean="0"/>
-              <a:t>Neighbor Comparison [7]</a:t>
-            </a:r>
-          </a:p>
-          <a:p>
-            <a:pPr marL="914400" lvl="2" indent="0">
-              <a:lnSpc>
-                <a:spcPct val="110000"/>
-              </a:lnSpc>
-              <a:buNone/>
-            </a:pPr>
-            <a:endParaRPr lang="en-US" dirty="0" smtClean="0"/>
-          </a:p>
-          <a:p>
-            <a:pPr lvl="1">
-              <a:lnSpc>
-                <a:spcPct val="110000"/>
-              </a:lnSpc>
-            </a:pPr>
-            <a:r>
-              <a:rPr lang="en-US" b="1" dirty="0" smtClean="0"/>
-              <a:t>Estimation Metrics </a:t>
-            </a:r>
-            <a:r>
-              <a:rPr lang="en-US" dirty="0" smtClean="0"/>
-              <a:t>– Evaluates the quality of a solution without any reference to the original image [10].  This may be useful for approaches like simulated annealing where quality is iteratively quantified and improved.</a:t>
-            </a:r>
-          </a:p>
-          <a:p>
-            <a:pPr lvl="2">
-              <a:lnSpc>
-                <a:spcPct val="110000"/>
-              </a:lnSpc>
-            </a:pPr>
-            <a:r>
-              <a:rPr lang="en-US" dirty="0" smtClean="0"/>
-              <a:t>“Best Buddies” Metric</a:t>
-            </a:r>
-            <a:endParaRPr lang="en-US" dirty="0"/>
-          </a:p>
-        </p:txBody>
-      </p:sp>
-    </p:spTree>
-    <p:extLst>
-      <p:ext uri="{BB962C8B-B14F-4D97-AF65-F5344CB8AC3E}">
-        <p14:creationId xmlns:p14="http://schemas.microsoft.com/office/powerpoint/2010/main" val="2047635238"/>
-      </p:ext>
-    </p:extLst>
-  </p:cSld>
-  <p:clrMapOvr>
-    <a:masterClrMapping/>
-  </p:clrMapOvr>
-  <p:timing>
-    <p:tnLst>
-      <p:par>
-        <p:cTn id="1" dur="indefinite" restart="never" nodeType="tmRoot"/>
-      </p:par>
-    </p:tnLst>
-  </p:timing>
-</p:sld>
-</file>
-
-<file path=ppt/slides/slide21.xml><?xml version="1.0" encoding="utf-8"?>
-<p:sld xmlns:a="http://schemas.openxmlformats.org/drawingml/2006/main" xmlns:r="http://schemas.openxmlformats.org/officeDocument/2006/relationships" xmlns:p="http://schemas.openxmlformats.org/presentationml/2006/main">
-  <p:cSld>
-    <p:spTree>
-      <p:nvGrpSpPr>
-        <p:cNvPr id="1" name=""/>
-        <p:cNvGrpSpPr/>
-        <p:nvPr/>
-      </p:nvGrpSpPr>
-      <p:grpSpPr>
-        <a:xfrm>
-          <a:off x="0" y="0"/>
-          <a:ext cx="0" cy="0"/>
-          <a:chOff x="0" y="0"/>
-          <a:chExt cx="0" cy="0"/>
-        </a:xfrm>
-      </p:grpSpPr>
-      <p:sp>
-        <p:nvSpPr>
-          <p:cNvPr id="2" name="Title 1"/>
-          <p:cNvSpPr>
-            <a:spLocks noGrp="1"/>
-          </p:cNvSpPr>
-          <p:nvPr>
-            <p:ph type="title"/>
-          </p:nvPr>
-        </p:nvSpPr>
-        <p:spPr/>
-        <p:txBody>
-          <a:bodyPr>
-            <a:normAutofit fontScale="90000"/>
-          </a:bodyPr>
-          <a:lstStyle/>
-          <a:p>
-            <a:r>
-              <a:rPr lang="en-US" dirty="0" smtClean="0"/>
-              <a:t>“Best Buddies” Metric</a:t>
+              <a:t>“Best Buddies”</a:t>
             </a:r>
             <a:endParaRPr lang="en-US" dirty="0"/>
           </a:p>
@@ -5534,7 +3347,7 @@
                 </a:pPr>
                 <a:r>
                   <a:rPr lang="en-US" b="1" dirty="0" smtClean="0"/>
-                  <a:t>Summary: </a:t>
+                  <a:t>Definition: </a:t>
                 </a:r>
                 <a:r>
                   <a:rPr lang="en-US" dirty="0"/>
@@ -6968,7 +4781,7 @@
               <a:blipFill rotWithShape="1">
                 <a:blip r:embed="rId2"/>
                 <a:stretch>
-                  <a:fillRect l="-222" t="-233" r="-296" b="-1167"/>
+                  <a:fillRect l="-222" t="-233" r="-667" b="-1167"/>
                 </a:stretch>
               </a:blipFill>
             </p:spPr>
@@ -7007,7 +4820,2736 @@
 </p:sld>
 </file>
 
+<file path=ppt/slides/slide13.xml><?xml version="1.0" encoding="utf-8"?>
+<p:sld xmlns:a="http://schemas.openxmlformats.org/drawingml/2006/main" xmlns:r="http://schemas.openxmlformats.org/officeDocument/2006/relationships" xmlns:p="http://schemas.openxmlformats.org/presentationml/2006/main">
+  <p:cSld>
+    <p:spTree>
+      <p:nvGrpSpPr>
+        <p:cNvPr id="1" name=""/>
+        <p:cNvGrpSpPr/>
+        <p:nvPr/>
+      </p:nvGrpSpPr>
+      <p:grpSpPr>
+        <a:xfrm>
+          <a:off x="0" y="0"/>
+          <a:ext cx="0" cy="0"/>
+          <a:chOff x="0" y="0"/>
+          <a:chExt cx="0" cy="0"/>
+        </a:xfrm>
+      </p:grpSpPr>
+      <p:sp>
+        <p:nvSpPr>
+          <p:cNvPr id="2" name="Title 1"/>
+          <p:cNvSpPr>
+            <a:spLocks noGrp="1"/>
+          </p:cNvSpPr>
+          <p:nvPr>
+            <p:ph type="title"/>
+          </p:nvPr>
+        </p:nvSpPr>
+        <p:spPr/>
+        <p:txBody>
+          <a:bodyPr>
+            <a:normAutofit fontScale="90000"/>
+          </a:bodyPr>
+          <a:lstStyle/>
+          <a:p>
+            <a:r>
+              <a:rPr lang="en-US" dirty="0" smtClean="0"/>
+              <a:t>“Best Buddies” Estimation Metric</a:t>
+            </a:r>
+            <a:endParaRPr lang="en-US" dirty="0"/>
+          </a:p>
+        </p:txBody>
+      </p:sp>
+      <p:sp>
+        <p:nvSpPr>
+          <p:cNvPr id="3" name="Content Placeholder 2"/>
+          <p:cNvSpPr>
+            <a:spLocks noGrp="1"/>
+          </p:cNvSpPr>
+          <p:nvPr>
+            <p:ph idx="1"/>
+          </p:nvPr>
+        </p:nvSpPr>
+        <p:spPr>
+          <a:xfrm>
+            <a:off x="457200" y="827088"/>
+            <a:ext cx="8229600" cy="3054222"/>
+          </a:xfrm>
+        </p:spPr>
+        <p:txBody>
+          <a:bodyPr>
+            <a:normAutofit lnSpcReduction="10000"/>
+          </a:bodyPr>
+          <a:lstStyle/>
+          <a:p>
+            <a:pPr>
+              <a:lnSpc>
+                <a:spcPct val="120000"/>
+              </a:lnSpc>
+              <a:spcBef>
+                <a:spcPts val="600"/>
+              </a:spcBef>
+            </a:pPr>
+            <a:r>
+              <a:rPr lang="en-US" sz="1800" b="1" dirty="0" smtClean="0"/>
+              <a:t>Definition: </a:t>
+            </a:r>
+            <a:r>
+              <a:rPr lang="en-US" sz="1800" dirty="0" smtClean="0"/>
+              <a:t>Ratio of the number of neighbors who are said to be “best buddies” to the total number of neighbors [10].</a:t>
+            </a:r>
+          </a:p>
+          <a:p>
+            <a:pPr>
+              <a:lnSpc>
+                <a:spcPct val="120000"/>
+              </a:lnSpc>
+              <a:spcBef>
+                <a:spcPts val="600"/>
+              </a:spcBef>
+            </a:pPr>
+            <a:endParaRPr lang="en-US" sz="400" dirty="0"/>
+          </a:p>
+          <a:p>
+            <a:pPr>
+              <a:lnSpc>
+                <a:spcPct val="120000"/>
+              </a:lnSpc>
+              <a:spcBef>
+                <a:spcPts val="600"/>
+              </a:spcBef>
+            </a:pPr>
+            <a:r>
+              <a:rPr lang="en-US" sz="1800" dirty="0" smtClean="0"/>
+              <a:t>Correlation between the “Best Buddies” Estimation Metric and Cho </a:t>
+            </a:r>
+            <a:r>
+              <a:rPr lang="en-US" sz="1800" i="1" dirty="0" smtClean="0"/>
+              <a:t>et. al.</a:t>
+            </a:r>
+            <a:r>
+              <a:rPr lang="en-US" sz="1800" dirty="0" smtClean="0"/>
+              <a:t>’s two performance </a:t>
+            </a:r>
+            <a:r>
+              <a:rPr lang="en-US" sz="1800" dirty="0"/>
+              <a:t>m</a:t>
+            </a:r>
+            <a:r>
+              <a:rPr lang="en-US" sz="1800" dirty="0" smtClean="0"/>
+              <a:t>etrics:</a:t>
+            </a:r>
+          </a:p>
+          <a:p>
+            <a:pPr lvl="1">
+              <a:lnSpc>
+                <a:spcPct val="120000"/>
+              </a:lnSpc>
+              <a:spcBef>
+                <a:spcPts val="600"/>
+              </a:spcBef>
+            </a:pPr>
+            <a:r>
+              <a:rPr lang="en-US" sz="1600" i="1" dirty="0" smtClean="0">
+                <a:solidFill>
+                  <a:srgbClr val="006600"/>
+                </a:solidFill>
+              </a:rPr>
+              <a:t>Direct Comparison Metric</a:t>
+            </a:r>
+            <a:r>
+              <a:rPr lang="en-US" sz="1600" dirty="0" smtClean="0"/>
+              <a:t>: Little to no correlation</a:t>
+            </a:r>
+            <a:r>
+              <a:rPr lang="en-US" sz="1600" dirty="0"/>
+              <a:t> </a:t>
+            </a:r>
+            <a:r>
+              <a:rPr lang="en-US" sz="1600" dirty="0" smtClean="0"/>
+              <a:t>since direct comparison method is not based on pairwise accuracy.</a:t>
+            </a:r>
+          </a:p>
+          <a:p>
+            <a:pPr marL="457200" lvl="1" indent="0">
+              <a:lnSpc>
+                <a:spcPct val="120000"/>
+              </a:lnSpc>
+              <a:spcBef>
+                <a:spcPts val="600"/>
+              </a:spcBef>
+              <a:buNone/>
+            </a:pPr>
+            <a:endParaRPr lang="en-US" sz="400" dirty="0" smtClean="0"/>
+          </a:p>
+          <a:p>
+            <a:pPr lvl="1">
+              <a:lnSpc>
+                <a:spcPct val="120000"/>
+              </a:lnSpc>
+              <a:spcBef>
+                <a:spcPts val="600"/>
+              </a:spcBef>
+            </a:pPr>
+            <a:r>
+              <a:rPr lang="en-US" sz="1600" i="1" dirty="0" smtClean="0">
+                <a:solidFill>
+                  <a:srgbClr val="006600"/>
+                </a:solidFill>
+              </a:rPr>
+              <a:t>Neighbor Comparison Metric</a:t>
+            </a:r>
+            <a:r>
+              <a:rPr lang="en-US" sz="1600" dirty="0" smtClean="0"/>
+              <a:t>: Stronger correlation  Graph below is for 20 images tested 10 times each (for 200 total points)</a:t>
+            </a:r>
+            <a:endParaRPr lang="en-US" sz="1600" dirty="0"/>
+          </a:p>
+        </p:txBody>
+      </p:sp>
+      <p:pic>
+        <p:nvPicPr>
+          <p:cNvPr id="4" name="Picture 3"/>
+          <p:cNvPicPr>
+            <a:picLocks noChangeAspect="1"/>
+          </p:cNvPicPr>
+          <p:nvPr/>
+        </p:nvPicPr>
+        <p:blipFill>
+          <a:blip r:embed="rId2" cstate="print">
+            <a:extLst>
+              <a:ext uri="{28A0092B-C50C-407E-A947-70E740481C1C}">
+                <a14:useLocalDpi xmlns:a14="http://schemas.microsoft.com/office/drawing/2010/main" val="0"/>
+              </a:ext>
+            </a:extLst>
+          </a:blip>
+          <a:stretch>
+            <a:fillRect/>
+          </a:stretch>
+        </p:blipFill>
+        <p:spPr>
+          <a:xfrm>
+            <a:off x="3090863" y="3767009"/>
+            <a:ext cx="3024188" cy="2400427"/>
+          </a:xfrm>
+          <a:prstGeom prst="rect">
+            <a:avLst/>
+          </a:prstGeom>
+          <a:ln w="12700">
+            <a:solidFill>
+              <a:schemeClr val="tx2"/>
+            </a:solidFill>
+          </a:ln>
+        </p:spPr>
+      </p:pic>
+      <p:sp>
+        <p:nvSpPr>
+          <p:cNvPr id="5" name="TextBox 4"/>
+          <p:cNvSpPr txBox="1"/>
+          <p:nvPr/>
+        </p:nvSpPr>
+        <p:spPr>
+          <a:xfrm>
+            <a:off x="2907507" y="6254829"/>
+            <a:ext cx="3390900" cy="523220"/>
+          </a:xfrm>
+          <a:prstGeom prst="rect">
+            <a:avLst/>
+          </a:prstGeom>
+          <a:noFill/>
+          <a:ln>
+            <a:solidFill>
+              <a:schemeClr val="tx2"/>
+            </a:solidFill>
+          </a:ln>
+        </p:spPr>
+        <p:txBody>
+          <a:bodyPr wrap="square" rtlCol="0">
+            <a:spAutoFit/>
+          </a:bodyPr>
+          <a:lstStyle/>
+          <a:p>
+            <a:pPr algn="ctr"/>
+            <a:r>
+              <a:rPr lang="en-US" sz="1400" dirty="0" smtClean="0"/>
+              <a:t>Scatterplot of “Best Buddy” Metric versus Neighbor Comparison Metric</a:t>
+            </a:r>
+            <a:endParaRPr lang="en-US" sz="1400" dirty="0"/>
+          </a:p>
+        </p:txBody>
+      </p:sp>
+    </p:spTree>
+    <p:extLst>
+      <p:ext uri="{BB962C8B-B14F-4D97-AF65-F5344CB8AC3E}">
+        <p14:creationId xmlns:p14="http://schemas.microsoft.com/office/powerpoint/2010/main" val="1680506169"/>
+      </p:ext>
+    </p:extLst>
+  </p:cSld>
+  <p:clrMapOvr>
+    <a:masterClrMapping/>
+  </p:clrMapOvr>
+  <p:timing>
+    <p:tnLst>
+      <p:par>
+        <p:cTn id="1" dur="indefinite" restart="never" nodeType="tmRoot"/>
+      </p:par>
+    </p:tnLst>
+  </p:timing>
+</p:sld>
+</file>
+
+<file path=ppt/slides/slide14.xml><?xml version="1.0" encoding="utf-8"?>
+<p:sld xmlns:a="http://schemas.openxmlformats.org/drawingml/2006/main" xmlns:r="http://schemas.openxmlformats.org/officeDocument/2006/relationships" xmlns:p="http://schemas.openxmlformats.org/presentationml/2006/main">
+  <p:cSld>
+    <p:spTree>
+      <p:nvGrpSpPr>
+        <p:cNvPr id="1" name=""/>
+        <p:cNvGrpSpPr/>
+        <p:nvPr/>
+      </p:nvGrpSpPr>
+      <p:grpSpPr>
+        <a:xfrm>
+          <a:off x="0" y="0"/>
+          <a:ext cx="0" cy="0"/>
+          <a:chOff x="0" y="0"/>
+          <a:chExt cx="0" cy="0"/>
+        </a:xfrm>
+      </p:grpSpPr>
+      <p:sp>
+        <p:nvSpPr>
+          <p:cNvPr id="2" name="Title 1"/>
+          <p:cNvSpPr>
+            <a:spLocks noGrp="1"/>
+          </p:cNvSpPr>
+          <p:nvPr>
+            <p:ph type="title"/>
+          </p:nvPr>
+        </p:nvSpPr>
+        <p:spPr/>
+        <p:txBody>
+          <a:bodyPr>
+            <a:normAutofit/>
+          </a:bodyPr>
+          <a:lstStyle/>
+          <a:p>
+            <a:r>
+              <a:rPr lang="en-US" sz="2800" dirty="0" smtClean="0"/>
+              <a:t>Existing Square Jigsaw Puzzle Approaches</a:t>
+            </a:r>
+            <a:endParaRPr lang="en-US" sz="2800" dirty="0"/>
+          </a:p>
+        </p:txBody>
+      </p:sp>
+      <p:sp>
+        <p:nvSpPr>
+          <p:cNvPr id="3" name="Content Placeholder 2"/>
+          <p:cNvSpPr>
+            <a:spLocks noGrp="1"/>
+          </p:cNvSpPr>
+          <p:nvPr>
+            <p:ph idx="1"/>
+          </p:nvPr>
+        </p:nvSpPr>
+        <p:spPr/>
+        <p:txBody>
+          <a:bodyPr/>
+          <a:lstStyle/>
+          <a:p>
+            <a:r>
+              <a:rPr lang="en-US" dirty="0" smtClean="0"/>
+              <a:t>Low Resolution “Solution Image” [8]</a:t>
+            </a:r>
+          </a:p>
+          <a:p>
+            <a:r>
+              <a:rPr lang="en-US" dirty="0" smtClean="0"/>
+              <a:t>Dynamic Programming and the “Hungarian” Procedure [13]</a:t>
+            </a:r>
+          </a:p>
+          <a:p>
+            <a:r>
+              <a:rPr lang="en-US" dirty="0" smtClean="0"/>
+              <a:t>“</a:t>
+            </a:r>
+            <a:r>
+              <a:rPr lang="en-US" dirty="0" smtClean="0"/>
+              <a:t>Dense and Noisy</a:t>
+            </a:r>
+            <a:r>
+              <a:rPr lang="en-US" dirty="0" smtClean="0"/>
+              <a:t>” or “Sparse and Accurate” with Loopy Belief Propagation [7</a:t>
+            </a:r>
+            <a:r>
+              <a:rPr lang="en-US" dirty="0" smtClean="0"/>
+              <a:t>]</a:t>
+            </a:r>
+          </a:p>
+          <a:p>
+            <a:r>
+              <a:rPr lang="en-US" dirty="0" smtClean="0"/>
+              <a:t>Particle Filter-Based Solver [11]</a:t>
+            </a:r>
+          </a:p>
+          <a:p>
+            <a:r>
+              <a:rPr lang="en-US" dirty="0" smtClean="0"/>
+              <a:t>Greedy </a:t>
+            </a:r>
+            <a:r>
+              <a:rPr lang="en-US" dirty="0" smtClean="0"/>
+              <a:t>Algorithm [10]</a:t>
+            </a:r>
+          </a:p>
+          <a:p>
+            <a:r>
+              <a:rPr lang="en-US" dirty="0" smtClean="0"/>
+              <a:t>Genetic Algorithm [9</a:t>
+            </a:r>
+            <a:r>
+              <a:rPr lang="en-US" dirty="0" smtClean="0"/>
+              <a:t>]</a:t>
+            </a:r>
+          </a:p>
+          <a:p>
+            <a:endParaRPr lang="en-US" dirty="0"/>
+          </a:p>
+          <a:p>
+            <a:r>
+              <a:rPr lang="en-US" dirty="0" smtClean="0"/>
+              <a:t>Variations of the Problem</a:t>
+            </a:r>
+          </a:p>
+          <a:p>
+            <a:pPr lvl="1"/>
+            <a:r>
+              <a:rPr lang="en-US" dirty="0" smtClean="0"/>
+              <a:t>Unknown orientation (i.e. rotation) and puzzle dimensions [12]</a:t>
+            </a:r>
+            <a:endParaRPr lang="en-US" dirty="0"/>
+          </a:p>
+        </p:txBody>
+      </p:sp>
+    </p:spTree>
+    <p:extLst>
+      <p:ext uri="{BB962C8B-B14F-4D97-AF65-F5344CB8AC3E}">
+        <p14:creationId xmlns:p14="http://schemas.microsoft.com/office/powerpoint/2010/main" val="1857748040"/>
+      </p:ext>
+    </p:extLst>
+  </p:cSld>
+  <p:clrMapOvr>
+    <a:masterClrMapping/>
+  </p:clrMapOvr>
+  <p:timing>
+    <p:tnLst>
+      <p:par>
+        <p:cTn id="1" dur="indefinite" restart="never" nodeType="tmRoot"/>
+      </p:par>
+    </p:tnLst>
+  </p:timing>
+</p:sld>
+</file>
+
+<file path=ppt/slides/slide15.xml><?xml version="1.0" encoding="utf-8"?>
+<p:sld xmlns:a="http://schemas.openxmlformats.org/drawingml/2006/main" xmlns:r="http://schemas.openxmlformats.org/officeDocument/2006/relationships" xmlns:p="http://schemas.openxmlformats.org/presentationml/2006/main">
+  <p:cSld>
+    <p:spTree>
+      <p:nvGrpSpPr>
+        <p:cNvPr id="1" name=""/>
+        <p:cNvGrpSpPr/>
+        <p:nvPr/>
+      </p:nvGrpSpPr>
+      <p:grpSpPr>
+        <a:xfrm>
+          <a:off x="0" y="0"/>
+          <a:ext cx="0" cy="0"/>
+          <a:chOff x="0" y="0"/>
+          <a:chExt cx="0" cy="0"/>
+        </a:xfrm>
+      </p:grpSpPr>
+      <p:sp>
+        <p:nvSpPr>
+          <p:cNvPr id="2" name="Title 1"/>
+          <p:cNvSpPr>
+            <a:spLocks noGrp="1"/>
+          </p:cNvSpPr>
+          <p:nvPr>
+            <p:ph type="title"/>
+          </p:nvPr>
+        </p:nvSpPr>
+        <p:spPr/>
+        <p:txBody>
+          <a:bodyPr>
+            <a:normAutofit/>
+          </a:bodyPr>
+          <a:lstStyle/>
+          <a:p>
+            <a:r>
+              <a:rPr lang="en-US" sz="2800" dirty="0" smtClean="0"/>
+              <a:t>“Dense and Noisy” Estimation</a:t>
+            </a:r>
+            <a:endParaRPr lang="en-US" sz="2800" dirty="0"/>
+          </a:p>
+        </p:txBody>
+      </p:sp>
+      <mc:AlternateContent xmlns:mc="http://schemas.openxmlformats.org/markup-compatibility/2006">
+        <mc:Choice xmlns:a14="http://schemas.microsoft.com/office/drawing/2010/main" Requires="a14">
+          <p:sp>
+            <p:nvSpPr>
+              <p:cNvPr id="3" name="Content Placeholder 2"/>
+              <p:cNvSpPr>
+                <a:spLocks noGrp="1"/>
+              </p:cNvSpPr>
+              <p:nvPr>
+                <p:ph idx="1"/>
+              </p:nvPr>
+            </p:nvSpPr>
+            <p:spPr/>
+            <p:txBody>
+              <a:bodyPr/>
+              <a:lstStyle/>
+              <a:p>
+                <a:r>
+                  <a:rPr lang="en-US" dirty="0" smtClean="0"/>
+                  <a:t>Proposed by Cho et. al. in [7] in 2010.</a:t>
+                </a:r>
+                <a:endParaRPr lang="en-US" dirty="0" smtClean="0"/>
+              </a:p>
+              <a:p>
+                <a:endParaRPr lang="en-US" dirty="0" smtClean="0"/>
+              </a:p>
+              <a:p>
+                <a:r>
+                  <a:rPr lang="en-US" b="1" dirty="0" smtClean="0"/>
+                  <a:t>Overview: </a:t>
+                </a:r>
+                <a:r>
+                  <a:rPr lang="en-US" dirty="0" smtClean="0"/>
+                  <a:t>In Cho et. al.’s work in [8], they assumed access to a correct, low resolution version of the original image.</a:t>
+                </a:r>
+              </a:p>
+              <a:p>
+                <a:pPr lvl="1"/>
+                <a:r>
+                  <a:rPr lang="en-US" dirty="0" smtClean="0"/>
+                  <a:t>In many real world applications, such a low resolution image is not available.</a:t>
+                </a:r>
+              </a:p>
+              <a:p>
+                <a:endParaRPr lang="en-US" dirty="0" smtClean="0"/>
+              </a:p>
+              <a:p>
+                <a:r>
+                  <a:rPr lang="en-US" b="1" dirty="0" smtClean="0"/>
+                  <a:t>Solution:</a:t>
+                </a:r>
+                <a:r>
+                  <a:rPr lang="en-US" dirty="0" smtClean="0"/>
+                  <a:t> Estimate a low resolution image from a “bag of patches.”  The simplified procedure is:</a:t>
+                </a:r>
+              </a:p>
+              <a:p>
+                <a:pPr lvl="1"/>
+                <a:r>
+                  <a:rPr lang="en-US" dirty="0" smtClean="0"/>
+                  <a:t>Creating a histogram of the bag of patches</a:t>
+                </a:r>
+              </a:p>
+              <a:p>
+                <a:pPr lvl="1"/>
+                <a:r>
+                  <a:rPr lang="en-US" dirty="0" smtClean="0"/>
+                  <a:t>“Estimate” a low resolution version by comparing the histogram to a set of </a:t>
+                </a:r>
+                <a14:m>
+                  <m:oMath xmlns:m="http://schemas.openxmlformats.org/officeDocument/2006/math">
+                    <m:r>
+                      <a:rPr lang="en-US" b="0" i="1" smtClean="0">
+                        <a:latin typeface="Cambria Math"/>
+                      </a:rPr>
+                      <m:t>𝐾</m:t>
+                    </m:r>
+                  </m:oMath>
+                </a14:m>
+                <a:r>
+                  <a:rPr lang="en-US" dirty="0" smtClean="0"/>
+                  <a:t> centroids with predefined low resolution images.</a:t>
+                </a:r>
+              </a:p>
+              <a:p>
+                <a:pPr lvl="1"/>
+                <a:endParaRPr lang="en-US" dirty="0" smtClean="0"/>
+              </a:p>
+              <a:p>
+                <a:endParaRPr lang="en-US" dirty="0"/>
+              </a:p>
+            </p:txBody>
+          </p:sp>
+        </mc:Choice>
+        <mc:Fallback>
+          <p:sp>
+            <p:nvSpPr>
+              <p:cNvPr id="3" name="Content Placeholder 2"/>
+              <p:cNvSpPr>
+                <a:spLocks noGrp="1" noRot="1" noChangeAspect="1" noMove="1" noResize="1" noEditPoints="1" noAdjustHandles="1" noChangeArrowheads="1" noChangeShapeType="1" noTextEdit="1"/>
+              </p:cNvSpPr>
+              <p:nvPr>
+                <p:ph idx="1"/>
+              </p:nvPr>
+            </p:nvSpPr>
+            <p:spPr>
+              <a:blipFill rotWithShape="1">
+                <a:blip r:embed="rId2"/>
+                <a:stretch>
+                  <a:fillRect l="-963" t="-949" r="-1333"/>
+                </a:stretch>
+              </a:blipFill>
+            </p:spPr>
+            <p:txBody>
+              <a:bodyPr/>
+              <a:lstStyle/>
+              <a:p>
+                <a:r>
+                  <a:rPr lang="en-US">
+                    <a:noFill/>
+                  </a:rPr>
+                  <a:t> </a:t>
+                </a:r>
+              </a:p>
+            </p:txBody>
+          </p:sp>
+        </mc:Fallback>
+      </mc:AlternateContent>
+    </p:spTree>
+    <p:extLst>
+      <p:ext uri="{BB962C8B-B14F-4D97-AF65-F5344CB8AC3E}">
+        <p14:creationId xmlns:p14="http://schemas.microsoft.com/office/powerpoint/2010/main" val="2946689892"/>
+      </p:ext>
+    </p:extLst>
+  </p:cSld>
+  <p:clrMapOvr>
+    <a:masterClrMapping/>
+  </p:clrMapOvr>
+  <p:timing>
+    <p:tnLst>
+      <p:par>
+        <p:cTn id="1" dur="indefinite" restart="never" nodeType="tmRoot"/>
+      </p:par>
+    </p:tnLst>
+  </p:timing>
+</p:sld>
+</file>
+
+<file path=ppt/slides/slide16.xml><?xml version="1.0" encoding="utf-8"?>
+<p:sld xmlns:a="http://schemas.openxmlformats.org/drawingml/2006/main" xmlns:r="http://schemas.openxmlformats.org/officeDocument/2006/relationships" xmlns:p="http://schemas.openxmlformats.org/presentationml/2006/main">
+  <p:cSld>
+    <p:spTree>
+      <p:nvGrpSpPr>
+        <p:cNvPr id="1" name=""/>
+        <p:cNvGrpSpPr/>
+        <p:nvPr/>
+      </p:nvGrpSpPr>
+      <p:grpSpPr>
+        <a:xfrm>
+          <a:off x="0" y="0"/>
+          <a:ext cx="0" cy="0"/>
+          <a:chOff x="0" y="0"/>
+          <a:chExt cx="0" cy="0"/>
+        </a:xfrm>
+      </p:grpSpPr>
+      <p:sp>
+        <p:nvSpPr>
+          <p:cNvPr id="2" name="Title 1"/>
+          <p:cNvSpPr>
+            <a:spLocks noGrp="1"/>
+          </p:cNvSpPr>
+          <p:nvPr>
+            <p:ph type="title"/>
+          </p:nvPr>
+        </p:nvSpPr>
+        <p:spPr>
+          <a:xfrm>
+            <a:off x="1790700" y="127002"/>
+            <a:ext cx="7353300" cy="550863"/>
+          </a:xfrm>
+        </p:spPr>
+        <p:txBody>
+          <a:bodyPr>
+            <a:noAutofit/>
+          </a:bodyPr>
+          <a:lstStyle/>
+          <a:p>
+            <a:r>
+              <a:rPr lang="en-US" sz="2400" dirty="0" smtClean="0"/>
+              <a:t>“Dense and Noisy” Clustering </a:t>
+            </a:r>
+            <a:br>
+              <a:rPr lang="en-US" sz="2400" dirty="0" smtClean="0"/>
+            </a:br>
+            <a:r>
+              <a:rPr lang="en-US" sz="2400" dirty="0" smtClean="0"/>
+              <a:t>and Histogram Generation</a:t>
+            </a:r>
+            <a:endParaRPr lang="en-US" sz="2400" dirty="0"/>
+          </a:p>
+        </p:txBody>
+      </p:sp>
+      <mc:AlternateContent xmlns:mc="http://schemas.openxmlformats.org/markup-compatibility/2006">
+        <mc:Choice xmlns:a14="http://schemas.microsoft.com/office/drawing/2010/main" Requires="a14">
+          <p:sp>
+            <p:nvSpPr>
+              <p:cNvPr id="3" name="Content Placeholder 2"/>
+              <p:cNvSpPr>
+                <a:spLocks noGrp="1"/>
+              </p:cNvSpPr>
+              <p:nvPr>
+                <p:ph idx="1"/>
+              </p:nvPr>
+            </p:nvSpPr>
+            <p:spPr/>
+            <p:txBody>
+              <a:bodyPr/>
+              <a:lstStyle/>
+              <a:p>
+                <a:pPr>
+                  <a:spcBef>
+                    <a:spcPts val="1000"/>
+                  </a:spcBef>
+                </a:pPr>
+                <a:r>
+                  <a:rPr lang="en-US" b="1" dirty="0" smtClean="0"/>
+                  <a:t>Training Set:</a:t>
+                </a:r>
+                <a:r>
+                  <a:rPr lang="en-US" dirty="0" smtClean="0"/>
+                  <a:t> 8.5M patches from 15,000 images.</a:t>
+                </a:r>
+              </a:p>
+              <a:p>
+                <a:pPr lvl="1">
+                  <a:spcBef>
+                    <a:spcPts val="1000"/>
+                  </a:spcBef>
+                </a:pPr>
+                <a:r>
+                  <a:rPr lang="en-US" i="1" dirty="0">
+                    <a:solidFill>
+                      <a:srgbClr val="006600"/>
+                    </a:solidFill>
+                  </a:rPr>
+                  <a:t>Patch Size: </a:t>
+                </a:r>
+                <a:r>
+                  <a:rPr lang="en-US" dirty="0" smtClean="0"/>
+                  <a:t>7px by 7px by 3 (LAB) for 147 total, original dimensions.  This dimensionality is reduced via PCA.</a:t>
+                </a:r>
+              </a:p>
+              <a:p>
+                <a:pPr marL="457200" lvl="1" indent="0">
+                  <a:spcBef>
+                    <a:spcPts val="1000"/>
+                  </a:spcBef>
+                  <a:buNone/>
+                </a:pPr>
+                <a:endParaRPr lang="en-US" dirty="0" smtClean="0"/>
+              </a:p>
+              <a:p>
+                <a:pPr>
+                  <a:spcBef>
+                    <a:spcPts val="1000"/>
+                  </a:spcBef>
+                </a:pPr>
+                <a:r>
+                  <a:rPr lang="en-US" b="1" dirty="0" smtClean="0"/>
+                  <a:t>Clustering the Patches</a:t>
+                </a:r>
+              </a:p>
+              <a:p>
+                <a:pPr lvl="1">
+                  <a:spcBef>
+                    <a:spcPts val="1000"/>
+                  </a:spcBef>
+                </a:pPr>
+                <a:r>
+                  <a:rPr lang="en-US" i="1" dirty="0">
+                    <a:solidFill>
+                      <a:srgbClr val="006600"/>
+                    </a:solidFill>
+                  </a:rPr>
+                  <a:t>Step #1: </a:t>
+                </a:r>
+                <a:r>
+                  <a:rPr lang="en-US" dirty="0" smtClean="0"/>
+                  <a:t>Cluster each image’s patches into </a:t>
+                </a:r>
+                <a14:m>
+                  <m:oMath xmlns:m="http://schemas.openxmlformats.org/officeDocument/2006/math">
+                    <m:r>
+                      <a:rPr lang="en-US" b="0" i="1" smtClean="0">
+                        <a:latin typeface="Cambria Math"/>
+                      </a:rPr>
+                      <m:t>𝐿</m:t>
+                    </m:r>
+                  </m:oMath>
+                </a14:m>
+                <a:r>
+                  <a:rPr lang="en-US" dirty="0" smtClean="0"/>
+                  <a:t> (e.g. 20) centroids.</a:t>
+                </a:r>
+              </a:p>
+              <a:p>
+                <a:pPr lvl="1">
+                  <a:spcBef>
+                    <a:spcPts val="1000"/>
+                  </a:spcBef>
+                </a:pPr>
+                <a:r>
+                  <a:rPr lang="en-US" i="1" dirty="0" smtClean="0">
+                    <a:solidFill>
+                      <a:srgbClr val="006600"/>
+                    </a:solidFill>
+                  </a:rPr>
+                  <a:t>Step #2</a:t>
+                </a:r>
+                <a:r>
+                  <a:rPr lang="en-US" dirty="0" smtClean="0"/>
+                  <a:t>: Re-cluster </a:t>
+                </a:r>
+                <a14:m>
+                  <m:oMath xmlns:m="http://schemas.openxmlformats.org/officeDocument/2006/math">
+                    <m:r>
+                      <a:rPr lang="en-US" b="0" i="1" smtClean="0">
+                        <a:latin typeface="Cambria Math"/>
+                      </a:rPr>
+                      <m:t>𝐿</m:t>
+                    </m:r>
+                  </m:oMath>
+                </a14:m>
+                <a:r>
+                  <a:rPr lang="en-US" dirty="0" smtClean="0"/>
+                  <a:t> centroids from all images into </a:t>
+                </a:r>
+                <a14:m>
+                  <m:oMath xmlns:m="http://schemas.openxmlformats.org/officeDocument/2006/math">
+                    <m:r>
+                      <a:rPr lang="en-US" b="0" i="1" smtClean="0">
+                        <a:latin typeface="Cambria Math"/>
+                      </a:rPr>
+                      <m:t>𝑁</m:t>
+                    </m:r>
+                  </m:oMath>
+                </a14:m>
+                <a:r>
+                  <a:rPr lang="en-US" dirty="0" smtClean="0"/>
+                  <a:t> (e.g. 200) centroids. </a:t>
+                </a:r>
+              </a:p>
+              <a:p>
+                <a:pPr>
+                  <a:spcBef>
+                    <a:spcPts val="1000"/>
+                  </a:spcBef>
+                </a:pPr>
+                <a:endParaRPr lang="en-US" dirty="0" smtClean="0"/>
+              </a:p>
+              <a:p>
+                <a:pPr>
+                  <a:spcBef>
+                    <a:spcPts val="1000"/>
+                  </a:spcBef>
+                </a:pPr>
+                <a:r>
+                  <a:rPr lang="en-US" b="1" dirty="0" smtClean="0"/>
+                  <a:t>Creating the Histogram: </a:t>
+                </a:r>
+                <a:r>
+                  <a:rPr lang="en-US" dirty="0" smtClean="0"/>
+                  <a:t>For a given image, assign each patch to its closest centroid.  </a:t>
+                </a:r>
+              </a:p>
+            </p:txBody>
+          </p:sp>
+        </mc:Choice>
+        <mc:Fallback>
+          <p:sp>
+            <p:nvSpPr>
+              <p:cNvPr id="3" name="Content Placeholder 2"/>
+              <p:cNvSpPr>
+                <a:spLocks noGrp="1" noRot="1" noChangeAspect="1" noMove="1" noResize="1" noEditPoints="1" noAdjustHandles="1" noChangeArrowheads="1" noChangeShapeType="1" noTextEdit="1"/>
+              </p:cNvSpPr>
+              <p:nvPr>
+                <p:ph idx="1"/>
+              </p:nvPr>
+            </p:nvSpPr>
+            <p:spPr>
+              <a:blipFill rotWithShape="1">
+                <a:blip r:embed="rId2"/>
+                <a:stretch>
+                  <a:fillRect l="-963" t="-949" r="-444"/>
+                </a:stretch>
+              </a:blipFill>
+            </p:spPr>
+            <p:txBody>
+              <a:bodyPr/>
+              <a:lstStyle/>
+              <a:p>
+                <a:r>
+                  <a:rPr lang="en-US">
+                    <a:noFill/>
+                  </a:rPr>
+                  <a:t> </a:t>
+                </a:r>
+              </a:p>
+            </p:txBody>
+          </p:sp>
+        </mc:Fallback>
+      </mc:AlternateContent>
+    </p:spTree>
+    <p:extLst>
+      <p:ext uri="{BB962C8B-B14F-4D97-AF65-F5344CB8AC3E}">
+        <p14:creationId xmlns:p14="http://schemas.microsoft.com/office/powerpoint/2010/main" val="1855633438"/>
+      </p:ext>
+    </p:extLst>
+  </p:cSld>
+  <p:clrMapOvr>
+    <a:masterClrMapping/>
+  </p:clrMapOvr>
+  <p:timing>
+    <p:tnLst>
+      <p:par>
+        <p:cTn id="1" dur="indefinite" restart="never" nodeType="tmRoot"/>
+      </p:par>
+    </p:tnLst>
+  </p:timing>
+</p:sld>
+</file>
+
+<file path=ppt/slides/slide17.xml><?xml version="1.0" encoding="utf-8"?>
+<p:sld xmlns:a="http://schemas.openxmlformats.org/drawingml/2006/main" xmlns:r="http://schemas.openxmlformats.org/officeDocument/2006/relationships" xmlns:p="http://schemas.openxmlformats.org/presentationml/2006/main">
+  <p:cSld>
+    <p:spTree>
+      <p:nvGrpSpPr>
+        <p:cNvPr id="1" name=""/>
+        <p:cNvGrpSpPr/>
+        <p:nvPr/>
+      </p:nvGrpSpPr>
+      <p:grpSpPr>
+        <a:xfrm>
+          <a:off x="0" y="0"/>
+          <a:ext cx="0" cy="0"/>
+          <a:chOff x="0" y="0"/>
+          <a:chExt cx="0" cy="0"/>
+        </a:xfrm>
+      </p:grpSpPr>
+      <p:sp>
+        <p:nvSpPr>
+          <p:cNvPr id="2" name="Title 1"/>
+          <p:cNvSpPr>
+            <a:spLocks noGrp="1"/>
+          </p:cNvSpPr>
+          <p:nvPr>
+            <p:ph type="title"/>
+          </p:nvPr>
+        </p:nvSpPr>
+        <p:spPr>
+          <a:xfrm>
+            <a:off x="2105024" y="76200"/>
+            <a:ext cx="7038975" cy="550863"/>
+          </a:xfrm>
+        </p:spPr>
+        <p:txBody>
+          <a:bodyPr>
+            <a:noAutofit/>
+          </a:bodyPr>
+          <a:lstStyle/>
+          <a:p>
+            <a:r>
+              <a:rPr lang="en-US" sz="2400" dirty="0" smtClean="0"/>
+              <a:t>“Dense and Noisy” – Generating the Low Res. Image</a:t>
+            </a:r>
+            <a:endParaRPr lang="en-US" sz="2400" dirty="0"/>
+          </a:p>
+        </p:txBody>
+      </p:sp>
+      <p:sp>
+        <p:nvSpPr>
+          <p:cNvPr id="3" name="Content Placeholder 2"/>
+          <p:cNvSpPr>
+            <a:spLocks noGrp="1"/>
+          </p:cNvSpPr>
+          <p:nvPr>
+            <p:ph idx="1"/>
+          </p:nvPr>
+        </p:nvSpPr>
+        <p:spPr/>
+        <p:txBody>
+          <a:bodyPr/>
+          <a:lstStyle/>
+          <a:p>
+            <a:r>
+              <a:rPr lang="en-US" b="1" dirty="0" smtClean="0"/>
+              <a:t>Theoretical Motivation: </a:t>
+            </a:r>
+            <a:r>
+              <a:rPr lang="en-US" dirty="0" smtClean="0"/>
+              <a:t>Different colors are more likely to be at different places in an image.</a:t>
+            </a:r>
+          </a:p>
+          <a:p>
+            <a:pPr lvl="1"/>
+            <a:r>
+              <a:rPr lang="en-US" i="1" dirty="0" smtClean="0">
+                <a:solidFill>
+                  <a:srgbClr val="006600"/>
+                </a:solidFill>
+              </a:rPr>
+              <a:t>Example</a:t>
+            </a:r>
+            <a:r>
+              <a:rPr lang="en-US" b="1" dirty="0" smtClean="0"/>
+              <a:t>:</a:t>
+            </a:r>
+            <a:r>
+              <a:rPr lang="en-US" dirty="0" smtClean="0"/>
+              <a:t> Blue (sky) is more likely to be towards the top of the image while brown (soil) tends to be in the image foreground.</a:t>
+            </a:r>
+          </a:p>
+          <a:p>
+            <a:endParaRPr lang="en-US" dirty="0" smtClean="0"/>
+          </a:p>
+          <a:p>
+            <a:r>
+              <a:rPr lang="en-US" b="1" dirty="0" smtClean="0"/>
+              <a:t>Mapping Bins to the Image</a:t>
+            </a:r>
+            <a:r>
+              <a:rPr lang="en-US" dirty="0" smtClean="0"/>
+              <a:t>: Use the training set to generate probability density maps for each histogram bin.</a:t>
+            </a:r>
+          </a:p>
+          <a:p>
+            <a:endParaRPr lang="en-US" dirty="0"/>
+          </a:p>
+          <a:p>
+            <a:r>
+              <a:rPr lang="en-US" b="1" dirty="0" smtClean="0"/>
+              <a:t>Using the Histogram to Create the Low Resolution Image</a:t>
+            </a:r>
+            <a:r>
+              <a:rPr lang="en-US" dirty="0" smtClean="0"/>
+              <a:t>: Use a trained, linear regression function to map a bag of pieces histogram to the training images (i.e. use prior knowledge).</a:t>
+            </a:r>
+            <a:endParaRPr lang="en-US" dirty="0"/>
+          </a:p>
+        </p:txBody>
+      </p:sp>
+    </p:spTree>
+    <p:extLst>
+      <p:ext uri="{BB962C8B-B14F-4D97-AF65-F5344CB8AC3E}">
+        <p14:creationId xmlns:p14="http://schemas.microsoft.com/office/powerpoint/2010/main" val="58278014"/>
+      </p:ext>
+    </p:extLst>
+  </p:cSld>
+  <p:clrMapOvr>
+    <a:masterClrMapping/>
+  </p:clrMapOvr>
+  <p:timing>
+    <p:tnLst>
+      <p:par>
+        <p:cTn id="1" dur="indefinite" restart="never" nodeType="tmRoot"/>
+      </p:par>
+    </p:tnLst>
+  </p:timing>
+</p:sld>
+</file>
+
+<file path=ppt/slides/slide18.xml><?xml version="1.0" encoding="utf-8"?>
+<p:sld xmlns:a="http://schemas.openxmlformats.org/drawingml/2006/main" xmlns:r="http://schemas.openxmlformats.org/officeDocument/2006/relationships" xmlns:p="http://schemas.openxmlformats.org/presentationml/2006/main">
+  <p:cSld>
+    <p:spTree>
+      <p:nvGrpSpPr>
+        <p:cNvPr id="1" name=""/>
+        <p:cNvGrpSpPr/>
+        <p:nvPr/>
+      </p:nvGrpSpPr>
+      <p:grpSpPr>
+        <a:xfrm>
+          <a:off x="0" y="0"/>
+          <a:ext cx="0" cy="0"/>
+          <a:chOff x="0" y="0"/>
+          <a:chExt cx="0" cy="0"/>
+        </a:xfrm>
+      </p:grpSpPr>
+      <p:sp>
+        <p:nvSpPr>
+          <p:cNvPr id="2" name="Title 1"/>
+          <p:cNvSpPr>
+            <a:spLocks noGrp="1"/>
+          </p:cNvSpPr>
+          <p:nvPr>
+            <p:ph type="title"/>
+          </p:nvPr>
+        </p:nvSpPr>
+        <p:spPr/>
+        <p:txBody>
+          <a:bodyPr>
+            <a:normAutofit fontScale="90000"/>
+          </a:bodyPr>
+          <a:lstStyle/>
+          <a:p>
+            <a:r>
+              <a:rPr lang="en-US" dirty="0" smtClean="0"/>
+              <a:t>“Dense and Noisy” Results</a:t>
+            </a:r>
+            <a:endParaRPr lang="en-US" dirty="0"/>
+          </a:p>
+        </p:txBody>
+      </p:sp>
+      <mc:AlternateContent xmlns:mc="http://schemas.openxmlformats.org/markup-compatibility/2006">
+        <mc:Choice xmlns:a14="http://schemas.microsoft.com/office/drawing/2010/main" Requires="a14">
+          <p:sp>
+            <p:nvSpPr>
+              <p:cNvPr id="3" name="Content Placeholder 2"/>
+              <p:cNvSpPr>
+                <a:spLocks noGrp="1"/>
+              </p:cNvSpPr>
+              <p:nvPr>
+                <p:ph idx="1"/>
+              </p:nvPr>
+            </p:nvSpPr>
+            <p:spPr/>
+            <p:txBody>
+              <a:bodyPr/>
+              <a:lstStyle/>
+              <a:p>
+                <a:r>
+                  <a:rPr lang="en-US" b="1" dirty="0" smtClean="0"/>
+                  <a:t>Summary: </a:t>
+                </a:r>
+                <a:r>
+                  <a:rPr lang="en-US" dirty="0" smtClean="0"/>
+                  <a:t>Patch histogram can “coarsely predict” a low resolution of the original image.</a:t>
+                </a:r>
+              </a:p>
+              <a:p>
+                <a:pPr lvl="1"/>
+                <a:r>
+                  <a:rPr lang="en-US" i="1" dirty="0" smtClean="0">
+                    <a:solidFill>
+                      <a:srgbClr val="006600"/>
+                    </a:solidFill>
+                  </a:rPr>
+                  <a:t>Possible Explanation</a:t>
+                </a:r>
+                <a:r>
+                  <a:rPr lang="en-US" dirty="0" smtClean="0">
+                    <a:solidFill>
+                      <a:srgbClr val="006600"/>
+                    </a:solidFill>
+                  </a:rPr>
+                  <a:t>: </a:t>
+                </a:r>
+                <a:r>
+                  <a:rPr lang="en-US" dirty="0" smtClean="0"/>
+                  <a:t>There is enough “structural regularity” in images that a bag of patches proves spatial information.</a:t>
+                </a:r>
+              </a:p>
+              <a:p>
+                <a:endParaRPr lang="en-US" dirty="0"/>
+              </a:p>
+              <a:p>
+                <a:r>
+                  <a:rPr lang="en-US" b="1" dirty="0" smtClean="0"/>
+                  <a:t>Patch Rank Map: </a:t>
+                </a:r>
+                <a:r>
+                  <a:rPr lang="en-US" dirty="0" smtClean="0"/>
+                  <a:t>For each pixel in the low resolution images, patches are ranked from least likely to most likely to reside in that location.</a:t>
+                </a:r>
+              </a:p>
+              <a:p>
+                <a:pPr lvl="1"/>
+                <a:r>
+                  <a:rPr lang="en-US" i="1" dirty="0" smtClean="0">
+                    <a:solidFill>
+                      <a:srgbClr val="006600"/>
+                    </a:solidFill>
+                  </a:rPr>
+                  <a:t>Ideal Case</a:t>
+                </a:r>
+                <a:r>
+                  <a:rPr lang="en-US" dirty="0" smtClean="0">
+                    <a:solidFill>
+                      <a:srgbClr val="006600"/>
+                    </a:solidFill>
+                  </a:rPr>
+                  <a:t>: </a:t>
+                </a:r>
+                <a:r>
+                  <a:rPr lang="en-US" dirty="0" smtClean="0"/>
+                  <a:t>The set of patches that map to the low resolution will have the best rank (i.e. 1)</a:t>
+                </a:r>
+              </a:p>
+              <a:p>
+                <a:pPr marL="457200" lvl="1" indent="0">
+                  <a:buNone/>
+                </a:pPr>
+                <a:endParaRPr lang="en-US" dirty="0" smtClean="0"/>
+              </a:p>
+              <a:p>
+                <a:pPr lvl="1"/>
+                <a:r>
+                  <a:rPr lang="en-US" i="1" dirty="0" smtClean="0">
+                    <a:solidFill>
+                      <a:srgbClr val="006600"/>
+                    </a:solidFill>
+                  </a:rPr>
+                  <a:t>Worst Case</a:t>
+                </a:r>
+                <a:r>
+                  <a:rPr lang="en-US" dirty="0" smtClean="0">
+                    <a:solidFill>
+                      <a:srgbClr val="006600"/>
+                    </a:solidFill>
+                  </a:rPr>
+                  <a:t>: </a:t>
+                </a:r>
+                <a:r>
+                  <a:rPr lang="en-US" dirty="0" smtClean="0"/>
+                  <a:t>The matching set of patches will have rank </a:t>
+                </a:r>
+                <a14:m>
+                  <m:oMath xmlns:m="http://schemas.openxmlformats.org/officeDocument/2006/math">
+                    <m:r>
+                      <a:rPr lang="en-US" b="0" i="1" smtClean="0">
+                        <a:latin typeface="Cambria Math"/>
+                      </a:rPr>
+                      <m:t>𝑁</m:t>
+                    </m:r>
+                  </m:oMath>
+                </a14:m>
+                <a:r>
+                  <a:rPr lang="en-US" dirty="0" smtClean="0"/>
+                  <a:t>, where </a:t>
+                </a:r>
+                <a14:m>
+                  <m:oMath xmlns:m="http://schemas.openxmlformats.org/officeDocument/2006/math">
+                    <m:r>
+                      <a:rPr lang="en-US" b="0" i="1" smtClean="0">
+                        <a:latin typeface="Cambria Math"/>
+                      </a:rPr>
+                      <m:t>𝑁</m:t>
+                    </m:r>
+                  </m:oMath>
+                </a14:m>
+                <a:r>
+                  <a:rPr lang="en-US" dirty="0" smtClean="0"/>
+                  <a:t> is the number of patches in the image.</a:t>
+                </a:r>
+                <a:endParaRPr lang="en-US" dirty="0"/>
+              </a:p>
+            </p:txBody>
+          </p:sp>
+        </mc:Choice>
+        <mc:Fallback>
+          <p:sp>
+            <p:nvSpPr>
+              <p:cNvPr id="3" name="Content Placeholder 2"/>
+              <p:cNvSpPr>
+                <a:spLocks noGrp="1" noRot="1" noChangeAspect="1" noMove="1" noResize="1" noEditPoints="1" noAdjustHandles="1" noChangeArrowheads="1" noChangeShapeType="1" noTextEdit="1"/>
+              </p:cNvSpPr>
+              <p:nvPr>
+                <p:ph idx="1"/>
+              </p:nvPr>
+            </p:nvSpPr>
+            <p:spPr>
+              <a:blipFill rotWithShape="1">
+                <a:blip r:embed="rId2"/>
+                <a:stretch>
+                  <a:fillRect l="-963" t="-949" r="-593" b="-593"/>
+                </a:stretch>
+              </a:blipFill>
+            </p:spPr>
+            <p:txBody>
+              <a:bodyPr/>
+              <a:lstStyle/>
+              <a:p>
+                <a:r>
+                  <a:rPr lang="en-US">
+                    <a:noFill/>
+                  </a:rPr>
+                  <a:t> </a:t>
+                </a:r>
+              </a:p>
+            </p:txBody>
+          </p:sp>
+        </mc:Fallback>
+      </mc:AlternateContent>
+    </p:spTree>
+    <p:extLst>
+      <p:ext uri="{BB962C8B-B14F-4D97-AF65-F5344CB8AC3E}">
+        <p14:creationId xmlns:p14="http://schemas.microsoft.com/office/powerpoint/2010/main" val="2990768384"/>
+      </p:ext>
+    </p:extLst>
+  </p:cSld>
+  <p:clrMapOvr>
+    <a:masterClrMapping/>
+  </p:clrMapOvr>
+  <p:timing>
+    <p:tnLst>
+      <p:par>
+        <p:cTn id="1" dur="indefinite" restart="never" nodeType="tmRoot"/>
+      </p:par>
+    </p:tnLst>
+  </p:timing>
+</p:sld>
+</file>
+
+<file path=ppt/slides/slide19.xml><?xml version="1.0" encoding="utf-8"?>
+<p:sld xmlns:a="http://schemas.openxmlformats.org/drawingml/2006/main" xmlns:r="http://schemas.openxmlformats.org/officeDocument/2006/relationships" xmlns:p="http://schemas.openxmlformats.org/presentationml/2006/main">
+  <p:cSld>
+    <p:spTree>
+      <p:nvGrpSpPr>
+        <p:cNvPr id="1" name=""/>
+        <p:cNvGrpSpPr/>
+        <p:nvPr/>
+      </p:nvGrpSpPr>
+      <p:grpSpPr>
+        <a:xfrm>
+          <a:off x="0" y="0"/>
+          <a:ext cx="0" cy="0"/>
+          <a:chOff x="0" y="0"/>
+          <a:chExt cx="0" cy="0"/>
+        </a:xfrm>
+      </p:grpSpPr>
+      <p:sp>
+        <p:nvSpPr>
+          <p:cNvPr id="2" name="Title 1"/>
+          <p:cNvSpPr>
+            <a:spLocks noGrp="1"/>
+          </p:cNvSpPr>
+          <p:nvPr>
+            <p:ph type="title"/>
+          </p:nvPr>
+        </p:nvSpPr>
+        <p:spPr/>
+        <p:txBody>
+          <a:bodyPr>
+            <a:noAutofit/>
+          </a:bodyPr>
+          <a:lstStyle/>
+          <a:p>
+            <a:r>
+              <a:rPr lang="en-US" sz="3200" dirty="0" smtClean="0"/>
+              <a:t>“Dense and Noisy” End to End Example</a:t>
+            </a:r>
+            <a:endParaRPr lang="en-US" sz="3200" dirty="0"/>
+          </a:p>
+        </p:txBody>
+      </p:sp>
+      <p:pic>
+        <p:nvPicPr>
+          <p:cNvPr id="4" name="Content Placeholder 3"/>
+          <p:cNvPicPr>
+            <a:picLocks noGrp="1" noChangeAspect="1"/>
+          </p:cNvPicPr>
+          <p:nvPr>
+            <p:ph idx="1"/>
+          </p:nvPr>
+        </p:nvPicPr>
+        <p:blipFill rotWithShape="1">
+          <a:blip r:embed="rId2">
+            <a:extLst>
+              <a:ext uri="{28A0092B-C50C-407E-A947-70E740481C1C}">
+                <a14:useLocalDpi xmlns:a14="http://schemas.microsoft.com/office/drawing/2010/main" val="0"/>
+              </a:ext>
+            </a:extLst>
+          </a:blip>
+          <a:srcRect b="433"/>
+          <a:stretch/>
+        </p:blipFill>
+        <p:spPr>
+          <a:xfrm>
+            <a:off x="1226820" y="989013"/>
+            <a:ext cx="6309360" cy="5607821"/>
+          </a:xfrm>
+        </p:spPr>
+      </p:pic>
+      <p:sp>
+        <p:nvSpPr>
+          <p:cNvPr id="6" name="Rectangle 5"/>
+          <p:cNvSpPr/>
+          <p:nvPr/>
+        </p:nvSpPr>
+        <p:spPr bwMode="auto">
+          <a:xfrm>
+            <a:off x="1371600" y="1409700"/>
+            <a:ext cx="6073140" cy="1188720"/>
+          </a:xfrm>
+          <a:prstGeom prst="rect">
+            <a:avLst/>
+          </a:prstGeom>
+          <a:noFill/>
+          <a:ln w="63500" cap="flat" cmpd="sng" algn="ctr">
+            <a:solidFill>
+              <a:srgbClr val="FF0000"/>
+            </a:solidFill>
+            <a:prstDash val="solid"/>
+            <a:round/>
+            <a:headEnd type="none" w="med" len="med"/>
+            <a:tailEnd type="none" w="med" len="med"/>
+          </a:ln>
+          <a:effectLst/>
+        </p:spPr>
+        <p:txBody>
+          <a:bodyPr vert="horz" wrap="square" lIns="91440" tIns="45720" rIns="91440" bIns="45720" numCol="1" rtlCol="0" anchor="t" anchorCtr="0" compatLnSpc="1">
+            <a:prstTxWarp prst="textNoShape">
+              <a:avLst/>
+            </a:prstTxWarp>
+          </a:bodyPr>
+          <a:lstStyle/>
+          <a:p>
+            <a:pPr marL="0" marR="0" indent="0" algn="l" defTabSz="914400" rtl="0" eaLnBrk="1" fontAlgn="base" latinLnBrk="0" hangingPunct="1">
+              <a:lnSpc>
+                <a:spcPct val="100000"/>
+              </a:lnSpc>
+              <a:spcBef>
+                <a:spcPct val="0"/>
+              </a:spcBef>
+              <a:spcAft>
+                <a:spcPct val="0"/>
+              </a:spcAft>
+              <a:buClrTx/>
+              <a:buSzTx/>
+              <a:buFontTx/>
+              <a:buNone/>
+              <a:tabLst/>
+            </a:pPr>
+            <a:endParaRPr kumimoji="0" lang="en-US" sz="1800" b="1" i="0" u="none" strike="noStrike" cap="none" normalizeH="0" baseline="0" smtClean="0">
+              <a:ln>
+                <a:noFill/>
+              </a:ln>
+              <a:solidFill>
+                <a:schemeClr val="tx1"/>
+              </a:solidFill>
+              <a:effectLst/>
+              <a:latin typeface="Arial" charset="0"/>
+              <a:cs typeface="Arial" charset="0"/>
+            </a:endParaRPr>
+          </a:p>
+        </p:txBody>
+      </p:sp>
+      <p:sp>
+        <p:nvSpPr>
+          <p:cNvPr id="7" name="TextBox 6"/>
+          <p:cNvSpPr txBox="1"/>
+          <p:nvPr/>
+        </p:nvSpPr>
+        <p:spPr>
+          <a:xfrm>
+            <a:off x="7525159" y="5091850"/>
+            <a:ext cx="1618841" cy="911019"/>
+          </a:xfrm>
+          <a:prstGeom prst="rect">
+            <a:avLst/>
+          </a:prstGeom>
+          <a:noFill/>
+        </p:spPr>
+        <p:txBody>
+          <a:bodyPr wrap="none" rtlCol="0">
+            <a:spAutoFit/>
+          </a:bodyPr>
+          <a:lstStyle/>
+          <a:p>
+            <a:pPr algn="ctr">
+              <a:lnSpc>
+                <a:spcPct val="114000"/>
+              </a:lnSpc>
+            </a:pPr>
+            <a:r>
+              <a:rPr lang="en-US" sz="1600" b="1" dirty="0" smtClean="0"/>
+              <a:t>Worst Results</a:t>
+            </a:r>
+            <a:r>
+              <a:rPr lang="en-US" sz="1600" dirty="0" smtClean="0"/>
+              <a:t> </a:t>
+            </a:r>
+          </a:p>
+          <a:p>
+            <a:pPr algn="ctr">
+              <a:lnSpc>
+                <a:spcPct val="114000"/>
+              </a:lnSpc>
+            </a:pPr>
+            <a:r>
+              <a:rPr lang="en-US" sz="1600" dirty="0" smtClean="0"/>
+              <a:t>Confused </a:t>
+            </a:r>
+          </a:p>
+          <a:p>
+            <a:pPr algn="ctr">
+              <a:lnSpc>
+                <a:spcPct val="114000"/>
+              </a:lnSpc>
+            </a:pPr>
+            <a:r>
+              <a:rPr lang="en-US" sz="1600" dirty="0" smtClean="0"/>
+              <a:t>snow for sky</a:t>
+            </a:r>
+          </a:p>
+        </p:txBody>
+      </p:sp>
+      <p:sp>
+        <p:nvSpPr>
+          <p:cNvPr id="8" name="Rectangle 7"/>
+          <p:cNvSpPr/>
+          <p:nvPr/>
+        </p:nvSpPr>
+        <p:spPr bwMode="auto">
+          <a:xfrm>
+            <a:off x="1371600" y="4953000"/>
+            <a:ext cx="6073140" cy="1188720"/>
+          </a:xfrm>
+          <a:prstGeom prst="rect">
+            <a:avLst/>
+          </a:prstGeom>
+          <a:noFill/>
+          <a:ln w="63500" cap="flat" cmpd="sng" algn="ctr">
+            <a:solidFill>
+              <a:srgbClr val="FF0000"/>
+            </a:solidFill>
+            <a:prstDash val="solid"/>
+            <a:round/>
+            <a:headEnd type="none" w="med" len="med"/>
+            <a:tailEnd type="none" w="med" len="med"/>
+          </a:ln>
+          <a:effectLst/>
+        </p:spPr>
+        <p:txBody>
+          <a:bodyPr vert="horz" wrap="square" lIns="91440" tIns="45720" rIns="91440" bIns="45720" numCol="1" rtlCol="0" anchor="t" anchorCtr="0" compatLnSpc="1">
+            <a:prstTxWarp prst="textNoShape">
+              <a:avLst/>
+            </a:prstTxWarp>
+          </a:bodyPr>
+          <a:lstStyle/>
+          <a:p>
+            <a:pPr marL="0" marR="0" indent="0" algn="l" defTabSz="914400" rtl="0" eaLnBrk="1" fontAlgn="base" latinLnBrk="0" hangingPunct="1">
+              <a:lnSpc>
+                <a:spcPct val="100000"/>
+              </a:lnSpc>
+              <a:spcBef>
+                <a:spcPct val="0"/>
+              </a:spcBef>
+              <a:spcAft>
+                <a:spcPct val="0"/>
+              </a:spcAft>
+              <a:buClrTx/>
+              <a:buSzTx/>
+              <a:buFontTx/>
+              <a:buNone/>
+              <a:tabLst/>
+            </a:pPr>
+            <a:endParaRPr kumimoji="0" lang="en-US" sz="1800" b="1" i="0" u="none" strike="noStrike" cap="none" normalizeH="0" baseline="0" smtClean="0">
+              <a:ln>
+                <a:noFill/>
+              </a:ln>
+              <a:solidFill>
+                <a:schemeClr val="tx1"/>
+              </a:solidFill>
+              <a:effectLst/>
+              <a:latin typeface="Arial" charset="0"/>
+              <a:cs typeface="Arial" charset="0"/>
+            </a:endParaRPr>
+          </a:p>
+        </p:txBody>
+      </p:sp>
+      <p:sp>
+        <p:nvSpPr>
+          <p:cNvPr id="10" name="TextBox 9"/>
+          <p:cNvSpPr txBox="1"/>
+          <p:nvPr/>
+        </p:nvSpPr>
+        <p:spPr>
+          <a:xfrm>
+            <a:off x="7621082" y="1829268"/>
+            <a:ext cx="1426994" cy="349583"/>
+          </a:xfrm>
+          <a:prstGeom prst="rect">
+            <a:avLst/>
+          </a:prstGeom>
+          <a:noFill/>
+        </p:spPr>
+        <p:txBody>
+          <a:bodyPr wrap="none" rtlCol="0">
+            <a:spAutoFit/>
+          </a:bodyPr>
+          <a:lstStyle/>
+          <a:p>
+            <a:pPr algn="ctr">
+              <a:lnSpc>
+                <a:spcPct val="114000"/>
+              </a:lnSpc>
+            </a:pPr>
+            <a:r>
+              <a:rPr lang="en-US" sz="1600" b="1" dirty="0" smtClean="0"/>
+              <a:t>Best Results</a:t>
+            </a:r>
+            <a:endParaRPr lang="en-US" sz="1600" dirty="0" smtClean="0"/>
+          </a:p>
+        </p:txBody>
+      </p:sp>
+    </p:spTree>
+    <p:extLst>
+      <p:ext uri="{BB962C8B-B14F-4D97-AF65-F5344CB8AC3E}">
+        <p14:creationId xmlns:p14="http://schemas.microsoft.com/office/powerpoint/2010/main" val="3358056143"/>
+      </p:ext>
+    </p:extLst>
+  </p:cSld>
+  <p:clrMapOvr>
+    <a:masterClrMapping/>
+  </p:clrMapOvr>
+  <p:timing>
+    <p:tnLst>
+      <p:par>
+        <p:cTn id="1" dur="indefinite" restart="never" nodeType="tmRoot">
+          <p:childTnLst>
+            <p:seq concurrent="1" nextAc="seek">
+              <p:cTn id="2" dur="indefinite" nodeType="mainSeq">
+                <p:childTnLst>
+                  <p:par>
+                    <p:cTn id="3" fill="hold">
+                      <p:stCondLst>
+                        <p:cond delay="indefinite"/>
+                      </p:stCondLst>
+                      <p:childTnLst>
+                        <p:par>
+                          <p:cTn id="4" fill="hold">
+                            <p:stCondLst>
+                              <p:cond delay="0"/>
+                            </p:stCondLst>
+                            <p:childTnLst>
+                              <p:par>
+                                <p:cTn id="5" presetID="10" presetClass="entr" presetSubtype="0" fill="hold" grpId="0" nodeType="clickEffect">
+                                  <p:stCondLst>
+                                    <p:cond delay="0"/>
+                                  </p:stCondLst>
+                                  <p:childTnLst>
+                                    <p:set>
+                                      <p:cBhvr>
+                                        <p:cTn id="6" dur="1" fill="hold">
+                                          <p:stCondLst>
+                                            <p:cond delay="0"/>
+                                          </p:stCondLst>
+                                        </p:cTn>
+                                        <p:tgtEl>
+                                          <p:spTgt spid="6"/>
+                                        </p:tgtEl>
+                                        <p:attrNameLst>
+                                          <p:attrName>style.visibility</p:attrName>
+                                        </p:attrNameLst>
+                                      </p:cBhvr>
+                                      <p:to>
+                                        <p:strVal val="visible"/>
+                                      </p:to>
+                                    </p:set>
+                                    <p:animEffect transition="in" filter="fade">
+                                      <p:cBhvr>
+                                        <p:cTn id="7" dur="500"/>
+                                        <p:tgtEl>
+                                          <p:spTgt spid="6"/>
+                                        </p:tgtEl>
+                                      </p:cBhvr>
+                                    </p:animEffect>
+                                  </p:childTnLst>
+                                </p:cTn>
+                              </p:par>
+                            </p:childTnLst>
+                          </p:cTn>
+                        </p:par>
+                        <p:par>
+                          <p:cTn id="8" fill="hold">
+                            <p:stCondLst>
+                              <p:cond delay="500"/>
+                            </p:stCondLst>
+                            <p:childTnLst>
+                              <p:par>
+                                <p:cTn id="9" presetID="10" presetClass="entr" presetSubtype="0" fill="hold" grpId="0" nodeType="afterEffect">
+                                  <p:stCondLst>
+                                    <p:cond delay="0"/>
+                                  </p:stCondLst>
+                                  <p:childTnLst>
+                                    <p:set>
+                                      <p:cBhvr>
+                                        <p:cTn id="10" dur="1" fill="hold">
+                                          <p:stCondLst>
+                                            <p:cond delay="0"/>
+                                          </p:stCondLst>
+                                        </p:cTn>
+                                        <p:tgtEl>
+                                          <p:spTgt spid="10"/>
+                                        </p:tgtEl>
+                                        <p:attrNameLst>
+                                          <p:attrName>style.visibility</p:attrName>
+                                        </p:attrNameLst>
+                                      </p:cBhvr>
+                                      <p:to>
+                                        <p:strVal val="visible"/>
+                                      </p:to>
+                                    </p:set>
+                                    <p:animEffect transition="in" filter="fade">
+                                      <p:cBhvr>
+                                        <p:cTn id="11" dur="500"/>
+                                        <p:tgtEl>
+                                          <p:spTgt spid="10"/>
+                                        </p:tgtEl>
+                                      </p:cBhvr>
+                                    </p:animEffect>
+                                  </p:childTnLst>
+                                </p:cTn>
+                              </p:par>
+                            </p:childTnLst>
+                          </p:cTn>
+                        </p:par>
+                      </p:childTnLst>
+                    </p:cTn>
+                  </p:par>
+                  <p:par>
+                    <p:cTn id="12" fill="hold">
+                      <p:stCondLst>
+                        <p:cond delay="indefinite"/>
+                      </p:stCondLst>
+                      <p:childTnLst>
+                        <p:par>
+                          <p:cTn id="13" fill="hold">
+                            <p:stCondLst>
+                              <p:cond delay="0"/>
+                            </p:stCondLst>
+                            <p:childTnLst>
+                              <p:par>
+                                <p:cTn id="14" presetID="10" presetClass="entr" presetSubtype="0" fill="hold" grpId="0" nodeType="clickEffect">
+                                  <p:stCondLst>
+                                    <p:cond delay="0"/>
+                                  </p:stCondLst>
+                                  <p:childTnLst>
+                                    <p:set>
+                                      <p:cBhvr>
+                                        <p:cTn id="15" dur="1" fill="hold">
+                                          <p:stCondLst>
+                                            <p:cond delay="0"/>
+                                          </p:stCondLst>
+                                        </p:cTn>
+                                        <p:tgtEl>
+                                          <p:spTgt spid="8"/>
+                                        </p:tgtEl>
+                                        <p:attrNameLst>
+                                          <p:attrName>style.visibility</p:attrName>
+                                        </p:attrNameLst>
+                                      </p:cBhvr>
+                                      <p:to>
+                                        <p:strVal val="visible"/>
+                                      </p:to>
+                                    </p:set>
+                                    <p:animEffect transition="in" filter="fade">
+                                      <p:cBhvr>
+                                        <p:cTn id="16" dur="500"/>
+                                        <p:tgtEl>
+                                          <p:spTgt spid="8"/>
+                                        </p:tgtEl>
+                                      </p:cBhvr>
+                                    </p:animEffect>
+                                  </p:childTnLst>
+                                </p:cTn>
+                              </p:par>
+                            </p:childTnLst>
+                          </p:cTn>
+                        </p:par>
+                        <p:par>
+                          <p:cTn id="17" fill="hold">
+                            <p:stCondLst>
+                              <p:cond delay="500"/>
+                            </p:stCondLst>
+                            <p:childTnLst>
+                              <p:par>
+                                <p:cTn id="18" presetID="10" presetClass="entr" presetSubtype="0" fill="hold" grpId="0" nodeType="afterEffect">
+                                  <p:stCondLst>
+                                    <p:cond delay="0"/>
+                                  </p:stCondLst>
+                                  <p:childTnLst>
+                                    <p:set>
+                                      <p:cBhvr>
+                                        <p:cTn id="19" dur="1" fill="hold">
+                                          <p:stCondLst>
+                                            <p:cond delay="0"/>
+                                          </p:stCondLst>
+                                        </p:cTn>
+                                        <p:tgtEl>
+                                          <p:spTgt spid="7"/>
+                                        </p:tgtEl>
+                                        <p:attrNameLst>
+                                          <p:attrName>style.visibility</p:attrName>
+                                        </p:attrNameLst>
+                                      </p:cBhvr>
+                                      <p:to>
+                                        <p:strVal val="visible"/>
+                                      </p:to>
+                                    </p:set>
+                                    <p:animEffect transition="in" filter="fade">
+                                      <p:cBhvr>
+                                        <p:cTn id="20" dur="500"/>
+                                        <p:tgtEl>
+                                          <p:spTgt spid="7"/>
+                                        </p:tgtEl>
+                                      </p:cBhvr>
+                                    </p:animEffect>
+                                  </p:childTnLst>
+                                </p:cTn>
+                              </p:par>
+                            </p:childTnLst>
+                          </p:cTn>
+                        </p:par>
+                      </p:childTnLst>
+                    </p:cTn>
+                  </p:par>
+                </p:childTnLst>
+              </p:cTn>
+              <p:prevCondLst>
+                <p:cond evt="onPrev" delay="0">
+                  <p:tgtEl>
+                    <p:sldTgt/>
+                  </p:tgtEl>
+                </p:cond>
+              </p:prevCondLst>
+              <p:nextCondLst>
+                <p:cond evt="onNext" delay="0">
+                  <p:tgtEl>
+                    <p:sldTgt/>
+                  </p:tgtEl>
+                </p:cond>
+              </p:nextCondLst>
+            </p:seq>
+          </p:childTnLst>
+        </p:cTn>
+      </p:par>
+    </p:tnLst>
+    <p:bldLst>
+      <p:bldP spid="6" grpId="0" animBg="1"/>
+      <p:bldP spid="7" grpId="0"/>
+      <p:bldP spid="8" grpId="0" animBg="1"/>
+      <p:bldP spid="10" grpId="0"/>
+    </p:bldLst>
+  </p:timing>
+</p:sld>
+</file>
+
+<file path=ppt/slides/slide2.xml><?xml version="1.0" encoding="utf-8"?>
+<p:sld xmlns:a="http://schemas.openxmlformats.org/drawingml/2006/main" xmlns:r="http://schemas.openxmlformats.org/officeDocument/2006/relationships" xmlns:p="http://schemas.openxmlformats.org/presentationml/2006/main">
+  <p:cSld>
+    <p:spTree>
+      <p:nvGrpSpPr>
+        <p:cNvPr id="1" name=""/>
+        <p:cNvGrpSpPr/>
+        <p:nvPr/>
+      </p:nvGrpSpPr>
+      <p:grpSpPr>
+        <a:xfrm>
+          <a:off x="0" y="0"/>
+          <a:ext cx="0" cy="0"/>
+          <a:chOff x="0" y="0"/>
+          <a:chExt cx="0" cy="0"/>
+        </a:xfrm>
+      </p:grpSpPr>
+      <p:sp>
+        <p:nvSpPr>
+          <p:cNvPr id="2" name="Title 1"/>
+          <p:cNvSpPr>
+            <a:spLocks noGrp="1"/>
+          </p:cNvSpPr>
+          <p:nvPr>
+            <p:ph type="title"/>
+          </p:nvPr>
+        </p:nvSpPr>
+        <p:spPr/>
+        <p:txBody>
+          <a:bodyPr>
+            <a:normAutofit fontScale="90000"/>
+          </a:bodyPr>
+          <a:lstStyle/>
+          <a:p>
+            <a:r>
+              <a:rPr lang="en-US" dirty="0" smtClean="0"/>
+              <a:t>Introduction</a:t>
+            </a:r>
+            <a:endParaRPr lang="en-US" dirty="0"/>
+          </a:p>
+        </p:txBody>
+      </p:sp>
+      <p:sp>
+        <p:nvSpPr>
+          <p:cNvPr id="3" name="Content Placeholder 2"/>
+          <p:cNvSpPr>
+            <a:spLocks noGrp="1"/>
+          </p:cNvSpPr>
+          <p:nvPr>
+            <p:ph idx="1"/>
+          </p:nvPr>
+        </p:nvSpPr>
+        <p:spPr/>
+        <p:txBody>
+          <a:bodyPr/>
+          <a:lstStyle/>
+          <a:p>
+            <a:r>
+              <a:rPr lang="en-US" dirty="0" smtClean="0"/>
+              <a:t>“Jigsaw </a:t>
+            </a:r>
+            <a:r>
+              <a:rPr lang="en-US" dirty="0"/>
+              <a:t>Puzzle Problem”</a:t>
+            </a:r>
+          </a:p>
+          <a:p>
+            <a:pPr lvl="1"/>
+            <a:r>
+              <a:rPr lang="en-US" b="1" dirty="0"/>
+              <a:t>Problem Statement: </a:t>
+            </a:r>
+            <a:r>
+              <a:rPr lang="en-US" dirty="0"/>
+              <a:t>Reconstruct an image from a set of image </a:t>
+            </a:r>
+            <a:r>
+              <a:rPr lang="en-US" dirty="0" smtClean="0"/>
+              <a:t>patches</a:t>
+            </a:r>
+          </a:p>
+          <a:p>
+            <a:pPr lvl="1"/>
+            <a:r>
+              <a:rPr lang="en-US" b="1" dirty="0"/>
+              <a:t>Problem Complexity: </a:t>
+            </a:r>
+            <a:r>
+              <a:rPr lang="en-US" dirty="0"/>
+              <a:t>NP-Complete when pairwise affinity of pieces is unreliable [1]</a:t>
+            </a:r>
+          </a:p>
+          <a:p>
+            <a:pPr marL="0" indent="0">
+              <a:buNone/>
+            </a:pPr>
+            <a:endParaRPr lang="en-US" dirty="0" smtClean="0"/>
+          </a:p>
+          <a:p>
+            <a:r>
+              <a:rPr lang="en-US" b="1" dirty="0"/>
+              <a:t>Problem Formulation</a:t>
+            </a:r>
+            <a:r>
+              <a:rPr lang="en-US" dirty="0"/>
+              <a:t>: Set of square, non-overlapping patches</a:t>
+            </a:r>
+          </a:p>
+          <a:p>
+            <a:pPr lvl="1"/>
+            <a:r>
+              <a:rPr lang="en-US" dirty="0"/>
+              <a:t>This </a:t>
+            </a:r>
+            <a:r>
+              <a:rPr lang="en-US" dirty="0" smtClean="0"/>
+              <a:t>specific type </a:t>
+            </a:r>
+            <a:r>
+              <a:rPr lang="en-US" dirty="0"/>
+              <a:t>of puzzle is known as a “jig swap puzzle” [7]</a:t>
+            </a:r>
+          </a:p>
+          <a:p>
+            <a:pPr lvl="1"/>
+            <a:r>
+              <a:rPr lang="en-US" i="1" dirty="0"/>
+              <a:t>Variation of the Problem</a:t>
+            </a:r>
+            <a:r>
+              <a:rPr lang="en-US" dirty="0"/>
+              <a:t>: Allow/disallow patch </a:t>
+            </a:r>
+            <a:r>
+              <a:rPr lang="en-US" dirty="0" smtClean="0"/>
+              <a:t>rotation</a:t>
+            </a:r>
+          </a:p>
+          <a:p>
+            <a:pPr lvl="1"/>
+            <a:endParaRPr lang="en-US" dirty="0"/>
+          </a:p>
+          <a:p>
+            <a:r>
+              <a:rPr lang="en-US" b="1" dirty="0"/>
+              <a:t>A Key Difference with Standard Jigsaw Puzzle Solving: </a:t>
+            </a:r>
+            <a:r>
+              <a:rPr lang="en-US" dirty="0"/>
+              <a:t>The source image you are trying to reconstruct is unknown</a:t>
+            </a:r>
+            <a:r>
+              <a:rPr lang="en-US" dirty="0" smtClean="0"/>
+              <a:t>.</a:t>
+            </a:r>
+            <a:endParaRPr lang="en-US" dirty="0"/>
+          </a:p>
+        </p:txBody>
+      </p:sp>
+    </p:spTree>
+    <p:extLst>
+      <p:ext uri="{BB962C8B-B14F-4D97-AF65-F5344CB8AC3E}">
+        <p14:creationId xmlns:p14="http://schemas.microsoft.com/office/powerpoint/2010/main" val="20947063"/>
+      </p:ext>
+    </p:extLst>
+  </p:cSld>
+  <p:clrMapOvr>
+    <a:masterClrMapping/>
+  </p:clrMapOvr>
+  <p:timing>
+    <p:tnLst>
+      <p:par>
+        <p:cTn id="1" dur="indefinite" restart="never" nodeType="tmRoot"/>
+      </p:par>
+    </p:tnLst>
+  </p:timing>
+</p:sld>
+</file>
+
+<file path=ppt/slides/slide20.xml><?xml version="1.0" encoding="utf-8"?>
+<p:sld xmlns:a="http://schemas.openxmlformats.org/drawingml/2006/main" xmlns:r="http://schemas.openxmlformats.org/officeDocument/2006/relationships" xmlns:p="http://schemas.openxmlformats.org/presentationml/2006/main">
+  <p:cSld>
+    <p:spTree>
+      <p:nvGrpSpPr>
+        <p:cNvPr id="1" name=""/>
+        <p:cNvGrpSpPr/>
+        <p:nvPr/>
+      </p:nvGrpSpPr>
+      <p:grpSpPr>
+        <a:xfrm>
+          <a:off x="0" y="0"/>
+          <a:ext cx="0" cy="0"/>
+          <a:chOff x="0" y="0"/>
+          <a:chExt cx="0" cy="0"/>
+        </a:xfrm>
+      </p:grpSpPr>
+      <p:sp>
+        <p:nvSpPr>
+          <p:cNvPr id="2" name="Title 1"/>
+          <p:cNvSpPr>
+            <a:spLocks noGrp="1"/>
+          </p:cNvSpPr>
+          <p:nvPr>
+            <p:ph type="title"/>
+          </p:nvPr>
+        </p:nvSpPr>
+        <p:spPr/>
+        <p:txBody>
+          <a:bodyPr>
+            <a:normAutofit fontScale="90000"/>
+          </a:bodyPr>
+          <a:lstStyle/>
+          <a:p>
+            <a:r>
+              <a:rPr lang="en-US" dirty="0" smtClean="0"/>
+              <a:t>“Sparse and Accurate”</a:t>
+            </a:r>
+            <a:endParaRPr lang="en-US" dirty="0"/>
+          </a:p>
+        </p:txBody>
+      </p:sp>
+      <mc:AlternateContent xmlns:mc="http://schemas.openxmlformats.org/markup-compatibility/2006">
+        <mc:Choice xmlns:a14="http://schemas.microsoft.com/office/drawing/2010/main" Requires="a14">
+          <p:sp>
+            <p:nvSpPr>
+              <p:cNvPr id="3" name="Content Placeholder 2"/>
+              <p:cNvSpPr>
+                <a:spLocks noGrp="1"/>
+              </p:cNvSpPr>
+              <p:nvPr>
+                <p:ph idx="1"/>
+              </p:nvPr>
+            </p:nvSpPr>
+            <p:spPr>
+              <a:xfrm>
+                <a:off x="457200" y="989012"/>
+                <a:ext cx="8229600" cy="5419407"/>
+              </a:xfrm>
+            </p:spPr>
+            <p:txBody>
+              <a:bodyPr>
+                <a:normAutofit fontScale="77500" lnSpcReduction="20000"/>
+              </a:bodyPr>
+              <a:lstStyle/>
+              <a:p>
+                <a:pPr>
+                  <a:lnSpc>
+                    <a:spcPct val="130000"/>
+                  </a:lnSpc>
+                </a:pPr>
+                <a:r>
+                  <a:rPr lang="en-US" dirty="0" smtClean="0"/>
+                  <a:t>Proposed by Cho </a:t>
+                </a:r>
+                <a:r>
+                  <a:rPr lang="en-US" i="1" dirty="0" smtClean="0"/>
+                  <a:t>et. al. </a:t>
+                </a:r>
+                <a:r>
+                  <a:rPr lang="en-US" dirty="0" smtClean="0"/>
+                  <a:t>in [7] </a:t>
+                </a:r>
+              </a:p>
+              <a:p>
+                <a:pPr>
+                  <a:lnSpc>
+                    <a:spcPct val="130000"/>
+                  </a:lnSpc>
+                </a:pPr>
+                <a:endParaRPr lang="en-US" b="1" dirty="0"/>
+              </a:p>
+              <a:p>
+                <a:pPr>
+                  <a:lnSpc>
+                    <a:spcPct val="130000"/>
+                  </a:lnSpc>
+                </a:pPr>
+                <a:r>
+                  <a:rPr lang="en-US" b="1" dirty="0" smtClean="0"/>
+                  <a:t>Common Human Approach to Solving Puzzles</a:t>
+                </a:r>
+                <a:r>
+                  <a:rPr lang="en-US" dirty="0" smtClean="0"/>
+                  <a:t>: “Outside-in”</a:t>
+                </a:r>
+              </a:p>
+              <a:p>
+                <a:pPr lvl="1">
+                  <a:lnSpc>
+                    <a:spcPct val="130000"/>
+                  </a:lnSpc>
+                </a:pPr>
+                <a:r>
+                  <a:rPr lang="en-US" dirty="0" smtClean="0"/>
+                  <a:t>Find the puzzle’s four corner pieces.</a:t>
+                </a:r>
+              </a:p>
+              <a:p>
+                <a:pPr lvl="1">
+                  <a:lnSpc>
+                    <a:spcPct val="130000"/>
+                  </a:lnSpc>
+                </a:pPr>
+                <a:r>
+                  <a:rPr lang="en-US" dirty="0" smtClean="0"/>
+                  <a:t>Build from the corner pieces until all four sections converge.</a:t>
+                </a:r>
+              </a:p>
+              <a:p>
+                <a:pPr>
+                  <a:lnSpc>
+                    <a:spcPct val="130000"/>
+                  </a:lnSpc>
+                </a:pPr>
+                <a:endParaRPr lang="en-US" dirty="0"/>
+              </a:p>
+              <a:p>
+                <a:pPr>
+                  <a:lnSpc>
+                    <a:spcPct val="130000"/>
+                  </a:lnSpc>
+                </a:pPr>
+                <a:r>
+                  <a:rPr lang="en-US" dirty="0" smtClean="0"/>
+                  <a:t>“Sparse and accurate” is based off the “outside-in” technique.</a:t>
+                </a:r>
+              </a:p>
+              <a:p>
+                <a:pPr lvl="1">
+                  <a:lnSpc>
+                    <a:spcPct val="130000"/>
+                  </a:lnSpc>
+                </a:pPr>
+                <a:r>
+                  <a:rPr lang="en-US" b="1" dirty="0" smtClean="0"/>
+                  <a:t>Definition on an “Anchor Patch”</a:t>
+                </a:r>
+                <a:r>
+                  <a:rPr lang="en-US" dirty="0" smtClean="0"/>
+                  <a:t>: A puzzle patch that is placed in its correct location and orientation.</a:t>
+                </a:r>
+              </a:p>
+              <a:p>
+                <a:pPr lvl="1">
+                  <a:lnSpc>
+                    <a:spcPct val="130000"/>
+                  </a:lnSpc>
+                </a:pPr>
+                <a:r>
+                  <a:rPr lang="en-US" b="1" dirty="0" smtClean="0"/>
+                  <a:t>Summary of the Approach:</a:t>
+                </a:r>
+                <a:r>
+                  <a:rPr lang="en-US" dirty="0" smtClean="0"/>
+                  <a:t> Place a set of </a:t>
+                </a:r>
+                <a14:m>
+                  <m:oMath xmlns:m="http://schemas.openxmlformats.org/officeDocument/2006/math">
+                    <m:r>
+                      <a:rPr lang="en-US" b="0" i="1" smtClean="0">
+                        <a:latin typeface="Cambria Math"/>
+                      </a:rPr>
+                      <m:t>𝑁</m:t>
+                    </m:r>
+                  </m:oMath>
+                </a14:m>
+                <a:r>
+                  <a:rPr lang="en-US" dirty="0" smtClean="0"/>
+                  <a:t> anchor patches and then solve the puzzle.</a:t>
+                </a:r>
+              </a:p>
+              <a:p>
+                <a:pPr marL="457200" lvl="1" indent="0">
+                  <a:lnSpc>
+                    <a:spcPct val="130000"/>
+                  </a:lnSpc>
+                  <a:buNone/>
+                </a:pPr>
+                <a:endParaRPr lang="en-US" dirty="0" smtClean="0"/>
+              </a:p>
+              <a:p>
+                <a:pPr>
+                  <a:lnSpc>
+                    <a:spcPct val="130000"/>
+                  </a:lnSpc>
+                </a:pPr>
+                <a:r>
+                  <a:rPr lang="en-US" dirty="0" smtClean="0"/>
+                  <a:t>Two most important criteria of anchor patches</a:t>
+                </a:r>
+              </a:p>
+              <a:p>
+                <a:pPr lvl="1">
+                  <a:lnSpc>
+                    <a:spcPct val="130000"/>
+                  </a:lnSpc>
+                </a:pPr>
+                <a:r>
+                  <a:rPr lang="en-US" dirty="0" smtClean="0"/>
+                  <a:t>Quantity</a:t>
+                </a:r>
+              </a:p>
+              <a:p>
+                <a:pPr lvl="1">
+                  <a:lnSpc>
+                    <a:spcPct val="130000"/>
+                  </a:lnSpc>
+                </a:pPr>
+                <a:r>
+                  <a:rPr lang="en-US" dirty="0" smtClean="0"/>
+                  <a:t>Uniform Spatial Distribution</a:t>
+                </a:r>
+              </a:p>
+            </p:txBody>
+          </p:sp>
+        </mc:Choice>
+        <mc:Fallback>
+          <p:sp>
+            <p:nvSpPr>
+              <p:cNvPr id="3" name="Content Placeholder 2"/>
+              <p:cNvSpPr>
+                <a:spLocks noGrp="1" noRot="1" noChangeAspect="1" noMove="1" noResize="1" noEditPoints="1" noAdjustHandles="1" noChangeArrowheads="1" noChangeShapeType="1" noTextEdit="1"/>
+              </p:cNvSpPr>
+              <p:nvPr>
+                <p:ph idx="1"/>
+              </p:nvPr>
+            </p:nvSpPr>
+            <p:spPr>
+              <a:xfrm>
+                <a:off x="457200" y="989012"/>
+                <a:ext cx="8229600" cy="5419407"/>
+              </a:xfrm>
+              <a:blipFill rotWithShape="1">
+                <a:blip r:embed="rId2"/>
+                <a:stretch>
+                  <a:fillRect l="-519" t="-337"/>
+                </a:stretch>
+              </a:blipFill>
+            </p:spPr>
+            <p:txBody>
+              <a:bodyPr/>
+              <a:lstStyle/>
+              <a:p>
+                <a:r>
+                  <a:rPr lang="en-US">
+                    <a:noFill/>
+                  </a:rPr>
+                  <a:t> </a:t>
+                </a:r>
+              </a:p>
+            </p:txBody>
+          </p:sp>
+        </mc:Fallback>
+      </mc:AlternateContent>
+    </p:spTree>
+    <p:extLst>
+      <p:ext uri="{BB962C8B-B14F-4D97-AF65-F5344CB8AC3E}">
+        <p14:creationId xmlns:p14="http://schemas.microsoft.com/office/powerpoint/2010/main" val="4118033345"/>
+      </p:ext>
+    </p:extLst>
+  </p:cSld>
+  <p:clrMapOvr>
+    <a:masterClrMapping/>
+  </p:clrMapOvr>
+  <p:timing>
+    <p:tnLst>
+      <p:par>
+        <p:cTn id="1" dur="indefinite" restart="never" nodeType="tmRoot"/>
+      </p:par>
+    </p:tnLst>
+  </p:timing>
+</p:sld>
+</file>
+
+<file path=ppt/slides/slide21.xml><?xml version="1.0" encoding="utf-8"?>
+<p:sld xmlns:a="http://schemas.openxmlformats.org/drawingml/2006/main" xmlns:r="http://schemas.openxmlformats.org/officeDocument/2006/relationships" xmlns:p="http://schemas.openxmlformats.org/presentationml/2006/main">
+  <p:cSld>
+    <p:spTree>
+      <p:nvGrpSpPr>
+        <p:cNvPr id="1" name=""/>
+        <p:cNvGrpSpPr/>
+        <p:nvPr/>
+      </p:nvGrpSpPr>
+      <p:grpSpPr>
+        <a:xfrm>
+          <a:off x="0" y="0"/>
+          <a:ext cx="0" cy="0"/>
+          <a:chOff x="0" y="0"/>
+          <a:chExt cx="0" cy="0"/>
+        </a:xfrm>
+      </p:grpSpPr>
+      <p:sp>
+        <p:nvSpPr>
+          <p:cNvPr id="2" name="Title 1"/>
+          <p:cNvSpPr>
+            <a:spLocks noGrp="1"/>
+          </p:cNvSpPr>
+          <p:nvPr>
+            <p:ph type="title"/>
+          </p:nvPr>
+        </p:nvSpPr>
+        <p:spPr/>
+        <p:txBody>
+          <a:bodyPr>
+            <a:normAutofit fontScale="90000"/>
+          </a:bodyPr>
+          <a:lstStyle/>
+          <a:p>
+            <a:r>
+              <a:rPr lang="en-US" dirty="0" smtClean="0"/>
+              <a:t>Loopy Belief Propagation Solver</a:t>
+            </a:r>
+            <a:endParaRPr lang="en-US" dirty="0"/>
+          </a:p>
+        </p:txBody>
+      </p:sp>
+      <p:sp>
+        <p:nvSpPr>
+          <p:cNvPr id="3" name="Content Placeholder 2"/>
+          <p:cNvSpPr>
+            <a:spLocks noGrp="1"/>
+          </p:cNvSpPr>
+          <p:nvPr>
+            <p:ph idx="1"/>
+          </p:nvPr>
+        </p:nvSpPr>
+        <p:spPr/>
+        <p:txBody>
+          <a:bodyPr/>
+          <a:lstStyle/>
+          <a:p>
+            <a:r>
+              <a:rPr lang="en-US" dirty="0" smtClean="0"/>
+              <a:t>Coupled with the “Dense and Noisy” and “Spare and Accurate” techniques by [7].</a:t>
+            </a:r>
+          </a:p>
+          <a:p>
+            <a:endParaRPr lang="en-US" dirty="0"/>
+          </a:p>
+          <a:p>
+            <a:r>
+              <a:rPr lang="en-US" dirty="0" smtClean="0"/>
+              <a:t>Maximizes a probability function using loopy belief propagation.</a:t>
+            </a:r>
+          </a:p>
+          <a:p>
+            <a:endParaRPr lang="en-US" dirty="0"/>
+          </a:p>
+          <a:p>
+            <a:r>
+              <a:rPr lang="en-US" dirty="0" smtClean="0"/>
+              <a:t>Susceptible to local maxima so three random restarts are performed.</a:t>
+            </a:r>
+            <a:endParaRPr lang="en-US" dirty="0"/>
+          </a:p>
+        </p:txBody>
+      </p:sp>
+    </p:spTree>
+    <p:extLst>
+      <p:ext uri="{BB962C8B-B14F-4D97-AF65-F5344CB8AC3E}">
+        <p14:creationId xmlns:p14="http://schemas.microsoft.com/office/powerpoint/2010/main" val="674603872"/>
+      </p:ext>
+    </p:extLst>
+  </p:cSld>
+  <p:clrMapOvr>
+    <a:masterClrMapping/>
+  </p:clrMapOvr>
+  <p:timing>
+    <p:tnLst>
+      <p:par>
+        <p:cTn id="1" dur="indefinite" restart="never" nodeType="tmRoot"/>
+      </p:par>
+    </p:tnLst>
+  </p:timing>
+</p:sld>
+</file>
+
 <file path=ppt/slides/slide22.xml><?xml version="1.0" encoding="utf-8"?>
+<p:sld xmlns:a="http://schemas.openxmlformats.org/drawingml/2006/main" xmlns:r="http://schemas.openxmlformats.org/officeDocument/2006/relationships" xmlns:p="http://schemas.openxmlformats.org/presentationml/2006/main">
+  <p:cSld>
+    <p:spTree>
+      <p:nvGrpSpPr>
+        <p:cNvPr id="1" name=""/>
+        <p:cNvGrpSpPr/>
+        <p:nvPr/>
+      </p:nvGrpSpPr>
+      <p:grpSpPr>
+        <a:xfrm>
+          <a:off x="0" y="0"/>
+          <a:ext cx="0" cy="0"/>
+          <a:chOff x="0" y="0"/>
+          <a:chExt cx="0" cy="0"/>
+        </a:xfrm>
+      </p:grpSpPr>
+      <p:sp>
+        <p:nvSpPr>
+          <p:cNvPr id="2" name="Title 1"/>
+          <p:cNvSpPr>
+            <a:spLocks noGrp="1"/>
+          </p:cNvSpPr>
+          <p:nvPr>
+            <p:ph type="title"/>
+          </p:nvPr>
+        </p:nvSpPr>
+        <p:spPr/>
+        <p:txBody>
+          <a:bodyPr>
+            <a:normAutofit fontScale="90000"/>
+          </a:bodyPr>
+          <a:lstStyle/>
+          <a:p>
+            <a:r>
+              <a:rPr lang="en-US" dirty="0" smtClean="0"/>
+              <a:t>Generalized Greedy Algorithm</a:t>
+            </a:r>
+            <a:endParaRPr lang="en-US" dirty="0"/>
+          </a:p>
+        </p:txBody>
+      </p:sp>
+      <p:sp>
+        <p:nvSpPr>
+          <p:cNvPr id="3" name="Content Placeholder 2"/>
+          <p:cNvSpPr>
+            <a:spLocks noGrp="1"/>
+          </p:cNvSpPr>
+          <p:nvPr>
+            <p:ph idx="1"/>
+          </p:nvPr>
+        </p:nvSpPr>
+        <p:spPr/>
+        <p:txBody>
+          <a:bodyPr/>
+          <a:lstStyle/>
+          <a:p>
+            <a:r>
+              <a:rPr lang="en-US" dirty="0" smtClean="0"/>
+              <a:t>Proposed by </a:t>
+            </a:r>
+            <a:r>
+              <a:rPr lang="en-US" dirty="0" err="1" smtClean="0"/>
+              <a:t>Pomeranz</a:t>
+            </a:r>
+            <a:r>
+              <a:rPr lang="en-US" dirty="0" smtClean="0"/>
+              <a:t> </a:t>
+            </a:r>
+            <a:r>
+              <a:rPr lang="en-US" i="1" dirty="0" smtClean="0"/>
+              <a:t>et. al.</a:t>
+            </a:r>
+            <a:r>
+              <a:rPr lang="en-US" dirty="0" smtClean="0"/>
+              <a:t> in [10] in 2011.</a:t>
+            </a:r>
+          </a:p>
+          <a:p>
+            <a:endParaRPr lang="en-US" dirty="0"/>
+          </a:p>
+          <a:p>
+            <a:r>
+              <a:rPr lang="en-US" b="1" dirty="0" smtClean="0"/>
+              <a:t>Goal: </a:t>
+            </a:r>
+            <a:r>
+              <a:rPr lang="en-US" dirty="0" smtClean="0"/>
+              <a:t>Provide a computational framework for handling square jigsaw puzzles in reasonable time that does not rely on any prior knowledge or human intervention.</a:t>
+            </a:r>
+          </a:p>
+          <a:p>
+            <a:endParaRPr lang="en-US" dirty="0"/>
+          </a:p>
+          <a:p>
+            <a:endParaRPr lang="en-US" dirty="0" smtClean="0"/>
+          </a:p>
+          <a:p>
+            <a:endParaRPr lang="en-US" dirty="0"/>
+          </a:p>
+          <a:p>
+            <a:endParaRPr lang="en-US" dirty="0"/>
+          </a:p>
+        </p:txBody>
+      </p:sp>
+    </p:spTree>
+    <p:extLst>
+      <p:ext uri="{BB962C8B-B14F-4D97-AF65-F5344CB8AC3E}">
+        <p14:creationId xmlns:p14="http://schemas.microsoft.com/office/powerpoint/2010/main" val="2483816693"/>
+      </p:ext>
+    </p:extLst>
+  </p:cSld>
+  <p:clrMapOvr>
+    <a:masterClrMapping/>
+  </p:clrMapOvr>
+  <p:timing>
+    <p:tnLst>
+      <p:par>
+        <p:cTn id="1" dur="indefinite" restart="never" nodeType="tmRoot"/>
+      </p:par>
+    </p:tnLst>
+  </p:timing>
+</p:sld>
+</file>
+
+<file path=ppt/slides/slide23.xml><?xml version="1.0" encoding="utf-8"?>
+<p:sld xmlns:a="http://schemas.openxmlformats.org/drawingml/2006/main" xmlns:r="http://schemas.openxmlformats.org/officeDocument/2006/relationships" xmlns:p="http://schemas.openxmlformats.org/presentationml/2006/main">
+  <p:cSld>
+    <p:spTree>
+      <p:nvGrpSpPr>
+        <p:cNvPr id="1" name=""/>
+        <p:cNvGrpSpPr/>
+        <p:nvPr/>
+      </p:nvGrpSpPr>
+      <p:grpSpPr>
+        <a:xfrm>
+          <a:off x="0" y="0"/>
+          <a:ext cx="0" cy="0"/>
+          <a:chOff x="0" y="0"/>
+          <a:chExt cx="0" cy="0"/>
+        </a:xfrm>
+      </p:grpSpPr>
+      <p:sp>
+        <p:nvSpPr>
+          <p:cNvPr id="2" name="Title 1"/>
+          <p:cNvSpPr>
+            <a:spLocks noGrp="1"/>
+          </p:cNvSpPr>
+          <p:nvPr>
+            <p:ph type="title"/>
+          </p:nvPr>
+        </p:nvSpPr>
+        <p:spPr/>
+        <p:txBody>
+          <a:bodyPr>
+            <a:normAutofit fontScale="90000"/>
+          </a:bodyPr>
+          <a:lstStyle/>
+          <a:p>
+            <a:r>
+              <a:rPr lang="en-US" dirty="0" smtClean="0"/>
+              <a:t>Measuring Solution Quality</a:t>
+            </a:r>
+            <a:endParaRPr lang="en-US" dirty="0"/>
+          </a:p>
+        </p:txBody>
+      </p:sp>
+      <p:sp>
+        <p:nvSpPr>
+          <p:cNvPr id="3" name="Content Placeholder 2"/>
+          <p:cNvSpPr>
+            <a:spLocks noGrp="1"/>
+          </p:cNvSpPr>
+          <p:nvPr>
+            <p:ph idx="1"/>
+          </p:nvPr>
+        </p:nvSpPr>
+        <p:spPr>
+          <a:xfrm>
+            <a:off x="457199" y="989013"/>
+            <a:ext cx="8353425" cy="5135562"/>
+          </a:xfrm>
+        </p:spPr>
+        <p:txBody>
+          <a:bodyPr>
+            <a:normAutofit/>
+          </a:bodyPr>
+          <a:lstStyle/>
+          <a:p>
+            <a:pPr>
+              <a:lnSpc>
+                <a:spcPct val="110000"/>
+              </a:lnSpc>
+            </a:pPr>
+            <a:r>
+              <a:rPr lang="en-US" b="1" dirty="0" smtClean="0"/>
+              <a:t>Problem Statement: </a:t>
+            </a:r>
+            <a:r>
+              <a:rPr lang="en-US" dirty="0" smtClean="0"/>
+              <a:t>There is no uniform technique for grading the final output of a square jigsaw puzzle solver.</a:t>
+            </a:r>
+          </a:p>
+          <a:p>
+            <a:pPr>
+              <a:lnSpc>
+                <a:spcPct val="110000"/>
+              </a:lnSpc>
+            </a:pPr>
+            <a:endParaRPr lang="en-US" dirty="0"/>
+          </a:p>
+          <a:p>
+            <a:pPr>
+              <a:lnSpc>
+                <a:spcPct val="110000"/>
+              </a:lnSpc>
+            </a:pPr>
+            <a:r>
+              <a:rPr lang="en-US" b="1" dirty="0" smtClean="0"/>
+              <a:t>Two Divergent Approaches:</a:t>
+            </a:r>
+          </a:p>
+          <a:p>
+            <a:pPr lvl="1">
+              <a:lnSpc>
+                <a:spcPct val="110000"/>
+              </a:lnSpc>
+            </a:pPr>
+            <a:r>
+              <a:rPr lang="en-US" i="1" dirty="0" smtClean="0">
+                <a:solidFill>
+                  <a:srgbClr val="006600"/>
+                </a:solidFill>
+              </a:rPr>
+              <a:t>Performance Metrics:</a:t>
+            </a:r>
+            <a:r>
+              <a:rPr lang="en-US" b="1" dirty="0" smtClean="0"/>
+              <a:t> </a:t>
+            </a:r>
+            <a:r>
+              <a:rPr lang="en-US" dirty="0" smtClean="0"/>
+              <a:t>Use the original image to grade solution quality.</a:t>
+            </a:r>
+            <a:endParaRPr lang="en-US" dirty="0"/>
+          </a:p>
+          <a:p>
+            <a:pPr lvl="2">
+              <a:lnSpc>
+                <a:spcPct val="110000"/>
+              </a:lnSpc>
+            </a:pPr>
+            <a:r>
+              <a:rPr lang="en-US" dirty="0" smtClean="0"/>
+              <a:t>Direct Comparison [7]</a:t>
+            </a:r>
+          </a:p>
+          <a:p>
+            <a:pPr lvl="2">
+              <a:lnSpc>
+                <a:spcPct val="110000"/>
+              </a:lnSpc>
+            </a:pPr>
+            <a:r>
+              <a:rPr lang="en-US" dirty="0" smtClean="0"/>
+              <a:t>Neighbor Comparison [7]</a:t>
+            </a:r>
+          </a:p>
+          <a:p>
+            <a:pPr marL="914400" lvl="2" indent="0">
+              <a:lnSpc>
+                <a:spcPct val="110000"/>
+              </a:lnSpc>
+              <a:buNone/>
+            </a:pPr>
+            <a:endParaRPr lang="en-US" dirty="0" smtClean="0"/>
+          </a:p>
+          <a:p>
+            <a:pPr lvl="1">
+              <a:lnSpc>
+                <a:spcPct val="110000"/>
+              </a:lnSpc>
+            </a:pPr>
+            <a:r>
+              <a:rPr lang="en-US" i="1" dirty="0" smtClean="0">
+                <a:solidFill>
+                  <a:srgbClr val="006600"/>
+                </a:solidFill>
+              </a:rPr>
+              <a:t>Estimation Metrics: </a:t>
+            </a:r>
+            <a:r>
+              <a:rPr lang="en-US" dirty="0" smtClean="0"/>
+              <a:t>Evaluates the quality of a solution without reference to the original image [10]. </a:t>
+            </a:r>
+          </a:p>
+          <a:p>
+            <a:pPr lvl="2">
+              <a:lnSpc>
+                <a:spcPct val="110000"/>
+              </a:lnSpc>
+            </a:pPr>
+            <a:r>
+              <a:rPr lang="en-US" dirty="0" smtClean="0"/>
+              <a:t>“Best Buddies” Ratio</a:t>
+            </a:r>
+            <a:endParaRPr lang="en-US" dirty="0"/>
+          </a:p>
+        </p:txBody>
+      </p:sp>
+    </p:spTree>
+    <p:extLst>
+      <p:ext uri="{BB962C8B-B14F-4D97-AF65-F5344CB8AC3E}">
+        <p14:creationId xmlns:p14="http://schemas.microsoft.com/office/powerpoint/2010/main" val="2047635238"/>
+      </p:ext>
+    </p:extLst>
+  </p:cSld>
+  <p:clrMapOvr>
+    <a:masterClrMapping/>
+  </p:clrMapOvr>
+  <p:timing>
+    <p:tnLst>
+      <p:par>
+        <p:cTn id="1" dur="indefinite" restart="never" nodeType="tmRoot"/>
+      </p:par>
+    </p:tnLst>
+  </p:timing>
+</p:sld>
+</file>
+
+<file path=ppt/slides/slide24.xml><?xml version="1.0" encoding="utf-8"?>
 <p:sld xmlns:a="http://schemas.openxmlformats.org/drawingml/2006/main" xmlns:r="http://schemas.openxmlformats.org/officeDocument/2006/relationships" xmlns:p="http://schemas.openxmlformats.org/presentationml/2006/main">
   <p:cSld>
     <p:spTree>
@@ -7246,7 +7788,7 @@
 </p:sld>
 </file>
 
-<file path=ppt/slides/slide23.xml><?xml version="1.0" encoding="utf-8"?>
+<file path=ppt/slides/slide25.xml><?xml version="1.0" encoding="utf-8"?>
 <p:sld xmlns:a="http://schemas.openxmlformats.org/drawingml/2006/main" xmlns:r="http://schemas.openxmlformats.org/officeDocument/2006/relationships" xmlns:p="http://schemas.openxmlformats.org/presentationml/2006/main">
   <p:cSld>
     <p:spTree>
@@ -8125,7 +8667,7 @@
 </p:sld>
 </file>
 
-<file path=ppt/slides/slide24.xml><?xml version="1.0" encoding="utf-8"?>
+<file path=ppt/slides/slide26.xml><?xml version="1.0" encoding="utf-8"?>
 <p:sld xmlns:a="http://schemas.openxmlformats.org/drawingml/2006/main" xmlns:r="http://schemas.openxmlformats.org/officeDocument/2006/relationships" xmlns:p="http://schemas.openxmlformats.org/presentationml/2006/main">
   <p:cSld>
     <p:spTree>
@@ -8179,7 +8721,7 @@
           <p:nvPr>
             <p:extLst>
               <p:ext uri="{D42A27DB-BD31-4B8C-83A1-F6EECF244321}">
-                <p14:modId xmlns:p14="http://schemas.microsoft.com/office/powerpoint/2010/main" val="1055936597"/>
+                <p14:modId xmlns:p14="http://schemas.microsoft.com/office/powerpoint/2010/main" val="1667393244"/>
               </p:ext>
             </p:extLst>
           </p:nvPr>
@@ -8649,8 +9191,49 @@
                       </a:r>
                       <a:r>
                         <a:rPr lang="en-US" sz="1800" dirty="0" smtClean="0"/>
-                        <a:t>, D.; David, O. E.; and Netanyahu, N. S. 2013. A genetic algorithm-based solver for very large jigsaw puzzles. In IEEE Conference on Computer Vision and Pattern Recognition, 1767–1774.</a:t>
+                        <a:t>, D.; David, O. E.; and Netanyahu, </a:t>
                       </a:r>
+                      <a:r>
+                        <a:rPr lang="en-US" sz="1800" dirty="0" smtClean="0"/>
+                        <a:t>“A </a:t>
+                      </a:r>
+                      <a:r>
+                        <a:rPr lang="en-US" sz="1800" dirty="0" smtClean="0"/>
+                        <a:t>genetic algorithm-based solver for very large jigsaw </a:t>
+                      </a:r>
+                      <a:r>
+                        <a:rPr lang="en-US" sz="1800" dirty="0" smtClean="0"/>
+                        <a:t>puzzles”. </a:t>
+                      </a:r>
+                      <a:r>
+                        <a:rPr lang="en-US" sz="1800" b="0" i="1" kern="1200" dirty="0" smtClean="0">
+                          <a:solidFill>
+                            <a:schemeClr val="dk1"/>
+                          </a:solidFill>
+                          <a:effectLst/>
+                          <a:latin typeface="+mn-lt"/>
+                          <a:ea typeface="+mn-ea"/>
+                          <a:cs typeface="+mn-cs"/>
+                        </a:rPr>
+                        <a:t>Proc. </a:t>
+                      </a:r>
+                      <a:r>
+                        <a:rPr lang="en-US" sz="1800" i="1" dirty="0" smtClean="0"/>
+                        <a:t>IEEE </a:t>
+                      </a:r>
+                      <a:r>
+                        <a:rPr lang="en-US" sz="1800" i="1" dirty="0" smtClean="0"/>
+                        <a:t>Conference on Computer Vision and Pattern Recognition</a:t>
+                      </a:r>
+                      <a:r>
+                        <a:rPr lang="en-US" sz="1800" dirty="0" smtClean="0"/>
+                        <a:t>, </a:t>
+                      </a:r>
+                      <a:r>
+                        <a:rPr lang="en-US" sz="1800" dirty="0" smtClean="0"/>
+                        <a:t>2013.</a:t>
+                      </a:r>
+                      <a:endParaRPr lang="en-US" sz="1800" dirty="0" smtClean="0"/>
                     </a:p>
                     <a:p>
                       <a:pPr>
@@ -8888,7 +9471,7 @@
 </p:sld>
 </file>
 
-<file path=ppt/slides/slide25.xml><?xml version="1.0" encoding="utf-8"?>
+<file path=ppt/slides/slide27.xml><?xml version="1.0" encoding="utf-8"?>
 <p:sld xmlns:a="http://schemas.openxmlformats.org/drawingml/2006/main" xmlns:r="http://schemas.openxmlformats.org/officeDocument/2006/relationships" xmlns:p="http://schemas.openxmlformats.org/presentationml/2006/main">
   <p:cSld>
     <p:spTree>
@@ -9975,7 +10558,7 @@
                     <a:spcPct val="110000"/>
                   </a:lnSpc>
                 </a:pPr>
-                <a:endParaRPr lang="en-US" smtClean="0"/>
+                <a:endParaRPr lang="en-US" dirty="0" smtClean="0"/>
               </a:p>
               <a:p>
                 <a:pPr lvl="1">
@@ -9984,12 +10567,8 @@
                   </a:lnSpc>
                 </a:pPr>
                 <a:r>
-                  <a:rPr lang="en-US" smtClean="0"/>
-                  <a:t>Statistical </a:t>
-                </a:r>
-                <a:r>
                   <a:rPr lang="en-US" dirty="0" smtClean="0"/>
-                  <a:t>based using the entire patch and its statistical properties [14]</a:t>
+                  <a:t>Statistical based using the entire patch and its statistical properties [14]</a:t>
                 </a:r>
                 <a:endParaRPr lang="en-US" dirty="0"/>
               </a:p>

--- a/Papers/Zayd_Hammoudeh_-_Square_Jigsaw_Puzzle_Problem_Literature_Review.pptx
+++ b/Papers/Zayd_Hammoudeh_-_Square_Jigsaw_Puzzle_Problem_Literature_Review.pptx
@@ -5,7 +5,7 @@
     <p:sldMasterId id="2147483751" r:id="rId1"/>
   </p:sldMasterIdLst>
   <p:notesMasterIdLst>
-    <p:notesMasterId r:id="rId29"/>
+    <p:notesMasterId r:id="rId35"/>
   </p:notesMasterIdLst>
   <p:sldIdLst>
     <p:sldId id="256" r:id="rId2"/>
@@ -22,19 +22,25 @@
     <p:sldId id="309" r:id="rId13"/>
     <p:sldId id="327" r:id="rId14"/>
     <p:sldId id="310" r:id="rId15"/>
-    <p:sldId id="306" r:id="rId16"/>
-    <p:sldId id="313" r:id="rId17"/>
-    <p:sldId id="314" r:id="rId18"/>
-    <p:sldId id="315" r:id="rId19"/>
-    <p:sldId id="316" r:id="rId20"/>
-    <p:sldId id="317" r:id="rId21"/>
-    <p:sldId id="318" r:id="rId22"/>
-    <p:sldId id="320" r:id="rId23"/>
-    <p:sldId id="321" r:id="rId24"/>
-    <p:sldId id="312" r:id="rId25"/>
-    <p:sldId id="303" r:id="rId26"/>
-    <p:sldId id="305" r:id="rId27"/>
-    <p:sldId id="319" r:id="rId28"/>
+    <p:sldId id="333" r:id="rId16"/>
+    <p:sldId id="334" r:id="rId17"/>
+    <p:sldId id="335" r:id="rId18"/>
+    <p:sldId id="318" r:id="rId19"/>
+    <p:sldId id="306" r:id="rId20"/>
+    <p:sldId id="313" r:id="rId21"/>
+    <p:sldId id="314" r:id="rId22"/>
+    <p:sldId id="315" r:id="rId23"/>
+    <p:sldId id="316" r:id="rId24"/>
+    <p:sldId id="317" r:id="rId25"/>
+    <p:sldId id="320" r:id="rId26"/>
+    <p:sldId id="330" r:id="rId27"/>
+    <p:sldId id="331" r:id="rId28"/>
+    <p:sldId id="332" r:id="rId29"/>
+    <p:sldId id="321" r:id="rId30"/>
+    <p:sldId id="312" r:id="rId31"/>
+    <p:sldId id="303" r:id="rId32"/>
+    <p:sldId id="305" r:id="rId33"/>
+    <p:sldId id="319" r:id="rId34"/>
   </p:sldIdLst>
   <p:sldSz cx="9144000" cy="6858000" type="screen4x3"/>
   <p:notesSz cx="6858000" cy="9144000"/>
@@ -1942,7 +1948,24 @@
                   <a:schemeClr val="tx1"/>
                 </a:solidFill>
               </a:rPr>
-              <a:t>(zayd.hammoudeh@sjsu.edu)</a:t>
+              <a:t>(</a:t>
+            </a:r>
+            <a:r>
+              <a:rPr lang="en-US" dirty="0" smtClean="0">
+                <a:solidFill>
+                  <a:schemeClr val="tx1"/>
+                </a:solidFill>
+                <a:hlinkClick r:id="rId2"/>
+              </a:rPr>
+              <a:t>zayd.hammoudeh@sjsu.edu</a:t>
+            </a:r>
+            <a:r>
+              <a:rPr lang="en-US" dirty="0" smtClean="0">
+                <a:solidFill>
+                  <a:schemeClr val="tx1"/>
+                </a:solidFill>
+              </a:rPr>
+              <a:t>)</a:t>
             </a:r>
             <a:endParaRPr lang="en-US" dirty="0">
               <a:solidFill>
@@ -5152,23 +5175,63 @@
             <p:ph idx="1"/>
           </p:nvPr>
         </p:nvSpPr>
-        <p:spPr/>
+        <p:spPr>
+          <a:xfrm>
+            <a:off x="314325" y="989013"/>
+            <a:ext cx="8639175" cy="5135562"/>
+          </a:xfrm>
+        </p:spPr>
         <p:txBody>
-          <a:bodyPr/>
+          <a:bodyPr>
+            <a:normAutofit fontScale="92500" lnSpcReduction="20000"/>
+          </a:bodyPr>
           <a:lstStyle/>
           <a:p>
-            <a:r>
-              <a:rPr lang="en-US" dirty="0" smtClean="0"/>
-              <a:t>Low Resolution “Solution Image” [8]</a:t>
-            </a:r>
-          </a:p>
-          <a:p>
+            <a:pPr>
+              <a:lnSpc>
+                <a:spcPct val="120000"/>
+              </a:lnSpc>
+              <a:spcBef>
+                <a:spcPts val="1800"/>
+              </a:spcBef>
+            </a:pPr>
             <a:r>
               <a:rPr lang="en-US" dirty="0" smtClean="0"/>
               <a:t>Dynamic Programming and the “Hungarian” Procedure [13]</a:t>
             </a:r>
           </a:p>
           <a:p>
+            <a:pPr>
+              <a:lnSpc>
+                <a:spcPct val="120000"/>
+              </a:lnSpc>
+              <a:spcBef>
+                <a:spcPts val="1800"/>
+              </a:spcBef>
+            </a:pPr>
+            <a:r>
+              <a:rPr lang="en-US" dirty="0" smtClean="0"/>
+              <a:t>Patch Transform using a Low Resolution “Solution </a:t>
+            </a:r>
+            <a:r>
+              <a:rPr lang="en-US" dirty="0"/>
+              <a:t>Image” [8</a:t>
+            </a:r>
+            <a:r>
+              <a:rPr lang="en-US" dirty="0" smtClean="0"/>
+              <a:t>]</a:t>
+            </a:r>
+            <a:endParaRPr lang="en-US" dirty="0" smtClean="0"/>
+          </a:p>
+          <a:p>
+            <a:pPr>
+              <a:lnSpc>
+                <a:spcPct val="120000"/>
+              </a:lnSpc>
+              <a:spcBef>
+                <a:spcPts val="1800"/>
+              </a:spcBef>
+            </a:pPr>
             <a:r>
               <a:rPr lang="en-US" dirty="0" smtClean="0"/>
               <a:t>“</a:t>
@@ -5187,12 +5250,28 @@
             </a:r>
           </a:p>
           <a:p>
+            <a:pPr>
+              <a:lnSpc>
+                <a:spcPct val="120000"/>
+              </a:lnSpc>
+              <a:spcBef>
+                <a:spcPts val="1800"/>
+              </a:spcBef>
+            </a:pPr>
             <a:r>
               <a:rPr lang="en-US" dirty="0" smtClean="0"/>
               <a:t>Particle Filter-Based Solver [11]</a:t>
             </a:r>
           </a:p>
           <a:p>
+            <a:pPr>
+              <a:lnSpc>
+                <a:spcPct val="120000"/>
+              </a:lnSpc>
+              <a:spcBef>
+                <a:spcPts val="1800"/>
+              </a:spcBef>
+            </a:pPr>
             <a:r>
               <a:rPr lang="en-US" dirty="0" smtClean="0"/>
               <a:t>Greedy </a:t>
@@ -5203,6 +5282,14 @@
             </a:r>
           </a:p>
           <a:p>
+            <a:pPr>
+              <a:lnSpc>
+                <a:spcPct val="120000"/>
+              </a:lnSpc>
+              <a:spcBef>
+                <a:spcPts val="1800"/>
+              </a:spcBef>
+            </a:pPr>
             <a:r>
               <a:rPr lang="en-US" dirty="0" smtClean="0"/>
               <a:t>Genetic Algorithm [9</a:t>
@@ -5213,16 +5300,39 @@
             </a:r>
           </a:p>
           <a:p>
-            <a:endParaRPr lang="en-US" dirty="0"/>
-          </a:p>
-          <a:p>
-            <a:r>
-              <a:rPr lang="en-US" dirty="0" smtClean="0"/>
+            <a:pPr>
+              <a:lnSpc>
+                <a:spcPct val="120000"/>
+              </a:lnSpc>
+              <a:spcBef>
+                <a:spcPts val="1800"/>
+              </a:spcBef>
+            </a:pPr>
+            <a:endParaRPr lang="en-US" sz="500" dirty="0"/>
+          </a:p>
+          <a:p>
+            <a:pPr>
+              <a:lnSpc>
+                <a:spcPct val="120000"/>
+              </a:lnSpc>
+              <a:spcBef>
+                <a:spcPts val="1800"/>
+              </a:spcBef>
+            </a:pPr>
+            <a:r>
+              <a:rPr lang="en-US" b="1" dirty="0" smtClean="0"/>
               <a:t>Variations of the Problem</a:t>
             </a:r>
           </a:p>
           <a:p>
-            <a:pPr lvl="1"/>
+            <a:pPr lvl="1">
+              <a:lnSpc>
+                <a:spcPct val="120000"/>
+              </a:lnSpc>
+              <a:spcBef>
+                <a:spcPts val="1800"/>
+              </a:spcBef>
+            </a:pPr>
             <a:r>
               <a:rPr lang="en-US" dirty="0" smtClean="0"/>
               <a:t>Unknown orientation (i.e. rotation) and puzzle dimensions [12]</a:t>
@@ -5281,150 +5391,154 @@
         <p:spPr/>
         <p:txBody>
           <a:bodyPr>
-            <a:normAutofit/>
+            <a:normAutofit fontScale="90000"/>
           </a:bodyPr>
           <a:lstStyle/>
           <a:p>
             <a:r>
-              <a:rPr lang="en-US" sz="2800" dirty="0" smtClean="0"/>
-              <a:t>“Dense and Noisy” Estimation</a:t>
-            </a:r>
-            <a:endParaRPr lang="en-US" sz="2800" dirty="0"/>
+              <a:rPr lang="en-US" dirty="0" smtClean="0"/>
+              <a:t>Patch Transform</a:t>
+            </a:r>
+            <a:endParaRPr lang="en-US" dirty="0"/>
           </a:p>
         </p:txBody>
       </p:sp>
-      <mc:AlternateContent xmlns:mc="http://schemas.openxmlformats.org/markup-compatibility/2006">
-        <mc:Choice xmlns:a14="http://schemas.microsoft.com/office/drawing/2010/main" Requires="a14">
-          <p:sp>
-            <p:nvSpPr>
-              <p:cNvPr id="3" name="Content Placeholder 2"/>
-              <p:cNvSpPr>
-                <a:spLocks noGrp="1"/>
-              </p:cNvSpPr>
-              <p:nvPr>
-                <p:ph idx="1"/>
-              </p:nvPr>
-            </p:nvSpPr>
-            <p:spPr/>
-            <p:txBody>
-              <a:bodyPr/>
-              <a:lstStyle/>
-              <a:p>
-                <a:r>
-                  <a:rPr lang="en-US" dirty="0" smtClean="0"/>
-                  <a:t>Proposed by Cho et. al. in [7] in 2010.</a:t>
-                </a:r>
-                <a:endParaRPr lang="en-US" dirty="0" smtClean="0"/>
-              </a:p>
-              <a:p>
-                <a:endParaRPr lang="en-US" dirty="0" smtClean="0"/>
-              </a:p>
-              <a:p>
-                <a:r>
-                  <a:rPr lang="en-US" b="1" dirty="0" smtClean="0"/>
-                  <a:t>Overview: </a:t>
-                </a:r>
-                <a:r>
-                  <a:rPr lang="en-US" dirty="0" smtClean="0"/>
-                  <a:t>In Cho et. al.’s work in [8], they assumed access to a correct, low resolution version of the original image.</a:t>
-                </a:r>
-              </a:p>
-              <a:p>
-                <a:pPr lvl="1"/>
-                <a:r>
-                  <a:rPr lang="en-US" dirty="0" smtClean="0"/>
-                  <a:t>In many real world applications, such a low resolution image is not available.</a:t>
-                </a:r>
-              </a:p>
-              <a:p>
-                <a:endParaRPr lang="en-US" dirty="0" smtClean="0"/>
-              </a:p>
-              <a:p>
-                <a:r>
-                  <a:rPr lang="en-US" b="1" dirty="0" smtClean="0"/>
-                  <a:t>Solution:</a:t>
-                </a:r>
-                <a:r>
-                  <a:rPr lang="en-US" dirty="0" smtClean="0"/>
-                  <a:t> Estimate a low resolution image from a “bag of patches.”  The simplified procedure is:</a:t>
-                </a:r>
-              </a:p>
-              <a:p>
-                <a:pPr lvl="1"/>
-                <a:r>
-                  <a:rPr lang="en-US" dirty="0" smtClean="0"/>
-                  <a:t>Creating a histogram of the bag of patches</a:t>
-                </a:r>
-              </a:p>
-              <a:p>
-                <a:pPr lvl="1"/>
-                <a:r>
-                  <a:rPr lang="en-US" dirty="0" smtClean="0"/>
-                  <a:t>“Estimate” a low resolution version by comparing the histogram to a set of </a:t>
-                </a:r>
-                <a14:m>
-                  <m:oMath xmlns:m="http://schemas.openxmlformats.org/officeDocument/2006/math">
-                    <m:r>
-                      <a:rPr lang="en-US" b="0" i="1" smtClean="0">
-                        <a:latin typeface="Cambria Math"/>
-                      </a:rPr>
-                      <m:t>𝐾</m:t>
-                    </m:r>
-                  </m:oMath>
-                </a14:m>
-                <a:r>
-                  <a:rPr lang="en-US" dirty="0" smtClean="0"/>
-                  <a:t> centroids with predefined low resolution images.</a:t>
-                </a:r>
-              </a:p>
-              <a:p>
-                <a:pPr lvl="1"/>
-                <a:endParaRPr lang="en-US" dirty="0" smtClean="0"/>
-              </a:p>
-              <a:p>
-                <a:endParaRPr lang="en-US" dirty="0"/>
-              </a:p>
-            </p:txBody>
-          </p:sp>
-        </mc:Choice>
-        <mc:Fallback>
-          <p:sp>
-            <p:nvSpPr>
-              <p:cNvPr id="3" name="Content Placeholder 2"/>
-              <p:cNvSpPr>
-                <a:spLocks noGrp="1" noRot="1" noChangeAspect="1" noMove="1" noResize="1" noEditPoints="1" noAdjustHandles="1" noChangeArrowheads="1" noChangeShapeType="1" noTextEdit="1"/>
-              </p:cNvSpPr>
-              <p:nvPr>
-                <p:ph idx="1"/>
-              </p:nvPr>
-            </p:nvSpPr>
-            <p:spPr>
-              <a:blipFill rotWithShape="1">
-                <a:blip r:embed="rId2"/>
-                <a:stretch>
-                  <a:fillRect l="-963" t="-949" r="-1333"/>
-                </a:stretch>
-              </a:blipFill>
-            </p:spPr>
-            <p:txBody>
-              <a:bodyPr/>
-              <a:lstStyle/>
-              <a:p>
-                <a:r>
-                  <a:rPr lang="en-US">
-                    <a:noFill/>
-                  </a:rPr>
-                  <a:t> </a:t>
-                </a:r>
-              </a:p>
-            </p:txBody>
-          </p:sp>
-        </mc:Fallback>
-      </mc:AlternateContent>
+      <p:sp>
+        <p:nvSpPr>
+          <p:cNvPr id="3" name="Content Placeholder 2"/>
+          <p:cNvSpPr>
+            <a:spLocks noGrp="1"/>
+          </p:cNvSpPr>
+          <p:nvPr>
+            <p:ph idx="1"/>
+          </p:nvPr>
+        </p:nvSpPr>
+        <p:spPr/>
+        <p:txBody>
+          <a:bodyPr>
+            <a:normAutofit fontScale="92500" lnSpcReduction="20000"/>
+          </a:bodyPr>
+          <a:lstStyle/>
+          <a:p>
+            <a:pPr>
+              <a:lnSpc>
+                <a:spcPct val="130000"/>
+              </a:lnSpc>
+            </a:pPr>
+            <a:r>
+              <a:rPr lang="en-US" dirty="0" smtClean="0"/>
+              <a:t>Introduced by Cho et. al. in [8]</a:t>
+            </a:r>
+          </a:p>
+          <a:p>
+            <a:pPr>
+              <a:lnSpc>
+                <a:spcPct val="130000"/>
+              </a:lnSpc>
+            </a:pPr>
+            <a:endParaRPr lang="en-US" sz="1200" dirty="0"/>
+          </a:p>
+          <a:p>
+            <a:pPr>
+              <a:lnSpc>
+                <a:spcPct val="130000"/>
+              </a:lnSpc>
+            </a:pPr>
+            <a:r>
+              <a:rPr lang="en-US" b="1" dirty="0" smtClean="0"/>
+              <a:t>Overview of the Patch Transform</a:t>
+            </a:r>
+            <a:r>
+              <a:rPr lang="en-US" dirty="0" smtClean="0"/>
+              <a:t>: Segment a source image into a set of non-overlapping “patches” and rearrange these patches  and reorganize the image in the “patch” domain.</a:t>
+            </a:r>
+          </a:p>
+          <a:p>
+            <a:pPr lvl="1">
+              <a:lnSpc>
+                <a:spcPct val="130000"/>
+              </a:lnSpc>
+            </a:pPr>
+            <a:r>
+              <a:rPr lang="en-US" i="1" dirty="0" smtClean="0"/>
+              <a:t>Intended Usage</a:t>
+            </a:r>
+            <a:r>
+              <a:rPr lang="en-US" dirty="0" smtClean="0"/>
+              <a:t>: Image editing</a:t>
+            </a:r>
+          </a:p>
+          <a:p>
+            <a:pPr>
+              <a:lnSpc>
+                <a:spcPct val="130000"/>
+              </a:lnSpc>
+            </a:pPr>
+            <a:endParaRPr lang="en-US" sz="1200" dirty="0"/>
+          </a:p>
+          <a:p>
+            <a:pPr>
+              <a:lnSpc>
+                <a:spcPct val="130000"/>
+              </a:lnSpc>
+            </a:pPr>
+            <a:r>
+              <a:rPr lang="en-US" b="1" dirty="0" smtClean="0"/>
+              <a:t>“Inverse” Patch Transform</a:t>
+            </a:r>
+            <a:r>
+              <a:rPr lang="en-US" dirty="0" smtClean="0"/>
+              <a:t>: Reconstruct an image from a set of patches.  This requires two components:</a:t>
+            </a:r>
+          </a:p>
+          <a:p>
+            <a:pPr lvl="1">
+              <a:lnSpc>
+                <a:spcPct val="130000"/>
+              </a:lnSpc>
+            </a:pPr>
+            <a:r>
+              <a:rPr lang="en-US" dirty="0" smtClean="0"/>
+              <a:t>A patch compatibility function</a:t>
+            </a:r>
+          </a:p>
+          <a:p>
+            <a:pPr lvl="1">
+              <a:lnSpc>
+                <a:spcPct val="130000"/>
+              </a:lnSpc>
+            </a:pPr>
+            <a:r>
+              <a:rPr lang="en-US" dirty="0" smtClean="0"/>
+              <a:t>An algorithm that places all patches</a:t>
+            </a:r>
+          </a:p>
+          <a:p>
+            <a:pPr>
+              <a:lnSpc>
+                <a:spcPct val="130000"/>
+              </a:lnSpc>
+            </a:pPr>
+            <a:endParaRPr lang="en-US" sz="1200" dirty="0"/>
+          </a:p>
+          <a:p>
+            <a:pPr>
+              <a:lnSpc>
+                <a:spcPct val="130000"/>
+              </a:lnSpc>
+            </a:pPr>
+            <a:r>
+              <a:rPr lang="en-US" dirty="0" smtClean="0"/>
+              <a:t>Uses a provided low resolution image as part of the patch placement algorithm.</a:t>
+            </a:r>
+            <a:endParaRPr lang="en-US" dirty="0"/>
+          </a:p>
+        </p:txBody>
+      </p:sp>
     </p:spTree>
     <p:extLst>
       <p:ext uri="{BB962C8B-B14F-4D97-AF65-F5344CB8AC3E}">
-        <p14:creationId xmlns:p14="http://schemas.microsoft.com/office/powerpoint/2010/main" val="2946689892"/>
+        <p14:creationId xmlns:p14="http://schemas.microsoft.com/office/powerpoint/2010/main" val="2524356976"/>
       </p:ext>
     </p:extLst>
   </p:cSld>
@@ -5468,30 +5582,18 @@
             <p:ph type="title"/>
           </p:nvPr>
         </p:nvSpPr>
-        <p:spPr>
-          <a:xfrm>
-            <a:off x="1790700" y="127002"/>
-            <a:ext cx="7353300" cy="550863"/>
-          </a:xfrm>
-        </p:spPr>
+        <p:spPr/>
         <p:txBody>
           <a:bodyPr>
-            <a:noAutofit/>
+            <a:normAutofit fontScale="90000"/>
           </a:bodyPr>
           <a:lstStyle/>
           <a:p>
             <a:r>
-              <a:rPr lang="en-US" sz="2400" dirty="0" smtClean="0"/>
-              <a:t>“Dense and Noisy” Clustering </a:t>
-            </a:r>
-            <a:br>
-              <a:rPr lang="en-US" sz="2400" dirty="0" smtClean="0"/>
-            </a:br>
-            <a:r>
-              <a:rPr lang="en-US" sz="2400" dirty="0" smtClean="0"/>
-              <a:t>and Histogram Generation</a:t>
-            </a:r>
-            <a:endParaRPr lang="en-US" sz="2400" dirty="0"/>
+              <a:rPr lang="en-US" dirty="0" smtClean="0"/>
+              <a:t>Markov Random Field</a:t>
+            </a:r>
+            <a:endParaRPr lang="en-US" dirty="0"/>
           </a:p>
         </p:txBody>
       </p:sp>
@@ -5507,81 +5609,288 @@
                 <p:ph idx="1"/>
               </p:nvPr>
             </p:nvSpPr>
-            <p:spPr/>
+            <p:spPr>
+              <a:xfrm>
+                <a:off x="457200" y="989013"/>
+                <a:ext cx="8366760" cy="5135562"/>
+              </a:xfrm>
+            </p:spPr>
             <p:txBody>
-              <a:bodyPr/>
+              <a:bodyPr>
+                <a:normAutofit fontScale="92500" lnSpcReduction="20000"/>
+              </a:bodyPr>
               <a:lstStyle/>
               <a:p>
                 <a:pPr>
+                  <a:lnSpc>
+                    <a:spcPct val="120000"/>
+                  </a:lnSpc>
                   <a:spcBef>
-                    <a:spcPts val="1000"/>
+                    <a:spcPts val="1200"/>
                   </a:spcBef>
                 </a:pPr>
                 <a:r>
-                  <a:rPr lang="en-US" b="1" dirty="0" smtClean="0"/>
-                  <a:t>Training Set:</a:t>
-                </a:r>
-                <a:r>
                   <a:rPr lang="en-US" dirty="0" smtClean="0"/>
-                  <a:t> 8.5M patches from 15,000 images.</a:t>
+                  <a:t>Use a Markov Random Field (MRF) to enforce three rules:</a:t>
                 </a:r>
               </a:p>
               <a:p>
                 <a:pPr lvl="1">
+                  <a:lnSpc>
+                    <a:spcPct val="120000"/>
+                  </a:lnSpc>
                   <a:spcBef>
-                    <a:spcPts val="1000"/>
+                    <a:spcPts val="1200"/>
                   </a:spcBef>
                 </a:pPr>
                 <a:r>
-                  <a:rPr lang="en-US" i="1" dirty="0">
+                  <a:rPr lang="en-US" dirty="0" smtClean="0"/>
+                  <a:t>Adjacent pieces should fit plausibly together</a:t>
+                </a:r>
+              </a:p>
+              <a:p>
+                <a:pPr lvl="1">
+                  <a:lnSpc>
+                    <a:spcPct val="120000"/>
+                  </a:lnSpc>
+                  <a:spcBef>
+                    <a:spcPts val="1200"/>
+                  </a:spcBef>
+                </a:pPr>
+                <a:r>
+                  <a:rPr lang="en-US" dirty="0" smtClean="0"/>
+                  <a:t>A patch should “</a:t>
+                </a:r>
+                <a:r>
+                  <a:rPr lang="en-US" i="1" dirty="0" smtClean="0">
                     <a:solidFill>
                       <a:srgbClr val="006600"/>
                     </a:solidFill>
                   </a:rPr>
-                  <a:t>Patch Size: </a:t>
+                  <a:t>never</a:t>
                 </a:r>
                 <a:r>
                   <a:rPr lang="en-US" dirty="0" smtClean="0"/>
-                  <a:t>7px by 7px by 3 (LAB) for 147 total, original dimensions.  This dimensionality is reduced via PCA.</a:t>
-                </a:r>
-              </a:p>
-              <a:p>
-                <a:pPr marL="457200" lvl="1" indent="0">
-                  <a:spcBef>
-                    <a:spcPts val="1000"/>
-                  </a:spcBef>
-                  <a:buNone/>
-                </a:pPr>
-                <a:endParaRPr lang="en-US" dirty="0" smtClean="0"/>
-              </a:p>
-              <a:p>
-                <a:pPr>
-                  <a:spcBef>
-                    <a:spcPts val="1000"/>
-                  </a:spcBef>
-                </a:pPr>
-                <a:r>
-                  <a:rPr lang="en-US" b="1" dirty="0" smtClean="0"/>
-                  <a:t>Clustering the Patches</a:t>
-                </a:r>
-              </a:p>
-              <a:p>
-                <a:pPr lvl="1">
-                  <a:spcBef>
-                    <a:spcPts val="1000"/>
-                  </a:spcBef>
-                </a:pPr>
-                <a:r>
-                  <a:rPr lang="en-US" i="1" dirty="0">
+                  <a:t>” (or in the loosened case “</a:t>
+                </a:r>
+                <a:r>
+                  <a:rPr lang="en-US" i="1" dirty="0" err="1" smtClean="0">
                     <a:solidFill>
                       <a:srgbClr val="006600"/>
                     </a:solidFill>
                   </a:rPr>
-                  <a:t>Step #1: </a:t>
+                  <a:t>seldomly</a:t>
                 </a:r>
                 <a:r>
                   <a:rPr lang="en-US" dirty="0" smtClean="0"/>
-                  <a:t>Cluster each image’s patches into </a:t>
+                  <a:t>”) be reused.</a:t>
+                </a:r>
+              </a:p>
+              <a:p>
+                <a:pPr lvl="1">
+                  <a:lnSpc>
+                    <a:spcPct val="120000"/>
+                  </a:lnSpc>
+                  <a:spcBef>
+                    <a:spcPts val="1200"/>
+                  </a:spcBef>
+                </a:pPr>
+                <a:r>
+                  <a:rPr lang="en-US" dirty="0" smtClean="0"/>
+                  <a:t>User constraints (e.g. board size) on patch placement.</a:t>
+                </a:r>
+              </a:p>
+              <a:p>
+                <a:pPr>
+                  <a:lnSpc>
+                    <a:spcPct val="120000"/>
+                  </a:lnSpc>
+                  <a:spcBef>
+                    <a:spcPts val="1200"/>
+                  </a:spcBef>
+                </a:pPr>
+                <a:endParaRPr lang="en-US" sz="500" dirty="0" smtClean="0"/>
+              </a:p>
+              <a:p>
+                <a:pPr>
+                  <a:lnSpc>
+                    <a:spcPct val="120000"/>
+                  </a:lnSpc>
+                  <a:spcBef>
+                    <a:spcPts val="1200"/>
+                  </a:spcBef>
+                </a:pPr>
+                <a:r>
+                  <a:rPr lang="en-US" dirty="0" smtClean="0"/>
+                  <a:t>Consider each possible patch location as a node in the MRF.  The key notation definitions:</a:t>
+                </a:r>
+              </a:p>
+              <a:p>
+                <a:pPr lvl="1">
+                  <a:lnSpc>
+                    <a:spcPct val="120000"/>
+                  </a:lnSpc>
+                  <a:spcBef>
+                    <a:spcPts val="1200"/>
+                  </a:spcBef>
+                </a:pPr>
+                <a14:m>
+                  <m:oMath xmlns:m="http://schemas.openxmlformats.org/officeDocument/2006/math">
+                    <m:sSub>
+                      <m:sSubPr>
+                        <m:ctrlPr>
+                          <a:rPr lang="en-US" b="0" i="1" smtClean="0">
+                            <a:latin typeface="Cambria Math"/>
+                          </a:rPr>
+                        </m:ctrlPr>
+                      </m:sSubPr>
+                      <m:e>
+                        <m:r>
+                          <a:rPr lang="en-US" b="0" i="1" smtClean="0">
+                            <a:latin typeface="Cambria Math"/>
+                          </a:rPr>
+                          <m:t>𝑥</m:t>
+                        </m:r>
+                      </m:e>
+                      <m:sub>
+                        <m:r>
+                          <a:rPr lang="en-US" b="0" i="1" smtClean="0">
+                            <a:latin typeface="Cambria Math"/>
+                          </a:rPr>
+                          <m:t>𝑖</m:t>
+                        </m:r>
+                      </m:sub>
+                    </m:sSub>
+                  </m:oMath>
+                </a14:m>
+                <a:r>
+                  <a:rPr lang="en-US" dirty="0"/>
+                  <a:t> – </a:t>
+                </a:r>
+                <a:r>
+                  <a:rPr lang="en-US" dirty="0" smtClean="0"/>
+                  <a:t>Undetermined state for the node </a:t>
+                </a:r>
+                <a14:m>
+                  <m:oMath xmlns:m="http://schemas.openxmlformats.org/officeDocument/2006/math">
+                    <m:sSup>
+                      <m:sSupPr>
+                        <m:ctrlPr>
+                          <a:rPr lang="en-US" b="0" i="1" smtClean="0">
+                            <a:latin typeface="Cambria Math"/>
+                          </a:rPr>
+                        </m:ctrlPr>
+                      </m:sSupPr>
+                      <m:e>
+                        <m:r>
+                          <a:rPr lang="en-US" b="0" i="1" smtClean="0">
+                            <a:latin typeface="Cambria Math"/>
+                          </a:rPr>
+                          <m:t>𝑖</m:t>
+                        </m:r>
+                      </m:e>
+                      <m:sup>
+                        <m:r>
+                          <a:rPr lang="en-US" b="0" i="1" smtClean="0">
+                            <a:latin typeface="Cambria Math"/>
+                          </a:rPr>
+                          <m:t>𝑡h</m:t>
+                        </m:r>
+                      </m:sup>
+                    </m:sSup>
+                  </m:oMath>
+                </a14:m>
+                <a:r>
+                  <a:rPr lang="en-US" dirty="0" smtClean="0"/>
+                  <a:t> in the MRF.</a:t>
+                </a:r>
+                <a:endParaRPr lang="en-US" b="0" i="1" dirty="0" smtClean="0">
+                  <a:latin typeface="Cambria Math"/>
+                </a:endParaRPr>
+              </a:p>
+              <a:p>
+                <a:pPr lvl="1">
+                  <a:lnSpc>
+                    <a:spcPct val="120000"/>
+                  </a:lnSpc>
+                  <a:spcBef>
+                    <a:spcPts val="1200"/>
+                  </a:spcBef>
+                </a:pPr>
+                <a14:m>
+                  <m:oMath xmlns:m="http://schemas.openxmlformats.org/officeDocument/2006/math">
+                    <m:sSub>
+                      <m:sSubPr>
+                        <m:ctrlPr>
+                          <a:rPr lang="en-US" b="0" i="1" smtClean="0">
+                            <a:latin typeface="Cambria Math"/>
+                          </a:rPr>
+                        </m:ctrlPr>
+                      </m:sSubPr>
+                      <m:e>
+                        <m:r>
+                          <a:rPr lang="en-US" b="0" i="1" smtClean="0">
+                            <a:latin typeface="Cambria Math"/>
+                          </a:rPr>
+                          <m:t>𝜓</m:t>
+                        </m:r>
+                      </m:e>
+                      <m:sub>
+                        <m:r>
+                          <a:rPr lang="en-US" b="0" i="1" smtClean="0">
+                            <a:latin typeface="Cambria Math"/>
+                          </a:rPr>
+                          <m:t>𝑖</m:t>
+                        </m:r>
+                        <m:r>
+                          <a:rPr lang="en-US" b="0" i="1" smtClean="0">
+                            <a:latin typeface="Cambria Math"/>
+                          </a:rPr>
+                          <m:t>,</m:t>
+                        </m:r>
+                        <m:r>
+                          <a:rPr lang="en-US" b="0" i="1" smtClean="0">
+                            <a:latin typeface="Cambria Math"/>
+                          </a:rPr>
+                          <m:t>𝑗</m:t>
+                        </m:r>
+                      </m:sub>
+                    </m:sSub>
+                    <m:r>
+                      <a:rPr lang="en-US" b="0" i="1" smtClean="0">
+                        <a:latin typeface="Cambria Math"/>
+                      </a:rPr>
+                      <m:t>(</m:t>
+                    </m:r>
+                    <m:r>
+                      <a:rPr lang="en-US" b="0" i="1" smtClean="0">
+                        <a:latin typeface="Cambria Math"/>
+                      </a:rPr>
+                      <m:t>𝑘</m:t>
+                    </m:r>
+                    <m:r>
+                      <a:rPr lang="en-US" b="0" i="1" smtClean="0">
+                        <a:latin typeface="Cambria Math"/>
+                      </a:rPr>
+                      <m:t>,</m:t>
+                    </m:r>
+                    <m:r>
+                      <a:rPr lang="en-US" b="0" i="1" smtClean="0">
+                        <a:latin typeface="Cambria Math"/>
+                      </a:rPr>
+                      <m:t>𝑙</m:t>
+                    </m:r>
+                    <m:r>
+                      <a:rPr lang="en-US" b="0" i="1" smtClean="0">
+                        <a:latin typeface="Cambria Math"/>
+                      </a:rPr>
+                      <m:t>)</m:t>
+                    </m:r>
+                  </m:oMath>
+                </a14:m>
+                <a:r>
+                  <a:rPr lang="en-US" dirty="0" smtClean="0"/>
+                  <a:t> – Compatibility between patches </a:t>
                 </a:r>
                 <a14:m>
                   <m:oMath xmlns:m="http://schemas.openxmlformats.org/officeDocument/2006/math">
@@ -5589,32 +5898,13 @@
                       <a:rPr lang="en-US" b="0" i="1" smtClean="0">
                         <a:latin typeface="Cambria Math"/>
                       </a:rPr>
-                      <m:t>𝐿</m:t>
+                      <m:t>𝑘</m:t>
                     </m:r>
                   </m:oMath>
                 </a14:m>
                 <a:r>
                   <a:rPr lang="en-US" dirty="0" smtClean="0"/>
-                  <a:t> (e.g. 20) centroids.</a:t>
-                </a:r>
-              </a:p>
-              <a:p>
-                <a:pPr lvl="1">
-                  <a:spcBef>
-                    <a:spcPts val="1000"/>
-                  </a:spcBef>
-                </a:pPr>
-                <a:r>
-                  <a:rPr lang="en-US" i="1" dirty="0" smtClean="0">
-                    <a:solidFill>
-                      <a:srgbClr val="006600"/>
-                    </a:solidFill>
-                  </a:rPr>
-                  <a:t>Step #2</a:t>
-                </a:r>
-                <a:r>
-                  <a:rPr lang="en-US" dirty="0" smtClean="0"/>
-                  <a:t>: Re-cluster </a:t>
+                  <a:t> and </a:t>
                 </a:r>
                 <a14:m>
                   <m:oMath xmlns:m="http://schemas.openxmlformats.org/officeDocument/2006/math">
@@ -5622,13 +5912,62 @@
                       <a:rPr lang="en-US" b="0" i="1" smtClean="0">
                         <a:latin typeface="Cambria Math"/>
                       </a:rPr>
-                      <m:t>𝐿</m:t>
+                      <m:t>𝑙</m:t>
                     </m:r>
                   </m:oMath>
                 </a14:m>
                 <a:r>
                   <a:rPr lang="en-US" dirty="0" smtClean="0"/>
-                  <a:t> centroids from all images into </a:t>
+                  <a:t> at adjacent MRF locations </a:t>
+                </a:r>
+                <a14:m>
+                  <m:oMath xmlns:m="http://schemas.openxmlformats.org/officeDocument/2006/math">
+                    <m:r>
+                      <a:rPr lang="en-US" b="0" i="1" smtClean="0">
+                        <a:latin typeface="Cambria Math"/>
+                      </a:rPr>
+                      <m:t>𝑖</m:t>
+                    </m:r>
+                  </m:oMath>
+                </a14:m>
+                <a:r>
+                  <a:rPr lang="en-US" dirty="0" smtClean="0"/>
+                  <a:t> and </a:t>
+                </a:r>
+                <a14:m>
+                  <m:oMath xmlns:m="http://schemas.openxmlformats.org/officeDocument/2006/math">
+                    <m:r>
+                      <a:rPr lang="en-US" b="0" i="1" smtClean="0">
+                        <a:latin typeface="Cambria Math"/>
+                      </a:rPr>
+                      <m:t>𝑗</m:t>
+                    </m:r>
+                  </m:oMath>
+                </a14:m>
+                <a:endParaRPr lang="en-US" b="0" dirty="0" smtClean="0"/>
+              </a:p>
+              <a:p>
+                <a:pPr lvl="1">
+                  <a:lnSpc>
+                    <a:spcPct val="120000"/>
+                  </a:lnSpc>
+                  <a:spcBef>
+                    <a:spcPts val="1200"/>
+                  </a:spcBef>
+                </a:pPr>
+                <a14:m>
+                  <m:oMath xmlns:m="http://schemas.openxmlformats.org/officeDocument/2006/math">
+                    <m:r>
+                      <a:rPr lang="en-US" b="0" i="1" smtClean="0">
+                        <a:latin typeface="Cambria Math"/>
+                      </a:rPr>
+                      <m:t>𝑋</m:t>
+                    </m:r>
+                  </m:oMath>
+                </a14:m>
+                <a:r>
+                  <a:rPr lang="en-US" dirty="0" smtClean="0"/>
+                  <a:t> – Vector of </a:t>
                 </a:r>
                 <a14:m>
                   <m:oMath xmlns:m="http://schemas.openxmlformats.org/officeDocument/2006/math">
@@ -5642,30 +5981,61 @@
                 </a14:m>
                 <a:r>
                   <a:rPr lang="en-US" dirty="0" smtClean="0"/>
-                  <a:t> (e.g. 200) centroids. </a:t>
-                </a:r>
-              </a:p>
-              <a:p>
-                <a:pPr>
-                  <a:spcBef>
-                    <a:spcPts val="1000"/>
-                  </a:spcBef>
-                </a:pPr>
+                  <a:t> determined patch indices, </a:t>
+                </a:r>
+                <a14:m>
+                  <m:oMath xmlns:m="http://schemas.openxmlformats.org/officeDocument/2006/math">
+                    <m:sSub>
+                      <m:sSubPr>
+                        <m:ctrlPr>
+                          <a:rPr lang="en-US" b="0" i="1" smtClean="0">
+                            <a:latin typeface="Cambria Math"/>
+                          </a:rPr>
+                        </m:ctrlPr>
+                      </m:sSubPr>
+                      <m:e>
+                        <m:r>
+                          <a:rPr lang="en-US" b="0" i="1" smtClean="0">
+                            <a:latin typeface="Cambria Math"/>
+                          </a:rPr>
+                          <m:t>𝑥</m:t>
+                        </m:r>
+                      </m:e>
+                      <m:sub>
+                        <m:r>
+                          <a:rPr lang="en-US" b="0" i="1" smtClean="0">
+                            <a:latin typeface="Cambria Math"/>
+                          </a:rPr>
+                          <m:t>𝑖</m:t>
+                        </m:r>
+                      </m:sub>
+                    </m:sSub>
+                  </m:oMath>
+                </a14:m>
                 <a:endParaRPr lang="en-US" dirty="0" smtClean="0"/>
               </a:p>
               <a:p>
-                <a:pPr>
+                <a:pPr lvl="1">
+                  <a:lnSpc>
+                    <a:spcPct val="120000"/>
+                  </a:lnSpc>
                   <a:spcBef>
-                    <a:spcPts val="1000"/>
+                    <a:spcPts val="1200"/>
                   </a:spcBef>
                 </a:pPr>
-                <a:r>
-                  <a:rPr lang="en-US" b="1" dirty="0" smtClean="0"/>
-                  <a:t>Creating the Histogram: </a:t>
-                </a:r>
+                <a14:m>
+                  <m:oMath xmlns:m="http://schemas.openxmlformats.org/officeDocument/2006/math">
+                    <m:r>
+                      <a:rPr lang="en-US" b="0" i="1" smtClean="0">
+                        <a:latin typeface="Cambria Math"/>
+                      </a:rPr>
+                      <m:t>𝑌</m:t>
+                    </m:r>
+                  </m:oMath>
+                </a14:m>
                 <a:r>
                   <a:rPr lang="en-US" dirty="0" smtClean="0"/>
-                  <a:t>For a given image, assign each patch to its closest centroid.  </a:t>
+                  <a:t> – Low resolution version of the original image.</a:t>
                 </a:r>
               </a:p>
             </p:txBody>
@@ -5683,10 +6053,14 @@
               </p:nvPr>
             </p:nvSpPr>
             <p:spPr>
+              <a:xfrm>
+                <a:off x="457200" y="989013"/>
+                <a:ext cx="8366760" cy="5135562"/>
+              </a:xfrm>
               <a:blipFill rotWithShape="1">
                 <a:blip r:embed="rId2"/>
                 <a:stretch>
-                  <a:fillRect l="-963" t="-949" r="-444"/>
+                  <a:fillRect l="-801" t="-712" r="-1020"/>
                 </a:stretch>
               </a:blipFill>
             </p:spPr>
@@ -5708,7 +6082,7 @@
     </p:spTree>
     <p:extLst>
       <p:ext uri="{BB962C8B-B14F-4D97-AF65-F5344CB8AC3E}">
-        <p14:creationId xmlns:p14="http://schemas.microsoft.com/office/powerpoint/2010/main" val="1855633438"/>
+        <p14:creationId xmlns:p14="http://schemas.microsoft.com/office/powerpoint/2010/main" val="1316585190"/>
       </p:ext>
     </p:extLst>
   </p:cSld>
@@ -5752,12 +6126,7 @@
             <p:ph type="title"/>
           </p:nvPr>
         </p:nvSpPr>
-        <p:spPr>
-          <a:xfrm>
-            <a:off x="2105024" y="76200"/>
-            <a:ext cx="7038975" cy="550863"/>
-          </a:xfrm>
-        </p:spPr>
+        <p:spPr/>
         <p:txBody>
           <a:bodyPr>
             <a:noAutofit/>
@@ -5765,89 +6134,656 @@
           <a:lstStyle/>
           <a:p>
             <a:r>
-              <a:rPr lang="en-US" sz="2400" dirty="0" smtClean="0"/>
-              <a:t>“Dense and Noisy” – Generating the Low Res. Image</a:t>
-            </a:r>
-            <a:endParaRPr lang="en-US" sz="2400" dirty="0"/>
+              <a:rPr lang="en-US" sz="2600" dirty="0" smtClean="0"/>
+              <a:t>Maximizing the Patch Assignment Probability</a:t>
+            </a:r>
+            <a:endParaRPr lang="en-US" sz="2600" dirty="0"/>
           </a:p>
         </p:txBody>
       </p:sp>
-      <p:sp>
-        <p:nvSpPr>
-          <p:cNvPr id="3" name="Content Placeholder 2"/>
-          <p:cNvSpPr>
-            <a:spLocks noGrp="1"/>
-          </p:cNvSpPr>
-          <p:nvPr>
-            <p:ph idx="1"/>
-          </p:nvPr>
-        </p:nvSpPr>
-        <p:spPr/>
-        <p:txBody>
-          <a:bodyPr/>
-          <a:lstStyle/>
-          <a:p>
-            <a:r>
-              <a:rPr lang="en-US" b="1" dirty="0" smtClean="0"/>
-              <a:t>Theoretical Motivation: </a:t>
-            </a:r>
-            <a:r>
-              <a:rPr lang="en-US" dirty="0" smtClean="0"/>
-              <a:t>Different colors are more likely to be at different places in an image.</a:t>
-            </a:r>
-          </a:p>
-          <a:p>
-            <a:pPr lvl="1"/>
-            <a:r>
-              <a:rPr lang="en-US" i="1" dirty="0" smtClean="0">
-                <a:solidFill>
-                  <a:srgbClr val="006600"/>
-                </a:solidFill>
-              </a:rPr>
-              <a:t>Example</a:t>
-            </a:r>
-            <a:r>
-              <a:rPr lang="en-US" b="1" dirty="0" smtClean="0"/>
-              <a:t>:</a:t>
-            </a:r>
-            <a:r>
-              <a:rPr lang="en-US" dirty="0" smtClean="0"/>
-              <a:t> Blue (sky) is more likely to be towards the top of the image while brown (soil) tends to be in the image foreground.</a:t>
-            </a:r>
-          </a:p>
-          <a:p>
-            <a:endParaRPr lang="en-US" dirty="0" smtClean="0"/>
-          </a:p>
-          <a:p>
-            <a:r>
-              <a:rPr lang="en-US" b="1" dirty="0" smtClean="0"/>
-              <a:t>Mapping Bins to the Image</a:t>
-            </a:r>
-            <a:r>
-              <a:rPr lang="en-US" dirty="0" smtClean="0"/>
-              <a:t>: Use the training set to generate probability density maps for each histogram bin.</a:t>
-            </a:r>
-          </a:p>
-          <a:p>
-            <a:endParaRPr lang="en-US" dirty="0"/>
-          </a:p>
-          <a:p>
-            <a:r>
-              <a:rPr lang="en-US" b="1" dirty="0" smtClean="0"/>
-              <a:t>Using the Histogram to Create the Low Resolution Image</a:t>
-            </a:r>
-            <a:r>
-              <a:rPr lang="en-US" dirty="0" smtClean="0"/>
-              <a:t>: Use a trained, linear regression function to map a bag of pieces histogram to the training images (i.e. use prior knowledge).</a:t>
-            </a:r>
-            <a:endParaRPr lang="en-US" dirty="0"/>
-          </a:p>
-        </p:txBody>
-      </p:sp>
+      <mc:AlternateContent xmlns:mc="http://schemas.openxmlformats.org/markup-compatibility/2006">
+        <mc:Choice xmlns:a14="http://schemas.microsoft.com/office/drawing/2010/main" Requires="a14">
+          <p:sp>
+            <p:nvSpPr>
+              <p:cNvPr id="3" name="Content Placeholder 2"/>
+              <p:cNvSpPr>
+                <a:spLocks noGrp="1"/>
+              </p:cNvSpPr>
+              <p:nvPr>
+                <p:ph idx="1"/>
+              </p:nvPr>
+            </p:nvSpPr>
+            <p:spPr/>
+            <p:txBody>
+              <a:bodyPr>
+                <a:normAutofit fontScale="92500" lnSpcReduction="20000"/>
+              </a:bodyPr>
+              <a:lstStyle/>
+              <a:p>
+                <a:r>
+                  <a:rPr lang="en-US" dirty="0" smtClean="0"/>
+                  <a:t>For a given patch assignment </a:t>
+                </a:r>
+                <a14:m>
+                  <m:oMath xmlns:m="http://schemas.openxmlformats.org/officeDocument/2006/math">
+                    <m:r>
+                      <a:rPr lang="en-US" b="0" i="1" smtClean="0">
+                        <a:latin typeface="Cambria Math"/>
+                      </a:rPr>
+                      <m:t>𝑋</m:t>
+                    </m:r>
+                  </m:oMath>
+                </a14:m>
+                <a:r>
+                  <a:rPr lang="en-US" dirty="0" smtClean="0"/>
+                  <a:t>, the probability of that assignment is defined as:</a:t>
+                </a:r>
+              </a:p>
+              <a:p>
+                <a:endParaRPr lang="en-US" dirty="0"/>
+              </a:p>
+              <a:p>
+                <a:pPr marL="0" indent="0">
+                  <a:buNone/>
+                </a:pPr>
+                <a14:m>
+                  <m:oMathPara xmlns:m="http://schemas.openxmlformats.org/officeDocument/2006/math">
+                    <m:oMathParaPr>
+                      <m:jc m:val="centerGroup"/>
+                    </m:oMathParaPr>
+                    <m:oMath xmlns:m="http://schemas.openxmlformats.org/officeDocument/2006/math">
+                      <m:r>
+                        <a:rPr lang="en-US" b="0" i="1" smtClean="0">
+                          <a:latin typeface="Cambria Math"/>
+                        </a:rPr>
+                        <m:t>𝑃</m:t>
+                      </m:r>
+                      <m:d>
+                        <m:dPr>
+                          <m:ctrlPr>
+                            <a:rPr lang="en-US" b="0" i="1" smtClean="0">
+                              <a:latin typeface="Cambria Math"/>
+                            </a:rPr>
+                          </m:ctrlPr>
+                        </m:dPr>
+                        <m:e>
+                          <m:r>
+                            <a:rPr lang="en-US" b="0" i="1" smtClean="0">
+                              <a:latin typeface="Cambria Math"/>
+                            </a:rPr>
+                            <m:t>𝑋</m:t>
+                          </m:r>
+                        </m:e>
+                      </m:d>
+                      <m:r>
+                        <a:rPr lang="en-US" b="0" i="1" smtClean="0">
+                          <a:latin typeface="Cambria Math"/>
+                        </a:rPr>
+                        <m:t>=</m:t>
+                      </m:r>
+                      <m:f>
+                        <m:fPr>
+                          <m:ctrlPr>
+                            <a:rPr lang="en-US" b="0" i="1" smtClean="0">
+                              <a:latin typeface="Cambria Math"/>
+                            </a:rPr>
+                          </m:ctrlPr>
+                        </m:fPr>
+                        <m:num>
+                          <m:r>
+                            <a:rPr lang="en-US" b="0" i="1" smtClean="0">
+                              <a:latin typeface="Cambria Math"/>
+                            </a:rPr>
+                            <m:t>1</m:t>
+                          </m:r>
+                        </m:num>
+                        <m:den>
+                          <m:r>
+                            <a:rPr lang="en-US" b="0" i="1" smtClean="0">
+                              <a:latin typeface="Cambria Math"/>
+                            </a:rPr>
+                            <m:t>𝑍</m:t>
+                          </m:r>
+                        </m:den>
+                      </m:f>
+                      <m:nary>
+                        <m:naryPr>
+                          <m:chr m:val="∏"/>
+                          <m:supHide m:val="on"/>
+                          <m:ctrlPr>
+                            <a:rPr lang="en-US" b="0" i="1" smtClean="0">
+                              <a:latin typeface="Cambria Math"/>
+                            </a:rPr>
+                          </m:ctrlPr>
+                        </m:naryPr>
+                        <m:sub>
+                          <m:r>
+                            <a:rPr lang="en-US" b="0" i="1" smtClean="0">
+                              <a:latin typeface="Cambria Math"/>
+                            </a:rPr>
+                            <m:t>𝑖</m:t>
+                          </m:r>
+                        </m:sub>
+                        <m:sup/>
+                        <m:e>
+                          <m:nary>
+                            <m:naryPr>
+                              <m:chr m:val="∏"/>
+                              <m:supHide m:val="on"/>
+                              <m:ctrlPr>
+                                <a:rPr lang="en-US" i="1">
+                                  <a:latin typeface="Cambria Math"/>
+                                </a:rPr>
+                              </m:ctrlPr>
+                            </m:naryPr>
+                            <m:sub>
+                              <m:r>
+                                <a:rPr lang="en-US" i="1">
+                                  <a:latin typeface="Cambria Math"/>
+                                </a:rPr>
+                                <m:t>𝑗</m:t>
+                              </m:r>
+                              <m:r>
+                                <a:rPr lang="en-US" i="1">
+                                  <a:latin typeface="Cambria Math"/>
+                                </a:rPr>
+                                <m:t>∈</m:t>
+                              </m:r>
+                              <m:r>
+                                <a:rPr lang="en-US" i="1">
+                                  <a:latin typeface="Cambria Math"/>
+                                </a:rPr>
+                                <m:t>𝜁</m:t>
+                              </m:r>
+                              <m:d>
+                                <m:dPr>
+                                  <m:ctrlPr>
+                                    <a:rPr lang="en-US" i="1">
+                                      <a:latin typeface="Cambria Math"/>
+                                    </a:rPr>
+                                  </m:ctrlPr>
+                                </m:dPr>
+                                <m:e>
+                                  <m:r>
+                                    <a:rPr lang="en-US" i="1">
+                                      <a:latin typeface="Cambria Math"/>
+                                    </a:rPr>
+                                    <m:t>𝑖</m:t>
+                                  </m:r>
+                                </m:e>
+                              </m:d>
+                            </m:sub>
+                            <m:sup/>
+                            <m:e>
+                              <m:d>
+                                <m:dPr>
+                                  <m:ctrlPr>
+                                    <a:rPr lang="en-US" i="1">
+                                      <a:latin typeface="Cambria Math"/>
+                                    </a:rPr>
+                                  </m:ctrlPr>
+                                </m:dPr>
+                                <m:e>
+                                  <m:sSub>
+                                    <m:sSubPr>
+                                      <m:ctrlPr>
+                                        <a:rPr lang="en-US" i="1">
+                                          <a:latin typeface="Cambria Math"/>
+                                        </a:rPr>
+                                      </m:ctrlPr>
+                                    </m:sSubPr>
+                                    <m:e>
+                                      <m:r>
+                                        <a:rPr lang="en-US" i="1">
+                                          <a:latin typeface="Cambria Math"/>
+                                        </a:rPr>
+                                        <m:t>𝜓</m:t>
+                                      </m:r>
+                                    </m:e>
+                                    <m:sub>
+                                      <m:r>
+                                        <a:rPr lang="en-US" i="1">
+                                          <a:latin typeface="Cambria Math"/>
+                                        </a:rPr>
+                                        <m:t>𝑖𝑗</m:t>
+                                      </m:r>
+                                    </m:sub>
+                                  </m:sSub>
+                                  <m:d>
+                                    <m:dPr>
+                                      <m:ctrlPr>
+                                        <a:rPr lang="en-US" i="1">
+                                          <a:latin typeface="Cambria Math"/>
+                                        </a:rPr>
+                                      </m:ctrlPr>
+                                    </m:dPr>
+                                    <m:e>
+                                      <m:sSub>
+                                        <m:sSubPr>
+                                          <m:ctrlPr>
+                                            <a:rPr lang="en-US" i="1">
+                                              <a:latin typeface="Cambria Math"/>
+                                            </a:rPr>
+                                          </m:ctrlPr>
+                                        </m:sSubPr>
+                                        <m:e>
+                                          <m:r>
+                                            <a:rPr lang="en-US" i="1">
+                                              <a:latin typeface="Cambria Math"/>
+                                            </a:rPr>
+                                            <m:t>𝑥</m:t>
+                                          </m:r>
+                                        </m:e>
+                                        <m:sub>
+                                          <m:r>
+                                            <a:rPr lang="en-US" i="1">
+                                              <a:latin typeface="Cambria Math"/>
+                                            </a:rPr>
+                                            <m:t>𝑖</m:t>
+                                          </m:r>
+                                        </m:sub>
+                                      </m:sSub>
+                                      <m:r>
+                                        <a:rPr lang="en-US" i="1">
+                                          <a:latin typeface="Cambria Math"/>
+                                        </a:rPr>
+                                        <m:t>,</m:t>
+                                      </m:r>
+                                      <m:sSub>
+                                        <m:sSubPr>
+                                          <m:ctrlPr>
+                                            <a:rPr lang="en-US" i="1">
+                                              <a:latin typeface="Cambria Math"/>
+                                            </a:rPr>
+                                          </m:ctrlPr>
+                                        </m:sSubPr>
+                                        <m:e>
+                                          <m:r>
+                                            <a:rPr lang="en-US" i="1">
+                                              <a:latin typeface="Cambria Math"/>
+                                            </a:rPr>
+                                            <m:t>𝑥</m:t>
+                                          </m:r>
+                                        </m:e>
+                                        <m:sub>
+                                          <m:r>
+                                            <a:rPr lang="en-US" i="1">
+                                              <a:latin typeface="Cambria Math"/>
+                                            </a:rPr>
+                                            <m:t>𝑗</m:t>
+                                          </m:r>
+                                        </m:sub>
+                                      </m:sSub>
+                                    </m:e>
+                                  </m:d>
+                                  <m:r>
+                                    <a:rPr lang="en-US" i="1">
+                                      <a:latin typeface="Cambria Math"/>
+                                    </a:rPr>
+                                    <m:t>∗</m:t>
+                                  </m:r>
+                                  <m:r>
+                                    <a:rPr lang="en-US" i="1">
+                                      <a:latin typeface="Cambria Math"/>
+                                    </a:rPr>
+                                    <m:t>𝐸</m:t>
+                                  </m:r>
+                                  <m:r>
+                                    <a:rPr lang="en-US" i="1">
+                                      <a:latin typeface="Cambria Math"/>
+                                    </a:rPr>
+                                    <m:t>(</m:t>
+                                  </m:r>
+                                  <m:r>
+                                    <a:rPr lang="en-US" i="1">
+                                      <a:latin typeface="Cambria Math"/>
+                                    </a:rPr>
+                                    <m:t>𝑥</m:t>
+                                  </m:r>
+                                  <m:r>
+                                    <a:rPr lang="en-US" i="1">
+                                      <a:latin typeface="Cambria Math"/>
+                                    </a:rPr>
+                                    <m:t>)</m:t>
+                                  </m:r>
+                                </m:e>
+                              </m:d>
+                            </m:e>
+                          </m:nary>
+                        </m:e>
+                      </m:nary>
+                    </m:oMath>
+                  </m:oMathPara>
+                </a14:m>
+                <a:endParaRPr lang="en-US" dirty="0" smtClean="0"/>
+              </a:p>
+              <a:p>
+                <a:pPr marL="0" indent="0">
+                  <a:buNone/>
+                </a:pPr>
+                <a:endParaRPr lang="en-US" dirty="0"/>
+              </a:p>
+              <a:p>
+                <a14:m>
+                  <m:oMath xmlns:m="http://schemas.openxmlformats.org/officeDocument/2006/math">
+                    <m:r>
+                      <a:rPr lang="en-US" b="0" i="1" smtClean="0">
+                        <a:latin typeface="Cambria Math"/>
+                      </a:rPr>
+                      <m:t>𝑖</m:t>
+                    </m:r>
+                  </m:oMath>
+                </a14:m>
+                <a:r>
+                  <a:rPr lang="en-US" dirty="0"/>
+                  <a:t> </a:t>
+                </a:r>
+                <a:r>
+                  <a:rPr lang="en-US" dirty="0" smtClean="0"/>
+                  <a:t>: </a:t>
+                </a:r>
+                <a14:m>
+                  <m:oMath xmlns:m="http://schemas.openxmlformats.org/officeDocument/2006/math">
+                    <m:sSup>
+                      <m:sSupPr>
+                        <m:ctrlPr>
+                          <a:rPr lang="en-US" b="0" i="1" dirty="0" smtClean="0">
+                            <a:latin typeface="Cambria Math"/>
+                          </a:rPr>
+                        </m:ctrlPr>
+                      </m:sSupPr>
+                      <m:e>
+                        <m:r>
+                          <a:rPr lang="en-US" b="0" i="1" dirty="0" smtClean="0">
+                            <a:latin typeface="Cambria Math"/>
+                          </a:rPr>
+                          <m:t>𝑖</m:t>
+                        </m:r>
+                      </m:e>
+                      <m:sup>
+                        <m:r>
+                          <a:rPr lang="en-US" b="0" i="1" dirty="0" smtClean="0">
+                            <a:latin typeface="Cambria Math"/>
+                          </a:rPr>
+                          <m:t>𝑡h</m:t>
+                        </m:r>
+                      </m:sup>
+                    </m:sSup>
+                  </m:oMath>
+                </a14:m>
+                <a:r>
+                  <a:rPr lang="en-US" b="0" i="1" dirty="0" smtClean="0">
+                    <a:latin typeface="Cambria Math"/>
+                  </a:rPr>
+                  <a:t> </a:t>
+                </a:r>
+                <a:r>
+                  <a:rPr lang="en-US" dirty="0" smtClean="0"/>
+                  <a:t>node in the MRF/board</a:t>
+                </a:r>
+              </a:p>
+              <a:p>
+                <a14:m>
+                  <m:oMath xmlns:m="http://schemas.openxmlformats.org/officeDocument/2006/math">
+                    <m:r>
+                      <a:rPr lang="en-US" b="0" i="1" smtClean="0">
+                        <a:latin typeface="Cambria Math"/>
+                      </a:rPr>
+                      <m:t>𝑁</m:t>
+                    </m:r>
+                  </m:oMath>
+                </a14:m>
+                <a:r>
+                  <a:rPr lang="en-US" b="0" i="1" dirty="0" smtClean="0">
+                    <a:latin typeface="Cambria Math"/>
+                  </a:rPr>
+                  <a:t> </a:t>
+                </a:r>
+                <a:r>
+                  <a:rPr lang="en-US" dirty="0"/>
+                  <a:t>: </a:t>
+                </a:r>
+                <a:r>
+                  <a:rPr lang="en-US" dirty="0" smtClean="0"/>
+                  <a:t>Number of nodes in the MRF/board.</a:t>
+                </a:r>
+                <a:endParaRPr lang="en-US" b="0" i="1" dirty="0" smtClean="0">
+                  <a:latin typeface="Cambria Math"/>
+                </a:endParaRPr>
+              </a:p>
+              <a:p>
+                <a14:m>
+                  <m:oMath xmlns:m="http://schemas.openxmlformats.org/officeDocument/2006/math">
+                    <m:r>
+                      <a:rPr lang="en-US" b="0" i="1" smtClean="0">
+                        <a:latin typeface="Cambria Math"/>
+                      </a:rPr>
+                      <m:t>𝜙</m:t>
+                    </m:r>
+                  </m:oMath>
+                </a14:m>
+                <a:r>
+                  <a:rPr lang="en-US" dirty="0" smtClean="0"/>
+                  <a:t> : User constraints (e.g. board size)</a:t>
+                </a:r>
+              </a:p>
+              <a:p>
+                <a14:m>
+                  <m:oMath xmlns:m="http://schemas.openxmlformats.org/officeDocument/2006/math">
+                    <m:r>
+                      <a:rPr lang="en-US" b="0" i="1" smtClean="0">
+                        <a:latin typeface="Cambria Math"/>
+                      </a:rPr>
+                      <m:t>𝜙</m:t>
+                    </m:r>
+                  </m:oMath>
+                </a14:m>
+                <a:r>
+                  <a:rPr lang="en-US" dirty="0" smtClean="0"/>
+                  <a:t> : Patch to patch compatibility</a:t>
+                </a:r>
+              </a:p>
+              <a:p>
+                <a14:m>
+                  <m:oMath xmlns:m="http://schemas.openxmlformats.org/officeDocument/2006/math">
+                    <m:r>
+                      <a:rPr lang="en-US" i="1">
+                        <a:latin typeface="Cambria Math"/>
+                      </a:rPr>
+                      <m:t>𝜁</m:t>
+                    </m:r>
+                    <m:d>
+                      <m:dPr>
+                        <m:ctrlPr>
+                          <a:rPr lang="en-US" b="0" i="1" smtClean="0">
+                            <a:latin typeface="Cambria Math"/>
+                          </a:rPr>
+                        </m:ctrlPr>
+                      </m:dPr>
+                      <m:e>
+                        <m:r>
+                          <a:rPr lang="en-US" b="0" i="1" smtClean="0">
+                            <a:latin typeface="Cambria Math"/>
+                          </a:rPr>
+                          <m:t>𝑖</m:t>
+                        </m:r>
+                      </m:e>
+                    </m:d>
+                  </m:oMath>
+                </a14:m>
+                <a:r>
+                  <a:rPr lang="en-US" dirty="0" smtClean="0"/>
+                  <a:t> : Markov blanket of node </a:t>
+                </a:r>
+                <a14:m>
+                  <m:oMath xmlns:m="http://schemas.openxmlformats.org/officeDocument/2006/math">
+                    <m:r>
+                      <a:rPr lang="en-US" b="0" i="1" smtClean="0">
+                        <a:latin typeface="Cambria Math"/>
+                      </a:rPr>
+                      <m:t>𝑖</m:t>
+                    </m:r>
+                  </m:oMath>
+                </a14:m>
+                <a:endParaRPr lang="en-US" dirty="0" smtClean="0"/>
+              </a:p>
+              <a:p>
+                <a14:m>
+                  <m:oMath xmlns:m="http://schemas.openxmlformats.org/officeDocument/2006/math">
+                    <m:r>
+                      <a:rPr lang="en-US" b="0" i="1" smtClean="0">
+                        <a:latin typeface="Cambria Math"/>
+                      </a:rPr>
+                      <m:t>𝐸</m:t>
+                    </m:r>
+                    <m:d>
+                      <m:dPr>
+                        <m:ctrlPr>
+                          <a:rPr lang="en-US" b="0" i="1" smtClean="0">
+                            <a:latin typeface="Cambria Math"/>
+                          </a:rPr>
+                        </m:ctrlPr>
+                      </m:dPr>
+                      <m:e>
+                        <m:r>
+                          <a:rPr lang="en-US" b="0" i="1" smtClean="0">
+                            <a:latin typeface="Cambria Math"/>
+                          </a:rPr>
+                          <m:t>𝑋</m:t>
+                        </m:r>
+                      </m:e>
+                    </m:d>
+                  </m:oMath>
+                </a14:m>
+                <a:r>
+                  <a:rPr lang="en-US" i="1" dirty="0" smtClean="0">
+                    <a:latin typeface="Cambria Math"/>
+                  </a:rPr>
+                  <a:t> </a:t>
+                </a:r>
+                <a:r>
+                  <a:rPr lang="en-US" dirty="0"/>
+                  <a:t>: </a:t>
+                </a:r>
+                <a:r>
+                  <a:rPr lang="en-US" dirty="0" smtClean="0"/>
+                  <a:t>Exclusion term that discourages patches being used more than once.</a:t>
+                </a:r>
+                <a:endParaRPr lang="en-US" i="1" dirty="0" smtClean="0">
+                  <a:latin typeface="Cambria Math"/>
+                </a:endParaRPr>
+              </a:p>
+              <a:p>
+                <a14:m>
+                  <m:oMath xmlns:m="http://schemas.openxmlformats.org/officeDocument/2006/math">
+                    <m:r>
+                      <a:rPr lang="en-US" i="1">
+                        <a:latin typeface="Cambria Math"/>
+                      </a:rPr>
+                      <m:t>𝑍</m:t>
+                    </m:r>
+                  </m:oMath>
+                </a14:m>
+                <a:r>
+                  <a:rPr lang="en-US" dirty="0"/>
+                  <a:t> : Normalization term to ensure </a:t>
+                </a:r>
+                <a14:m>
+                  <m:oMath xmlns:m="http://schemas.openxmlformats.org/officeDocument/2006/math">
+                    <m:r>
+                      <a:rPr lang="en-US" b="0" i="1" smtClean="0">
+                        <a:latin typeface="Cambria Math"/>
+                      </a:rPr>
+                      <m:t>∫</m:t>
+                    </m:r>
+                    <m:r>
+                      <a:rPr lang="en-US" i="1">
+                        <a:latin typeface="Cambria Math"/>
+                      </a:rPr>
+                      <m:t>𝑃</m:t>
+                    </m:r>
+                    <m:d>
+                      <m:dPr>
+                        <m:ctrlPr>
+                          <a:rPr lang="en-US" i="1">
+                            <a:latin typeface="Cambria Math"/>
+                          </a:rPr>
+                        </m:ctrlPr>
+                      </m:dPr>
+                      <m:e>
+                        <m:r>
+                          <a:rPr lang="en-US" i="1">
+                            <a:latin typeface="Cambria Math"/>
+                          </a:rPr>
+                          <m:t>𝑋</m:t>
+                        </m:r>
+                      </m:e>
+                    </m:d>
+                    <m:r>
+                      <a:rPr lang="en-US" b="0" i="1" smtClean="0">
+                        <a:latin typeface="Cambria Math"/>
+                      </a:rPr>
+                      <m:t> </m:t>
+                    </m:r>
+                    <m:r>
+                      <a:rPr lang="en-US" b="0" i="1" smtClean="0">
+                        <a:latin typeface="Cambria Math"/>
+                      </a:rPr>
+                      <m:t>𝑑𝑋</m:t>
+                    </m:r>
+                  </m:oMath>
+                </a14:m>
+                <a:r>
+                  <a:rPr lang="en-US" dirty="0"/>
+                  <a:t> </a:t>
+                </a:r>
+                <a:r>
+                  <a:rPr lang="en-US" dirty="0" smtClean="0"/>
+                  <a:t>equals 1</a:t>
+                </a:r>
+                <a:endParaRPr lang="en-US" dirty="0"/>
+              </a:p>
+            </p:txBody>
+          </p:sp>
+        </mc:Choice>
+        <mc:Fallback>
+          <p:sp>
+            <p:nvSpPr>
+              <p:cNvPr id="3" name="Content Placeholder 2"/>
+              <p:cNvSpPr>
+                <a:spLocks noGrp="1" noRot="1" noChangeAspect="1" noMove="1" noResize="1" noEditPoints="1" noAdjustHandles="1" noChangeArrowheads="1" noChangeShapeType="1" noTextEdit="1"/>
+              </p:cNvSpPr>
+              <p:nvPr>
+                <p:ph idx="1"/>
+              </p:nvPr>
+            </p:nvSpPr>
+            <p:spPr>
+              <a:blipFill rotWithShape="1">
+                <a:blip r:embed="rId2"/>
+                <a:stretch>
+                  <a:fillRect l="-815" t="-1898"/>
+                </a:stretch>
+              </a:blipFill>
+            </p:spPr>
+            <p:txBody>
+              <a:bodyPr/>
+              <a:lstStyle/>
+              <a:p>
+                <a:r>
+                  <a:rPr lang="en-US">
+                    <a:noFill/>
+                  </a:rPr>
+                  <a:t> </a:t>
+                </a:r>
+              </a:p>
+            </p:txBody>
+          </p:sp>
+        </mc:Fallback>
+      </mc:AlternateContent>
     </p:spTree>
     <p:extLst>
       <p:ext uri="{BB962C8B-B14F-4D97-AF65-F5344CB8AC3E}">
-        <p14:creationId xmlns:p14="http://schemas.microsoft.com/office/powerpoint/2010/main" val="58278014"/>
+        <p14:creationId xmlns:p14="http://schemas.microsoft.com/office/powerpoint/2010/main" val="1291985632"/>
       </p:ext>
     </p:extLst>
   </p:cSld>
@@ -5900,6 +6836,942 @@
           <a:p>
             <a:r>
               <a:rPr lang="en-US" dirty="0" smtClean="0"/>
+              <a:t>Loopy Belief Propagation Solver</a:t>
+            </a:r>
+            <a:endParaRPr lang="en-US" dirty="0"/>
+          </a:p>
+        </p:txBody>
+      </p:sp>
+      <p:sp>
+        <p:nvSpPr>
+          <p:cNvPr id="3" name="Content Placeholder 2"/>
+          <p:cNvSpPr>
+            <a:spLocks noGrp="1"/>
+          </p:cNvSpPr>
+          <p:nvPr>
+            <p:ph idx="1"/>
+          </p:nvPr>
+        </p:nvSpPr>
+        <p:spPr/>
+        <p:txBody>
+          <a:bodyPr/>
+          <a:lstStyle/>
+          <a:p>
+            <a:r>
+              <a:rPr lang="en-US" dirty="0" smtClean="0"/>
+              <a:t>Maximizes the preceding probability function using loopy belief propagation.</a:t>
+            </a:r>
+            <a:endParaRPr lang="en-US" dirty="0"/>
+          </a:p>
+          <a:p>
+            <a:endParaRPr lang="en-US" dirty="0"/>
+          </a:p>
+          <a:p>
+            <a:r>
+              <a:rPr lang="en-US" dirty="0" smtClean="0"/>
+              <a:t>Susceptible to local maxima so random restarts may be performed.</a:t>
+            </a:r>
+          </a:p>
+          <a:p>
+            <a:endParaRPr lang="en-US" dirty="0"/>
+          </a:p>
+          <a:p>
+            <a:r>
+              <a:rPr lang="en-US" b="1" dirty="0" smtClean="0"/>
+              <a:t>Question:</a:t>
+            </a:r>
+            <a:r>
+              <a:rPr lang="en-US" dirty="0" smtClean="0"/>
+              <a:t> What if I do not have access to a low resolution version of the original image?  Can I make one or use a substitute?</a:t>
+            </a:r>
+            <a:endParaRPr lang="en-US" dirty="0"/>
+          </a:p>
+        </p:txBody>
+      </p:sp>
+    </p:spTree>
+    <p:extLst>
+      <p:ext uri="{BB962C8B-B14F-4D97-AF65-F5344CB8AC3E}">
+        <p14:creationId xmlns:p14="http://schemas.microsoft.com/office/powerpoint/2010/main" val="674603872"/>
+      </p:ext>
+    </p:extLst>
+  </p:cSld>
+  <p:clrMapOvr>
+    <a:masterClrMapping/>
+  </p:clrMapOvr>
+  <p:timing>
+    <p:tnLst>
+      <p:par>
+        <p:cTn id="1" dur="indefinite" restart="never" nodeType="tmRoot"/>
+      </p:par>
+    </p:tnLst>
+  </p:timing>
+</p:sld>
+</file>
+
+<file path=ppt/slides/slide19.xml><?xml version="1.0" encoding="utf-8"?>
+<p:sld xmlns:a="http://schemas.openxmlformats.org/drawingml/2006/main" xmlns:r="http://schemas.openxmlformats.org/officeDocument/2006/relationships" xmlns:p="http://schemas.openxmlformats.org/presentationml/2006/main">
+  <p:cSld>
+    <p:spTree>
+      <p:nvGrpSpPr>
+        <p:cNvPr id="1" name=""/>
+        <p:cNvGrpSpPr/>
+        <p:nvPr/>
+      </p:nvGrpSpPr>
+      <p:grpSpPr>
+        <a:xfrm>
+          <a:off x="0" y="0"/>
+          <a:ext cx="0" cy="0"/>
+          <a:chOff x="0" y="0"/>
+          <a:chExt cx="0" cy="0"/>
+        </a:xfrm>
+      </p:grpSpPr>
+      <p:sp>
+        <p:nvSpPr>
+          <p:cNvPr id="2" name="Title 1"/>
+          <p:cNvSpPr>
+            <a:spLocks noGrp="1"/>
+          </p:cNvSpPr>
+          <p:nvPr>
+            <p:ph type="title"/>
+          </p:nvPr>
+        </p:nvSpPr>
+        <p:spPr/>
+        <p:txBody>
+          <a:bodyPr>
+            <a:normAutofit/>
+          </a:bodyPr>
+          <a:lstStyle/>
+          <a:p>
+            <a:r>
+              <a:rPr lang="en-US" sz="2800" dirty="0" smtClean="0"/>
+              <a:t>“Dense and Noisy” Estimation</a:t>
+            </a:r>
+            <a:endParaRPr lang="en-US" sz="2800" dirty="0"/>
+          </a:p>
+        </p:txBody>
+      </p:sp>
+      <mc:AlternateContent xmlns:mc="http://schemas.openxmlformats.org/markup-compatibility/2006">
+        <mc:Choice xmlns:a14="http://schemas.microsoft.com/office/drawing/2010/main" Requires="a14">
+          <p:sp>
+            <p:nvSpPr>
+              <p:cNvPr id="3" name="Content Placeholder 2"/>
+              <p:cNvSpPr>
+                <a:spLocks noGrp="1"/>
+              </p:cNvSpPr>
+              <p:nvPr>
+                <p:ph idx="1"/>
+              </p:nvPr>
+            </p:nvSpPr>
+            <p:spPr/>
+            <p:txBody>
+              <a:bodyPr/>
+              <a:lstStyle/>
+              <a:p>
+                <a:r>
+                  <a:rPr lang="en-US" dirty="0" smtClean="0"/>
+                  <a:t>Proposed by Cho </a:t>
+                </a:r>
+                <a:r>
+                  <a:rPr lang="en-US" i="1" dirty="0" smtClean="0"/>
+                  <a:t>et. al. </a:t>
+                </a:r>
+                <a:r>
+                  <a:rPr lang="en-US" dirty="0" smtClean="0"/>
+                  <a:t>in [7] in 2010.</a:t>
+                </a:r>
+                <a:endParaRPr lang="en-US" dirty="0" smtClean="0"/>
+              </a:p>
+              <a:p>
+                <a:endParaRPr lang="en-US" dirty="0" smtClean="0"/>
+              </a:p>
+              <a:p>
+                <a:r>
+                  <a:rPr lang="en-US" b="1" smtClean="0"/>
+                  <a:t>Review: </a:t>
+                </a:r>
+                <a:r>
+                  <a:rPr lang="en-US" dirty="0" smtClean="0"/>
+                  <a:t>In Cho </a:t>
+                </a:r>
+                <a:r>
+                  <a:rPr lang="en-US" i="1" dirty="0" smtClean="0"/>
+                  <a:t>et. al.</a:t>
+                </a:r>
+                <a:r>
+                  <a:rPr lang="en-US" dirty="0" smtClean="0"/>
+                  <a:t>’s work in [8], they assumed access to a correct, low resolution version of the original image.</a:t>
+                </a:r>
+              </a:p>
+              <a:p>
+                <a:pPr lvl="1"/>
+                <a:r>
+                  <a:rPr lang="en-US" dirty="0" smtClean="0"/>
+                  <a:t>In many real world applications, such a low resolution image is not available.</a:t>
+                </a:r>
+              </a:p>
+              <a:p>
+                <a:endParaRPr lang="en-US" dirty="0" smtClean="0"/>
+              </a:p>
+              <a:p>
+                <a:r>
+                  <a:rPr lang="en-US" b="1" dirty="0" smtClean="0"/>
+                  <a:t>Solution:</a:t>
+                </a:r>
+                <a:r>
+                  <a:rPr lang="en-US" dirty="0" smtClean="0"/>
+                  <a:t> Estimate a low resolution image from a “bag of patches.”  The simplified procedure is:</a:t>
+                </a:r>
+              </a:p>
+              <a:p>
+                <a:pPr lvl="1"/>
+                <a:r>
+                  <a:rPr lang="en-US" dirty="0" smtClean="0"/>
+                  <a:t>Creating a histogram of the bag of patches</a:t>
+                </a:r>
+              </a:p>
+              <a:p>
+                <a:pPr lvl="1"/>
+                <a:r>
+                  <a:rPr lang="en-US" dirty="0" smtClean="0"/>
+                  <a:t>“Estimate” a low resolution version by comparing the histogram to a set of </a:t>
+                </a:r>
+                <a14:m>
+                  <m:oMath xmlns:m="http://schemas.openxmlformats.org/officeDocument/2006/math">
+                    <m:r>
+                      <a:rPr lang="en-US" b="0" i="1" smtClean="0">
+                        <a:latin typeface="Cambria Math"/>
+                      </a:rPr>
+                      <m:t>𝐾</m:t>
+                    </m:r>
+                  </m:oMath>
+                </a14:m>
+                <a:r>
+                  <a:rPr lang="en-US" dirty="0" smtClean="0"/>
+                  <a:t> centroids with predefined low resolution images.</a:t>
+                </a:r>
+              </a:p>
+              <a:p>
+                <a:pPr lvl="1"/>
+                <a:endParaRPr lang="en-US" dirty="0" smtClean="0"/>
+              </a:p>
+              <a:p>
+                <a:endParaRPr lang="en-US" dirty="0"/>
+              </a:p>
+            </p:txBody>
+          </p:sp>
+        </mc:Choice>
+        <mc:Fallback>
+          <p:sp>
+            <p:nvSpPr>
+              <p:cNvPr id="3" name="Content Placeholder 2"/>
+              <p:cNvSpPr>
+                <a:spLocks noGrp="1" noRot="1" noChangeAspect="1" noMove="1" noResize="1" noEditPoints="1" noAdjustHandles="1" noChangeArrowheads="1" noChangeShapeType="1" noTextEdit="1"/>
+              </p:cNvSpPr>
+              <p:nvPr>
+                <p:ph idx="1"/>
+              </p:nvPr>
+            </p:nvSpPr>
+            <p:spPr>
+              <a:blipFill rotWithShape="1">
+                <a:blip r:embed="rId2"/>
+                <a:stretch>
+                  <a:fillRect l="-963" t="-949" r="-1333"/>
+                </a:stretch>
+              </a:blipFill>
+            </p:spPr>
+            <p:txBody>
+              <a:bodyPr/>
+              <a:lstStyle/>
+              <a:p>
+                <a:r>
+                  <a:rPr lang="en-US">
+                    <a:noFill/>
+                  </a:rPr>
+                  <a:t> </a:t>
+                </a:r>
+              </a:p>
+            </p:txBody>
+          </p:sp>
+        </mc:Fallback>
+      </mc:AlternateContent>
+    </p:spTree>
+    <p:extLst>
+      <p:ext uri="{BB962C8B-B14F-4D97-AF65-F5344CB8AC3E}">
+        <p14:creationId xmlns:p14="http://schemas.microsoft.com/office/powerpoint/2010/main" val="2946689892"/>
+      </p:ext>
+    </p:extLst>
+  </p:cSld>
+  <p:clrMapOvr>
+    <a:masterClrMapping/>
+  </p:clrMapOvr>
+  <p:timing>
+    <p:tnLst>
+      <p:par>
+        <p:cTn id="1" dur="indefinite" restart="never" nodeType="tmRoot"/>
+      </p:par>
+    </p:tnLst>
+  </p:timing>
+</p:sld>
+</file>
+
+<file path=ppt/slides/slide2.xml><?xml version="1.0" encoding="utf-8"?>
+<p:sld xmlns:a="http://schemas.openxmlformats.org/drawingml/2006/main" xmlns:r="http://schemas.openxmlformats.org/officeDocument/2006/relationships" xmlns:p="http://schemas.openxmlformats.org/presentationml/2006/main">
+  <p:cSld>
+    <p:spTree>
+      <p:nvGrpSpPr>
+        <p:cNvPr id="1" name=""/>
+        <p:cNvGrpSpPr/>
+        <p:nvPr/>
+      </p:nvGrpSpPr>
+      <p:grpSpPr>
+        <a:xfrm>
+          <a:off x="0" y="0"/>
+          <a:ext cx="0" cy="0"/>
+          <a:chOff x="0" y="0"/>
+          <a:chExt cx="0" cy="0"/>
+        </a:xfrm>
+      </p:grpSpPr>
+      <p:sp>
+        <p:nvSpPr>
+          <p:cNvPr id="2" name="Title 1"/>
+          <p:cNvSpPr>
+            <a:spLocks noGrp="1"/>
+          </p:cNvSpPr>
+          <p:nvPr>
+            <p:ph type="title"/>
+          </p:nvPr>
+        </p:nvSpPr>
+        <p:spPr/>
+        <p:txBody>
+          <a:bodyPr>
+            <a:normAutofit fontScale="90000"/>
+          </a:bodyPr>
+          <a:lstStyle/>
+          <a:p>
+            <a:r>
+              <a:rPr lang="en-US" dirty="0" smtClean="0"/>
+              <a:t>Introduction</a:t>
+            </a:r>
+            <a:endParaRPr lang="en-US" dirty="0"/>
+          </a:p>
+        </p:txBody>
+      </p:sp>
+      <p:sp>
+        <p:nvSpPr>
+          <p:cNvPr id="3" name="Content Placeholder 2"/>
+          <p:cNvSpPr>
+            <a:spLocks noGrp="1"/>
+          </p:cNvSpPr>
+          <p:nvPr>
+            <p:ph idx="1"/>
+          </p:nvPr>
+        </p:nvSpPr>
+        <p:spPr/>
+        <p:txBody>
+          <a:bodyPr/>
+          <a:lstStyle/>
+          <a:p>
+            <a:r>
+              <a:rPr lang="en-US" dirty="0" smtClean="0"/>
+              <a:t>“Jigsaw </a:t>
+            </a:r>
+            <a:r>
+              <a:rPr lang="en-US" dirty="0"/>
+              <a:t>Puzzle Problem”</a:t>
+            </a:r>
+          </a:p>
+          <a:p>
+            <a:pPr lvl="1"/>
+            <a:r>
+              <a:rPr lang="en-US" b="1" dirty="0"/>
+              <a:t>Problem Statement: </a:t>
+            </a:r>
+            <a:r>
+              <a:rPr lang="en-US" dirty="0"/>
+              <a:t>Reconstruct an image from a set of image </a:t>
+            </a:r>
+            <a:r>
+              <a:rPr lang="en-US" dirty="0" smtClean="0"/>
+              <a:t>patches</a:t>
+            </a:r>
+          </a:p>
+          <a:p>
+            <a:pPr lvl="1"/>
+            <a:r>
+              <a:rPr lang="en-US" b="1" dirty="0"/>
+              <a:t>Problem Complexity: </a:t>
+            </a:r>
+            <a:r>
+              <a:rPr lang="en-US" dirty="0" smtClean="0"/>
+              <a:t>NP-Complete </a:t>
+            </a:r>
+            <a:r>
+              <a:rPr lang="en-US" dirty="0"/>
+              <a:t>(via the set partition problem)</a:t>
+            </a:r>
+            <a:r>
+              <a:rPr lang="en-US" dirty="0" smtClean="0"/>
+              <a:t> </a:t>
+            </a:r>
+            <a:r>
+              <a:rPr lang="en-US" dirty="0"/>
+              <a:t>when pairwise affinity of pieces is unreliable [1</a:t>
+            </a:r>
+            <a:r>
+              <a:rPr lang="en-US" dirty="0" smtClean="0"/>
+              <a:t>]</a:t>
+            </a:r>
+          </a:p>
+          <a:p>
+            <a:pPr marL="0" indent="0">
+              <a:buNone/>
+            </a:pPr>
+            <a:endParaRPr lang="en-US" dirty="0" smtClean="0"/>
+          </a:p>
+          <a:p>
+            <a:r>
+              <a:rPr lang="en-US" b="1" dirty="0" smtClean="0"/>
+              <a:t>Problem </a:t>
+            </a:r>
+            <a:r>
+              <a:rPr lang="en-US" b="1" dirty="0"/>
+              <a:t>Formulation</a:t>
+            </a:r>
+            <a:r>
+              <a:rPr lang="en-US" dirty="0"/>
+              <a:t>: Set of square, non-overlapping patches</a:t>
+            </a:r>
+          </a:p>
+          <a:p>
+            <a:pPr lvl="1"/>
+            <a:r>
+              <a:rPr lang="en-US" dirty="0"/>
+              <a:t>This </a:t>
+            </a:r>
+            <a:r>
+              <a:rPr lang="en-US" dirty="0" smtClean="0"/>
+              <a:t>specific type </a:t>
+            </a:r>
+            <a:r>
+              <a:rPr lang="en-US" dirty="0"/>
+              <a:t>of puzzle is known as a “jig swap puzzle” [7]</a:t>
+            </a:r>
+          </a:p>
+          <a:p>
+            <a:pPr lvl="1"/>
+            <a:r>
+              <a:rPr lang="en-US" i="1" dirty="0"/>
+              <a:t>Variation of the Problem</a:t>
+            </a:r>
+            <a:r>
+              <a:rPr lang="en-US" dirty="0"/>
+              <a:t>: Allow/disallow patch </a:t>
+            </a:r>
+            <a:r>
+              <a:rPr lang="en-US" dirty="0" smtClean="0"/>
+              <a:t>rotation</a:t>
+            </a:r>
+          </a:p>
+          <a:p>
+            <a:pPr lvl="1"/>
+            <a:endParaRPr lang="en-US" dirty="0"/>
+          </a:p>
+          <a:p>
+            <a:r>
+              <a:rPr lang="en-US" b="1" dirty="0"/>
+              <a:t>A Key Difference with Standard Jigsaw Puzzle Solving: </a:t>
+            </a:r>
+            <a:r>
+              <a:rPr lang="en-US" dirty="0"/>
+              <a:t>The source image you are trying to reconstruct is unknown</a:t>
+            </a:r>
+            <a:r>
+              <a:rPr lang="en-US" dirty="0" smtClean="0"/>
+              <a:t>.</a:t>
+            </a:r>
+            <a:endParaRPr lang="en-US" dirty="0"/>
+          </a:p>
+        </p:txBody>
+      </p:sp>
+    </p:spTree>
+    <p:extLst>
+      <p:ext uri="{BB962C8B-B14F-4D97-AF65-F5344CB8AC3E}">
+        <p14:creationId xmlns:p14="http://schemas.microsoft.com/office/powerpoint/2010/main" val="20947063"/>
+      </p:ext>
+    </p:extLst>
+  </p:cSld>
+  <p:clrMapOvr>
+    <a:masterClrMapping/>
+  </p:clrMapOvr>
+  <p:timing>
+    <p:tnLst>
+      <p:par>
+        <p:cTn id="1" dur="indefinite" restart="never" nodeType="tmRoot"/>
+      </p:par>
+    </p:tnLst>
+  </p:timing>
+</p:sld>
+</file>
+
+<file path=ppt/slides/slide20.xml><?xml version="1.0" encoding="utf-8"?>
+<p:sld xmlns:a="http://schemas.openxmlformats.org/drawingml/2006/main" xmlns:r="http://schemas.openxmlformats.org/officeDocument/2006/relationships" xmlns:p="http://schemas.openxmlformats.org/presentationml/2006/main">
+  <p:cSld>
+    <p:spTree>
+      <p:nvGrpSpPr>
+        <p:cNvPr id="1" name=""/>
+        <p:cNvGrpSpPr/>
+        <p:nvPr/>
+      </p:nvGrpSpPr>
+      <p:grpSpPr>
+        <a:xfrm>
+          <a:off x="0" y="0"/>
+          <a:ext cx="0" cy="0"/>
+          <a:chOff x="0" y="0"/>
+          <a:chExt cx="0" cy="0"/>
+        </a:xfrm>
+      </p:grpSpPr>
+      <p:sp>
+        <p:nvSpPr>
+          <p:cNvPr id="2" name="Title 1"/>
+          <p:cNvSpPr>
+            <a:spLocks noGrp="1"/>
+          </p:cNvSpPr>
+          <p:nvPr>
+            <p:ph type="title"/>
+          </p:nvPr>
+        </p:nvSpPr>
+        <p:spPr>
+          <a:xfrm>
+            <a:off x="1790700" y="127002"/>
+            <a:ext cx="7353300" cy="550863"/>
+          </a:xfrm>
+        </p:spPr>
+        <p:txBody>
+          <a:bodyPr>
+            <a:noAutofit/>
+          </a:bodyPr>
+          <a:lstStyle/>
+          <a:p>
+            <a:r>
+              <a:rPr lang="en-US" sz="2400" dirty="0" smtClean="0"/>
+              <a:t>“Dense and Noisy” Clustering </a:t>
+            </a:r>
+            <a:br>
+              <a:rPr lang="en-US" sz="2400" dirty="0" smtClean="0"/>
+            </a:br>
+            <a:r>
+              <a:rPr lang="en-US" sz="2400" dirty="0" smtClean="0"/>
+              <a:t>and Histogram Generation</a:t>
+            </a:r>
+            <a:endParaRPr lang="en-US" sz="2400" dirty="0"/>
+          </a:p>
+        </p:txBody>
+      </p:sp>
+      <mc:AlternateContent xmlns:mc="http://schemas.openxmlformats.org/markup-compatibility/2006">
+        <mc:Choice xmlns:a14="http://schemas.microsoft.com/office/drawing/2010/main" Requires="a14">
+          <p:sp>
+            <p:nvSpPr>
+              <p:cNvPr id="3" name="Content Placeholder 2"/>
+              <p:cNvSpPr>
+                <a:spLocks noGrp="1"/>
+              </p:cNvSpPr>
+              <p:nvPr>
+                <p:ph idx="1"/>
+              </p:nvPr>
+            </p:nvSpPr>
+            <p:spPr/>
+            <p:txBody>
+              <a:bodyPr/>
+              <a:lstStyle/>
+              <a:p>
+                <a:pPr>
+                  <a:spcBef>
+                    <a:spcPts val="1000"/>
+                  </a:spcBef>
+                </a:pPr>
+                <a:r>
+                  <a:rPr lang="en-US" b="1" dirty="0" smtClean="0"/>
+                  <a:t>Training Set:</a:t>
+                </a:r>
+                <a:r>
+                  <a:rPr lang="en-US" dirty="0" smtClean="0"/>
+                  <a:t> 8.5M patches from 15,000 images.</a:t>
+                </a:r>
+              </a:p>
+              <a:p>
+                <a:pPr lvl="1">
+                  <a:spcBef>
+                    <a:spcPts val="1000"/>
+                  </a:spcBef>
+                </a:pPr>
+                <a:r>
+                  <a:rPr lang="en-US" i="1" dirty="0">
+                    <a:solidFill>
+                      <a:srgbClr val="006600"/>
+                    </a:solidFill>
+                  </a:rPr>
+                  <a:t>Patch Size: </a:t>
+                </a:r>
+                <a:r>
+                  <a:rPr lang="en-US" dirty="0" smtClean="0"/>
+                  <a:t>7px by 7px by 3 (LAB) for 147 total, original dimensions.  This dimensionality is reduced via PCA.</a:t>
+                </a:r>
+              </a:p>
+              <a:p>
+                <a:pPr marL="457200" lvl="1" indent="0">
+                  <a:spcBef>
+                    <a:spcPts val="1000"/>
+                  </a:spcBef>
+                  <a:buNone/>
+                </a:pPr>
+                <a:endParaRPr lang="en-US" dirty="0" smtClean="0"/>
+              </a:p>
+              <a:p>
+                <a:pPr>
+                  <a:spcBef>
+                    <a:spcPts val="1000"/>
+                  </a:spcBef>
+                </a:pPr>
+                <a:r>
+                  <a:rPr lang="en-US" b="1" dirty="0" smtClean="0"/>
+                  <a:t>Clustering the Patches</a:t>
+                </a:r>
+              </a:p>
+              <a:p>
+                <a:pPr lvl="1">
+                  <a:spcBef>
+                    <a:spcPts val="1000"/>
+                  </a:spcBef>
+                </a:pPr>
+                <a:r>
+                  <a:rPr lang="en-US" i="1" dirty="0">
+                    <a:solidFill>
+                      <a:srgbClr val="006600"/>
+                    </a:solidFill>
+                  </a:rPr>
+                  <a:t>Step #1: </a:t>
+                </a:r>
+                <a:r>
+                  <a:rPr lang="en-US" dirty="0" smtClean="0"/>
+                  <a:t>Cluster each image’s patches into </a:t>
+                </a:r>
+                <a14:m>
+                  <m:oMath xmlns:m="http://schemas.openxmlformats.org/officeDocument/2006/math">
+                    <m:r>
+                      <a:rPr lang="en-US" b="0" i="1" smtClean="0">
+                        <a:latin typeface="Cambria Math"/>
+                      </a:rPr>
+                      <m:t>𝐿</m:t>
+                    </m:r>
+                  </m:oMath>
+                </a14:m>
+                <a:r>
+                  <a:rPr lang="en-US" dirty="0" smtClean="0"/>
+                  <a:t> (e.g. 20) centroids.</a:t>
+                </a:r>
+              </a:p>
+              <a:p>
+                <a:pPr lvl="1">
+                  <a:spcBef>
+                    <a:spcPts val="1000"/>
+                  </a:spcBef>
+                </a:pPr>
+                <a:r>
+                  <a:rPr lang="en-US" i="1" dirty="0" smtClean="0">
+                    <a:solidFill>
+                      <a:srgbClr val="006600"/>
+                    </a:solidFill>
+                  </a:rPr>
+                  <a:t>Step #2</a:t>
+                </a:r>
+                <a:r>
+                  <a:rPr lang="en-US" dirty="0" smtClean="0"/>
+                  <a:t>: Re-cluster </a:t>
+                </a:r>
+                <a14:m>
+                  <m:oMath xmlns:m="http://schemas.openxmlformats.org/officeDocument/2006/math">
+                    <m:r>
+                      <a:rPr lang="en-US" b="0" i="1" smtClean="0">
+                        <a:latin typeface="Cambria Math"/>
+                      </a:rPr>
+                      <m:t>𝐿</m:t>
+                    </m:r>
+                  </m:oMath>
+                </a14:m>
+                <a:r>
+                  <a:rPr lang="en-US" dirty="0" smtClean="0"/>
+                  <a:t> centroids from all images into </a:t>
+                </a:r>
+                <a14:m>
+                  <m:oMath xmlns:m="http://schemas.openxmlformats.org/officeDocument/2006/math">
+                    <m:r>
+                      <a:rPr lang="en-US" b="0" i="1" smtClean="0">
+                        <a:latin typeface="Cambria Math"/>
+                      </a:rPr>
+                      <m:t>𝑁</m:t>
+                    </m:r>
+                  </m:oMath>
+                </a14:m>
+                <a:r>
+                  <a:rPr lang="en-US" dirty="0" smtClean="0"/>
+                  <a:t> (e.g. 200) centroids. </a:t>
+                </a:r>
+              </a:p>
+              <a:p>
+                <a:pPr>
+                  <a:spcBef>
+                    <a:spcPts val="1000"/>
+                  </a:spcBef>
+                </a:pPr>
+                <a:endParaRPr lang="en-US" dirty="0" smtClean="0"/>
+              </a:p>
+              <a:p>
+                <a:pPr>
+                  <a:spcBef>
+                    <a:spcPts val="1000"/>
+                  </a:spcBef>
+                </a:pPr>
+                <a:r>
+                  <a:rPr lang="en-US" b="1" dirty="0" smtClean="0"/>
+                  <a:t>Creating the Histogram: </a:t>
+                </a:r>
+                <a:r>
+                  <a:rPr lang="en-US" dirty="0" smtClean="0"/>
+                  <a:t>For a given image, assign each patch to its closest centroid.  </a:t>
+                </a:r>
+              </a:p>
+            </p:txBody>
+          </p:sp>
+        </mc:Choice>
+        <mc:Fallback>
+          <p:sp>
+            <p:nvSpPr>
+              <p:cNvPr id="3" name="Content Placeholder 2"/>
+              <p:cNvSpPr>
+                <a:spLocks noGrp="1" noRot="1" noChangeAspect="1" noMove="1" noResize="1" noEditPoints="1" noAdjustHandles="1" noChangeArrowheads="1" noChangeShapeType="1" noTextEdit="1"/>
+              </p:cNvSpPr>
+              <p:nvPr>
+                <p:ph idx="1"/>
+              </p:nvPr>
+            </p:nvSpPr>
+            <p:spPr>
+              <a:blipFill rotWithShape="1">
+                <a:blip r:embed="rId2"/>
+                <a:stretch>
+                  <a:fillRect l="-963" t="-949" r="-444"/>
+                </a:stretch>
+              </a:blipFill>
+            </p:spPr>
+            <p:txBody>
+              <a:bodyPr/>
+              <a:lstStyle/>
+              <a:p>
+                <a:r>
+                  <a:rPr lang="en-US">
+                    <a:noFill/>
+                  </a:rPr>
+                  <a:t> </a:t>
+                </a:r>
+              </a:p>
+            </p:txBody>
+          </p:sp>
+        </mc:Fallback>
+      </mc:AlternateContent>
+    </p:spTree>
+    <p:extLst>
+      <p:ext uri="{BB962C8B-B14F-4D97-AF65-F5344CB8AC3E}">
+        <p14:creationId xmlns:p14="http://schemas.microsoft.com/office/powerpoint/2010/main" val="1855633438"/>
+      </p:ext>
+    </p:extLst>
+  </p:cSld>
+  <p:clrMapOvr>
+    <a:masterClrMapping/>
+  </p:clrMapOvr>
+  <p:timing>
+    <p:tnLst>
+      <p:par>
+        <p:cTn id="1" dur="indefinite" restart="never" nodeType="tmRoot"/>
+      </p:par>
+    </p:tnLst>
+  </p:timing>
+</p:sld>
+</file>
+
+<file path=ppt/slides/slide21.xml><?xml version="1.0" encoding="utf-8"?>
+<p:sld xmlns:a="http://schemas.openxmlformats.org/drawingml/2006/main" xmlns:r="http://schemas.openxmlformats.org/officeDocument/2006/relationships" xmlns:p="http://schemas.openxmlformats.org/presentationml/2006/main">
+  <p:cSld>
+    <p:spTree>
+      <p:nvGrpSpPr>
+        <p:cNvPr id="1" name=""/>
+        <p:cNvGrpSpPr/>
+        <p:nvPr/>
+      </p:nvGrpSpPr>
+      <p:grpSpPr>
+        <a:xfrm>
+          <a:off x="0" y="0"/>
+          <a:ext cx="0" cy="0"/>
+          <a:chOff x="0" y="0"/>
+          <a:chExt cx="0" cy="0"/>
+        </a:xfrm>
+      </p:grpSpPr>
+      <p:sp>
+        <p:nvSpPr>
+          <p:cNvPr id="2" name="Title 1"/>
+          <p:cNvSpPr>
+            <a:spLocks noGrp="1"/>
+          </p:cNvSpPr>
+          <p:nvPr>
+            <p:ph type="title"/>
+          </p:nvPr>
+        </p:nvSpPr>
+        <p:spPr>
+          <a:xfrm>
+            <a:off x="2105024" y="76200"/>
+            <a:ext cx="7038975" cy="550863"/>
+          </a:xfrm>
+        </p:spPr>
+        <p:txBody>
+          <a:bodyPr>
+            <a:noAutofit/>
+          </a:bodyPr>
+          <a:lstStyle/>
+          <a:p>
+            <a:r>
+              <a:rPr lang="en-US" sz="2400" dirty="0" smtClean="0"/>
+              <a:t>“Dense and Noisy” – Generating the Low Res. Image</a:t>
+            </a:r>
+            <a:endParaRPr lang="en-US" sz="2400" dirty="0"/>
+          </a:p>
+        </p:txBody>
+      </p:sp>
+      <p:sp>
+        <p:nvSpPr>
+          <p:cNvPr id="3" name="Content Placeholder 2"/>
+          <p:cNvSpPr>
+            <a:spLocks noGrp="1"/>
+          </p:cNvSpPr>
+          <p:nvPr>
+            <p:ph idx="1"/>
+          </p:nvPr>
+        </p:nvSpPr>
+        <p:spPr/>
+        <p:txBody>
+          <a:bodyPr/>
+          <a:lstStyle/>
+          <a:p>
+            <a:r>
+              <a:rPr lang="en-US" b="1" dirty="0" smtClean="0"/>
+              <a:t>Theoretical Motivation: </a:t>
+            </a:r>
+            <a:r>
+              <a:rPr lang="en-US" dirty="0" smtClean="0"/>
+              <a:t>Different colors are more likely to be at different places in an image.</a:t>
+            </a:r>
+          </a:p>
+          <a:p>
+            <a:pPr lvl="1"/>
+            <a:r>
+              <a:rPr lang="en-US" i="1" dirty="0" smtClean="0">
+                <a:solidFill>
+                  <a:srgbClr val="006600"/>
+                </a:solidFill>
+              </a:rPr>
+              <a:t>Example</a:t>
+            </a:r>
+            <a:r>
+              <a:rPr lang="en-US" b="1" dirty="0" smtClean="0"/>
+              <a:t>:</a:t>
+            </a:r>
+            <a:r>
+              <a:rPr lang="en-US" dirty="0" smtClean="0"/>
+              <a:t> Blue (sky) is more likely to be towards the top of the image while brown (soil) tends to be in the image foreground.</a:t>
+            </a:r>
+          </a:p>
+          <a:p>
+            <a:endParaRPr lang="en-US" dirty="0" smtClean="0"/>
+          </a:p>
+          <a:p>
+            <a:r>
+              <a:rPr lang="en-US" b="1" dirty="0" smtClean="0"/>
+              <a:t>Mapping Bins to the Image</a:t>
+            </a:r>
+            <a:r>
+              <a:rPr lang="en-US" dirty="0" smtClean="0"/>
+              <a:t>: Use the training set to generate probability density maps for each histogram bin.</a:t>
+            </a:r>
+          </a:p>
+          <a:p>
+            <a:endParaRPr lang="en-US" dirty="0"/>
+          </a:p>
+          <a:p>
+            <a:r>
+              <a:rPr lang="en-US" b="1" dirty="0" smtClean="0"/>
+              <a:t>Using the Histogram to Create the Low Resolution Image</a:t>
+            </a:r>
+            <a:r>
+              <a:rPr lang="en-US" dirty="0" smtClean="0"/>
+              <a:t>: Use a trained, linear regression function to map a bag of pieces histogram to the training images (i.e. use prior knowledge).</a:t>
+            </a:r>
+            <a:endParaRPr lang="en-US" dirty="0"/>
+          </a:p>
+        </p:txBody>
+      </p:sp>
+    </p:spTree>
+    <p:extLst>
+      <p:ext uri="{BB962C8B-B14F-4D97-AF65-F5344CB8AC3E}">
+        <p14:creationId xmlns:p14="http://schemas.microsoft.com/office/powerpoint/2010/main" val="58278014"/>
+      </p:ext>
+    </p:extLst>
+  </p:cSld>
+  <p:clrMapOvr>
+    <a:masterClrMapping/>
+  </p:clrMapOvr>
+  <p:timing>
+    <p:tnLst>
+      <p:par>
+        <p:cTn id="1" dur="indefinite" restart="never" nodeType="tmRoot"/>
+      </p:par>
+    </p:tnLst>
+  </p:timing>
+</p:sld>
+</file>
+
+<file path=ppt/slides/slide22.xml><?xml version="1.0" encoding="utf-8"?>
+<p:sld xmlns:a="http://schemas.openxmlformats.org/drawingml/2006/main" xmlns:r="http://schemas.openxmlformats.org/officeDocument/2006/relationships" xmlns:p="http://schemas.openxmlformats.org/presentationml/2006/main">
+  <p:cSld>
+    <p:spTree>
+      <p:nvGrpSpPr>
+        <p:cNvPr id="1" name=""/>
+        <p:cNvGrpSpPr/>
+        <p:nvPr/>
+      </p:nvGrpSpPr>
+      <p:grpSpPr>
+        <a:xfrm>
+          <a:off x="0" y="0"/>
+          <a:ext cx="0" cy="0"/>
+          <a:chOff x="0" y="0"/>
+          <a:chExt cx="0" cy="0"/>
+        </a:xfrm>
+      </p:grpSpPr>
+      <p:sp>
+        <p:nvSpPr>
+          <p:cNvPr id="2" name="Title 1"/>
+          <p:cNvSpPr>
+            <a:spLocks noGrp="1"/>
+          </p:cNvSpPr>
+          <p:nvPr>
+            <p:ph type="title"/>
+          </p:nvPr>
+        </p:nvSpPr>
+        <p:spPr/>
+        <p:txBody>
+          <a:bodyPr>
+            <a:normAutofit fontScale="90000"/>
+          </a:bodyPr>
+          <a:lstStyle/>
+          <a:p>
+            <a:r>
+              <a:rPr lang="en-US" dirty="0" smtClean="0"/>
               <a:t>“Dense and Noisy” Results</a:t>
             </a:r>
             <a:endParaRPr lang="en-US" dirty="0"/>
@@ -6106,7 +7978,7 @@
 </p:sld>
 </file>
 
-<file path=ppt/slides/slide19.xml><?xml version="1.0" encoding="utf-8"?>
+<file path=ppt/slides/slide23.xml><?xml version="1.0" encoding="utf-8"?>
 <p:sld xmlns:a="http://schemas.openxmlformats.org/drawingml/2006/main" xmlns:r="http://schemas.openxmlformats.org/officeDocument/2006/relationships" xmlns:p="http://schemas.openxmlformats.org/presentationml/2006/main">
   <p:cSld>
     <p:spTree>
@@ -6642,7 +8514,7 @@
 </p:sld>
 </file>
 
-<file path=ppt/slides/slide2.xml><?xml version="1.0" encoding="utf-8"?>
+<file path=ppt/slides/slide24.xml><?xml version="1.0" encoding="utf-8"?>
 <p:sld xmlns:a="http://schemas.openxmlformats.org/drawingml/2006/main" xmlns:r="http://schemas.openxmlformats.org/officeDocument/2006/relationships" xmlns:p="http://schemas.openxmlformats.org/presentationml/2006/main">
   <p:cSld>
     <p:spTree>
@@ -6678,133 +8550,249 @@
           <a:p>
             <a:r>
               <a:rPr lang="en-US" dirty="0" smtClean="0"/>
-              <a:t>Introduction</a:t>
+              <a:t>“Sparse and Accurate”</a:t>
             </a:r>
             <a:endParaRPr lang="en-US" dirty="0"/>
           </a:p>
         </p:txBody>
       </p:sp>
-      <p:sp>
-        <p:nvSpPr>
-          <p:cNvPr id="3" name="Content Placeholder 2"/>
-          <p:cNvSpPr>
-            <a:spLocks noGrp="1"/>
-          </p:cNvSpPr>
-          <p:nvPr>
-            <p:ph idx="1"/>
-          </p:nvPr>
-        </p:nvSpPr>
-        <p:spPr/>
-        <p:txBody>
-          <a:bodyPr/>
-          <a:lstStyle/>
-          <a:p>
-            <a:r>
-              <a:rPr lang="en-US" dirty="0" smtClean="0"/>
-              <a:t>“Jigsaw </a:t>
-            </a:r>
-            <a:r>
-              <a:rPr lang="en-US" dirty="0"/>
-              <a:t>Puzzle Problem”</a:t>
-            </a:r>
-          </a:p>
-          <a:p>
-            <a:pPr lvl="1"/>
-            <a:r>
-              <a:rPr lang="en-US" b="1" dirty="0"/>
-              <a:t>Problem Statement: </a:t>
-            </a:r>
-            <a:r>
-              <a:rPr lang="en-US" dirty="0"/>
-              <a:t>Reconstruct an image from a set of image </a:t>
-            </a:r>
-            <a:r>
-              <a:rPr lang="en-US" dirty="0" smtClean="0"/>
-              <a:t>patches</a:t>
-            </a:r>
-          </a:p>
-          <a:p>
-            <a:pPr lvl="1"/>
-            <a:r>
-              <a:rPr lang="en-US" b="1" dirty="0"/>
-              <a:t>Problem Complexity: </a:t>
-            </a:r>
-            <a:r>
-              <a:rPr lang="en-US" dirty="0"/>
-              <a:t>NP-Complete when pairwise affinity of pieces is unreliable [1]</a:t>
-            </a:r>
-          </a:p>
-          <a:p>
-            <a:pPr marL="0" indent="0">
-              <a:buNone/>
-            </a:pPr>
-            <a:endParaRPr lang="en-US" dirty="0" smtClean="0"/>
-          </a:p>
-          <a:p>
-            <a:r>
-              <a:rPr lang="en-US" b="1" dirty="0"/>
-              <a:t>Problem Formulation</a:t>
-            </a:r>
-            <a:r>
-              <a:rPr lang="en-US" dirty="0"/>
-              <a:t>: Set of square, non-overlapping patches</a:t>
-            </a:r>
-          </a:p>
-          <a:p>
-            <a:pPr lvl="1"/>
-            <a:r>
-              <a:rPr lang="en-US" dirty="0"/>
-              <a:t>This </a:t>
-            </a:r>
-            <a:r>
-              <a:rPr lang="en-US" dirty="0" smtClean="0"/>
-              <a:t>specific type </a:t>
-            </a:r>
-            <a:r>
-              <a:rPr lang="en-US" dirty="0"/>
-              <a:t>of puzzle is known as a “jig swap puzzle” [7]</a:t>
-            </a:r>
-          </a:p>
-          <a:p>
-            <a:pPr lvl="1"/>
-            <a:r>
-              <a:rPr lang="en-US" i="1" dirty="0"/>
-              <a:t>Variation of the Problem</a:t>
-            </a:r>
-            <a:r>
-              <a:rPr lang="en-US" dirty="0"/>
-              <a:t>: Allow/disallow patch </a:t>
-            </a:r>
-            <a:r>
-              <a:rPr lang="en-US" dirty="0" smtClean="0"/>
-              <a:t>rotation</a:t>
-            </a:r>
-          </a:p>
-          <a:p>
-            <a:pPr lvl="1"/>
-            <a:endParaRPr lang="en-US" dirty="0"/>
-          </a:p>
-          <a:p>
-            <a:r>
-              <a:rPr lang="en-US" b="1" dirty="0"/>
-              <a:t>A Key Difference with Standard Jigsaw Puzzle Solving: </a:t>
-            </a:r>
-            <a:r>
-              <a:rPr lang="en-US" dirty="0"/>
-              <a:t>The source image you are trying to reconstruct is unknown</a:t>
-            </a:r>
-            <a:r>
-              <a:rPr lang="en-US" dirty="0" smtClean="0"/>
-              <a:t>.</a:t>
-            </a:r>
-            <a:endParaRPr lang="en-US" dirty="0"/>
-          </a:p>
-        </p:txBody>
-      </p:sp>
+      <mc:AlternateContent xmlns:mc="http://schemas.openxmlformats.org/markup-compatibility/2006">
+        <mc:Choice xmlns:a14="http://schemas.microsoft.com/office/drawing/2010/main" Requires="a14">
+          <p:sp>
+            <p:nvSpPr>
+              <p:cNvPr id="3" name="Content Placeholder 2"/>
+              <p:cNvSpPr>
+                <a:spLocks noGrp="1"/>
+              </p:cNvSpPr>
+              <p:nvPr>
+                <p:ph idx="1"/>
+              </p:nvPr>
+            </p:nvSpPr>
+            <p:spPr>
+              <a:xfrm>
+                <a:off x="457200" y="989012"/>
+                <a:ext cx="8229600" cy="5419407"/>
+              </a:xfrm>
+            </p:spPr>
+            <p:txBody>
+              <a:bodyPr>
+                <a:normAutofit fontScale="77500" lnSpcReduction="20000"/>
+              </a:bodyPr>
+              <a:lstStyle/>
+              <a:p>
+                <a:pPr>
+                  <a:lnSpc>
+                    <a:spcPct val="130000"/>
+                  </a:lnSpc>
+                </a:pPr>
+                <a:r>
+                  <a:rPr lang="en-US" dirty="0" smtClean="0"/>
+                  <a:t>Proposed by Cho </a:t>
+                </a:r>
+                <a:r>
+                  <a:rPr lang="en-US" i="1" dirty="0" smtClean="0"/>
+                  <a:t>et. al. </a:t>
+                </a:r>
+                <a:r>
+                  <a:rPr lang="en-US" dirty="0" smtClean="0"/>
+                  <a:t>in [7] </a:t>
+                </a:r>
+              </a:p>
+              <a:p>
+                <a:pPr>
+                  <a:lnSpc>
+                    <a:spcPct val="130000"/>
+                  </a:lnSpc>
+                </a:pPr>
+                <a:endParaRPr lang="en-US" b="1" dirty="0"/>
+              </a:p>
+              <a:p>
+                <a:pPr>
+                  <a:lnSpc>
+                    <a:spcPct val="130000"/>
+                  </a:lnSpc>
+                </a:pPr>
+                <a:r>
+                  <a:rPr lang="en-US" b="1" dirty="0" smtClean="0"/>
+                  <a:t>Common Human Approach to Solving Puzzles</a:t>
+                </a:r>
+                <a:r>
+                  <a:rPr lang="en-US" dirty="0" smtClean="0"/>
+                  <a:t>: “Outside-in”</a:t>
+                </a:r>
+              </a:p>
+              <a:p>
+                <a:pPr lvl="1">
+                  <a:lnSpc>
+                    <a:spcPct val="130000"/>
+                  </a:lnSpc>
+                </a:pPr>
+                <a:r>
+                  <a:rPr lang="en-US" dirty="0" smtClean="0"/>
+                  <a:t>Find the puzzle’s four corner pieces.</a:t>
+                </a:r>
+              </a:p>
+              <a:p>
+                <a:pPr lvl="1">
+                  <a:lnSpc>
+                    <a:spcPct val="130000"/>
+                  </a:lnSpc>
+                </a:pPr>
+                <a:r>
+                  <a:rPr lang="en-US" dirty="0" smtClean="0"/>
+                  <a:t>Build from the corner pieces until all four sections converge.</a:t>
+                </a:r>
+              </a:p>
+              <a:p>
+                <a:pPr>
+                  <a:lnSpc>
+                    <a:spcPct val="130000"/>
+                  </a:lnSpc>
+                </a:pPr>
+                <a:endParaRPr lang="en-US" dirty="0"/>
+              </a:p>
+              <a:p>
+                <a:pPr>
+                  <a:lnSpc>
+                    <a:spcPct val="130000"/>
+                  </a:lnSpc>
+                </a:pPr>
+                <a:r>
+                  <a:rPr lang="en-US" dirty="0" smtClean="0"/>
+                  <a:t>“Sparse and accurate” is based off the “outside-in” technique.</a:t>
+                </a:r>
+              </a:p>
+              <a:p>
+                <a:pPr lvl="1">
+                  <a:lnSpc>
+                    <a:spcPct val="130000"/>
+                  </a:lnSpc>
+                </a:pPr>
+                <a:r>
+                  <a:rPr lang="en-US" b="1" dirty="0" smtClean="0"/>
+                  <a:t>Definition on an “Anchor Patch”</a:t>
+                </a:r>
+                <a:r>
+                  <a:rPr lang="en-US" dirty="0" smtClean="0"/>
+                  <a:t>: A puzzle patch that is placed in its correct location and orientation.</a:t>
+                </a:r>
+              </a:p>
+              <a:p>
+                <a:pPr lvl="1">
+                  <a:lnSpc>
+                    <a:spcPct val="130000"/>
+                  </a:lnSpc>
+                </a:pPr>
+                <a:r>
+                  <a:rPr lang="en-US" b="1" dirty="0" smtClean="0"/>
+                  <a:t>Summary of the Approach:</a:t>
+                </a:r>
+                <a:r>
+                  <a:rPr lang="en-US" dirty="0" smtClean="0"/>
+                  <a:t> Place a set of </a:t>
+                </a:r>
+                <a14:m>
+                  <m:oMath xmlns:m="http://schemas.openxmlformats.org/officeDocument/2006/math">
+                    <m:r>
+                      <a:rPr lang="en-US" b="0" i="1" smtClean="0">
+                        <a:latin typeface="Cambria Math"/>
+                      </a:rPr>
+                      <m:t>𝑁</m:t>
+                    </m:r>
+                  </m:oMath>
+                </a14:m>
+                <a:r>
+                  <a:rPr lang="en-US" dirty="0" smtClean="0"/>
+                  <a:t> anchor patches and then solve the puzzle.</a:t>
+                </a:r>
+              </a:p>
+              <a:p>
+                <a:pPr marL="457200" lvl="1" indent="0">
+                  <a:lnSpc>
+                    <a:spcPct val="130000"/>
+                  </a:lnSpc>
+                  <a:buNone/>
+                </a:pPr>
+                <a:endParaRPr lang="en-US" dirty="0" smtClean="0"/>
+              </a:p>
+              <a:p>
+                <a:pPr>
+                  <a:lnSpc>
+                    <a:spcPct val="130000"/>
+                  </a:lnSpc>
+                </a:pPr>
+                <a:r>
+                  <a:rPr lang="en-US" dirty="0" smtClean="0"/>
+                  <a:t>Two most important criteria of anchor patches</a:t>
+                </a:r>
+              </a:p>
+              <a:p>
+                <a:pPr lvl="1">
+                  <a:lnSpc>
+                    <a:spcPct val="130000"/>
+                  </a:lnSpc>
+                </a:pPr>
+                <a:r>
+                  <a:rPr lang="en-US" dirty="0" smtClean="0"/>
+                  <a:t>Quantity</a:t>
+                </a:r>
+              </a:p>
+              <a:p>
+                <a:pPr lvl="1">
+                  <a:lnSpc>
+                    <a:spcPct val="130000"/>
+                  </a:lnSpc>
+                </a:pPr>
+                <a:r>
+                  <a:rPr lang="en-US" dirty="0" smtClean="0"/>
+                  <a:t>Uniform Spatial Distribution</a:t>
+                </a:r>
+              </a:p>
+            </p:txBody>
+          </p:sp>
+        </mc:Choice>
+        <mc:Fallback>
+          <p:sp>
+            <p:nvSpPr>
+              <p:cNvPr id="3" name="Content Placeholder 2"/>
+              <p:cNvSpPr>
+                <a:spLocks noGrp="1" noRot="1" noChangeAspect="1" noMove="1" noResize="1" noEditPoints="1" noAdjustHandles="1" noChangeArrowheads="1" noChangeShapeType="1" noTextEdit="1"/>
+              </p:cNvSpPr>
+              <p:nvPr>
+                <p:ph idx="1"/>
+              </p:nvPr>
+            </p:nvSpPr>
+            <p:spPr>
+              <a:xfrm>
+                <a:off x="457200" y="989012"/>
+                <a:ext cx="8229600" cy="5419407"/>
+              </a:xfrm>
+              <a:blipFill rotWithShape="1">
+                <a:blip r:embed="rId2"/>
+                <a:stretch>
+                  <a:fillRect l="-519" t="-337"/>
+                </a:stretch>
+              </a:blipFill>
+            </p:spPr>
+            <p:txBody>
+              <a:bodyPr/>
+              <a:lstStyle/>
+              <a:p>
+                <a:r>
+                  <a:rPr lang="en-US">
+                    <a:noFill/>
+                  </a:rPr>
+                  <a:t> </a:t>
+                </a:r>
+              </a:p>
+            </p:txBody>
+          </p:sp>
+        </mc:Fallback>
+      </mc:AlternateContent>
     </p:spTree>
     <p:extLst>
       <p:ext uri="{BB962C8B-B14F-4D97-AF65-F5344CB8AC3E}">
-        <p14:creationId xmlns:p14="http://schemas.microsoft.com/office/powerpoint/2010/main" val="20947063"/>
+        <p14:creationId xmlns:p14="http://schemas.microsoft.com/office/powerpoint/2010/main" val="4118033345"/>
       </p:ext>
     </p:extLst>
   </p:cSld>
@@ -6821,7 +8809,7 @@
 </p:sld>
 </file>
 
-<file path=ppt/slides/slide20.xml><?xml version="1.0" encoding="utf-8"?>
+<file path=ppt/slides/slide25.xml><?xml version="1.0" encoding="utf-8"?>
 <p:sld xmlns:a="http://schemas.openxmlformats.org/drawingml/2006/main" xmlns:r="http://schemas.openxmlformats.org/officeDocument/2006/relationships" xmlns:p="http://schemas.openxmlformats.org/presentationml/2006/main">
   <p:cSld>
     <p:spTree>
@@ -6857,249 +8845,248 @@
           <a:p>
             <a:r>
               <a:rPr lang="en-US" dirty="0" smtClean="0"/>
-              <a:t>“Sparse and Accurate”</a:t>
+              <a:t>Generalized Greedy Algorithm</a:t>
             </a:r>
             <a:endParaRPr lang="en-US" dirty="0"/>
           </a:p>
         </p:txBody>
       </p:sp>
-      <mc:AlternateContent xmlns:mc="http://schemas.openxmlformats.org/markup-compatibility/2006">
-        <mc:Choice xmlns:a14="http://schemas.microsoft.com/office/drawing/2010/main" Requires="a14">
-          <p:sp>
-            <p:nvSpPr>
-              <p:cNvPr id="3" name="Content Placeholder 2"/>
-              <p:cNvSpPr>
-                <a:spLocks noGrp="1"/>
-              </p:cNvSpPr>
-              <p:nvPr>
-                <p:ph idx="1"/>
-              </p:nvPr>
-            </p:nvSpPr>
-            <p:spPr>
-              <a:xfrm>
-                <a:off x="457200" y="989012"/>
-                <a:ext cx="8229600" cy="5419407"/>
-              </a:xfrm>
-            </p:spPr>
-            <p:txBody>
-              <a:bodyPr>
-                <a:normAutofit fontScale="77500" lnSpcReduction="20000"/>
-              </a:bodyPr>
-              <a:lstStyle/>
-              <a:p>
-                <a:pPr>
-                  <a:lnSpc>
-                    <a:spcPct val="130000"/>
-                  </a:lnSpc>
-                </a:pPr>
-                <a:r>
-                  <a:rPr lang="en-US" dirty="0" smtClean="0"/>
-                  <a:t>Proposed by Cho </a:t>
-                </a:r>
-                <a:r>
-                  <a:rPr lang="en-US" i="1" dirty="0" smtClean="0"/>
-                  <a:t>et. al. </a:t>
-                </a:r>
-                <a:r>
-                  <a:rPr lang="en-US" dirty="0" smtClean="0"/>
-                  <a:t>in [7] </a:t>
-                </a:r>
-              </a:p>
-              <a:p>
-                <a:pPr>
-                  <a:lnSpc>
-                    <a:spcPct val="130000"/>
-                  </a:lnSpc>
-                </a:pPr>
-                <a:endParaRPr lang="en-US" b="1" dirty="0"/>
-              </a:p>
-              <a:p>
-                <a:pPr>
-                  <a:lnSpc>
-                    <a:spcPct val="130000"/>
-                  </a:lnSpc>
-                </a:pPr>
-                <a:r>
-                  <a:rPr lang="en-US" b="1" dirty="0" smtClean="0"/>
-                  <a:t>Common Human Approach to Solving Puzzles</a:t>
-                </a:r>
-                <a:r>
-                  <a:rPr lang="en-US" dirty="0" smtClean="0"/>
-                  <a:t>: “Outside-in”</a:t>
-                </a:r>
-              </a:p>
-              <a:p>
-                <a:pPr lvl="1">
-                  <a:lnSpc>
-                    <a:spcPct val="130000"/>
-                  </a:lnSpc>
-                </a:pPr>
-                <a:r>
-                  <a:rPr lang="en-US" dirty="0" smtClean="0"/>
-                  <a:t>Find the puzzle’s four corner pieces.</a:t>
-                </a:r>
-              </a:p>
-              <a:p>
-                <a:pPr lvl="1">
-                  <a:lnSpc>
-                    <a:spcPct val="130000"/>
-                  </a:lnSpc>
-                </a:pPr>
-                <a:r>
-                  <a:rPr lang="en-US" dirty="0" smtClean="0"/>
-                  <a:t>Build from the corner pieces until all four sections converge.</a:t>
-                </a:r>
-              </a:p>
-              <a:p>
-                <a:pPr>
-                  <a:lnSpc>
-                    <a:spcPct val="130000"/>
-                  </a:lnSpc>
-                </a:pPr>
-                <a:endParaRPr lang="en-US" dirty="0"/>
-              </a:p>
-              <a:p>
-                <a:pPr>
-                  <a:lnSpc>
-                    <a:spcPct val="130000"/>
-                  </a:lnSpc>
-                </a:pPr>
-                <a:r>
-                  <a:rPr lang="en-US" dirty="0" smtClean="0"/>
-                  <a:t>“Sparse and accurate” is based off the “outside-in” technique.</a:t>
-                </a:r>
-              </a:p>
-              <a:p>
-                <a:pPr lvl="1">
-                  <a:lnSpc>
-                    <a:spcPct val="130000"/>
-                  </a:lnSpc>
-                </a:pPr>
-                <a:r>
-                  <a:rPr lang="en-US" b="1" dirty="0" smtClean="0"/>
-                  <a:t>Definition on an “Anchor Patch”</a:t>
-                </a:r>
-                <a:r>
-                  <a:rPr lang="en-US" dirty="0" smtClean="0"/>
-                  <a:t>: A puzzle patch that is placed in its correct location and orientation.</a:t>
-                </a:r>
-              </a:p>
-              <a:p>
-                <a:pPr lvl="1">
-                  <a:lnSpc>
-                    <a:spcPct val="130000"/>
-                  </a:lnSpc>
-                </a:pPr>
-                <a:r>
-                  <a:rPr lang="en-US" b="1" dirty="0" smtClean="0"/>
-                  <a:t>Summary of the Approach:</a:t>
-                </a:r>
-                <a:r>
-                  <a:rPr lang="en-US" dirty="0" smtClean="0"/>
-                  <a:t> Place a set of </a:t>
-                </a:r>
-                <a14:m>
-                  <m:oMath xmlns:m="http://schemas.openxmlformats.org/officeDocument/2006/math">
-                    <m:r>
-                      <a:rPr lang="en-US" b="0" i="1" smtClean="0">
-                        <a:latin typeface="Cambria Math"/>
-                      </a:rPr>
-                      <m:t>𝑁</m:t>
-                    </m:r>
-                  </m:oMath>
-                </a14:m>
-                <a:r>
-                  <a:rPr lang="en-US" dirty="0" smtClean="0"/>
-                  <a:t> anchor patches and then solve the puzzle.</a:t>
-                </a:r>
-              </a:p>
-              <a:p>
-                <a:pPr marL="457200" lvl="1" indent="0">
-                  <a:lnSpc>
-                    <a:spcPct val="130000"/>
-                  </a:lnSpc>
-                  <a:buNone/>
-                </a:pPr>
-                <a:endParaRPr lang="en-US" dirty="0" smtClean="0"/>
-              </a:p>
-              <a:p>
-                <a:pPr>
-                  <a:lnSpc>
-                    <a:spcPct val="130000"/>
-                  </a:lnSpc>
-                </a:pPr>
-                <a:r>
-                  <a:rPr lang="en-US" dirty="0" smtClean="0"/>
-                  <a:t>Two most important criteria of anchor patches</a:t>
-                </a:r>
-              </a:p>
-              <a:p>
-                <a:pPr lvl="1">
-                  <a:lnSpc>
-                    <a:spcPct val="130000"/>
-                  </a:lnSpc>
-                </a:pPr>
-                <a:r>
-                  <a:rPr lang="en-US" dirty="0" smtClean="0"/>
-                  <a:t>Quantity</a:t>
-                </a:r>
-              </a:p>
-              <a:p>
-                <a:pPr lvl="1">
-                  <a:lnSpc>
-                    <a:spcPct val="130000"/>
-                  </a:lnSpc>
-                </a:pPr>
-                <a:r>
-                  <a:rPr lang="en-US" dirty="0" smtClean="0"/>
-                  <a:t>Uniform Spatial Distribution</a:t>
-                </a:r>
-              </a:p>
-            </p:txBody>
-          </p:sp>
-        </mc:Choice>
-        <mc:Fallback>
-          <p:sp>
-            <p:nvSpPr>
-              <p:cNvPr id="3" name="Content Placeholder 2"/>
-              <p:cNvSpPr>
-                <a:spLocks noGrp="1" noRot="1" noChangeAspect="1" noMove="1" noResize="1" noEditPoints="1" noAdjustHandles="1" noChangeArrowheads="1" noChangeShapeType="1" noTextEdit="1"/>
-              </p:cNvSpPr>
-              <p:nvPr>
-                <p:ph idx="1"/>
-              </p:nvPr>
-            </p:nvSpPr>
-            <p:spPr>
-              <a:xfrm>
-                <a:off x="457200" y="989012"/>
-                <a:ext cx="8229600" cy="5419407"/>
-              </a:xfrm>
-              <a:blipFill rotWithShape="1">
-                <a:blip r:embed="rId2"/>
-                <a:stretch>
-                  <a:fillRect l="-519" t="-337"/>
-                </a:stretch>
-              </a:blipFill>
-            </p:spPr>
-            <p:txBody>
-              <a:bodyPr/>
-              <a:lstStyle/>
-              <a:p>
-                <a:r>
-                  <a:rPr lang="en-US">
-                    <a:noFill/>
-                  </a:rPr>
-                  <a:t> </a:t>
-                </a:r>
-              </a:p>
-            </p:txBody>
-          </p:sp>
-        </mc:Fallback>
-      </mc:AlternateContent>
+      <p:sp>
+        <p:nvSpPr>
+          <p:cNvPr id="3" name="Content Placeholder 2"/>
+          <p:cNvSpPr>
+            <a:spLocks noGrp="1"/>
+          </p:cNvSpPr>
+          <p:nvPr>
+            <p:ph idx="1"/>
+          </p:nvPr>
+        </p:nvSpPr>
+        <p:spPr/>
+        <p:txBody>
+          <a:bodyPr>
+            <a:normAutofit fontScale="92500" lnSpcReduction="20000"/>
+          </a:bodyPr>
+          <a:lstStyle/>
+          <a:p>
+            <a:pPr>
+              <a:lnSpc>
+                <a:spcPct val="130000"/>
+              </a:lnSpc>
+              <a:spcBef>
+                <a:spcPts val="600"/>
+              </a:spcBef>
+            </a:pPr>
+            <a:r>
+              <a:rPr lang="en-US" dirty="0" smtClean="0"/>
+              <a:t>Proposed by </a:t>
+            </a:r>
+            <a:r>
+              <a:rPr lang="en-US" dirty="0" err="1" smtClean="0"/>
+              <a:t>Pomeranz</a:t>
+            </a:r>
+            <a:r>
+              <a:rPr lang="en-US" dirty="0" smtClean="0"/>
+              <a:t> </a:t>
+            </a:r>
+            <a:r>
+              <a:rPr lang="en-US" i="1" dirty="0" smtClean="0"/>
+              <a:t>et. al.</a:t>
+            </a:r>
+            <a:r>
+              <a:rPr lang="en-US" dirty="0" smtClean="0"/>
+              <a:t> in [10] in 2011.</a:t>
+            </a:r>
+          </a:p>
+          <a:p>
+            <a:pPr>
+              <a:lnSpc>
+                <a:spcPct val="130000"/>
+              </a:lnSpc>
+              <a:spcBef>
+                <a:spcPts val="600"/>
+              </a:spcBef>
+            </a:pPr>
+            <a:endParaRPr lang="en-US" sz="500" dirty="0"/>
+          </a:p>
+          <a:p>
+            <a:pPr>
+              <a:lnSpc>
+                <a:spcPct val="130000"/>
+              </a:lnSpc>
+              <a:spcBef>
+                <a:spcPts val="600"/>
+              </a:spcBef>
+            </a:pPr>
+            <a:r>
+              <a:rPr lang="en-US" sz="2200" b="1" dirty="0" smtClean="0"/>
+              <a:t>Goal: </a:t>
+            </a:r>
+            <a:r>
+              <a:rPr lang="en-US" sz="2200" dirty="0" smtClean="0"/>
+              <a:t>Provide a computational framework for handling square jigsaw puzzles in reasonable time that does not rely on any prior knowledge or human intervention.</a:t>
+            </a:r>
+          </a:p>
+          <a:p>
+            <a:pPr>
+              <a:lnSpc>
+                <a:spcPct val="130000"/>
+              </a:lnSpc>
+              <a:spcBef>
+                <a:spcPts val="600"/>
+              </a:spcBef>
+            </a:pPr>
+            <a:endParaRPr lang="en-US" sz="500" dirty="0" smtClean="0"/>
+          </a:p>
+          <a:p>
+            <a:pPr>
+              <a:lnSpc>
+                <a:spcPct val="130000"/>
+              </a:lnSpc>
+              <a:spcBef>
+                <a:spcPts val="600"/>
+              </a:spcBef>
+            </a:pPr>
+            <a:r>
+              <a:rPr lang="en-US" dirty="0" smtClean="0"/>
+              <a:t>Solver divides the puzzle reconstruction into three </a:t>
+            </a:r>
+            <a:r>
+              <a:rPr lang="en-US" dirty="0" err="1" smtClean="0"/>
+              <a:t>subproblems</a:t>
+            </a:r>
+            <a:r>
+              <a:rPr lang="en-US" dirty="0" smtClean="0"/>
+              <a:t>:</a:t>
+            </a:r>
+          </a:p>
+          <a:p>
+            <a:pPr lvl="1">
+              <a:lnSpc>
+                <a:spcPct val="130000"/>
+              </a:lnSpc>
+              <a:spcBef>
+                <a:spcPts val="600"/>
+              </a:spcBef>
+            </a:pPr>
+            <a:r>
+              <a:rPr lang="en-US" i="1" dirty="0">
+                <a:solidFill>
+                  <a:srgbClr val="006600"/>
+                </a:solidFill>
+              </a:rPr>
+              <a:t>Placement</a:t>
+            </a:r>
+            <a:r>
+              <a:rPr lang="en-US" dirty="0" smtClean="0"/>
+              <a:t>: Given a single patch or partially-placed set of patches, place the remaining patches.</a:t>
+            </a:r>
+          </a:p>
+          <a:p>
+            <a:pPr lvl="1">
+              <a:lnSpc>
+                <a:spcPct val="130000"/>
+              </a:lnSpc>
+              <a:spcBef>
+                <a:spcPts val="600"/>
+              </a:spcBef>
+            </a:pPr>
+            <a:endParaRPr lang="en-US" sz="600" dirty="0"/>
+          </a:p>
+          <a:p>
+            <a:pPr lvl="1">
+              <a:lnSpc>
+                <a:spcPct val="130000"/>
+              </a:lnSpc>
+              <a:spcBef>
+                <a:spcPts val="600"/>
+              </a:spcBef>
+            </a:pPr>
+            <a:r>
+              <a:rPr lang="en-US" i="1" dirty="0">
+                <a:solidFill>
+                  <a:srgbClr val="006600"/>
+                </a:solidFill>
+              </a:rPr>
+              <a:t>Segmentation</a:t>
+            </a:r>
+            <a:r>
+              <a:rPr lang="en-US" dirty="0" smtClean="0"/>
+              <a:t>: Given a fully-placed board, segment the board into subcomponents that are believed to be placed correctly.</a:t>
+            </a:r>
+          </a:p>
+          <a:p>
+            <a:pPr lvl="1">
+              <a:lnSpc>
+                <a:spcPct val="130000"/>
+              </a:lnSpc>
+              <a:spcBef>
+                <a:spcPts val="600"/>
+              </a:spcBef>
+            </a:pPr>
+            <a:endParaRPr lang="en-US" sz="600" dirty="0"/>
+          </a:p>
+          <a:p>
+            <a:pPr lvl="1">
+              <a:lnSpc>
+                <a:spcPct val="130000"/>
+              </a:lnSpc>
+              <a:spcBef>
+                <a:spcPts val="600"/>
+              </a:spcBef>
+            </a:pPr>
+            <a:r>
+              <a:rPr lang="en-US" i="1" dirty="0" smtClean="0">
+                <a:solidFill>
+                  <a:srgbClr val="006600"/>
+                </a:solidFill>
+              </a:rPr>
+              <a:t>Shifting</a:t>
+            </a:r>
+            <a:r>
+              <a:rPr lang="en-US" dirty="0" smtClean="0"/>
+              <a:t>: Given a set of trusted segments, relocate entire segments and individual patches to improve solution quality.</a:t>
+            </a:r>
+            <a:endParaRPr lang="en-US" dirty="0"/>
+          </a:p>
+          <a:p>
+            <a:pPr>
+              <a:lnSpc>
+                <a:spcPct val="130000"/>
+              </a:lnSpc>
+              <a:spcBef>
+                <a:spcPts val="600"/>
+              </a:spcBef>
+            </a:pPr>
+            <a:endParaRPr lang="en-US" dirty="0" smtClean="0"/>
+          </a:p>
+          <a:p>
+            <a:pPr>
+              <a:lnSpc>
+                <a:spcPct val="130000"/>
+              </a:lnSpc>
+              <a:spcBef>
+                <a:spcPts val="600"/>
+              </a:spcBef>
+            </a:pPr>
+            <a:endParaRPr lang="en-US" dirty="0"/>
+          </a:p>
+          <a:p>
+            <a:pPr>
+              <a:lnSpc>
+                <a:spcPct val="130000"/>
+              </a:lnSpc>
+              <a:spcBef>
+                <a:spcPts val="600"/>
+              </a:spcBef>
+            </a:pPr>
+            <a:endParaRPr lang="en-US" dirty="0"/>
+          </a:p>
+        </p:txBody>
+      </p:sp>
     </p:spTree>
     <p:extLst>
       <p:ext uri="{BB962C8B-B14F-4D97-AF65-F5344CB8AC3E}">
-        <p14:creationId xmlns:p14="http://schemas.microsoft.com/office/powerpoint/2010/main" val="4118033345"/>
+        <p14:creationId xmlns:p14="http://schemas.microsoft.com/office/powerpoint/2010/main" val="2483816693"/>
       </p:ext>
     </p:extLst>
   </p:cSld>
@@ -7116,7 +9103,289 @@
 </p:sld>
 </file>
 
-<file path=ppt/slides/slide21.xml><?xml version="1.0" encoding="utf-8"?>
+<file path=ppt/slides/slide26.xml><?xml version="1.0" encoding="utf-8"?>
+<p:sld xmlns:a="http://schemas.openxmlformats.org/drawingml/2006/main" xmlns:r="http://schemas.openxmlformats.org/officeDocument/2006/relationships" xmlns:p="http://schemas.openxmlformats.org/presentationml/2006/main">
+  <p:cSld>
+    <p:spTree>
+      <p:nvGrpSpPr>
+        <p:cNvPr id="1" name=""/>
+        <p:cNvGrpSpPr/>
+        <p:nvPr/>
+      </p:nvGrpSpPr>
+      <p:grpSpPr>
+        <a:xfrm>
+          <a:off x="0" y="0"/>
+          <a:ext cx="0" cy="0"/>
+          <a:chOff x="0" y="0"/>
+          <a:chExt cx="0" cy="0"/>
+        </a:xfrm>
+      </p:grpSpPr>
+      <p:sp>
+        <p:nvSpPr>
+          <p:cNvPr id="2" name="Title 1"/>
+          <p:cNvSpPr>
+            <a:spLocks noGrp="1"/>
+          </p:cNvSpPr>
+          <p:nvPr>
+            <p:ph type="title"/>
+          </p:nvPr>
+        </p:nvSpPr>
+        <p:spPr/>
+        <p:txBody>
+          <a:bodyPr>
+            <a:noAutofit/>
+          </a:bodyPr>
+          <a:lstStyle/>
+          <a:p>
+            <a:r>
+              <a:rPr lang="en-US" sz="2800" dirty="0" smtClean="0"/>
+              <a:t>Overview of the Greedy Placement Phase</a:t>
+            </a:r>
+            <a:endParaRPr lang="en-US" sz="2800" dirty="0"/>
+          </a:p>
+        </p:txBody>
+      </p:sp>
+      <p:sp>
+        <p:nvSpPr>
+          <p:cNvPr id="3" name="Content Placeholder 2"/>
+          <p:cNvSpPr>
+            <a:spLocks noGrp="1"/>
+          </p:cNvSpPr>
+          <p:nvPr>
+            <p:ph idx="1"/>
+          </p:nvPr>
+        </p:nvSpPr>
+        <p:spPr/>
+        <p:txBody>
+          <a:bodyPr>
+            <a:normAutofit fontScale="70000" lnSpcReduction="20000"/>
+          </a:bodyPr>
+          <a:lstStyle/>
+          <a:p>
+            <a:pPr>
+              <a:lnSpc>
+                <a:spcPct val="130000"/>
+              </a:lnSpc>
+              <a:spcBef>
+                <a:spcPts val="600"/>
+              </a:spcBef>
+            </a:pPr>
+            <a:r>
+              <a:rPr lang="en-US" dirty="0" smtClean="0"/>
+              <a:t>Given a partially assembled board (either a single patches or set of patches), continue applying the greedy choice until all patches are placed.</a:t>
+            </a:r>
+          </a:p>
+          <a:p>
+            <a:pPr marL="457200" lvl="1" indent="0">
+              <a:lnSpc>
+                <a:spcPct val="140000"/>
+              </a:lnSpc>
+              <a:spcBef>
+                <a:spcPts val="600"/>
+              </a:spcBef>
+              <a:buNone/>
+            </a:pPr>
+            <a:endParaRPr lang="en-US" sz="400" dirty="0"/>
+          </a:p>
+          <a:p>
+            <a:pPr>
+              <a:lnSpc>
+                <a:spcPct val="130000"/>
+              </a:lnSpc>
+              <a:spcBef>
+                <a:spcPts val="600"/>
+              </a:spcBef>
+            </a:pPr>
+            <a:r>
+              <a:rPr lang="en-US" b="1" dirty="0" smtClean="0"/>
+              <a:t>Overview of the Greedy Choice</a:t>
+            </a:r>
+            <a:r>
+              <a:rPr lang="en-US" dirty="0" smtClean="0"/>
+              <a:t>:</a:t>
+            </a:r>
+          </a:p>
+          <a:p>
+            <a:pPr lvl="1">
+              <a:lnSpc>
+                <a:spcPct val="130000"/>
+              </a:lnSpc>
+              <a:spcBef>
+                <a:spcPts val="600"/>
+              </a:spcBef>
+            </a:pPr>
+            <a:r>
+              <a:rPr lang="en-US" dirty="0" smtClean="0"/>
+              <a:t>Board dimensions are known in advance and fixed</a:t>
+            </a:r>
+          </a:p>
+          <a:p>
+            <a:pPr marL="457200" lvl="1" indent="0">
+              <a:lnSpc>
+                <a:spcPct val="130000"/>
+              </a:lnSpc>
+              <a:spcBef>
+                <a:spcPts val="600"/>
+              </a:spcBef>
+              <a:buNone/>
+            </a:pPr>
+            <a:endParaRPr lang="en-US" sz="500" dirty="0"/>
+          </a:p>
+          <a:p>
+            <a:pPr lvl="1">
+              <a:lnSpc>
+                <a:spcPct val="130000"/>
+              </a:lnSpc>
+              <a:spcBef>
+                <a:spcPts val="600"/>
+              </a:spcBef>
+            </a:pPr>
+            <a:r>
+              <a:rPr lang="en-US" dirty="0" smtClean="0"/>
+              <a:t>Board locations with a higher number of occupied neighbors are preferred as the choice of the next piece is more informed.</a:t>
+            </a:r>
+          </a:p>
+          <a:p>
+            <a:pPr marL="457200" lvl="1" indent="0">
+              <a:lnSpc>
+                <a:spcPct val="130000"/>
+              </a:lnSpc>
+              <a:spcBef>
+                <a:spcPts val="600"/>
+              </a:spcBef>
+              <a:buNone/>
+            </a:pPr>
+            <a:endParaRPr lang="en-US" sz="500" dirty="0" smtClean="0"/>
+          </a:p>
+          <a:p>
+            <a:pPr lvl="1">
+              <a:lnSpc>
+                <a:spcPct val="130000"/>
+              </a:lnSpc>
+              <a:spcBef>
+                <a:spcPts val="600"/>
+              </a:spcBef>
+            </a:pPr>
+            <a:r>
+              <a:rPr lang="en-US" dirty="0" smtClean="0"/>
+              <a:t>Patch selection criteria:</a:t>
+            </a:r>
+          </a:p>
+          <a:p>
+            <a:pPr lvl="2">
+              <a:lnSpc>
+                <a:spcPct val="130000"/>
+              </a:lnSpc>
+              <a:spcBef>
+                <a:spcPts val="600"/>
+              </a:spcBef>
+            </a:pPr>
+            <a:r>
+              <a:rPr lang="en-US" i="1" dirty="0" smtClean="0">
+                <a:solidFill>
+                  <a:srgbClr val="006600"/>
+                </a:solidFill>
+              </a:rPr>
+              <a:t>Primary Criteria</a:t>
+            </a:r>
+            <a:r>
+              <a:rPr lang="en-US" dirty="0" smtClean="0"/>
+              <a:t>: Prefer a “best buddy” first.</a:t>
+            </a:r>
+          </a:p>
+          <a:p>
+            <a:pPr lvl="2">
+              <a:lnSpc>
+                <a:spcPct val="130000"/>
+              </a:lnSpc>
+              <a:spcBef>
+                <a:spcPts val="600"/>
+              </a:spcBef>
+            </a:pPr>
+            <a:r>
+              <a:rPr lang="en-US" i="1" dirty="0" smtClean="0">
+                <a:solidFill>
+                  <a:srgbClr val="006600"/>
+                </a:solidFill>
+              </a:rPr>
+              <a:t>Secondary Criteria</a:t>
+            </a:r>
+            <a:r>
+              <a:rPr lang="en-US" dirty="0" smtClean="0"/>
+              <a:t>: If no or multiple patches satisfy the primary criteria, select the patch with the highest compatibility score.</a:t>
+            </a:r>
+          </a:p>
+          <a:p>
+            <a:pPr lvl="2">
+              <a:lnSpc>
+                <a:spcPct val="130000"/>
+              </a:lnSpc>
+              <a:spcBef>
+                <a:spcPts val="600"/>
+              </a:spcBef>
+            </a:pPr>
+            <a:endParaRPr lang="en-US" dirty="0" smtClean="0"/>
+          </a:p>
+          <a:p>
+            <a:pPr>
+              <a:lnSpc>
+                <a:spcPct val="130000"/>
+              </a:lnSpc>
+              <a:spcBef>
+                <a:spcPts val="600"/>
+              </a:spcBef>
+            </a:pPr>
+            <a:r>
+              <a:rPr lang="en-US" b="1" dirty="0" smtClean="0"/>
+              <a:t>Question: </a:t>
+            </a:r>
+            <a:r>
+              <a:rPr lang="en-US" dirty="0" smtClean="0"/>
+              <a:t>Why is a placer not enough? </a:t>
+            </a:r>
+          </a:p>
+          <a:p>
+            <a:pPr>
+              <a:lnSpc>
+                <a:spcPct val="130000"/>
+              </a:lnSpc>
+              <a:spcBef>
+                <a:spcPts val="600"/>
+              </a:spcBef>
+            </a:pPr>
+            <a:r>
+              <a:rPr lang="en-US" b="1" dirty="0" smtClean="0"/>
+              <a:t>Answer: </a:t>
+            </a:r>
+            <a:r>
+              <a:rPr lang="en-US" dirty="0" smtClean="0"/>
+              <a:t>It works solely on local information.  To get the best results, we must also look at the global solution as a whole.</a:t>
+            </a:r>
+            <a:endParaRPr lang="en-US" dirty="0"/>
+          </a:p>
+        </p:txBody>
+      </p:sp>
+    </p:spTree>
+    <p:extLst>
+      <p:ext uri="{BB962C8B-B14F-4D97-AF65-F5344CB8AC3E}">
+        <p14:creationId xmlns:p14="http://schemas.microsoft.com/office/powerpoint/2010/main" val="260086172"/>
+      </p:ext>
+    </p:extLst>
+  </p:cSld>
+  <p:clrMapOvr>
+    <a:masterClrMapping/>
+  </p:clrMapOvr>
+  <p:timing>
+    <p:tnLst>
+      <p:par>
+        <p:cTn id="1" dur="indefinite" restart="never" nodeType="tmRoot"/>
+      </p:par>
+    </p:tnLst>
+  </p:timing>
+</p:sld>
+</file>
+
+<file path=ppt/slides/slide27.xml><?xml version="1.0" encoding="utf-8"?>
 <p:sld xmlns:a="http://schemas.openxmlformats.org/drawingml/2006/main" xmlns:r="http://schemas.openxmlformats.org/officeDocument/2006/relationships" xmlns:p="http://schemas.openxmlformats.org/presentationml/2006/main">
   <p:cSld>
     <p:spTree>
@@ -7151,8 +9420,12 @@
           <a:lstStyle/>
           <a:p>
             <a:r>
+              <a:rPr lang="en-US" dirty="0" err="1" smtClean="0"/>
+              <a:t>Segmenter</a:t>
+            </a:r>
+            <a:r>
               <a:rPr lang="en-US" dirty="0" smtClean="0"/>
-              <a:t>Loopy Belief Propagation Solver</a:t>
+              <a:t> Phase</a:t>
             </a:r>
             <a:endParaRPr lang="en-US" dirty="0"/>
           </a:p>
@@ -7174,8 +9447,12 @@
           <a:lstStyle/>
           <a:p>
             <a:r>
+              <a:rPr lang="en-US" b="1" dirty="0" smtClean="0"/>
+              <a:t>Definition of “Segments”</a:t>
+            </a:r>
+            <a:r>
               <a:rPr lang="en-US" dirty="0" smtClean="0"/>
-              <a:t>Coupled with the “Dense and Noisy” and “Spare and Accurate” techniques by [7].</a:t>
+              <a:t>: Areas of the puzzle that are assembled correctly.</a:t>
             </a:r>
           </a:p>
           <a:p>
@@ -7183,8 +9460,12 @@
           </a:p>
           <a:p>
             <a:r>
+              <a:rPr lang="en-US" b="1" dirty="0" smtClean="0"/>
+              <a:t>Procedure</a:t>
+            </a:r>
+            <a:r>
               <a:rPr lang="en-US" dirty="0" smtClean="0"/>
-              <a:t>Maximizes a probability function using loopy belief propagation.</a:t>
+              <a:t>: Use random seeds and a segmentation predicate based on the “best buddies” metric, use the region growing segmentation algorithm as described in [15].</a:t>
             </a:r>
           </a:p>
           <a:p>
@@ -7192,8 +9473,16 @@
           </a:p>
           <a:p>
             <a:r>
+              <a:rPr lang="en-US" b="1" dirty="0" smtClean="0"/>
+              <a:t>Accuracy of the </a:t>
+            </a:r>
+            <a:r>
+              <a:rPr lang="en-US" b="1" dirty="0" err="1" smtClean="0"/>
+              <a:t>Segmenter</a:t>
+            </a:r>
+            <a:r>
               <a:rPr lang="en-US" dirty="0" smtClean="0"/>
-              <a:t>Susceptible to local maxima so three random restarts are performed.</a:t>
+              <a:t>: 99.7%</a:t>
             </a:r>
             <a:endParaRPr lang="en-US" dirty="0"/>
           </a:p>
@@ -7202,7 +9491,7 @@
     </p:spTree>
     <p:extLst>
       <p:ext uri="{BB962C8B-B14F-4D97-AF65-F5344CB8AC3E}">
-        <p14:creationId xmlns:p14="http://schemas.microsoft.com/office/powerpoint/2010/main" val="674603872"/>
+        <p14:creationId xmlns:p14="http://schemas.microsoft.com/office/powerpoint/2010/main" val="852581605"/>
       </p:ext>
     </p:extLst>
   </p:cSld>
@@ -7219,7 +9508,229 @@
 </p:sld>
 </file>
 
-<file path=ppt/slides/slide22.xml><?xml version="1.0" encoding="utf-8"?>
+<file path=ppt/slides/slide28.xml><?xml version="1.0" encoding="utf-8"?>
+<p:sld xmlns:a="http://schemas.openxmlformats.org/drawingml/2006/main" xmlns:r="http://schemas.openxmlformats.org/officeDocument/2006/relationships" xmlns:p="http://schemas.openxmlformats.org/presentationml/2006/main">
+  <p:cSld>
+    <p:spTree>
+      <p:nvGrpSpPr>
+        <p:cNvPr id="1" name=""/>
+        <p:cNvGrpSpPr/>
+        <p:nvPr/>
+      </p:nvGrpSpPr>
+      <p:grpSpPr>
+        <a:xfrm>
+          <a:off x="0" y="0"/>
+          <a:ext cx="0" cy="0"/>
+          <a:chOff x="0" y="0"/>
+          <a:chExt cx="0" cy="0"/>
+        </a:xfrm>
+      </p:grpSpPr>
+      <p:sp>
+        <p:nvSpPr>
+          <p:cNvPr id="2" name="Title 1"/>
+          <p:cNvSpPr>
+            <a:spLocks noGrp="1"/>
+          </p:cNvSpPr>
+          <p:nvPr>
+            <p:ph type="title"/>
+          </p:nvPr>
+        </p:nvSpPr>
+        <p:spPr/>
+        <p:txBody>
+          <a:bodyPr>
+            <a:noAutofit/>
+          </a:bodyPr>
+          <a:lstStyle/>
+          <a:p>
+            <a:r>
+              <a:rPr lang="en-US" sz="3200" dirty="0" err="1" smtClean="0"/>
+              <a:t>Pomeranz’s</a:t>
+            </a:r>
+            <a:r>
+              <a:rPr lang="en-US" sz="3200" dirty="0" smtClean="0"/>
+              <a:t> Complete Algorithm</a:t>
+            </a:r>
+            <a:endParaRPr lang="en-US" sz="3200" dirty="0"/>
+          </a:p>
+        </p:txBody>
+      </p:sp>
+      <p:sp>
+        <p:nvSpPr>
+          <p:cNvPr id="3" name="Content Placeholder 2"/>
+          <p:cNvSpPr>
+            <a:spLocks noGrp="1"/>
+          </p:cNvSpPr>
+          <p:nvPr>
+            <p:ph idx="1"/>
+          </p:nvPr>
+        </p:nvSpPr>
+        <p:spPr/>
+        <p:txBody>
+          <a:bodyPr/>
+          <a:lstStyle/>
+          <a:p>
+            <a:pPr>
+              <a:lnSpc>
+                <a:spcPct val="110000"/>
+              </a:lnSpc>
+              <a:spcBef>
+                <a:spcPts val="1800"/>
+              </a:spcBef>
+            </a:pPr>
+            <a:r>
+              <a:rPr lang="en-US" b="1" i="1" dirty="0" smtClean="0">
+                <a:solidFill>
+                  <a:srgbClr val="006600"/>
+                </a:solidFill>
+              </a:rPr>
+              <a:t>Step #1</a:t>
+            </a:r>
+            <a:r>
+              <a:rPr lang="en-US" dirty="0" smtClean="0"/>
+              <a:t>: Select a single puzzle patch as the seed to placement phase.</a:t>
+            </a:r>
+          </a:p>
+          <a:p>
+            <a:pPr>
+              <a:lnSpc>
+                <a:spcPct val="110000"/>
+              </a:lnSpc>
+              <a:spcBef>
+                <a:spcPts val="1800"/>
+              </a:spcBef>
+            </a:pPr>
+            <a:r>
+              <a:rPr lang="en-US" b="1" i="1" dirty="0">
+                <a:solidFill>
+                  <a:srgbClr val="006600"/>
+                </a:solidFill>
+              </a:rPr>
+              <a:t>Step </a:t>
+            </a:r>
+            <a:r>
+              <a:rPr lang="en-US" b="1" i="1" dirty="0">
+                <a:solidFill>
+                  <a:srgbClr val="006600"/>
+                </a:solidFill>
+              </a:rPr>
+              <a:t>#2</a:t>
+            </a:r>
+            <a:r>
+              <a:rPr lang="en-US" dirty="0" smtClean="0"/>
+              <a:t>: Perform the placement phase around the seed.</a:t>
+            </a:r>
+          </a:p>
+          <a:p>
+            <a:pPr>
+              <a:lnSpc>
+                <a:spcPct val="110000"/>
+              </a:lnSpc>
+              <a:spcBef>
+                <a:spcPts val="1800"/>
+              </a:spcBef>
+            </a:pPr>
+            <a:r>
+              <a:rPr lang="en-US" b="1" i="1" dirty="0">
+                <a:solidFill>
+                  <a:srgbClr val="006600"/>
+                </a:solidFill>
+              </a:rPr>
+              <a:t>Step #3</a:t>
+            </a:r>
+            <a:r>
+              <a:rPr lang="en-US" dirty="0" smtClean="0"/>
+              <a:t>: Use the </a:t>
+            </a:r>
+            <a:r>
+              <a:rPr lang="en-US" dirty="0" err="1" smtClean="0"/>
+              <a:t>segmenter</a:t>
+            </a:r>
+            <a:r>
+              <a:rPr lang="en-US" dirty="0" smtClean="0"/>
+              <a:t> to partition the board.</a:t>
+            </a:r>
+          </a:p>
+          <a:p>
+            <a:pPr>
+              <a:lnSpc>
+                <a:spcPct val="110000"/>
+              </a:lnSpc>
+              <a:spcBef>
+                <a:spcPts val="1800"/>
+              </a:spcBef>
+            </a:pPr>
+            <a:r>
+              <a:rPr lang="en-US" b="1" i="1" dirty="0">
+                <a:solidFill>
+                  <a:srgbClr val="006600"/>
+                </a:solidFill>
+              </a:rPr>
+              <a:t>Step #4</a:t>
+            </a:r>
+            <a:r>
+              <a:rPr lang="en-US" dirty="0" smtClean="0"/>
+              <a:t>: Calculate the “best buddies” ratio.  If you are at a local maximum, stop.</a:t>
+            </a:r>
+          </a:p>
+          <a:p>
+            <a:pPr>
+              <a:lnSpc>
+                <a:spcPct val="110000"/>
+              </a:lnSpc>
+              <a:spcBef>
+                <a:spcPts val="1800"/>
+              </a:spcBef>
+            </a:pPr>
+            <a:r>
+              <a:rPr lang="en-US" b="1" i="1" dirty="0">
+                <a:solidFill>
+                  <a:srgbClr val="006600"/>
+                </a:solidFill>
+              </a:rPr>
+              <a:t>Step #5</a:t>
+            </a:r>
+            <a:r>
+              <a:rPr lang="en-US" dirty="0" smtClean="0"/>
+              <a:t>: Select the largest segment from step #3 and use it as the seed of the placement phase.  Return to step #2.</a:t>
+            </a:r>
+          </a:p>
+          <a:p>
+            <a:pPr lvl="1">
+              <a:lnSpc>
+                <a:spcPct val="110000"/>
+              </a:lnSpc>
+              <a:spcBef>
+                <a:spcPts val="1800"/>
+              </a:spcBef>
+            </a:pPr>
+            <a:r>
+              <a:rPr lang="en-US" dirty="0" smtClean="0"/>
+              <a:t>Performing this step is similar to shifting the largest segment.</a:t>
+            </a:r>
+          </a:p>
+        </p:txBody>
+      </p:sp>
+    </p:spTree>
+    <p:extLst>
+      <p:ext uri="{BB962C8B-B14F-4D97-AF65-F5344CB8AC3E}">
+        <p14:creationId xmlns:p14="http://schemas.microsoft.com/office/powerpoint/2010/main" val="2972052715"/>
+      </p:ext>
+    </p:extLst>
+  </p:cSld>
+  <p:clrMapOvr>
+    <a:masterClrMapping/>
+  </p:clrMapOvr>
+  <p:timing>
+    <p:tnLst>
+      <p:par>
+        <p:cTn id="1" dur="indefinite" restart="never" nodeType="tmRoot"/>
+      </p:par>
+    </p:tnLst>
+  </p:timing>
+</p:sld>
+</file>
+
+<file path=ppt/slides/slide29.xml><?xml version="1.0" encoding="utf-8"?>
 <p:sld xmlns:a="http://schemas.openxmlformats.org/drawingml/2006/main" xmlns:r="http://schemas.openxmlformats.org/officeDocument/2006/relationships" xmlns:p="http://schemas.openxmlformats.org/presentationml/2006/main">
   <p:cSld>
     <p:spTree>
@@ -7255,131 +9766,6 @@
           <a:p>
             <a:r>
               <a:rPr lang="en-US" dirty="0" smtClean="0"/>
-              <a:t>Generalized Greedy Algorithm</a:t>
-            </a:r>
-            <a:endParaRPr lang="en-US" dirty="0"/>
-          </a:p>
-        </p:txBody>
-      </p:sp>
-      <p:sp>
-        <p:nvSpPr>
-          <p:cNvPr id="3" name="Content Placeholder 2"/>
-          <p:cNvSpPr>
-            <a:spLocks noGrp="1"/>
-          </p:cNvSpPr>
-          <p:nvPr>
-            <p:ph idx="1"/>
-          </p:nvPr>
-        </p:nvSpPr>
-        <p:spPr/>
-        <p:txBody>
-          <a:bodyPr/>
-          <a:lstStyle/>
-          <a:p>
-            <a:r>
-              <a:rPr lang="en-US" dirty="0" smtClean="0"/>
-              <a:t>Proposed by </a:t>
-            </a:r>
-            <a:r>
-              <a:rPr lang="en-US" dirty="0" err="1" smtClean="0"/>
-              <a:t>Pomeranz</a:t>
-            </a:r>
-            <a:r>
-              <a:rPr lang="en-US" dirty="0" smtClean="0"/>
-              <a:t> </a:t>
-            </a:r>
-            <a:r>
-              <a:rPr lang="en-US" i="1" dirty="0" smtClean="0"/>
-              <a:t>et. al.</a:t>
-            </a:r>
-            <a:r>
-              <a:rPr lang="en-US" dirty="0" smtClean="0"/>
-              <a:t> in [10] in 2011.</a:t>
-            </a:r>
-          </a:p>
-          <a:p>
-            <a:endParaRPr lang="en-US" dirty="0"/>
-          </a:p>
-          <a:p>
-            <a:r>
-              <a:rPr lang="en-US" b="1" dirty="0" smtClean="0"/>
-              <a:t>Goal: </a:t>
-            </a:r>
-            <a:r>
-              <a:rPr lang="en-US" dirty="0" smtClean="0"/>
-              <a:t>Provide a computational framework for handling square jigsaw puzzles in reasonable time that does not rely on any prior knowledge or human intervention.</a:t>
-            </a:r>
-          </a:p>
-          <a:p>
-            <a:endParaRPr lang="en-US" dirty="0"/>
-          </a:p>
-          <a:p>
-            <a:endParaRPr lang="en-US" dirty="0" smtClean="0"/>
-          </a:p>
-          <a:p>
-            <a:endParaRPr lang="en-US" dirty="0"/>
-          </a:p>
-          <a:p>
-            <a:endParaRPr lang="en-US" dirty="0"/>
-          </a:p>
-        </p:txBody>
-      </p:sp>
-    </p:spTree>
-    <p:extLst>
-      <p:ext uri="{BB962C8B-B14F-4D97-AF65-F5344CB8AC3E}">
-        <p14:creationId xmlns:p14="http://schemas.microsoft.com/office/powerpoint/2010/main" val="2483816693"/>
-      </p:ext>
-    </p:extLst>
-  </p:cSld>
-  <p:clrMapOvr>
-    <a:masterClrMapping/>
-  </p:clrMapOvr>
-  <p:timing>
-    <p:tnLst>
-      <p:par>
-        <p:cTn id="1" dur="indefinite" restart="never" nodeType="tmRoot"/>
-      </p:par>
-    </p:tnLst>
-  </p:timing>
-</p:sld>
-</file>
-
-<file path=ppt/slides/slide23.xml><?xml version="1.0" encoding="utf-8"?>
-<p:sld xmlns:a="http://schemas.openxmlformats.org/drawingml/2006/main" xmlns:r="http://schemas.openxmlformats.org/officeDocument/2006/relationships" xmlns:p="http://schemas.openxmlformats.org/presentationml/2006/main">
-  <p:cSld>
-    <p:spTree>
-      <p:nvGrpSpPr>
-        <p:cNvPr id="1" name=""/>
-        <p:cNvGrpSpPr/>
-        <p:nvPr/>
-      </p:nvGrpSpPr>
-      <p:grpSpPr>
-        <a:xfrm>
-          <a:off x="0" y="0"/>
-          <a:ext cx="0" cy="0"/>
-          <a:chOff x="0" y="0"/>
-          <a:chExt cx="0" cy="0"/>
-        </a:xfrm>
-      </p:grpSpPr>
-      <p:sp>
-        <p:nvSpPr>
-          <p:cNvPr id="2" name="Title 1"/>
-          <p:cNvSpPr>
-            <a:spLocks noGrp="1"/>
-          </p:cNvSpPr>
-          <p:nvPr>
-            <p:ph type="title"/>
-          </p:nvPr>
-        </p:nvSpPr>
-        <p:spPr/>
-        <p:txBody>
-          <a:bodyPr>
-            <a:normAutofit fontScale="90000"/>
-          </a:bodyPr>
-          <a:lstStyle/>
-          <a:p>
-            <a:r>
-              <a:rPr lang="en-US" dirty="0" smtClean="0"/>
               <a:t>Measuring Solution Quality</a:t>
             </a:r>
             <a:endParaRPr lang="en-US" dirty="0"/>
@@ -7549,7 +9935,144 @@
 </p:sld>
 </file>
 
-<file path=ppt/slides/slide24.xml><?xml version="1.0" encoding="utf-8"?>
+<file path=ppt/slides/slide3.xml><?xml version="1.0" encoding="utf-8"?>
+<p:sld xmlns:a="http://schemas.openxmlformats.org/drawingml/2006/main" xmlns:r="http://schemas.openxmlformats.org/officeDocument/2006/relationships" xmlns:p="http://schemas.openxmlformats.org/presentationml/2006/main">
+  <p:cSld>
+    <p:spTree>
+      <p:nvGrpSpPr>
+        <p:cNvPr id="1" name=""/>
+        <p:cNvGrpSpPr/>
+        <p:nvPr/>
+      </p:nvGrpSpPr>
+      <p:grpSpPr>
+        <a:xfrm>
+          <a:off x="0" y="0"/>
+          <a:ext cx="0" cy="0"/>
+          <a:chOff x="0" y="0"/>
+          <a:chExt cx="0" cy="0"/>
+        </a:xfrm>
+      </p:grpSpPr>
+      <p:sp>
+        <p:nvSpPr>
+          <p:cNvPr id="16385" name="Title 1"/>
+          <p:cNvSpPr>
+            <a:spLocks noGrp="1"/>
+          </p:cNvSpPr>
+          <p:nvPr>
+            <p:ph type="title"/>
+          </p:nvPr>
+        </p:nvSpPr>
+        <p:spPr/>
+        <p:txBody>
+          <a:bodyPr>
+            <a:normAutofit fontScale="90000"/>
+          </a:bodyPr>
+          <a:lstStyle/>
+          <a:p>
+            <a:r>
+              <a:rPr lang="en-US" b="1" dirty="0" smtClean="0"/>
+              <a:t>Square Jigsaw Puzzle Example</a:t>
+            </a:r>
+          </a:p>
+        </p:txBody>
+      </p:sp>
+      <p:sp>
+        <p:nvSpPr>
+          <p:cNvPr id="16386" name="Content Placeholder 4"/>
+          <p:cNvSpPr>
+            <a:spLocks noGrp="1"/>
+          </p:cNvSpPr>
+          <p:nvPr>
+            <p:ph idx="1"/>
+          </p:nvPr>
+        </p:nvSpPr>
+        <p:spPr/>
+        <p:txBody>
+          <a:bodyPr/>
+          <a:lstStyle/>
+          <a:p>
+            <a:endParaRPr lang="en-US" dirty="0" smtClean="0"/>
+          </a:p>
+          <a:p>
+            <a:endParaRPr lang="en-US" dirty="0" smtClean="0"/>
+          </a:p>
+          <a:p>
+            <a:endParaRPr lang="en-US" dirty="0" smtClean="0"/>
+          </a:p>
+          <a:p>
+            <a:endParaRPr lang="en-US" dirty="0" smtClean="0"/>
+          </a:p>
+          <a:p>
+            <a:endParaRPr lang="en-US" dirty="0" smtClean="0"/>
+          </a:p>
+          <a:p>
+            <a:endParaRPr lang="en-US" dirty="0" smtClean="0"/>
+          </a:p>
+          <a:p>
+            <a:endParaRPr lang="en-US" dirty="0" smtClean="0"/>
+          </a:p>
+          <a:p>
+            <a:endParaRPr lang="en-US" dirty="0" smtClean="0"/>
+          </a:p>
+          <a:p>
+            <a:r>
+              <a:rPr lang="en-US" dirty="0" smtClean="0"/>
+              <a:t>Source image (left) is divided into 81 (9x9) uniform, square patches (center).  The goal is to organize the patches to reconstruct the source image (right).</a:t>
+            </a:r>
+          </a:p>
+          <a:p>
+            <a:endParaRPr lang="en-US" dirty="0" smtClean="0"/>
+          </a:p>
+        </p:txBody>
+      </p:sp>
+      <p:pic>
+        <p:nvPicPr>
+          <p:cNvPr id="16387" name="Picture 5" descr="Jigsaw Puzzle Example.png"/>
+          <p:cNvPicPr>
+            <a:picLocks noChangeAspect="1"/>
+          </p:cNvPicPr>
+          <p:nvPr/>
+        </p:nvPicPr>
+        <p:blipFill>
+          <a:blip r:embed="rId2"/>
+          <a:srcRect/>
+          <a:stretch>
+            <a:fillRect/>
+          </a:stretch>
+        </p:blipFill>
+        <p:spPr bwMode="auto">
+          <a:xfrm>
+            <a:off x="609600" y="1676400"/>
+            <a:ext cx="7239000" cy="2471738"/>
+          </a:xfrm>
+          <a:prstGeom prst="rect">
+            <a:avLst/>
+          </a:prstGeom>
+          <a:noFill/>
+          <a:ln w="9525">
+            <a:noFill/>
+            <a:miter lim="800000"/>
+            <a:headEnd/>
+            <a:tailEnd/>
+          </a:ln>
+        </p:spPr>
+      </p:pic>
+    </p:spTree>
+  </p:cSld>
+  <p:clrMapOvr>
+    <a:masterClrMapping/>
+  </p:clrMapOvr>
+  <p:timing>
+    <p:tnLst>
+      <p:par>
+        <p:cTn id="1" dur="indefinite" restart="never" nodeType="tmRoot"/>
+      </p:par>
+    </p:tnLst>
+  </p:timing>
+</p:sld>
+</file>
+
+<file path=ppt/slides/slide30.xml><?xml version="1.0" encoding="utf-8"?>
 <p:sld xmlns:a="http://schemas.openxmlformats.org/drawingml/2006/main" xmlns:r="http://schemas.openxmlformats.org/officeDocument/2006/relationships" xmlns:p="http://schemas.openxmlformats.org/presentationml/2006/main">
   <p:cSld>
     <p:spTree>
@@ -7788,7 +10311,7 @@
 </p:sld>
 </file>
 
-<file path=ppt/slides/slide25.xml><?xml version="1.0" encoding="utf-8"?>
+<file path=ppt/slides/slide31.xml><?xml version="1.0" encoding="utf-8"?>
 <p:sld xmlns:a="http://schemas.openxmlformats.org/drawingml/2006/main" xmlns:r="http://schemas.openxmlformats.org/officeDocument/2006/relationships" xmlns:p="http://schemas.openxmlformats.org/presentationml/2006/main">
   <p:cSld>
     <p:spTree>
@@ -8667,7 +11190,7 @@
 </p:sld>
 </file>
 
-<file path=ppt/slides/slide26.xml><?xml version="1.0" encoding="utf-8"?>
+<file path=ppt/slides/slide32.xml><?xml version="1.0" encoding="utf-8"?>
 <p:sld xmlns:a="http://schemas.openxmlformats.org/drawingml/2006/main" xmlns:r="http://schemas.openxmlformats.org/officeDocument/2006/relationships" xmlns:p="http://schemas.openxmlformats.org/presentationml/2006/main">
   <p:cSld>
     <p:spTree>
@@ -9471,7 +11994,7 @@
 </p:sld>
 </file>
 
-<file path=ppt/slides/slide27.xml><?xml version="1.0" encoding="utf-8"?>
+<file path=ppt/slides/slide33.xml><?xml version="1.0" encoding="utf-8"?>
 <p:sld xmlns:a="http://schemas.openxmlformats.org/drawingml/2006/main" xmlns:r="http://schemas.openxmlformats.org/officeDocument/2006/relationships" xmlns:p="http://schemas.openxmlformats.org/presentationml/2006/main">
   <p:cSld>
     <p:spTree>
@@ -9525,14 +12048,14 @@
           <p:nvPr>
             <p:extLst>
               <p:ext uri="{D42A27DB-BD31-4B8C-83A1-F6EECF244321}">
-                <p14:modId xmlns:p14="http://schemas.microsoft.com/office/powerpoint/2010/main" val="1927998978"/>
+                <p14:modId xmlns:p14="http://schemas.microsoft.com/office/powerpoint/2010/main" val="2786423261"/>
               </p:ext>
             </p:extLst>
           </p:nvPr>
         </p:nvGraphicFramePr>
         <p:xfrm>
           <a:off x="587230" y="1006680"/>
-          <a:ext cx="8204432" cy="4534430"/>
+          <a:ext cx="8204432" cy="4754880"/>
         </p:xfrm>
         <a:graphic>
           <a:graphicData uri="http://schemas.openxmlformats.org/drawingml/2006/table">
@@ -10000,6 +12523,15 @@
                           <a:spcPts val="0"/>
                         </a:spcAft>
                       </a:pPr>
+                      <a:r>
+                        <a:rPr lang="en-US" b="0" dirty="0" smtClean="0">
+                          <a:solidFill>
+                            <a:schemeClr val="tx1"/>
+                          </a:solidFill>
+                          <a:latin typeface="+mn-lt"/>
+                        </a:rPr>
+                        <a:t>[15]</a:t>
+                      </a:r>
                       <a:endParaRPr lang="en-US" b="0" dirty="0">
                         <a:solidFill>
                           <a:schemeClr val="tx1"/>
@@ -10020,6 +12552,54 @@
                           <a:spcPts val="0"/>
                         </a:spcAft>
                       </a:pPr>
+                      <a:r>
+                        <a:rPr lang="en-US" sz="1800" b="0" i="0" kern="1200" dirty="0" err="1" smtClean="0">
+                          <a:solidFill>
+                            <a:schemeClr val="dk1"/>
+                          </a:solidFill>
+                          <a:effectLst/>
+                          <a:latin typeface="+mn-lt"/>
+                          <a:ea typeface="+mn-ea"/>
+                          <a:cs typeface="+mn-cs"/>
+                        </a:rPr>
+                        <a:t>Ioannis</a:t>
+                      </a:r>
+                      <a:r>
+                        <a:rPr lang="en-US" sz="1800" b="0" i="0" kern="1200" dirty="0" smtClean="0">
+                          <a:solidFill>
+                            <a:schemeClr val="dk1"/>
+                          </a:solidFill>
+                          <a:effectLst/>
+                          <a:latin typeface="+mn-lt"/>
+                          <a:ea typeface="+mn-ea"/>
+                          <a:cs typeface="+mn-cs"/>
+                        </a:rPr>
+                        <a:t> Pitas. 2000. </a:t>
+                      </a:r>
+                      <a:r>
+                        <a:rPr lang="en-US" sz="1800" b="0" i="1" kern="1200" dirty="0" smtClean="0">
+                          <a:solidFill>
+                            <a:schemeClr val="dk1"/>
+                          </a:solidFill>
+                          <a:effectLst/>
+                          <a:latin typeface="+mn-lt"/>
+                          <a:ea typeface="+mn-ea"/>
+                          <a:cs typeface="+mn-cs"/>
+                        </a:rPr>
+                        <a:t>Digital Image Processing Algorithms and Applications</a:t>
+                      </a:r>
+                      <a:r>
+                        <a:rPr lang="en-US" sz="1800" b="0" i="0" kern="1200" dirty="0" smtClean="0">
+                          <a:solidFill>
+                            <a:schemeClr val="dk1"/>
+                          </a:solidFill>
+                          <a:effectLst/>
+                          <a:latin typeface="+mn-lt"/>
+                          <a:ea typeface="+mn-ea"/>
+                          <a:cs typeface="+mn-cs"/>
+                        </a:rPr>
+                        <a:t> (1st ed.). John Wiley &amp; Sons, Inc., New York, NY, USA.</a:t>
+                      </a:r>
                       <a:endParaRPr lang="en-US" sz="1800" b="0" dirty="0">
                         <a:solidFill>
                           <a:schemeClr val="tx1"/>
@@ -10041,143 +12621,6 @@
         <p14:creationId xmlns:p14="http://schemas.microsoft.com/office/powerpoint/2010/main" val="3645381260"/>
       </p:ext>
     </p:extLst>
-  </p:cSld>
-  <p:clrMapOvr>
-    <a:masterClrMapping/>
-  </p:clrMapOvr>
-  <p:timing>
-    <p:tnLst>
-      <p:par>
-        <p:cTn id="1" dur="indefinite" restart="never" nodeType="tmRoot"/>
-      </p:par>
-    </p:tnLst>
-  </p:timing>
-</p:sld>
-</file>
-
-<file path=ppt/slides/slide3.xml><?xml version="1.0" encoding="utf-8"?>
-<p:sld xmlns:a="http://schemas.openxmlformats.org/drawingml/2006/main" xmlns:r="http://schemas.openxmlformats.org/officeDocument/2006/relationships" xmlns:p="http://schemas.openxmlformats.org/presentationml/2006/main">
-  <p:cSld>
-    <p:spTree>
-      <p:nvGrpSpPr>
-        <p:cNvPr id="1" name=""/>
-        <p:cNvGrpSpPr/>
-        <p:nvPr/>
-      </p:nvGrpSpPr>
-      <p:grpSpPr>
-        <a:xfrm>
-          <a:off x="0" y="0"/>
-          <a:ext cx="0" cy="0"/>
-          <a:chOff x="0" y="0"/>
-          <a:chExt cx="0" cy="0"/>
-        </a:xfrm>
-      </p:grpSpPr>
-      <p:sp>
-        <p:nvSpPr>
-          <p:cNvPr id="16385" name="Title 1"/>
-          <p:cNvSpPr>
-            <a:spLocks noGrp="1"/>
-          </p:cNvSpPr>
-          <p:nvPr>
-            <p:ph type="title"/>
-          </p:nvPr>
-        </p:nvSpPr>
-        <p:spPr/>
-        <p:txBody>
-          <a:bodyPr>
-            <a:normAutofit fontScale="90000"/>
-          </a:bodyPr>
-          <a:lstStyle/>
-          <a:p>
-            <a:r>
-              <a:rPr lang="en-US" b="1" dirty="0" smtClean="0"/>
-              <a:t>Square Jigsaw Puzzle Example</a:t>
-            </a:r>
-          </a:p>
-        </p:txBody>
-      </p:sp>
-      <p:sp>
-        <p:nvSpPr>
-          <p:cNvPr id="16386" name="Content Placeholder 4"/>
-          <p:cNvSpPr>
-            <a:spLocks noGrp="1"/>
-          </p:cNvSpPr>
-          <p:nvPr>
-            <p:ph idx="1"/>
-          </p:nvPr>
-        </p:nvSpPr>
-        <p:spPr/>
-        <p:txBody>
-          <a:bodyPr/>
-          <a:lstStyle/>
-          <a:p>
-            <a:endParaRPr lang="en-US" dirty="0" smtClean="0"/>
-          </a:p>
-          <a:p>
-            <a:endParaRPr lang="en-US" dirty="0" smtClean="0"/>
-          </a:p>
-          <a:p>
-            <a:endParaRPr lang="en-US" dirty="0" smtClean="0"/>
-          </a:p>
-          <a:p>
-            <a:endParaRPr lang="en-US" dirty="0" smtClean="0"/>
-          </a:p>
-          <a:p>
-            <a:endParaRPr lang="en-US" dirty="0" smtClean="0"/>
-          </a:p>
-          <a:p>
-            <a:endParaRPr lang="en-US" dirty="0" smtClean="0"/>
-          </a:p>
-          <a:p>
-            <a:endParaRPr lang="en-US" dirty="0" smtClean="0"/>
-          </a:p>
-          <a:p>
-            <a:endParaRPr lang="en-US" dirty="0" smtClean="0"/>
-          </a:p>
-          <a:p>
-            <a:r>
-              <a:rPr lang="en-US" dirty="0" smtClean="0"/>
-              <a:t>Source image (left) is divided into 81 (9x9) uniform, square patches (center).  The goal is to organize the patches to reconstruct the source image (right).</a:t>
-            </a:r>
-          </a:p>
-          <a:p>
-            <a:endParaRPr lang="en-US" dirty="0" smtClean="0"/>
-          </a:p>
-        </p:txBody>
-      </p:sp>
-      <p:pic>
-        <p:nvPicPr>
-          <p:cNvPr id="16387" name="Picture 5" descr="Jigsaw Puzzle Example.png"/>
-          <p:cNvPicPr>
-            <a:picLocks noChangeAspect="1"/>
-          </p:cNvPicPr>
-          <p:nvPr/>
-        </p:nvPicPr>
-        <p:blipFill>
-          <a:blip r:embed="rId2"/>
-          <a:srcRect/>
-          <a:stretch>
-            <a:fillRect/>
-          </a:stretch>
-        </p:blipFill>
-        <p:spPr bwMode="auto">
-          <a:xfrm>
-            <a:off x="609600" y="1676400"/>
-            <a:ext cx="7239000" cy="2471738"/>
-          </a:xfrm>
-          <a:prstGeom prst="rect">
-            <a:avLst/>
-          </a:prstGeom>
-          <a:noFill/>
-          <a:ln w="9525">
-            <a:noFill/>
-            <a:miter lim="800000"/>
-            <a:headEnd/>
-            <a:tailEnd/>
-          </a:ln>
-        </p:spPr>
-      </p:pic>
-    </p:spTree>
   </p:cSld>
   <p:clrMapOvr>
     <a:masterClrMapping/>
@@ -11716,7 +14159,7 @@
             <p:spPr/>
             <p:txBody>
               <a:bodyPr>
-                <a:normAutofit/>
+                <a:normAutofit lnSpcReduction="10000"/>
               </a:bodyPr>
               <a:lstStyle/>
               <a:p>
@@ -11781,6 +14224,17 @@
                   <a:rPr lang="en-US" dirty="0" smtClean="0"/>
                   <a:t> norm.</a:t>
                 </a:r>
+              </a:p>
+              <a:p>
+                <a:pPr>
+                  <a:lnSpc>
+                    <a:spcPct val="120000"/>
+                  </a:lnSpc>
+                  <a:spcBef>
+                    <a:spcPts val="600"/>
+                  </a:spcBef>
+                </a:pPr>
+                <a:endParaRPr lang="en-US" sz="400" dirty="0" smtClean="0"/>
               </a:p>
               <a:p>
                 <a:pPr marL="0" indent="0">
@@ -12353,7 +14807,7 @@
               <a:blipFill rotWithShape="1">
                 <a:blip r:embed="rId3"/>
                 <a:stretch>
-                  <a:fillRect l="-963" t="-119" b="-119"/>
+                  <a:fillRect l="-963" t="-593"/>
                 </a:stretch>
               </a:blipFill>
             </p:spPr>

--- a/Papers/Zayd_Hammoudeh_-_Square_Jigsaw_Puzzle_Problem_Literature_Review.pptx
+++ b/Papers/Zayd_Hammoudeh_-_Square_Jigsaw_Puzzle_Problem_Literature_Review.pptx
@@ -5,7 +5,7 @@
     <p:sldMasterId id="2147483751" r:id="rId1"/>
   </p:sldMasterIdLst>
   <p:notesMasterIdLst>
-    <p:notesMasterId r:id="rId43"/>
+    <p:notesMasterId r:id="rId48"/>
   </p:notesMasterIdLst>
   <p:sldIdLst>
     <p:sldId id="256" r:id="rId2"/>
@@ -19,36 +19,41 @@
     <p:sldId id="324" r:id="rId10"/>
     <p:sldId id="325" r:id="rId11"/>
     <p:sldId id="326" r:id="rId12"/>
-    <p:sldId id="328" r:id="rId13"/>
-    <p:sldId id="309" r:id="rId14"/>
-    <p:sldId id="327" r:id="rId15"/>
-    <p:sldId id="310" r:id="rId16"/>
-    <p:sldId id="333" r:id="rId17"/>
-    <p:sldId id="334" r:id="rId18"/>
-    <p:sldId id="335" r:id="rId19"/>
-    <p:sldId id="318" r:id="rId20"/>
-    <p:sldId id="306" r:id="rId21"/>
-    <p:sldId id="313" r:id="rId22"/>
-    <p:sldId id="314" r:id="rId23"/>
-    <p:sldId id="315" r:id="rId24"/>
-    <p:sldId id="316" r:id="rId25"/>
-    <p:sldId id="317" r:id="rId26"/>
-    <p:sldId id="320" r:id="rId27"/>
-    <p:sldId id="330" r:id="rId28"/>
-    <p:sldId id="331" r:id="rId29"/>
-    <p:sldId id="332" r:id="rId30"/>
-    <p:sldId id="336" r:id="rId31"/>
-    <p:sldId id="340" r:id="rId32"/>
-    <p:sldId id="342" r:id="rId33"/>
-    <p:sldId id="339" r:id="rId34"/>
-    <p:sldId id="321" r:id="rId35"/>
+    <p:sldId id="347" r:id="rId13"/>
+    <p:sldId id="348" r:id="rId14"/>
+    <p:sldId id="328" r:id="rId15"/>
+    <p:sldId id="309" r:id="rId16"/>
+    <p:sldId id="327" r:id="rId17"/>
+    <p:sldId id="310" r:id="rId18"/>
+    <p:sldId id="333" r:id="rId19"/>
+    <p:sldId id="334" r:id="rId20"/>
+    <p:sldId id="335" r:id="rId21"/>
+    <p:sldId id="318" r:id="rId22"/>
+    <p:sldId id="306" r:id="rId23"/>
+    <p:sldId id="313" r:id="rId24"/>
+    <p:sldId id="314" r:id="rId25"/>
+    <p:sldId id="315" r:id="rId26"/>
+    <p:sldId id="316" r:id="rId27"/>
+    <p:sldId id="317" r:id="rId28"/>
+    <p:sldId id="320" r:id="rId29"/>
+    <p:sldId id="330" r:id="rId30"/>
+    <p:sldId id="331" r:id="rId31"/>
+    <p:sldId id="332" r:id="rId32"/>
+    <p:sldId id="336" r:id="rId33"/>
+    <p:sldId id="340" r:id="rId34"/>
+    <p:sldId id="342" r:id="rId35"/>
     <p:sldId id="343" r:id="rId36"/>
-    <p:sldId id="341" r:id="rId37"/>
-    <p:sldId id="312" r:id="rId38"/>
-    <p:sldId id="303" r:id="rId39"/>
-    <p:sldId id="305" r:id="rId40"/>
-    <p:sldId id="319" r:id="rId41"/>
-    <p:sldId id="338" r:id="rId42"/>
+    <p:sldId id="344" r:id="rId37"/>
+    <p:sldId id="339" r:id="rId38"/>
+    <p:sldId id="321" r:id="rId39"/>
+    <p:sldId id="341" r:id="rId40"/>
+    <p:sldId id="345" r:id="rId41"/>
+    <p:sldId id="346" r:id="rId42"/>
+    <p:sldId id="312" r:id="rId43"/>
+    <p:sldId id="303" r:id="rId44"/>
+    <p:sldId id="305" r:id="rId45"/>
+    <p:sldId id="319" r:id="rId46"/>
+    <p:sldId id="338" r:id="rId47"/>
   </p:sldIdLst>
   <p:sldSz cx="9144000" cy="6858000" type="screen4x3"/>
   <p:notesSz cx="6858000" cy="9144000"/>
@@ -4378,8 +4383,8 @@
           </p:graphicFrame>
         </mc:Fallback>
       </mc:AlternateContent>
-      <mc:AlternateContent xmlns:mc="http://schemas.openxmlformats.org/markup-compatibility/2006" xmlns:a14="http://schemas.microsoft.com/office/drawing/2010/main">
-        <mc:Choice Requires="a14">
+      <mc:AlternateContent xmlns:mc="http://schemas.openxmlformats.org/markup-compatibility/2006">
+        <mc:Choice xmlns:a14="http://schemas.microsoft.com/office/drawing/2010/main" Requires="a14">
           <p:sp>
             <p:nvSpPr>
               <p:cNvPr id="5" name="TextBox 4"/>
@@ -4419,7 +4424,25 @@
                   <a:rPr lang="en-US" sz="2000" dirty="0" smtClean="0">
                     <a:latin typeface="+mj-lt"/>
                   </a:rPr>
-                  <a:t> in [10] compared the accuracy of the three compatibility metrics on 20 images in a test dataset.</a:t>
+                  <a:t> </a:t>
+                </a:r>
+                <a:r>
+                  <a:rPr lang="en-US" sz="2000" i="1" dirty="0" smtClean="0">
+                    <a:latin typeface="+mj-lt"/>
+                  </a:rPr>
+                  <a:t>et. al.</a:t>
+                </a:r>
+                <a:r>
+                  <a:rPr lang="en-US" sz="2000" dirty="0" smtClean="0">
+                    <a:latin typeface="+mj-lt"/>
+                  </a:rPr>
+                  <a:t> in </a:t>
+                </a:r>
+                <a:r>
+                  <a:rPr lang="en-US" sz="2000" dirty="0" smtClean="0">
+                    <a:latin typeface="+mj-lt"/>
+                  </a:rPr>
+                  <a:t>[10] compared the accuracy of the three compatibility metrics on 20 images in a test dataset.</a:t>
                 </a:r>
               </a:p>
               <a:p>
@@ -4547,7 +4570,7 @@
             </p:txBody>
           </p:sp>
         </mc:Choice>
-        <mc:Fallback xmlns="">
+        <mc:Fallback>
           <p:sp>
             <p:nvSpPr>
               <p:cNvPr id="5" name="TextBox 4"/>
@@ -4676,6 +4699,904 @@
           <a:p>
             <a:r>
               <a:rPr lang="en-US" dirty="0" smtClean="0"/>
+              <a:t>Asymmetric Dissimilarity</a:t>
+            </a:r>
+            <a:endParaRPr lang="en-US" dirty="0"/>
+          </a:p>
+        </p:txBody>
+      </p:sp>
+      <mc:AlternateContent xmlns:mc="http://schemas.openxmlformats.org/markup-compatibility/2006">
+        <mc:Choice xmlns:a14="http://schemas.microsoft.com/office/drawing/2010/main" Requires="a14">
+          <p:sp>
+            <p:nvSpPr>
+              <p:cNvPr id="3" name="Content Placeholder 2"/>
+              <p:cNvSpPr>
+                <a:spLocks noGrp="1"/>
+              </p:cNvSpPr>
+              <p:nvPr>
+                <p:ph idx="1"/>
+              </p:nvPr>
+            </p:nvSpPr>
+            <p:spPr/>
+            <p:txBody>
+              <a:bodyPr>
+                <a:normAutofit fontScale="92500"/>
+              </a:bodyPr>
+              <a:lstStyle/>
+              <a:p>
+                <a:r>
+                  <a:rPr lang="en-US" dirty="0" smtClean="0"/>
+                  <a:t>The previous definitions of pairwise affinity have been symmetrically similar such that:</a:t>
+                </a:r>
+              </a:p>
+              <a:p>
+                <a:endParaRPr lang="en-US" dirty="0"/>
+              </a:p>
+              <a:p>
+                <a:pPr marL="0" indent="0">
+                  <a:buNone/>
+                </a:pPr>
+                <a14:m>
+                  <m:oMathPara xmlns:m="http://schemas.openxmlformats.org/officeDocument/2006/math">
+                    <m:oMathParaPr>
+                      <m:jc m:val="centerGroup"/>
+                    </m:oMathParaPr>
+                    <m:oMath xmlns:m="http://schemas.openxmlformats.org/officeDocument/2006/math">
+                      <m:r>
+                        <a:rPr lang="en-US" b="0" i="1" smtClean="0">
+                          <a:latin typeface="Cambria Math"/>
+                        </a:rPr>
+                        <m:t>𝐷</m:t>
+                      </m:r>
+                      <m:d>
+                        <m:dPr>
+                          <m:ctrlPr>
+                            <a:rPr lang="en-US" b="0" i="1" smtClean="0">
+                              <a:latin typeface="Cambria Math"/>
+                            </a:rPr>
+                          </m:ctrlPr>
+                        </m:dPr>
+                        <m:e>
+                          <m:sSub>
+                            <m:sSubPr>
+                              <m:ctrlPr>
+                                <a:rPr lang="en-US" b="0" i="1" smtClean="0">
+                                  <a:latin typeface="Cambria Math"/>
+                                </a:rPr>
+                              </m:ctrlPr>
+                            </m:sSubPr>
+                            <m:e>
+                              <m:r>
+                                <a:rPr lang="en-US" b="0" i="1" smtClean="0">
+                                  <a:latin typeface="Cambria Math"/>
+                                </a:rPr>
+                                <m:t>𝑝</m:t>
+                              </m:r>
+                            </m:e>
+                            <m:sub>
+                              <m:r>
+                                <a:rPr lang="en-US" b="0" i="1" smtClean="0">
+                                  <a:latin typeface="Cambria Math"/>
+                                </a:rPr>
+                                <m:t>𝑖</m:t>
+                              </m:r>
+                            </m:sub>
+                          </m:sSub>
+                          <m:r>
+                            <a:rPr lang="en-US" b="0" i="1" smtClean="0">
+                              <a:latin typeface="Cambria Math"/>
+                            </a:rPr>
+                            <m:t>,</m:t>
+                          </m:r>
+                          <m:sSub>
+                            <m:sSubPr>
+                              <m:ctrlPr>
+                                <a:rPr lang="en-US" b="0" i="1" smtClean="0">
+                                  <a:latin typeface="Cambria Math"/>
+                                </a:rPr>
+                              </m:ctrlPr>
+                            </m:sSubPr>
+                            <m:e>
+                              <m:r>
+                                <a:rPr lang="en-US" b="0" i="1" smtClean="0">
+                                  <a:latin typeface="Cambria Math"/>
+                                </a:rPr>
+                                <m:t>𝑝</m:t>
+                              </m:r>
+                            </m:e>
+                            <m:sub>
+                              <m:r>
+                                <a:rPr lang="en-US" b="0" i="1" smtClean="0">
+                                  <a:latin typeface="Cambria Math"/>
+                                </a:rPr>
+                                <m:t>𝑗</m:t>
+                              </m:r>
+                            </m:sub>
+                          </m:sSub>
+                          <m:r>
+                            <a:rPr lang="en-US" b="0" i="1" smtClean="0">
+                              <a:latin typeface="Cambria Math"/>
+                            </a:rPr>
+                            <m:t>,</m:t>
+                          </m:r>
+                          <m:r>
+                            <a:rPr lang="en-US" b="0" i="1" smtClean="0">
+                              <a:latin typeface="Cambria Math"/>
+                            </a:rPr>
+                            <m:t>𝑟𝑖𝑔h𝑡</m:t>
+                          </m:r>
+                        </m:e>
+                      </m:d>
+                      <m:r>
+                        <a:rPr lang="en-US" b="0" i="1" smtClean="0">
+                          <a:latin typeface="Cambria Math"/>
+                        </a:rPr>
+                        <m:t>=</m:t>
+                      </m:r>
+                      <m:r>
+                        <a:rPr lang="en-US" b="0" i="1" smtClean="0">
+                          <a:latin typeface="Cambria Math"/>
+                        </a:rPr>
+                        <m:t>𝐷</m:t>
+                      </m:r>
+                      <m:r>
+                        <a:rPr lang="en-US" b="0" i="1" smtClean="0">
+                          <a:latin typeface="Cambria Math"/>
+                        </a:rPr>
+                        <m:t>(</m:t>
+                      </m:r>
+                      <m:sSub>
+                        <m:sSubPr>
+                          <m:ctrlPr>
+                            <a:rPr lang="en-US" b="0" i="1" smtClean="0">
+                              <a:latin typeface="Cambria Math"/>
+                            </a:rPr>
+                          </m:ctrlPr>
+                        </m:sSubPr>
+                        <m:e>
+                          <m:r>
+                            <a:rPr lang="en-US" b="0" i="1" smtClean="0">
+                              <a:latin typeface="Cambria Math"/>
+                            </a:rPr>
+                            <m:t>𝑝</m:t>
+                          </m:r>
+                        </m:e>
+                        <m:sub>
+                          <m:r>
+                            <a:rPr lang="en-US" b="0" i="1" smtClean="0">
+                              <a:latin typeface="Cambria Math"/>
+                            </a:rPr>
+                            <m:t>𝑗</m:t>
+                          </m:r>
+                        </m:sub>
+                      </m:sSub>
+                      <m:r>
+                        <a:rPr lang="en-US" b="0" i="1" smtClean="0">
+                          <a:latin typeface="Cambria Math"/>
+                        </a:rPr>
+                        <m:t>,</m:t>
+                      </m:r>
+                      <m:sSub>
+                        <m:sSubPr>
+                          <m:ctrlPr>
+                            <a:rPr lang="en-US" b="0" i="1" smtClean="0">
+                              <a:latin typeface="Cambria Math"/>
+                            </a:rPr>
+                          </m:ctrlPr>
+                        </m:sSubPr>
+                        <m:e>
+                          <m:r>
+                            <a:rPr lang="en-US" b="0" i="1" smtClean="0">
+                              <a:latin typeface="Cambria Math"/>
+                            </a:rPr>
+                            <m:t>𝑝</m:t>
+                          </m:r>
+                        </m:e>
+                        <m:sub>
+                          <m:r>
+                            <a:rPr lang="en-US" b="0" i="1" smtClean="0">
+                              <a:latin typeface="Cambria Math"/>
+                            </a:rPr>
+                            <m:t>𝑖</m:t>
+                          </m:r>
+                        </m:sub>
+                      </m:sSub>
+                      <m:r>
+                        <a:rPr lang="en-US" b="0" i="1" smtClean="0">
+                          <a:latin typeface="Cambria Math"/>
+                        </a:rPr>
+                        <m:t>,</m:t>
+                      </m:r>
+                      <m:r>
+                        <a:rPr lang="en-US" b="0" i="1" smtClean="0">
+                          <a:latin typeface="Cambria Math"/>
+                        </a:rPr>
+                        <m:t>𝑙𝑒𝑓𝑡</m:t>
+                      </m:r>
+                      <m:r>
+                        <a:rPr lang="en-US" b="0" i="1" smtClean="0">
+                          <a:latin typeface="Cambria Math"/>
+                        </a:rPr>
+                        <m:t>)</m:t>
+                      </m:r>
+                    </m:oMath>
+                  </m:oMathPara>
+                </a14:m>
+                <a:endParaRPr lang="en-US" dirty="0" smtClean="0"/>
+              </a:p>
+              <a:p>
+                <a:endParaRPr lang="en-US" dirty="0" smtClean="0"/>
+              </a:p>
+              <a:p>
+                <a:r>
+                  <a:rPr lang="en-US" dirty="0" smtClean="0"/>
+                  <a:t>[20] proposes using an asymmetric dissimilarity such that equality in the above equation does not hold.</a:t>
+                </a:r>
+              </a:p>
+              <a:p>
+                <a:endParaRPr lang="en-US" dirty="0"/>
+              </a:p>
+              <a:p>
+                <a:r>
+                  <a:rPr lang="en-US" dirty="0" smtClean="0"/>
+                  <a:t>One sided, </a:t>
+                </a:r>
+                <a14:m>
+                  <m:oMath xmlns:m="http://schemas.openxmlformats.org/officeDocument/2006/math">
+                    <m:sSub>
+                      <m:sSubPr>
+                        <m:ctrlPr>
+                          <a:rPr lang="en-US" b="0" i="1" smtClean="0">
+                            <a:latin typeface="Cambria Math"/>
+                          </a:rPr>
+                        </m:ctrlPr>
+                      </m:sSubPr>
+                      <m:e>
+                        <m:r>
+                          <a:rPr lang="en-US" b="0" i="1" smtClean="0">
+                            <a:latin typeface="Cambria Math"/>
+                          </a:rPr>
+                          <m:t>𝐿</m:t>
+                        </m:r>
+                      </m:e>
+                      <m:sub>
+                        <m:r>
+                          <a:rPr lang="en-US" b="0" i="1" smtClean="0">
+                            <a:latin typeface="Cambria Math"/>
+                          </a:rPr>
+                          <m:t>1</m:t>
+                        </m:r>
+                      </m:sub>
+                    </m:sSub>
+                  </m:oMath>
+                </a14:m>
+                <a:r>
+                  <a:rPr lang="en-US" dirty="0" smtClean="0"/>
+                  <a:t> version of </a:t>
+                </a:r>
+                <a:r>
+                  <a:rPr lang="en-US" dirty="0" err="1" smtClean="0"/>
+                  <a:t>Pomeranz</a:t>
+                </a:r>
+                <a:r>
+                  <a:rPr lang="en-US" dirty="0" smtClean="0"/>
+                  <a:t> </a:t>
+                </a:r>
+                <a:r>
+                  <a:rPr lang="en-US" i="1" dirty="0" smtClean="0"/>
+                  <a:t>et. al.</a:t>
+                </a:r>
+                <a:r>
+                  <a:rPr lang="en-US" dirty="0" smtClean="0"/>
+                  <a:t>’s prediction based distance as shown below:</a:t>
+                </a:r>
+              </a:p>
+              <a:p>
+                <a:endParaRPr lang="en-US" dirty="0"/>
+              </a:p>
+              <a:p>
+                <a:pPr marL="0" indent="0">
+                  <a:buNone/>
+                </a:pPr>
+                <a14:m>
+                  <m:oMathPara xmlns:m="http://schemas.openxmlformats.org/officeDocument/2006/math">
+                    <m:oMathParaPr>
+                      <m:jc m:val="centerGroup"/>
+                    </m:oMathParaPr>
+                    <m:oMath xmlns:m="http://schemas.openxmlformats.org/officeDocument/2006/math">
+                      <m:r>
+                        <a:rPr lang="en-US" sz="2200" b="0" i="1" smtClean="0">
+                          <a:latin typeface="Cambria Math"/>
+                        </a:rPr>
+                        <m:t>𝐷</m:t>
+                      </m:r>
+                      <m:d>
+                        <m:dPr>
+                          <m:ctrlPr>
+                            <a:rPr lang="en-US" sz="2200" b="0" i="1" smtClean="0">
+                              <a:latin typeface="Cambria Math"/>
+                            </a:rPr>
+                          </m:ctrlPr>
+                        </m:dPr>
+                        <m:e>
+                          <m:sSub>
+                            <m:sSubPr>
+                              <m:ctrlPr>
+                                <a:rPr lang="en-US" sz="2200" b="0" i="1" smtClean="0">
+                                  <a:latin typeface="Cambria Math"/>
+                                </a:rPr>
+                              </m:ctrlPr>
+                            </m:sSubPr>
+                            <m:e>
+                              <m:r>
+                                <a:rPr lang="en-US" sz="2200" b="0" i="1" smtClean="0">
+                                  <a:latin typeface="Cambria Math"/>
+                                </a:rPr>
+                                <m:t>𝑥</m:t>
+                              </m:r>
+                            </m:e>
+                            <m:sub>
+                              <m:r>
+                                <a:rPr lang="en-US" sz="2200" b="0" i="1" smtClean="0">
+                                  <a:latin typeface="Cambria Math"/>
+                                </a:rPr>
+                                <m:t>𝑖</m:t>
+                              </m:r>
+                            </m:sub>
+                          </m:sSub>
+                          <m:r>
+                            <a:rPr lang="en-US" sz="2200" b="0" i="1" smtClean="0">
+                              <a:latin typeface="Cambria Math"/>
+                            </a:rPr>
+                            <m:t>,</m:t>
+                          </m:r>
+                          <m:sSub>
+                            <m:sSubPr>
+                              <m:ctrlPr>
+                                <a:rPr lang="en-US" sz="2200" b="0" i="1" smtClean="0">
+                                  <a:latin typeface="Cambria Math"/>
+                                </a:rPr>
+                              </m:ctrlPr>
+                            </m:sSubPr>
+                            <m:e>
+                              <m:r>
+                                <a:rPr lang="en-US" sz="2200" b="0" i="1" smtClean="0">
+                                  <a:latin typeface="Cambria Math"/>
+                                </a:rPr>
+                                <m:t>𝑥</m:t>
+                              </m:r>
+                            </m:e>
+                            <m:sub>
+                              <m:r>
+                                <a:rPr lang="en-US" sz="2200" b="0" i="1" smtClean="0">
+                                  <a:latin typeface="Cambria Math"/>
+                                </a:rPr>
+                                <m:t>𝑗</m:t>
+                              </m:r>
+                            </m:sub>
+                          </m:sSub>
+                          <m:r>
+                            <a:rPr lang="en-US" sz="2200" b="0" i="1" smtClean="0">
+                              <a:latin typeface="Cambria Math"/>
+                            </a:rPr>
+                            <m:t>,</m:t>
+                          </m:r>
+                          <m:r>
+                            <a:rPr lang="en-US" sz="2200" b="0" i="1" smtClean="0">
+                              <a:latin typeface="Cambria Math"/>
+                            </a:rPr>
+                            <m:t>𝑟𝑖𝑔h𝑡</m:t>
+                          </m:r>
+                        </m:e>
+                      </m:d>
+                      <m:r>
+                        <a:rPr lang="en-US" sz="2200" b="0" i="1" smtClean="0">
+                          <a:latin typeface="Cambria Math"/>
+                        </a:rPr>
+                        <m:t>= </m:t>
+                      </m:r>
+                      <m:nary>
+                        <m:naryPr>
+                          <m:chr m:val="∑"/>
+                          <m:ctrlPr>
+                            <a:rPr lang="en-US" sz="2200" b="0" i="1" smtClean="0">
+                              <a:latin typeface="Cambria Math"/>
+                            </a:rPr>
+                          </m:ctrlPr>
+                        </m:naryPr>
+                        <m:sub>
+                          <m:r>
+                            <m:rPr>
+                              <m:brk m:alnAt="23"/>
+                            </m:rPr>
+                            <a:rPr lang="en-US" sz="2200" b="0" i="1" smtClean="0">
+                              <a:latin typeface="Cambria Math"/>
+                            </a:rPr>
+                            <m:t>𝑙</m:t>
+                          </m:r>
+                          <m:r>
+                            <a:rPr lang="en-US" sz="2200" b="0" i="1" smtClean="0">
+                              <a:latin typeface="Cambria Math"/>
+                            </a:rPr>
+                            <m:t>=1</m:t>
+                          </m:r>
+                        </m:sub>
+                        <m:sup>
+                          <m:r>
+                            <a:rPr lang="en-US" sz="2200" b="0" i="1" smtClean="0">
+                              <a:latin typeface="Cambria Math"/>
+                            </a:rPr>
+                            <m:t>𝐾</m:t>
+                          </m:r>
+                        </m:sup>
+                        <m:e>
+                          <m:nary>
+                            <m:naryPr>
+                              <m:chr m:val="∑"/>
+                              <m:ctrlPr>
+                                <a:rPr lang="en-US" sz="2200" b="0" i="1" smtClean="0">
+                                  <a:latin typeface="Cambria Math"/>
+                                </a:rPr>
+                              </m:ctrlPr>
+                            </m:naryPr>
+                            <m:sub>
+                              <m:r>
+                                <a:rPr lang="en-US" sz="2200" b="0" i="1" smtClean="0">
+                                  <a:latin typeface="Cambria Math"/>
+                                </a:rPr>
+                                <m:t>𝑑</m:t>
+                              </m:r>
+                              <m:r>
+                                <a:rPr lang="en-US" sz="2200" b="0" i="1" smtClean="0">
+                                  <a:latin typeface="Cambria Math"/>
+                                </a:rPr>
+                                <m:t>=1</m:t>
+                              </m:r>
+                            </m:sub>
+                            <m:sup>
+                              <m:r>
+                                <a:rPr lang="en-US" sz="2200" b="0" i="1" smtClean="0">
+                                  <a:latin typeface="Cambria Math"/>
+                                </a:rPr>
+                                <m:t>3</m:t>
+                              </m:r>
+                            </m:sup>
+                            <m:e>
+                              <m:d>
+                                <m:dPr>
+                                  <m:begChr m:val="‖"/>
+                                  <m:endChr m:val="‖"/>
+                                  <m:ctrlPr>
+                                    <a:rPr lang="en-US" sz="2200" b="0" i="1" smtClean="0">
+                                      <a:latin typeface="Cambria Math"/>
+                                    </a:rPr>
+                                  </m:ctrlPr>
+                                </m:dPr>
+                                <m:e>
+                                  <m:d>
+                                    <m:dPr>
+                                      <m:ctrlPr>
+                                        <a:rPr lang="en-US" sz="2200" i="1">
+                                          <a:latin typeface="Cambria Math"/>
+                                        </a:rPr>
+                                      </m:ctrlPr>
+                                    </m:dPr>
+                                    <m:e>
+                                      <m:r>
+                                        <a:rPr lang="en-US" sz="2200" i="1">
+                                          <a:latin typeface="Cambria Math"/>
+                                        </a:rPr>
+                                        <m:t>2∗</m:t>
+                                      </m:r>
+                                      <m:sSub>
+                                        <m:sSubPr>
+                                          <m:ctrlPr>
+                                            <a:rPr lang="en-US" sz="2200" i="1">
+                                              <a:latin typeface="Cambria Math"/>
+                                            </a:rPr>
+                                          </m:ctrlPr>
+                                        </m:sSubPr>
+                                        <m:e>
+                                          <m:r>
+                                            <a:rPr lang="en-US" sz="2200" i="1">
+                                              <a:latin typeface="Cambria Math"/>
+                                            </a:rPr>
+                                            <m:t>𝑥</m:t>
+                                          </m:r>
+                                        </m:e>
+                                        <m:sub>
+                                          <m:r>
+                                            <a:rPr lang="en-US" sz="2200" i="1">
+                                              <a:latin typeface="Cambria Math"/>
+                                            </a:rPr>
+                                            <m:t>𝑖</m:t>
+                                          </m:r>
+                                        </m:sub>
+                                      </m:sSub>
+                                      <m:d>
+                                        <m:dPr>
+                                          <m:ctrlPr>
+                                            <a:rPr lang="en-US" sz="2200" i="1">
+                                              <a:latin typeface="Cambria Math"/>
+                                            </a:rPr>
+                                          </m:ctrlPr>
+                                        </m:dPr>
+                                        <m:e>
+                                          <m:r>
+                                            <a:rPr lang="en-US" sz="2200" i="1">
+                                              <a:latin typeface="Cambria Math"/>
+                                            </a:rPr>
+                                            <m:t>𝑙</m:t>
+                                          </m:r>
+                                          <m:r>
+                                            <a:rPr lang="en-US" sz="2200" i="1">
+                                              <a:latin typeface="Cambria Math"/>
+                                            </a:rPr>
+                                            <m:t>,</m:t>
+                                          </m:r>
+                                          <m:r>
+                                            <a:rPr lang="en-US" sz="2200" i="1">
+                                              <a:latin typeface="Cambria Math"/>
+                                            </a:rPr>
+                                            <m:t>𝐾</m:t>
+                                          </m:r>
+                                          <m:r>
+                                            <a:rPr lang="en-US" sz="2200" i="1">
+                                              <a:latin typeface="Cambria Math"/>
+                                            </a:rPr>
+                                            <m:t>,</m:t>
+                                          </m:r>
+                                          <m:r>
+                                            <a:rPr lang="en-US" sz="2200" i="1">
+                                              <a:latin typeface="Cambria Math"/>
+                                            </a:rPr>
+                                            <m:t>𝑑</m:t>
+                                          </m:r>
+                                        </m:e>
+                                      </m:d>
+                                      <m:r>
+                                        <a:rPr lang="en-US" sz="2200" i="1">
+                                          <a:latin typeface="Cambria Math"/>
+                                        </a:rPr>
+                                        <m:t>−</m:t>
+                                      </m:r>
+                                      <m:sSub>
+                                        <m:sSubPr>
+                                          <m:ctrlPr>
+                                            <a:rPr lang="en-US" sz="2200" i="1">
+                                              <a:latin typeface="Cambria Math"/>
+                                            </a:rPr>
+                                          </m:ctrlPr>
+                                        </m:sSubPr>
+                                        <m:e>
+                                          <m:r>
+                                            <a:rPr lang="en-US" sz="2200" i="1">
+                                              <a:latin typeface="Cambria Math"/>
+                                            </a:rPr>
+                                            <m:t>𝑥</m:t>
+                                          </m:r>
+                                        </m:e>
+                                        <m:sub>
+                                          <m:r>
+                                            <a:rPr lang="en-US" sz="2200" i="1">
+                                              <a:latin typeface="Cambria Math"/>
+                                            </a:rPr>
+                                            <m:t>𝑖</m:t>
+                                          </m:r>
+                                        </m:sub>
+                                      </m:sSub>
+                                      <m:d>
+                                        <m:dPr>
+                                          <m:ctrlPr>
+                                            <a:rPr lang="en-US" sz="2200" i="1">
+                                              <a:latin typeface="Cambria Math"/>
+                                            </a:rPr>
+                                          </m:ctrlPr>
+                                        </m:dPr>
+                                        <m:e>
+                                          <m:r>
+                                            <a:rPr lang="en-US" sz="2200" i="1">
+                                              <a:latin typeface="Cambria Math"/>
+                                            </a:rPr>
+                                            <m:t>𝑙</m:t>
+                                          </m:r>
+                                          <m:r>
+                                            <a:rPr lang="en-US" sz="2200" i="1">
+                                              <a:latin typeface="Cambria Math"/>
+                                            </a:rPr>
+                                            <m:t>,</m:t>
+                                          </m:r>
+                                          <m:r>
+                                            <a:rPr lang="en-US" sz="2200" i="1">
+                                              <a:latin typeface="Cambria Math"/>
+                                            </a:rPr>
+                                            <m:t>𝐾</m:t>
+                                          </m:r>
+                                          <m:r>
+                                            <a:rPr lang="en-US" sz="2200" i="1">
+                                              <a:latin typeface="Cambria Math"/>
+                                            </a:rPr>
+                                            <m:t>−1,</m:t>
+                                          </m:r>
+                                          <m:r>
+                                            <a:rPr lang="en-US" sz="2200" i="1">
+                                              <a:latin typeface="Cambria Math"/>
+                                            </a:rPr>
+                                            <m:t>𝑑</m:t>
+                                          </m:r>
+                                        </m:e>
+                                      </m:d>
+                                    </m:e>
+                                  </m:d>
+                                  <m:r>
+                                    <a:rPr lang="en-US" sz="2200" i="1">
+                                      <a:latin typeface="Cambria Math"/>
+                                    </a:rPr>
+                                    <m:t>−</m:t>
+                                  </m:r>
+                                  <m:sSub>
+                                    <m:sSubPr>
+                                      <m:ctrlPr>
+                                        <a:rPr lang="en-US" sz="2200" i="1">
+                                          <a:latin typeface="Cambria Math"/>
+                                        </a:rPr>
+                                      </m:ctrlPr>
+                                    </m:sSubPr>
+                                    <m:e>
+                                      <m:r>
+                                        <a:rPr lang="en-US" sz="2200" i="1">
+                                          <a:latin typeface="Cambria Math"/>
+                                        </a:rPr>
+                                        <m:t>𝑥</m:t>
+                                      </m:r>
+                                    </m:e>
+                                    <m:sub>
+                                      <m:r>
+                                        <a:rPr lang="en-US" sz="2200" i="1">
+                                          <a:latin typeface="Cambria Math"/>
+                                        </a:rPr>
+                                        <m:t>𝑗</m:t>
+                                      </m:r>
+                                    </m:sub>
+                                  </m:sSub>
+                                  <m:d>
+                                    <m:dPr>
+                                      <m:ctrlPr>
+                                        <a:rPr lang="en-US" sz="2200" i="1">
+                                          <a:latin typeface="Cambria Math"/>
+                                        </a:rPr>
+                                      </m:ctrlPr>
+                                    </m:dPr>
+                                    <m:e>
+                                      <m:r>
+                                        <a:rPr lang="en-US" sz="2200" i="1">
+                                          <a:latin typeface="Cambria Math"/>
+                                        </a:rPr>
+                                        <m:t>𝑙</m:t>
+                                      </m:r>
+                                      <m:r>
+                                        <a:rPr lang="en-US" sz="2200" i="1">
+                                          <a:latin typeface="Cambria Math"/>
+                                        </a:rPr>
+                                        <m:t>,1,</m:t>
+                                      </m:r>
+                                      <m:r>
+                                        <a:rPr lang="en-US" sz="2200" i="1">
+                                          <a:latin typeface="Cambria Math"/>
+                                        </a:rPr>
+                                        <m:t>𝑑</m:t>
+                                      </m:r>
+                                    </m:e>
+                                  </m:d>
+                                </m:e>
+                              </m:d>
+                            </m:e>
+                          </m:nary>
+                        </m:e>
+                      </m:nary>
+                    </m:oMath>
+                  </m:oMathPara>
+                </a14:m>
+                <a:endParaRPr lang="en-US" sz="2200" dirty="0"/>
+              </a:p>
+            </p:txBody>
+          </p:sp>
+        </mc:Choice>
+        <mc:Fallback>
+          <p:sp>
+            <p:nvSpPr>
+              <p:cNvPr id="3" name="Content Placeholder 2"/>
+              <p:cNvSpPr>
+                <a:spLocks noGrp="1" noRot="1" noChangeAspect="1" noMove="1" noResize="1" noEditPoints="1" noAdjustHandles="1" noChangeArrowheads="1" noChangeShapeType="1" noTextEdit="1"/>
+              </p:cNvSpPr>
+              <p:nvPr>
+                <p:ph idx="1"/>
+              </p:nvPr>
+            </p:nvSpPr>
+            <p:spPr>
+              <a:blipFill rotWithShape="1">
+                <a:blip r:embed="rId2"/>
+                <a:stretch>
+                  <a:fillRect l="-815" t="-712"/>
+                </a:stretch>
+              </a:blipFill>
+            </p:spPr>
+            <p:txBody>
+              <a:bodyPr/>
+              <a:lstStyle/>
+              <a:p>
+                <a:r>
+                  <a:rPr lang="en-US">
+                    <a:noFill/>
+                  </a:rPr>
+                  <a:t> </a:t>
+                </a:r>
+              </a:p>
+            </p:txBody>
+          </p:sp>
+        </mc:Fallback>
+      </mc:AlternateContent>
+    </p:spTree>
+    <p:extLst>
+      <p:ext uri="{BB962C8B-B14F-4D97-AF65-F5344CB8AC3E}">
+        <p14:creationId xmlns:p14="http://schemas.microsoft.com/office/powerpoint/2010/main" val="2517745045"/>
+      </p:ext>
+    </p:extLst>
+  </p:cSld>
+  <p:clrMapOvr>
+    <a:masterClrMapping/>
+  </p:clrMapOvr>
+</p:sld>
+</file>
+
+<file path=ppt/slides/slide13.xml><?xml version="1.0" encoding="utf-8"?>
+<p:sld xmlns:a="http://schemas.openxmlformats.org/drawingml/2006/main" xmlns:r="http://schemas.openxmlformats.org/officeDocument/2006/relationships" xmlns:p="http://schemas.openxmlformats.org/presentationml/2006/main">
+  <p:cSld>
+    <p:spTree>
+      <p:nvGrpSpPr>
+        <p:cNvPr id="1" name=""/>
+        <p:cNvGrpSpPr/>
+        <p:nvPr/>
+      </p:nvGrpSpPr>
+      <p:grpSpPr>
+        <a:xfrm>
+          <a:off x="0" y="0"/>
+          <a:ext cx="0" cy="0"/>
+          <a:chOff x="0" y="0"/>
+          <a:chExt cx="0" cy="0"/>
+        </a:xfrm>
+      </p:grpSpPr>
+      <p:sp>
+        <p:nvSpPr>
+          <p:cNvPr id="2" name="Title 1"/>
+          <p:cNvSpPr>
+            <a:spLocks noGrp="1"/>
+          </p:cNvSpPr>
+          <p:nvPr>
+            <p:ph type="title"/>
+          </p:nvPr>
+        </p:nvSpPr>
+        <p:spPr/>
+        <p:txBody>
+          <a:bodyPr>
+            <a:normAutofit fontScale="90000"/>
+          </a:bodyPr>
+          <a:lstStyle/>
+          <a:p>
+            <a:r>
+              <a:rPr lang="en-US" dirty="0" smtClean="0"/>
+              <a:t>Benefits of Asymmetric Dissimilarity</a:t>
+            </a:r>
+            <a:endParaRPr lang="en-US" dirty="0"/>
+          </a:p>
+        </p:txBody>
+      </p:sp>
+      <p:sp>
+        <p:nvSpPr>
+          <p:cNvPr id="3" name="Content Placeholder 2"/>
+          <p:cNvSpPr>
+            <a:spLocks noGrp="1"/>
+          </p:cNvSpPr>
+          <p:nvPr>
+            <p:ph idx="1"/>
+          </p:nvPr>
+        </p:nvSpPr>
+        <p:spPr/>
+        <p:txBody>
+          <a:bodyPr/>
+          <a:lstStyle/>
+          <a:p>
+            <a:r>
+              <a:rPr lang="en-US" dirty="0" smtClean="0"/>
+              <a:t>Three times faster due to the elimination of the exponent (80% of runtime is in distance calculations)</a:t>
+            </a:r>
+          </a:p>
+          <a:p>
+            <a:pPr lvl="1"/>
+            <a:r>
+              <a:rPr lang="en-US" dirty="0" smtClean="0"/>
+              <a:t>Additional speedup can be gained if when the asymmetric dissimilarity is sufficiently large (i.e. no chance of a pairing), the calculation is stopped and the distance set to infinity.</a:t>
+            </a:r>
+          </a:p>
+          <a:p>
+            <a:endParaRPr lang="en-US" dirty="0"/>
+          </a:p>
+          <a:p>
+            <a:r>
+              <a:rPr lang="en-US" dirty="0" smtClean="0"/>
+              <a:t>Number of correct “best buddies” increased</a:t>
+            </a:r>
+          </a:p>
+          <a:p>
+            <a:endParaRPr lang="en-US" dirty="0"/>
+          </a:p>
+          <a:p>
+            <a:r>
+              <a:rPr lang="en-US" dirty="0" smtClean="0"/>
+              <a:t>Number of incorrect decreased</a:t>
+            </a:r>
+          </a:p>
+          <a:p>
+            <a:endParaRPr lang="en-US" dirty="0"/>
+          </a:p>
+          <a:p>
+            <a:r>
+              <a:rPr lang="en-US" dirty="0" smtClean="0"/>
+              <a:t>Using the benchmark in [17], the number of correctly solved puzzles increased from 25 to 37.</a:t>
+            </a:r>
+            <a:endParaRPr lang="en-US" dirty="0"/>
+          </a:p>
+        </p:txBody>
+      </p:sp>
+    </p:spTree>
+    <p:extLst>
+      <p:ext uri="{BB962C8B-B14F-4D97-AF65-F5344CB8AC3E}">
+        <p14:creationId xmlns:p14="http://schemas.microsoft.com/office/powerpoint/2010/main" val="2921207760"/>
+      </p:ext>
+    </p:extLst>
+  </p:cSld>
+  <p:clrMapOvr>
+    <a:masterClrMapping/>
+  </p:clrMapOvr>
+</p:sld>
+</file>
+
+<file path=ppt/slides/slide14.xml><?xml version="1.0" encoding="utf-8"?>
+<p:sld xmlns:a="http://schemas.openxmlformats.org/drawingml/2006/main" xmlns:r="http://schemas.openxmlformats.org/officeDocument/2006/relationships" xmlns:p="http://schemas.openxmlformats.org/presentationml/2006/main">
+  <p:cSld>
+    <p:spTree>
+      <p:nvGrpSpPr>
+        <p:cNvPr id="1" name=""/>
+        <p:cNvGrpSpPr/>
+        <p:nvPr/>
+      </p:nvGrpSpPr>
+      <p:grpSpPr>
+        <a:xfrm>
+          <a:off x="0" y="0"/>
+          <a:ext cx="0" cy="0"/>
+          <a:chOff x="0" y="0"/>
+          <a:chExt cx="0" cy="0"/>
+        </a:xfrm>
+      </p:grpSpPr>
+      <p:sp>
+        <p:nvSpPr>
+          <p:cNvPr id="2" name="Title 1"/>
+          <p:cNvSpPr>
+            <a:spLocks noGrp="1"/>
+          </p:cNvSpPr>
+          <p:nvPr>
+            <p:ph type="title"/>
+          </p:nvPr>
+        </p:nvSpPr>
+        <p:spPr/>
+        <p:txBody>
+          <a:bodyPr>
+            <a:normAutofit fontScale="90000"/>
+          </a:bodyPr>
+          <a:lstStyle/>
+          <a:p>
+            <a:r>
+              <a:rPr lang="en-US" dirty="0" smtClean="0"/>
               <a:t>Performance Metrics</a:t>
             </a:r>
             <a:endParaRPr lang="en-US" dirty="0"/>
@@ -4855,7 +5776,7 @@
 </p:sld>
 </file>
 
-<file path=ppt/slides/slide13.xml><?xml version="1.0" encoding="utf-8"?>
+<file path=ppt/slides/slide15.xml><?xml version="1.0" encoding="utf-8"?>
 <p:sld xmlns:a="http://schemas.openxmlformats.org/drawingml/2006/main" xmlns:r="http://schemas.openxmlformats.org/officeDocument/2006/relationships" xmlns:p="http://schemas.openxmlformats.org/presentationml/2006/main">
   <p:cSld>
     <p:spTree>
@@ -6405,7 +7326,7 @@
 </p:sld>
 </file>
 
-<file path=ppt/slides/slide14.xml><?xml version="1.0" encoding="utf-8"?>
+<file path=ppt/slides/slide16.xml><?xml version="1.0" encoding="utf-8"?>
 <p:sld xmlns:a="http://schemas.openxmlformats.org/drawingml/2006/main" xmlns:r="http://schemas.openxmlformats.org/officeDocument/2006/relationships" xmlns:p="http://schemas.openxmlformats.org/presentationml/2006/main">
   <p:cSld>
     <p:spTree>
@@ -6685,7 +7606,7 @@
 </p:sld>
 </file>
 
-<file path=ppt/slides/slide15.xml><?xml version="1.0" encoding="utf-8"?>
+<file path=ppt/slides/slide17.xml><?xml version="1.0" encoding="utf-8"?>
 <p:sld xmlns:a="http://schemas.openxmlformats.org/drawingml/2006/main" xmlns:r="http://schemas.openxmlformats.org/officeDocument/2006/relationships" xmlns:p="http://schemas.openxmlformats.org/presentationml/2006/main">
   <p:cSld>
     <p:spTree>
@@ -6902,7 +7823,7 @@
 </p:sld>
 </file>
 
-<file path=ppt/slides/slide16.xml><?xml version="1.0" encoding="utf-8"?>
+<file path=ppt/slides/slide18.xml><?xml version="1.0" encoding="utf-8"?>
 <p:sld xmlns:a="http://schemas.openxmlformats.org/drawingml/2006/main" xmlns:r="http://schemas.openxmlformats.org/officeDocument/2006/relationships" xmlns:p="http://schemas.openxmlformats.org/presentationml/2006/main">
   <p:cSld>
     <p:spTree>
@@ -6968,7 +7889,15 @@
             </a:pPr>
             <a:r>
               <a:rPr lang="en-US" dirty="0" smtClean="0"/>
-              <a:t>Introduced by Cho et. al. in [8]</a:t>
+              <a:t>Introduced by Cho </a:t>
+            </a:r>
+            <a:r>
+              <a:rPr lang="en-US" i="1" dirty="0" smtClean="0"/>
+              <a:t>et. al. </a:t>
+            </a:r>
+            <a:r>
+              <a:rPr lang="en-US" dirty="0" smtClean="0"/>
+              <a:t>in [8]</a:t>
             </a:r>
           </a:p>
           <a:p>
@@ -7096,7 +8025,7 @@
 </p:sld>
 </file>
 
-<file path=ppt/slides/slide17.xml><?xml version="1.0" encoding="utf-8"?>
+<file path=ppt/slides/slide19.xml><?xml version="1.0" encoding="utf-8"?>
 <p:sld xmlns:a="http://schemas.openxmlformats.org/drawingml/2006/main" xmlns:r="http://schemas.openxmlformats.org/officeDocument/2006/relationships" xmlns:p="http://schemas.openxmlformats.org/presentationml/2006/main">
   <p:cSld>
     <p:spTree>
@@ -7640,7 +8569,242 @@
 </p:sld>
 </file>
 
-<file path=ppt/slides/slide18.xml><?xml version="1.0" encoding="utf-8"?>
+<file path=ppt/slides/slide2.xml><?xml version="1.0" encoding="utf-8"?>
+<p:sld xmlns:a="http://schemas.openxmlformats.org/drawingml/2006/main" xmlns:r="http://schemas.openxmlformats.org/officeDocument/2006/relationships" xmlns:p="http://schemas.openxmlformats.org/presentationml/2006/main">
+  <p:cSld>
+    <p:spTree>
+      <p:nvGrpSpPr>
+        <p:cNvPr id="1" name=""/>
+        <p:cNvGrpSpPr/>
+        <p:nvPr/>
+      </p:nvGrpSpPr>
+      <p:grpSpPr>
+        <a:xfrm>
+          <a:off x="0" y="0"/>
+          <a:ext cx="0" cy="0"/>
+          <a:chOff x="0" y="0"/>
+          <a:chExt cx="0" cy="0"/>
+        </a:xfrm>
+      </p:grpSpPr>
+      <p:sp>
+        <p:nvSpPr>
+          <p:cNvPr id="2" name="Title 1"/>
+          <p:cNvSpPr>
+            <a:spLocks noGrp="1"/>
+          </p:cNvSpPr>
+          <p:nvPr>
+            <p:ph type="title"/>
+          </p:nvPr>
+        </p:nvSpPr>
+        <p:spPr/>
+        <p:txBody>
+          <a:bodyPr>
+            <a:normAutofit fontScale="90000"/>
+          </a:bodyPr>
+          <a:lstStyle/>
+          <a:p>
+            <a:r>
+              <a:rPr lang="en-US" dirty="0" smtClean="0"/>
+              <a:t>Introduction</a:t>
+            </a:r>
+            <a:endParaRPr lang="en-US" dirty="0"/>
+          </a:p>
+        </p:txBody>
+      </p:sp>
+      <p:sp>
+        <p:nvSpPr>
+          <p:cNvPr id="3" name="Content Placeholder 2"/>
+          <p:cNvSpPr>
+            <a:spLocks noGrp="1"/>
+          </p:cNvSpPr>
+          <p:nvPr>
+            <p:ph idx="1"/>
+          </p:nvPr>
+        </p:nvSpPr>
+        <p:spPr/>
+        <p:txBody>
+          <a:bodyPr>
+            <a:noAutofit/>
+          </a:bodyPr>
+          <a:lstStyle/>
+          <a:p>
+            <a:r>
+              <a:rPr lang="en-US" sz="2300" dirty="0" smtClean="0"/>
+              <a:t>“Jigsaw </a:t>
+            </a:r>
+            <a:r>
+              <a:rPr lang="en-US" sz="2300" dirty="0"/>
+              <a:t>Puzzle Problem”</a:t>
+            </a:r>
+          </a:p>
+          <a:p>
+            <a:pPr lvl="1"/>
+            <a:r>
+              <a:rPr lang="en-US" sz="2300" b="1" dirty="0"/>
+              <a:t>Problem Statement: </a:t>
+            </a:r>
+            <a:r>
+              <a:rPr lang="en-US" sz="2300" dirty="0"/>
+              <a:t>Reconstruct an image from a set of image </a:t>
+            </a:r>
+            <a:r>
+              <a:rPr lang="en-US" sz="2300" dirty="0" smtClean="0"/>
+              <a:t>patches</a:t>
+            </a:r>
+          </a:p>
+          <a:p>
+            <a:pPr lvl="1"/>
+            <a:r>
+              <a:rPr lang="en-US" sz="2300" b="1" dirty="0"/>
+              <a:t>Problem Complexity: </a:t>
+            </a:r>
+            <a:r>
+              <a:rPr lang="en-US" sz="2300" dirty="0" smtClean="0"/>
+              <a:t>NP-Complete </a:t>
+            </a:r>
+            <a:r>
+              <a:rPr lang="en-US" sz="2300" dirty="0"/>
+              <a:t>(via the set partition problem)</a:t>
+            </a:r>
+            <a:r>
+              <a:rPr lang="en-US" sz="2300" dirty="0" smtClean="0"/>
+              <a:t> </a:t>
+            </a:r>
+            <a:r>
+              <a:rPr lang="en-US" sz="2300" dirty="0"/>
+              <a:t>when pairwise affinity of pieces is unreliable [1</a:t>
+            </a:r>
+            <a:r>
+              <a:rPr lang="en-US" sz="2300" dirty="0" smtClean="0"/>
+              <a:t>]</a:t>
+            </a:r>
+          </a:p>
+          <a:p>
+            <a:pPr marL="0" indent="0">
+              <a:buNone/>
+            </a:pPr>
+            <a:endParaRPr lang="en-US" sz="2300" dirty="0" smtClean="0"/>
+          </a:p>
+          <a:p>
+            <a:r>
+              <a:rPr lang="en-US" sz="2300" b="1" dirty="0" smtClean="0"/>
+              <a:t>Problem </a:t>
+            </a:r>
+            <a:r>
+              <a:rPr lang="en-US" sz="2300" b="1" dirty="0"/>
+              <a:t>Formulation</a:t>
+            </a:r>
+            <a:r>
+              <a:rPr lang="en-US" sz="2300" dirty="0"/>
+              <a:t>: Set of square, non-overlapping patches</a:t>
+            </a:r>
+          </a:p>
+          <a:p>
+            <a:pPr lvl="1"/>
+            <a:r>
+              <a:rPr lang="en-US" sz="2300" dirty="0"/>
+              <a:t>This </a:t>
+            </a:r>
+            <a:r>
+              <a:rPr lang="en-US" sz="2300" dirty="0" smtClean="0"/>
+              <a:t>specific type </a:t>
+            </a:r>
+            <a:r>
+              <a:rPr lang="en-US" sz="2300" dirty="0"/>
+              <a:t>of puzzle is known as </a:t>
+            </a:r>
+            <a:r>
+              <a:rPr lang="en-US" sz="2300" dirty="0" smtClean="0"/>
+              <a:t>“</a:t>
+            </a:r>
+            <a:r>
+              <a:rPr lang="en-US" sz="2300" i="1" dirty="0" smtClean="0"/>
+              <a:t>jig swap</a:t>
+            </a:r>
+            <a:r>
+              <a:rPr lang="en-US" sz="2300" dirty="0" smtClean="0"/>
+              <a:t>” </a:t>
+            </a:r>
+            <a:r>
+              <a:rPr lang="en-US" sz="2300" dirty="0"/>
+              <a:t>[7</a:t>
+            </a:r>
+            <a:r>
+              <a:rPr lang="en-US" sz="2300" dirty="0" smtClean="0"/>
+              <a:t>] or “</a:t>
+            </a:r>
+            <a:r>
+              <a:rPr lang="en-US" sz="2300" i="1" dirty="0" smtClean="0"/>
+              <a:t>Type 1</a:t>
+            </a:r>
+            <a:r>
+              <a:rPr lang="en-US" sz="2300" dirty="0" smtClean="0"/>
+              <a:t>” puzzles [19]</a:t>
+            </a:r>
+            <a:endParaRPr lang="en-US" sz="2300" dirty="0"/>
+          </a:p>
+          <a:p>
+            <a:pPr lvl="1"/>
+            <a:r>
+              <a:rPr lang="en-US" sz="2300" i="1" dirty="0" smtClean="0"/>
+              <a:t>Type 2 Puzzles</a:t>
+            </a:r>
+            <a:r>
+              <a:rPr lang="en-US" sz="2300" dirty="0" smtClean="0"/>
+              <a:t>: </a:t>
+            </a:r>
+            <a:r>
+              <a:rPr lang="en-US" sz="2300" dirty="0"/>
+              <a:t>Allow/disallow patch </a:t>
+            </a:r>
+            <a:r>
+              <a:rPr lang="en-US" sz="2300" dirty="0" smtClean="0"/>
+              <a:t>rotation [19]</a:t>
+            </a:r>
+            <a:endParaRPr lang="en-US" sz="2300" dirty="0" smtClean="0"/>
+          </a:p>
+          <a:p>
+            <a:pPr lvl="1"/>
+            <a:endParaRPr lang="en-US" sz="2300" dirty="0"/>
+          </a:p>
+          <a:p>
+            <a:r>
+              <a:rPr lang="en-US" sz="2300" b="1" dirty="0"/>
+              <a:t>A Key Difference with Standard Jigsaw Puzzle Solving: </a:t>
+            </a:r>
+            <a:r>
+              <a:rPr lang="en-US" sz="2300" dirty="0"/>
+              <a:t>The source image you are trying to reconstruct is unknown</a:t>
+            </a:r>
+            <a:r>
+              <a:rPr lang="en-US" sz="2300" dirty="0" smtClean="0"/>
+              <a:t>.</a:t>
+            </a:r>
+            <a:endParaRPr lang="en-US" sz="2300" dirty="0"/>
+          </a:p>
+        </p:txBody>
+      </p:sp>
+    </p:spTree>
+    <p:extLst>
+      <p:ext uri="{BB962C8B-B14F-4D97-AF65-F5344CB8AC3E}">
+        <p14:creationId xmlns:p14="http://schemas.microsoft.com/office/powerpoint/2010/main" val="20947063"/>
+      </p:ext>
+    </p:extLst>
+  </p:cSld>
+  <p:clrMapOvr>
+    <a:masterClrMapping/>
+  </p:clrMapOvr>
+  <p:timing>
+    <p:tnLst>
+      <p:par>
+        <p:cTn id="1" dur="indefinite" restart="never" nodeType="tmRoot"/>
+      </p:par>
+    </p:tnLst>
+  </p:timing>
+</p:sld>
+</file>
+
+<file path=ppt/slides/slide20.xml><?xml version="1.0" encoding="utf-8"?>
 <p:sld xmlns:a="http://schemas.openxmlformats.org/drawingml/2006/main" xmlns:r="http://schemas.openxmlformats.org/officeDocument/2006/relationships" xmlns:p="http://schemas.openxmlformats.org/presentationml/2006/main">
   <p:cSld>
     <p:spTree>
@@ -7682,8 +8846,8 @@
           </a:p>
         </p:txBody>
       </p:sp>
-      <mc:AlternateContent xmlns:mc="http://schemas.openxmlformats.org/markup-compatibility/2006" xmlns:a14="http://schemas.microsoft.com/office/drawing/2010/main">
-        <mc:Choice Requires="a14">
+      <mc:AlternateContent xmlns:mc="http://schemas.openxmlformats.org/markup-compatibility/2006">
+        <mc:Choice xmlns:a14="http://schemas.microsoft.com/office/drawing/2010/main" Requires="a14">
           <p:sp>
             <p:nvSpPr>
               <p:cNvPr id="3" name="Content Placeholder 2"/>
@@ -7697,10 +8861,16 @@
             <p:spPr/>
             <p:txBody>
               <a:bodyPr>
-                <a:normAutofit fontScale="92500" lnSpcReduction="20000"/>
+                <a:normAutofit fontScale="77500" lnSpcReduction="20000"/>
               </a:bodyPr>
               <a:lstStyle/>
               <a:p>
+                <a:pPr marL="0" indent="0">
+                  <a:lnSpc>
+                    <a:spcPct val="140000"/>
+                  </a:lnSpc>
+                  <a:buNone/>
+                </a:pPr>
                 <a:r>
                   <a:rPr lang="en-US" dirty="0" smtClean="0"/>
                   <a:t>For a given patch assignment </a:t>
@@ -7717,14 +8887,27 @@
                 </a14:m>
                 <a:r>
                   <a:rPr lang="en-US" dirty="0" smtClean="0"/>
-                  <a:t>, the probability of that assignment is defined as:</a:t>
-                </a:r>
-              </a:p>
-              <a:p>
-                <a:endParaRPr lang="en-US" dirty="0"/>
+                  <a:t>, the probability of that assignment is defined as</a:t>
+                </a:r>
+                <a:r>
+                  <a:rPr lang="en-US" dirty="0" smtClean="0"/>
+                  <a:t>:</a:t>
+                </a:r>
               </a:p>
               <a:p>
                 <a:pPr marL="0" indent="0">
+                  <a:lnSpc>
+                    <a:spcPct val="140000"/>
+                  </a:lnSpc>
+                  <a:buNone/>
+                </a:pPr>
+                <a:endParaRPr lang="en-US" sz="500" dirty="0"/>
+              </a:p>
+              <a:p>
+                <a:pPr marL="0" indent="0">
+                  <a:lnSpc>
+                    <a:spcPct val="140000"/>
+                  </a:lnSpc>
                   <a:buNone/>
                 </a:pPr>
                 <a14:m>
@@ -7807,6 +8990,67 @@
                         </m:sub>
                         <m:sup/>
                         <m:e>
+                          <m:sSub>
+                            <m:sSubPr>
+                              <m:ctrlPr>
+                                <a:rPr lang="en-US" b="0" i="1" smtClean="0">
+                                  <a:latin typeface="Cambria Math"/>
+                                </a:rPr>
+                              </m:ctrlPr>
+                            </m:sSubPr>
+                            <m:e>
+                              <m:r>
+                                <a:rPr lang="en-US" b="0" i="1" smtClean="0">
+                                  <a:latin typeface="Cambria Math"/>
+                                </a:rPr>
+                                <m:t>𝜙</m:t>
+                              </m:r>
+                            </m:e>
+                            <m:sub>
+                              <m:r>
+                                <a:rPr lang="en-US" b="0" i="1" smtClean="0">
+                                  <a:latin typeface="Cambria Math"/>
+                                </a:rPr>
+                                <m:t>𝑖</m:t>
+                              </m:r>
+                            </m:sub>
+                          </m:sSub>
+                          <m:d>
+                            <m:dPr>
+                              <m:ctrlPr>
+                                <a:rPr lang="en-US" b="0" i="1" smtClean="0">
+                                  <a:latin typeface="Cambria Math"/>
+                                </a:rPr>
+                              </m:ctrlPr>
+                            </m:dPr>
+                            <m:e>
+                              <m:sSub>
+                                <m:sSubPr>
+                                  <m:ctrlPr>
+                                    <a:rPr lang="en-US" b="0" i="1" smtClean="0">
+                                      <a:latin typeface="Cambria Math"/>
+                                    </a:rPr>
+                                  </m:ctrlPr>
+                                </m:sSubPr>
+                                <m:e>
+                                  <m:r>
+                                    <a:rPr lang="en-US" b="0" i="1" smtClean="0">
+                                      <a:latin typeface="Cambria Math"/>
+                                    </a:rPr>
+                                    <m:t>𝑥</m:t>
+                                  </m:r>
+                                </m:e>
+                                <m:sub>
+                                  <m:r>
+                                    <a:rPr lang="en-US" b="0" i="1" smtClean="0">
+                                      <a:latin typeface="Cambria Math"/>
+                                    </a:rPr>
+                                    <m:t>𝑖</m:t>
+                                  </m:r>
+                                </m:sub>
+                              </m:sSub>
+                            </m:e>
+                          </m:d>
                           <m:nary>
                             <m:naryPr>
                               <m:chr m:val="∏"/>
@@ -8000,11 +9244,19 @@
               </a:p>
               <a:p>
                 <a:pPr marL="0" indent="0">
+                  <a:lnSpc>
+                    <a:spcPct val="140000"/>
+                  </a:lnSpc>
                   <a:buNone/>
                 </a:pPr>
-                <a:endParaRPr lang="en-US" dirty="0"/>
+                <a:endParaRPr lang="en-US" sz="1300" dirty="0"/>
               </a:p>
               <a:p>
+                <a:pPr>
+                  <a:lnSpc>
+                    <a:spcPct val="140000"/>
+                  </a:lnSpc>
+                </a:pPr>
                 <a14:m>
                   <m:oMath xmlns:m="http://schemas.openxmlformats.org/officeDocument/2006/math">
                     <m:r>
@@ -8064,6 +9316,11 @@
                 </a:r>
               </a:p>
               <a:p>
+                <a:pPr>
+                  <a:lnSpc>
+                    <a:spcPct val="140000"/>
+                  </a:lnSpc>
+                </a:pPr>
                 <a14:m>
                   <m:oMath xmlns:m="http://schemas.openxmlformats.org/officeDocument/2006/math">
                     <m:r>
@@ -8093,42 +9350,198 @@
                 </a:endParaRPr>
               </a:p>
               <a:p>
+                <a:pPr>
+                  <a:lnSpc>
+                    <a:spcPct val="140000"/>
+                  </a:lnSpc>
+                </a:pPr>
+                <a14:m>
+                  <m:oMath xmlns:m="http://schemas.openxmlformats.org/officeDocument/2006/math">
+                    <m:sSub>
+                      <m:sSubPr>
+                        <m:ctrlPr>
+                          <a:rPr lang="en-US" sz="2000" i="1">
+                            <a:latin typeface="Cambria Math"/>
+                          </a:rPr>
+                        </m:ctrlPr>
+                      </m:sSubPr>
+                      <m:e>
+                        <m:r>
+                          <a:rPr lang="en-US" sz="2000" i="1">
+                            <a:latin typeface="Cambria Math"/>
+                          </a:rPr>
+                          <m:t>𝜙</m:t>
+                        </m:r>
+                      </m:e>
+                      <m:sub>
+                        <m:r>
+                          <a:rPr lang="en-US" sz="2000" i="1">
+                            <a:latin typeface="Cambria Math"/>
+                          </a:rPr>
+                          <m:t>𝑖</m:t>
+                        </m:r>
+                      </m:sub>
+                    </m:sSub>
+                    <m:d>
+                      <m:dPr>
+                        <m:ctrlPr>
+                          <a:rPr lang="en-US" sz="2000" i="1">
+                            <a:latin typeface="Cambria Math"/>
+                          </a:rPr>
+                        </m:ctrlPr>
+                      </m:dPr>
+                      <m:e>
+                        <m:sSub>
+                          <m:sSubPr>
+                            <m:ctrlPr>
+                              <a:rPr lang="en-US" sz="2000" i="1">
+                                <a:latin typeface="Cambria Math"/>
+                              </a:rPr>
+                            </m:ctrlPr>
+                          </m:sSubPr>
+                          <m:e>
+                            <m:r>
+                              <a:rPr lang="en-US" sz="2000" i="1">
+                                <a:latin typeface="Cambria Math"/>
+                              </a:rPr>
+                              <m:t>𝑥</m:t>
+                            </m:r>
+                          </m:e>
+                          <m:sub>
+                            <m:r>
+                              <a:rPr lang="en-US" sz="2000" i="1">
+                                <a:latin typeface="Cambria Math"/>
+                              </a:rPr>
+                              <m:t>𝑖</m:t>
+                            </m:r>
+                          </m:sub>
+                        </m:sSub>
+                      </m:e>
+                    </m:d>
+                  </m:oMath>
+                </a14:m>
+                <a:r>
+                  <a:rPr lang="en-US" sz="2200" dirty="0" smtClean="0"/>
+                  <a:t>: User constraints (e.g. board size)</a:t>
+                </a:r>
+              </a:p>
+              <a:p>
+                <a:pPr>
+                  <a:lnSpc>
+                    <a:spcPct val="140000"/>
+                  </a:lnSpc>
+                </a:pPr>
+                <a14:m>
+                  <m:oMath xmlns:m="http://schemas.openxmlformats.org/officeDocument/2006/math">
+                    <m:sSub>
+                      <m:sSubPr>
+                        <m:ctrlPr>
+                          <a:rPr lang="en-US" sz="2200" i="1">
+                            <a:latin typeface="Cambria Math"/>
+                          </a:rPr>
+                        </m:ctrlPr>
+                      </m:sSubPr>
+                      <m:e>
+                        <m:r>
+                          <a:rPr lang="en-US" sz="2200" i="1">
+                            <a:latin typeface="Cambria Math"/>
+                          </a:rPr>
+                          <m:t>𝜓</m:t>
+                        </m:r>
+                      </m:e>
+                      <m:sub>
+                        <m:r>
+                          <a:rPr lang="en-US" sz="2200" i="1">
+                            <a:latin typeface="Cambria Math"/>
+                          </a:rPr>
+                          <m:t>𝑖𝑗</m:t>
+                        </m:r>
+                      </m:sub>
+                    </m:sSub>
+                    <m:d>
+                      <m:dPr>
+                        <m:ctrlPr>
+                          <a:rPr lang="en-US" sz="2200" i="1">
+                            <a:latin typeface="Cambria Math"/>
+                          </a:rPr>
+                        </m:ctrlPr>
+                      </m:dPr>
+                      <m:e>
+                        <m:sSub>
+                          <m:sSubPr>
+                            <m:ctrlPr>
+                              <a:rPr lang="en-US" sz="2200" i="1">
+                                <a:latin typeface="Cambria Math"/>
+                              </a:rPr>
+                            </m:ctrlPr>
+                          </m:sSubPr>
+                          <m:e>
+                            <m:r>
+                              <a:rPr lang="en-US" sz="2200" i="1">
+                                <a:latin typeface="Cambria Math"/>
+                              </a:rPr>
+                              <m:t>𝑥</m:t>
+                            </m:r>
+                          </m:e>
+                          <m:sub>
+                            <m:r>
+                              <a:rPr lang="en-US" sz="2200" i="1">
+                                <a:latin typeface="Cambria Math"/>
+                              </a:rPr>
+                              <m:t>𝑖</m:t>
+                            </m:r>
+                          </m:sub>
+                        </m:sSub>
+                        <m:r>
+                          <a:rPr lang="en-US" sz="2200" i="1">
+                            <a:latin typeface="Cambria Math"/>
+                          </a:rPr>
+                          <m:t>,</m:t>
+                        </m:r>
+                        <m:sSub>
+                          <m:sSubPr>
+                            <m:ctrlPr>
+                              <a:rPr lang="en-US" sz="2200" i="1">
+                                <a:latin typeface="Cambria Math"/>
+                              </a:rPr>
+                            </m:ctrlPr>
+                          </m:sSubPr>
+                          <m:e>
+                            <m:r>
+                              <a:rPr lang="en-US" sz="2200" i="1">
+                                <a:latin typeface="Cambria Math"/>
+                              </a:rPr>
+                              <m:t>𝑥</m:t>
+                            </m:r>
+                          </m:e>
+                          <m:sub>
+                            <m:r>
+                              <a:rPr lang="en-US" sz="2200" i="1">
+                                <a:latin typeface="Cambria Math"/>
+                              </a:rPr>
+                              <m:t>𝑗</m:t>
+                            </m:r>
+                          </m:sub>
+                        </m:sSub>
+                      </m:e>
+                    </m:d>
+                  </m:oMath>
+                </a14:m>
+                <a:r>
+                  <a:rPr lang="en-US" sz="2200" dirty="0" smtClean="0"/>
+                  <a:t>: Patch to patch compatibility</a:t>
+                </a:r>
+              </a:p>
+              <a:p>
+                <a:pPr>
+                  <a:lnSpc>
+                    <a:spcPct val="140000"/>
+                  </a:lnSpc>
+                </a:pPr>
                 <a14:m>
                   <m:oMath xmlns:m="http://schemas.openxmlformats.org/officeDocument/2006/math">
                     <m:r>
-                      <a:rPr lang="en-US" b="0" i="1" smtClean="0">
-                        <a:latin typeface="Cambria Math"/>
-                      </a:rPr>
-                      <m:t>𝜙</m:t>
-                    </m:r>
-                  </m:oMath>
-                </a14:m>
-                <a:r>
-                  <a:rPr lang="en-US" dirty="0" smtClean="0"/>
-                  <a:t> : User constraints (e.g. board size)</a:t>
-                </a:r>
-              </a:p>
-              <a:p>
-                <a14:m>
-                  <m:oMath xmlns:m="http://schemas.openxmlformats.org/officeDocument/2006/math">
-                    <m:r>
-                      <a:rPr lang="en-US" b="0" i="1" smtClean="0">
-                        <a:latin typeface="Cambria Math"/>
-                      </a:rPr>
-                      <m:t>𝜙</m:t>
-                    </m:r>
-                  </m:oMath>
-                </a14:m>
-                <a:r>
-                  <a:rPr lang="en-US" dirty="0" smtClean="0"/>
-                  <a:t> : Patch to patch compatibility</a:t>
-                </a:r>
-              </a:p>
-              <a:p>
-                <a14:m>
-                  <m:oMath xmlns:m="http://schemas.openxmlformats.org/officeDocument/2006/math">
-                    <m:r>
-                      <a:rPr lang="en-US" i="1">
+                      <a:rPr lang="en-US" sz="2200" i="1">
                         <a:latin typeface="Cambria Math"/>
                       </a:rPr>
                       <m:t>𝜁</m:t>
@@ -8136,14 +9549,14 @@
                     <m:d>
                       <m:dPr>
                         <m:ctrlPr>
-                          <a:rPr lang="en-US" b="0" i="1" smtClean="0">
+                          <a:rPr lang="en-US" sz="2200" b="0" i="1" smtClean="0">
                             <a:latin typeface="Cambria Math"/>
                           </a:rPr>
                         </m:ctrlPr>
                       </m:dPr>
                       <m:e>
                         <m:r>
-                          <a:rPr lang="en-US" b="0" i="1" smtClean="0">
+                          <a:rPr lang="en-US" sz="2200" b="0" i="1" smtClean="0">
                             <a:latin typeface="Cambria Math"/>
                           </a:rPr>
                           <m:t>𝑖</m:t>
@@ -8153,8 +9566,12 @@
                   </m:oMath>
                 </a14:m>
                 <a:r>
+                  <a:rPr lang="en-US" sz="2200" dirty="0" smtClean="0"/>
+                  <a:t> </a:t>
+                </a:r>
+                <a:r>
                   <a:rPr lang="en-US" dirty="0" smtClean="0"/>
-                  <a:t> : Markov blanket of node </a:t>
+                  <a:t>: Markov blanket of node </a:t>
                 </a:r>
                 <a14:m>
                   <m:oMath xmlns:m="http://schemas.openxmlformats.org/officeDocument/2006/math">
@@ -8169,6 +9586,11 @@
                 <a:endParaRPr lang="en-US" dirty="0" smtClean="0"/>
               </a:p>
               <a:p>
+                <a:pPr>
+                  <a:lnSpc>
+                    <a:spcPct val="140000"/>
+                  </a:lnSpc>
+                </a:pPr>
                 <a14:m>
                   <m:oMath xmlns:m="http://schemas.openxmlformats.org/officeDocument/2006/math">
                     <m:r>
@@ -8215,6 +9637,11 @@
                 </a:endParaRPr>
               </a:p>
               <a:p>
+                <a:pPr>
+                  <a:lnSpc>
+                    <a:spcPct val="140000"/>
+                  </a:lnSpc>
+                </a:pPr>
                 <a14:m>
                   <m:oMath xmlns:m="http://schemas.openxmlformats.org/officeDocument/2006/math">
                     <m:r>
@@ -8272,22 +9699,20 @@
                       </a:rPr>
                       <m:t>𝑑𝑋</m:t>
                     </m:r>
+                    <m:r>
+                      <a:rPr lang="en-US" b="0" i="1" smtClean="0">
+                        <a:latin typeface="Cambria Math"/>
+                      </a:rPr>
+                      <m:t>=1</m:t>
+                    </m:r>
                   </m:oMath>
                 </a14:m>
-                <a:r>
-                  <a:rPr lang="en-US" dirty="0"/>
-                  <a:t> </a:t>
-                </a:r>
-                <a:r>
-                  <a:rPr lang="en-US" dirty="0" smtClean="0"/>
-                  <a:t>equals 1</a:t>
-                </a:r>
                 <a:endParaRPr lang="en-US" dirty="0"/>
               </a:p>
             </p:txBody>
           </p:sp>
         </mc:Choice>
-        <mc:Fallback xmlns="">
+        <mc:Fallback>
           <p:sp>
             <p:nvSpPr>
               <p:cNvPr id="3" name="Content Placeholder 2"/>
@@ -8302,7 +9727,7 @@
               <a:blipFill rotWithShape="1">
                 <a:blip r:embed="rId2"/>
                 <a:stretch>
-                  <a:fillRect l="-815" t="-1898"/>
+                  <a:fillRect l="-667"/>
                 </a:stretch>
               </a:blipFill>
             </p:spPr>
@@ -8325,554 +9750,6 @@
     <p:extLst>
       <p:ext uri="{BB962C8B-B14F-4D97-AF65-F5344CB8AC3E}">
         <p14:creationId xmlns:p14="http://schemas.microsoft.com/office/powerpoint/2010/main" val="1291985632"/>
-      </p:ext>
-    </p:extLst>
-  </p:cSld>
-  <p:clrMapOvr>
-    <a:masterClrMapping/>
-  </p:clrMapOvr>
-  <p:timing>
-    <p:tnLst>
-      <p:par>
-        <p:cTn id="1" dur="indefinite" restart="never" nodeType="tmRoot"/>
-      </p:par>
-    </p:tnLst>
-  </p:timing>
-</p:sld>
-</file>
-
-<file path=ppt/slides/slide19.xml><?xml version="1.0" encoding="utf-8"?>
-<p:sld xmlns:a="http://schemas.openxmlformats.org/drawingml/2006/main" xmlns:r="http://schemas.openxmlformats.org/officeDocument/2006/relationships" xmlns:p="http://schemas.openxmlformats.org/presentationml/2006/main">
-  <p:cSld>
-    <p:spTree>
-      <p:nvGrpSpPr>
-        <p:cNvPr id="1" name=""/>
-        <p:cNvGrpSpPr/>
-        <p:nvPr/>
-      </p:nvGrpSpPr>
-      <p:grpSpPr>
-        <a:xfrm>
-          <a:off x="0" y="0"/>
-          <a:ext cx="0" cy="0"/>
-          <a:chOff x="0" y="0"/>
-          <a:chExt cx="0" cy="0"/>
-        </a:xfrm>
-      </p:grpSpPr>
-      <p:sp>
-        <p:nvSpPr>
-          <p:cNvPr id="2" name="Title 1"/>
-          <p:cNvSpPr>
-            <a:spLocks noGrp="1"/>
-          </p:cNvSpPr>
-          <p:nvPr>
-            <p:ph type="title"/>
-          </p:nvPr>
-        </p:nvSpPr>
-        <p:spPr/>
-        <p:txBody>
-          <a:bodyPr>
-            <a:normAutofit fontScale="90000"/>
-          </a:bodyPr>
-          <a:lstStyle/>
-          <a:p>
-            <a:r>
-              <a:rPr lang="en-US" dirty="0" smtClean="0"/>
-              <a:t>Loopy Belief Propagation Solver</a:t>
-            </a:r>
-            <a:endParaRPr lang="en-US" dirty="0"/>
-          </a:p>
-        </p:txBody>
-      </p:sp>
-      <p:sp>
-        <p:nvSpPr>
-          <p:cNvPr id="3" name="Content Placeholder 2"/>
-          <p:cNvSpPr>
-            <a:spLocks noGrp="1"/>
-          </p:cNvSpPr>
-          <p:nvPr>
-            <p:ph idx="1"/>
-          </p:nvPr>
-        </p:nvSpPr>
-        <p:spPr/>
-        <p:txBody>
-          <a:bodyPr/>
-          <a:lstStyle/>
-          <a:p>
-            <a:r>
-              <a:rPr lang="en-US" dirty="0" smtClean="0"/>
-              <a:t>Maximizes the preceding probability function using loopy belief propagation.</a:t>
-            </a:r>
-            <a:endParaRPr lang="en-US" dirty="0"/>
-          </a:p>
-          <a:p>
-            <a:endParaRPr lang="en-US" dirty="0"/>
-          </a:p>
-          <a:p>
-            <a:r>
-              <a:rPr lang="en-US" dirty="0" smtClean="0"/>
-              <a:t>Susceptible to local maxima so random restarts may be performed.</a:t>
-            </a:r>
-          </a:p>
-          <a:p>
-            <a:endParaRPr lang="en-US" dirty="0"/>
-          </a:p>
-          <a:p>
-            <a:r>
-              <a:rPr lang="en-US" b="1" dirty="0" smtClean="0"/>
-              <a:t>Question:</a:t>
-            </a:r>
-            <a:r>
-              <a:rPr lang="en-US" dirty="0" smtClean="0"/>
-              <a:t> What if I do not have access to a low resolution version of the original image?  Can I make one or use a substitute?</a:t>
-            </a:r>
-            <a:endParaRPr lang="en-US" dirty="0"/>
-          </a:p>
-        </p:txBody>
-      </p:sp>
-    </p:spTree>
-    <p:extLst>
-      <p:ext uri="{BB962C8B-B14F-4D97-AF65-F5344CB8AC3E}">
-        <p14:creationId xmlns:p14="http://schemas.microsoft.com/office/powerpoint/2010/main" val="674603872"/>
-      </p:ext>
-    </p:extLst>
-  </p:cSld>
-  <p:clrMapOvr>
-    <a:masterClrMapping/>
-  </p:clrMapOvr>
-  <p:timing>
-    <p:tnLst>
-      <p:par>
-        <p:cTn id="1" dur="indefinite" restart="never" nodeType="tmRoot"/>
-      </p:par>
-    </p:tnLst>
-  </p:timing>
-</p:sld>
-</file>
-
-<file path=ppt/slides/slide2.xml><?xml version="1.0" encoding="utf-8"?>
-<p:sld xmlns:a="http://schemas.openxmlformats.org/drawingml/2006/main" xmlns:r="http://schemas.openxmlformats.org/officeDocument/2006/relationships" xmlns:p="http://schemas.openxmlformats.org/presentationml/2006/main">
-  <p:cSld>
-    <p:spTree>
-      <p:nvGrpSpPr>
-        <p:cNvPr id="1" name=""/>
-        <p:cNvGrpSpPr/>
-        <p:nvPr/>
-      </p:nvGrpSpPr>
-      <p:grpSpPr>
-        <a:xfrm>
-          <a:off x="0" y="0"/>
-          <a:ext cx="0" cy="0"/>
-          <a:chOff x="0" y="0"/>
-          <a:chExt cx="0" cy="0"/>
-        </a:xfrm>
-      </p:grpSpPr>
-      <p:sp>
-        <p:nvSpPr>
-          <p:cNvPr id="2" name="Title 1"/>
-          <p:cNvSpPr>
-            <a:spLocks noGrp="1"/>
-          </p:cNvSpPr>
-          <p:nvPr>
-            <p:ph type="title"/>
-          </p:nvPr>
-        </p:nvSpPr>
-        <p:spPr/>
-        <p:txBody>
-          <a:bodyPr>
-            <a:normAutofit fontScale="90000"/>
-          </a:bodyPr>
-          <a:lstStyle/>
-          <a:p>
-            <a:r>
-              <a:rPr lang="en-US" dirty="0" smtClean="0"/>
-              <a:t>Introduction</a:t>
-            </a:r>
-            <a:endParaRPr lang="en-US" dirty="0"/>
-          </a:p>
-        </p:txBody>
-      </p:sp>
-      <p:sp>
-        <p:nvSpPr>
-          <p:cNvPr id="3" name="Content Placeholder 2"/>
-          <p:cNvSpPr>
-            <a:spLocks noGrp="1"/>
-          </p:cNvSpPr>
-          <p:nvPr>
-            <p:ph idx="1"/>
-          </p:nvPr>
-        </p:nvSpPr>
-        <p:spPr/>
-        <p:txBody>
-          <a:bodyPr>
-            <a:noAutofit/>
-          </a:bodyPr>
-          <a:lstStyle/>
-          <a:p>
-            <a:r>
-              <a:rPr lang="en-US" sz="2300" dirty="0" smtClean="0"/>
-              <a:t>“Jigsaw </a:t>
-            </a:r>
-            <a:r>
-              <a:rPr lang="en-US" sz="2300" dirty="0"/>
-              <a:t>Puzzle Problem”</a:t>
-            </a:r>
-          </a:p>
-          <a:p>
-            <a:pPr lvl="1"/>
-            <a:r>
-              <a:rPr lang="en-US" sz="2300" b="1" dirty="0"/>
-              <a:t>Problem Statement: </a:t>
-            </a:r>
-            <a:r>
-              <a:rPr lang="en-US" sz="2300" dirty="0"/>
-              <a:t>Reconstruct an image from a set of image </a:t>
-            </a:r>
-            <a:r>
-              <a:rPr lang="en-US" sz="2300" dirty="0" smtClean="0"/>
-              <a:t>patches</a:t>
-            </a:r>
-          </a:p>
-          <a:p>
-            <a:pPr lvl="1"/>
-            <a:r>
-              <a:rPr lang="en-US" sz="2300" b="1" dirty="0"/>
-              <a:t>Problem Complexity: </a:t>
-            </a:r>
-            <a:r>
-              <a:rPr lang="en-US" sz="2300" dirty="0" smtClean="0"/>
-              <a:t>NP-Complete </a:t>
-            </a:r>
-            <a:r>
-              <a:rPr lang="en-US" sz="2300" dirty="0"/>
-              <a:t>(via the set partition problem)</a:t>
-            </a:r>
-            <a:r>
-              <a:rPr lang="en-US" sz="2300" dirty="0" smtClean="0"/>
-              <a:t> </a:t>
-            </a:r>
-            <a:r>
-              <a:rPr lang="en-US" sz="2300" dirty="0"/>
-              <a:t>when pairwise affinity of pieces is unreliable [1</a:t>
-            </a:r>
-            <a:r>
-              <a:rPr lang="en-US" sz="2300" dirty="0" smtClean="0"/>
-              <a:t>]</a:t>
-            </a:r>
-          </a:p>
-          <a:p>
-            <a:pPr marL="0" indent="0">
-              <a:buNone/>
-            </a:pPr>
-            <a:endParaRPr lang="en-US" sz="2300" dirty="0" smtClean="0"/>
-          </a:p>
-          <a:p>
-            <a:r>
-              <a:rPr lang="en-US" sz="2300" b="1" dirty="0" smtClean="0"/>
-              <a:t>Problem </a:t>
-            </a:r>
-            <a:r>
-              <a:rPr lang="en-US" sz="2300" b="1" dirty="0"/>
-              <a:t>Formulation</a:t>
-            </a:r>
-            <a:r>
-              <a:rPr lang="en-US" sz="2300" dirty="0"/>
-              <a:t>: Set of square, non-overlapping patches</a:t>
-            </a:r>
-          </a:p>
-          <a:p>
-            <a:pPr lvl="1"/>
-            <a:r>
-              <a:rPr lang="en-US" sz="2300" dirty="0"/>
-              <a:t>This </a:t>
-            </a:r>
-            <a:r>
-              <a:rPr lang="en-US" sz="2300" dirty="0" smtClean="0"/>
-              <a:t>specific type </a:t>
-            </a:r>
-            <a:r>
-              <a:rPr lang="en-US" sz="2300" dirty="0"/>
-              <a:t>of puzzle is known as </a:t>
-            </a:r>
-            <a:r>
-              <a:rPr lang="en-US" sz="2300" dirty="0" smtClean="0"/>
-              <a:t>“</a:t>
-            </a:r>
-            <a:r>
-              <a:rPr lang="en-US" sz="2300" i="1" dirty="0" smtClean="0"/>
-              <a:t>jig swap</a:t>
-            </a:r>
-            <a:r>
-              <a:rPr lang="en-US" sz="2300" dirty="0" smtClean="0"/>
-              <a:t>” </a:t>
-            </a:r>
-            <a:r>
-              <a:rPr lang="en-US" sz="2300" dirty="0"/>
-              <a:t>[7</a:t>
-            </a:r>
-            <a:r>
-              <a:rPr lang="en-US" sz="2300" dirty="0" smtClean="0"/>
-              <a:t>] or “</a:t>
-            </a:r>
-            <a:r>
-              <a:rPr lang="en-US" sz="2300" i="1" dirty="0" smtClean="0"/>
-              <a:t>Type 1</a:t>
-            </a:r>
-            <a:r>
-              <a:rPr lang="en-US" sz="2300" dirty="0" smtClean="0"/>
-              <a:t>” puzzles [19]</a:t>
-            </a:r>
-            <a:endParaRPr lang="en-US" sz="2300" dirty="0"/>
-          </a:p>
-          <a:p>
-            <a:pPr lvl="1"/>
-            <a:r>
-              <a:rPr lang="en-US" sz="2300" i="1" dirty="0" smtClean="0"/>
-              <a:t>Type 2 Puzzles</a:t>
-            </a:r>
-            <a:r>
-              <a:rPr lang="en-US" sz="2300" dirty="0" smtClean="0"/>
-              <a:t>: </a:t>
-            </a:r>
-            <a:r>
-              <a:rPr lang="en-US" sz="2300" dirty="0"/>
-              <a:t>Allow/disallow patch </a:t>
-            </a:r>
-            <a:r>
-              <a:rPr lang="en-US" sz="2300" dirty="0" smtClean="0"/>
-              <a:t>rotation [19]</a:t>
-            </a:r>
-            <a:endParaRPr lang="en-US" sz="2300" dirty="0" smtClean="0"/>
-          </a:p>
-          <a:p>
-            <a:pPr lvl="1"/>
-            <a:endParaRPr lang="en-US" sz="2300" dirty="0"/>
-          </a:p>
-          <a:p>
-            <a:r>
-              <a:rPr lang="en-US" sz="2300" b="1" dirty="0"/>
-              <a:t>A Key Difference with Standard Jigsaw Puzzle Solving: </a:t>
-            </a:r>
-            <a:r>
-              <a:rPr lang="en-US" sz="2300" dirty="0"/>
-              <a:t>The source image you are trying to reconstruct is unknown</a:t>
-            </a:r>
-            <a:r>
-              <a:rPr lang="en-US" sz="2300" dirty="0" smtClean="0"/>
-              <a:t>.</a:t>
-            </a:r>
-            <a:endParaRPr lang="en-US" sz="2300" dirty="0"/>
-          </a:p>
-        </p:txBody>
-      </p:sp>
-    </p:spTree>
-    <p:extLst>
-      <p:ext uri="{BB962C8B-B14F-4D97-AF65-F5344CB8AC3E}">
-        <p14:creationId xmlns:p14="http://schemas.microsoft.com/office/powerpoint/2010/main" val="20947063"/>
-      </p:ext>
-    </p:extLst>
-  </p:cSld>
-  <p:clrMapOvr>
-    <a:masterClrMapping/>
-  </p:clrMapOvr>
-  <p:timing>
-    <p:tnLst>
-      <p:par>
-        <p:cTn id="1" dur="indefinite" restart="never" nodeType="tmRoot"/>
-      </p:par>
-    </p:tnLst>
-  </p:timing>
-</p:sld>
-</file>
-
-<file path=ppt/slides/slide20.xml><?xml version="1.0" encoding="utf-8"?>
-<p:sld xmlns:a="http://schemas.openxmlformats.org/drawingml/2006/main" xmlns:r="http://schemas.openxmlformats.org/officeDocument/2006/relationships" xmlns:p="http://schemas.openxmlformats.org/presentationml/2006/main">
-  <p:cSld>
-    <p:spTree>
-      <p:nvGrpSpPr>
-        <p:cNvPr id="1" name=""/>
-        <p:cNvGrpSpPr/>
-        <p:nvPr/>
-      </p:nvGrpSpPr>
-      <p:grpSpPr>
-        <a:xfrm>
-          <a:off x="0" y="0"/>
-          <a:ext cx="0" cy="0"/>
-          <a:chOff x="0" y="0"/>
-          <a:chExt cx="0" cy="0"/>
-        </a:xfrm>
-      </p:grpSpPr>
-      <p:sp>
-        <p:nvSpPr>
-          <p:cNvPr id="2" name="Title 1"/>
-          <p:cNvSpPr>
-            <a:spLocks noGrp="1"/>
-          </p:cNvSpPr>
-          <p:nvPr>
-            <p:ph type="title"/>
-          </p:nvPr>
-        </p:nvSpPr>
-        <p:spPr/>
-        <p:txBody>
-          <a:bodyPr>
-            <a:normAutofit/>
-          </a:bodyPr>
-          <a:lstStyle/>
-          <a:p>
-            <a:r>
-              <a:rPr lang="en-US" sz="2800" dirty="0" smtClean="0"/>
-              <a:t>“Dense and Noisy” Estimation</a:t>
-            </a:r>
-            <a:endParaRPr lang="en-US" sz="2800" dirty="0"/>
-          </a:p>
-        </p:txBody>
-      </p:sp>
-      <mc:AlternateContent xmlns:mc="http://schemas.openxmlformats.org/markup-compatibility/2006" xmlns:a14="http://schemas.microsoft.com/office/drawing/2010/main">
-        <mc:Choice Requires="a14">
-          <p:sp>
-            <p:nvSpPr>
-              <p:cNvPr id="3" name="Content Placeholder 2"/>
-              <p:cNvSpPr>
-                <a:spLocks noGrp="1"/>
-              </p:cNvSpPr>
-              <p:nvPr>
-                <p:ph idx="1"/>
-              </p:nvPr>
-            </p:nvSpPr>
-            <p:spPr/>
-            <p:txBody>
-              <a:bodyPr/>
-              <a:lstStyle/>
-              <a:p>
-                <a:r>
-                  <a:rPr lang="en-US" dirty="0" smtClean="0"/>
-                  <a:t>Proposed by Cho </a:t>
-                </a:r>
-                <a:r>
-                  <a:rPr lang="en-US" i="1" dirty="0" smtClean="0"/>
-                  <a:t>et. al. </a:t>
-                </a:r>
-                <a:r>
-                  <a:rPr lang="en-US" dirty="0" smtClean="0"/>
-                  <a:t>in [7] in 2010.</a:t>
-                </a:r>
-              </a:p>
-              <a:p>
-                <a:endParaRPr lang="en-US" dirty="0" smtClean="0"/>
-              </a:p>
-              <a:p>
-                <a:r>
-                  <a:rPr lang="en-US" b="1" smtClean="0"/>
-                  <a:t>Review: </a:t>
-                </a:r>
-                <a:r>
-                  <a:rPr lang="en-US" dirty="0" smtClean="0"/>
-                  <a:t>In Cho </a:t>
-                </a:r>
-                <a:r>
-                  <a:rPr lang="en-US" i="1" dirty="0" smtClean="0"/>
-                  <a:t>et. al.</a:t>
-                </a:r>
-                <a:r>
-                  <a:rPr lang="en-US" dirty="0" smtClean="0"/>
-                  <a:t>’s work in [8], they assumed access to a correct, low resolution version of the original image.</a:t>
-                </a:r>
-              </a:p>
-              <a:p>
-                <a:pPr lvl="1"/>
-                <a:r>
-                  <a:rPr lang="en-US" dirty="0" smtClean="0"/>
-                  <a:t>In many real world applications, such a low resolution image is not available.</a:t>
-                </a:r>
-              </a:p>
-              <a:p>
-                <a:endParaRPr lang="en-US" dirty="0" smtClean="0"/>
-              </a:p>
-              <a:p>
-                <a:r>
-                  <a:rPr lang="en-US" b="1" dirty="0" smtClean="0"/>
-                  <a:t>Solution:</a:t>
-                </a:r>
-                <a:r>
-                  <a:rPr lang="en-US" dirty="0" smtClean="0"/>
-                  <a:t> Estimate a low resolution image from a “bag of patches.”  The simplified procedure is:</a:t>
-                </a:r>
-              </a:p>
-              <a:p>
-                <a:pPr lvl="1"/>
-                <a:r>
-                  <a:rPr lang="en-US" dirty="0" smtClean="0"/>
-                  <a:t>Creating a histogram of the bag of patches</a:t>
-                </a:r>
-              </a:p>
-              <a:p>
-                <a:pPr lvl="1"/>
-                <a:r>
-                  <a:rPr lang="en-US" dirty="0" smtClean="0"/>
-                  <a:t>“Estimate” a low resolution version by comparing the histogram to a set of </a:t>
-                </a:r>
-                <a14:m>
-                  <m:oMath xmlns:m="http://schemas.openxmlformats.org/officeDocument/2006/math">
-                    <m:r>
-                      <a:rPr lang="en-US" b="0" i="1" smtClean="0">
-                        <a:latin typeface="Cambria Math"/>
-                      </a:rPr>
-                      <m:t>𝐾</m:t>
-                    </m:r>
-                  </m:oMath>
-                </a14:m>
-                <a:r>
-                  <a:rPr lang="en-US" dirty="0" smtClean="0"/>
-                  <a:t> centroids with predefined low resolution images.</a:t>
-                </a:r>
-              </a:p>
-              <a:p>
-                <a:pPr lvl="1"/>
-                <a:endParaRPr lang="en-US" dirty="0" smtClean="0"/>
-              </a:p>
-              <a:p>
-                <a:endParaRPr lang="en-US" dirty="0"/>
-              </a:p>
-            </p:txBody>
-          </p:sp>
-        </mc:Choice>
-        <mc:Fallback xmlns="">
-          <p:sp>
-            <p:nvSpPr>
-              <p:cNvPr id="3" name="Content Placeholder 2"/>
-              <p:cNvSpPr>
-                <a:spLocks noGrp="1" noRot="1" noChangeAspect="1" noMove="1" noResize="1" noEditPoints="1" noAdjustHandles="1" noChangeArrowheads="1" noChangeShapeType="1" noTextEdit="1"/>
-              </p:cNvSpPr>
-              <p:nvPr>
-                <p:ph idx="1"/>
-              </p:nvPr>
-            </p:nvSpPr>
-            <p:spPr>
-              <a:blipFill rotWithShape="1">
-                <a:blip r:embed="rId2"/>
-                <a:stretch>
-                  <a:fillRect l="-963" t="-949" r="-1333"/>
-                </a:stretch>
-              </a:blipFill>
-            </p:spPr>
-            <p:txBody>
-              <a:bodyPr/>
-              <a:lstStyle/>
-              <a:p>
-                <a:r>
-                  <a:rPr lang="en-US">
-                    <a:noFill/>
-                  </a:rPr>
-                  <a:t> </a:t>
-                </a:r>
-              </a:p>
-            </p:txBody>
-          </p:sp>
-        </mc:Fallback>
-      </mc:AlternateContent>
-    </p:spTree>
-    <p:extLst>
-      <p:ext uri="{BB962C8B-B14F-4D97-AF65-F5344CB8AC3E}">
-        <p14:creationId xmlns:p14="http://schemas.microsoft.com/office/powerpoint/2010/main" val="2946689892"/>
       </p:ext>
     </p:extLst>
   </p:cSld>
@@ -8916,247 +9793,71 @@
             <p:ph type="title"/>
           </p:nvPr>
         </p:nvSpPr>
-        <p:spPr>
-          <a:xfrm>
-            <a:off x="1790700" y="127002"/>
-            <a:ext cx="7353300" cy="550863"/>
-          </a:xfrm>
-        </p:spPr>
+        <p:spPr/>
         <p:txBody>
           <a:bodyPr>
-            <a:noAutofit/>
+            <a:normAutofit fontScale="90000"/>
           </a:bodyPr>
           <a:lstStyle/>
           <a:p>
             <a:r>
-              <a:rPr lang="en-US" sz="2400" dirty="0" smtClean="0"/>
-              <a:t>“Dense and Noisy” Clustering </a:t>
-            </a:r>
-            <a:br>
-              <a:rPr lang="en-US" sz="2400" dirty="0" smtClean="0"/>
-            </a:br>
-            <a:r>
-              <a:rPr lang="en-US" sz="2400" dirty="0" smtClean="0"/>
-              <a:t>and Histogram Generation</a:t>
-            </a:r>
-            <a:endParaRPr lang="en-US" sz="2400" dirty="0"/>
+              <a:rPr lang="en-US" dirty="0" smtClean="0"/>
+              <a:t>Loopy Belief Propagation Solver</a:t>
+            </a:r>
+            <a:endParaRPr lang="en-US" dirty="0"/>
           </a:p>
         </p:txBody>
       </p:sp>
-      <mc:AlternateContent xmlns:mc="http://schemas.openxmlformats.org/markup-compatibility/2006" xmlns:a14="http://schemas.microsoft.com/office/drawing/2010/main">
-        <mc:Choice Requires="a14">
-          <p:sp>
-            <p:nvSpPr>
-              <p:cNvPr id="3" name="Content Placeholder 2"/>
-              <p:cNvSpPr>
-                <a:spLocks noGrp="1"/>
-              </p:cNvSpPr>
-              <p:nvPr>
-                <p:ph idx="1"/>
-              </p:nvPr>
-            </p:nvSpPr>
-            <p:spPr/>
-            <p:txBody>
-              <a:bodyPr/>
-              <a:lstStyle/>
-              <a:p>
-                <a:pPr>
-                  <a:spcBef>
-                    <a:spcPts val="1000"/>
-                  </a:spcBef>
-                </a:pPr>
-                <a:r>
-                  <a:rPr lang="en-US" b="1" dirty="0" smtClean="0"/>
-                  <a:t>Training Set:</a:t>
-                </a:r>
-                <a:r>
-                  <a:rPr lang="en-US" dirty="0" smtClean="0"/>
-                  <a:t> 8.5M patches from 15,000 images.</a:t>
-                </a:r>
-              </a:p>
-              <a:p>
-                <a:pPr lvl="1">
-                  <a:spcBef>
-                    <a:spcPts val="1000"/>
-                  </a:spcBef>
-                </a:pPr>
-                <a:r>
-                  <a:rPr lang="en-US" i="1" dirty="0">
-                    <a:solidFill>
-                      <a:srgbClr val="006600"/>
-                    </a:solidFill>
-                  </a:rPr>
-                  <a:t>Patch Size: </a:t>
-                </a:r>
-                <a:r>
-                  <a:rPr lang="en-US" dirty="0" smtClean="0"/>
-                  <a:t>7px by 7px by 3 (LAB) for 147 total, original dimensions.  This dimensionality is reduced via PCA.</a:t>
-                </a:r>
-              </a:p>
-              <a:p>
-                <a:pPr marL="457200" lvl="1" indent="0">
-                  <a:spcBef>
-                    <a:spcPts val="1000"/>
-                  </a:spcBef>
-                  <a:buNone/>
-                </a:pPr>
-                <a:endParaRPr lang="en-US" dirty="0" smtClean="0"/>
-              </a:p>
-              <a:p>
-                <a:pPr>
-                  <a:spcBef>
-                    <a:spcPts val="1000"/>
-                  </a:spcBef>
-                </a:pPr>
-                <a:r>
-                  <a:rPr lang="en-US" b="1" dirty="0" smtClean="0"/>
-                  <a:t>Clustering the Patches</a:t>
-                </a:r>
-              </a:p>
-              <a:p>
-                <a:pPr lvl="1">
-                  <a:spcBef>
-                    <a:spcPts val="1000"/>
-                  </a:spcBef>
-                </a:pPr>
-                <a:r>
-                  <a:rPr lang="en-US" i="1" dirty="0">
-                    <a:solidFill>
-                      <a:srgbClr val="006600"/>
-                    </a:solidFill>
-                  </a:rPr>
-                  <a:t>Step #1: </a:t>
-                </a:r>
-                <a:r>
-                  <a:rPr lang="en-US" dirty="0" smtClean="0"/>
-                  <a:t>Cluster each image’s patches into </a:t>
-                </a:r>
-                <a14:m>
-                  <m:oMath xmlns:m="http://schemas.openxmlformats.org/officeDocument/2006/math">
-                    <m:r>
-                      <a:rPr lang="en-US" b="0" i="1" smtClean="0">
-                        <a:latin typeface="Cambria Math"/>
-                      </a:rPr>
-                      <m:t>𝐿</m:t>
-                    </m:r>
-                  </m:oMath>
-                </a14:m>
-                <a:r>
-                  <a:rPr lang="en-US" dirty="0" smtClean="0"/>
-                  <a:t> (e.g. 20) centroids.</a:t>
-                </a:r>
-              </a:p>
-              <a:p>
-                <a:pPr lvl="1">
-                  <a:spcBef>
-                    <a:spcPts val="1000"/>
-                  </a:spcBef>
-                </a:pPr>
-                <a:r>
-                  <a:rPr lang="en-US" i="1" dirty="0" smtClean="0">
-                    <a:solidFill>
-                      <a:srgbClr val="006600"/>
-                    </a:solidFill>
-                  </a:rPr>
-                  <a:t>Step #2</a:t>
-                </a:r>
-                <a:r>
-                  <a:rPr lang="en-US" dirty="0" smtClean="0"/>
-                  <a:t>: Re-cluster </a:t>
-                </a:r>
-                <a14:m>
-                  <m:oMath xmlns:m="http://schemas.openxmlformats.org/officeDocument/2006/math">
-                    <m:r>
-                      <a:rPr lang="en-US" b="0" i="1" smtClean="0">
-                        <a:latin typeface="Cambria Math"/>
-                      </a:rPr>
-                      <m:t>𝐿</m:t>
-                    </m:r>
-                  </m:oMath>
-                </a14:m>
-                <a:r>
-                  <a:rPr lang="en-US" dirty="0" smtClean="0"/>
-                  <a:t> centroids from all images into </a:t>
-                </a:r>
-                <a14:m>
-                  <m:oMath xmlns:m="http://schemas.openxmlformats.org/officeDocument/2006/math">
-                    <m:r>
-                      <a:rPr lang="en-US" b="0" i="1" smtClean="0">
-                        <a:latin typeface="Cambria Math"/>
-                      </a:rPr>
-                      <m:t>𝑁</m:t>
-                    </m:r>
-                  </m:oMath>
-                </a14:m>
-                <a:r>
-                  <a:rPr lang="en-US" dirty="0" smtClean="0"/>
-                  <a:t> (e.g. 200) centroids. </a:t>
-                </a:r>
-              </a:p>
-              <a:p>
-                <a:pPr>
-                  <a:spcBef>
-                    <a:spcPts val="1000"/>
-                  </a:spcBef>
-                </a:pPr>
-                <a:endParaRPr lang="en-US" dirty="0" smtClean="0"/>
-              </a:p>
-              <a:p>
-                <a:pPr>
-                  <a:spcBef>
-                    <a:spcPts val="1000"/>
-                  </a:spcBef>
-                </a:pPr>
-                <a:r>
-                  <a:rPr lang="en-US" b="1" dirty="0" smtClean="0"/>
-                  <a:t>Creating the Histogram: </a:t>
-                </a:r>
-                <a:r>
-                  <a:rPr lang="en-US" dirty="0" smtClean="0"/>
-                  <a:t>For a given image, assign each patch to its closest centroid.  </a:t>
-                </a:r>
-              </a:p>
-            </p:txBody>
-          </p:sp>
-        </mc:Choice>
-        <mc:Fallback xmlns="">
-          <p:sp>
-            <p:nvSpPr>
-              <p:cNvPr id="3" name="Content Placeholder 2"/>
-              <p:cNvSpPr>
-                <a:spLocks noGrp="1" noRot="1" noChangeAspect="1" noMove="1" noResize="1" noEditPoints="1" noAdjustHandles="1" noChangeArrowheads="1" noChangeShapeType="1" noTextEdit="1"/>
-              </p:cNvSpPr>
-              <p:nvPr>
-                <p:ph idx="1"/>
-              </p:nvPr>
-            </p:nvSpPr>
-            <p:spPr>
-              <a:blipFill rotWithShape="1">
-                <a:blip r:embed="rId2"/>
-                <a:stretch>
-                  <a:fillRect l="-963" t="-949" r="-444"/>
-                </a:stretch>
-              </a:blipFill>
-            </p:spPr>
-            <p:txBody>
-              <a:bodyPr/>
-              <a:lstStyle/>
-              <a:p>
-                <a:r>
-                  <a:rPr lang="en-US">
-                    <a:noFill/>
-                  </a:rPr>
-                  <a:t> </a:t>
-                </a:r>
-              </a:p>
-            </p:txBody>
-          </p:sp>
-        </mc:Fallback>
-      </mc:AlternateContent>
+      <p:sp>
+        <p:nvSpPr>
+          <p:cNvPr id="3" name="Content Placeholder 2"/>
+          <p:cNvSpPr>
+            <a:spLocks noGrp="1"/>
+          </p:cNvSpPr>
+          <p:nvPr>
+            <p:ph idx="1"/>
+          </p:nvPr>
+        </p:nvSpPr>
+        <p:spPr/>
+        <p:txBody>
+          <a:bodyPr/>
+          <a:lstStyle/>
+          <a:p>
+            <a:r>
+              <a:rPr lang="en-US" dirty="0" smtClean="0"/>
+              <a:t>Maximizes the preceding probability function using loopy belief propagation.</a:t>
+            </a:r>
+            <a:endParaRPr lang="en-US" dirty="0"/>
+          </a:p>
+          <a:p>
+            <a:endParaRPr lang="en-US" dirty="0"/>
+          </a:p>
+          <a:p>
+            <a:r>
+              <a:rPr lang="en-US" dirty="0" smtClean="0"/>
+              <a:t>Susceptible to local maxima so random restarts may be performed.</a:t>
+            </a:r>
+          </a:p>
+          <a:p>
+            <a:endParaRPr lang="en-US" dirty="0"/>
+          </a:p>
+          <a:p>
+            <a:r>
+              <a:rPr lang="en-US" b="1" dirty="0" smtClean="0"/>
+              <a:t>Question:</a:t>
+            </a:r>
+            <a:r>
+              <a:rPr lang="en-US" dirty="0" smtClean="0"/>
+              <a:t> What if I do not have access to a low resolution version of the original image?  Can I make one or use a substitute?</a:t>
+            </a:r>
+            <a:endParaRPr lang="en-US" dirty="0"/>
+          </a:p>
+        </p:txBody>
+      </p:sp>
     </p:spTree>
     <p:extLst>
       <p:ext uri="{BB962C8B-B14F-4D97-AF65-F5344CB8AC3E}">
-        <p14:creationId xmlns:p14="http://schemas.microsoft.com/office/powerpoint/2010/main" val="1855633438"/>
+        <p14:creationId xmlns:p14="http://schemas.microsoft.com/office/powerpoint/2010/main" val="674603872"/>
       </p:ext>
     </p:extLst>
   </p:cSld>
@@ -9200,102 +9901,168 @@
             <p:ph type="title"/>
           </p:nvPr>
         </p:nvSpPr>
-        <p:spPr>
-          <a:xfrm>
-            <a:off x="2105024" y="76200"/>
-            <a:ext cx="7038975" cy="550863"/>
-          </a:xfrm>
-        </p:spPr>
+        <p:spPr/>
         <p:txBody>
           <a:bodyPr>
-            <a:noAutofit/>
+            <a:normAutofit/>
           </a:bodyPr>
           <a:lstStyle/>
           <a:p>
             <a:r>
-              <a:rPr lang="en-US" sz="2400" dirty="0" smtClean="0"/>
-              <a:t>“Dense and Noisy” – Generating the Low Res. Image</a:t>
-            </a:r>
-            <a:endParaRPr lang="en-US" sz="2400" dirty="0"/>
+              <a:rPr lang="en-US" sz="2800" dirty="0" smtClean="0"/>
+              <a:t>“Dense and Noisy” Estimation</a:t>
+            </a:r>
+            <a:endParaRPr lang="en-US" sz="2800" dirty="0"/>
           </a:p>
         </p:txBody>
       </p:sp>
-      <p:sp>
-        <p:nvSpPr>
-          <p:cNvPr id="3" name="Content Placeholder 2"/>
-          <p:cNvSpPr>
-            <a:spLocks noGrp="1"/>
-          </p:cNvSpPr>
-          <p:nvPr>
-            <p:ph idx="1"/>
-          </p:nvPr>
-        </p:nvSpPr>
-        <p:spPr/>
-        <p:txBody>
-          <a:bodyPr/>
-          <a:lstStyle/>
-          <a:p>
-            <a:r>
-              <a:rPr lang="en-US" b="1" dirty="0" smtClean="0"/>
-              <a:t>Theoretical Motivation: </a:t>
-            </a:r>
-            <a:r>
-              <a:rPr lang="en-US" dirty="0" smtClean="0"/>
-              <a:t>Different colors are more likely to be at different places in an image.</a:t>
-            </a:r>
-          </a:p>
-          <a:p>
-            <a:pPr lvl="1"/>
-            <a:r>
-              <a:rPr lang="en-US" i="1" dirty="0" smtClean="0">
-                <a:solidFill>
-                  <a:srgbClr val="006600"/>
-                </a:solidFill>
-              </a:rPr>
-              <a:t>Example</a:t>
-            </a:r>
-            <a:r>
-              <a:rPr lang="en-US" b="1" dirty="0" smtClean="0"/>
-              <a:t>:</a:t>
-            </a:r>
-            <a:r>
-              <a:rPr lang="en-US" dirty="0" smtClean="0"/>
-              <a:t> Blue (sky) is more likely to be towards the top of the image while brown (soil) tends to be in the image foreground.</a:t>
-            </a:r>
-          </a:p>
-          <a:p>
-            <a:endParaRPr lang="en-US" dirty="0" smtClean="0"/>
-          </a:p>
-          <a:p>
-            <a:r>
-              <a:rPr lang="en-US" b="1" dirty="0" smtClean="0"/>
-              <a:t>Mapping Bins to the Image</a:t>
-            </a:r>
-            <a:r>
-              <a:rPr lang="en-US" dirty="0" smtClean="0"/>
-              <a:t>: Use the training set to generate probability density maps for each histogram bin.</a:t>
-            </a:r>
-          </a:p>
-          <a:p>
-            <a:endParaRPr lang="en-US" dirty="0"/>
-          </a:p>
-          <a:p>
-            <a:r>
-              <a:rPr lang="en-US" b="1" dirty="0" smtClean="0"/>
-              <a:t>Using the Histogram to Create the Low Resolution Image</a:t>
-            </a:r>
-            <a:r>
-              <a:rPr lang="en-US" dirty="0" smtClean="0"/>
-              <a:t>: Use a trained, linear regression function to map a bag of pieces histogram to the training images (i.e. use prior knowledge).</a:t>
-            </a:r>
-            <a:endParaRPr lang="en-US" dirty="0"/>
-          </a:p>
-        </p:txBody>
-      </p:sp>
+      <mc:AlternateContent xmlns:mc="http://schemas.openxmlformats.org/markup-compatibility/2006" xmlns:a14="http://schemas.microsoft.com/office/drawing/2010/main">
+        <mc:Choice Requires="a14">
+          <p:sp>
+            <p:nvSpPr>
+              <p:cNvPr id="3" name="Content Placeholder 2"/>
+              <p:cNvSpPr>
+                <a:spLocks noGrp="1"/>
+              </p:cNvSpPr>
+              <p:nvPr>
+                <p:ph idx="1"/>
+              </p:nvPr>
+            </p:nvSpPr>
+            <p:spPr/>
+            <p:txBody>
+              <a:bodyPr/>
+              <a:lstStyle/>
+              <a:p>
+                <a:r>
+                  <a:rPr lang="en-US" dirty="0" smtClean="0"/>
+                  <a:t>Proposed by Cho </a:t>
+                </a:r>
+                <a:r>
+                  <a:rPr lang="en-US" i="1" dirty="0" smtClean="0"/>
+                  <a:t>et. al. </a:t>
+                </a:r>
+                <a:r>
+                  <a:rPr lang="en-US" dirty="0" smtClean="0"/>
+                  <a:t>in [7] in 2010.</a:t>
+                </a:r>
+              </a:p>
+              <a:p>
+                <a:endParaRPr lang="en-US" dirty="0" smtClean="0"/>
+              </a:p>
+              <a:p>
+                <a:r>
+                  <a:rPr lang="en-US" b="1" dirty="0" smtClean="0"/>
+                  <a:t>Review: </a:t>
+                </a:r>
+                <a:r>
+                  <a:rPr lang="en-US" dirty="0" smtClean="0"/>
+                  <a:t>In Cho </a:t>
+                </a:r>
+                <a:r>
+                  <a:rPr lang="en-US" i="1" dirty="0" smtClean="0"/>
+                  <a:t>et. al.</a:t>
+                </a:r>
+                <a:r>
+                  <a:rPr lang="en-US" dirty="0" smtClean="0"/>
+                  <a:t>’s work in [8], they assumed access to a correct, low resolution version of the original image.</a:t>
+                </a:r>
+              </a:p>
+              <a:p>
+                <a:pPr lvl="1"/>
+                <a:r>
+                  <a:rPr lang="en-US" dirty="0" smtClean="0"/>
+                  <a:t>In many real world applications, such a low resolution image is not available.</a:t>
+                </a:r>
+              </a:p>
+              <a:p>
+                <a:endParaRPr lang="en-US" dirty="0" smtClean="0"/>
+              </a:p>
+              <a:p>
+                <a:r>
+                  <a:rPr lang="en-US" b="1" dirty="0" smtClean="0"/>
+                  <a:t>Solution:</a:t>
+                </a:r>
+                <a:r>
+                  <a:rPr lang="en-US" dirty="0" smtClean="0"/>
+                  <a:t> Estimate a low resolution image from a “bag of patches.”  The simplified procedure is:</a:t>
+                </a:r>
+              </a:p>
+              <a:p>
+                <a:pPr lvl="1"/>
+                <a:r>
+                  <a:rPr lang="en-US" dirty="0" smtClean="0"/>
+                  <a:t>Creating a histogram of the bag of patches</a:t>
+                </a:r>
+              </a:p>
+              <a:p>
+                <a:pPr lvl="1"/>
+                <a:r>
+                  <a:rPr lang="en-US" dirty="0" smtClean="0"/>
+                  <a:t>“Estimate” a low resolution version by comparing the histogram to a set of </a:t>
+                </a:r>
+                <a14:m>
+                  <m:oMath xmlns:m="http://schemas.openxmlformats.org/officeDocument/2006/math">
+                    <m:r>
+                      <a:rPr lang="en-US" b="0" i="1" smtClean="0">
+                        <a:latin typeface="Cambria Math"/>
+                      </a:rPr>
+                      <m:t>𝐾</m:t>
+                    </m:r>
+                  </m:oMath>
+                </a14:m>
+                <a:r>
+                  <a:rPr lang="en-US" dirty="0" smtClean="0"/>
+                  <a:t> centroids with predefined low resolution images.</a:t>
+                </a:r>
+              </a:p>
+              <a:p>
+                <a:pPr lvl="1"/>
+                <a:endParaRPr lang="en-US" dirty="0" smtClean="0"/>
+              </a:p>
+              <a:p>
+                <a:endParaRPr lang="en-US" dirty="0"/>
+              </a:p>
+            </p:txBody>
+          </p:sp>
+        </mc:Choice>
+        <mc:Fallback xmlns="">
+          <p:sp>
+            <p:nvSpPr>
+              <p:cNvPr id="3" name="Content Placeholder 2"/>
+              <p:cNvSpPr>
+                <a:spLocks noGrp="1" noRot="1" noChangeAspect="1" noMove="1" noResize="1" noEditPoints="1" noAdjustHandles="1" noChangeArrowheads="1" noChangeShapeType="1" noTextEdit="1"/>
+              </p:cNvSpPr>
+              <p:nvPr>
+                <p:ph idx="1"/>
+              </p:nvPr>
+            </p:nvSpPr>
+            <p:spPr>
+              <a:blipFill rotWithShape="1">
+                <a:blip r:embed="rId2"/>
+                <a:stretch>
+                  <a:fillRect l="-963" t="-949" r="-1333"/>
+                </a:stretch>
+              </a:blipFill>
+            </p:spPr>
+            <p:txBody>
+              <a:bodyPr/>
+              <a:lstStyle/>
+              <a:p>
+                <a:r>
+                  <a:rPr lang="en-US">
+                    <a:noFill/>
+                  </a:rPr>
+                  <a:t> </a:t>
+                </a:r>
+              </a:p>
+            </p:txBody>
+          </p:sp>
+        </mc:Fallback>
+      </mc:AlternateContent>
     </p:spTree>
     <p:extLst>
       <p:ext uri="{BB962C8B-B14F-4D97-AF65-F5344CB8AC3E}">
-        <p14:creationId xmlns:p14="http://schemas.microsoft.com/office/powerpoint/2010/main" val="58278014"/>
+        <p14:creationId xmlns:p14="http://schemas.microsoft.com/office/powerpoint/2010/main" val="2946689892"/>
       </p:ext>
     </p:extLst>
   </p:cSld>
@@ -9339,6 +10106,429 @@
             <p:ph type="title"/>
           </p:nvPr>
         </p:nvSpPr>
+        <p:spPr>
+          <a:xfrm>
+            <a:off x="1790700" y="127002"/>
+            <a:ext cx="7353300" cy="550863"/>
+          </a:xfrm>
+        </p:spPr>
+        <p:txBody>
+          <a:bodyPr>
+            <a:noAutofit/>
+          </a:bodyPr>
+          <a:lstStyle/>
+          <a:p>
+            <a:r>
+              <a:rPr lang="en-US" sz="2400" dirty="0" smtClean="0"/>
+              <a:t>“Dense and Noisy” Clustering </a:t>
+            </a:r>
+            <a:br>
+              <a:rPr lang="en-US" sz="2400" dirty="0" smtClean="0"/>
+            </a:br>
+            <a:r>
+              <a:rPr lang="en-US" sz="2400" dirty="0" smtClean="0"/>
+              <a:t>and Histogram Generation</a:t>
+            </a:r>
+            <a:endParaRPr lang="en-US" sz="2400" dirty="0"/>
+          </a:p>
+        </p:txBody>
+      </p:sp>
+      <mc:AlternateContent xmlns:mc="http://schemas.openxmlformats.org/markup-compatibility/2006" xmlns:a14="http://schemas.microsoft.com/office/drawing/2010/main">
+        <mc:Choice Requires="a14">
+          <p:sp>
+            <p:nvSpPr>
+              <p:cNvPr id="3" name="Content Placeholder 2"/>
+              <p:cNvSpPr>
+                <a:spLocks noGrp="1"/>
+              </p:cNvSpPr>
+              <p:nvPr>
+                <p:ph idx="1"/>
+              </p:nvPr>
+            </p:nvSpPr>
+            <p:spPr/>
+            <p:txBody>
+              <a:bodyPr/>
+              <a:lstStyle/>
+              <a:p>
+                <a:pPr>
+                  <a:spcBef>
+                    <a:spcPts val="1000"/>
+                  </a:spcBef>
+                </a:pPr>
+                <a:r>
+                  <a:rPr lang="en-US" b="1" dirty="0" smtClean="0"/>
+                  <a:t>Training Set:</a:t>
+                </a:r>
+                <a:r>
+                  <a:rPr lang="en-US" dirty="0" smtClean="0"/>
+                  <a:t> 8.5M patches from 15,000 images.</a:t>
+                </a:r>
+              </a:p>
+              <a:p>
+                <a:pPr lvl="1">
+                  <a:spcBef>
+                    <a:spcPts val="1000"/>
+                  </a:spcBef>
+                </a:pPr>
+                <a:r>
+                  <a:rPr lang="en-US" i="1" dirty="0">
+                    <a:solidFill>
+                      <a:srgbClr val="006600"/>
+                    </a:solidFill>
+                  </a:rPr>
+                  <a:t>Patch Size: </a:t>
+                </a:r>
+                <a:r>
+                  <a:rPr lang="en-US" dirty="0" smtClean="0"/>
+                  <a:t>7px by 7px by 3 (LAB) for 147 total, original dimensions.  This dimensionality is reduced via PCA.</a:t>
+                </a:r>
+              </a:p>
+              <a:p>
+                <a:pPr marL="457200" lvl="1" indent="0">
+                  <a:spcBef>
+                    <a:spcPts val="1000"/>
+                  </a:spcBef>
+                  <a:buNone/>
+                </a:pPr>
+                <a:endParaRPr lang="en-US" dirty="0" smtClean="0"/>
+              </a:p>
+              <a:p>
+                <a:pPr>
+                  <a:spcBef>
+                    <a:spcPts val="1000"/>
+                  </a:spcBef>
+                </a:pPr>
+                <a:r>
+                  <a:rPr lang="en-US" b="1" dirty="0" smtClean="0"/>
+                  <a:t>Clustering the Patches</a:t>
+                </a:r>
+              </a:p>
+              <a:p>
+                <a:pPr lvl="1">
+                  <a:spcBef>
+                    <a:spcPts val="1000"/>
+                  </a:spcBef>
+                </a:pPr>
+                <a:r>
+                  <a:rPr lang="en-US" i="1" dirty="0">
+                    <a:solidFill>
+                      <a:srgbClr val="006600"/>
+                    </a:solidFill>
+                  </a:rPr>
+                  <a:t>Step #1: </a:t>
+                </a:r>
+                <a:r>
+                  <a:rPr lang="en-US" dirty="0" smtClean="0"/>
+                  <a:t>Cluster each image’s patches into </a:t>
+                </a:r>
+                <a14:m>
+                  <m:oMath xmlns:m="http://schemas.openxmlformats.org/officeDocument/2006/math">
+                    <m:r>
+                      <a:rPr lang="en-US" b="0" i="1" smtClean="0">
+                        <a:latin typeface="Cambria Math"/>
+                      </a:rPr>
+                      <m:t>𝐿</m:t>
+                    </m:r>
+                  </m:oMath>
+                </a14:m>
+                <a:r>
+                  <a:rPr lang="en-US" dirty="0" smtClean="0"/>
+                  <a:t> (e.g. 20) centroids.</a:t>
+                </a:r>
+              </a:p>
+              <a:p>
+                <a:pPr lvl="1">
+                  <a:spcBef>
+                    <a:spcPts val="1000"/>
+                  </a:spcBef>
+                </a:pPr>
+                <a:r>
+                  <a:rPr lang="en-US" i="1" dirty="0" smtClean="0">
+                    <a:solidFill>
+                      <a:srgbClr val="006600"/>
+                    </a:solidFill>
+                  </a:rPr>
+                  <a:t>Step #2</a:t>
+                </a:r>
+                <a:r>
+                  <a:rPr lang="en-US" dirty="0" smtClean="0"/>
+                  <a:t>: Re-cluster </a:t>
+                </a:r>
+                <a14:m>
+                  <m:oMath xmlns:m="http://schemas.openxmlformats.org/officeDocument/2006/math">
+                    <m:r>
+                      <a:rPr lang="en-US" b="0" i="1" smtClean="0">
+                        <a:latin typeface="Cambria Math"/>
+                      </a:rPr>
+                      <m:t>𝐿</m:t>
+                    </m:r>
+                  </m:oMath>
+                </a14:m>
+                <a:r>
+                  <a:rPr lang="en-US" dirty="0" smtClean="0"/>
+                  <a:t> centroids from all images into </a:t>
+                </a:r>
+                <a14:m>
+                  <m:oMath xmlns:m="http://schemas.openxmlformats.org/officeDocument/2006/math">
+                    <m:r>
+                      <a:rPr lang="en-US" b="0" i="1" smtClean="0">
+                        <a:latin typeface="Cambria Math"/>
+                      </a:rPr>
+                      <m:t>𝑁</m:t>
+                    </m:r>
+                  </m:oMath>
+                </a14:m>
+                <a:r>
+                  <a:rPr lang="en-US" dirty="0" smtClean="0"/>
+                  <a:t> (e.g. 200) centroids. </a:t>
+                </a:r>
+              </a:p>
+              <a:p>
+                <a:pPr>
+                  <a:spcBef>
+                    <a:spcPts val="1000"/>
+                  </a:spcBef>
+                </a:pPr>
+                <a:endParaRPr lang="en-US" dirty="0" smtClean="0"/>
+              </a:p>
+              <a:p>
+                <a:pPr>
+                  <a:spcBef>
+                    <a:spcPts val="1000"/>
+                  </a:spcBef>
+                </a:pPr>
+                <a:r>
+                  <a:rPr lang="en-US" b="1" dirty="0" smtClean="0"/>
+                  <a:t>Creating the Histogram: </a:t>
+                </a:r>
+                <a:r>
+                  <a:rPr lang="en-US" dirty="0" smtClean="0"/>
+                  <a:t>For a given image, assign each patch to its closest centroid.  </a:t>
+                </a:r>
+              </a:p>
+            </p:txBody>
+          </p:sp>
+        </mc:Choice>
+        <mc:Fallback xmlns="">
+          <p:sp>
+            <p:nvSpPr>
+              <p:cNvPr id="3" name="Content Placeholder 2"/>
+              <p:cNvSpPr>
+                <a:spLocks noGrp="1" noRot="1" noChangeAspect="1" noMove="1" noResize="1" noEditPoints="1" noAdjustHandles="1" noChangeArrowheads="1" noChangeShapeType="1" noTextEdit="1"/>
+              </p:cNvSpPr>
+              <p:nvPr>
+                <p:ph idx="1"/>
+              </p:nvPr>
+            </p:nvSpPr>
+            <p:spPr>
+              <a:blipFill rotWithShape="1">
+                <a:blip r:embed="rId2"/>
+                <a:stretch>
+                  <a:fillRect l="-963" t="-949" r="-444"/>
+                </a:stretch>
+              </a:blipFill>
+            </p:spPr>
+            <p:txBody>
+              <a:bodyPr/>
+              <a:lstStyle/>
+              <a:p>
+                <a:r>
+                  <a:rPr lang="en-US">
+                    <a:noFill/>
+                  </a:rPr>
+                  <a:t> </a:t>
+                </a:r>
+              </a:p>
+            </p:txBody>
+          </p:sp>
+        </mc:Fallback>
+      </mc:AlternateContent>
+    </p:spTree>
+    <p:extLst>
+      <p:ext uri="{BB962C8B-B14F-4D97-AF65-F5344CB8AC3E}">
+        <p14:creationId xmlns:p14="http://schemas.microsoft.com/office/powerpoint/2010/main" val="1855633438"/>
+      </p:ext>
+    </p:extLst>
+  </p:cSld>
+  <p:clrMapOvr>
+    <a:masterClrMapping/>
+  </p:clrMapOvr>
+  <p:timing>
+    <p:tnLst>
+      <p:par>
+        <p:cTn id="1" dur="indefinite" restart="never" nodeType="tmRoot"/>
+      </p:par>
+    </p:tnLst>
+  </p:timing>
+</p:sld>
+</file>
+
+<file path=ppt/slides/slide24.xml><?xml version="1.0" encoding="utf-8"?>
+<p:sld xmlns:a="http://schemas.openxmlformats.org/drawingml/2006/main" xmlns:r="http://schemas.openxmlformats.org/officeDocument/2006/relationships" xmlns:p="http://schemas.openxmlformats.org/presentationml/2006/main">
+  <p:cSld>
+    <p:spTree>
+      <p:nvGrpSpPr>
+        <p:cNvPr id="1" name=""/>
+        <p:cNvGrpSpPr/>
+        <p:nvPr/>
+      </p:nvGrpSpPr>
+      <p:grpSpPr>
+        <a:xfrm>
+          <a:off x="0" y="0"/>
+          <a:ext cx="0" cy="0"/>
+          <a:chOff x="0" y="0"/>
+          <a:chExt cx="0" cy="0"/>
+        </a:xfrm>
+      </p:grpSpPr>
+      <p:sp>
+        <p:nvSpPr>
+          <p:cNvPr id="2" name="Title 1"/>
+          <p:cNvSpPr>
+            <a:spLocks noGrp="1"/>
+          </p:cNvSpPr>
+          <p:nvPr>
+            <p:ph type="title"/>
+          </p:nvPr>
+        </p:nvSpPr>
+        <p:spPr>
+          <a:xfrm>
+            <a:off x="2105024" y="76200"/>
+            <a:ext cx="7038975" cy="550863"/>
+          </a:xfrm>
+        </p:spPr>
+        <p:txBody>
+          <a:bodyPr>
+            <a:noAutofit/>
+          </a:bodyPr>
+          <a:lstStyle/>
+          <a:p>
+            <a:r>
+              <a:rPr lang="en-US" sz="2400" dirty="0" smtClean="0"/>
+              <a:t>“Dense and Noisy” – Generating the Low Res. Image</a:t>
+            </a:r>
+            <a:endParaRPr lang="en-US" sz="2400" dirty="0"/>
+          </a:p>
+        </p:txBody>
+      </p:sp>
+      <p:sp>
+        <p:nvSpPr>
+          <p:cNvPr id="3" name="Content Placeholder 2"/>
+          <p:cNvSpPr>
+            <a:spLocks noGrp="1"/>
+          </p:cNvSpPr>
+          <p:nvPr>
+            <p:ph idx="1"/>
+          </p:nvPr>
+        </p:nvSpPr>
+        <p:spPr/>
+        <p:txBody>
+          <a:bodyPr/>
+          <a:lstStyle/>
+          <a:p>
+            <a:r>
+              <a:rPr lang="en-US" b="1" dirty="0" smtClean="0"/>
+              <a:t>Theoretical Motivation: </a:t>
+            </a:r>
+            <a:r>
+              <a:rPr lang="en-US" dirty="0" smtClean="0"/>
+              <a:t>Different colors are more likely to be at different places in an image.</a:t>
+            </a:r>
+          </a:p>
+          <a:p>
+            <a:pPr lvl="1"/>
+            <a:r>
+              <a:rPr lang="en-US" i="1" dirty="0" smtClean="0">
+                <a:solidFill>
+                  <a:srgbClr val="006600"/>
+                </a:solidFill>
+              </a:rPr>
+              <a:t>Example</a:t>
+            </a:r>
+            <a:r>
+              <a:rPr lang="en-US" b="1" dirty="0" smtClean="0"/>
+              <a:t>:</a:t>
+            </a:r>
+            <a:r>
+              <a:rPr lang="en-US" dirty="0" smtClean="0"/>
+              <a:t> Blue (sky) is more likely to be towards the top of the image while brown (soil) tends to be in the image foreground.</a:t>
+            </a:r>
+          </a:p>
+          <a:p>
+            <a:endParaRPr lang="en-US" dirty="0" smtClean="0"/>
+          </a:p>
+          <a:p>
+            <a:r>
+              <a:rPr lang="en-US" b="1" dirty="0" smtClean="0"/>
+              <a:t>Mapping Bins to the Image</a:t>
+            </a:r>
+            <a:r>
+              <a:rPr lang="en-US" dirty="0" smtClean="0"/>
+              <a:t>: Use the training set to generate probability density maps for each histogram bin.</a:t>
+            </a:r>
+          </a:p>
+          <a:p>
+            <a:endParaRPr lang="en-US" dirty="0"/>
+          </a:p>
+          <a:p>
+            <a:r>
+              <a:rPr lang="en-US" b="1" dirty="0" smtClean="0"/>
+              <a:t>Using the Histogram to Create the Low Resolution Image</a:t>
+            </a:r>
+            <a:r>
+              <a:rPr lang="en-US" dirty="0" smtClean="0"/>
+              <a:t>: Use a trained, linear regression function to map a bag of pieces histogram to the training images (i.e. use prior knowledge).</a:t>
+            </a:r>
+            <a:endParaRPr lang="en-US" dirty="0"/>
+          </a:p>
+        </p:txBody>
+      </p:sp>
+    </p:spTree>
+    <p:extLst>
+      <p:ext uri="{BB962C8B-B14F-4D97-AF65-F5344CB8AC3E}">
+        <p14:creationId xmlns:p14="http://schemas.microsoft.com/office/powerpoint/2010/main" val="58278014"/>
+      </p:ext>
+    </p:extLst>
+  </p:cSld>
+  <p:clrMapOvr>
+    <a:masterClrMapping/>
+  </p:clrMapOvr>
+  <p:timing>
+    <p:tnLst>
+      <p:par>
+        <p:cTn id="1" dur="indefinite" restart="never" nodeType="tmRoot"/>
+      </p:par>
+    </p:tnLst>
+  </p:timing>
+</p:sld>
+</file>
+
+<file path=ppt/slides/slide25.xml><?xml version="1.0" encoding="utf-8"?>
+<p:sld xmlns:a="http://schemas.openxmlformats.org/drawingml/2006/main" xmlns:r="http://schemas.openxmlformats.org/officeDocument/2006/relationships" xmlns:p="http://schemas.openxmlformats.org/presentationml/2006/main">
+  <p:cSld>
+    <p:spTree>
+      <p:nvGrpSpPr>
+        <p:cNvPr id="1" name=""/>
+        <p:cNvGrpSpPr/>
+        <p:nvPr/>
+      </p:nvGrpSpPr>
+      <p:grpSpPr>
+        <a:xfrm>
+          <a:off x="0" y="0"/>
+          <a:ext cx="0" cy="0"/>
+          <a:chOff x="0" y="0"/>
+          <a:chExt cx="0" cy="0"/>
+        </a:xfrm>
+      </p:grpSpPr>
+      <p:sp>
+        <p:nvSpPr>
+          <p:cNvPr id="2" name="Title 1"/>
+          <p:cNvSpPr>
+            <a:spLocks noGrp="1"/>
+          </p:cNvSpPr>
+          <p:nvPr>
+            <p:ph type="title"/>
+          </p:nvPr>
+        </p:nvSpPr>
         <p:spPr/>
         <p:txBody>
           <a:bodyPr>
@@ -9554,7 +10744,7 @@
 </p:sld>
 </file>
 
-<file path=ppt/slides/slide24.xml><?xml version="1.0" encoding="utf-8"?>
+<file path=ppt/slides/slide26.xml><?xml version="1.0" encoding="utf-8"?>
 <p:sld xmlns:a="http://schemas.openxmlformats.org/drawingml/2006/main" xmlns:r="http://schemas.openxmlformats.org/officeDocument/2006/relationships" xmlns:p="http://schemas.openxmlformats.org/presentationml/2006/main">
   <p:cSld>
     <p:spTree>
@@ -10090,7 +11280,7 @@
 </p:sld>
 </file>
 
-<file path=ppt/slides/slide25.xml><?xml version="1.0" encoding="utf-8"?>
+<file path=ppt/slides/slide27.xml><?xml version="1.0" encoding="utf-8"?>
 <p:sld xmlns:a="http://schemas.openxmlformats.org/drawingml/2006/main" xmlns:r="http://schemas.openxmlformats.org/officeDocument/2006/relationships" xmlns:p="http://schemas.openxmlformats.org/presentationml/2006/main">
   <p:cSld>
     <p:spTree>
@@ -10369,582 +11559,6 @@
     <p:extLst>
       <p:ext uri="{BB962C8B-B14F-4D97-AF65-F5344CB8AC3E}">
         <p14:creationId xmlns:p14="http://schemas.microsoft.com/office/powerpoint/2010/main" val="4118033345"/>
-      </p:ext>
-    </p:extLst>
-  </p:cSld>
-  <p:clrMapOvr>
-    <a:masterClrMapping/>
-  </p:clrMapOvr>
-  <p:timing>
-    <p:tnLst>
-      <p:par>
-        <p:cTn id="1" dur="indefinite" restart="never" nodeType="tmRoot"/>
-      </p:par>
-    </p:tnLst>
-  </p:timing>
-</p:sld>
-</file>
-
-<file path=ppt/slides/slide26.xml><?xml version="1.0" encoding="utf-8"?>
-<p:sld xmlns:a="http://schemas.openxmlformats.org/drawingml/2006/main" xmlns:r="http://schemas.openxmlformats.org/officeDocument/2006/relationships" xmlns:p="http://schemas.openxmlformats.org/presentationml/2006/main">
-  <p:cSld>
-    <p:spTree>
-      <p:nvGrpSpPr>
-        <p:cNvPr id="1" name=""/>
-        <p:cNvGrpSpPr/>
-        <p:nvPr/>
-      </p:nvGrpSpPr>
-      <p:grpSpPr>
-        <a:xfrm>
-          <a:off x="0" y="0"/>
-          <a:ext cx="0" cy="0"/>
-          <a:chOff x="0" y="0"/>
-          <a:chExt cx="0" cy="0"/>
-        </a:xfrm>
-      </p:grpSpPr>
-      <p:sp>
-        <p:nvSpPr>
-          <p:cNvPr id="2" name="Title 1"/>
-          <p:cNvSpPr>
-            <a:spLocks noGrp="1"/>
-          </p:cNvSpPr>
-          <p:nvPr>
-            <p:ph type="title"/>
-          </p:nvPr>
-        </p:nvSpPr>
-        <p:spPr/>
-        <p:txBody>
-          <a:bodyPr>
-            <a:normAutofit fontScale="90000"/>
-          </a:bodyPr>
-          <a:lstStyle/>
-          <a:p>
-            <a:r>
-              <a:rPr lang="en-US" dirty="0" smtClean="0"/>
-              <a:t>Generalized Greedy Algorithm</a:t>
-            </a:r>
-            <a:endParaRPr lang="en-US" dirty="0"/>
-          </a:p>
-        </p:txBody>
-      </p:sp>
-      <p:sp>
-        <p:nvSpPr>
-          <p:cNvPr id="3" name="Content Placeholder 2"/>
-          <p:cNvSpPr>
-            <a:spLocks noGrp="1"/>
-          </p:cNvSpPr>
-          <p:nvPr>
-            <p:ph idx="1"/>
-          </p:nvPr>
-        </p:nvSpPr>
-        <p:spPr/>
-        <p:txBody>
-          <a:bodyPr>
-            <a:normAutofit fontScale="92500" lnSpcReduction="20000"/>
-          </a:bodyPr>
-          <a:lstStyle/>
-          <a:p>
-            <a:pPr>
-              <a:lnSpc>
-                <a:spcPct val="130000"/>
-              </a:lnSpc>
-              <a:spcBef>
-                <a:spcPts val="600"/>
-              </a:spcBef>
-            </a:pPr>
-            <a:r>
-              <a:rPr lang="en-US" dirty="0" smtClean="0"/>
-              <a:t>Proposed by </a:t>
-            </a:r>
-            <a:r>
-              <a:rPr lang="en-US" dirty="0" err="1" smtClean="0"/>
-              <a:t>Pomeranz</a:t>
-            </a:r>
-            <a:r>
-              <a:rPr lang="en-US" dirty="0" smtClean="0"/>
-              <a:t> </a:t>
-            </a:r>
-            <a:r>
-              <a:rPr lang="en-US" i="1" dirty="0" smtClean="0"/>
-              <a:t>et. al.</a:t>
-            </a:r>
-            <a:r>
-              <a:rPr lang="en-US" dirty="0" smtClean="0"/>
-              <a:t> in [10] in 2011.</a:t>
-            </a:r>
-          </a:p>
-          <a:p>
-            <a:pPr>
-              <a:lnSpc>
-                <a:spcPct val="130000"/>
-              </a:lnSpc>
-              <a:spcBef>
-                <a:spcPts val="600"/>
-              </a:spcBef>
-            </a:pPr>
-            <a:endParaRPr lang="en-US" sz="500" dirty="0"/>
-          </a:p>
-          <a:p>
-            <a:pPr>
-              <a:lnSpc>
-                <a:spcPct val="130000"/>
-              </a:lnSpc>
-              <a:spcBef>
-                <a:spcPts val="600"/>
-              </a:spcBef>
-            </a:pPr>
-            <a:r>
-              <a:rPr lang="en-US" sz="2200" b="1" dirty="0" smtClean="0"/>
-              <a:t>Goal: </a:t>
-            </a:r>
-            <a:r>
-              <a:rPr lang="en-US" sz="2200" dirty="0" smtClean="0"/>
-              <a:t>Provide a computational framework for handling square jigsaw puzzles in reasonable time that does not rely on any prior knowledge or human intervention.</a:t>
-            </a:r>
-          </a:p>
-          <a:p>
-            <a:pPr>
-              <a:lnSpc>
-                <a:spcPct val="130000"/>
-              </a:lnSpc>
-              <a:spcBef>
-                <a:spcPts val="600"/>
-              </a:spcBef>
-            </a:pPr>
-            <a:endParaRPr lang="en-US" sz="500" dirty="0" smtClean="0"/>
-          </a:p>
-          <a:p>
-            <a:pPr>
-              <a:lnSpc>
-                <a:spcPct val="130000"/>
-              </a:lnSpc>
-              <a:spcBef>
-                <a:spcPts val="600"/>
-              </a:spcBef>
-            </a:pPr>
-            <a:r>
-              <a:rPr lang="en-US" dirty="0" smtClean="0"/>
-              <a:t>Solver divides the puzzle reconstruction into three </a:t>
-            </a:r>
-            <a:r>
-              <a:rPr lang="en-US" dirty="0" err="1" smtClean="0"/>
-              <a:t>subproblems</a:t>
-            </a:r>
-            <a:r>
-              <a:rPr lang="en-US" dirty="0" smtClean="0"/>
-              <a:t>:</a:t>
-            </a:r>
-          </a:p>
-          <a:p>
-            <a:pPr lvl="1">
-              <a:lnSpc>
-                <a:spcPct val="130000"/>
-              </a:lnSpc>
-              <a:spcBef>
-                <a:spcPts val="600"/>
-              </a:spcBef>
-            </a:pPr>
-            <a:r>
-              <a:rPr lang="en-US" i="1" dirty="0">
-                <a:solidFill>
-                  <a:srgbClr val="006600"/>
-                </a:solidFill>
-              </a:rPr>
-              <a:t>Placement</a:t>
-            </a:r>
-            <a:r>
-              <a:rPr lang="en-US" dirty="0" smtClean="0"/>
-              <a:t>: Given a single patch or partially-placed set of patches, place the remaining patches.</a:t>
-            </a:r>
-          </a:p>
-          <a:p>
-            <a:pPr lvl="1">
-              <a:lnSpc>
-                <a:spcPct val="130000"/>
-              </a:lnSpc>
-              <a:spcBef>
-                <a:spcPts val="600"/>
-              </a:spcBef>
-            </a:pPr>
-            <a:endParaRPr lang="en-US" sz="600" dirty="0"/>
-          </a:p>
-          <a:p>
-            <a:pPr lvl="1">
-              <a:lnSpc>
-                <a:spcPct val="130000"/>
-              </a:lnSpc>
-              <a:spcBef>
-                <a:spcPts val="600"/>
-              </a:spcBef>
-            </a:pPr>
-            <a:r>
-              <a:rPr lang="en-US" i="1" dirty="0">
-                <a:solidFill>
-                  <a:srgbClr val="006600"/>
-                </a:solidFill>
-              </a:rPr>
-              <a:t>Segmentation</a:t>
-            </a:r>
-            <a:r>
-              <a:rPr lang="en-US" dirty="0" smtClean="0"/>
-              <a:t>: Given a fully-placed board, segment the board into subcomponents that are believed to be placed correctly.</a:t>
-            </a:r>
-          </a:p>
-          <a:p>
-            <a:pPr lvl="1">
-              <a:lnSpc>
-                <a:spcPct val="130000"/>
-              </a:lnSpc>
-              <a:spcBef>
-                <a:spcPts val="600"/>
-              </a:spcBef>
-            </a:pPr>
-            <a:endParaRPr lang="en-US" sz="600" dirty="0"/>
-          </a:p>
-          <a:p>
-            <a:pPr lvl="1">
-              <a:lnSpc>
-                <a:spcPct val="130000"/>
-              </a:lnSpc>
-              <a:spcBef>
-                <a:spcPts val="600"/>
-              </a:spcBef>
-            </a:pPr>
-            <a:r>
-              <a:rPr lang="en-US" i="1" dirty="0" smtClean="0">
-                <a:solidFill>
-                  <a:srgbClr val="006600"/>
-                </a:solidFill>
-              </a:rPr>
-              <a:t>Shifting</a:t>
-            </a:r>
-            <a:r>
-              <a:rPr lang="en-US" dirty="0" smtClean="0"/>
-              <a:t>: Given a set of trusted segments, relocate entire segments and individual patches to improve solution quality.</a:t>
-            </a:r>
-            <a:endParaRPr lang="en-US" dirty="0"/>
-          </a:p>
-          <a:p>
-            <a:pPr>
-              <a:lnSpc>
-                <a:spcPct val="130000"/>
-              </a:lnSpc>
-              <a:spcBef>
-                <a:spcPts val="600"/>
-              </a:spcBef>
-            </a:pPr>
-            <a:endParaRPr lang="en-US" dirty="0" smtClean="0"/>
-          </a:p>
-          <a:p>
-            <a:pPr>
-              <a:lnSpc>
-                <a:spcPct val="130000"/>
-              </a:lnSpc>
-              <a:spcBef>
-                <a:spcPts val="600"/>
-              </a:spcBef>
-            </a:pPr>
-            <a:endParaRPr lang="en-US" dirty="0"/>
-          </a:p>
-          <a:p>
-            <a:pPr>
-              <a:lnSpc>
-                <a:spcPct val="130000"/>
-              </a:lnSpc>
-              <a:spcBef>
-                <a:spcPts val="600"/>
-              </a:spcBef>
-            </a:pPr>
-            <a:endParaRPr lang="en-US" dirty="0"/>
-          </a:p>
-        </p:txBody>
-      </p:sp>
-    </p:spTree>
-    <p:extLst>
-      <p:ext uri="{BB962C8B-B14F-4D97-AF65-F5344CB8AC3E}">
-        <p14:creationId xmlns:p14="http://schemas.microsoft.com/office/powerpoint/2010/main" val="2483816693"/>
-      </p:ext>
-    </p:extLst>
-  </p:cSld>
-  <p:clrMapOvr>
-    <a:masterClrMapping/>
-  </p:clrMapOvr>
-  <p:timing>
-    <p:tnLst>
-      <p:par>
-        <p:cTn id="1" dur="indefinite" restart="never" nodeType="tmRoot"/>
-      </p:par>
-    </p:tnLst>
-  </p:timing>
-</p:sld>
-</file>
-
-<file path=ppt/slides/slide27.xml><?xml version="1.0" encoding="utf-8"?>
-<p:sld xmlns:a="http://schemas.openxmlformats.org/drawingml/2006/main" xmlns:r="http://schemas.openxmlformats.org/officeDocument/2006/relationships" xmlns:p="http://schemas.openxmlformats.org/presentationml/2006/main">
-  <p:cSld>
-    <p:spTree>
-      <p:nvGrpSpPr>
-        <p:cNvPr id="1" name=""/>
-        <p:cNvGrpSpPr/>
-        <p:nvPr/>
-      </p:nvGrpSpPr>
-      <p:grpSpPr>
-        <a:xfrm>
-          <a:off x="0" y="0"/>
-          <a:ext cx="0" cy="0"/>
-          <a:chOff x="0" y="0"/>
-          <a:chExt cx="0" cy="0"/>
-        </a:xfrm>
-      </p:grpSpPr>
-      <p:sp>
-        <p:nvSpPr>
-          <p:cNvPr id="2" name="Title 1"/>
-          <p:cNvSpPr>
-            <a:spLocks noGrp="1"/>
-          </p:cNvSpPr>
-          <p:nvPr>
-            <p:ph type="title"/>
-          </p:nvPr>
-        </p:nvSpPr>
-        <p:spPr/>
-        <p:txBody>
-          <a:bodyPr>
-            <a:noAutofit/>
-          </a:bodyPr>
-          <a:lstStyle/>
-          <a:p>
-            <a:r>
-              <a:rPr lang="en-US" sz="2800" dirty="0" smtClean="0"/>
-              <a:t>Overview of the Greedy Placement Phase</a:t>
-            </a:r>
-            <a:endParaRPr lang="en-US" sz="2800" dirty="0"/>
-          </a:p>
-        </p:txBody>
-      </p:sp>
-      <p:sp>
-        <p:nvSpPr>
-          <p:cNvPr id="3" name="Content Placeholder 2"/>
-          <p:cNvSpPr>
-            <a:spLocks noGrp="1"/>
-          </p:cNvSpPr>
-          <p:nvPr>
-            <p:ph idx="1"/>
-          </p:nvPr>
-        </p:nvSpPr>
-        <p:spPr/>
-        <p:txBody>
-          <a:bodyPr>
-            <a:normAutofit fontScale="70000" lnSpcReduction="20000"/>
-          </a:bodyPr>
-          <a:lstStyle/>
-          <a:p>
-            <a:pPr>
-              <a:lnSpc>
-                <a:spcPct val="130000"/>
-              </a:lnSpc>
-              <a:spcBef>
-                <a:spcPts val="600"/>
-              </a:spcBef>
-            </a:pPr>
-            <a:r>
-              <a:rPr lang="en-US" dirty="0" smtClean="0"/>
-              <a:t>Given a partially assembled board (either a single patches or set of patches), continue applying the greedy choice until all patches are placed.</a:t>
-            </a:r>
-          </a:p>
-          <a:p>
-            <a:pPr marL="457200" lvl="1" indent="0">
-              <a:lnSpc>
-                <a:spcPct val="140000"/>
-              </a:lnSpc>
-              <a:spcBef>
-                <a:spcPts val="600"/>
-              </a:spcBef>
-              <a:buNone/>
-            </a:pPr>
-            <a:endParaRPr lang="en-US" sz="400" dirty="0"/>
-          </a:p>
-          <a:p>
-            <a:pPr>
-              <a:lnSpc>
-                <a:spcPct val="130000"/>
-              </a:lnSpc>
-              <a:spcBef>
-                <a:spcPts val="600"/>
-              </a:spcBef>
-            </a:pPr>
-            <a:r>
-              <a:rPr lang="en-US" b="1" dirty="0" smtClean="0"/>
-              <a:t>Overview of the Greedy Choice</a:t>
-            </a:r>
-            <a:r>
-              <a:rPr lang="en-US" dirty="0" smtClean="0"/>
-              <a:t>:</a:t>
-            </a:r>
-          </a:p>
-          <a:p>
-            <a:pPr lvl="1">
-              <a:lnSpc>
-                <a:spcPct val="130000"/>
-              </a:lnSpc>
-              <a:spcBef>
-                <a:spcPts val="600"/>
-              </a:spcBef>
-            </a:pPr>
-            <a:r>
-              <a:rPr lang="en-US" dirty="0" smtClean="0"/>
-              <a:t>Board dimensions are known in advance and fixed</a:t>
-            </a:r>
-          </a:p>
-          <a:p>
-            <a:pPr marL="457200" lvl="1" indent="0">
-              <a:lnSpc>
-                <a:spcPct val="130000"/>
-              </a:lnSpc>
-              <a:spcBef>
-                <a:spcPts val="600"/>
-              </a:spcBef>
-              <a:buNone/>
-            </a:pPr>
-            <a:endParaRPr lang="en-US" sz="500" dirty="0"/>
-          </a:p>
-          <a:p>
-            <a:pPr lvl="1">
-              <a:lnSpc>
-                <a:spcPct val="130000"/>
-              </a:lnSpc>
-              <a:spcBef>
-                <a:spcPts val="600"/>
-              </a:spcBef>
-            </a:pPr>
-            <a:r>
-              <a:rPr lang="en-US" dirty="0" smtClean="0"/>
-              <a:t>Board locations with a higher number of occupied neighbors are preferred as the choice of the next piece is more informed.</a:t>
-            </a:r>
-          </a:p>
-          <a:p>
-            <a:pPr marL="457200" lvl="1" indent="0">
-              <a:lnSpc>
-                <a:spcPct val="130000"/>
-              </a:lnSpc>
-              <a:spcBef>
-                <a:spcPts val="600"/>
-              </a:spcBef>
-              <a:buNone/>
-            </a:pPr>
-            <a:endParaRPr lang="en-US" sz="500" dirty="0" smtClean="0"/>
-          </a:p>
-          <a:p>
-            <a:pPr lvl="1">
-              <a:lnSpc>
-                <a:spcPct val="130000"/>
-              </a:lnSpc>
-              <a:spcBef>
-                <a:spcPts val="600"/>
-              </a:spcBef>
-            </a:pPr>
-            <a:r>
-              <a:rPr lang="en-US" dirty="0" smtClean="0"/>
-              <a:t>Patch selection criteria:</a:t>
-            </a:r>
-          </a:p>
-          <a:p>
-            <a:pPr lvl="2">
-              <a:lnSpc>
-                <a:spcPct val="130000"/>
-              </a:lnSpc>
-              <a:spcBef>
-                <a:spcPts val="600"/>
-              </a:spcBef>
-            </a:pPr>
-            <a:r>
-              <a:rPr lang="en-US" i="1" dirty="0" smtClean="0">
-                <a:solidFill>
-                  <a:srgbClr val="006600"/>
-                </a:solidFill>
-              </a:rPr>
-              <a:t>Primary Criteria</a:t>
-            </a:r>
-            <a:r>
-              <a:rPr lang="en-US" dirty="0" smtClean="0"/>
-              <a:t>: Prefer a “best buddy” first.</a:t>
-            </a:r>
-          </a:p>
-          <a:p>
-            <a:pPr lvl="2">
-              <a:lnSpc>
-                <a:spcPct val="130000"/>
-              </a:lnSpc>
-              <a:spcBef>
-                <a:spcPts val="600"/>
-              </a:spcBef>
-            </a:pPr>
-            <a:r>
-              <a:rPr lang="en-US" i="1" dirty="0" smtClean="0">
-                <a:solidFill>
-                  <a:srgbClr val="006600"/>
-                </a:solidFill>
-              </a:rPr>
-              <a:t>Secondary Criteria</a:t>
-            </a:r>
-            <a:r>
-              <a:rPr lang="en-US" dirty="0" smtClean="0"/>
-              <a:t>: If no or multiple patches satisfy the primary criteria, select the patch with the highest compatibility score.</a:t>
-            </a:r>
-          </a:p>
-          <a:p>
-            <a:pPr lvl="2">
-              <a:lnSpc>
-                <a:spcPct val="130000"/>
-              </a:lnSpc>
-              <a:spcBef>
-                <a:spcPts val="600"/>
-              </a:spcBef>
-            </a:pPr>
-            <a:endParaRPr lang="en-US" dirty="0" smtClean="0"/>
-          </a:p>
-          <a:p>
-            <a:pPr>
-              <a:lnSpc>
-                <a:spcPct val="130000"/>
-              </a:lnSpc>
-              <a:spcBef>
-                <a:spcPts val="600"/>
-              </a:spcBef>
-            </a:pPr>
-            <a:r>
-              <a:rPr lang="en-US" b="1" dirty="0" smtClean="0"/>
-              <a:t>Question: </a:t>
-            </a:r>
-            <a:r>
-              <a:rPr lang="en-US" dirty="0" smtClean="0"/>
-              <a:t>Why is a placer not enough? </a:t>
-            </a:r>
-          </a:p>
-          <a:p>
-            <a:pPr>
-              <a:lnSpc>
-                <a:spcPct val="130000"/>
-              </a:lnSpc>
-              <a:spcBef>
-                <a:spcPts val="600"/>
-              </a:spcBef>
-            </a:pPr>
-            <a:r>
-              <a:rPr lang="en-US" b="1" dirty="0" smtClean="0"/>
-              <a:t>Answer: </a:t>
-            </a:r>
-            <a:r>
-              <a:rPr lang="en-US" dirty="0" smtClean="0"/>
-              <a:t>It works solely on local information.  To get the best results, we must also look at the global solution as a whole.</a:t>
-            </a:r>
-            <a:endParaRPr lang="en-US" dirty="0"/>
-          </a:p>
-        </p:txBody>
-      </p:sp>
-    </p:spTree>
-    <p:extLst>
-      <p:ext uri="{BB962C8B-B14F-4D97-AF65-F5344CB8AC3E}">
-        <p14:creationId xmlns:p14="http://schemas.microsoft.com/office/powerpoint/2010/main" val="260086172"/>
       </p:ext>
     </p:extLst>
   </p:cSld>
@@ -10996,12 +11610,8 @@
           <a:lstStyle/>
           <a:p>
             <a:r>
-              <a:rPr lang="en-US" dirty="0" err="1" smtClean="0"/>
-              <a:t>Segmenter</a:t>
-            </a:r>
-            <a:r>
               <a:rPr lang="en-US" dirty="0" smtClean="0"/>
-              <a:t> Phase</a:t>
+              <a:t>Generalized Greedy Algorithm</a:t>
             </a:r>
             <a:endParaRPr lang="en-US" dirty="0"/>
           </a:p>
@@ -11019,47 +11629,230 @@
         </p:nvSpPr>
         <p:spPr/>
         <p:txBody>
-          <a:bodyPr/>
+          <a:bodyPr>
+            <a:normAutofit fontScale="92500" lnSpcReduction="20000"/>
+          </a:bodyPr>
           <a:lstStyle/>
           <a:p>
-            <a:r>
-              <a:rPr lang="en-US" b="1" dirty="0" smtClean="0"/>
-              <a:t>Definition of “Segments”</a:t>
-            </a:r>
+            <a:pPr>
+              <a:lnSpc>
+                <a:spcPct val="130000"/>
+              </a:lnSpc>
+              <a:spcBef>
+                <a:spcPts val="600"/>
+              </a:spcBef>
+            </a:pPr>
             <a:r>
               <a:rPr lang="en-US" dirty="0" smtClean="0"/>
-              <a:t>: Areas of the puzzle that are assembled correctly.</a:t>
-            </a:r>
-          </a:p>
-          <a:p>
+              <a:t>Proposed by </a:t>
+            </a:r>
+            <a:r>
+              <a:rPr lang="en-US" dirty="0" err="1" smtClean="0"/>
+              <a:t>Pomeranz</a:t>
+            </a:r>
+            <a:r>
+              <a:rPr lang="en-US" dirty="0" smtClean="0"/>
+              <a:t> </a:t>
+            </a:r>
+            <a:r>
+              <a:rPr lang="en-US" i="1" dirty="0" smtClean="0"/>
+              <a:t>et. al.</a:t>
+            </a:r>
+            <a:r>
+              <a:rPr lang="en-US" dirty="0" smtClean="0"/>
+              <a:t> in [10] in 2011.</a:t>
+            </a:r>
+          </a:p>
+          <a:p>
+            <a:pPr>
+              <a:lnSpc>
+                <a:spcPct val="130000"/>
+              </a:lnSpc>
+              <a:spcBef>
+                <a:spcPts val="600"/>
+              </a:spcBef>
+            </a:pPr>
+            <a:endParaRPr lang="en-US" sz="500" dirty="0"/>
+          </a:p>
+          <a:p>
+            <a:pPr>
+              <a:lnSpc>
+                <a:spcPct val="130000"/>
+              </a:lnSpc>
+              <a:spcBef>
+                <a:spcPts val="600"/>
+              </a:spcBef>
+            </a:pPr>
+            <a:r>
+              <a:rPr lang="en-US" sz="2200" b="1" dirty="0" smtClean="0"/>
+              <a:t>Goal: </a:t>
+            </a:r>
+            <a:r>
+              <a:rPr lang="en-US" sz="2200" dirty="0" smtClean="0"/>
+              <a:t>Provide a computational framework for handling square jigsaw puzzles in reasonable time that does not rely on any prior knowledge or human intervention.</a:t>
+            </a:r>
+          </a:p>
+          <a:p>
+            <a:pPr>
+              <a:lnSpc>
+                <a:spcPct val="130000"/>
+              </a:lnSpc>
+              <a:spcBef>
+                <a:spcPts val="600"/>
+              </a:spcBef>
+            </a:pPr>
+            <a:endParaRPr lang="en-US" sz="500" dirty="0" smtClean="0"/>
+          </a:p>
+          <a:p>
+            <a:pPr>
+              <a:lnSpc>
+                <a:spcPct val="130000"/>
+              </a:lnSpc>
+              <a:spcBef>
+                <a:spcPts val="600"/>
+              </a:spcBef>
+            </a:pPr>
+            <a:r>
+              <a:rPr lang="en-US" dirty="0" smtClean="0"/>
+              <a:t>Solver divides the puzzle reconstruction into three </a:t>
+            </a:r>
+            <a:r>
+              <a:rPr lang="en-US" dirty="0" err="1" smtClean="0"/>
+              <a:t>subproblems</a:t>
+            </a:r>
+            <a:r>
+              <a:rPr lang="en-US" dirty="0" smtClean="0"/>
+              <a:t>:</a:t>
+            </a:r>
+          </a:p>
+          <a:p>
+            <a:pPr lvl="1">
+              <a:lnSpc>
+                <a:spcPct val="130000"/>
+              </a:lnSpc>
+              <a:spcBef>
+                <a:spcPts val="600"/>
+              </a:spcBef>
+            </a:pPr>
+            <a:r>
+              <a:rPr lang="en-US" i="1" dirty="0">
+                <a:solidFill>
+                  <a:srgbClr val="006600"/>
+                </a:solidFill>
+              </a:rPr>
+              <a:t>Placement</a:t>
+            </a:r>
+            <a:r>
+              <a:rPr lang="en-US" dirty="0" smtClean="0"/>
+              <a:t>: Given a single patch or partially-placed set of patches, place the remaining patches.</a:t>
+            </a:r>
+          </a:p>
+          <a:p>
+            <a:pPr lvl="1">
+              <a:lnSpc>
+                <a:spcPct val="130000"/>
+              </a:lnSpc>
+              <a:spcBef>
+                <a:spcPts val="600"/>
+              </a:spcBef>
+            </a:pPr>
+            <a:endParaRPr lang="en-US" sz="600" dirty="0"/>
+          </a:p>
+          <a:p>
+            <a:pPr lvl="1">
+              <a:lnSpc>
+                <a:spcPct val="130000"/>
+              </a:lnSpc>
+              <a:spcBef>
+                <a:spcPts val="600"/>
+              </a:spcBef>
+            </a:pPr>
+            <a:r>
+              <a:rPr lang="en-US" i="1" dirty="0">
+                <a:solidFill>
+                  <a:srgbClr val="006600"/>
+                </a:solidFill>
+              </a:rPr>
+              <a:t>Segmentation</a:t>
+            </a:r>
+            <a:r>
+              <a:rPr lang="en-US" dirty="0" smtClean="0"/>
+              <a:t>: Given a fully-placed board, segment the board into subcomponents that are </a:t>
+            </a:r>
+            <a:r>
+              <a:rPr lang="en-US" i="1" dirty="0" smtClean="0"/>
+              <a:t>believed</a:t>
+            </a:r>
+            <a:r>
+              <a:rPr lang="en-US" dirty="0" smtClean="0"/>
+              <a:t> to be placed correctly.</a:t>
+            </a:r>
+          </a:p>
+          <a:p>
+            <a:pPr lvl="1">
+              <a:lnSpc>
+                <a:spcPct val="130000"/>
+              </a:lnSpc>
+              <a:spcBef>
+                <a:spcPts val="600"/>
+              </a:spcBef>
+            </a:pPr>
+            <a:endParaRPr lang="en-US" sz="600" dirty="0"/>
+          </a:p>
+          <a:p>
+            <a:pPr lvl="1">
+              <a:lnSpc>
+                <a:spcPct val="130000"/>
+              </a:lnSpc>
+              <a:spcBef>
+                <a:spcPts val="600"/>
+              </a:spcBef>
+            </a:pPr>
+            <a:r>
+              <a:rPr lang="en-US" i="1" dirty="0" smtClean="0">
+                <a:solidFill>
+                  <a:srgbClr val="006600"/>
+                </a:solidFill>
+              </a:rPr>
+              <a:t>Shifting</a:t>
+            </a:r>
+            <a:r>
+              <a:rPr lang="en-US" dirty="0" smtClean="0"/>
+              <a:t>: Given a set of trusted segments, relocate entire segments and individual patches to improve solution quality.</a:t>
+            </a:r>
             <a:endParaRPr lang="en-US" dirty="0"/>
           </a:p>
           <a:p>
-            <a:r>
-              <a:rPr lang="en-US" b="1" dirty="0" smtClean="0"/>
-              <a:t>Procedure</a:t>
-            </a:r>
-            <a:r>
-              <a:rPr lang="en-US" dirty="0" smtClean="0"/>
-              <a:t>: Use random seeds and a segmentation predicate based on the “best buddies” metric, use the region growing segmentation algorithm as described in [15].</a:t>
-            </a:r>
-          </a:p>
-          <a:p>
+            <a:pPr>
+              <a:lnSpc>
+                <a:spcPct val="130000"/>
+              </a:lnSpc>
+              <a:spcBef>
+                <a:spcPts val="600"/>
+              </a:spcBef>
+            </a:pPr>
+            <a:endParaRPr lang="en-US" dirty="0" smtClean="0"/>
+          </a:p>
+          <a:p>
+            <a:pPr>
+              <a:lnSpc>
+                <a:spcPct val="130000"/>
+              </a:lnSpc>
+              <a:spcBef>
+                <a:spcPts val="600"/>
+              </a:spcBef>
+            </a:pPr>
             <a:endParaRPr lang="en-US" dirty="0"/>
           </a:p>
           <a:p>
-            <a:r>
-              <a:rPr lang="en-US" b="1" dirty="0" smtClean="0"/>
-              <a:t>Accuracy of the </a:t>
-            </a:r>
-            <a:r>
-              <a:rPr lang="en-US" b="1" dirty="0" err="1" smtClean="0"/>
-              <a:t>Segmenter</a:t>
-            </a:r>
-            <a:r>
-              <a:rPr lang="en-US" dirty="0" smtClean="0"/>
-              <a:t>: 99.7%</a:t>
-            </a:r>
+            <a:pPr>
+              <a:lnSpc>
+                <a:spcPct val="130000"/>
+              </a:lnSpc>
+              <a:spcBef>
+                <a:spcPts val="600"/>
+              </a:spcBef>
+            </a:pPr>
             <a:endParaRPr lang="en-US" dirty="0"/>
           </a:p>
         </p:txBody>
@@ -11067,7 +11860,7 @@
     </p:spTree>
     <p:extLst>
       <p:ext uri="{BB962C8B-B14F-4D97-AF65-F5344CB8AC3E}">
-        <p14:creationId xmlns:p14="http://schemas.microsoft.com/office/powerpoint/2010/main" val="852581605"/>
+        <p14:creationId xmlns:p14="http://schemas.microsoft.com/office/powerpoint/2010/main" val="2483816693"/>
       </p:ext>
     </p:extLst>
   </p:cSld>
@@ -11119,14 +11912,10 @@
           <a:lstStyle/>
           <a:p>
             <a:r>
-              <a:rPr lang="en-US" sz="3200" dirty="0" err="1" smtClean="0"/>
-              <a:t>Pomeranz’s</a:t>
-            </a:r>
-            <a:r>
-              <a:rPr lang="en-US" sz="3200" dirty="0" smtClean="0"/>
-              <a:t> Complete Algorithm</a:t>
-            </a:r>
-            <a:endParaRPr lang="en-US" sz="3200" dirty="0"/>
+              <a:rPr lang="en-US" sz="2800" dirty="0" smtClean="0"/>
+              <a:t>Overview of the Greedy Placement Phase</a:t>
+            </a:r>
+            <a:endParaRPr lang="en-US" sz="2800" dirty="0"/>
           </a:p>
         </p:txBody>
       </p:sp>
@@ -11142,146 +11931,222 @@
         </p:nvSpPr>
         <p:spPr/>
         <p:txBody>
-          <a:bodyPr/>
+          <a:bodyPr>
+            <a:normAutofit fontScale="70000" lnSpcReduction="20000"/>
+          </a:bodyPr>
           <a:lstStyle/>
           <a:p>
             <a:pPr>
               <a:lnSpc>
-                <a:spcPct val="110000"/>
+                <a:spcPct val="130000"/>
               </a:lnSpc>
               <a:spcBef>
-                <a:spcPts val="1800"/>
+                <a:spcPts val="600"/>
               </a:spcBef>
             </a:pPr>
             <a:r>
-              <a:rPr lang="en-US" b="1" i="1" dirty="0" smtClean="0">
+              <a:rPr lang="en-US" dirty="0" smtClean="0"/>
+              <a:t>Given a partially assembled board (either a single patches or set of patches), continue applying the greedy choice until all patches are placed.</a:t>
+            </a:r>
+          </a:p>
+          <a:p>
+            <a:pPr marL="457200" lvl="1" indent="0">
+              <a:lnSpc>
+                <a:spcPct val="140000"/>
+              </a:lnSpc>
+              <a:spcBef>
+                <a:spcPts val="600"/>
+              </a:spcBef>
+              <a:buNone/>
+            </a:pPr>
+            <a:endParaRPr lang="en-US" sz="400" dirty="0"/>
+          </a:p>
+          <a:p>
+            <a:pPr>
+              <a:lnSpc>
+                <a:spcPct val="130000"/>
+              </a:lnSpc>
+              <a:spcBef>
+                <a:spcPts val="600"/>
+              </a:spcBef>
+            </a:pPr>
+            <a:r>
+              <a:rPr lang="en-US" b="1" dirty="0" smtClean="0"/>
+              <a:t>Overview of the Greedy Choice</a:t>
+            </a:r>
+            <a:r>
+              <a:rPr lang="en-US" dirty="0" smtClean="0"/>
+              <a:t>:</a:t>
+            </a:r>
+          </a:p>
+          <a:p>
+            <a:pPr lvl="1">
+              <a:lnSpc>
+                <a:spcPct val="130000"/>
+              </a:lnSpc>
+              <a:spcBef>
+                <a:spcPts val="600"/>
+              </a:spcBef>
+            </a:pPr>
+            <a:r>
+              <a:rPr lang="en-US" dirty="0" smtClean="0"/>
+              <a:t>Board dimensions are known in advance and fixed</a:t>
+            </a:r>
+          </a:p>
+          <a:p>
+            <a:pPr marL="457200" lvl="1" indent="0">
+              <a:lnSpc>
+                <a:spcPct val="130000"/>
+              </a:lnSpc>
+              <a:spcBef>
+                <a:spcPts val="600"/>
+              </a:spcBef>
+              <a:buNone/>
+            </a:pPr>
+            <a:endParaRPr lang="en-US" sz="500" dirty="0"/>
+          </a:p>
+          <a:p>
+            <a:pPr lvl="1">
+              <a:lnSpc>
+                <a:spcPct val="130000"/>
+              </a:lnSpc>
+              <a:spcBef>
+                <a:spcPts val="600"/>
+              </a:spcBef>
+            </a:pPr>
+            <a:r>
+              <a:rPr lang="en-US" dirty="0" smtClean="0"/>
+              <a:t>Board locations with a higher number of occupied neighbors are preferred as the choice of the next piece is more informed.</a:t>
+            </a:r>
+          </a:p>
+          <a:p>
+            <a:pPr marL="457200" lvl="1" indent="0">
+              <a:lnSpc>
+                <a:spcPct val="130000"/>
+              </a:lnSpc>
+              <a:spcBef>
+                <a:spcPts val="600"/>
+              </a:spcBef>
+              <a:buNone/>
+            </a:pPr>
+            <a:endParaRPr lang="en-US" sz="500" dirty="0" smtClean="0"/>
+          </a:p>
+          <a:p>
+            <a:pPr lvl="1">
+              <a:lnSpc>
+                <a:spcPct val="130000"/>
+              </a:lnSpc>
+              <a:spcBef>
+                <a:spcPts val="600"/>
+              </a:spcBef>
+            </a:pPr>
+            <a:r>
+              <a:rPr lang="en-US" dirty="0" smtClean="0"/>
+              <a:t>Patch selection criteria:</a:t>
+            </a:r>
+          </a:p>
+          <a:p>
+            <a:pPr lvl="2">
+              <a:lnSpc>
+                <a:spcPct val="130000"/>
+              </a:lnSpc>
+              <a:spcBef>
+                <a:spcPts val="600"/>
+              </a:spcBef>
+            </a:pPr>
+            <a:r>
+              <a:rPr lang="en-US" i="1" dirty="0" smtClean="0">
                 <a:solidFill>
                   <a:srgbClr val="006600"/>
                 </a:solidFill>
               </a:rPr>
-              <a:t>Step #1</a:t>
+              <a:t>Primary Criteria</a:t>
             </a:r>
             <a:r>
               <a:rPr lang="en-US" dirty="0" smtClean="0"/>
-              <a:t>: Select a single puzzle patch as the seed to placement phase.</a:t>
-            </a:r>
-          </a:p>
-          <a:p>
-            <a:pPr>
+              <a:t>: Prefer a “best buddy” first.</a:t>
+            </a:r>
+          </a:p>
+          <a:p>
+            <a:pPr lvl="2">
               <a:lnSpc>
-                <a:spcPct val="110000"/>
+                <a:spcPct val="130000"/>
               </a:lnSpc>
               <a:spcBef>
-                <a:spcPts val="1800"/>
+                <a:spcPts val="600"/>
               </a:spcBef>
             </a:pPr>
             <a:r>
-              <a:rPr lang="en-US" b="1" i="1" dirty="0">
+              <a:rPr lang="en-US" i="1" dirty="0" smtClean="0">
                 <a:solidFill>
                   <a:srgbClr val="006600"/>
                 </a:solidFill>
               </a:rPr>
-              <a:t>Step #2</a:t>
+              <a:t>Secondary Criteria</a:t>
             </a:r>
             <a:r>
               <a:rPr lang="en-US" dirty="0" smtClean="0"/>
-              <a:t>: Perform the placement phase around the seed.</a:t>
-            </a:r>
+              <a:t>: If no or multiple patches satisfy the primary criteria, select the patch with the highest compatibility score.</a:t>
+            </a:r>
+          </a:p>
+          <a:p>
+            <a:pPr lvl="2">
+              <a:lnSpc>
+                <a:spcPct val="130000"/>
+              </a:lnSpc>
+              <a:spcBef>
+                <a:spcPts val="600"/>
+              </a:spcBef>
+            </a:pPr>
+            <a:endParaRPr lang="en-US" dirty="0" smtClean="0"/>
           </a:p>
           <a:p>
             <a:pPr>
               <a:lnSpc>
-                <a:spcPct val="110000"/>
+                <a:spcPct val="130000"/>
               </a:lnSpc>
               <a:spcBef>
-                <a:spcPts val="1800"/>
+                <a:spcPts val="600"/>
               </a:spcBef>
             </a:pPr>
             <a:r>
-              <a:rPr lang="en-US" b="1" i="1" dirty="0">
-                <a:solidFill>
-                  <a:srgbClr val="006600"/>
-                </a:solidFill>
-              </a:rPr>
-              <a:t>Step #3</a:t>
+              <a:rPr lang="en-US" b="1" dirty="0" smtClean="0"/>
+              <a:t>Question: </a:t>
             </a:r>
             <a:r>
               <a:rPr lang="en-US" dirty="0" smtClean="0"/>
-              <a:t>: Use the </a:t>
-            </a:r>
-            <a:r>
-              <a:rPr lang="en-US" dirty="0" err="1" smtClean="0"/>
-              <a:t>segmenter</a:t>
-            </a:r>
-            <a:r>
-              <a:rPr lang="en-US" dirty="0" smtClean="0"/>
-              <a:t> to partition the board.</a:t>
+              <a:t>Why is a placer not enough? </a:t>
             </a:r>
           </a:p>
           <a:p>
             <a:pPr>
               <a:lnSpc>
-                <a:spcPct val="110000"/>
+                <a:spcPct val="130000"/>
               </a:lnSpc>
               <a:spcBef>
-                <a:spcPts val="1800"/>
+                <a:spcPts val="600"/>
               </a:spcBef>
             </a:pPr>
             <a:r>
-              <a:rPr lang="en-US" b="1" i="1" dirty="0">
-                <a:solidFill>
-                  <a:srgbClr val="006600"/>
-                </a:solidFill>
-              </a:rPr>
-              <a:t>Step #4</a:t>
+              <a:rPr lang="en-US" b="1" dirty="0" smtClean="0"/>
+              <a:t>Answer: </a:t>
             </a:r>
             <a:r>
               <a:rPr lang="en-US" dirty="0" smtClean="0"/>
-              <a:t>: Calculate the “best buddies” ratio.  If you are at a local maximum, stop.</a:t>
-            </a:r>
-          </a:p>
-          <a:p>
-            <a:pPr>
-              <a:lnSpc>
-                <a:spcPct val="110000"/>
-              </a:lnSpc>
-              <a:spcBef>
-                <a:spcPts val="1800"/>
-              </a:spcBef>
-            </a:pPr>
-            <a:r>
-              <a:rPr lang="en-US" b="1" i="1" dirty="0">
-                <a:solidFill>
-                  <a:srgbClr val="006600"/>
-                </a:solidFill>
-              </a:rPr>
-              <a:t>Step #5</a:t>
+              <a:t>It works solely on local information.  To get the best results, we must also look at the </a:t>
             </a:r>
             <a:r>
               <a:rPr lang="en-US" dirty="0" smtClean="0"/>
-              <a:t>: Select the largest segment from step #3 and use it as the seed of the placement phase.  Return to step #2.</a:t>
-            </a:r>
-          </a:p>
-          <a:p>
-            <a:pPr lvl="1">
-              <a:lnSpc>
-                <a:spcPct val="110000"/>
-              </a:lnSpc>
-              <a:spcBef>
-                <a:spcPts val="1800"/>
-              </a:spcBef>
-            </a:pPr>
-            <a:r>
-              <a:rPr lang="en-US" dirty="0" smtClean="0"/>
-              <a:t>Performing this step is similar to shifting the largest segment.</a:t>
-            </a:r>
+              <a:t>entire global solution.</a:t>
+            </a:r>
+            <a:endParaRPr lang="en-US" dirty="0"/>
           </a:p>
         </p:txBody>
       </p:sp>
     </p:spTree>
     <p:extLst>
       <p:ext uri="{BB962C8B-B14F-4D97-AF65-F5344CB8AC3E}">
-        <p14:creationId xmlns:p14="http://schemas.microsoft.com/office/powerpoint/2010/main" val="2972052715"/>
+        <p14:creationId xmlns:p14="http://schemas.microsoft.com/office/powerpoint/2010/main" val="260086172"/>
       </p:ext>
     </p:extLst>
   </p:cSld>
@@ -11470,8 +12335,12 @@
           <a:lstStyle/>
           <a:p>
             <a:r>
+              <a:rPr lang="en-US" dirty="0" err="1" smtClean="0"/>
+              <a:t>Segmenter</a:t>
+            </a:r>
+            <a:r>
               <a:rPr lang="en-US" dirty="0" smtClean="0"/>
-              <a:t>Genetic Algorithm (GA) Solver</a:t>
+              <a:t> Phase</a:t>
             </a:r>
             <a:endParaRPr lang="en-US" dirty="0"/>
           </a:p>
@@ -11493,31 +12362,57 @@
           <a:lstStyle/>
           <a:p>
             <a:r>
+              <a:rPr lang="en-US" b="1" dirty="0" smtClean="0"/>
+              <a:t>Definition of “Segments”</a:t>
+            </a:r>
+            <a:r>
               <a:rPr lang="en-US" dirty="0" smtClean="0"/>
-              <a:t>Proposed by </a:t>
-            </a:r>
-            <a:r>
-              <a:rPr lang="en-US" dirty="0" err="1" smtClean="0"/>
-              <a:t>Sholomon</a:t>
+              <a:t>: Areas of the puzzle that are </a:t>
             </a:r>
             <a:r>
               <a:rPr lang="en-US" dirty="0" smtClean="0"/>
-              <a:t> </a:t>
-            </a:r>
-            <a:r>
-              <a:rPr lang="en-US" i="1" dirty="0" smtClean="0"/>
-              <a:t>et. al. </a:t>
+              <a:t>(or “are believed to be”) assembled </a:t>
             </a:r>
             <a:r>
               <a:rPr lang="en-US" dirty="0" smtClean="0"/>
-              <a:t>in 2013 [9].</a:t>
-            </a:r>
-          </a:p>
-          <a:p>
-            <a:pPr lvl="1"/>
+              <a:t>correctly.</a:t>
+            </a:r>
+          </a:p>
+          <a:p>
+            <a:endParaRPr lang="en-US" dirty="0"/>
+          </a:p>
+          <a:p>
+            <a:r>
+              <a:rPr lang="en-US" b="1" dirty="0" smtClean="0"/>
+              <a:t>Procedure</a:t>
+            </a:r>
             <a:r>
               <a:rPr lang="en-US" dirty="0" smtClean="0"/>
-              <a:t>A genetic algorithm puzzle solver was first proposed in [16] in 2002.</a:t>
+              <a:t>: </a:t>
+            </a:r>
+            <a:r>
+              <a:rPr lang="en-US" dirty="0" smtClean="0"/>
+              <a:t>Using </a:t>
+            </a:r>
+            <a:r>
+              <a:rPr lang="en-US" dirty="0" smtClean="0"/>
+              <a:t>random seeds and a segmentation predicate based on the “best buddies” metric, </a:t>
+            </a:r>
+            <a:r>
+              <a:rPr lang="en-US" dirty="0" smtClean="0"/>
+              <a:t>grow the segments via “region </a:t>
+            </a:r>
+            <a:r>
+              <a:rPr lang="en-US" dirty="0" smtClean="0"/>
+              <a:t>growing segmentation </a:t>
+            </a:r>
+            <a:r>
+              <a:rPr lang="en-US" dirty="0" smtClean="0"/>
+              <a:t>algorithm” </a:t>
+            </a:r>
+            <a:r>
+              <a:rPr lang="en-US" dirty="0" smtClean="0"/>
+              <a:t>described in [15].</a:t>
             </a:r>
           </a:p>
           <a:p>
@@ -11526,62 +12421,16 @@
           <a:p>
             <a:r>
               <a:rPr lang="en-US" b="1" dirty="0" smtClean="0"/>
-              <a:t>Genetic Algorithm Review</a:t>
-            </a:r>
-          </a:p>
-          <a:p>
-            <a:pPr lvl="1"/>
+              <a:t>Accuracy of the </a:t>
+            </a:r>
+            <a:r>
+              <a:rPr lang="en-US" b="1" dirty="0" err="1" smtClean="0"/>
+              <a:t>Segmenter</a:t>
+            </a:r>
             <a:r>
               <a:rPr lang="en-US" dirty="0" smtClean="0"/>
-              <a:t>Based off the biological theory of natural selection.</a:t>
-            </a:r>
-          </a:p>
-          <a:p>
-            <a:pPr lvl="1"/>
-            <a:r>
-              <a:rPr lang="en-US" dirty="0" smtClean="0"/>
-              <a:t>Divided into a series of stages</a:t>
-            </a:r>
-          </a:p>
-          <a:p>
-            <a:pPr lvl="2"/>
-            <a:r>
-              <a:rPr lang="en-US" dirty="0" smtClean="0"/>
-              <a:t>Random generation of initial population</a:t>
-            </a:r>
-          </a:p>
-          <a:p>
-            <a:pPr lvl="2"/>
-            <a:r>
-              <a:rPr lang="en-US" dirty="0" smtClean="0"/>
-              <a:t>Successor selection</a:t>
-            </a:r>
-          </a:p>
-          <a:p>
-            <a:pPr lvl="2"/>
-            <a:r>
-              <a:rPr lang="en-US" dirty="0" smtClean="0"/>
-              <a:t>Reproduction</a:t>
-            </a:r>
-          </a:p>
-          <a:p>
-            <a:pPr lvl="2"/>
-            <a:r>
-              <a:rPr lang="en-US" dirty="0" smtClean="0"/>
-              <a:t>Mutation</a:t>
-            </a:r>
-          </a:p>
-          <a:p>
-            <a:pPr lvl="1"/>
-            <a:r>
-              <a:rPr lang="en-US" dirty="0" smtClean="0"/>
-              <a:t>Requires a “fitness function” that measures solution quality.</a:t>
-            </a:r>
-          </a:p>
-          <a:p>
-            <a:endParaRPr lang="en-US" dirty="0"/>
-          </a:p>
-          <a:p>
+              <a:t>: 99.7%</a:t>
+            </a:r>
             <a:endParaRPr lang="en-US" dirty="0"/>
           </a:p>
         </p:txBody>
@@ -11589,13 +12438,20 @@
     </p:spTree>
     <p:extLst>
       <p:ext uri="{BB962C8B-B14F-4D97-AF65-F5344CB8AC3E}">
-        <p14:creationId xmlns:p14="http://schemas.microsoft.com/office/powerpoint/2010/main" val="2555175337"/>
+        <p14:creationId xmlns:p14="http://schemas.microsoft.com/office/powerpoint/2010/main" val="852581605"/>
       </p:ext>
     </p:extLst>
   </p:cSld>
   <p:clrMapOvr>
     <a:masterClrMapping/>
   </p:clrMapOvr>
+  <p:timing>
+    <p:tnLst>
+      <p:par>
+        <p:cTn id="1" dur="indefinite" restart="never" nodeType="tmRoot"/>
+      </p:par>
+    </p:tnLst>
+  </p:timing>
 </p:sld>
 </file>
 
@@ -11629,403 +12485,187 @@
         <p:spPr/>
         <p:txBody>
           <a:bodyPr>
-            <a:normAutofit fontScale="90000"/>
+            <a:noAutofit/>
           </a:bodyPr>
           <a:lstStyle/>
           <a:p>
             <a:r>
-              <a:rPr lang="en-US" dirty="0" err="1" smtClean="0"/>
-              <a:t>Sholomon’s</a:t>
-            </a:r>
-            <a:r>
-              <a:rPr lang="en-US" dirty="0" smtClean="0"/>
-              <a:t> Implementation Details</a:t>
-            </a:r>
-            <a:endParaRPr lang="en-US" dirty="0"/>
+              <a:rPr lang="en-US" sz="3200" dirty="0" err="1" smtClean="0"/>
+              <a:t>Pomeranz’s</a:t>
+            </a:r>
+            <a:r>
+              <a:rPr lang="en-US" sz="3200" dirty="0" smtClean="0"/>
+              <a:t> Complete Algorithm</a:t>
+            </a:r>
+            <a:endParaRPr lang="en-US" sz="3200" dirty="0"/>
           </a:p>
         </p:txBody>
       </p:sp>
-      <mc:AlternateContent xmlns:mc="http://schemas.openxmlformats.org/markup-compatibility/2006">
-        <mc:Choice xmlns:a14="http://schemas.microsoft.com/office/drawing/2010/main" Requires="a14">
-          <p:sp>
-            <p:nvSpPr>
-              <p:cNvPr id="3" name="Content Placeholder 2"/>
-              <p:cNvSpPr>
-                <a:spLocks noGrp="1"/>
-              </p:cNvSpPr>
-              <p:nvPr>
-                <p:ph idx="1"/>
-              </p:nvPr>
-            </p:nvSpPr>
-            <p:spPr/>
-            <p:txBody>
-              <a:bodyPr>
-                <a:normAutofit fontScale="85000" lnSpcReduction="20000"/>
-              </a:bodyPr>
-              <a:lstStyle/>
-              <a:p>
-                <a:pPr>
-                  <a:lnSpc>
-                    <a:spcPct val="120000"/>
-                  </a:lnSpc>
-                  <a:spcBef>
-                    <a:spcPts val="0"/>
-                  </a:spcBef>
-                  <a:spcAft>
-                    <a:spcPts val="1800"/>
-                  </a:spcAft>
-                </a:pPr>
-                <a:r>
-                  <a:rPr lang="en-US" b="1" dirty="0" smtClean="0"/>
-                  <a:t>Chromosome (Solution) Representation: </a:t>
-                </a:r>
-                <a14:m>
-                  <m:oMath xmlns:m="http://schemas.openxmlformats.org/officeDocument/2006/math">
-                    <m:r>
-                      <a:rPr lang="en-US" b="0" i="1" smtClean="0">
-                        <a:latin typeface="Cambria Math"/>
-                      </a:rPr>
-                      <m:t>𝑁</m:t>
-                    </m:r>
-                  </m:oMath>
-                </a14:m>
-                <a:r>
-                  <a:rPr lang="en-US" dirty="0" smtClean="0"/>
-                  <a:t> by </a:t>
-                </a:r>
-                <a14:m>
-                  <m:oMath xmlns:m="http://schemas.openxmlformats.org/officeDocument/2006/math">
-                    <m:r>
-                      <a:rPr lang="en-US" b="0" i="1" smtClean="0">
-                        <a:latin typeface="Cambria Math"/>
-                      </a:rPr>
-                      <m:t>𝑀</m:t>
-                    </m:r>
-                  </m:oMath>
-                </a14:m>
-                <a:r>
-                  <a:rPr lang="en-US" dirty="0" smtClean="0"/>
-                  <a:t> matrix where each cell represents one piece in the puzzle.</a:t>
-                </a:r>
-              </a:p>
-              <a:p>
-                <a:pPr>
-                  <a:lnSpc>
-                    <a:spcPct val="120000"/>
-                  </a:lnSpc>
-                  <a:spcBef>
-                    <a:spcPts val="0"/>
-                  </a:spcBef>
-                  <a:spcAft>
-                    <a:spcPts val="1800"/>
-                  </a:spcAft>
-                </a:pPr>
-                <a:r>
-                  <a:rPr lang="en-US" b="1" dirty="0" smtClean="0"/>
-                  <a:t>Population Size: </a:t>
-                </a:r>
-                <a:r>
-                  <a:rPr lang="en-US" dirty="0" smtClean="0"/>
-                  <a:t>1,000</a:t>
-                </a:r>
-                <a:endParaRPr lang="en-US" b="1" dirty="0" smtClean="0"/>
-              </a:p>
-              <a:p>
-                <a:pPr>
-                  <a:lnSpc>
-                    <a:spcPct val="120000"/>
-                  </a:lnSpc>
-                  <a:spcBef>
-                    <a:spcPts val="0"/>
-                  </a:spcBef>
-                  <a:spcAft>
-                    <a:spcPts val="1800"/>
-                  </a:spcAft>
-                </a:pPr>
-                <a:r>
-                  <a:rPr lang="en-US" b="1" dirty="0" smtClean="0"/>
-                  <a:t>Number of Generations: </a:t>
-                </a:r>
-                <a:r>
-                  <a:rPr lang="en-US" dirty="0" smtClean="0"/>
-                  <a:t>100</a:t>
-                </a:r>
-                <a:endParaRPr lang="en-US" b="1" dirty="0"/>
-              </a:p>
-              <a:p>
-                <a:pPr>
-                  <a:lnSpc>
-                    <a:spcPct val="120000"/>
-                  </a:lnSpc>
-                  <a:spcBef>
-                    <a:spcPts val="0"/>
-                  </a:spcBef>
-                  <a:spcAft>
-                    <a:spcPts val="1800"/>
-                  </a:spcAft>
-                </a:pPr>
-                <a:r>
-                  <a:rPr lang="en-US" b="1" dirty="0" smtClean="0"/>
-                  <a:t>Number of Restarts: </a:t>
-                </a:r>
-                <a:r>
-                  <a:rPr lang="en-US" dirty="0" smtClean="0"/>
-                  <a:t>10 </a:t>
-                </a:r>
-              </a:p>
-              <a:p>
-                <a:pPr>
-                  <a:lnSpc>
-                    <a:spcPct val="120000"/>
-                  </a:lnSpc>
-                  <a:spcBef>
-                    <a:spcPts val="0"/>
-                  </a:spcBef>
-                  <a:spcAft>
-                    <a:spcPts val="1800"/>
-                  </a:spcAft>
-                </a:pPr>
-                <a:r>
-                  <a:rPr lang="en-US" b="1" dirty="0" smtClean="0"/>
-                  <a:t>Successor Selection Algorithm:</a:t>
-                </a:r>
-                <a:r>
-                  <a:rPr lang="en-US" dirty="0" smtClean="0"/>
-                  <a:t> Roulette Wheel</a:t>
-                </a:r>
-                <a:endParaRPr lang="en-US" dirty="0"/>
-              </a:p>
-              <a:p>
-                <a:pPr>
-                  <a:lnSpc>
-                    <a:spcPct val="120000"/>
-                  </a:lnSpc>
-                  <a:spcBef>
-                    <a:spcPts val="0"/>
-                  </a:spcBef>
-                  <a:spcAft>
-                    <a:spcPts val="1800"/>
-                  </a:spcAft>
-                </a:pPr>
-                <a:r>
-                  <a:rPr lang="en-US" b="1" i="1" dirty="0" smtClean="0"/>
-                  <a:t>Elitism</a:t>
-                </a:r>
-                <a:r>
-                  <a:rPr lang="en-US" b="1" dirty="0" smtClean="0"/>
-                  <a:t>:</a:t>
-                </a:r>
-                <a:r>
-                  <a:rPr lang="en-US" b="1" i="1" dirty="0" smtClean="0"/>
-                  <a:t> </a:t>
-                </a:r>
-                <a:r>
-                  <a:rPr lang="en-US" dirty="0" smtClean="0"/>
-                  <a:t>Always pass </a:t>
-                </a:r>
-                <a:r>
-                  <a:rPr lang="en-US" i="1" dirty="0" smtClean="0"/>
-                  <a:t>four</a:t>
-                </a:r>
-                <a:r>
-                  <a:rPr lang="en-US" dirty="0" smtClean="0"/>
-                  <a:t> best solutions to the next generation</a:t>
-                </a:r>
-                <a:endParaRPr lang="en-US" dirty="0"/>
-              </a:p>
-              <a:p>
-                <a:pPr>
-                  <a:lnSpc>
-                    <a:spcPct val="120000"/>
-                  </a:lnSpc>
-                  <a:spcBef>
-                    <a:spcPts val="0"/>
-                  </a:spcBef>
-                  <a:spcAft>
-                    <a:spcPts val="1800"/>
-                  </a:spcAft>
-                </a:pPr>
-                <a:r>
-                  <a:rPr lang="en-US" b="1" dirty="0" smtClean="0"/>
-                  <a:t>Mutation Rate:</a:t>
-                </a:r>
-                <a:r>
-                  <a:rPr lang="en-US" dirty="0" smtClean="0"/>
-                  <a:t> 5%</a:t>
-                </a:r>
-              </a:p>
-              <a:p>
-                <a:pPr>
-                  <a:lnSpc>
-                    <a:spcPct val="120000"/>
-                  </a:lnSpc>
-                  <a:spcBef>
-                    <a:spcPts val="0"/>
-                  </a:spcBef>
-                  <a:spcAft>
-                    <a:spcPts val="1800"/>
-                  </a:spcAft>
-                </a:pPr>
-                <a:r>
-                  <a:rPr lang="en-US" b="1" dirty="0" smtClean="0"/>
-                  <a:t> Fitness Function:</a:t>
-                </a:r>
-                <a:r>
-                  <a:rPr lang="en-US" dirty="0" smtClean="0"/>
-                  <a:t> Sum of the </a:t>
-                </a:r>
-                <a14:m>
-                  <m:oMath xmlns:m="http://schemas.openxmlformats.org/officeDocument/2006/math">
-                    <m:sSup>
-                      <m:sSupPr>
-                        <m:ctrlPr>
-                          <a:rPr lang="en-US" b="0" i="1" smtClean="0">
-                            <a:latin typeface="Cambria Math"/>
-                          </a:rPr>
-                        </m:ctrlPr>
-                      </m:sSupPr>
-                      <m:e>
-                        <m:d>
-                          <m:dPr>
-                            <m:ctrlPr>
-                              <a:rPr lang="en-US" b="0" i="1" smtClean="0">
-                                <a:latin typeface="Cambria Math"/>
-                              </a:rPr>
-                            </m:ctrlPr>
-                          </m:dPr>
-                          <m:e>
-                            <m:sSub>
-                              <m:sSubPr>
-                                <m:ctrlPr>
-                                  <a:rPr lang="en-US" b="0" i="1" smtClean="0">
-                                    <a:latin typeface="Cambria Math"/>
-                                  </a:rPr>
-                                </m:ctrlPr>
-                              </m:sSubPr>
-                              <m:e>
-                                <m:r>
-                                  <a:rPr lang="en-US" b="0" i="1" smtClean="0">
-                                    <a:latin typeface="Cambria Math"/>
-                                  </a:rPr>
-                                  <m:t>𝐿</m:t>
-                                </m:r>
-                              </m:e>
-                              <m:sub>
-                                <m:r>
-                                  <a:rPr lang="en-US" b="0" i="1" smtClean="0">
-                                    <a:latin typeface="Cambria Math"/>
-                                  </a:rPr>
-                                  <m:t>2</m:t>
-                                </m:r>
-                              </m:sub>
-                            </m:sSub>
-                          </m:e>
-                        </m:d>
-                      </m:e>
-                      <m:sup>
-                        <m:f>
-                          <m:fPr>
-                            <m:ctrlPr>
-                              <a:rPr lang="en-US" b="0" i="1" smtClean="0">
-                                <a:latin typeface="Cambria Math"/>
-                              </a:rPr>
-                            </m:ctrlPr>
-                          </m:fPr>
-                          <m:num>
-                            <m:r>
-                              <a:rPr lang="en-US" b="0" i="1" smtClean="0">
-                                <a:latin typeface="Cambria Math"/>
-                              </a:rPr>
-                              <m:t>1</m:t>
-                            </m:r>
-                          </m:num>
-                          <m:den>
-                            <m:r>
-                              <a:rPr lang="en-US" b="0" i="1" smtClean="0">
-                                <a:latin typeface="Cambria Math"/>
-                              </a:rPr>
-                              <m:t>2</m:t>
-                            </m:r>
-                          </m:den>
-                        </m:f>
-                      </m:sup>
-                    </m:sSup>
-                  </m:oMath>
-                </a14:m>
-                <a:r>
-                  <a:rPr lang="en-US" dirty="0" smtClean="0"/>
-                  <a:t> of all pieces in the puzzle</a:t>
-                </a:r>
-              </a:p>
-              <a:p>
-                <a:pPr>
-                  <a:lnSpc>
-                    <a:spcPct val="120000"/>
-                  </a:lnSpc>
-                  <a:spcBef>
-                    <a:spcPts val="0"/>
-                  </a:spcBef>
-                  <a:spcAft>
-                    <a:spcPts val="1800"/>
-                  </a:spcAft>
-                </a:pPr>
-                <a:r>
-                  <a:rPr lang="en-US" b="1" dirty="0" smtClean="0"/>
-                  <a:t>Color Space: </a:t>
-                </a:r>
-                <a:r>
-                  <a:rPr lang="en-US" dirty="0" smtClean="0"/>
-                  <a:t>LAB</a:t>
-                </a:r>
-                <a:endParaRPr lang="en-US" dirty="0"/>
-              </a:p>
-            </p:txBody>
-          </p:sp>
-        </mc:Choice>
-        <mc:Fallback>
-          <p:sp>
-            <p:nvSpPr>
-              <p:cNvPr id="3" name="Content Placeholder 2"/>
-              <p:cNvSpPr>
-                <a:spLocks noGrp="1" noRot="1" noChangeAspect="1" noMove="1" noResize="1" noEditPoints="1" noAdjustHandles="1" noChangeArrowheads="1" noChangeShapeType="1" noTextEdit="1"/>
-              </p:cNvSpPr>
-              <p:nvPr>
-                <p:ph idx="1"/>
-              </p:nvPr>
-            </p:nvSpPr>
-            <p:spPr>
-              <a:blipFill rotWithShape="1">
-                <a:blip r:embed="rId2"/>
-                <a:stretch>
-                  <a:fillRect l="-593" t="-593" b="-949"/>
-                </a:stretch>
-              </a:blipFill>
-            </p:spPr>
-            <p:txBody>
-              <a:bodyPr/>
-              <a:lstStyle/>
-              <a:p>
-                <a:r>
-                  <a:rPr lang="en-US">
-                    <a:noFill/>
-                  </a:rPr>
-                  <a:t> </a:t>
-                </a:r>
-              </a:p>
-            </p:txBody>
-          </p:sp>
-        </mc:Fallback>
-      </mc:AlternateContent>
+      <p:sp>
+        <p:nvSpPr>
+          <p:cNvPr id="3" name="Content Placeholder 2"/>
+          <p:cNvSpPr>
+            <a:spLocks noGrp="1"/>
+          </p:cNvSpPr>
+          <p:nvPr>
+            <p:ph idx="1"/>
+          </p:nvPr>
+        </p:nvSpPr>
+        <p:spPr/>
+        <p:txBody>
+          <a:bodyPr/>
+          <a:lstStyle/>
+          <a:p>
+            <a:pPr>
+              <a:lnSpc>
+                <a:spcPct val="110000"/>
+              </a:lnSpc>
+              <a:spcBef>
+                <a:spcPts val="1800"/>
+              </a:spcBef>
+            </a:pPr>
+            <a:r>
+              <a:rPr lang="en-US" b="1" i="1" dirty="0" smtClean="0">
+                <a:solidFill>
+                  <a:srgbClr val="006600"/>
+                </a:solidFill>
+              </a:rPr>
+              <a:t>Step #1</a:t>
+            </a:r>
+            <a:r>
+              <a:rPr lang="en-US" dirty="0" smtClean="0"/>
+              <a:t>: Select a single puzzle patch as the seed to placement phase.</a:t>
+            </a:r>
+          </a:p>
+          <a:p>
+            <a:pPr>
+              <a:lnSpc>
+                <a:spcPct val="110000"/>
+              </a:lnSpc>
+              <a:spcBef>
+                <a:spcPts val="1800"/>
+              </a:spcBef>
+            </a:pPr>
+            <a:r>
+              <a:rPr lang="en-US" b="1" i="1" dirty="0">
+                <a:solidFill>
+                  <a:srgbClr val="006600"/>
+                </a:solidFill>
+              </a:rPr>
+              <a:t>Step #2</a:t>
+            </a:r>
+            <a:r>
+              <a:rPr lang="en-US" dirty="0" smtClean="0"/>
+              <a:t>: Perform the placement phase around the seed.</a:t>
+            </a:r>
+          </a:p>
+          <a:p>
+            <a:pPr>
+              <a:lnSpc>
+                <a:spcPct val="110000"/>
+              </a:lnSpc>
+              <a:spcBef>
+                <a:spcPts val="1800"/>
+              </a:spcBef>
+            </a:pPr>
+            <a:r>
+              <a:rPr lang="en-US" b="1" i="1" dirty="0">
+                <a:solidFill>
+                  <a:srgbClr val="006600"/>
+                </a:solidFill>
+              </a:rPr>
+              <a:t>Step #3</a:t>
+            </a:r>
+            <a:r>
+              <a:rPr lang="en-US" dirty="0" smtClean="0"/>
+              <a:t>: Use the </a:t>
+            </a:r>
+            <a:r>
+              <a:rPr lang="en-US" dirty="0" err="1" smtClean="0"/>
+              <a:t>segmenter</a:t>
+            </a:r>
+            <a:r>
+              <a:rPr lang="en-US" dirty="0" smtClean="0"/>
+              <a:t> to partition the board.</a:t>
+            </a:r>
+          </a:p>
+          <a:p>
+            <a:pPr>
+              <a:lnSpc>
+                <a:spcPct val="110000"/>
+              </a:lnSpc>
+              <a:spcBef>
+                <a:spcPts val="1800"/>
+              </a:spcBef>
+            </a:pPr>
+            <a:r>
+              <a:rPr lang="en-US" b="1" i="1" dirty="0">
+                <a:solidFill>
+                  <a:srgbClr val="006600"/>
+                </a:solidFill>
+              </a:rPr>
+              <a:t>Step #4</a:t>
+            </a:r>
+            <a:r>
+              <a:rPr lang="en-US" dirty="0" smtClean="0"/>
+              <a:t>: Calculate the “best buddies” ratio.  If you are at a local maximum, stop.</a:t>
+            </a:r>
+          </a:p>
+          <a:p>
+            <a:pPr>
+              <a:lnSpc>
+                <a:spcPct val="110000"/>
+              </a:lnSpc>
+              <a:spcBef>
+                <a:spcPts val="1800"/>
+              </a:spcBef>
+            </a:pPr>
+            <a:r>
+              <a:rPr lang="en-US" b="1" i="1" dirty="0">
+                <a:solidFill>
+                  <a:srgbClr val="006600"/>
+                </a:solidFill>
+              </a:rPr>
+              <a:t>Step #5</a:t>
+            </a:r>
+            <a:r>
+              <a:rPr lang="en-US" dirty="0" smtClean="0"/>
+              <a:t>: Select the largest segment from step #3 and use it as the seed of the placement phase.  Return to step #2.</a:t>
+            </a:r>
+          </a:p>
+          <a:p>
+            <a:pPr lvl="1">
+              <a:lnSpc>
+                <a:spcPct val="110000"/>
+              </a:lnSpc>
+              <a:spcBef>
+                <a:spcPts val="1800"/>
+              </a:spcBef>
+            </a:pPr>
+            <a:r>
+              <a:rPr lang="en-US" dirty="0" smtClean="0"/>
+              <a:t>Performing this step is similar to shifting the largest segment.</a:t>
+            </a:r>
+          </a:p>
+        </p:txBody>
+      </p:sp>
     </p:spTree>
     <p:extLst>
       <p:ext uri="{BB962C8B-B14F-4D97-AF65-F5344CB8AC3E}">
-        <p14:creationId xmlns:p14="http://schemas.microsoft.com/office/powerpoint/2010/main" val="3821347366"/>
+        <p14:creationId xmlns:p14="http://schemas.microsoft.com/office/powerpoint/2010/main" val="2972052715"/>
       </p:ext>
     </p:extLst>
   </p:cSld>
   <p:clrMapOvr>
     <a:masterClrMapping/>
   </p:clrMapOvr>
+  <p:timing>
+    <p:tnLst>
+      <p:par>
+        <p:cTn id="1" dur="indefinite" restart="never" nodeType="tmRoot"/>
+      </p:par>
+    </p:tnLst>
+  </p:timing>
 </p:sld>
 </file>
 
@@ -12065,7 +12705,7 @@
           <a:p>
             <a:r>
               <a:rPr lang="en-US" dirty="0" smtClean="0"/>
-              <a:t>GA Crossover</a:t>
+              <a:t>Genetic Algorithm (GA) Solver</a:t>
             </a:r>
             <a:endParaRPr lang="en-US" dirty="0"/>
           </a:p>
@@ -12088,46 +12728,8 @@
           <a:p>
             <a:r>
               <a:rPr lang="en-US" dirty="0" smtClean="0"/>
-              <a:t>Takes two “</a:t>
-            </a:r>
-            <a:r>
-              <a:rPr lang="en-US" i="1" dirty="0" smtClean="0"/>
-              <a:t>highly fit</a:t>
-            </a:r>
-            <a:r>
-              <a:rPr lang="en-US" dirty="0" smtClean="0"/>
-              <a:t>” parents and returns one child.</a:t>
-            </a:r>
-          </a:p>
-          <a:p>
-            <a:pPr lvl="1"/>
-            <a:r>
-              <a:rPr lang="en-US" dirty="0" smtClean="0"/>
-              <a:t>Non-trivial as the crossover must ensure there are no duplicate/missing pieces in the solution.</a:t>
-            </a:r>
-          </a:p>
-          <a:p>
-            <a:endParaRPr lang="en-US" dirty="0" smtClean="0"/>
-          </a:p>
-          <a:p>
-            <a:r>
-              <a:rPr lang="en-US" dirty="0" smtClean="0"/>
-              <a:t>Correctly assembled segments may be at incorrect absolute locations.  Hence, the crossover must allow for “</a:t>
-            </a:r>
-            <a:r>
-              <a:rPr lang="en-US" i="1" dirty="0" smtClean="0"/>
-              <a:t>position independence</a:t>
-            </a:r>
-            <a:r>
-              <a:rPr lang="en-US" dirty="0" smtClean="0"/>
-              <a:t>”, which is the ability to shift segments.</a:t>
-            </a:r>
-            <a:endParaRPr lang="en-US" dirty="0"/>
-          </a:p>
-          <a:p>
-            <a:endParaRPr lang="en-US" dirty="0" smtClean="0"/>
-          </a:p>
-          <a:p>
+              <a:t>Proposed by </a:t>
+            </a:r>
             <a:r>
               <a:rPr lang="en-US" dirty="0" err="1" smtClean="0"/>
               <a:t>Sholomon</a:t>
@@ -12138,12 +12740,82 @@
             </a:r>
             <a:r>
               <a:rPr lang="en-US" i="1" dirty="0" smtClean="0"/>
-              <a:t>et. al.</a:t>
+              <a:t>et. al. </a:t>
             </a:r>
             <a:r>
               <a:rPr lang="en-US" dirty="0" smtClean="0"/>
-              <a:t>’s Approach:</a:t>
-            </a:r>
+              <a:t>in 2013 [9].</a:t>
+            </a:r>
+          </a:p>
+          <a:p>
+            <a:pPr lvl="1"/>
+            <a:r>
+              <a:rPr lang="en-US" dirty="0" smtClean="0"/>
+              <a:t>A genetic algorithm puzzle solver was first proposed in [16] in 2002.</a:t>
+            </a:r>
+          </a:p>
+          <a:p>
+            <a:endParaRPr lang="en-US" dirty="0"/>
+          </a:p>
+          <a:p>
+            <a:r>
+              <a:rPr lang="en-US" b="1" dirty="0" smtClean="0"/>
+              <a:t>Genetic Algorithm Review</a:t>
+            </a:r>
+          </a:p>
+          <a:p>
+            <a:pPr lvl="1"/>
+            <a:r>
+              <a:rPr lang="en-US" dirty="0" smtClean="0"/>
+              <a:t>Based off the biological theory of natural selection.</a:t>
+            </a:r>
+          </a:p>
+          <a:p>
+            <a:pPr lvl="1"/>
+            <a:r>
+              <a:rPr lang="en-US" dirty="0" smtClean="0"/>
+              <a:t>Divided into a series of stages</a:t>
+            </a:r>
+          </a:p>
+          <a:p>
+            <a:pPr lvl="2"/>
+            <a:r>
+              <a:rPr lang="en-US" dirty="0" smtClean="0"/>
+              <a:t>Random generation of initial population</a:t>
+            </a:r>
+          </a:p>
+          <a:p>
+            <a:pPr lvl="2"/>
+            <a:r>
+              <a:rPr lang="en-US" dirty="0" smtClean="0"/>
+              <a:t>Successor selection</a:t>
+            </a:r>
+          </a:p>
+          <a:p>
+            <a:pPr lvl="2"/>
+            <a:r>
+              <a:rPr lang="en-US" dirty="0" smtClean="0"/>
+              <a:t>Reproduction</a:t>
+            </a:r>
+          </a:p>
+          <a:p>
+            <a:pPr lvl="2"/>
+            <a:r>
+              <a:rPr lang="en-US" dirty="0" smtClean="0"/>
+              <a:t>Mutation</a:t>
+            </a:r>
+          </a:p>
+          <a:p>
+            <a:pPr lvl="1"/>
+            <a:r>
+              <a:rPr lang="en-US" dirty="0" smtClean="0"/>
+              <a:t>Requires a “fitness function” that measures solution quality.</a:t>
+            </a:r>
+          </a:p>
+          <a:p>
+            <a:endParaRPr lang="en-US" dirty="0"/>
+          </a:p>
+          <a:p>
             <a:endParaRPr lang="en-US" dirty="0"/>
           </a:p>
         </p:txBody>
@@ -12151,13 +12823,20 @@
     </p:spTree>
     <p:extLst>
       <p:ext uri="{BB962C8B-B14F-4D97-AF65-F5344CB8AC3E}">
-        <p14:creationId xmlns:p14="http://schemas.microsoft.com/office/powerpoint/2010/main" val="2059236629"/>
+        <p14:creationId xmlns:p14="http://schemas.microsoft.com/office/powerpoint/2010/main" val="2555175337"/>
       </p:ext>
     </p:extLst>
   </p:cSld>
   <p:clrMapOvr>
     <a:masterClrMapping/>
   </p:clrMapOvr>
+  <p:timing>
+    <p:tnLst>
+      <p:par>
+        <p:cTn id="1" dur="indefinite" restart="never" nodeType="tmRoot"/>
+      </p:par>
+    </p:tnLst>
+  </p:timing>
 </p:sld>
 </file>
 
@@ -12196,78 +12875,407 @@
           <a:lstStyle/>
           <a:p>
             <a:r>
+              <a:rPr lang="en-US" dirty="0" err="1" smtClean="0"/>
+              <a:t>Sholomon’s</a:t>
+            </a:r>
+            <a:r>
               <a:rPr lang="en-US" dirty="0" smtClean="0"/>
-              <a:t>A Possible Benchmark</a:t>
+              <a:t> GA Implementation</a:t>
             </a:r>
             <a:endParaRPr lang="en-US" dirty="0"/>
           </a:p>
         </p:txBody>
       </p:sp>
-      <p:sp>
-        <p:nvSpPr>
-          <p:cNvPr id="3" name="Content Placeholder 2"/>
-          <p:cNvSpPr>
-            <a:spLocks noGrp="1"/>
-          </p:cNvSpPr>
-          <p:nvPr>
-            <p:ph idx="1"/>
-          </p:nvPr>
-        </p:nvSpPr>
-        <p:spPr/>
-        <p:txBody>
-          <a:bodyPr/>
-          <a:lstStyle/>
-          <a:p>
-            <a:r>
-              <a:rPr lang="en-US" dirty="0" err="1" smtClean="0"/>
-              <a:t>Sholomon</a:t>
-            </a:r>
-            <a:r>
-              <a:rPr lang="en-US" dirty="0" smtClean="0"/>
-              <a:t> </a:t>
-            </a:r>
-            <a:r>
-              <a:rPr lang="en-US" i="1" dirty="0" smtClean="0"/>
-              <a:t>et. al. </a:t>
-            </a:r>
-            <a:r>
-              <a:rPr lang="en-US" dirty="0" smtClean="0"/>
-              <a:t>provide three large puzzle datasets as well as their results for comparative benchmarking [17].</a:t>
-            </a:r>
-          </a:p>
-          <a:p>
-            <a:pPr lvl="1"/>
-            <a:r>
-              <a:rPr lang="en-US" i="1" dirty="0" smtClean="0"/>
-              <a:t>Dataset Puzzle Sizes</a:t>
-            </a:r>
-            <a:r>
-              <a:rPr lang="en-US" dirty="0" smtClean="0"/>
-              <a:t>: 5,015, 10,375, and 22,834</a:t>
-            </a:r>
-          </a:p>
-          <a:p>
-            <a:endParaRPr lang="en-US" dirty="0"/>
-          </a:p>
-          <a:p>
-            <a:r>
-              <a:rPr lang="en-US" dirty="0" smtClean="0"/>
-              <a:t>Unfortunately the website seems to no longer exist.  I will separately send an email to the authors about why the removed the content.</a:t>
-            </a:r>
-            <a:endParaRPr lang="en-US" dirty="0"/>
-          </a:p>
-        </p:txBody>
-      </p:sp>
+      <mc:AlternateContent xmlns:mc="http://schemas.openxmlformats.org/markup-compatibility/2006">
+        <mc:Choice xmlns:a14="http://schemas.microsoft.com/office/drawing/2010/main" Requires="a14">
+          <p:sp>
+            <p:nvSpPr>
+              <p:cNvPr id="3" name="Content Placeholder 2"/>
+              <p:cNvSpPr>
+                <a:spLocks noGrp="1"/>
+              </p:cNvSpPr>
+              <p:nvPr>
+                <p:ph idx="1"/>
+              </p:nvPr>
+            </p:nvSpPr>
+            <p:spPr/>
+            <p:txBody>
+              <a:bodyPr>
+                <a:normAutofit fontScale="62500" lnSpcReduction="20000"/>
+              </a:bodyPr>
+              <a:lstStyle/>
+              <a:p>
+                <a:pPr>
+                  <a:lnSpc>
+                    <a:spcPct val="120000"/>
+                  </a:lnSpc>
+                  <a:spcBef>
+                    <a:spcPts val="0"/>
+                  </a:spcBef>
+                  <a:spcAft>
+                    <a:spcPts val="1800"/>
+                  </a:spcAft>
+                </a:pPr>
+                <a:r>
+                  <a:rPr lang="en-US" b="1" dirty="0" smtClean="0"/>
+                  <a:t>Puzzle Type: </a:t>
+                </a:r>
+                <a:r>
+                  <a:rPr lang="en-US" dirty="0" smtClean="0"/>
+                  <a:t>1 (patches have known orientation)</a:t>
+                </a:r>
+                <a:endParaRPr lang="en-US" b="1" dirty="0"/>
+              </a:p>
+              <a:p>
+                <a:pPr>
+                  <a:lnSpc>
+                    <a:spcPct val="120000"/>
+                  </a:lnSpc>
+                  <a:spcBef>
+                    <a:spcPts val="0"/>
+                  </a:spcBef>
+                  <a:spcAft>
+                    <a:spcPts val="1800"/>
+                  </a:spcAft>
+                </a:pPr>
+                <a:r>
+                  <a:rPr lang="en-US" b="1" dirty="0" smtClean="0"/>
+                  <a:t>Chromosome (Solution) Representation: </a:t>
+                </a:r>
+                <a14:m>
+                  <m:oMath xmlns:m="http://schemas.openxmlformats.org/officeDocument/2006/math">
+                    <m:r>
+                      <a:rPr lang="en-US" b="0" i="1" smtClean="0">
+                        <a:latin typeface="Cambria Math"/>
+                      </a:rPr>
+                      <m:t>𝑁</m:t>
+                    </m:r>
+                  </m:oMath>
+                </a14:m>
+                <a:r>
+                  <a:rPr lang="en-US" dirty="0" smtClean="0"/>
+                  <a:t> by </a:t>
+                </a:r>
+                <a14:m>
+                  <m:oMath xmlns:m="http://schemas.openxmlformats.org/officeDocument/2006/math">
+                    <m:r>
+                      <a:rPr lang="en-US" b="0" i="1" smtClean="0">
+                        <a:latin typeface="Cambria Math"/>
+                      </a:rPr>
+                      <m:t>𝑀</m:t>
+                    </m:r>
+                  </m:oMath>
+                </a14:m>
+                <a:r>
+                  <a:rPr lang="en-US" dirty="0" smtClean="0"/>
+                  <a:t> matrix where each cell represents one </a:t>
+                </a:r>
+                <a:r>
+                  <a:rPr lang="en-US" dirty="0" err="1" smtClean="0"/>
+                  <a:t>patchin</a:t>
+                </a:r>
+                <a:r>
+                  <a:rPr lang="en-US" dirty="0" smtClean="0"/>
+                  <a:t> the puzzle.</a:t>
+                </a:r>
+              </a:p>
+              <a:p>
+                <a:pPr>
+                  <a:lnSpc>
+                    <a:spcPct val="120000"/>
+                  </a:lnSpc>
+                  <a:spcBef>
+                    <a:spcPts val="0"/>
+                  </a:spcBef>
+                  <a:spcAft>
+                    <a:spcPts val="1800"/>
+                  </a:spcAft>
+                </a:pPr>
+                <a:r>
+                  <a:rPr lang="en-US" b="1" dirty="0" smtClean="0"/>
+                  <a:t>Population Size: </a:t>
+                </a:r>
+                <a:r>
+                  <a:rPr lang="en-US" dirty="0" smtClean="0"/>
+                  <a:t>1,000</a:t>
+                </a:r>
+                <a:endParaRPr lang="en-US" b="1" dirty="0" smtClean="0"/>
+              </a:p>
+              <a:p>
+                <a:pPr>
+                  <a:lnSpc>
+                    <a:spcPct val="120000"/>
+                  </a:lnSpc>
+                  <a:spcBef>
+                    <a:spcPts val="0"/>
+                  </a:spcBef>
+                  <a:spcAft>
+                    <a:spcPts val="1800"/>
+                  </a:spcAft>
+                </a:pPr>
+                <a:r>
+                  <a:rPr lang="en-US" b="1" dirty="0" smtClean="0"/>
+                  <a:t>Number of Generations: </a:t>
+                </a:r>
+                <a:r>
+                  <a:rPr lang="en-US" dirty="0" smtClean="0"/>
+                  <a:t>100</a:t>
+                </a:r>
+                <a:endParaRPr lang="en-US" b="1" dirty="0"/>
+              </a:p>
+              <a:p>
+                <a:pPr>
+                  <a:lnSpc>
+                    <a:spcPct val="120000"/>
+                  </a:lnSpc>
+                  <a:spcBef>
+                    <a:spcPts val="0"/>
+                  </a:spcBef>
+                  <a:spcAft>
+                    <a:spcPts val="1800"/>
+                  </a:spcAft>
+                </a:pPr>
+                <a:r>
+                  <a:rPr lang="en-US" b="1" dirty="0" smtClean="0"/>
+                  <a:t>Number of Restarts: </a:t>
+                </a:r>
+                <a:r>
+                  <a:rPr lang="en-US" dirty="0" smtClean="0"/>
+                  <a:t>10 </a:t>
+                </a:r>
+              </a:p>
+              <a:p>
+                <a:pPr>
+                  <a:lnSpc>
+                    <a:spcPct val="120000"/>
+                  </a:lnSpc>
+                  <a:spcBef>
+                    <a:spcPts val="0"/>
+                  </a:spcBef>
+                  <a:spcAft>
+                    <a:spcPts val="1800"/>
+                  </a:spcAft>
+                </a:pPr>
+                <a:r>
+                  <a:rPr lang="en-US" b="1" dirty="0" smtClean="0"/>
+                  <a:t>Successor Selection Algorithm:</a:t>
+                </a:r>
+                <a:r>
+                  <a:rPr lang="en-US" dirty="0" smtClean="0"/>
+                  <a:t> Roulette Wheel</a:t>
+                </a:r>
+                <a:endParaRPr lang="en-US" dirty="0"/>
+              </a:p>
+              <a:p>
+                <a:pPr>
+                  <a:lnSpc>
+                    <a:spcPct val="120000"/>
+                  </a:lnSpc>
+                  <a:spcBef>
+                    <a:spcPts val="0"/>
+                  </a:spcBef>
+                  <a:spcAft>
+                    <a:spcPts val="1800"/>
+                  </a:spcAft>
+                </a:pPr>
+                <a:r>
+                  <a:rPr lang="en-US" b="1" i="1" dirty="0" smtClean="0"/>
+                  <a:t>Elitism</a:t>
+                </a:r>
+                <a:r>
+                  <a:rPr lang="en-US" b="1" dirty="0" smtClean="0"/>
+                  <a:t>:</a:t>
+                </a:r>
+                <a:r>
+                  <a:rPr lang="en-US" b="1" i="1" dirty="0" smtClean="0"/>
+                  <a:t> </a:t>
+                </a:r>
+                <a:r>
+                  <a:rPr lang="en-US" dirty="0" smtClean="0"/>
+                  <a:t>Always pass </a:t>
+                </a:r>
+                <a:r>
+                  <a:rPr lang="en-US" i="1" dirty="0" smtClean="0"/>
+                  <a:t>four</a:t>
+                </a:r>
+                <a:r>
+                  <a:rPr lang="en-US" dirty="0" smtClean="0"/>
+                  <a:t> best solutions to the next generation</a:t>
+                </a:r>
+              </a:p>
+              <a:p>
+                <a:pPr>
+                  <a:lnSpc>
+                    <a:spcPct val="120000"/>
+                  </a:lnSpc>
+                  <a:spcBef>
+                    <a:spcPts val="0"/>
+                  </a:spcBef>
+                  <a:spcAft>
+                    <a:spcPts val="1800"/>
+                  </a:spcAft>
+                </a:pPr>
+                <a:r>
+                  <a:rPr lang="en-US" b="1" dirty="0" smtClean="0"/>
+                  <a:t>Culling: </a:t>
+                </a:r>
+                <a:r>
+                  <a:rPr lang="en-US" dirty="0" smtClean="0"/>
+                  <a:t>None</a:t>
+                </a:r>
+                <a:endParaRPr lang="en-US" dirty="0"/>
+              </a:p>
+              <a:p>
+                <a:pPr>
+                  <a:lnSpc>
+                    <a:spcPct val="120000"/>
+                  </a:lnSpc>
+                  <a:spcBef>
+                    <a:spcPts val="0"/>
+                  </a:spcBef>
+                  <a:spcAft>
+                    <a:spcPts val="1800"/>
+                  </a:spcAft>
+                </a:pPr>
+                <a:r>
+                  <a:rPr lang="en-US" b="1" dirty="0" smtClean="0"/>
+                  <a:t>Mutation Rate:</a:t>
+                </a:r>
+                <a:r>
+                  <a:rPr lang="en-US" dirty="0" smtClean="0"/>
+                  <a:t> 5%</a:t>
+                </a:r>
+              </a:p>
+              <a:p>
+                <a:pPr>
+                  <a:lnSpc>
+                    <a:spcPct val="120000"/>
+                  </a:lnSpc>
+                  <a:spcBef>
+                    <a:spcPts val="0"/>
+                  </a:spcBef>
+                  <a:spcAft>
+                    <a:spcPts val="1800"/>
+                  </a:spcAft>
+                </a:pPr>
+                <a:r>
+                  <a:rPr lang="en-US" b="1" dirty="0" smtClean="0"/>
+                  <a:t>Fitness Function:</a:t>
+                </a:r>
+                <a:r>
+                  <a:rPr lang="en-US" dirty="0" smtClean="0"/>
+                  <a:t> Sum of the </a:t>
+                </a:r>
+                <a14:m>
+                  <m:oMath xmlns:m="http://schemas.openxmlformats.org/officeDocument/2006/math">
+                    <m:sSub>
+                      <m:sSubPr>
+                        <m:ctrlPr>
+                          <a:rPr lang="en-US" b="0" i="1" smtClean="0">
+                            <a:latin typeface="Cambria Math"/>
+                          </a:rPr>
+                        </m:ctrlPr>
+                      </m:sSubPr>
+                      <m:e>
+                        <m:r>
+                          <a:rPr lang="en-US" b="0" i="1" smtClean="0">
+                            <a:latin typeface="Cambria Math"/>
+                          </a:rPr>
+                          <m:t>𝐿</m:t>
+                        </m:r>
+                      </m:e>
+                      <m:sub>
+                        <m:r>
+                          <a:rPr lang="en-US" b="0" i="1" smtClean="0">
+                            <a:latin typeface="Cambria Math"/>
+                          </a:rPr>
+                          <m:t>2</m:t>
+                        </m:r>
+                      </m:sub>
+                    </m:sSub>
+                  </m:oMath>
+                </a14:m>
+                <a:r>
+                  <a:rPr lang="en-US" dirty="0" smtClean="0"/>
+                  <a:t> of all pieces in the puzzle</a:t>
+                </a:r>
+              </a:p>
+              <a:p>
+                <a:pPr>
+                  <a:lnSpc>
+                    <a:spcPct val="120000"/>
+                  </a:lnSpc>
+                  <a:spcBef>
+                    <a:spcPts val="0"/>
+                  </a:spcBef>
+                  <a:spcAft>
+                    <a:spcPts val="1800"/>
+                  </a:spcAft>
+                </a:pPr>
+                <a:r>
+                  <a:rPr lang="en-US" b="1" dirty="0" smtClean="0"/>
+                  <a:t>Color Space: </a:t>
+                </a:r>
+                <a:r>
+                  <a:rPr lang="en-US" dirty="0" smtClean="0"/>
+                  <a:t>LAB</a:t>
+                </a:r>
+                <a:endParaRPr lang="en-US" dirty="0"/>
+              </a:p>
+            </p:txBody>
+          </p:sp>
+        </mc:Choice>
+        <mc:Fallback>
+          <p:sp>
+            <p:nvSpPr>
+              <p:cNvPr id="3" name="Content Placeholder 2"/>
+              <p:cNvSpPr>
+                <a:spLocks noGrp="1" noRot="1" noChangeAspect="1" noMove="1" noResize="1" noEditPoints="1" noAdjustHandles="1" noChangeArrowheads="1" noChangeShapeType="1" noTextEdit="1"/>
+              </p:cNvSpPr>
+              <p:nvPr>
+                <p:ph idx="1"/>
+              </p:nvPr>
+            </p:nvSpPr>
+            <p:spPr>
+              <a:blipFill rotWithShape="1">
+                <a:blip r:embed="rId2"/>
+                <a:stretch>
+                  <a:fillRect l="-148" t="-237" b="-949"/>
+                </a:stretch>
+              </a:blipFill>
+            </p:spPr>
+            <p:txBody>
+              <a:bodyPr/>
+              <a:lstStyle/>
+              <a:p>
+                <a:r>
+                  <a:rPr lang="en-US">
+                    <a:noFill/>
+                  </a:rPr>
+                  <a:t> </a:t>
+                </a:r>
+              </a:p>
+            </p:txBody>
+          </p:sp>
+        </mc:Fallback>
+      </mc:AlternateContent>
     </p:spTree>
     <p:extLst>
       <p:ext uri="{BB962C8B-B14F-4D97-AF65-F5344CB8AC3E}">
-        <p14:creationId xmlns:p14="http://schemas.microsoft.com/office/powerpoint/2010/main" val="713573142"/>
+        <p14:creationId xmlns:p14="http://schemas.microsoft.com/office/powerpoint/2010/main" val="3821347366"/>
       </p:ext>
     </p:extLst>
   </p:cSld>
   <p:clrMapOvr>
     <a:masterClrMapping/>
   </p:clrMapOvr>
+  <p:timing>
+    <p:tnLst>
+      <p:par>
+        <p:cTn id="1" dur="indefinite" restart="never" nodeType="tmRoot"/>
+      </p:par>
+    </p:tnLst>
+  </p:timing>
 </p:sld>
 </file>
 
@@ -12307,7 +13315,7 @@
           <a:p>
             <a:r>
               <a:rPr lang="en-US" dirty="0" smtClean="0"/>
-              <a:t>Measuring Solution Quality</a:t>
+              <a:t>GA Crossover</a:t>
             </a:r>
             <a:endParaRPr lang="en-US" dirty="0"/>
           </a:p>
@@ -12323,134 +13331,80 @@
             <p:ph idx="1"/>
           </p:nvPr>
         </p:nvSpPr>
-        <p:spPr>
-          <a:xfrm>
-            <a:off x="457199" y="989013"/>
-            <a:ext cx="8353425" cy="5135562"/>
-          </a:xfrm>
-        </p:spPr>
+        <p:spPr/>
         <p:txBody>
-          <a:bodyPr>
-            <a:normAutofit/>
-          </a:bodyPr>
+          <a:bodyPr/>
           <a:lstStyle/>
           <a:p>
-            <a:pPr>
-              <a:lnSpc>
-                <a:spcPct val="110000"/>
-              </a:lnSpc>
-            </a:pPr>
-            <a:r>
-              <a:rPr lang="en-US" b="1" dirty="0" smtClean="0"/>
-              <a:t>Problem Statement: </a:t>
-            </a:r>
             <a:r>
               <a:rPr lang="en-US" dirty="0" smtClean="0"/>
-              <a:t>There is no uniform technique for grading the final output of a square jigsaw puzzle solver.</a:t>
-            </a:r>
-          </a:p>
-          <a:p>
-            <a:pPr>
-              <a:lnSpc>
-                <a:spcPct val="110000"/>
-              </a:lnSpc>
-            </a:pPr>
+              <a:t>Takes two “</a:t>
+            </a:r>
+            <a:r>
+              <a:rPr lang="en-US" i="1" dirty="0" smtClean="0"/>
+              <a:t>highly fit</a:t>
+            </a:r>
+            <a:r>
+              <a:rPr lang="en-US" dirty="0" smtClean="0"/>
+              <a:t>” parents and returns one child.</a:t>
+            </a:r>
+          </a:p>
+          <a:p>
+            <a:pPr lvl="1"/>
+            <a:r>
+              <a:rPr lang="en-US" dirty="0" smtClean="0"/>
+              <a:t>Non-trivial as the crossover must ensure there are no duplicate/missing </a:t>
+            </a:r>
+            <a:r>
+              <a:rPr lang="en-US" dirty="0" err="1" smtClean="0"/>
+              <a:t>patchs</a:t>
+            </a:r>
+            <a:r>
+              <a:rPr lang="en-US" dirty="0" smtClean="0"/>
+              <a:t> in the solution.</a:t>
+            </a:r>
+          </a:p>
+          <a:p>
+            <a:endParaRPr lang="en-US" dirty="0" smtClean="0"/>
+          </a:p>
+          <a:p>
+            <a:r>
+              <a:rPr lang="en-US" dirty="0" smtClean="0"/>
+              <a:t>Correctly assembled segments may be at incorrect absolute locations.  Hence, the crossover must allow for “</a:t>
+            </a:r>
+            <a:r>
+              <a:rPr lang="en-US" i="1" dirty="0" smtClean="0"/>
+              <a:t>position independence</a:t>
+            </a:r>
+            <a:r>
+              <a:rPr lang="en-US" dirty="0" smtClean="0"/>
+              <a:t>”, which is the ability to shift segments.</a:t>
+            </a:r>
             <a:endParaRPr lang="en-US" dirty="0"/>
           </a:p>
           <a:p>
-            <a:pPr>
-              <a:lnSpc>
-                <a:spcPct val="110000"/>
-              </a:lnSpc>
-            </a:pPr>
-            <a:r>
-              <a:rPr lang="en-US" b="1" dirty="0" smtClean="0"/>
-              <a:t>Two Divergent Approaches:</a:t>
-            </a:r>
-          </a:p>
-          <a:p>
-            <a:pPr lvl="1">
-              <a:lnSpc>
-                <a:spcPct val="110000"/>
-              </a:lnSpc>
-            </a:pPr>
-            <a:r>
-              <a:rPr lang="en-US" i="1" dirty="0" smtClean="0">
-                <a:solidFill>
-                  <a:srgbClr val="006600"/>
-                </a:solidFill>
-              </a:rPr>
-              <a:t>Performance Metrics:</a:t>
+            <a:endParaRPr lang="en-US" dirty="0" smtClean="0"/>
+          </a:p>
+          <a:p>
+            <a:r>
+              <a:rPr lang="en-US" b="1" dirty="0" err="1" smtClean="0"/>
+              <a:t>Sholomon</a:t>
             </a:r>
             <a:r>
               <a:rPr lang="en-US" b="1" dirty="0" smtClean="0"/>
               <a:t> </a:t>
             </a:r>
             <a:r>
+              <a:rPr lang="en-US" b="1" i="1" dirty="0" smtClean="0"/>
+              <a:t>et. al.</a:t>
+            </a:r>
+            <a:r>
+              <a:rPr lang="en-US" b="1" dirty="0" smtClean="0"/>
+              <a:t>’s Approach: </a:t>
+            </a:r>
+            <a:r>
               <a:rPr lang="en-US" dirty="0" smtClean="0"/>
-              <a:t>Use the original image to grade solution quality.</a:t>
-            </a:r>
-            <a:endParaRPr lang="en-US" dirty="0"/>
-          </a:p>
-          <a:p>
-            <a:pPr lvl="2">
-              <a:lnSpc>
-                <a:spcPct val="110000"/>
-              </a:lnSpc>
-            </a:pPr>
-            <a:r>
-              <a:rPr lang="en-US" dirty="0" smtClean="0"/>
-              <a:t>Direct Comparison [7]</a:t>
-            </a:r>
-          </a:p>
-          <a:p>
-            <a:pPr lvl="2">
-              <a:lnSpc>
-                <a:spcPct val="110000"/>
-              </a:lnSpc>
-            </a:pPr>
-            <a:r>
-              <a:rPr lang="en-US" dirty="0" smtClean="0"/>
-              <a:t>Neighbor Comparison [7]</a:t>
-            </a:r>
-          </a:p>
-          <a:p>
-            <a:pPr marL="914400" lvl="2" indent="0">
-              <a:lnSpc>
-                <a:spcPct val="110000"/>
-              </a:lnSpc>
-              <a:buNone/>
-            </a:pPr>
-            <a:endParaRPr lang="en-US" dirty="0" smtClean="0"/>
-          </a:p>
-          <a:p>
-            <a:pPr lvl="1">
-              <a:lnSpc>
-                <a:spcPct val="110000"/>
-              </a:lnSpc>
-            </a:pPr>
-            <a:r>
-              <a:rPr lang="en-US" i="1" dirty="0" smtClean="0">
-                <a:solidFill>
-                  <a:srgbClr val="006600"/>
-                </a:solidFill>
-              </a:rPr>
-              <a:t>Estimation Metrics: </a:t>
-            </a:r>
-            <a:r>
-              <a:rPr lang="en-US" dirty="0" smtClean="0"/>
-              <a:t>Evaluates the quality of a solution without reference to the original image [10]. </a:t>
-            </a:r>
-          </a:p>
-          <a:p>
-            <a:pPr lvl="2">
-              <a:lnSpc>
-                <a:spcPct val="110000"/>
-              </a:lnSpc>
-            </a:pPr>
-            <a:r>
-              <a:rPr lang="en-US" dirty="0" smtClean="0"/>
-              <a:t>“Best Buddies” Ratio</a:t>
+              <a:t>Kernel-growing.</a:t>
             </a:r>
             <a:endParaRPr lang="en-US" dirty="0"/>
           </a:p>
@@ -12459,7 +13413,7 @@
     </p:spTree>
     <p:extLst>
       <p:ext uri="{BB962C8B-B14F-4D97-AF65-F5344CB8AC3E}">
-        <p14:creationId xmlns:p14="http://schemas.microsoft.com/office/powerpoint/2010/main" val="2047635238"/>
+        <p14:creationId xmlns:p14="http://schemas.microsoft.com/office/powerpoint/2010/main" val="2059236629"/>
       </p:ext>
     </p:extLst>
   </p:cSld>
@@ -12506,13 +13460,312 @@
         <p:spPr/>
         <p:txBody>
           <a:bodyPr>
+            <a:noAutofit/>
+          </a:bodyPr>
+          <a:lstStyle/>
+          <a:p>
+            <a:r>
+              <a:rPr lang="en-US" sz="3200" dirty="0" err="1" smtClean="0"/>
+              <a:t>Sholomon’s</a:t>
+            </a:r>
+            <a:r>
+              <a:rPr lang="en-US" sz="3200" dirty="0" smtClean="0"/>
+              <a:t> Kernel Growing Algorithm</a:t>
+            </a:r>
+            <a:endParaRPr lang="en-US" sz="3200" dirty="0"/>
+          </a:p>
+        </p:txBody>
+      </p:sp>
+      <p:sp>
+        <p:nvSpPr>
+          <p:cNvPr id="3" name="Content Placeholder 2"/>
+          <p:cNvSpPr>
+            <a:spLocks noGrp="1"/>
+          </p:cNvSpPr>
+          <p:nvPr>
+            <p:ph idx="1"/>
+          </p:nvPr>
+        </p:nvSpPr>
+        <p:spPr>
+          <a:xfrm>
+            <a:off x="347133" y="989012"/>
+            <a:ext cx="8627534" cy="5335587"/>
+          </a:xfrm>
+        </p:spPr>
+        <p:txBody>
+          <a:bodyPr>
+            <a:normAutofit fontScale="77500" lnSpcReduction="20000"/>
+          </a:bodyPr>
+          <a:lstStyle/>
+          <a:p>
+            <a:pPr>
+              <a:lnSpc>
+                <a:spcPct val="130000"/>
+              </a:lnSpc>
+            </a:pPr>
+            <a:r>
+              <a:rPr lang="en-US" dirty="0" smtClean="0"/>
+              <a:t>Start with a single puzzle patch that is “floating” in the board such that the puzzle can grow in any direction.</a:t>
+            </a:r>
+          </a:p>
+          <a:p>
+            <a:pPr lvl="1">
+              <a:lnSpc>
+                <a:spcPct val="130000"/>
+              </a:lnSpc>
+            </a:pPr>
+            <a:endParaRPr lang="en-US" sz="900" dirty="0"/>
+          </a:p>
+          <a:p>
+            <a:pPr lvl="1">
+              <a:lnSpc>
+                <a:spcPct val="130000"/>
+              </a:lnSpc>
+            </a:pPr>
+            <a:r>
+              <a:rPr lang="en-US" dirty="0" smtClean="0"/>
+              <a:t>Boundary size (i.e. length by width) is fixed and known.</a:t>
+            </a:r>
+          </a:p>
+          <a:p>
+            <a:pPr>
+              <a:lnSpc>
+                <a:spcPct val="130000"/>
+              </a:lnSpc>
+            </a:pPr>
+            <a:endParaRPr lang="en-US" sz="1500" dirty="0" smtClean="0"/>
+          </a:p>
+          <a:p>
+            <a:pPr>
+              <a:lnSpc>
+                <a:spcPct val="130000"/>
+              </a:lnSpc>
+            </a:pPr>
+            <a:r>
+              <a:rPr lang="en-US" b="1" dirty="0" smtClean="0"/>
+              <a:t>Patch Placement Algorithm: </a:t>
+            </a:r>
+            <a:r>
+              <a:rPr lang="en-US" dirty="0" smtClean="0"/>
+              <a:t>When deciding on the next patch to place, the algorithm iterates through up to three phases.</a:t>
+            </a:r>
+          </a:p>
+          <a:p>
+            <a:pPr lvl="1">
+              <a:lnSpc>
+                <a:spcPct val="130000"/>
+              </a:lnSpc>
+            </a:pPr>
+            <a:endParaRPr lang="en-US" sz="900" dirty="0"/>
+          </a:p>
+          <a:p>
+            <a:pPr lvl="1">
+              <a:lnSpc>
+                <a:spcPct val="130000"/>
+              </a:lnSpc>
+            </a:pPr>
+            <a:r>
+              <a:rPr lang="en-US" i="1" dirty="0" smtClean="0">
+                <a:solidFill>
+                  <a:srgbClr val="006600"/>
+                </a:solidFill>
+              </a:rPr>
+              <a:t>Phase #1</a:t>
+            </a:r>
+            <a:r>
+              <a:rPr lang="en-US" dirty="0" smtClean="0"/>
+              <a:t>: In an available boundary location, place the piece where both parents agree on the neighbor.</a:t>
+            </a:r>
+          </a:p>
+          <a:p>
+            <a:pPr lvl="1">
+              <a:lnSpc>
+                <a:spcPct val="130000"/>
+              </a:lnSpc>
+            </a:pPr>
+            <a:endParaRPr lang="en-US" sz="900" dirty="0" smtClean="0"/>
+          </a:p>
+          <a:p>
+            <a:pPr lvl="1">
+              <a:lnSpc>
+                <a:spcPct val="130000"/>
+              </a:lnSpc>
+            </a:pPr>
+            <a:r>
+              <a:rPr lang="en-US" i="1" dirty="0" smtClean="0">
+                <a:solidFill>
+                  <a:srgbClr val="006600"/>
+                </a:solidFill>
+              </a:rPr>
+              <a:t>Phase </a:t>
+            </a:r>
+            <a:r>
+              <a:rPr lang="en-US" i="1" dirty="0">
+                <a:solidFill>
+                  <a:srgbClr val="006600"/>
+                </a:solidFill>
+              </a:rPr>
+              <a:t>#2</a:t>
+            </a:r>
+            <a:r>
+              <a:rPr lang="en-US" dirty="0" smtClean="0"/>
+              <a:t>: Place a “best buddy” that </a:t>
+            </a:r>
+            <a:r>
+              <a:rPr lang="en-US" i="1" dirty="0" smtClean="0"/>
+              <a:t>exists in one of the parents</a:t>
+            </a:r>
+            <a:r>
+              <a:rPr lang="en-US" dirty="0" smtClean="0"/>
+              <a:t>.</a:t>
+            </a:r>
+          </a:p>
+          <a:p>
+            <a:pPr lvl="1">
+              <a:lnSpc>
+                <a:spcPct val="130000"/>
+              </a:lnSpc>
+            </a:pPr>
+            <a:endParaRPr lang="en-US" sz="900" dirty="0"/>
+          </a:p>
+          <a:p>
+            <a:pPr lvl="1">
+              <a:lnSpc>
+                <a:spcPct val="130000"/>
+              </a:lnSpc>
+            </a:pPr>
+            <a:r>
+              <a:rPr lang="en-US" i="1" dirty="0" smtClean="0">
+                <a:solidFill>
+                  <a:srgbClr val="006600"/>
+                </a:solidFill>
+              </a:rPr>
+              <a:t>Phase </a:t>
+            </a:r>
+            <a:r>
+              <a:rPr lang="en-US" i="1" dirty="0">
+                <a:solidFill>
+                  <a:srgbClr val="006600"/>
+                </a:solidFill>
+              </a:rPr>
+              <a:t>#3</a:t>
+            </a:r>
+            <a:r>
+              <a:rPr lang="en-US" dirty="0" smtClean="0"/>
+              <a:t>: Select a location randomly and pick the piece with the best pairwise affinity.</a:t>
+            </a:r>
+            <a:endParaRPr lang="en-US" dirty="0"/>
+          </a:p>
+          <a:p>
+            <a:pPr lvl="1">
+              <a:lnSpc>
+                <a:spcPct val="130000"/>
+              </a:lnSpc>
+            </a:pPr>
+            <a:endParaRPr lang="en-US" sz="900" dirty="0"/>
+          </a:p>
+          <a:p>
+            <a:pPr lvl="1">
+              <a:lnSpc>
+                <a:spcPct val="130000"/>
+              </a:lnSpc>
+            </a:pPr>
+            <a:r>
+              <a:rPr lang="en-US" dirty="0" smtClean="0"/>
+              <a:t>If in any phase there is a tie, the tie is broken randomly.</a:t>
+            </a:r>
+          </a:p>
+          <a:p>
+            <a:pPr lvl="1">
+              <a:lnSpc>
+                <a:spcPct val="130000"/>
+              </a:lnSpc>
+            </a:pPr>
+            <a:endParaRPr lang="en-US" sz="900" dirty="0"/>
+          </a:p>
+          <a:p>
+            <a:pPr lvl="1">
+              <a:lnSpc>
+                <a:spcPct val="130000"/>
+              </a:lnSpc>
+            </a:pPr>
+            <a:r>
+              <a:rPr lang="en-US" dirty="0" smtClean="0"/>
+              <a:t>After a piece is placed, the placement algorithm returns to phase #1 for the next piece.</a:t>
+            </a:r>
+          </a:p>
+          <a:p>
+            <a:pPr lvl="1">
+              <a:lnSpc>
+                <a:spcPct val="130000"/>
+              </a:lnSpc>
+            </a:pPr>
+            <a:endParaRPr lang="en-US" sz="900" dirty="0"/>
+          </a:p>
+          <a:p>
+            <a:pPr lvl="1">
+              <a:lnSpc>
+                <a:spcPct val="130000"/>
+              </a:lnSpc>
+            </a:pPr>
+            <a:r>
+              <a:rPr lang="en-US" dirty="0" smtClean="0"/>
+              <a:t>Once a piece is placed, it can never be reused.</a:t>
+            </a:r>
+            <a:endParaRPr lang="en-US" dirty="0"/>
+          </a:p>
+        </p:txBody>
+      </p:sp>
+    </p:spTree>
+    <p:extLst>
+      <p:ext uri="{BB962C8B-B14F-4D97-AF65-F5344CB8AC3E}">
+        <p14:creationId xmlns:p14="http://schemas.microsoft.com/office/powerpoint/2010/main" val="100197060"/>
+      </p:ext>
+    </p:extLst>
+  </p:cSld>
+  <p:clrMapOvr>
+    <a:masterClrMapping/>
+  </p:clrMapOvr>
+</p:sld>
+</file>
+
+<file path=ppt/slides/slide36.xml><?xml version="1.0" encoding="utf-8"?>
+<p:sld xmlns:a="http://schemas.openxmlformats.org/drawingml/2006/main" xmlns:r="http://schemas.openxmlformats.org/officeDocument/2006/relationships" xmlns:p="http://schemas.openxmlformats.org/presentationml/2006/main">
+  <p:cSld>
+    <p:spTree>
+      <p:nvGrpSpPr>
+        <p:cNvPr id="1" name=""/>
+        <p:cNvGrpSpPr/>
+        <p:nvPr/>
+      </p:nvGrpSpPr>
+      <p:grpSpPr>
+        <a:xfrm>
+          <a:off x="0" y="0"/>
+          <a:ext cx="0" cy="0"/>
+          <a:chOff x="0" y="0"/>
+          <a:chExt cx="0" cy="0"/>
+        </a:xfrm>
+      </p:grpSpPr>
+      <p:sp>
+        <p:nvSpPr>
+          <p:cNvPr id="2" name="Title 1"/>
+          <p:cNvSpPr>
+            <a:spLocks noGrp="1"/>
+          </p:cNvSpPr>
+          <p:nvPr>
+            <p:ph type="title"/>
+          </p:nvPr>
+        </p:nvSpPr>
+        <p:spPr/>
+        <p:txBody>
+          <a:bodyPr>
             <a:normAutofit fontScale="90000"/>
           </a:bodyPr>
           <a:lstStyle/>
           <a:p>
             <a:r>
               <a:rPr lang="en-US" dirty="0" smtClean="0"/>
-              <a:t>Puzzle Types</a:t>
+              <a:t>Kernel Growing with Mutation</a:t>
             </a:r>
             <a:endParaRPr lang="en-US" dirty="0"/>
           </a:p>
@@ -12533,14 +13786,35 @@
           <a:bodyPr/>
           <a:lstStyle/>
           <a:p>
-            <a:endParaRPr lang="en-US"/>
+            <a:r>
+              <a:rPr lang="en-US" dirty="0" smtClean="0"/>
+              <a:t>Mutations in genetic algorithms are used to improve the quality of the final solution via increased population diversity.</a:t>
+            </a:r>
+          </a:p>
+          <a:p>
+            <a:endParaRPr lang="en-US" dirty="0"/>
+          </a:p>
+          <a:p>
+            <a:r>
+              <a:rPr lang="en-US" b="1" dirty="0" err="1" smtClean="0"/>
+              <a:t>Sholomon’s</a:t>
+            </a:r>
+            <a:r>
+              <a:rPr lang="en-US" b="1" dirty="0" smtClean="0"/>
+              <a:t> Mutation Strategy: </a:t>
+            </a:r>
+            <a:r>
+              <a:rPr lang="en-US" dirty="0" smtClean="0"/>
+              <a:t>During the first and third phase of placement, place a piece at random with some low probability (e.g. 5%)</a:t>
+            </a:r>
+            <a:endParaRPr lang="en-US" dirty="0"/>
           </a:p>
         </p:txBody>
       </p:sp>
     </p:spTree>
     <p:extLst>
       <p:ext uri="{BB962C8B-B14F-4D97-AF65-F5344CB8AC3E}">
-        <p14:creationId xmlns:p14="http://schemas.microsoft.com/office/powerpoint/2010/main" val="1084608511"/>
+        <p14:creationId xmlns:p14="http://schemas.microsoft.com/office/powerpoint/2010/main" val="590839263"/>
       </p:ext>
     </p:extLst>
   </p:cSld>
@@ -12550,7 +13824,338 @@
 </p:sld>
 </file>
 
-<file path=ppt/slides/slide36.xml><?xml version="1.0" encoding="utf-8"?>
+<file path=ppt/slides/slide37.xml><?xml version="1.0" encoding="utf-8"?>
+<p:sld xmlns:a="http://schemas.openxmlformats.org/drawingml/2006/main" xmlns:r="http://schemas.openxmlformats.org/officeDocument/2006/relationships" xmlns:p="http://schemas.openxmlformats.org/presentationml/2006/main">
+  <p:cSld>
+    <p:spTree>
+      <p:nvGrpSpPr>
+        <p:cNvPr id="1" name=""/>
+        <p:cNvGrpSpPr/>
+        <p:nvPr/>
+      </p:nvGrpSpPr>
+      <p:grpSpPr>
+        <a:xfrm>
+          <a:off x="0" y="0"/>
+          <a:ext cx="0" cy="0"/>
+          <a:chOff x="0" y="0"/>
+          <a:chExt cx="0" cy="0"/>
+        </a:xfrm>
+      </p:grpSpPr>
+      <p:sp>
+        <p:nvSpPr>
+          <p:cNvPr id="2" name="Title 1"/>
+          <p:cNvSpPr>
+            <a:spLocks noGrp="1"/>
+          </p:cNvSpPr>
+          <p:nvPr>
+            <p:ph type="title"/>
+          </p:nvPr>
+        </p:nvSpPr>
+        <p:spPr/>
+        <p:txBody>
+          <a:bodyPr>
+            <a:normAutofit fontScale="90000"/>
+          </a:bodyPr>
+          <a:lstStyle/>
+          <a:p>
+            <a:r>
+              <a:rPr lang="en-US" dirty="0" smtClean="0"/>
+              <a:t>A Possible Benchmark</a:t>
+            </a:r>
+            <a:endParaRPr lang="en-US" dirty="0"/>
+          </a:p>
+        </p:txBody>
+      </p:sp>
+      <p:sp>
+        <p:nvSpPr>
+          <p:cNvPr id="3" name="Content Placeholder 2"/>
+          <p:cNvSpPr>
+            <a:spLocks noGrp="1"/>
+          </p:cNvSpPr>
+          <p:nvPr>
+            <p:ph idx="1"/>
+          </p:nvPr>
+        </p:nvSpPr>
+        <p:spPr/>
+        <p:txBody>
+          <a:bodyPr/>
+          <a:lstStyle/>
+          <a:p>
+            <a:r>
+              <a:rPr lang="en-US" dirty="0" err="1" smtClean="0"/>
+              <a:t>Sholomon</a:t>
+            </a:r>
+            <a:r>
+              <a:rPr lang="en-US" dirty="0" smtClean="0"/>
+              <a:t> </a:t>
+            </a:r>
+            <a:r>
+              <a:rPr lang="en-US" i="1" dirty="0" smtClean="0"/>
+              <a:t>et. al. </a:t>
+            </a:r>
+            <a:r>
+              <a:rPr lang="en-US" dirty="0" smtClean="0"/>
+              <a:t>provide three large puzzle datasets as well as their results for comparative benchmarking [17].</a:t>
+            </a:r>
+          </a:p>
+          <a:p>
+            <a:pPr lvl="1"/>
+            <a:r>
+              <a:rPr lang="en-US" i="1" dirty="0" smtClean="0"/>
+              <a:t>Dataset Puzzle Sizes</a:t>
+            </a:r>
+            <a:r>
+              <a:rPr lang="en-US" dirty="0" smtClean="0"/>
+              <a:t>: 5,015, 10,375, and 22,834</a:t>
+            </a:r>
+          </a:p>
+          <a:p>
+            <a:endParaRPr lang="en-US" dirty="0"/>
+          </a:p>
+          <a:p>
+            <a:r>
+              <a:rPr lang="en-US" dirty="0" smtClean="0"/>
+              <a:t>Unfortunately the website seems to no longer exist.  I will separately send an email to the authors about why the removed the content.</a:t>
+            </a:r>
+          </a:p>
+          <a:p>
+            <a:endParaRPr lang="en-US" dirty="0"/>
+          </a:p>
+          <a:p>
+            <a:r>
+              <a:rPr lang="en-US" dirty="0" smtClean="0"/>
+              <a:t>Used as a benchmark in [20].</a:t>
+            </a:r>
+            <a:endParaRPr lang="en-US" dirty="0"/>
+          </a:p>
+        </p:txBody>
+      </p:sp>
+    </p:spTree>
+    <p:extLst>
+      <p:ext uri="{BB962C8B-B14F-4D97-AF65-F5344CB8AC3E}">
+        <p14:creationId xmlns:p14="http://schemas.microsoft.com/office/powerpoint/2010/main" val="713573142"/>
+      </p:ext>
+    </p:extLst>
+  </p:cSld>
+  <p:clrMapOvr>
+    <a:masterClrMapping/>
+  </p:clrMapOvr>
+  <p:timing>
+    <p:tnLst>
+      <p:par>
+        <p:cTn id="1" dur="indefinite" restart="never" nodeType="tmRoot"/>
+      </p:par>
+    </p:tnLst>
+  </p:timing>
+</p:sld>
+</file>
+
+<file path=ppt/slides/slide38.xml><?xml version="1.0" encoding="utf-8"?>
+<p:sld xmlns:a="http://schemas.openxmlformats.org/drawingml/2006/main" xmlns:r="http://schemas.openxmlformats.org/officeDocument/2006/relationships" xmlns:p="http://schemas.openxmlformats.org/presentationml/2006/main">
+  <p:cSld>
+    <p:spTree>
+      <p:nvGrpSpPr>
+        <p:cNvPr id="1" name=""/>
+        <p:cNvGrpSpPr/>
+        <p:nvPr/>
+      </p:nvGrpSpPr>
+      <p:grpSpPr>
+        <a:xfrm>
+          <a:off x="0" y="0"/>
+          <a:ext cx="0" cy="0"/>
+          <a:chOff x="0" y="0"/>
+          <a:chExt cx="0" cy="0"/>
+        </a:xfrm>
+      </p:grpSpPr>
+      <p:sp>
+        <p:nvSpPr>
+          <p:cNvPr id="2" name="Title 1"/>
+          <p:cNvSpPr>
+            <a:spLocks noGrp="1"/>
+          </p:cNvSpPr>
+          <p:nvPr>
+            <p:ph type="title"/>
+          </p:nvPr>
+        </p:nvSpPr>
+        <p:spPr/>
+        <p:txBody>
+          <a:bodyPr>
+            <a:normAutofit fontScale="90000"/>
+          </a:bodyPr>
+          <a:lstStyle/>
+          <a:p>
+            <a:r>
+              <a:rPr lang="en-US" dirty="0" smtClean="0"/>
+              <a:t>Measuring Solution Quality</a:t>
+            </a:r>
+            <a:endParaRPr lang="en-US" dirty="0"/>
+          </a:p>
+        </p:txBody>
+      </p:sp>
+      <p:sp>
+        <p:nvSpPr>
+          <p:cNvPr id="3" name="Content Placeholder 2"/>
+          <p:cNvSpPr>
+            <a:spLocks noGrp="1"/>
+          </p:cNvSpPr>
+          <p:nvPr>
+            <p:ph idx="1"/>
+          </p:nvPr>
+        </p:nvSpPr>
+        <p:spPr>
+          <a:xfrm>
+            <a:off x="457199" y="989013"/>
+            <a:ext cx="8353425" cy="5135562"/>
+          </a:xfrm>
+        </p:spPr>
+        <p:txBody>
+          <a:bodyPr>
+            <a:normAutofit/>
+          </a:bodyPr>
+          <a:lstStyle/>
+          <a:p>
+            <a:pPr>
+              <a:lnSpc>
+                <a:spcPct val="110000"/>
+              </a:lnSpc>
+            </a:pPr>
+            <a:r>
+              <a:rPr lang="en-US" b="1" dirty="0" smtClean="0"/>
+              <a:t>Problem Statement: </a:t>
+            </a:r>
+            <a:r>
+              <a:rPr lang="en-US" dirty="0" smtClean="0"/>
+              <a:t>There is no uniform technique for grading the final output of a square jigsaw puzzle solver.</a:t>
+            </a:r>
+          </a:p>
+          <a:p>
+            <a:pPr>
+              <a:lnSpc>
+                <a:spcPct val="110000"/>
+              </a:lnSpc>
+            </a:pPr>
+            <a:endParaRPr lang="en-US" dirty="0"/>
+          </a:p>
+          <a:p>
+            <a:pPr>
+              <a:lnSpc>
+                <a:spcPct val="110000"/>
+              </a:lnSpc>
+            </a:pPr>
+            <a:r>
+              <a:rPr lang="en-US" b="1" dirty="0" smtClean="0"/>
+              <a:t>Two Divergent Approaches:</a:t>
+            </a:r>
+          </a:p>
+          <a:p>
+            <a:pPr lvl="1">
+              <a:lnSpc>
+                <a:spcPct val="110000"/>
+              </a:lnSpc>
+            </a:pPr>
+            <a:r>
+              <a:rPr lang="en-US" i="1" dirty="0" smtClean="0">
+                <a:solidFill>
+                  <a:srgbClr val="006600"/>
+                </a:solidFill>
+              </a:rPr>
+              <a:t>Performance Metrics:</a:t>
+            </a:r>
+            <a:r>
+              <a:rPr lang="en-US" b="1" dirty="0" smtClean="0"/>
+              <a:t> </a:t>
+            </a:r>
+            <a:r>
+              <a:rPr lang="en-US" dirty="0" smtClean="0"/>
+              <a:t>Use the original image to grade solution quality.</a:t>
+            </a:r>
+            <a:endParaRPr lang="en-US" dirty="0"/>
+          </a:p>
+          <a:p>
+            <a:pPr lvl="2">
+              <a:lnSpc>
+                <a:spcPct val="110000"/>
+              </a:lnSpc>
+            </a:pPr>
+            <a:r>
+              <a:rPr lang="en-US" dirty="0" smtClean="0"/>
+              <a:t>Direct Comparison [7]</a:t>
+            </a:r>
+          </a:p>
+          <a:p>
+            <a:pPr lvl="2">
+              <a:lnSpc>
+                <a:spcPct val="110000"/>
+              </a:lnSpc>
+            </a:pPr>
+            <a:r>
+              <a:rPr lang="en-US" dirty="0" smtClean="0"/>
+              <a:t>Neighbor Comparison [7]</a:t>
+            </a:r>
+          </a:p>
+          <a:p>
+            <a:pPr marL="914400" lvl="2" indent="0">
+              <a:lnSpc>
+                <a:spcPct val="110000"/>
+              </a:lnSpc>
+              <a:buNone/>
+            </a:pPr>
+            <a:endParaRPr lang="en-US" dirty="0" smtClean="0"/>
+          </a:p>
+          <a:p>
+            <a:pPr lvl="1">
+              <a:lnSpc>
+                <a:spcPct val="110000"/>
+              </a:lnSpc>
+            </a:pPr>
+            <a:r>
+              <a:rPr lang="en-US" i="1" dirty="0" smtClean="0">
+                <a:solidFill>
+                  <a:srgbClr val="006600"/>
+                </a:solidFill>
+              </a:rPr>
+              <a:t>Estimation Metrics: </a:t>
+            </a:r>
+            <a:r>
+              <a:rPr lang="en-US" dirty="0" smtClean="0"/>
+              <a:t>Evaluates the quality of a solution without reference to the original image [10]. </a:t>
+            </a:r>
+          </a:p>
+          <a:p>
+            <a:pPr lvl="2">
+              <a:lnSpc>
+                <a:spcPct val="110000"/>
+              </a:lnSpc>
+            </a:pPr>
+            <a:r>
+              <a:rPr lang="en-US" dirty="0" smtClean="0"/>
+              <a:t>“Best Buddies” Ratio</a:t>
+            </a:r>
+            <a:endParaRPr lang="en-US" dirty="0"/>
+          </a:p>
+        </p:txBody>
+      </p:sp>
+    </p:spTree>
+    <p:extLst>
+      <p:ext uri="{BB962C8B-B14F-4D97-AF65-F5344CB8AC3E}">
+        <p14:creationId xmlns:p14="http://schemas.microsoft.com/office/powerpoint/2010/main" val="2047635238"/>
+      </p:ext>
+    </p:extLst>
+  </p:cSld>
+  <p:clrMapOvr>
+    <a:masterClrMapping/>
+  </p:clrMapOvr>
+  <p:timing>
+    <p:tnLst>
+      <p:par>
+        <p:cTn id="1" dur="indefinite" restart="never" nodeType="tmRoot"/>
+      </p:par>
+    </p:tnLst>
+  </p:timing>
+</p:sld>
+</file>
+
+<file path=ppt/slides/slide39.xml><?xml version="1.0" encoding="utf-8"?>
 <p:sld xmlns:a="http://schemas.openxmlformats.org/drawingml/2006/main" xmlns:r="http://schemas.openxmlformats.org/officeDocument/2006/relationships" xmlns:p="http://schemas.openxmlformats.org/presentationml/2006/main">
   <p:cSld>
     <p:spTree>
@@ -13163,7 +14768,15 @@
             </a:r>
             <a:r>
               <a:rPr lang="en-US" dirty="0" smtClean="0"/>
-              <a:t> et. al. precompute and store all pairwise dissimilarity values.</a:t>
+              <a:t> </a:t>
+            </a:r>
+            <a:r>
+              <a:rPr lang="en-US" i="1" dirty="0" smtClean="0"/>
+              <a:t>et. al. </a:t>
+            </a:r>
+            <a:r>
+              <a:rPr lang="en-US" dirty="0" smtClean="0"/>
+              <a:t>precompute and store all pairwise dissimilarity values.</a:t>
             </a:r>
             <a:endParaRPr lang="en-US" dirty="0"/>
           </a:p>
@@ -13179,10 +14792,568 @@
   <p:clrMapOvr>
     <a:masterClrMapping/>
   </p:clrMapOvr>
+  <p:timing>
+    <p:tnLst>
+      <p:par>
+        <p:cTn id="1" dur="indefinite" restart="never" nodeType="tmRoot"/>
+      </p:par>
+    </p:tnLst>
+  </p:timing>
 </p:sld>
 </file>
 
-<file path=ppt/slides/slide37.xml><?xml version="1.0" encoding="utf-8"?>
+<file path=ppt/slides/slide4.xml><?xml version="1.0" encoding="utf-8"?>
+<p:sld xmlns:a="http://schemas.openxmlformats.org/drawingml/2006/main" xmlns:r="http://schemas.openxmlformats.org/officeDocument/2006/relationships" xmlns:p="http://schemas.openxmlformats.org/presentationml/2006/main">
+  <p:cSld>
+    <p:spTree>
+      <p:nvGrpSpPr>
+        <p:cNvPr id="1" name=""/>
+        <p:cNvGrpSpPr/>
+        <p:nvPr/>
+      </p:nvGrpSpPr>
+      <p:grpSpPr>
+        <a:xfrm>
+          <a:off x="0" y="0"/>
+          <a:ext cx="0" cy="0"/>
+          <a:chOff x="0" y="0"/>
+          <a:chExt cx="0" cy="0"/>
+        </a:xfrm>
+      </p:grpSpPr>
+      <p:sp>
+        <p:nvSpPr>
+          <p:cNvPr id="2" name="Title 1"/>
+          <p:cNvSpPr>
+            <a:spLocks noGrp="1"/>
+          </p:cNvSpPr>
+          <p:nvPr>
+            <p:ph type="title"/>
+          </p:nvPr>
+        </p:nvSpPr>
+        <p:spPr/>
+        <p:txBody>
+          <a:bodyPr>
+            <a:noAutofit/>
+          </a:bodyPr>
+          <a:lstStyle/>
+          <a:p>
+            <a:r>
+              <a:rPr lang="en-US" sz="2800" dirty="0" smtClean="0"/>
+              <a:t>Jigsaw Puzzle Solver Applicability</a:t>
+            </a:r>
+            <a:endParaRPr lang="en-US" sz="2800" dirty="0"/>
+          </a:p>
+        </p:txBody>
+      </p:sp>
+      <p:sp>
+        <p:nvSpPr>
+          <p:cNvPr id="3" name="Content Placeholder 2"/>
+          <p:cNvSpPr>
+            <a:spLocks noGrp="1"/>
+          </p:cNvSpPr>
+          <p:nvPr>
+            <p:ph idx="1"/>
+          </p:nvPr>
+        </p:nvSpPr>
+        <p:spPr/>
+        <p:txBody>
+          <a:bodyPr/>
+          <a:lstStyle/>
+          <a:p>
+            <a:r>
+              <a:rPr lang="en-US" dirty="0" smtClean="0"/>
+              <a:t>Possible and existing applications of the jigsaw puzzle problem include:</a:t>
+            </a:r>
+          </a:p>
+          <a:p>
+            <a:pPr lvl="1"/>
+            <a:r>
+              <a:rPr lang="en-US" b="1" dirty="0" smtClean="0"/>
+              <a:t>Computer Forensics</a:t>
+            </a:r>
+            <a:r>
+              <a:rPr lang="en-US" dirty="0" smtClean="0"/>
+              <a:t>: Reconstructing deleted JPEG, block-based images [2]</a:t>
+            </a:r>
+          </a:p>
+          <a:p>
+            <a:pPr lvl="1"/>
+            <a:r>
+              <a:rPr lang="en-US" b="1" dirty="0" smtClean="0"/>
+              <a:t>Document Investigation</a:t>
+            </a:r>
+            <a:r>
+              <a:rPr lang="en-US" dirty="0" smtClean="0"/>
+              <a:t>: Reconstruct shredded documents [3]</a:t>
+            </a:r>
+          </a:p>
+          <a:p>
+            <a:pPr lvl="1"/>
+            <a:r>
+              <a:rPr lang="en-US" b="1" dirty="0" smtClean="0"/>
+              <a:t>Bioinformatics</a:t>
+            </a:r>
+            <a:r>
+              <a:rPr lang="en-US" dirty="0" smtClean="0"/>
+              <a:t>: DNA/RNA modelling and reconstruction [4]</a:t>
+            </a:r>
+          </a:p>
+          <a:p>
+            <a:pPr lvl="1"/>
+            <a:r>
+              <a:rPr lang="en-US" b="1" dirty="0" smtClean="0"/>
+              <a:t>Archeology</a:t>
+            </a:r>
+            <a:r>
+              <a:rPr lang="en-US" dirty="0" smtClean="0"/>
+              <a:t>: Reconstruction of damaged relics [5]</a:t>
+            </a:r>
+          </a:p>
+          <a:p>
+            <a:pPr lvl="1"/>
+            <a:r>
+              <a:rPr lang="en-US" b="1" dirty="0" smtClean="0"/>
+              <a:t>Audio Processing</a:t>
+            </a:r>
+            <a:r>
+              <a:rPr lang="en-US" dirty="0" smtClean="0"/>
+              <a:t>: Voice descrambling [6]</a:t>
+            </a:r>
+          </a:p>
+          <a:p>
+            <a:pPr lvl="1"/>
+            <a:endParaRPr lang="en-US" dirty="0" smtClean="0"/>
+          </a:p>
+        </p:txBody>
+      </p:sp>
+    </p:spTree>
+    <p:extLst>
+      <p:ext uri="{BB962C8B-B14F-4D97-AF65-F5344CB8AC3E}">
+        <p14:creationId xmlns:p14="http://schemas.microsoft.com/office/powerpoint/2010/main" val="504166373"/>
+      </p:ext>
+    </p:extLst>
+  </p:cSld>
+  <p:clrMapOvr>
+    <a:masterClrMapping/>
+  </p:clrMapOvr>
+  <p:timing>
+    <p:tnLst>
+      <p:par>
+        <p:cTn id="1" dur="indefinite" restart="never" nodeType="tmRoot"/>
+      </p:par>
+    </p:tnLst>
+  </p:timing>
+</p:sld>
+</file>
+
+<file path=ppt/slides/slide40.xml><?xml version="1.0" encoding="utf-8"?>
+<p:sld xmlns:a="http://schemas.openxmlformats.org/drawingml/2006/main" xmlns:r="http://schemas.openxmlformats.org/officeDocument/2006/relationships" xmlns:p="http://schemas.openxmlformats.org/presentationml/2006/main">
+  <p:cSld>
+    <p:spTree>
+      <p:nvGrpSpPr>
+        <p:cNvPr id="1" name=""/>
+        <p:cNvGrpSpPr/>
+        <p:nvPr/>
+      </p:nvGrpSpPr>
+      <p:grpSpPr>
+        <a:xfrm>
+          <a:off x="0" y="0"/>
+          <a:ext cx="0" cy="0"/>
+          <a:chOff x="0" y="0"/>
+          <a:chExt cx="0" cy="0"/>
+        </a:xfrm>
+      </p:grpSpPr>
+      <p:sp>
+        <p:nvSpPr>
+          <p:cNvPr id="2" name="Title 1"/>
+          <p:cNvSpPr>
+            <a:spLocks noGrp="1"/>
+          </p:cNvSpPr>
+          <p:nvPr>
+            <p:ph type="title"/>
+          </p:nvPr>
+        </p:nvSpPr>
+        <p:spPr/>
+        <p:txBody>
+          <a:bodyPr>
+            <a:noAutofit/>
+          </a:bodyPr>
+          <a:lstStyle/>
+          <a:p>
+            <a:r>
+              <a:rPr lang="en-US" sz="2600" dirty="0" smtClean="0"/>
+              <a:t>Managing Missing Pieces and Multiple Puzzles</a:t>
+            </a:r>
+            <a:endParaRPr lang="en-US" sz="2600" dirty="0"/>
+          </a:p>
+        </p:txBody>
+      </p:sp>
+      <p:sp>
+        <p:nvSpPr>
+          <p:cNvPr id="3" name="Content Placeholder 2"/>
+          <p:cNvSpPr>
+            <a:spLocks noGrp="1"/>
+          </p:cNvSpPr>
+          <p:nvPr>
+            <p:ph idx="1"/>
+          </p:nvPr>
+        </p:nvSpPr>
+        <p:spPr/>
+        <p:txBody>
+          <a:bodyPr>
+            <a:normAutofit lnSpcReduction="10000"/>
+          </a:bodyPr>
+          <a:lstStyle/>
+          <a:p>
+            <a:r>
+              <a:rPr lang="en-US" dirty="0" smtClean="0"/>
+              <a:t>Proposed by </a:t>
+            </a:r>
+            <a:r>
+              <a:rPr lang="en-US" dirty="0" err="1" smtClean="0"/>
+              <a:t>Paikin</a:t>
+            </a:r>
+            <a:r>
+              <a:rPr lang="en-US" dirty="0" smtClean="0"/>
+              <a:t> and Tal in [20].  </a:t>
+            </a:r>
+          </a:p>
+          <a:p>
+            <a:endParaRPr lang="en-US" dirty="0"/>
+          </a:p>
+          <a:p>
+            <a:r>
+              <a:rPr lang="en-US" dirty="0"/>
+              <a:t>Inspired by </a:t>
+            </a:r>
+            <a:r>
+              <a:rPr lang="en-US" dirty="0" err="1"/>
+              <a:t>Pomeranz</a:t>
+            </a:r>
+            <a:r>
+              <a:rPr lang="en-US" dirty="0"/>
+              <a:t> </a:t>
+            </a:r>
+            <a:r>
+              <a:rPr lang="en-US" i="1" dirty="0"/>
+              <a:t>et. al</a:t>
+            </a:r>
+            <a:r>
+              <a:rPr lang="en-US" i="1" dirty="0" smtClean="0"/>
+              <a:t>.</a:t>
+            </a:r>
+            <a:r>
+              <a:rPr lang="en-US" dirty="0" smtClean="0"/>
+              <a:t>’s greedy algorithm</a:t>
+            </a:r>
+            <a:r>
+              <a:rPr lang="en-US" i="1" dirty="0" smtClean="0"/>
+              <a:t> </a:t>
+            </a:r>
+            <a:r>
+              <a:rPr lang="en-US" dirty="0" smtClean="0"/>
+              <a:t>[</a:t>
+            </a:r>
+            <a:r>
+              <a:rPr lang="en-US" dirty="0"/>
+              <a:t>10</a:t>
+            </a:r>
+            <a:r>
+              <a:rPr lang="en-US" dirty="0" smtClean="0"/>
+              <a:t>] with </a:t>
+            </a:r>
+            <a:r>
+              <a:rPr lang="en-US" b="1" dirty="0" smtClean="0"/>
+              <a:t>three additional requirements</a:t>
+            </a:r>
+            <a:r>
+              <a:rPr lang="en-US" dirty="0" smtClean="0"/>
+              <a:t>:</a:t>
+            </a:r>
+          </a:p>
+          <a:p>
+            <a:pPr lvl="1">
+              <a:spcBef>
+                <a:spcPts val="1800"/>
+              </a:spcBef>
+            </a:pPr>
+            <a:r>
+              <a:rPr lang="en-US" i="1" dirty="0">
+                <a:solidFill>
+                  <a:srgbClr val="006600"/>
+                </a:solidFill>
+              </a:rPr>
+              <a:t>New Requirement #1</a:t>
+            </a:r>
+            <a:r>
+              <a:rPr lang="en-US" dirty="0" smtClean="0"/>
+              <a:t>: A modified compatibility function</a:t>
+            </a:r>
+          </a:p>
+          <a:p>
+            <a:pPr lvl="1">
+              <a:spcBef>
+                <a:spcPts val="1800"/>
+              </a:spcBef>
+            </a:pPr>
+            <a:r>
+              <a:rPr lang="en-US" i="1" dirty="0">
+                <a:solidFill>
+                  <a:srgbClr val="006600"/>
+                </a:solidFill>
+              </a:rPr>
+              <a:t>New </a:t>
+            </a:r>
+            <a:r>
+              <a:rPr lang="en-US" i="1" dirty="0">
+                <a:solidFill>
+                  <a:srgbClr val="006600"/>
+                </a:solidFill>
+              </a:rPr>
+              <a:t>Requirement </a:t>
+            </a:r>
+            <a:r>
+              <a:rPr lang="en-US" i="1" dirty="0">
+                <a:solidFill>
+                  <a:srgbClr val="006600"/>
+                </a:solidFill>
+              </a:rPr>
+              <a:t>#2</a:t>
+            </a:r>
+            <a:r>
+              <a:rPr lang="en-US" dirty="0" smtClean="0"/>
+              <a:t>: Superior initial seed selection.</a:t>
+            </a:r>
+          </a:p>
+          <a:p>
+            <a:pPr lvl="1">
+              <a:spcBef>
+                <a:spcPts val="1800"/>
+              </a:spcBef>
+            </a:pPr>
+            <a:r>
+              <a:rPr lang="en-US" i="1" dirty="0" smtClean="0">
+                <a:solidFill>
+                  <a:srgbClr val="006600"/>
+                </a:solidFill>
+              </a:rPr>
+              <a:t>New </a:t>
+            </a:r>
+            <a:r>
+              <a:rPr lang="en-US" i="1" dirty="0">
+                <a:solidFill>
+                  <a:srgbClr val="006600"/>
+                </a:solidFill>
+              </a:rPr>
+              <a:t>Requirement </a:t>
+            </a:r>
+            <a:r>
+              <a:rPr lang="en-US" i="1" dirty="0" smtClean="0">
+                <a:solidFill>
+                  <a:srgbClr val="006600"/>
+                </a:solidFill>
+              </a:rPr>
+              <a:t>#3</a:t>
+            </a:r>
+            <a:r>
+              <a:rPr lang="en-US" dirty="0" smtClean="0"/>
+              <a:t>: Rather than making the “best”/ “closest matching” selection at each round, make the selection with the lowest chance of erring regardless of location.</a:t>
+            </a:r>
+          </a:p>
+          <a:p>
+            <a:pPr lvl="2"/>
+            <a:r>
+              <a:rPr lang="en-US" dirty="0" smtClean="0"/>
+              <a:t>This makes their algorithm deterministic eliminating the need for restarts.</a:t>
+            </a:r>
+          </a:p>
+          <a:p>
+            <a:pPr marL="914400" lvl="2" indent="0">
+              <a:buNone/>
+            </a:pPr>
+            <a:endParaRPr lang="en-US" dirty="0" smtClean="0"/>
+          </a:p>
+          <a:p>
+            <a:r>
+              <a:rPr lang="en-US" b="1" dirty="0" smtClean="0"/>
+              <a:t>Accuracy:</a:t>
+            </a:r>
+            <a:r>
+              <a:rPr lang="en-US" dirty="0" smtClean="0"/>
+              <a:t> 97.7% on dataset in [17]</a:t>
+            </a:r>
+            <a:endParaRPr lang="en-US" dirty="0"/>
+          </a:p>
+          <a:p>
+            <a:endParaRPr lang="en-US" dirty="0"/>
+          </a:p>
+        </p:txBody>
+      </p:sp>
+    </p:spTree>
+    <p:extLst>
+      <p:ext uri="{BB962C8B-B14F-4D97-AF65-F5344CB8AC3E}">
+        <p14:creationId xmlns:p14="http://schemas.microsoft.com/office/powerpoint/2010/main" val="1626026482"/>
+      </p:ext>
+    </p:extLst>
+  </p:cSld>
+  <p:clrMapOvr>
+    <a:masterClrMapping/>
+  </p:clrMapOvr>
+</p:sld>
+</file>
+
+<file path=ppt/slides/slide41.xml><?xml version="1.0" encoding="utf-8"?>
+<p:sld xmlns:a="http://schemas.openxmlformats.org/drawingml/2006/main" xmlns:r="http://schemas.openxmlformats.org/officeDocument/2006/relationships" xmlns:p="http://schemas.openxmlformats.org/presentationml/2006/main">
+  <p:cSld>
+    <p:spTree>
+      <p:nvGrpSpPr>
+        <p:cNvPr id="1" name=""/>
+        <p:cNvGrpSpPr/>
+        <p:nvPr/>
+      </p:nvGrpSpPr>
+      <p:grpSpPr>
+        <a:xfrm>
+          <a:off x="0" y="0"/>
+          <a:ext cx="0" cy="0"/>
+          <a:chOff x="0" y="0"/>
+          <a:chExt cx="0" cy="0"/>
+        </a:xfrm>
+      </p:grpSpPr>
+      <p:sp>
+        <p:nvSpPr>
+          <p:cNvPr id="2" name="Title 1"/>
+          <p:cNvSpPr>
+            <a:spLocks noGrp="1"/>
+          </p:cNvSpPr>
+          <p:nvPr>
+            <p:ph type="title"/>
+          </p:nvPr>
+        </p:nvSpPr>
+        <p:spPr/>
+        <p:txBody>
+          <a:bodyPr>
+            <a:normAutofit fontScale="90000"/>
+          </a:bodyPr>
+          <a:lstStyle/>
+          <a:p>
+            <a:r>
+              <a:rPr lang="en-US" dirty="0" smtClean="0"/>
+              <a:t>Puzzle Problem Requirements</a:t>
+            </a:r>
+            <a:endParaRPr lang="en-US" dirty="0"/>
+          </a:p>
+        </p:txBody>
+      </p:sp>
+      <p:sp>
+        <p:nvSpPr>
+          <p:cNvPr id="3" name="Content Placeholder 2"/>
+          <p:cNvSpPr>
+            <a:spLocks noGrp="1"/>
+          </p:cNvSpPr>
+          <p:nvPr>
+            <p:ph idx="1"/>
+          </p:nvPr>
+        </p:nvSpPr>
+        <p:spPr/>
+        <p:txBody>
+          <a:bodyPr/>
+          <a:lstStyle/>
+          <a:p>
+            <a:pPr marL="0" indent="0">
+              <a:lnSpc>
+                <a:spcPct val="120000"/>
+              </a:lnSpc>
+              <a:buNone/>
+            </a:pPr>
+            <a:r>
+              <a:rPr lang="en-US" dirty="0" err="1" smtClean="0"/>
+              <a:t>Paikan’s</a:t>
+            </a:r>
+            <a:r>
+              <a:rPr lang="en-US" dirty="0" smtClean="0"/>
+              <a:t> &amp; Tal’s jigsaw puzzle problem definition is the most difficult presented to date.  It is described below:</a:t>
+            </a:r>
+          </a:p>
+          <a:p>
+            <a:pPr marL="0" indent="0">
+              <a:buNone/>
+            </a:pPr>
+            <a:endParaRPr lang="en-US" dirty="0" smtClean="0"/>
+          </a:p>
+          <a:p>
+            <a:pPr>
+              <a:lnSpc>
+                <a:spcPct val="150000"/>
+              </a:lnSpc>
+              <a:spcBef>
+                <a:spcPts val="0"/>
+              </a:spcBef>
+            </a:pPr>
+            <a:r>
+              <a:rPr lang="en-US" dirty="0" smtClean="0"/>
+              <a:t>Size of the puzzle is unknown and may be different</a:t>
+            </a:r>
+          </a:p>
+          <a:p>
+            <a:pPr>
+              <a:lnSpc>
+                <a:spcPct val="150000"/>
+              </a:lnSpc>
+              <a:spcBef>
+                <a:spcPts val="0"/>
+              </a:spcBef>
+            </a:pPr>
+            <a:r>
+              <a:rPr lang="en-US" dirty="0" smtClean="0"/>
+              <a:t>Orientation of the patches is unknown</a:t>
+            </a:r>
+          </a:p>
+          <a:p>
+            <a:pPr>
+              <a:lnSpc>
+                <a:spcPct val="150000"/>
+              </a:lnSpc>
+              <a:spcBef>
+                <a:spcPts val="0"/>
+              </a:spcBef>
+            </a:pPr>
+            <a:r>
+              <a:rPr lang="en-US" dirty="0" smtClean="0"/>
+              <a:t>Patches may missing</a:t>
+            </a:r>
+          </a:p>
+          <a:p>
+            <a:pPr>
+              <a:lnSpc>
+                <a:spcPct val="150000"/>
+              </a:lnSpc>
+              <a:spcBef>
+                <a:spcPts val="0"/>
+              </a:spcBef>
+            </a:pPr>
+            <a:r>
+              <a:rPr lang="en-US" dirty="0" smtClean="0"/>
+              <a:t>Input may contain pieces from multiple puzzles</a:t>
+            </a:r>
+          </a:p>
+          <a:p>
+            <a:endParaRPr lang="en-US" dirty="0"/>
+          </a:p>
+        </p:txBody>
+      </p:sp>
+    </p:spTree>
+    <p:extLst>
+      <p:ext uri="{BB962C8B-B14F-4D97-AF65-F5344CB8AC3E}">
+        <p14:creationId xmlns:p14="http://schemas.microsoft.com/office/powerpoint/2010/main" val="2849680590"/>
+      </p:ext>
+    </p:extLst>
+  </p:cSld>
+  <p:clrMapOvr>
+    <a:masterClrMapping/>
+  </p:clrMapOvr>
+</p:sld>
+</file>
+
+<file path=ppt/slides/slide42.xml><?xml version="1.0" encoding="utf-8"?>
 <p:sld xmlns:a="http://schemas.openxmlformats.org/drawingml/2006/main" xmlns:r="http://schemas.openxmlformats.org/officeDocument/2006/relationships" xmlns:p="http://schemas.openxmlformats.org/presentationml/2006/main">
   <p:cSld>
     <p:spTree>
@@ -13507,7 +15678,7 @@
 </p:sld>
 </file>
 
-<file path=ppt/slides/slide38.xml><?xml version="1.0" encoding="utf-8"?>
+<file path=ppt/slides/slide43.xml><?xml version="1.0" encoding="utf-8"?>
 <p:sld xmlns:a="http://schemas.openxmlformats.org/drawingml/2006/main" xmlns:r="http://schemas.openxmlformats.org/officeDocument/2006/relationships" xmlns:p="http://schemas.openxmlformats.org/presentationml/2006/main">
   <p:cSld>
     <p:spTree>
@@ -14370,7 +16541,7 @@
 </p:sld>
 </file>
 
-<file path=ppt/slides/slide39.xml><?xml version="1.0" encoding="utf-8"?>
+<file path=ppt/slides/slide44.xml><?xml version="1.0" encoding="utf-8"?>
 <p:sld xmlns:a="http://schemas.openxmlformats.org/drawingml/2006/main" xmlns:r="http://schemas.openxmlformats.org/officeDocument/2006/relationships" xmlns:p="http://schemas.openxmlformats.org/presentationml/2006/main">
   <p:cSld>
     <p:spTree>
@@ -15105,150 +17276,7 @@
 </p:sld>
 </file>
 
-<file path=ppt/slides/slide4.xml><?xml version="1.0" encoding="utf-8"?>
-<p:sld xmlns:a="http://schemas.openxmlformats.org/drawingml/2006/main" xmlns:r="http://schemas.openxmlformats.org/officeDocument/2006/relationships" xmlns:p="http://schemas.openxmlformats.org/presentationml/2006/main">
-  <p:cSld>
-    <p:spTree>
-      <p:nvGrpSpPr>
-        <p:cNvPr id="1" name=""/>
-        <p:cNvGrpSpPr/>
-        <p:nvPr/>
-      </p:nvGrpSpPr>
-      <p:grpSpPr>
-        <a:xfrm>
-          <a:off x="0" y="0"/>
-          <a:ext cx="0" cy="0"/>
-          <a:chOff x="0" y="0"/>
-          <a:chExt cx="0" cy="0"/>
-        </a:xfrm>
-      </p:grpSpPr>
-      <p:sp>
-        <p:nvSpPr>
-          <p:cNvPr id="2" name="Title 1"/>
-          <p:cNvSpPr>
-            <a:spLocks noGrp="1"/>
-          </p:cNvSpPr>
-          <p:nvPr>
-            <p:ph type="title"/>
-          </p:nvPr>
-        </p:nvSpPr>
-        <p:spPr/>
-        <p:txBody>
-          <a:bodyPr>
-            <a:noAutofit/>
-          </a:bodyPr>
-          <a:lstStyle/>
-          <a:p>
-            <a:r>
-              <a:rPr lang="en-US" sz="2800" dirty="0" smtClean="0"/>
-              <a:t>Jigsaw Puzzle Solver Applicability</a:t>
-            </a:r>
-            <a:endParaRPr lang="en-US" sz="2800" dirty="0"/>
-          </a:p>
-        </p:txBody>
-      </p:sp>
-      <p:sp>
-        <p:nvSpPr>
-          <p:cNvPr id="3" name="Content Placeholder 2"/>
-          <p:cNvSpPr>
-            <a:spLocks noGrp="1"/>
-          </p:cNvSpPr>
-          <p:nvPr>
-            <p:ph idx="1"/>
-          </p:nvPr>
-        </p:nvSpPr>
-        <p:spPr/>
-        <p:txBody>
-          <a:bodyPr/>
-          <a:lstStyle/>
-          <a:p>
-            <a:r>
-              <a:rPr lang="en-US" dirty="0" smtClean="0"/>
-              <a:t>Possible and existing applications of the jigsaw puzzle problem include:</a:t>
-            </a:r>
-          </a:p>
-          <a:p>
-            <a:pPr lvl="1"/>
-            <a:r>
-              <a:rPr lang="en-US" b="1" dirty="0" smtClean="0"/>
-              <a:t>Computer Forensics</a:t>
-            </a:r>
-            <a:r>
-              <a:rPr lang="en-US" dirty="0" smtClean="0"/>
-              <a:t>: Reconstructing deleted JPEG, block-based images [2]</a:t>
-            </a:r>
-          </a:p>
-          <a:p>
-            <a:pPr lvl="1"/>
-            <a:r>
-              <a:rPr lang="en-US" b="1" dirty="0" smtClean="0"/>
-              <a:t>Document Investigation</a:t>
-            </a:r>
-            <a:r>
-              <a:rPr lang="en-US" dirty="0" smtClean="0"/>
-              <a:t>: Reconstruct shredded documents [3]</a:t>
-            </a:r>
-          </a:p>
-          <a:p>
-            <a:pPr lvl="1"/>
-            <a:r>
-              <a:rPr lang="en-US" b="1" dirty="0" smtClean="0"/>
-              <a:t>Bioinformatics</a:t>
-            </a:r>
-            <a:r>
-              <a:rPr lang="en-US" dirty="0" smtClean="0"/>
-              <a:t>: DNA/RNA modelling and reconstruction [4]</a:t>
-            </a:r>
-          </a:p>
-          <a:p>
-            <a:pPr lvl="1"/>
-            <a:r>
-              <a:rPr lang="en-US" b="1" dirty="0" smtClean="0"/>
-              <a:t>Archeology</a:t>
-            </a:r>
-            <a:r>
-              <a:rPr lang="en-US" dirty="0" smtClean="0"/>
-              <a:t>: Reconstruction of damaged relics [5]</a:t>
-            </a:r>
-          </a:p>
-          <a:p>
-            <a:pPr lvl="1"/>
-            <a:r>
-              <a:rPr lang="en-US" b="1" dirty="0" smtClean="0"/>
-              <a:t>Audio Processing</a:t>
-            </a:r>
-            <a:r>
-              <a:rPr lang="en-US" dirty="0" smtClean="0"/>
-              <a:t>: Voice descrambling [6]</a:t>
-            </a:r>
-          </a:p>
-          <a:p>
-            <a:pPr lvl="1"/>
-            <a:endParaRPr lang="en-US" dirty="0" smtClean="0"/>
-          </a:p>
-        </p:txBody>
-      </p:sp>
-    </p:spTree>
-    <p:extLst>
-      <p:ext uri="{BB962C8B-B14F-4D97-AF65-F5344CB8AC3E}">
-        <p14:creationId xmlns:p14="http://schemas.microsoft.com/office/powerpoint/2010/main" val="504166373"/>
-      </p:ext>
-    </p:extLst>
-  </p:cSld>
-  <p:clrMapOvr>
-    <a:masterClrMapping/>
-  </p:clrMapOvr>
-  <p:timing>
-    <p:tnLst>
-      <p:par>
-        <p:cTn id="1" dur="indefinite" restart="never" nodeType="tmRoot"/>
-      </p:par>
-    </p:tnLst>
-  </p:timing>
-</p:sld>
-</file>
-
-<file path=ppt/slides/slide40.xml><?xml version="1.0" encoding="utf-8"?>
+<file path=ppt/slides/slide45.xml><?xml version="1.0" encoding="utf-8"?>
 <p:sld xmlns:a="http://schemas.openxmlformats.org/drawingml/2006/main" xmlns:r="http://schemas.openxmlformats.org/officeDocument/2006/relationships" xmlns:p="http://schemas.openxmlformats.org/presentationml/2006/main">
   <p:cSld>
     <p:spTree>
@@ -15901,7 +17929,7 @@
 </p:sld>
 </file>
 
-<file path=ppt/slides/slide41.xml><?xml version="1.0" encoding="utf-8"?>
+<file path=ppt/slides/slide46.xml><?xml version="1.0" encoding="utf-8"?>
 <p:sld xmlns:a="http://schemas.openxmlformats.org/drawingml/2006/main" xmlns:r="http://schemas.openxmlformats.org/officeDocument/2006/relationships" xmlns:p="http://schemas.openxmlformats.org/presentationml/2006/main">
   <p:cSld>
     <p:spTree>
@@ -15955,14 +17983,14 @@
           <p:nvPr>
             <p:extLst>
               <p:ext uri="{D42A27DB-BD31-4B8C-83A1-F6EECF244321}">
-                <p14:modId xmlns:p14="http://schemas.microsoft.com/office/powerpoint/2010/main" val="1264951684"/>
+                <p14:modId xmlns:p14="http://schemas.microsoft.com/office/powerpoint/2010/main" val="1018145122"/>
               </p:ext>
             </p:extLst>
           </p:nvPr>
         </p:nvGraphicFramePr>
         <p:xfrm>
           <a:off x="587230" y="1006680"/>
-          <a:ext cx="8204432" cy="3985790"/>
+          <a:ext cx="8204432" cy="4358640"/>
         </p:xfrm>
         <a:graphic>
           <a:graphicData uri="http://schemas.openxmlformats.org/drawingml/2006/table">
@@ -16419,7 +18447,14 @@
                         </a:rPr>
                         <a:t> Son, James Hays, David B. Cooper. Solving Square Jigsaw Puzzles with Loop Constraints. ECCV (6) 2014: 32-46. 2013.</a:t>
                       </a:r>
-                      <a:endParaRPr lang="en-US" sz="1800" b="0" i="0" kern="1200" dirty="0">
+                    </a:p>
+                    <a:p>
+                      <a:pPr>
+                        <a:spcAft>
+                          <a:spcPts val="0"/>
+                        </a:spcAft>
+                      </a:pPr>
+                      <a:endParaRPr lang="en-US" sz="1000" b="0" i="0" kern="1200" dirty="0">
                         <a:solidFill>
                           <a:schemeClr val="dk1"/>
                         </a:solidFill>
@@ -16473,11 +18508,146 @@
                           <a:spcPts val="0"/>
                         </a:spcAft>
                       </a:pPr>
-                      <a:endParaRPr lang="en-US" sz="1800" b="0" dirty="0">
+                      <a:r>
+                        <a:rPr lang="en-US" sz="1800" b="0" i="0" kern="1200" dirty="0" err="1" smtClean="0">
+                          <a:solidFill>
+                            <a:schemeClr val="dk1"/>
+                          </a:solidFill>
+                          <a:effectLst/>
+                          <a:latin typeface="+mn-lt"/>
+                          <a:ea typeface="+mn-ea"/>
+                          <a:cs typeface="+mn-cs"/>
+                        </a:rPr>
+                        <a:t>Genady</a:t>
+                      </a:r>
+                      <a:r>
+                        <a:rPr lang="en-US" sz="1800" b="0" i="0" kern="1200" dirty="0" smtClean="0">
+                          <a:solidFill>
+                            <a:schemeClr val="dk1"/>
+                          </a:solidFill>
+                          <a:effectLst/>
+                          <a:latin typeface="+mn-lt"/>
+                          <a:ea typeface="+mn-ea"/>
+                          <a:cs typeface="+mn-cs"/>
+                        </a:rPr>
+                        <a:t> </a:t>
+                      </a:r>
+                      <a:r>
+                        <a:rPr lang="en-US" sz="1800" b="0" i="0" kern="1200" dirty="0" err="1" smtClean="0">
+                          <a:solidFill>
+                            <a:schemeClr val="dk1"/>
+                          </a:solidFill>
+                          <a:effectLst/>
+                          <a:latin typeface="+mn-lt"/>
+                          <a:ea typeface="+mn-ea"/>
+                          <a:cs typeface="+mn-cs"/>
+                        </a:rPr>
+                        <a:t>Paikin</a:t>
+                      </a:r>
+                      <a:r>
+                        <a:rPr lang="en-US" sz="1800" b="0" i="0" kern="1200" dirty="0" smtClean="0">
+                          <a:solidFill>
+                            <a:schemeClr val="dk1"/>
+                          </a:solidFill>
+                          <a:effectLst/>
+                          <a:latin typeface="+mn-lt"/>
+                          <a:ea typeface="+mn-ea"/>
+                          <a:cs typeface="+mn-cs"/>
+                        </a:rPr>
+                        <a:t>, </a:t>
+                      </a:r>
+                      <a:r>
+                        <a:rPr lang="en-US" sz="1800" b="0" i="0" kern="1200" dirty="0" err="1" smtClean="0">
+                          <a:solidFill>
+                            <a:schemeClr val="dk1"/>
+                          </a:solidFill>
+                          <a:effectLst/>
+                          <a:latin typeface="+mn-lt"/>
+                          <a:ea typeface="+mn-ea"/>
+                          <a:cs typeface="+mn-cs"/>
+                        </a:rPr>
+                        <a:t>Ayellet</a:t>
+                      </a:r>
+                      <a:r>
+                        <a:rPr lang="en-US" sz="1800" b="0" i="0" kern="1200" baseline="0" dirty="0" smtClean="0">
+                          <a:solidFill>
+                            <a:schemeClr val="dk1"/>
+                          </a:solidFill>
+                          <a:effectLst/>
+                          <a:latin typeface="+mn-lt"/>
+                          <a:ea typeface="+mn-ea"/>
+                          <a:cs typeface="+mn-cs"/>
+                        </a:rPr>
+                        <a:t> Tal</a:t>
+                      </a:r>
+                      <a:r>
+                        <a:rPr lang="en-US" sz="1800" b="0" i="0" kern="1200" dirty="0" smtClean="0">
+                          <a:solidFill>
+                            <a:schemeClr val="dk1"/>
+                          </a:solidFill>
+                          <a:effectLst/>
+                          <a:latin typeface="+mn-lt"/>
+                          <a:ea typeface="+mn-ea"/>
+                          <a:cs typeface="+mn-cs"/>
+                        </a:rPr>
+                        <a:t>.</a:t>
+                      </a:r>
+                      <a:r>
+                        <a:rPr lang="en-US" sz="1800" b="0" i="0" kern="1200" baseline="0" dirty="0" smtClean="0">
+                          <a:solidFill>
+                            <a:schemeClr val="dk1"/>
+                          </a:solidFill>
+                          <a:effectLst/>
+                          <a:latin typeface="+mn-lt"/>
+                          <a:ea typeface="+mn-ea"/>
+                          <a:cs typeface="+mn-cs"/>
+                        </a:rPr>
+                        <a:t> </a:t>
+                      </a:r>
+                      <a:r>
+                        <a:rPr lang="en-US" sz="1800" b="0" i="0" kern="1200" dirty="0" smtClean="0">
+                          <a:solidFill>
+                            <a:schemeClr val="dk1"/>
+                          </a:solidFill>
+                          <a:effectLst/>
+                          <a:latin typeface="+mn-lt"/>
+                          <a:ea typeface="+mn-ea"/>
+                          <a:cs typeface="+mn-cs"/>
+                        </a:rPr>
+                        <a:t>Solving multiple square jigsaw puzzles with missing pieces.</a:t>
+                      </a:r>
+                      <a:r>
+                        <a:rPr lang="en-US" sz="1800" b="0" i="0" kern="1200" baseline="0" dirty="0" smtClean="0">
+                          <a:solidFill>
+                            <a:schemeClr val="dk1"/>
+                          </a:solidFill>
+                          <a:effectLst/>
+                          <a:latin typeface="+mn-lt"/>
+                          <a:ea typeface="+mn-ea"/>
+                          <a:cs typeface="+mn-cs"/>
+                        </a:rPr>
+                        <a:t> CVPR 2015</a:t>
+                      </a:r>
+                      <a:r>
+                        <a:rPr lang="en-US" sz="1800" b="0" i="0" kern="1200" dirty="0" smtClean="0">
+                          <a:solidFill>
+                            <a:schemeClr val="dk1"/>
+                          </a:solidFill>
+                          <a:effectLst/>
+                          <a:latin typeface="+mn-lt"/>
+                          <a:ea typeface="+mn-ea"/>
+                          <a:cs typeface="+mn-cs"/>
+                        </a:rPr>
+                        <a:t>: 4832-4839</a:t>
+                      </a:r>
+                      <a:endParaRPr lang="en-US" sz="1800" b="0" i="0" kern="1200" dirty="0">
                         <a:solidFill>
-                          <a:schemeClr val="tx1"/>
+                          <a:schemeClr val="dk1"/>
                         </a:solidFill>
+                        <a:effectLst/>
                         <a:latin typeface="+mn-lt"/>
+                        <a:ea typeface="+mn-ea"/>
+                        <a:cs typeface="+mn-cs"/>
                       </a:endParaRPr>
                     </a:p>
                   </a:txBody>
@@ -16581,10 +18751,9 @@
           </a:p>
           <a:p>
             <a:r>
-              <a:rPr lang="en-US" smtClean="0"/>
+              <a:rPr lang="en-US" dirty="0" smtClean="0"/>
               <a:t>Extra piece(s)</a:t>
             </a:r>
-            <a:endParaRPr lang="en-US" dirty="0" smtClean="0"/>
           </a:p>
           <a:p>
             <a:r>
@@ -16619,6 +18788,13 @@
   <p:clrMapOvr>
     <a:masterClrMapping/>
   </p:clrMapOvr>
+  <p:timing>
+    <p:tnLst>
+      <p:par>
+        <p:cTn id="1" dur="indefinite" restart="never" nodeType="tmRoot"/>
+      </p:par>
+    </p:tnLst>
+  </p:timing>
 </p:sld>
 </file>
 
@@ -16991,7 +19167,15 @@
                 </a:pPr>
                 <a:r>
                   <a:rPr lang="en-US" dirty="0" smtClean="0"/>
-                  <a:t>Proposed in Cho et. al. [7]</a:t>
+                  <a:t>Proposed in Cho </a:t>
+                </a:r>
+                <a:r>
+                  <a:rPr lang="en-US" i="1" dirty="0" smtClean="0"/>
+                  <a:t>et. al. </a:t>
+                </a:r>
+                <a:r>
+                  <a:rPr lang="en-US" dirty="0" smtClean="0"/>
+                  <a:t>[7]</a:t>
                 </a:r>
               </a:p>
               <a:p>
@@ -18049,8 +20233,8 @@
           </p:sp>
         </mc:Fallback>
       </mc:AlternateContent>
-      <mc:AlternateContent xmlns:mc="http://schemas.openxmlformats.org/markup-compatibility/2006" xmlns:a14="http://schemas.microsoft.com/office/drawing/2010/main">
-        <mc:Choice Requires="a14">
+      <mc:AlternateContent xmlns:mc="http://schemas.openxmlformats.org/markup-compatibility/2006">
+        <mc:Choice xmlns:a14="http://schemas.microsoft.com/office/drawing/2010/main" Requires="a14">
           <p:sp>
             <p:nvSpPr>
               <p:cNvPr id="3" name="Content Placeholder 2"/>
@@ -18086,7 +20270,15 @@
                 </a:r>
                 <a:r>
                   <a:rPr lang="en-US" dirty="0" smtClean="0"/>
-                  <a:t> et. al. in [10].  </a:t>
+                  <a:t> </a:t>
+                </a:r>
+                <a:r>
+                  <a:rPr lang="en-US" i="1" dirty="0" smtClean="0"/>
+                  <a:t>et. al</a:t>
+                </a:r>
+                <a:r>
+                  <a:rPr lang="en-US" dirty="0" smtClean="0"/>
+                  <a:t>. in [10].  </a:t>
                 </a:r>
                 <a:r>
                   <a:rPr lang="en-US" i="1" dirty="0" smtClean="0"/>
@@ -18697,7 +20889,7 @@
             </p:txBody>
           </p:sp>
         </mc:Choice>
-        <mc:Fallback xmlns="">
+        <mc:Fallback>
           <p:sp>
             <p:nvSpPr>
               <p:cNvPr id="3" name="Content Placeholder 2"/>

--- a/Papers/Zayd_Hammoudeh_-_Square_Jigsaw_Puzzle_Problem_Literature_Review.pptx
+++ b/Papers/Zayd_Hammoudeh_-_Square_Jigsaw_Puzzle_Problem_Literature_Review.pptx
@@ -5,7 +5,7 @@
     <p:sldMasterId id="2147483751" r:id="rId1"/>
   </p:sldMasterIdLst>
   <p:notesMasterIdLst>
-    <p:notesMasterId r:id="rId52"/>
+    <p:notesMasterId r:id="rId65"/>
   </p:notesMasterIdLst>
   <p:sldIdLst>
     <p:sldId id="256" r:id="rId2"/>
@@ -27,37 +27,50 @@
     <p:sldId id="309" r:id="rId18"/>
     <p:sldId id="327" r:id="rId19"/>
     <p:sldId id="310" r:id="rId20"/>
-    <p:sldId id="333" r:id="rId21"/>
-    <p:sldId id="334" r:id="rId22"/>
-    <p:sldId id="335" r:id="rId23"/>
-    <p:sldId id="318" r:id="rId24"/>
-    <p:sldId id="306" r:id="rId25"/>
-    <p:sldId id="313" r:id="rId26"/>
-    <p:sldId id="314" r:id="rId27"/>
-    <p:sldId id="315" r:id="rId28"/>
-    <p:sldId id="316" r:id="rId29"/>
-    <p:sldId id="317" r:id="rId30"/>
-    <p:sldId id="320" r:id="rId31"/>
-    <p:sldId id="330" r:id="rId32"/>
-    <p:sldId id="331" r:id="rId33"/>
-    <p:sldId id="332" r:id="rId34"/>
-    <p:sldId id="336" r:id="rId35"/>
-    <p:sldId id="340" r:id="rId36"/>
-    <p:sldId id="342" r:id="rId37"/>
-    <p:sldId id="343" r:id="rId38"/>
-    <p:sldId id="344" r:id="rId39"/>
-    <p:sldId id="339" r:id="rId40"/>
-    <p:sldId id="321" r:id="rId41"/>
-    <p:sldId id="341" r:id="rId42"/>
-    <p:sldId id="345" r:id="rId43"/>
-    <p:sldId id="346" r:id="rId44"/>
-    <p:sldId id="349" r:id="rId45"/>
-    <p:sldId id="350" r:id="rId46"/>
-    <p:sldId id="312" r:id="rId47"/>
-    <p:sldId id="303" r:id="rId48"/>
-    <p:sldId id="305" r:id="rId49"/>
-    <p:sldId id="319" r:id="rId50"/>
-    <p:sldId id="338" r:id="rId51"/>
+    <p:sldId id="359" r:id="rId21"/>
+    <p:sldId id="333" r:id="rId22"/>
+    <p:sldId id="334" r:id="rId23"/>
+    <p:sldId id="335" r:id="rId24"/>
+    <p:sldId id="318" r:id="rId25"/>
+    <p:sldId id="360" r:id="rId26"/>
+    <p:sldId id="306" r:id="rId27"/>
+    <p:sldId id="313" r:id="rId28"/>
+    <p:sldId id="314" r:id="rId29"/>
+    <p:sldId id="315" r:id="rId30"/>
+    <p:sldId id="316" r:id="rId31"/>
+    <p:sldId id="317" r:id="rId32"/>
+    <p:sldId id="358" r:id="rId33"/>
+    <p:sldId id="320" r:id="rId34"/>
+    <p:sldId id="330" r:id="rId35"/>
+    <p:sldId id="331" r:id="rId36"/>
+    <p:sldId id="332" r:id="rId37"/>
+    <p:sldId id="357" r:id="rId38"/>
+    <p:sldId id="336" r:id="rId39"/>
+    <p:sldId id="340" r:id="rId40"/>
+    <p:sldId id="342" r:id="rId41"/>
+    <p:sldId id="343" r:id="rId42"/>
+    <p:sldId id="344" r:id="rId43"/>
+    <p:sldId id="339" r:id="rId44"/>
+    <p:sldId id="321" r:id="rId45"/>
+    <p:sldId id="341" r:id="rId46"/>
+    <p:sldId id="365" r:id="rId47"/>
+    <p:sldId id="366" r:id="rId48"/>
+    <p:sldId id="356" r:id="rId49"/>
+    <p:sldId id="345" r:id="rId50"/>
+    <p:sldId id="346" r:id="rId51"/>
+    <p:sldId id="349" r:id="rId52"/>
+    <p:sldId id="353" r:id="rId53"/>
+    <p:sldId id="354" r:id="rId54"/>
+    <p:sldId id="355" r:id="rId55"/>
+    <p:sldId id="361" r:id="rId56"/>
+    <p:sldId id="362" r:id="rId57"/>
+    <p:sldId id="363" r:id="rId58"/>
+    <p:sldId id="364" r:id="rId59"/>
+    <p:sldId id="312" r:id="rId60"/>
+    <p:sldId id="303" r:id="rId61"/>
+    <p:sldId id="305" r:id="rId62"/>
+    <p:sldId id="319" r:id="rId63"/>
+    <p:sldId id="338" r:id="rId64"/>
   </p:sldIdLst>
   <p:sldSz cx="9144000" cy="6858000" type="screen4x3"/>
   <p:notesSz cx="6858000" cy="9144000"/>
@@ -6392,31 +6405,76 @@
                 <p:ph idx="1"/>
               </p:nvPr>
             </p:nvSpPr>
-            <p:spPr/>
+            <p:spPr>
+              <a:xfrm>
+                <a:off x="457199" y="989012"/>
+                <a:ext cx="8505825" cy="5507037"/>
+              </a:xfrm>
+            </p:spPr>
             <p:txBody>
               <a:bodyPr>
-                <a:normAutofit fontScale="92500" lnSpcReduction="10000"/>
+                <a:normAutofit fontScale="70000" lnSpcReduction="20000"/>
               </a:bodyPr>
               <a:lstStyle/>
               <a:p>
+                <a:pPr>
+                  <a:lnSpc>
+                    <a:spcPct val="120000"/>
+                  </a:lnSpc>
+                  <a:spcBef>
+                    <a:spcPts val="1200"/>
+                  </a:spcBef>
+                </a:pPr>
                 <a:r>
                   <a:rPr lang="en-US" dirty="0" smtClean="0"/>
                   <a:t>In smooth areas, every piece has a small dissimilarity to every other piece in the region.</a:t>
                 </a:r>
               </a:p>
               <a:p>
-                <a:endParaRPr lang="en-US" dirty="0"/>
+                <a:pPr>
+                  <a:lnSpc>
+                    <a:spcPct val="120000"/>
+                  </a:lnSpc>
+                  <a:spcBef>
+                    <a:spcPts val="1200"/>
+                  </a:spcBef>
+                </a:pPr>
+                <a:endParaRPr lang="en-US" sz="900" dirty="0"/>
               </a:p>
               <a:p>
+                <a:pPr>
+                  <a:lnSpc>
+                    <a:spcPct val="120000"/>
+                  </a:lnSpc>
+                  <a:spcBef>
+                    <a:spcPts val="1200"/>
+                  </a:spcBef>
+                </a:pPr>
                 <a:r>
                   <a:rPr lang="en-US" dirty="0" smtClean="0"/>
                   <a:t>Hence, having a small dissimilarity by itself does not tell the fully story.</a:t>
                 </a:r>
               </a:p>
               <a:p>
-                <a:endParaRPr lang="en-US" dirty="0" smtClean="0"/>
+                <a:pPr>
+                  <a:lnSpc>
+                    <a:spcPct val="120000"/>
+                  </a:lnSpc>
+                  <a:spcBef>
+                    <a:spcPts val="1200"/>
+                  </a:spcBef>
+                </a:pPr>
+                <a:endParaRPr lang="en-US" sz="900" dirty="0" smtClean="0"/>
               </a:p>
               <a:p>
+                <a:pPr>
+                  <a:lnSpc>
+                    <a:spcPct val="120000"/>
+                  </a:lnSpc>
+                  <a:spcBef>
+                    <a:spcPts val="1200"/>
+                  </a:spcBef>
+                </a:pPr>
                 <a:r>
                   <a:rPr lang="en-US" b="1" dirty="0" smtClean="0"/>
                   <a:t>Modified Approach: </a:t>
@@ -6433,12 +6491,27 @@
                   <a:rPr lang="en-US" dirty="0" smtClean="0"/>
                   <a:t> neighbor is far less than the distance to second closest neighbor, then we have higher confidence they are actually neighbors.</a:t>
                 </a:r>
-              </a:p>
-              <a:p>
-                <a:endParaRPr lang="en-US" dirty="0"/>
               </a:p>
               <a:p>
                 <a:pPr marL="0" indent="0">
+                  <a:lnSpc>
+                    <a:spcPct val="120000"/>
+                  </a:lnSpc>
+                  <a:spcBef>
+                    <a:spcPts val="1200"/>
+                  </a:spcBef>
+                  <a:buNone/>
+                </a:pPr>
+                <a:endParaRPr lang="en-US" sz="300" dirty="0" smtClean="0"/>
+              </a:p>
+              <a:p>
+                <a:pPr marL="0" indent="0">
+                  <a:lnSpc>
+                    <a:spcPct val="120000"/>
+                  </a:lnSpc>
+                  <a:spcBef>
+                    <a:spcPts val="1200"/>
+                  </a:spcBef>
                   <a:buNone/>
                 </a:pPr>
                 <a14:m>
@@ -6697,11 +6770,25 @@
               </a:p>
               <a:p>
                 <a:pPr marL="0" indent="0">
+                  <a:lnSpc>
+                    <a:spcPct val="120000"/>
+                  </a:lnSpc>
+                  <a:spcBef>
+                    <a:spcPts val="1200"/>
+                  </a:spcBef>
                   <a:buNone/>
                 </a:pPr>
-                <a:endParaRPr lang="en-US" b="0" dirty="0" smtClean="0"/>
+                <a:endParaRPr lang="en-US" sz="300" dirty="0"/>
               </a:p>
               <a:p>
+                <a:pPr>
+                  <a:lnSpc>
+                    <a:spcPct val="120000"/>
+                  </a:lnSpc>
+                  <a:spcBef>
+                    <a:spcPts val="1200"/>
+                  </a:spcBef>
+                </a:pPr>
                 <a14:m>
                   <m:oMath xmlns:m="http://schemas.openxmlformats.org/officeDocument/2006/math">
                     <m:r>
@@ -6714,7 +6801,7 @@
                 </a14:m>
                 <a:r>
                   <a:rPr lang="en-US" dirty="0" smtClean="0"/>
-                  <a:t> – Spatial relationship between pieces </a:t>
+                  <a:t> – Spatial relationship (e.g. left, right, top bottom) between pieces </a:t>
                 </a:r>
                 <a14:m>
                   <m:oMath xmlns:m="http://schemas.openxmlformats.org/officeDocument/2006/math">
@@ -6781,24 +6868,465 @@
                 <a:endParaRPr lang="en-US" dirty="0" smtClean="0"/>
               </a:p>
               <a:p>
-                <a:endParaRPr lang="en-US" b="0" dirty="0" smtClean="0"/>
+                <a:pPr>
+                  <a:lnSpc>
+                    <a:spcPct val="120000"/>
+                  </a:lnSpc>
+                  <a:spcBef>
+                    <a:spcPts val="1200"/>
+                  </a:spcBef>
+                </a:pPr>
+                <a14:m>
+                  <m:oMath xmlns:m="http://schemas.openxmlformats.org/officeDocument/2006/math">
+                    <m:r>
+                      <a:rPr lang="en-US" b="0" i="1" smtClean="0">
+                        <a:latin typeface="Cambria Math"/>
+                      </a:rPr>
+                      <m:t>𝐷</m:t>
+                    </m:r>
+                    <m:d>
+                      <m:dPr>
+                        <m:ctrlPr>
+                          <a:rPr lang="en-US" b="0" i="1" smtClean="0">
+                            <a:latin typeface="Cambria Math"/>
+                          </a:rPr>
+                        </m:ctrlPr>
+                      </m:dPr>
+                      <m:e>
+                        <m:sSub>
+                          <m:sSubPr>
+                            <m:ctrlPr>
+                              <a:rPr lang="en-US" b="0" i="1" smtClean="0">
+                                <a:latin typeface="Cambria Math"/>
+                              </a:rPr>
+                            </m:ctrlPr>
+                          </m:sSubPr>
+                          <m:e>
+                            <m:r>
+                              <a:rPr lang="en-US" b="0" i="1" smtClean="0">
+                                <a:latin typeface="Cambria Math"/>
+                              </a:rPr>
+                              <m:t>𝑝</m:t>
+                            </m:r>
+                          </m:e>
+                          <m:sub>
+                            <m:r>
+                              <a:rPr lang="en-US" b="0" i="1" smtClean="0">
+                                <a:latin typeface="Cambria Math"/>
+                              </a:rPr>
+                              <m:t>𝑖</m:t>
+                            </m:r>
+                          </m:sub>
+                        </m:sSub>
+                        <m:r>
+                          <a:rPr lang="en-US" b="0" i="1" smtClean="0">
+                            <a:latin typeface="Cambria Math"/>
+                          </a:rPr>
+                          <m:t>,</m:t>
+                        </m:r>
+                        <m:sSub>
+                          <m:sSubPr>
+                            <m:ctrlPr>
+                              <a:rPr lang="en-US" b="0" i="1" smtClean="0">
+                                <a:latin typeface="Cambria Math"/>
+                              </a:rPr>
+                            </m:ctrlPr>
+                          </m:sSubPr>
+                          <m:e>
+                            <m:r>
+                              <a:rPr lang="en-US" b="0" i="1" smtClean="0">
+                                <a:latin typeface="Cambria Math"/>
+                              </a:rPr>
+                              <m:t>𝑝</m:t>
+                            </m:r>
+                          </m:e>
+                          <m:sub>
+                            <m:r>
+                              <a:rPr lang="en-US" b="0" i="1" smtClean="0">
+                                <a:latin typeface="Cambria Math"/>
+                              </a:rPr>
+                              <m:t>𝑗</m:t>
+                            </m:r>
+                          </m:sub>
+                        </m:sSub>
+                        <m:r>
+                          <a:rPr lang="en-US" b="0" i="1" smtClean="0">
+                            <a:latin typeface="Cambria Math"/>
+                          </a:rPr>
+                          <m:t>,</m:t>
+                        </m:r>
+                        <m:r>
+                          <a:rPr lang="en-US" b="0" i="1" smtClean="0">
+                            <a:latin typeface="Cambria Math"/>
+                          </a:rPr>
+                          <m:t>𝑟</m:t>
+                        </m:r>
+                      </m:e>
+                    </m:d>
+                  </m:oMath>
+                </a14:m>
+                <a:r>
+                  <a:rPr lang="en-US" dirty="0" smtClean="0"/>
+                  <a:t> - Asymmetric dissimilarity between pieces </a:t>
+                </a:r>
+                <a14:m>
+                  <m:oMath xmlns:m="http://schemas.openxmlformats.org/officeDocument/2006/math">
+                    <m:sSub>
+                      <m:sSubPr>
+                        <m:ctrlPr>
+                          <a:rPr lang="en-US" b="0" i="1" smtClean="0">
+                            <a:latin typeface="Cambria Math"/>
+                          </a:rPr>
+                        </m:ctrlPr>
+                      </m:sSubPr>
+                      <m:e>
+                        <m:r>
+                          <a:rPr lang="en-US" b="0" i="1" smtClean="0">
+                            <a:latin typeface="Cambria Math"/>
+                          </a:rPr>
+                          <m:t>𝑝</m:t>
+                        </m:r>
+                      </m:e>
+                      <m:sub>
+                        <m:r>
+                          <a:rPr lang="en-US" b="0" i="1" smtClean="0">
+                            <a:latin typeface="Cambria Math"/>
+                          </a:rPr>
+                          <m:t>𝑖</m:t>
+                        </m:r>
+                      </m:sub>
+                    </m:sSub>
+                  </m:oMath>
+                </a14:m>
+                <a:r>
+                  <a:rPr lang="en-US" dirty="0" smtClean="0"/>
+                  <a:t> and </a:t>
+                </a:r>
+                <a14:m>
+                  <m:oMath xmlns:m="http://schemas.openxmlformats.org/officeDocument/2006/math">
+                    <m:sSub>
+                      <m:sSubPr>
+                        <m:ctrlPr>
+                          <a:rPr lang="en-US" b="0" i="1" smtClean="0">
+                            <a:latin typeface="Cambria Math"/>
+                          </a:rPr>
+                        </m:ctrlPr>
+                      </m:sSubPr>
+                      <m:e>
+                        <m:r>
+                          <a:rPr lang="en-US" b="0" i="1" smtClean="0">
+                            <a:latin typeface="Cambria Math"/>
+                          </a:rPr>
+                          <m:t>𝑝</m:t>
+                        </m:r>
+                      </m:e>
+                      <m:sub>
+                        <m:r>
+                          <a:rPr lang="en-US" b="0" i="1" smtClean="0">
+                            <a:latin typeface="Cambria Math"/>
+                          </a:rPr>
+                          <m:t>𝑗</m:t>
+                        </m:r>
+                      </m:sub>
+                    </m:sSub>
+                  </m:oMath>
+                </a14:m>
+                <a:endParaRPr lang="en-US" dirty="0" smtClean="0"/>
+              </a:p>
+              <a:p>
+                <a:pPr>
+                  <a:lnSpc>
+                    <a:spcPct val="120000"/>
+                  </a:lnSpc>
+                  <a:spcBef>
+                    <a:spcPts val="1200"/>
+                  </a:spcBef>
+                </a:pPr>
+                <a14:m>
+                  <m:oMath xmlns:m="http://schemas.openxmlformats.org/officeDocument/2006/math">
+                    <m:r>
+                      <a:rPr lang="en-US" b="0" i="1" smtClean="0">
+                        <a:latin typeface="Cambria Math"/>
+                      </a:rPr>
+                      <m:t>𝑠𝑒𝑐𝑜𝑛𝑑𝐷</m:t>
+                    </m:r>
+                    <m:r>
+                      <a:rPr lang="en-US" b="0" i="1" smtClean="0">
+                        <a:latin typeface="Cambria Math"/>
+                      </a:rPr>
+                      <m:t>(</m:t>
+                    </m:r>
+                    <m:sSub>
+                      <m:sSubPr>
+                        <m:ctrlPr>
+                          <a:rPr lang="en-US" b="0" i="1" smtClean="0">
+                            <a:latin typeface="Cambria Math"/>
+                          </a:rPr>
+                        </m:ctrlPr>
+                      </m:sSubPr>
+                      <m:e>
+                        <m:r>
+                          <a:rPr lang="en-US" b="0" i="1" smtClean="0">
+                            <a:latin typeface="Cambria Math"/>
+                          </a:rPr>
+                          <m:t>𝑝</m:t>
+                        </m:r>
+                      </m:e>
+                      <m:sub>
+                        <m:r>
+                          <a:rPr lang="en-US" b="0" i="1" smtClean="0">
+                            <a:latin typeface="Cambria Math"/>
+                          </a:rPr>
+                          <m:t>𝑖</m:t>
+                        </m:r>
+                      </m:sub>
+                    </m:sSub>
+                    <m:r>
+                      <a:rPr lang="en-US" b="0" i="1" smtClean="0">
+                        <a:latin typeface="Cambria Math"/>
+                      </a:rPr>
+                      <m:t>,</m:t>
+                    </m:r>
+                    <m:r>
+                      <a:rPr lang="en-US" b="0" i="1" smtClean="0">
+                        <a:latin typeface="Cambria Math"/>
+                      </a:rPr>
+                      <m:t>𝑟</m:t>
+                    </m:r>
+                    <m:r>
+                      <a:rPr lang="en-US" b="0" i="1" smtClean="0">
+                        <a:latin typeface="Cambria Math"/>
+                      </a:rPr>
+                      <m:t>)</m:t>
+                    </m:r>
+                  </m:oMath>
+                </a14:m>
+                <a:r>
+                  <a:rPr lang="en-US" dirty="0" smtClean="0"/>
+                  <a:t> – Second best similarity between piece </a:t>
+                </a:r>
+                <a14:m>
+                  <m:oMath xmlns:m="http://schemas.openxmlformats.org/officeDocument/2006/math">
+                    <m:sSub>
+                      <m:sSubPr>
+                        <m:ctrlPr>
+                          <a:rPr lang="en-US" b="0" i="1" smtClean="0">
+                            <a:latin typeface="Cambria Math"/>
+                          </a:rPr>
+                        </m:ctrlPr>
+                      </m:sSubPr>
+                      <m:e>
+                        <m:r>
+                          <a:rPr lang="en-US" b="0" i="1" smtClean="0">
+                            <a:latin typeface="Cambria Math"/>
+                          </a:rPr>
+                          <m:t>𝑝</m:t>
+                        </m:r>
+                      </m:e>
+                      <m:sub>
+                        <m:r>
+                          <a:rPr lang="en-US" b="0" i="1" smtClean="0">
+                            <a:latin typeface="Cambria Math"/>
+                          </a:rPr>
+                          <m:t>𝑖</m:t>
+                        </m:r>
+                      </m:sub>
+                    </m:sSub>
+                  </m:oMath>
+                </a14:m>
+                <a:r>
+                  <a:rPr lang="en-US" dirty="0" smtClean="0"/>
+                  <a:t> and all other pieces with relation </a:t>
+                </a:r>
+                <a14:m>
+                  <m:oMath xmlns:m="http://schemas.openxmlformats.org/officeDocument/2006/math">
+                    <m:r>
+                      <a:rPr lang="en-US" b="0" i="1" smtClean="0">
+                        <a:latin typeface="Cambria Math"/>
+                      </a:rPr>
+                      <m:t>𝑟</m:t>
+                    </m:r>
+                  </m:oMath>
+                </a14:m>
+                <a:endParaRPr lang="en-US" dirty="0" smtClean="0"/>
+              </a:p>
+              <a:p>
+                <a:pPr>
+                  <a:lnSpc>
+                    <a:spcPct val="120000"/>
+                  </a:lnSpc>
+                  <a:spcBef>
+                    <a:spcPts val="1200"/>
+                  </a:spcBef>
+                </a:pPr>
+                <a:endParaRPr lang="en-US" sz="600" b="0" dirty="0" smtClean="0"/>
+              </a:p>
+              <a:p>
+                <a:pPr>
+                  <a:lnSpc>
+                    <a:spcPct val="120000"/>
+                  </a:lnSpc>
+                  <a:spcBef>
+                    <a:spcPts val="1200"/>
+                  </a:spcBef>
+                </a:pPr>
+                <a:r>
+                  <a:rPr lang="en-US" b="1" dirty="0" smtClean="0"/>
+                  <a:t>Goal: </a:t>
+                </a:r>
+                <a:r>
+                  <a:rPr lang="en-US" dirty="0" smtClean="0"/>
+                  <a:t>Maximize the value of </a:t>
+                </a:r>
+                <a14:m>
+                  <m:oMath xmlns:m="http://schemas.openxmlformats.org/officeDocument/2006/math">
+                    <m:r>
+                      <a:rPr lang="en-US" b="0" i="1" smtClean="0">
+                        <a:latin typeface="Cambria Math"/>
+                      </a:rPr>
+                      <m:t>𝐶</m:t>
+                    </m:r>
+                    <m:r>
+                      <a:rPr lang="en-US" b="0" i="1" smtClean="0">
+                        <a:latin typeface="Cambria Math"/>
+                      </a:rPr>
+                      <m:t>(</m:t>
+                    </m:r>
+                    <m:sSub>
+                      <m:sSubPr>
+                        <m:ctrlPr>
+                          <a:rPr lang="en-US" b="0" i="1" smtClean="0">
+                            <a:latin typeface="Cambria Math"/>
+                          </a:rPr>
+                        </m:ctrlPr>
+                      </m:sSubPr>
+                      <m:e>
+                        <m:r>
+                          <a:rPr lang="en-US" b="0" i="1" smtClean="0">
+                            <a:latin typeface="Cambria Math"/>
+                          </a:rPr>
+                          <m:t>𝑝</m:t>
+                        </m:r>
+                      </m:e>
+                      <m:sub>
+                        <m:r>
+                          <a:rPr lang="en-US" b="0" i="1" smtClean="0">
+                            <a:latin typeface="Cambria Math"/>
+                          </a:rPr>
+                          <m:t>𝑖</m:t>
+                        </m:r>
+                      </m:sub>
+                    </m:sSub>
+                    <m:r>
+                      <a:rPr lang="en-US" b="0" i="1" smtClean="0">
+                        <a:latin typeface="Cambria Math"/>
+                      </a:rPr>
+                      <m:t>,</m:t>
+                    </m:r>
+                    <m:sSub>
+                      <m:sSubPr>
+                        <m:ctrlPr>
+                          <a:rPr lang="en-US" b="0" i="1" smtClean="0">
+                            <a:latin typeface="Cambria Math"/>
+                          </a:rPr>
+                        </m:ctrlPr>
+                      </m:sSubPr>
+                      <m:e>
+                        <m:r>
+                          <a:rPr lang="en-US" b="0" i="1" smtClean="0">
+                            <a:latin typeface="Cambria Math"/>
+                          </a:rPr>
+                          <m:t>𝑝</m:t>
+                        </m:r>
+                      </m:e>
+                      <m:sub>
+                        <m:r>
+                          <a:rPr lang="en-US" b="0" i="1" smtClean="0">
+                            <a:latin typeface="Cambria Math"/>
+                          </a:rPr>
+                          <m:t>𝑗</m:t>
+                        </m:r>
+                      </m:sub>
+                    </m:sSub>
+                    <m:r>
+                      <a:rPr lang="en-US" b="0" i="1" smtClean="0">
+                        <a:latin typeface="Cambria Math"/>
+                      </a:rPr>
+                      <m:t>,</m:t>
+                    </m:r>
+                    <m:r>
+                      <a:rPr lang="en-US" b="0" i="1" smtClean="0">
+                        <a:latin typeface="Cambria Math"/>
+                      </a:rPr>
+                      <m:t>𝑟</m:t>
+                    </m:r>
+                    <m:r>
+                      <a:rPr lang="en-US" b="0" i="1" smtClean="0">
+                        <a:latin typeface="Cambria Math"/>
+                      </a:rPr>
+                      <m:t>)</m:t>
+                    </m:r>
+                  </m:oMath>
+                </a14:m>
+                <a:r>
+                  <a:rPr lang="en-US" b="0" dirty="0" smtClean="0"/>
+                  <a:t>.</a:t>
+                </a:r>
               </a:p>
               <a:p>
                 <a:pPr marL="0" indent="0">
+                  <a:lnSpc>
+                    <a:spcPct val="120000"/>
+                  </a:lnSpc>
+                  <a:spcBef>
+                    <a:spcPts val="1200"/>
+                  </a:spcBef>
                   <a:buNone/>
                 </a:pPr>
                 <a:endParaRPr lang="en-US" dirty="0" smtClean="0"/>
               </a:p>
               <a:p>
+                <a:pPr>
+                  <a:lnSpc>
+                    <a:spcPct val="120000"/>
+                  </a:lnSpc>
+                  <a:spcBef>
+                    <a:spcPts val="1200"/>
+                  </a:spcBef>
+                </a:pPr>
                 <a:endParaRPr lang="en-US" dirty="0"/>
               </a:p>
               <a:p>
+                <a:pPr>
+                  <a:lnSpc>
+                    <a:spcPct val="120000"/>
+                  </a:lnSpc>
+                  <a:spcBef>
+                    <a:spcPts val="1200"/>
+                  </a:spcBef>
+                </a:pPr>
                 <a:endParaRPr lang="en-US" dirty="0" smtClean="0"/>
               </a:p>
               <a:p>
+                <a:pPr>
+                  <a:lnSpc>
+                    <a:spcPct val="120000"/>
+                  </a:lnSpc>
+                  <a:spcBef>
+                    <a:spcPts val="1200"/>
+                  </a:spcBef>
+                </a:pPr>
                 <a:endParaRPr lang="en-US" dirty="0"/>
               </a:p>
               <a:p>
+                <a:pPr>
+                  <a:lnSpc>
+                    <a:spcPct val="120000"/>
+                  </a:lnSpc>
+                  <a:spcBef>
+                    <a:spcPts val="1200"/>
+                  </a:spcBef>
+                </a:pPr>
                 <a:endParaRPr lang="en-US" dirty="0"/>
               </a:p>
             </p:txBody>
@@ -6816,10 +7344,14 @@
               </p:nvPr>
             </p:nvSpPr>
             <p:spPr>
+              <a:xfrm>
+                <a:off x="457199" y="989012"/>
+                <a:ext cx="8505825" cy="5507037"/>
+              </a:xfrm>
               <a:blipFill rotWithShape="1">
                 <a:blip r:embed="rId2"/>
                 <a:stretch>
-                  <a:fillRect l="-815" t="-1423" r="-1259"/>
+                  <a:fillRect l="-287" t="-332"/>
                 </a:stretch>
               </a:blipFill>
             </p:spPr>
@@ -9533,6 +10065,74 @@
       </p:grpSpPr>
       <p:sp>
         <p:nvSpPr>
+          <p:cNvPr id="4" name="Title 3"/>
+          <p:cNvSpPr>
+            <a:spLocks noGrp="1"/>
+          </p:cNvSpPr>
+          <p:nvPr>
+            <p:ph type="ctrTitle"/>
+          </p:nvPr>
+        </p:nvSpPr>
+        <p:spPr>
+          <a:xfrm>
+            <a:off x="685800" y="4505325"/>
+            <a:ext cx="7772400" cy="942975"/>
+          </a:xfrm>
+        </p:spPr>
+        <p:txBody>
+          <a:bodyPr>
+            <a:noAutofit/>
+          </a:bodyPr>
+          <a:lstStyle/>
+          <a:p>
+            <a:r>
+              <a:rPr lang="en-US" sz="3200" dirty="0" smtClean="0"/>
+              <a:t>Cho </a:t>
+            </a:r>
+            <a:r>
+              <a:rPr lang="en-US" sz="3200" i="1" dirty="0" smtClean="0"/>
+              <a:t>et. al.</a:t>
+            </a:r>
+            <a:r>
+              <a:rPr lang="en-US" sz="3200" dirty="0" smtClean="0"/>
+              <a:t> – The Patch Transform and its Application to Image Editing (2008)</a:t>
+            </a:r>
+            <a:endParaRPr lang="en-US" sz="3200" dirty="0"/>
+          </a:p>
+        </p:txBody>
+      </p:sp>
+    </p:spTree>
+    <p:extLst>
+      <p:ext uri="{BB962C8B-B14F-4D97-AF65-F5344CB8AC3E}">
+        <p14:creationId xmlns:p14="http://schemas.microsoft.com/office/powerpoint/2010/main" val="337585347"/>
+      </p:ext>
+    </p:extLst>
+  </p:cSld>
+  <p:clrMapOvr>
+    <a:masterClrMapping/>
+  </p:clrMapOvr>
+</p:sld>
+</file>
+
+<file path=ppt/slides/slide21.xml><?xml version="1.0" encoding="utf-8"?>
+<p:sld xmlns:a="http://schemas.openxmlformats.org/drawingml/2006/main" xmlns:r="http://schemas.openxmlformats.org/officeDocument/2006/relationships" xmlns:p="http://schemas.openxmlformats.org/presentationml/2006/main">
+  <p:cSld>
+    <p:spTree>
+      <p:nvGrpSpPr>
+        <p:cNvPr id="1" name=""/>
+        <p:cNvGrpSpPr/>
+        <p:nvPr/>
+      </p:nvGrpSpPr>
+      <p:grpSpPr>
+        <a:xfrm>
+          <a:off x="0" y="0"/>
+          <a:ext cx="0" cy="0"/>
+          <a:chOff x="0" y="0"/>
+          <a:chExt cx="0" cy="0"/>
+        </a:xfrm>
+      </p:grpSpPr>
+      <p:sp>
+        <p:nvSpPr>
           <p:cNvPr id="2" name="Title 1"/>
           <p:cNvSpPr>
             <a:spLocks noGrp="1"/>
@@ -9716,7 +10316,7 @@
 </p:sld>
 </file>
 
-<file path=ppt/slides/slide21.xml><?xml version="1.0" encoding="utf-8"?>
+<file path=ppt/slides/slide22.xml><?xml version="1.0" encoding="utf-8"?>
 <p:sld xmlns:a="http://schemas.openxmlformats.org/drawingml/2006/main" xmlns:r="http://schemas.openxmlformats.org/officeDocument/2006/relationships" xmlns:p="http://schemas.openxmlformats.org/presentationml/2006/main">
   <p:cSld>
     <p:spTree>
@@ -10260,7 +10860,7 @@
 </p:sld>
 </file>
 
-<file path=ppt/slides/slide22.xml><?xml version="1.0" encoding="utf-8"?>
+<file path=ppt/slides/slide23.xml><?xml version="1.0" encoding="utf-8"?>
 <p:sld xmlns:a="http://schemas.openxmlformats.org/drawingml/2006/main" xmlns:r="http://schemas.openxmlformats.org/officeDocument/2006/relationships" xmlns:p="http://schemas.openxmlformats.org/presentationml/2006/main">
   <p:cSld>
     <p:spTree>
@@ -11218,7 +11818,7 @@
 </p:sld>
 </file>
 
-<file path=ppt/slides/slide23.xml><?xml version="1.0" encoding="utf-8"?>
+<file path=ppt/slides/slide24.xml><?xml version="1.0" encoding="utf-8"?>
 <p:sld xmlns:a="http://schemas.openxmlformats.org/drawingml/2006/main" xmlns:r="http://schemas.openxmlformats.org/officeDocument/2006/relationships" xmlns:p="http://schemas.openxmlformats.org/presentationml/2006/main">
   <p:cSld>
     <p:spTree>
@@ -11310,211 +11910,6 @@
     <p:extLst>
       <p:ext uri="{BB962C8B-B14F-4D97-AF65-F5344CB8AC3E}">
         <p14:creationId xmlns:p14="http://schemas.microsoft.com/office/powerpoint/2010/main" val="674603872"/>
-      </p:ext>
-    </p:extLst>
-  </p:cSld>
-  <p:clrMapOvr>
-    <a:masterClrMapping/>
-  </p:clrMapOvr>
-  <p:timing>
-    <p:tnLst>
-      <p:par>
-        <p:cTn id="1" dur="indefinite" restart="never" nodeType="tmRoot"/>
-      </p:par>
-    </p:tnLst>
-  </p:timing>
-</p:sld>
-</file>
-
-<file path=ppt/slides/slide24.xml><?xml version="1.0" encoding="utf-8"?>
-<p:sld xmlns:a="http://schemas.openxmlformats.org/drawingml/2006/main" xmlns:r="http://schemas.openxmlformats.org/officeDocument/2006/relationships" xmlns:p="http://schemas.openxmlformats.org/presentationml/2006/main">
-  <p:cSld>
-    <p:spTree>
-      <p:nvGrpSpPr>
-        <p:cNvPr id="1" name=""/>
-        <p:cNvGrpSpPr/>
-        <p:nvPr/>
-      </p:nvGrpSpPr>
-      <p:grpSpPr>
-        <a:xfrm>
-          <a:off x="0" y="0"/>
-          <a:ext cx="0" cy="0"/>
-          <a:chOff x="0" y="0"/>
-          <a:chExt cx="0" cy="0"/>
-        </a:xfrm>
-      </p:grpSpPr>
-      <p:sp>
-        <p:nvSpPr>
-          <p:cNvPr id="2" name="Title 1"/>
-          <p:cNvSpPr>
-            <a:spLocks noGrp="1"/>
-          </p:cNvSpPr>
-          <p:nvPr>
-            <p:ph type="title"/>
-          </p:nvPr>
-        </p:nvSpPr>
-        <p:spPr/>
-        <p:txBody>
-          <a:bodyPr>
-            <a:normAutofit/>
-          </a:bodyPr>
-          <a:lstStyle/>
-          <a:p>
-            <a:r>
-              <a:rPr lang="en-US" sz="2800" dirty="0" smtClean="0"/>
-              <a:t>“Dense and Noisy” Estimation</a:t>
-            </a:r>
-            <a:endParaRPr lang="en-US" sz="2800" dirty="0"/>
-          </a:p>
-        </p:txBody>
-      </p:sp>
-      <mc:AlternateContent xmlns:mc="http://schemas.openxmlformats.org/markup-compatibility/2006" xmlns:a14="http://schemas.microsoft.com/office/drawing/2010/main">
-        <mc:Choice Requires="a14">
-          <p:sp>
-            <p:nvSpPr>
-              <p:cNvPr id="3" name="Content Placeholder 2"/>
-              <p:cNvSpPr>
-                <a:spLocks noGrp="1"/>
-              </p:cNvSpPr>
-              <p:nvPr>
-                <p:ph idx="1"/>
-              </p:nvPr>
-            </p:nvSpPr>
-            <p:spPr/>
-            <p:txBody>
-              <a:bodyPr/>
-              <a:lstStyle/>
-              <a:p>
-                <a:r>
-                  <a:rPr lang="en-US" dirty="0" smtClean="0"/>
-                  <a:t>Proposed by Cho </a:t>
-                </a:r>
-                <a:r>
-                  <a:rPr lang="en-US" i="1" dirty="0" smtClean="0"/>
-                  <a:t>et. al. </a:t>
-                </a:r>
-                <a:r>
-                  <a:rPr lang="en-US" dirty="0" smtClean="0"/>
-                  <a:t>in [7] in 2010.</a:t>
-                </a:r>
-              </a:p>
-              <a:p>
-                <a:endParaRPr lang="en-US" dirty="0" smtClean="0"/>
-              </a:p>
-              <a:p>
-                <a:r>
-                  <a:rPr lang="en-US" b="1" dirty="0" smtClean="0"/>
-                  <a:t>Review: </a:t>
-                </a:r>
-                <a:r>
-                  <a:rPr lang="en-US" dirty="0" smtClean="0"/>
-                  <a:t>In Cho </a:t>
-                </a:r>
-                <a:r>
-                  <a:rPr lang="en-US" i="1" dirty="0" smtClean="0"/>
-                  <a:t>et. al.</a:t>
-                </a:r>
-                <a:r>
-                  <a:rPr lang="en-US" dirty="0" smtClean="0"/>
-                  <a:t>’s work in [8], they assumed access to a correct, low resolution version of the original image.</a:t>
-                </a:r>
-              </a:p>
-              <a:p>
-                <a:pPr lvl="1"/>
-                <a:r>
-                  <a:rPr lang="en-US" dirty="0" smtClean="0"/>
-                  <a:t>In many real world applications, such a low resolution image is not available.</a:t>
-                </a:r>
-              </a:p>
-              <a:p>
-                <a:endParaRPr lang="en-US" dirty="0" smtClean="0"/>
-              </a:p>
-              <a:p>
-                <a:r>
-                  <a:rPr lang="en-US" b="1" dirty="0" smtClean="0"/>
-                  <a:t>Solution:</a:t>
-                </a:r>
-                <a:r>
-                  <a:rPr lang="en-US" dirty="0" smtClean="0"/>
-                  <a:t> Estimate a low resolution image from a “bag of patches.”  The simplified procedure is:</a:t>
-                </a:r>
-              </a:p>
-              <a:p>
-                <a:pPr lvl="1"/>
-                <a:r>
-                  <a:rPr lang="en-US" dirty="0" smtClean="0"/>
-                  <a:t>Creating a histogram of the bag of patches</a:t>
-                </a:r>
-              </a:p>
-              <a:p>
-                <a:pPr lvl="1"/>
-                <a:r>
-                  <a:rPr lang="en-US" dirty="0" smtClean="0"/>
-                  <a:t>“Estimate” a low resolution version by comparing the histogram to a set of </a:t>
-                </a:r>
-                <a14:m>
-                  <m:oMath xmlns:m="http://schemas.openxmlformats.org/officeDocument/2006/math">
-                    <m:r>
-                      <a:rPr lang="en-US" b="0" i="1" smtClean="0">
-                        <a:latin typeface="Cambria Math"/>
-                      </a:rPr>
-                      <m:t>𝐾</m:t>
-                    </m:r>
-                  </m:oMath>
-                </a14:m>
-                <a:r>
-                  <a:rPr lang="en-US" dirty="0" smtClean="0"/>
-                  <a:t> centroids with predefined low resolution images.</a:t>
-                </a:r>
-              </a:p>
-              <a:p>
-                <a:pPr lvl="1"/>
-                <a:endParaRPr lang="en-US" dirty="0" smtClean="0"/>
-              </a:p>
-              <a:p>
-                <a:endParaRPr lang="en-US" dirty="0"/>
-              </a:p>
-            </p:txBody>
-          </p:sp>
-        </mc:Choice>
-        <mc:Fallback xmlns="">
-          <p:sp>
-            <p:nvSpPr>
-              <p:cNvPr id="3" name="Content Placeholder 2"/>
-              <p:cNvSpPr>
-                <a:spLocks noGrp="1" noRot="1" noChangeAspect="1" noMove="1" noResize="1" noEditPoints="1" noAdjustHandles="1" noChangeArrowheads="1" noChangeShapeType="1" noTextEdit="1"/>
-              </p:cNvSpPr>
-              <p:nvPr>
-                <p:ph idx="1"/>
-              </p:nvPr>
-            </p:nvSpPr>
-            <p:spPr>
-              <a:blipFill rotWithShape="1">
-                <a:blip r:embed="rId2"/>
-                <a:stretch>
-                  <a:fillRect l="-963" t="-949" r="-1333"/>
-                </a:stretch>
-              </a:blipFill>
-            </p:spPr>
-            <p:txBody>
-              <a:bodyPr/>
-              <a:lstStyle/>
-              <a:p>
-                <a:r>
-                  <a:rPr lang="en-US">
-                    <a:noFill/>
-                  </a:rPr>
-                  <a:t> </a:t>
-                </a:r>
-              </a:p>
-            </p:txBody>
-          </p:sp>
-        </mc:Fallback>
-      </mc:AlternateContent>
-    </p:spTree>
-    <p:extLst>
-      <p:ext uri="{BB962C8B-B14F-4D97-AF65-F5344CB8AC3E}">
-        <p14:creationId xmlns:p14="http://schemas.microsoft.com/office/powerpoint/2010/main" val="2946689892"/>
       </p:ext>
     </p:extLst>
   </p:cSld>
@@ -11550,18 +11945,18 @@
       </p:grpSpPr>
       <p:sp>
         <p:nvSpPr>
-          <p:cNvPr id="2" name="Title 1"/>
+          <p:cNvPr id="4" name="Title 3"/>
           <p:cNvSpPr>
             <a:spLocks noGrp="1"/>
           </p:cNvSpPr>
           <p:nvPr>
-            <p:ph type="title"/>
+            <p:ph type="ctrTitle"/>
           </p:nvPr>
         </p:nvSpPr>
         <p:spPr>
           <a:xfrm>
-            <a:off x="1790700" y="127002"/>
-            <a:ext cx="7353300" cy="550863"/>
+            <a:off x="685800" y="4505325"/>
+            <a:ext cx="7772400" cy="942975"/>
           </a:xfrm>
         </p:spPr>
         <p:txBody>
@@ -11571,247 +11966,38 @@
           <a:lstStyle/>
           <a:p>
             <a:r>
-              <a:rPr lang="en-US" sz="2400" dirty="0" smtClean="0"/>
-              <a:t>“Dense and Noisy” Clustering </a:t>
+              <a:rPr lang="en-US" sz="3200" dirty="0" smtClean="0"/>
+              <a:t>Cho </a:t>
+            </a:r>
+            <a:r>
+              <a:rPr lang="en-US" sz="3200" i="1" dirty="0" smtClean="0"/>
+              <a:t>et. al.</a:t>
+            </a:r>
+            <a:r>
+              <a:rPr lang="en-US" sz="3200" dirty="0" smtClean="0"/>
+              <a:t> – A Probabilistic </a:t>
             </a:r>
             <a:br>
-              <a:rPr lang="en-US" sz="2400" dirty="0" smtClean="0"/>
+              <a:rPr lang="en-US" sz="3200" dirty="0" smtClean="0"/>
             </a:br>
             <a:r>
-              <a:rPr lang="en-US" sz="2400" dirty="0" smtClean="0"/>
-              <a:t>and Histogram Generation</a:t>
-            </a:r>
-            <a:endParaRPr lang="en-US" sz="2400" dirty="0"/>
+              <a:rPr lang="en-US" sz="3200" dirty="0" smtClean="0"/>
+              <a:t>Jigsaw Puzzle Solver (2010)</a:t>
+            </a:r>
+            <a:endParaRPr lang="en-US" sz="3200" dirty="0"/>
           </a:p>
         </p:txBody>
       </p:sp>
-      <mc:AlternateContent xmlns:mc="http://schemas.openxmlformats.org/markup-compatibility/2006" xmlns:a14="http://schemas.microsoft.com/office/drawing/2010/main">
-        <mc:Choice Requires="a14">
-          <p:sp>
-            <p:nvSpPr>
-              <p:cNvPr id="3" name="Content Placeholder 2"/>
-              <p:cNvSpPr>
-                <a:spLocks noGrp="1"/>
-              </p:cNvSpPr>
-              <p:nvPr>
-                <p:ph idx="1"/>
-              </p:nvPr>
-            </p:nvSpPr>
-            <p:spPr/>
-            <p:txBody>
-              <a:bodyPr/>
-              <a:lstStyle/>
-              <a:p>
-                <a:pPr>
-                  <a:spcBef>
-                    <a:spcPts val="1000"/>
-                  </a:spcBef>
-                </a:pPr>
-                <a:r>
-                  <a:rPr lang="en-US" b="1" dirty="0" smtClean="0"/>
-                  <a:t>Training Set:</a:t>
-                </a:r>
-                <a:r>
-                  <a:rPr lang="en-US" dirty="0" smtClean="0"/>
-                  <a:t> 8.5M patches from 15,000 images.</a:t>
-                </a:r>
-              </a:p>
-              <a:p>
-                <a:pPr lvl="1">
-                  <a:spcBef>
-                    <a:spcPts val="1000"/>
-                  </a:spcBef>
-                </a:pPr>
-                <a:r>
-                  <a:rPr lang="en-US" i="1" dirty="0">
-                    <a:solidFill>
-                      <a:srgbClr val="006600"/>
-                    </a:solidFill>
-                  </a:rPr>
-                  <a:t>Patch Size: </a:t>
-                </a:r>
-                <a:r>
-                  <a:rPr lang="en-US" dirty="0" smtClean="0"/>
-                  <a:t>7px by 7px by 3 (LAB) for 147 total, original dimensions.  This dimensionality is reduced via PCA.</a:t>
-                </a:r>
-              </a:p>
-              <a:p>
-                <a:pPr marL="457200" lvl="1" indent="0">
-                  <a:spcBef>
-                    <a:spcPts val="1000"/>
-                  </a:spcBef>
-                  <a:buNone/>
-                </a:pPr>
-                <a:endParaRPr lang="en-US" dirty="0" smtClean="0"/>
-              </a:p>
-              <a:p>
-                <a:pPr>
-                  <a:spcBef>
-                    <a:spcPts val="1000"/>
-                  </a:spcBef>
-                </a:pPr>
-                <a:r>
-                  <a:rPr lang="en-US" b="1" dirty="0" smtClean="0"/>
-                  <a:t>Clustering the Patches</a:t>
-                </a:r>
-              </a:p>
-              <a:p>
-                <a:pPr lvl="1">
-                  <a:spcBef>
-                    <a:spcPts val="1000"/>
-                  </a:spcBef>
-                </a:pPr>
-                <a:r>
-                  <a:rPr lang="en-US" i="1" dirty="0">
-                    <a:solidFill>
-                      <a:srgbClr val="006600"/>
-                    </a:solidFill>
-                  </a:rPr>
-                  <a:t>Step #1: </a:t>
-                </a:r>
-                <a:r>
-                  <a:rPr lang="en-US" dirty="0" smtClean="0"/>
-                  <a:t>Cluster each image’s patches into </a:t>
-                </a:r>
-                <a14:m>
-                  <m:oMath xmlns:m="http://schemas.openxmlformats.org/officeDocument/2006/math">
-                    <m:r>
-                      <a:rPr lang="en-US" b="0" i="1" smtClean="0">
-                        <a:latin typeface="Cambria Math"/>
-                      </a:rPr>
-                      <m:t>𝐿</m:t>
-                    </m:r>
-                  </m:oMath>
-                </a14:m>
-                <a:r>
-                  <a:rPr lang="en-US" dirty="0" smtClean="0"/>
-                  <a:t> (e.g. 20) centroids.</a:t>
-                </a:r>
-              </a:p>
-              <a:p>
-                <a:pPr lvl="1">
-                  <a:spcBef>
-                    <a:spcPts val="1000"/>
-                  </a:spcBef>
-                </a:pPr>
-                <a:r>
-                  <a:rPr lang="en-US" i="1" dirty="0" smtClean="0">
-                    <a:solidFill>
-                      <a:srgbClr val="006600"/>
-                    </a:solidFill>
-                  </a:rPr>
-                  <a:t>Step #2</a:t>
-                </a:r>
-                <a:r>
-                  <a:rPr lang="en-US" dirty="0" smtClean="0"/>
-                  <a:t>: Re-cluster </a:t>
-                </a:r>
-                <a14:m>
-                  <m:oMath xmlns:m="http://schemas.openxmlformats.org/officeDocument/2006/math">
-                    <m:r>
-                      <a:rPr lang="en-US" b="0" i="1" smtClean="0">
-                        <a:latin typeface="Cambria Math"/>
-                      </a:rPr>
-                      <m:t>𝐿</m:t>
-                    </m:r>
-                  </m:oMath>
-                </a14:m>
-                <a:r>
-                  <a:rPr lang="en-US" dirty="0" smtClean="0"/>
-                  <a:t> centroids from all images into </a:t>
-                </a:r>
-                <a14:m>
-                  <m:oMath xmlns:m="http://schemas.openxmlformats.org/officeDocument/2006/math">
-                    <m:r>
-                      <a:rPr lang="en-US" b="0" i="1" smtClean="0">
-                        <a:latin typeface="Cambria Math"/>
-                      </a:rPr>
-                      <m:t>𝑁</m:t>
-                    </m:r>
-                  </m:oMath>
-                </a14:m>
-                <a:r>
-                  <a:rPr lang="en-US" dirty="0" smtClean="0"/>
-                  <a:t> (e.g. 200) centroids. </a:t>
-                </a:r>
-              </a:p>
-              <a:p>
-                <a:pPr>
-                  <a:spcBef>
-                    <a:spcPts val="1000"/>
-                  </a:spcBef>
-                </a:pPr>
-                <a:endParaRPr lang="en-US" dirty="0" smtClean="0"/>
-              </a:p>
-              <a:p>
-                <a:pPr>
-                  <a:spcBef>
-                    <a:spcPts val="1000"/>
-                  </a:spcBef>
-                </a:pPr>
-                <a:r>
-                  <a:rPr lang="en-US" b="1" dirty="0" smtClean="0"/>
-                  <a:t>Creating the Histogram: </a:t>
-                </a:r>
-                <a:r>
-                  <a:rPr lang="en-US" dirty="0" smtClean="0"/>
-                  <a:t>For a given image, assign each patch to its closest centroid.  </a:t>
-                </a:r>
-              </a:p>
-            </p:txBody>
-          </p:sp>
-        </mc:Choice>
-        <mc:Fallback xmlns="">
-          <p:sp>
-            <p:nvSpPr>
-              <p:cNvPr id="3" name="Content Placeholder 2"/>
-              <p:cNvSpPr>
-                <a:spLocks noGrp="1" noRot="1" noChangeAspect="1" noMove="1" noResize="1" noEditPoints="1" noAdjustHandles="1" noChangeArrowheads="1" noChangeShapeType="1" noTextEdit="1"/>
-              </p:cNvSpPr>
-              <p:nvPr>
-                <p:ph idx="1"/>
-              </p:nvPr>
-            </p:nvSpPr>
-            <p:spPr>
-              <a:blipFill rotWithShape="1">
-                <a:blip r:embed="rId2"/>
-                <a:stretch>
-                  <a:fillRect l="-963" t="-949" r="-444"/>
-                </a:stretch>
-              </a:blipFill>
-            </p:spPr>
-            <p:txBody>
-              <a:bodyPr/>
-              <a:lstStyle/>
-              <a:p>
-                <a:r>
-                  <a:rPr lang="en-US">
-                    <a:noFill/>
-                  </a:rPr>
-                  <a:t> </a:t>
-                </a:r>
-              </a:p>
-            </p:txBody>
-          </p:sp>
-        </mc:Fallback>
-      </mc:AlternateContent>
     </p:spTree>
     <p:extLst>
       <p:ext uri="{BB962C8B-B14F-4D97-AF65-F5344CB8AC3E}">
-        <p14:creationId xmlns:p14="http://schemas.microsoft.com/office/powerpoint/2010/main" val="1855633438"/>
+        <p14:creationId xmlns:p14="http://schemas.microsoft.com/office/powerpoint/2010/main" val="3915869363"/>
       </p:ext>
     </p:extLst>
   </p:cSld>
   <p:clrMapOvr>
     <a:masterClrMapping/>
   </p:clrMapOvr>
-  <p:timing>
-    <p:tnLst>
-      <p:par>
-        <p:cTn id="1" dur="indefinite" restart="never" nodeType="tmRoot"/>
-      </p:par>
-    </p:tnLst>
-  </p:timing>
 </p:sld>
 </file>
 
@@ -11842,102 +12028,168 @@
             <p:ph type="title"/>
           </p:nvPr>
         </p:nvSpPr>
-        <p:spPr>
-          <a:xfrm>
-            <a:off x="2105024" y="76200"/>
-            <a:ext cx="7038975" cy="550863"/>
-          </a:xfrm>
-        </p:spPr>
+        <p:spPr/>
         <p:txBody>
           <a:bodyPr>
-            <a:noAutofit/>
+            <a:normAutofit/>
           </a:bodyPr>
           <a:lstStyle/>
           <a:p>
             <a:r>
-              <a:rPr lang="en-US" sz="2400" dirty="0" smtClean="0"/>
-              <a:t>“Dense and Noisy” – Generating the Low Res. Image</a:t>
-            </a:r>
-            <a:endParaRPr lang="en-US" sz="2400" dirty="0"/>
+              <a:rPr lang="en-US" sz="2800" dirty="0" smtClean="0"/>
+              <a:t>“Dense and Noisy” Estimation</a:t>
+            </a:r>
+            <a:endParaRPr lang="en-US" sz="2800" dirty="0"/>
           </a:p>
         </p:txBody>
       </p:sp>
-      <p:sp>
-        <p:nvSpPr>
-          <p:cNvPr id="3" name="Content Placeholder 2"/>
-          <p:cNvSpPr>
-            <a:spLocks noGrp="1"/>
-          </p:cNvSpPr>
-          <p:nvPr>
-            <p:ph idx="1"/>
-          </p:nvPr>
-        </p:nvSpPr>
-        <p:spPr/>
-        <p:txBody>
-          <a:bodyPr/>
-          <a:lstStyle/>
-          <a:p>
-            <a:r>
-              <a:rPr lang="en-US" b="1" dirty="0" smtClean="0"/>
-              <a:t>Theoretical Motivation: </a:t>
-            </a:r>
-            <a:r>
-              <a:rPr lang="en-US" dirty="0" smtClean="0"/>
-              <a:t>Different colors are more likely to be at different places in an image.</a:t>
-            </a:r>
-          </a:p>
-          <a:p>
-            <a:pPr lvl="1"/>
-            <a:r>
-              <a:rPr lang="en-US" i="1" dirty="0" smtClean="0">
-                <a:solidFill>
-                  <a:srgbClr val="006600"/>
-                </a:solidFill>
-              </a:rPr>
-              <a:t>Example</a:t>
-            </a:r>
-            <a:r>
-              <a:rPr lang="en-US" b="1" dirty="0" smtClean="0"/>
-              <a:t>:</a:t>
-            </a:r>
-            <a:r>
-              <a:rPr lang="en-US" dirty="0" smtClean="0"/>
-              <a:t> Blue (sky) is more likely to be towards the top of the image while brown (soil) tends to be in the image foreground.</a:t>
-            </a:r>
-          </a:p>
-          <a:p>
-            <a:endParaRPr lang="en-US" dirty="0" smtClean="0"/>
-          </a:p>
-          <a:p>
-            <a:r>
-              <a:rPr lang="en-US" b="1" dirty="0" smtClean="0"/>
-              <a:t>Mapping Bins to the Image</a:t>
-            </a:r>
-            <a:r>
-              <a:rPr lang="en-US" dirty="0" smtClean="0"/>
-              <a:t>: Use the training set to generate probability density maps for each histogram bin.</a:t>
-            </a:r>
-          </a:p>
-          <a:p>
-            <a:endParaRPr lang="en-US" dirty="0"/>
-          </a:p>
-          <a:p>
-            <a:r>
-              <a:rPr lang="en-US" b="1" dirty="0" smtClean="0"/>
-              <a:t>Using the Histogram to Create the Low Resolution Image</a:t>
-            </a:r>
-            <a:r>
-              <a:rPr lang="en-US" dirty="0" smtClean="0"/>
-              <a:t>: Use a trained, linear regression function to map a bag of pieces histogram to the training images (i.e. use prior knowledge).</a:t>
-            </a:r>
-            <a:endParaRPr lang="en-US" dirty="0"/>
-          </a:p>
-        </p:txBody>
-      </p:sp>
+      <mc:AlternateContent xmlns:mc="http://schemas.openxmlformats.org/markup-compatibility/2006" xmlns:a14="http://schemas.microsoft.com/office/drawing/2010/main">
+        <mc:Choice Requires="a14">
+          <p:sp>
+            <p:nvSpPr>
+              <p:cNvPr id="3" name="Content Placeholder 2"/>
+              <p:cNvSpPr>
+                <a:spLocks noGrp="1"/>
+              </p:cNvSpPr>
+              <p:nvPr>
+                <p:ph idx="1"/>
+              </p:nvPr>
+            </p:nvSpPr>
+            <p:spPr/>
+            <p:txBody>
+              <a:bodyPr/>
+              <a:lstStyle/>
+              <a:p>
+                <a:r>
+                  <a:rPr lang="en-US" dirty="0" smtClean="0"/>
+                  <a:t>Proposed by Cho </a:t>
+                </a:r>
+                <a:r>
+                  <a:rPr lang="en-US" i="1" dirty="0" smtClean="0"/>
+                  <a:t>et. al. </a:t>
+                </a:r>
+                <a:r>
+                  <a:rPr lang="en-US" dirty="0" smtClean="0"/>
+                  <a:t>in [7] in 2010.</a:t>
+                </a:r>
+              </a:p>
+              <a:p>
+                <a:endParaRPr lang="en-US" dirty="0" smtClean="0"/>
+              </a:p>
+              <a:p>
+                <a:r>
+                  <a:rPr lang="en-US" b="1" dirty="0" smtClean="0"/>
+                  <a:t>Review: </a:t>
+                </a:r>
+                <a:r>
+                  <a:rPr lang="en-US" dirty="0" smtClean="0"/>
+                  <a:t>In Cho </a:t>
+                </a:r>
+                <a:r>
+                  <a:rPr lang="en-US" i="1" dirty="0" smtClean="0"/>
+                  <a:t>et. al.</a:t>
+                </a:r>
+                <a:r>
+                  <a:rPr lang="en-US" dirty="0" smtClean="0"/>
+                  <a:t>’s work in [8], they assumed access to a correct, low resolution version of the original image.</a:t>
+                </a:r>
+              </a:p>
+              <a:p>
+                <a:pPr lvl="1"/>
+                <a:r>
+                  <a:rPr lang="en-US" dirty="0" smtClean="0"/>
+                  <a:t>In many real world applications, such a low resolution image is not available.</a:t>
+                </a:r>
+              </a:p>
+              <a:p>
+                <a:endParaRPr lang="en-US" dirty="0" smtClean="0"/>
+              </a:p>
+              <a:p>
+                <a:r>
+                  <a:rPr lang="en-US" b="1" dirty="0" smtClean="0"/>
+                  <a:t>Solution:</a:t>
+                </a:r>
+                <a:r>
+                  <a:rPr lang="en-US" dirty="0" smtClean="0"/>
+                  <a:t> Estimate a low resolution image from a “bag of patches.”  The simplified procedure is:</a:t>
+                </a:r>
+              </a:p>
+              <a:p>
+                <a:pPr lvl="1"/>
+                <a:r>
+                  <a:rPr lang="en-US" dirty="0" smtClean="0"/>
+                  <a:t>Creating a histogram of the bag of patches</a:t>
+                </a:r>
+              </a:p>
+              <a:p>
+                <a:pPr lvl="1"/>
+                <a:r>
+                  <a:rPr lang="en-US" dirty="0" smtClean="0"/>
+                  <a:t>“Estimate” a low resolution version by comparing the histogram to a set of </a:t>
+                </a:r>
+                <a14:m>
+                  <m:oMath xmlns:m="http://schemas.openxmlformats.org/officeDocument/2006/math">
+                    <m:r>
+                      <a:rPr lang="en-US" b="0" i="1" smtClean="0">
+                        <a:latin typeface="Cambria Math"/>
+                      </a:rPr>
+                      <m:t>𝐾</m:t>
+                    </m:r>
+                  </m:oMath>
+                </a14:m>
+                <a:r>
+                  <a:rPr lang="en-US" dirty="0" smtClean="0"/>
+                  <a:t> centroids with predefined low resolution images.</a:t>
+                </a:r>
+              </a:p>
+              <a:p>
+                <a:pPr lvl="1"/>
+                <a:endParaRPr lang="en-US" dirty="0" smtClean="0"/>
+              </a:p>
+              <a:p>
+                <a:endParaRPr lang="en-US" dirty="0"/>
+              </a:p>
+            </p:txBody>
+          </p:sp>
+        </mc:Choice>
+        <mc:Fallback xmlns="">
+          <p:sp>
+            <p:nvSpPr>
+              <p:cNvPr id="3" name="Content Placeholder 2"/>
+              <p:cNvSpPr>
+                <a:spLocks noGrp="1" noRot="1" noChangeAspect="1" noMove="1" noResize="1" noEditPoints="1" noAdjustHandles="1" noChangeArrowheads="1" noChangeShapeType="1" noTextEdit="1"/>
+              </p:cNvSpPr>
+              <p:nvPr>
+                <p:ph idx="1"/>
+              </p:nvPr>
+            </p:nvSpPr>
+            <p:spPr>
+              <a:blipFill rotWithShape="1">
+                <a:blip r:embed="rId2"/>
+                <a:stretch>
+                  <a:fillRect l="-963" t="-949" r="-1333"/>
+                </a:stretch>
+              </a:blipFill>
+            </p:spPr>
+            <p:txBody>
+              <a:bodyPr/>
+              <a:lstStyle/>
+              <a:p>
+                <a:r>
+                  <a:rPr lang="en-US">
+                    <a:noFill/>
+                  </a:rPr>
+                  <a:t> </a:t>
+                </a:r>
+              </a:p>
+            </p:txBody>
+          </p:sp>
+        </mc:Fallback>
+      </mc:AlternateContent>
     </p:spTree>
     <p:extLst>
       <p:ext uri="{BB962C8B-B14F-4D97-AF65-F5344CB8AC3E}">
-        <p14:creationId xmlns:p14="http://schemas.microsoft.com/office/powerpoint/2010/main" val="58278014"/>
+        <p14:creationId xmlns:p14="http://schemas.microsoft.com/office/powerpoint/2010/main" val="2946689892"/>
       </p:ext>
     </p:extLst>
   </p:cSld>
@@ -11981,6 +12233,429 @@
             <p:ph type="title"/>
           </p:nvPr>
         </p:nvSpPr>
+        <p:spPr>
+          <a:xfrm>
+            <a:off x="1790700" y="127002"/>
+            <a:ext cx="7353300" cy="550863"/>
+          </a:xfrm>
+        </p:spPr>
+        <p:txBody>
+          <a:bodyPr>
+            <a:noAutofit/>
+          </a:bodyPr>
+          <a:lstStyle/>
+          <a:p>
+            <a:r>
+              <a:rPr lang="en-US" sz="2400" dirty="0" smtClean="0"/>
+              <a:t>“Dense and Noisy” Clustering </a:t>
+            </a:r>
+            <a:br>
+              <a:rPr lang="en-US" sz="2400" dirty="0" smtClean="0"/>
+            </a:br>
+            <a:r>
+              <a:rPr lang="en-US" sz="2400" dirty="0" smtClean="0"/>
+              <a:t>and Histogram Generation</a:t>
+            </a:r>
+            <a:endParaRPr lang="en-US" sz="2400" dirty="0"/>
+          </a:p>
+        </p:txBody>
+      </p:sp>
+      <mc:AlternateContent xmlns:mc="http://schemas.openxmlformats.org/markup-compatibility/2006" xmlns:a14="http://schemas.microsoft.com/office/drawing/2010/main">
+        <mc:Choice Requires="a14">
+          <p:sp>
+            <p:nvSpPr>
+              <p:cNvPr id="3" name="Content Placeholder 2"/>
+              <p:cNvSpPr>
+                <a:spLocks noGrp="1"/>
+              </p:cNvSpPr>
+              <p:nvPr>
+                <p:ph idx="1"/>
+              </p:nvPr>
+            </p:nvSpPr>
+            <p:spPr/>
+            <p:txBody>
+              <a:bodyPr/>
+              <a:lstStyle/>
+              <a:p>
+                <a:pPr>
+                  <a:spcBef>
+                    <a:spcPts val="1000"/>
+                  </a:spcBef>
+                </a:pPr>
+                <a:r>
+                  <a:rPr lang="en-US" b="1" dirty="0" smtClean="0"/>
+                  <a:t>Training Set:</a:t>
+                </a:r>
+                <a:r>
+                  <a:rPr lang="en-US" dirty="0" smtClean="0"/>
+                  <a:t> 8.5M patches from 15,000 images.</a:t>
+                </a:r>
+              </a:p>
+              <a:p>
+                <a:pPr lvl="1">
+                  <a:spcBef>
+                    <a:spcPts val="1000"/>
+                  </a:spcBef>
+                </a:pPr>
+                <a:r>
+                  <a:rPr lang="en-US" i="1" dirty="0">
+                    <a:solidFill>
+                      <a:srgbClr val="006600"/>
+                    </a:solidFill>
+                  </a:rPr>
+                  <a:t>Patch Size: </a:t>
+                </a:r>
+                <a:r>
+                  <a:rPr lang="en-US" dirty="0" smtClean="0"/>
+                  <a:t>7px by 7px by 3 (LAB) for 147 total, original dimensions.  This dimensionality is reduced via PCA.</a:t>
+                </a:r>
+              </a:p>
+              <a:p>
+                <a:pPr marL="457200" lvl="1" indent="0">
+                  <a:spcBef>
+                    <a:spcPts val="1000"/>
+                  </a:spcBef>
+                  <a:buNone/>
+                </a:pPr>
+                <a:endParaRPr lang="en-US" dirty="0" smtClean="0"/>
+              </a:p>
+              <a:p>
+                <a:pPr>
+                  <a:spcBef>
+                    <a:spcPts val="1000"/>
+                  </a:spcBef>
+                </a:pPr>
+                <a:r>
+                  <a:rPr lang="en-US" b="1" dirty="0" smtClean="0"/>
+                  <a:t>Clustering the Patches</a:t>
+                </a:r>
+              </a:p>
+              <a:p>
+                <a:pPr lvl="1">
+                  <a:spcBef>
+                    <a:spcPts val="1000"/>
+                  </a:spcBef>
+                </a:pPr>
+                <a:r>
+                  <a:rPr lang="en-US" i="1" dirty="0">
+                    <a:solidFill>
+                      <a:srgbClr val="006600"/>
+                    </a:solidFill>
+                  </a:rPr>
+                  <a:t>Step #1: </a:t>
+                </a:r>
+                <a:r>
+                  <a:rPr lang="en-US" dirty="0" smtClean="0"/>
+                  <a:t>Cluster each image’s patches into </a:t>
+                </a:r>
+                <a14:m>
+                  <m:oMath xmlns:m="http://schemas.openxmlformats.org/officeDocument/2006/math">
+                    <m:r>
+                      <a:rPr lang="en-US" b="0" i="1" smtClean="0">
+                        <a:latin typeface="Cambria Math"/>
+                      </a:rPr>
+                      <m:t>𝐿</m:t>
+                    </m:r>
+                  </m:oMath>
+                </a14:m>
+                <a:r>
+                  <a:rPr lang="en-US" dirty="0" smtClean="0"/>
+                  <a:t> (e.g. 20) centroids.</a:t>
+                </a:r>
+              </a:p>
+              <a:p>
+                <a:pPr lvl="1">
+                  <a:spcBef>
+                    <a:spcPts val="1000"/>
+                  </a:spcBef>
+                </a:pPr>
+                <a:r>
+                  <a:rPr lang="en-US" i="1" dirty="0" smtClean="0">
+                    <a:solidFill>
+                      <a:srgbClr val="006600"/>
+                    </a:solidFill>
+                  </a:rPr>
+                  <a:t>Step #2</a:t>
+                </a:r>
+                <a:r>
+                  <a:rPr lang="en-US" dirty="0" smtClean="0"/>
+                  <a:t>: Re-cluster </a:t>
+                </a:r>
+                <a14:m>
+                  <m:oMath xmlns:m="http://schemas.openxmlformats.org/officeDocument/2006/math">
+                    <m:r>
+                      <a:rPr lang="en-US" b="0" i="1" smtClean="0">
+                        <a:latin typeface="Cambria Math"/>
+                      </a:rPr>
+                      <m:t>𝐿</m:t>
+                    </m:r>
+                  </m:oMath>
+                </a14:m>
+                <a:r>
+                  <a:rPr lang="en-US" dirty="0" smtClean="0"/>
+                  <a:t> centroids from all images into </a:t>
+                </a:r>
+                <a14:m>
+                  <m:oMath xmlns:m="http://schemas.openxmlformats.org/officeDocument/2006/math">
+                    <m:r>
+                      <a:rPr lang="en-US" b="0" i="1" smtClean="0">
+                        <a:latin typeface="Cambria Math"/>
+                      </a:rPr>
+                      <m:t>𝑁</m:t>
+                    </m:r>
+                  </m:oMath>
+                </a14:m>
+                <a:r>
+                  <a:rPr lang="en-US" dirty="0" smtClean="0"/>
+                  <a:t> (e.g. 200) centroids. </a:t>
+                </a:r>
+              </a:p>
+              <a:p>
+                <a:pPr>
+                  <a:spcBef>
+                    <a:spcPts val="1000"/>
+                  </a:spcBef>
+                </a:pPr>
+                <a:endParaRPr lang="en-US" dirty="0" smtClean="0"/>
+              </a:p>
+              <a:p>
+                <a:pPr>
+                  <a:spcBef>
+                    <a:spcPts val="1000"/>
+                  </a:spcBef>
+                </a:pPr>
+                <a:r>
+                  <a:rPr lang="en-US" b="1" dirty="0" smtClean="0"/>
+                  <a:t>Creating the Histogram: </a:t>
+                </a:r>
+                <a:r>
+                  <a:rPr lang="en-US" dirty="0" smtClean="0"/>
+                  <a:t>For a given image, assign each patch to its closest centroid.  </a:t>
+                </a:r>
+              </a:p>
+            </p:txBody>
+          </p:sp>
+        </mc:Choice>
+        <mc:Fallback xmlns="">
+          <p:sp>
+            <p:nvSpPr>
+              <p:cNvPr id="3" name="Content Placeholder 2"/>
+              <p:cNvSpPr>
+                <a:spLocks noGrp="1" noRot="1" noChangeAspect="1" noMove="1" noResize="1" noEditPoints="1" noAdjustHandles="1" noChangeArrowheads="1" noChangeShapeType="1" noTextEdit="1"/>
+              </p:cNvSpPr>
+              <p:nvPr>
+                <p:ph idx="1"/>
+              </p:nvPr>
+            </p:nvSpPr>
+            <p:spPr>
+              <a:blipFill rotWithShape="1">
+                <a:blip r:embed="rId2"/>
+                <a:stretch>
+                  <a:fillRect l="-963" t="-949" r="-444"/>
+                </a:stretch>
+              </a:blipFill>
+            </p:spPr>
+            <p:txBody>
+              <a:bodyPr/>
+              <a:lstStyle/>
+              <a:p>
+                <a:r>
+                  <a:rPr lang="en-US">
+                    <a:noFill/>
+                  </a:rPr>
+                  <a:t> </a:t>
+                </a:r>
+              </a:p>
+            </p:txBody>
+          </p:sp>
+        </mc:Fallback>
+      </mc:AlternateContent>
+    </p:spTree>
+    <p:extLst>
+      <p:ext uri="{BB962C8B-B14F-4D97-AF65-F5344CB8AC3E}">
+        <p14:creationId xmlns:p14="http://schemas.microsoft.com/office/powerpoint/2010/main" val="1855633438"/>
+      </p:ext>
+    </p:extLst>
+  </p:cSld>
+  <p:clrMapOvr>
+    <a:masterClrMapping/>
+  </p:clrMapOvr>
+  <p:timing>
+    <p:tnLst>
+      <p:par>
+        <p:cTn id="1" dur="indefinite" restart="never" nodeType="tmRoot"/>
+      </p:par>
+    </p:tnLst>
+  </p:timing>
+</p:sld>
+</file>
+
+<file path=ppt/slides/slide28.xml><?xml version="1.0" encoding="utf-8"?>
+<p:sld xmlns:a="http://schemas.openxmlformats.org/drawingml/2006/main" xmlns:r="http://schemas.openxmlformats.org/officeDocument/2006/relationships" xmlns:p="http://schemas.openxmlformats.org/presentationml/2006/main">
+  <p:cSld>
+    <p:spTree>
+      <p:nvGrpSpPr>
+        <p:cNvPr id="1" name=""/>
+        <p:cNvGrpSpPr/>
+        <p:nvPr/>
+      </p:nvGrpSpPr>
+      <p:grpSpPr>
+        <a:xfrm>
+          <a:off x="0" y="0"/>
+          <a:ext cx="0" cy="0"/>
+          <a:chOff x="0" y="0"/>
+          <a:chExt cx="0" cy="0"/>
+        </a:xfrm>
+      </p:grpSpPr>
+      <p:sp>
+        <p:nvSpPr>
+          <p:cNvPr id="2" name="Title 1"/>
+          <p:cNvSpPr>
+            <a:spLocks noGrp="1"/>
+          </p:cNvSpPr>
+          <p:nvPr>
+            <p:ph type="title"/>
+          </p:nvPr>
+        </p:nvSpPr>
+        <p:spPr>
+          <a:xfrm>
+            <a:off x="2105024" y="76200"/>
+            <a:ext cx="7038975" cy="550863"/>
+          </a:xfrm>
+        </p:spPr>
+        <p:txBody>
+          <a:bodyPr>
+            <a:noAutofit/>
+          </a:bodyPr>
+          <a:lstStyle/>
+          <a:p>
+            <a:r>
+              <a:rPr lang="en-US" sz="2400" dirty="0" smtClean="0"/>
+              <a:t>“Dense and Noisy” – Generating the Low Res. Image</a:t>
+            </a:r>
+            <a:endParaRPr lang="en-US" sz="2400" dirty="0"/>
+          </a:p>
+        </p:txBody>
+      </p:sp>
+      <p:sp>
+        <p:nvSpPr>
+          <p:cNvPr id="3" name="Content Placeholder 2"/>
+          <p:cNvSpPr>
+            <a:spLocks noGrp="1"/>
+          </p:cNvSpPr>
+          <p:nvPr>
+            <p:ph idx="1"/>
+          </p:nvPr>
+        </p:nvSpPr>
+        <p:spPr/>
+        <p:txBody>
+          <a:bodyPr/>
+          <a:lstStyle/>
+          <a:p>
+            <a:r>
+              <a:rPr lang="en-US" b="1" dirty="0" smtClean="0"/>
+              <a:t>Theoretical Motivation: </a:t>
+            </a:r>
+            <a:r>
+              <a:rPr lang="en-US" dirty="0" smtClean="0"/>
+              <a:t>Different colors are more likely to be at different places in an image.</a:t>
+            </a:r>
+          </a:p>
+          <a:p>
+            <a:pPr lvl="1"/>
+            <a:r>
+              <a:rPr lang="en-US" i="1" dirty="0" smtClean="0">
+                <a:solidFill>
+                  <a:srgbClr val="006600"/>
+                </a:solidFill>
+              </a:rPr>
+              <a:t>Example</a:t>
+            </a:r>
+            <a:r>
+              <a:rPr lang="en-US" b="1" dirty="0" smtClean="0"/>
+              <a:t>:</a:t>
+            </a:r>
+            <a:r>
+              <a:rPr lang="en-US" dirty="0" smtClean="0"/>
+              <a:t> Blue (sky) is more likely to be towards the top of the image while brown (soil) tends to be in the image foreground.</a:t>
+            </a:r>
+          </a:p>
+          <a:p>
+            <a:endParaRPr lang="en-US" dirty="0" smtClean="0"/>
+          </a:p>
+          <a:p>
+            <a:r>
+              <a:rPr lang="en-US" b="1" dirty="0" smtClean="0"/>
+              <a:t>Mapping Bins to the Image</a:t>
+            </a:r>
+            <a:r>
+              <a:rPr lang="en-US" dirty="0" smtClean="0"/>
+              <a:t>: Use the training set to generate probability density maps for each histogram bin.</a:t>
+            </a:r>
+          </a:p>
+          <a:p>
+            <a:endParaRPr lang="en-US" dirty="0"/>
+          </a:p>
+          <a:p>
+            <a:r>
+              <a:rPr lang="en-US" b="1" dirty="0" smtClean="0"/>
+              <a:t>Using the Histogram to Create the Low Resolution Image</a:t>
+            </a:r>
+            <a:r>
+              <a:rPr lang="en-US" dirty="0" smtClean="0"/>
+              <a:t>: Use a trained, linear regression function to map a bag of pieces histogram to the training images (i.e. use prior knowledge).</a:t>
+            </a:r>
+            <a:endParaRPr lang="en-US" dirty="0"/>
+          </a:p>
+        </p:txBody>
+      </p:sp>
+    </p:spTree>
+    <p:extLst>
+      <p:ext uri="{BB962C8B-B14F-4D97-AF65-F5344CB8AC3E}">
+        <p14:creationId xmlns:p14="http://schemas.microsoft.com/office/powerpoint/2010/main" val="58278014"/>
+      </p:ext>
+    </p:extLst>
+  </p:cSld>
+  <p:clrMapOvr>
+    <a:masterClrMapping/>
+  </p:clrMapOvr>
+  <p:timing>
+    <p:tnLst>
+      <p:par>
+        <p:cTn id="1" dur="indefinite" restart="never" nodeType="tmRoot"/>
+      </p:par>
+    </p:tnLst>
+  </p:timing>
+</p:sld>
+</file>
+
+<file path=ppt/slides/slide29.xml><?xml version="1.0" encoding="utf-8"?>
+<p:sld xmlns:a="http://schemas.openxmlformats.org/drawingml/2006/main" xmlns:r="http://schemas.openxmlformats.org/officeDocument/2006/relationships" xmlns:p="http://schemas.openxmlformats.org/presentationml/2006/main">
+  <p:cSld>
+    <p:spTree>
+      <p:nvGrpSpPr>
+        <p:cNvPr id="1" name=""/>
+        <p:cNvGrpSpPr/>
+        <p:nvPr/>
+      </p:nvGrpSpPr>
+      <p:grpSpPr>
+        <a:xfrm>
+          <a:off x="0" y="0"/>
+          <a:ext cx="0" cy="0"/>
+          <a:chOff x="0" y="0"/>
+          <a:chExt cx="0" cy="0"/>
+        </a:xfrm>
+      </p:grpSpPr>
+      <p:sp>
+        <p:nvSpPr>
+          <p:cNvPr id="2" name="Title 1"/>
+          <p:cNvSpPr>
+            <a:spLocks noGrp="1"/>
+          </p:cNvSpPr>
+          <p:nvPr>
+            <p:ph type="title"/>
+          </p:nvPr>
+        </p:nvSpPr>
         <p:spPr/>
         <p:txBody>
           <a:bodyPr>
@@ -12196,7 +12871,160 @@
 </p:sld>
 </file>
 
-<file path=ppt/slides/slide28.xml><?xml version="1.0" encoding="utf-8"?>
+<file path=ppt/slides/slide3.xml><?xml version="1.0" encoding="utf-8"?>
+<p:sld xmlns:a="http://schemas.openxmlformats.org/drawingml/2006/main" xmlns:r="http://schemas.openxmlformats.org/officeDocument/2006/relationships" xmlns:p="http://schemas.openxmlformats.org/presentationml/2006/main">
+  <p:cSld>
+    <p:spTree>
+      <p:nvGrpSpPr>
+        <p:cNvPr id="1" name=""/>
+        <p:cNvGrpSpPr/>
+        <p:nvPr/>
+      </p:nvGrpSpPr>
+      <p:grpSpPr>
+        <a:xfrm>
+          <a:off x="0" y="0"/>
+          <a:ext cx="0" cy="0"/>
+          <a:chOff x="0" y="0"/>
+          <a:chExt cx="0" cy="0"/>
+        </a:xfrm>
+      </p:grpSpPr>
+      <p:sp>
+        <p:nvSpPr>
+          <p:cNvPr id="16385" name="Title 1"/>
+          <p:cNvSpPr>
+            <a:spLocks noGrp="1"/>
+          </p:cNvSpPr>
+          <p:nvPr>
+            <p:ph type="title"/>
+          </p:nvPr>
+        </p:nvSpPr>
+        <p:spPr/>
+        <p:txBody>
+          <a:bodyPr>
+            <a:normAutofit fontScale="90000"/>
+          </a:bodyPr>
+          <a:lstStyle/>
+          <a:p>
+            <a:r>
+              <a:rPr lang="en-US" b="1" dirty="0" smtClean="0"/>
+              <a:t>Square Jigsaw Puzzle Example</a:t>
+            </a:r>
+          </a:p>
+        </p:txBody>
+      </p:sp>
+      <p:sp>
+        <p:nvSpPr>
+          <p:cNvPr id="16386" name="Content Placeholder 4"/>
+          <p:cNvSpPr>
+            <a:spLocks noGrp="1"/>
+          </p:cNvSpPr>
+          <p:nvPr>
+            <p:ph idx="1"/>
+          </p:nvPr>
+        </p:nvSpPr>
+        <p:spPr/>
+        <p:txBody>
+          <a:bodyPr/>
+          <a:lstStyle/>
+          <a:p>
+            <a:endParaRPr lang="en-US" dirty="0" smtClean="0"/>
+          </a:p>
+          <a:p>
+            <a:endParaRPr lang="en-US" dirty="0" smtClean="0"/>
+          </a:p>
+          <a:p>
+            <a:endParaRPr lang="en-US" dirty="0" smtClean="0"/>
+          </a:p>
+          <a:p>
+            <a:endParaRPr lang="en-US" dirty="0" smtClean="0"/>
+          </a:p>
+          <a:p>
+            <a:endParaRPr lang="en-US" dirty="0" smtClean="0"/>
+          </a:p>
+          <a:p>
+            <a:endParaRPr lang="en-US" dirty="0" smtClean="0"/>
+          </a:p>
+          <a:p>
+            <a:endParaRPr lang="en-US" dirty="0" smtClean="0"/>
+          </a:p>
+          <a:p>
+            <a:endParaRPr lang="en-US" dirty="0" smtClean="0"/>
+          </a:p>
+          <a:p>
+            <a:r>
+              <a:rPr lang="en-US" dirty="0" smtClean="0"/>
+              <a:t>Source image (left) is divided into 81 (9x9) uniform, square </a:t>
+            </a:r>
+            <a:r>
+              <a:rPr lang="en-US" dirty="0" smtClean="0"/>
+              <a:t>pieces </a:t>
+            </a:r>
+            <a:r>
+              <a:rPr lang="en-US" dirty="0" smtClean="0"/>
+              <a:t>(center).  The goal is to organize the </a:t>
+            </a:r>
+            <a:r>
+              <a:rPr lang="en-US" dirty="0" smtClean="0"/>
+              <a:t>pieces </a:t>
+            </a:r>
+            <a:r>
+              <a:rPr lang="en-US" dirty="0" smtClean="0"/>
+              <a:t>to reconstruct the source image (right).</a:t>
+            </a:r>
+          </a:p>
+          <a:p>
+            <a:endParaRPr lang="en-US" dirty="0" smtClean="0"/>
+          </a:p>
+        </p:txBody>
+      </p:sp>
+      <p:pic>
+        <p:nvPicPr>
+          <p:cNvPr id="16387" name="Picture 5" descr="Jigsaw Puzzle Example.png"/>
+          <p:cNvPicPr>
+            <a:picLocks noChangeAspect="1"/>
+          </p:cNvPicPr>
+          <p:nvPr/>
+        </p:nvPicPr>
+        <p:blipFill>
+          <a:blip r:embed="rId2"/>
+          <a:srcRect/>
+          <a:stretch>
+            <a:fillRect/>
+          </a:stretch>
+        </p:blipFill>
+        <p:spPr bwMode="auto">
+          <a:xfrm>
+            <a:off x="609600" y="1676400"/>
+            <a:ext cx="7239000" cy="2471738"/>
+          </a:xfrm>
+          <a:prstGeom prst="rect">
+            <a:avLst/>
+          </a:prstGeom>
+          <a:noFill/>
+          <a:ln w="9525">
+            <a:noFill/>
+            <a:miter lim="800000"/>
+            <a:headEnd/>
+            <a:tailEnd/>
+          </a:ln>
+        </p:spPr>
+      </p:pic>
+    </p:spTree>
+  </p:cSld>
+  <p:clrMapOvr>
+    <a:masterClrMapping/>
+  </p:clrMapOvr>
+  <p:timing>
+    <p:tnLst>
+      <p:par>
+        <p:cTn id="1" dur="indefinite" restart="never" nodeType="tmRoot"/>
+      </p:par>
+    </p:tnLst>
+  </p:timing>
+</p:sld>
+</file>
+
+<file path=ppt/slides/slide30.xml><?xml version="1.0" encoding="utf-8"?>
 <p:sld xmlns:a="http://schemas.openxmlformats.org/drawingml/2006/main" xmlns:r="http://schemas.openxmlformats.org/officeDocument/2006/relationships" xmlns:p="http://schemas.openxmlformats.org/presentationml/2006/main">
   <p:cSld>
     <p:spTree>
@@ -12732,7 +13560,7 @@
 </p:sld>
 </file>
 
-<file path=ppt/slides/slide29.xml><?xml version="1.0" encoding="utf-8"?>
+<file path=ppt/slides/slide31.xml><?xml version="1.0" encoding="utf-8"?>
 <p:sld xmlns:a="http://schemas.openxmlformats.org/drawingml/2006/main" xmlns:r="http://schemas.openxmlformats.org/officeDocument/2006/relationships" xmlns:p="http://schemas.openxmlformats.org/presentationml/2006/main">
   <p:cSld>
     <p:spTree>
@@ -13011,800 +13839,6 @@
     <p:extLst>
       <p:ext uri="{BB962C8B-B14F-4D97-AF65-F5344CB8AC3E}">
         <p14:creationId xmlns:p14="http://schemas.microsoft.com/office/powerpoint/2010/main" val="4118033345"/>
-      </p:ext>
-    </p:extLst>
-  </p:cSld>
-  <p:clrMapOvr>
-    <a:masterClrMapping/>
-  </p:clrMapOvr>
-  <p:timing>
-    <p:tnLst>
-      <p:par>
-        <p:cTn id="1" dur="indefinite" restart="never" nodeType="tmRoot"/>
-      </p:par>
-    </p:tnLst>
-  </p:timing>
-</p:sld>
-</file>
-
-<file path=ppt/slides/slide3.xml><?xml version="1.0" encoding="utf-8"?>
-<p:sld xmlns:a="http://schemas.openxmlformats.org/drawingml/2006/main" xmlns:r="http://schemas.openxmlformats.org/officeDocument/2006/relationships" xmlns:p="http://schemas.openxmlformats.org/presentationml/2006/main">
-  <p:cSld>
-    <p:spTree>
-      <p:nvGrpSpPr>
-        <p:cNvPr id="1" name=""/>
-        <p:cNvGrpSpPr/>
-        <p:nvPr/>
-      </p:nvGrpSpPr>
-      <p:grpSpPr>
-        <a:xfrm>
-          <a:off x="0" y="0"/>
-          <a:ext cx="0" cy="0"/>
-          <a:chOff x="0" y="0"/>
-          <a:chExt cx="0" cy="0"/>
-        </a:xfrm>
-      </p:grpSpPr>
-      <p:sp>
-        <p:nvSpPr>
-          <p:cNvPr id="16385" name="Title 1"/>
-          <p:cNvSpPr>
-            <a:spLocks noGrp="1"/>
-          </p:cNvSpPr>
-          <p:nvPr>
-            <p:ph type="title"/>
-          </p:nvPr>
-        </p:nvSpPr>
-        <p:spPr/>
-        <p:txBody>
-          <a:bodyPr>
-            <a:normAutofit fontScale="90000"/>
-          </a:bodyPr>
-          <a:lstStyle/>
-          <a:p>
-            <a:r>
-              <a:rPr lang="en-US" b="1" dirty="0" smtClean="0"/>
-              <a:t>Square Jigsaw Puzzle Example</a:t>
-            </a:r>
-          </a:p>
-        </p:txBody>
-      </p:sp>
-      <p:sp>
-        <p:nvSpPr>
-          <p:cNvPr id="16386" name="Content Placeholder 4"/>
-          <p:cNvSpPr>
-            <a:spLocks noGrp="1"/>
-          </p:cNvSpPr>
-          <p:nvPr>
-            <p:ph idx="1"/>
-          </p:nvPr>
-        </p:nvSpPr>
-        <p:spPr/>
-        <p:txBody>
-          <a:bodyPr/>
-          <a:lstStyle/>
-          <a:p>
-            <a:endParaRPr lang="en-US" dirty="0" smtClean="0"/>
-          </a:p>
-          <a:p>
-            <a:endParaRPr lang="en-US" dirty="0" smtClean="0"/>
-          </a:p>
-          <a:p>
-            <a:endParaRPr lang="en-US" dirty="0" smtClean="0"/>
-          </a:p>
-          <a:p>
-            <a:endParaRPr lang="en-US" dirty="0" smtClean="0"/>
-          </a:p>
-          <a:p>
-            <a:endParaRPr lang="en-US" dirty="0" smtClean="0"/>
-          </a:p>
-          <a:p>
-            <a:endParaRPr lang="en-US" dirty="0" smtClean="0"/>
-          </a:p>
-          <a:p>
-            <a:endParaRPr lang="en-US" dirty="0" smtClean="0"/>
-          </a:p>
-          <a:p>
-            <a:endParaRPr lang="en-US" dirty="0" smtClean="0"/>
-          </a:p>
-          <a:p>
-            <a:r>
-              <a:rPr lang="en-US" dirty="0" smtClean="0"/>
-              <a:t>Source image (left) is divided into 81 (9x9) uniform, square </a:t>
-            </a:r>
-            <a:r>
-              <a:rPr lang="en-US" dirty="0" smtClean="0"/>
-              <a:t>pieces </a:t>
-            </a:r>
-            <a:r>
-              <a:rPr lang="en-US" dirty="0" smtClean="0"/>
-              <a:t>(center).  The goal is to organize the </a:t>
-            </a:r>
-            <a:r>
-              <a:rPr lang="en-US" dirty="0" smtClean="0"/>
-              <a:t>pieces </a:t>
-            </a:r>
-            <a:r>
-              <a:rPr lang="en-US" dirty="0" smtClean="0"/>
-              <a:t>to reconstruct the source image (right).</a:t>
-            </a:r>
-          </a:p>
-          <a:p>
-            <a:endParaRPr lang="en-US" dirty="0" smtClean="0"/>
-          </a:p>
-        </p:txBody>
-      </p:sp>
-      <p:pic>
-        <p:nvPicPr>
-          <p:cNvPr id="16387" name="Picture 5" descr="Jigsaw Puzzle Example.png"/>
-          <p:cNvPicPr>
-            <a:picLocks noChangeAspect="1"/>
-          </p:cNvPicPr>
-          <p:nvPr/>
-        </p:nvPicPr>
-        <p:blipFill>
-          <a:blip r:embed="rId2"/>
-          <a:srcRect/>
-          <a:stretch>
-            <a:fillRect/>
-          </a:stretch>
-        </p:blipFill>
-        <p:spPr bwMode="auto">
-          <a:xfrm>
-            <a:off x="609600" y="1676400"/>
-            <a:ext cx="7239000" cy="2471738"/>
-          </a:xfrm>
-          <a:prstGeom prst="rect">
-            <a:avLst/>
-          </a:prstGeom>
-          <a:noFill/>
-          <a:ln w="9525">
-            <a:noFill/>
-            <a:miter lim="800000"/>
-            <a:headEnd/>
-            <a:tailEnd/>
-          </a:ln>
-        </p:spPr>
-      </p:pic>
-    </p:spTree>
-  </p:cSld>
-  <p:clrMapOvr>
-    <a:masterClrMapping/>
-  </p:clrMapOvr>
-  <p:timing>
-    <p:tnLst>
-      <p:par>
-        <p:cTn id="1" dur="indefinite" restart="never" nodeType="tmRoot"/>
-      </p:par>
-    </p:tnLst>
-  </p:timing>
-</p:sld>
-</file>
-
-<file path=ppt/slides/slide30.xml><?xml version="1.0" encoding="utf-8"?>
-<p:sld xmlns:a="http://schemas.openxmlformats.org/drawingml/2006/main" xmlns:r="http://schemas.openxmlformats.org/officeDocument/2006/relationships" xmlns:p="http://schemas.openxmlformats.org/presentationml/2006/main">
-  <p:cSld>
-    <p:spTree>
-      <p:nvGrpSpPr>
-        <p:cNvPr id="1" name=""/>
-        <p:cNvGrpSpPr/>
-        <p:nvPr/>
-      </p:nvGrpSpPr>
-      <p:grpSpPr>
-        <a:xfrm>
-          <a:off x="0" y="0"/>
-          <a:ext cx="0" cy="0"/>
-          <a:chOff x="0" y="0"/>
-          <a:chExt cx="0" cy="0"/>
-        </a:xfrm>
-      </p:grpSpPr>
-      <p:sp>
-        <p:nvSpPr>
-          <p:cNvPr id="2" name="Title 1"/>
-          <p:cNvSpPr>
-            <a:spLocks noGrp="1"/>
-          </p:cNvSpPr>
-          <p:nvPr>
-            <p:ph type="title"/>
-          </p:nvPr>
-        </p:nvSpPr>
-        <p:spPr/>
-        <p:txBody>
-          <a:bodyPr>
-            <a:normAutofit fontScale="90000"/>
-          </a:bodyPr>
-          <a:lstStyle/>
-          <a:p>
-            <a:r>
-              <a:rPr lang="en-US" dirty="0" smtClean="0"/>
-              <a:t>Generalized Greedy Algorithm</a:t>
-            </a:r>
-            <a:endParaRPr lang="en-US" dirty="0"/>
-          </a:p>
-        </p:txBody>
-      </p:sp>
-      <p:sp>
-        <p:nvSpPr>
-          <p:cNvPr id="3" name="Content Placeholder 2"/>
-          <p:cNvSpPr>
-            <a:spLocks noGrp="1"/>
-          </p:cNvSpPr>
-          <p:nvPr>
-            <p:ph idx="1"/>
-          </p:nvPr>
-        </p:nvSpPr>
-        <p:spPr/>
-        <p:txBody>
-          <a:bodyPr>
-            <a:normAutofit fontScale="92500" lnSpcReduction="20000"/>
-          </a:bodyPr>
-          <a:lstStyle/>
-          <a:p>
-            <a:pPr>
-              <a:lnSpc>
-                <a:spcPct val="130000"/>
-              </a:lnSpc>
-              <a:spcBef>
-                <a:spcPts val="600"/>
-              </a:spcBef>
-            </a:pPr>
-            <a:r>
-              <a:rPr lang="en-US" dirty="0" smtClean="0"/>
-              <a:t>Proposed by Pomeranz </a:t>
-            </a:r>
-            <a:r>
-              <a:rPr lang="en-US" i="1" dirty="0" smtClean="0"/>
-              <a:t>et. al.</a:t>
-            </a:r>
-            <a:r>
-              <a:rPr lang="en-US" dirty="0" smtClean="0"/>
-              <a:t> in [10] in 2011.</a:t>
-            </a:r>
-          </a:p>
-          <a:p>
-            <a:pPr>
-              <a:lnSpc>
-                <a:spcPct val="130000"/>
-              </a:lnSpc>
-              <a:spcBef>
-                <a:spcPts val="600"/>
-              </a:spcBef>
-            </a:pPr>
-            <a:endParaRPr lang="en-US" sz="500" dirty="0"/>
-          </a:p>
-          <a:p>
-            <a:pPr>
-              <a:lnSpc>
-                <a:spcPct val="130000"/>
-              </a:lnSpc>
-              <a:spcBef>
-                <a:spcPts val="600"/>
-              </a:spcBef>
-            </a:pPr>
-            <a:r>
-              <a:rPr lang="en-US" sz="2200" b="1" dirty="0" smtClean="0"/>
-              <a:t>Goal: </a:t>
-            </a:r>
-            <a:r>
-              <a:rPr lang="en-US" sz="2200" dirty="0" smtClean="0"/>
-              <a:t>Provide a computational framework for handling square jigsaw puzzles in reasonable time that does not rely on any prior knowledge or human intervention.</a:t>
-            </a:r>
-          </a:p>
-          <a:p>
-            <a:pPr>
-              <a:lnSpc>
-                <a:spcPct val="130000"/>
-              </a:lnSpc>
-              <a:spcBef>
-                <a:spcPts val="600"/>
-              </a:spcBef>
-            </a:pPr>
-            <a:endParaRPr lang="en-US" sz="500" dirty="0" smtClean="0"/>
-          </a:p>
-          <a:p>
-            <a:pPr>
-              <a:lnSpc>
-                <a:spcPct val="130000"/>
-              </a:lnSpc>
-              <a:spcBef>
-                <a:spcPts val="600"/>
-              </a:spcBef>
-            </a:pPr>
-            <a:r>
-              <a:rPr lang="en-US" dirty="0" smtClean="0"/>
-              <a:t>Solver divides the puzzle reconstruction into three subproblems:</a:t>
-            </a:r>
-          </a:p>
-          <a:p>
-            <a:pPr lvl="1">
-              <a:lnSpc>
-                <a:spcPct val="130000"/>
-              </a:lnSpc>
-              <a:spcBef>
-                <a:spcPts val="600"/>
-              </a:spcBef>
-            </a:pPr>
-            <a:r>
-              <a:rPr lang="en-US" i="1" dirty="0">
-                <a:solidFill>
-                  <a:srgbClr val="006600"/>
-                </a:solidFill>
-              </a:rPr>
-              <a:t>Placement</a:t>
-            </a:r>
-            <a:r>
-              <a:rPr lang="en-US" dirty="0" smtClean="0"/>
-              <a:t>: Given a single </a:t>
-            </a:r>
-            <a:r>
-              <a:rPr lang="en-US" dirty="0" smtClean="0"/>
-              <a:t>piece </a:t>
-            </a:r>
-            <a:r>
-              <a:rPr lang="en-US" dirty="0" smtClean="0"/>
-              <a:t>or partially-placed set of </a:t>
-            </a:r>
-            <a:r>
-              <a:rPr lang="en-US" dirty="0" smtClean="0"/>
-              <a:t>pieces, </a:t>
-            </a:r>
-            <a:r>
-              <a:rPr lang="en-US" dirty="0" smtClean="0"/>
-              <a:t>place the remaining </a:t>
-            </a:r>
-            <a:r>
-              <a:rPr lang="en-US" dirty="0" smtClean="0"/>
-              <a:t>pieces.</a:t>
-            </a:r>
-            <a:endParaRPr lang="en-US" dirty="0" smtClean="0"/>
-          </a:p>
-          <a:p>
-            <a:pPr lvl="1">
-              <a:lnSpc>
-                <a:spcPct val="130000"/>
-              </a:lnSpc>
-              <a:spcBef>
-                <a:spcPts val="600"/>
-              </a:spcBef>
-            </a:pPr>
-            <a:endParaRPr lang="en-US" sz="600" dirty="0"/>
-          </a:p>
-          <a:p>
-            <a:pPr lvl="1">
-              <a:lnSpc>
-                <a:spcPct val="130000"/>
-              </a:lnSpc>
-              <a:spcBef>
-                <a:spcPts val="600"/>
-              </a:spcBef>
-            </a:pPr>
-            <a:r>
-              <a:rPr lang="en-US" i="1" dirty="0">
-                <a:solidFill>
-                  <a:srgbClr val="006600"/>
-                </a:solidFill>
-              </a:rPr>
-              <a:t>Segmentation</a:t>
-            </a:r>
-            <a:r>
-              <a:rPr lang="en-US" dirty="0" smtClean="0"/>
-              <a:t>: Given a fully-placed board, segment the board into subcomponents that are </a:t>
-            </a:r>
-            <a:r>
-              <a:rPr lang="en-US" i="1" dirty="0" smtClean="0"/>
-              <a:t>believed</a:t>
-            </a:r>
-            <a:r>
-              <a:rPr lang="en-US" dirty="0" smtClean="0"/>
-              <a:t> to be placed correctly.</a:t>
-            </a:r>
-          </a:p>
-          <a:p>
-            <a:pPr lvl="1">
-              <a:lnSpc>
-                <a:spcPct val="130000"/>
-              </a:lnSpc>
-              <a:spcBef>
-                <a:spcPts val="600"/>
-              </a:spcBef>
-            </a:pPr>
-            <a:endParaRPr lang="en-US" sz="600" dirty="0"/>
-          </a:p>
-          <a:p>
-            <a:pPr lvl="1">
-              <a:lnSpc>
-                <a:spcPct val="130000"/>
-              </a:lnSpc>
-              <a:spcBef>
-                <a:spcPts val="600"/>
-              </a:spcBef>
-            </a:pPr>
-            <a:r>
-              <a:rPr lang="en-US" i="1" dirty="0" smtClean="0">
-                <a:solidFill>
-                  <a:srgbClr val="006600"/>
-                </a:solidFill>
-              </a:rPr>
-              <a:t>Shifting</a:t>
-            </a:r>
-            <a:r>
-              <a:rPr lang="en-US" dirty="0" smtClean="0"/>
-              <a:t>: Given a set of trusted segments, relocate entire segments and individual </a:t>
-            </a:r>
-            <a:r>
-              <a:rPr lang="en-US" dirty="0" smtClean="0"/>
-              <a:t>pieces </a:t>
-            </a:r>
-            <a:r>
-              <a:rPr lang="en-US" dirty="0" smtClean="0"/>
-              <a:t>to improve solution quality.</a:t>
-            </a:r>
-            <a:endParaRPr lang="en-US" dirty="0"/>
-          </a:p>
-          <a:p>
-            <a:pPr>
-              <a:lnSpc>
-                <a:spcPct val="130000"/>
-              </a:lnSpc>
-              <a:spcBef>
-                <a:spcPts val="600"/>
-              </a:spcBef>
-            </a:pPr>
-            <a:endParaRPr lang="en-US" dirty="0" smtClean="0"/>
-          </a:p>
-          <a:p>
-            <a:pPr>
-              <a:lnSpc>
-                <a:spcPct val="130000"/>
-              </a:lnSpc>
-              <a:spcBef>
-                <a:spcPts val="600"/>
-              </a:spcBef>
-            </a:pPr>
-            <a:endParaRPr lang="en-US" dirty="0"/>
-          </a:p>
-          <a:p>
-            <a:pPr>
-              <a:lnSpc>
-                <a:spcPct val="130000"/>
-              </a:lnSpc>
-              <a:spcBef>
-                <a:spcPts val="600"/>
-              </a:spcBef>
-            </a:pPr>
-            <a:endParaRPr lang="en-US" dirty="0"/>
-          </a:p>
-        </p:txBody>
-      </p:sp>
-    </p:spTree>
-    <p:extLst>
-      <p:ext uri="{BB962C8B-B14F-4D97-AF65-F5344CB8AC3E}">
-        <p14:creationId xmlns:p14="http://schemas.microsoft.com/office/powerpoint/2010/main" val="2483816693"/>
-      </p:ext>
-    </p:extLst>
-  </p:cSld>
-  <p:clrMapOvr>
-    <a:masterClrMapping/>
-  </p:clrMapOvr>
-  <p:timing>
-    <p:tnLst>
-      <p:par>
-        <p:cTn id="1" dur="indefinite" restart="never" nodeType="tmRoot"/>
-      </p:par>
-    </p:tnLst>
-  </p:timing>
-</p:sld>
-</file>
-
-<file path=ppt/slides/slide31.xml><?xml version="1.0" encoding="utf-8"?>
-<p:sld xmlns:a="http://schemas.openxmlformats.org/drawingml/2006/main" xmlns:r="http://schemas.openxmlformats.org/officeDocument/2006/relationships" xmlns:p="http://schemas.openxmlformats.org/presentationml/2006/main">
-  <p:cSld>
-    <p:spTree>
-      <p:nvGrpSpPr>
-        <p:cNvPr id="1" name=""/>
-        <p:cNvGrpSpPr/>
-        <p:nvPr/>
-      </p:nvGrpSpPr>
-      <p:grpSpPr>
-        <a:xfrm>
-          <a:off x="0" y="0"/>
-          <a:ext cx="0" cy="0"/>
-          <a:chOff x="0" y="0"/>
-          <a:chExt cx="0" cy="0"/>
-        </a:xfrm>
-      </p:grpSpPr>
-      <p:sp>
-        <p:nvSpPr>
-          <p:cNvPr id="2" name="Title 1"/>
-          <p:cNvSpPr>
-            <a:spLocks noGrp="1"/>
-          </p:cNvSpPr>
-          <p:nvPr>
-            <p:ph type="title"/>
-          </p:nvPr>
-        </p:nvSpPr>
-        <p:spPr/>
-        <p:txBody>
-          <a:bodyPr>
-            <a:noAutofit/>
-          </a:bodyPr>
-          <a:lstStyle/>
-          <a:p>
-            <a:r>
-              <a:rPr lang="en-US" sz="2800" dirty="0" smtClean="0"/>
-              <a:t>Overview of the Greedy Placement Phase</a:t>
-            </a:r>
-            <a:endParaRPr lang="en-US" sz="2800" dirty="0"/>
-          </a:p>
-        </p:txBody>
-      </p:sp>
-      <p:sp>
-        <p:nvSpPr>
-          <p:cNvPr id="3" name="Content Placeholder 2"/>
-          <p:cNvSpPr>
-            <a:spLocks noGrp="1"/>
-          </p:cNvSpPr>
-          <p:nvPr>
-            <p:ph idx="1"/>
-          </p:nvPr>
-        </p:nvSpPr>
-        <p:spPr/>
-        <p:txBody>
-          <a:bodyPr>
-            <a:normAutofit fontScale="70000" lnSpcReduction="20000"/>
-          </a:bodyPr>
-          <a:lstStyle/>
-          <a:p>
-            <a:pPr>
-              <a:lnSpc>
-                <a:spcPct val="130000"/>
-              </a:lnSpc>
-              <a:spcBef>
-                <a:spcPts val="600"/>
-              </a:spcBef>
-            </a:pPr>
-            <a:r>
-              <a:rPr lang="en-US" dirty="0" smtClean="0"/>
-              <a:t>Given a partially assembled board (either a single </a:t>
-            </a:r>
-            <a:r>
-              <a:rPr lang="en-US" dirty="0" smtClean="0"/>
-              <a:t>pieces </a:t>
-            </a:r>
-            <a:r>
-              <a:rPr lang="en-US" dirty="0" smtClean="0"/>
-              <a:t>or set of </a:t>
-            </a:r>
-            <a:r>
-              <a:rPr lang="en-US" dirty="0" smtClean="0"/>
-              <a:t>pieces), </a:t>
-            </a:r>
-            <a:r>
-              <a:rPr lang="en-US" dirty="0" smtClean="0"/>
-              <a:t>continue applying the greedy choice until all </a:t>
-            </a:r>
-            <a:r>
-              <a:rPr lang="en-US" dirty="0" smtClean="0"/>
-              <a:t>pieces </a:t>
-            </a:r>
-            <a:r>
-              <a:rPr lang="en-US" dirty="0" smtClean="0"/>
-              <a:t>are placed.</a:t>
-            </a:r>
-          </a:p>
-          <a:p>
-            <a:pPr marL="457200" lvl="1" indent="0">
-              <a:lnSpc>
-                <a:spcPct val="140000"/>
-              </a:lnSpc>
-              <a:spcBef>
-                <a:spcPts val="600"/>
-              </a:spcBef>
-              <a:buNone/>
-            </a:pPr>
-            <a:endParaRPr lang="en-US" sz="400" dirty="0"/>
-          </a:p>
-          <a:p>
-            <a:pPr>
-              <a:lnSpc>
-                <a:spcPct val="130000"/>
-              </a:lnSpc>
-              <a:spcBef>
-                <a:spcPts val="600"/>
-              </a:spcBef>
-            </a:pPr>
-            <a:r>
-              <a:rPr lang="en-US" b="1" dirty="0" smtClean="0"/>
-              <a:t>Overview of the Greedy Choice</a:t>
-            </a:r>
-            <a:r>
-              <a:rPr lang="en-US" dirty="0" smtClean="0"/>
-              <a:t>:</a:t>
-            </a:r>
-          </a:p>
-          <a:p>
-            <a:pPr lvl="1">
-              <a:lnSpc>
-                <a:spcPct val="130000"/>
-              </a:lnSpc>
-              <a:spcBef>
-                <a:spcPts val="600"/>
-              </a:spcBef>
-            </a:pPr>
-            <a:r>
-              <a:rPr lang="en-US" dirty="0" smtClean="0"/>
-              <a:t>Board dimensions are known in advance and fixed</a:t>
-            </a:r>
-          </a:p>
-          <a:p>
-            <a:pPr marL="457200" lvl="1" indent="0">
-              <a:lnSpc>
-                <a:spcPct val="130000"/>
-              </a:lnSpc>
-              <a:spcBef>
-                <a:spcPts val="600"/>
-              </a:spcBef>
-              <a:buNone/>
-            </a:pPr>
-            <a:endParaRPr lang="en-US" sz="500" dirty="0"/>
-          </a:p>
-          <a:p>
-            <a:pPr lvl="1">
-              <a:lnSpc>
-                <a:spcPct val="130000"/>
-              </a:lnSpc>
-              <a:spcBef>
-                <a:spcPts val="600"/>
-              </a:spcBef>
-            </a:pPr>
-            <a:r>
-              <a:rPr lang="en-US" dirty="0" smtClean="0"/>
-              <a:t>Board locations with a higher number of occupied neighbors are preferred as the choice of the next piece is more informed.</a:t>
-            </a:r>
-          </a:p>
-          <a:p>
-            <a:pPr marL="457200" lvl="1" indent="0">
-              <a:lnSpc>
-                <a:spcPct val="130000"/>
-              </a:lnSpc>
-              <a:spcBef>
-                <a:spcPts val="600"/>
-              </a:spcBef>
-              <a:buNone/>
-            </a:pPr>
-            <a:endParaRPr lang="en-US" sz="500" dirty="0" smtClean="0"/>
-          </a:p>
-          <a:p>
-            <a:pPr lvl="1">
-              <a:lnSpc>
-                <a:spcPct val="130000"/>
-              </a:lnSpc>
-              <a:spcBef>
-                <a:spcPts val="600"/>
-              </a:spcBef>
-            </a:pPr>
-            <a:r>
-              <a:rPr lang="en-US" dirty="0" smtClean="0"/>
-              <a:t>Piece </a:t>
-            </a:r>
-            <a:r>
-              <a:rPr lang="en-US" dirty="0" smtClean="0"/>
-              <a:t>selection criteria:</a:t>
-            </a:r>
-          </a:p>
-          <a:p>
-            <a:pPr lvl="2">
-              <a:lnSpc>
-                <a:spcPct val="130000"/>
-              </a:lnSpc>
-              <a:spcBef>
-                <a:spcPts val="600"/>
-              </a:spcBef>
-            </a:pPr>
-            <a:r>
-              <a:rPr lang="en-US" i="1" dirty="0" smtClean="0">
-                <a:solidFill>
-                  <a:srgbClr val="006600"/>
-                </a:solidFill>
-              </a:rPr>
-              <a:t>Primary Criteria</a:t>
-            </a:r>
-            <a:r>
-              <a:rPr lang="en-US" dirty="0" smtClean="0"/>
-              <a:t>: Prefer a “best buddy” first.</a:t>
-            </a:r>
-          </a:p>
-          <a:p>
-            <a:pPr lvl="2">
-              <a:lnSpc>
-                <a:spcPct val="130000"/>
-              </a:lnSpc>
-              <a:spcBef>
-                <a:spcPts val="600"/>
-              </a:spcBef>
-            </a:pPr>
-            <a:r>
-              <a:rPr lang="en-US" i="1" dirty="0" smtClean="0">
-                <a:solidFill>
-                  <a:srgbClr val="006600"/>
-                </a:solidFill>
-              </a:rPr>
-              <a:t>Secondary Criteria</a:t>
-            </a:r>
-            <a:r>
-              <a:rPr lang="en-US" dirty="0" smtClean="0"/>
-              <a:t>: If no or multiple </a:t>
-            </a:r>
-            <a:r>
-              <a:rPr lang="en-US" dirty="0" smtClean="0"/>
-              <a:t>pieces </a:t>
-            </a:r>
-            <a:r>
-              <a:rPr lang="en-US" dirty="0" smtClean="0"/>
-              <a:t>satisfy the primary criteria, select the </a:t>
-            </a:r>
-            <a:r>
-              <a:rPr lang="en-US" dirty="0" smtClean="0"/>
-              <a:t>piece with </a:t>
-            </a:r>
-            <a:r>
-              <a:rPr lang="en-US" dirty="0" smtClean="0"/>
-              <a:t>the highest compatibility score.</a:t>
-            </a:r>
-          </a:p>
-          <a:p>
-            <a:pPr lvl="2">
-              <a:lnSpc>
-                <a:spcPct val="130000"/>
-              </a:lnSpc>
-              <a:spcBef>
-                <a:spcPts val="600"/>
-              </a:spcBef>
-            </a:pPr>
-            <a:endParaRPr lang="en-US" dirty="0" smtClean="0"/>
-          </a:p>
-          <a:p>
-            <a:pPr>
-              <a:lnSpc>
-                <a:spcPct val="130000"/>
-              </a:lnSpc>
-              <a:spcBef>
-                <a:spcPts val="600"/>
-              </a:spcBef>
-            </a:pPr>
-            <a:r>
-              <a:rPr lang="en-US" b="1" dirty="0" smtClean="0"/>
-              <a:t>Question: </a:t>
-            </a:r>
-            <a:r>
-              <a:rPr lang="en-US" dirty="0" smtClean="0"/>
-              <a:t>Why is a placer not enough? </a:t>
-            </a:r>
-          </a:p>
-          <a:p>
-            <a:pPr>
-              <a:lnSpc>
-                <a:spcPct val="130000"/>
-              </a:lnSpc>
-              <a:spcBef>
-                <a:spcPts val="600"/>
-              </a:spcBef>
-            </a:pPr>
-            <a:r>
-              <a:rPr lang="en-US" b="1" dirty="0" smtClean="0"/>
-              <a:t>Answer: </a:t>
-            </a:r>
-            <a:r>
-              <a:rPr lang="en-US" dirty="0" smtClean="0"/>
-              <a:t>It works solely on local information.  To get the best results, we must also look at the entire global solution.</a:t>
-            </a:r>
-            <a:endParaRPr lang="en-US" dirty="0"/>
-          </a:p>
-        </p:txBody>
-      </p:sp>
-    </p:spTree>
-    <p:extLst>
-      <p:ext uri="{BB962C8B-B14F-4D97-AF65-F5344CB8AC3E}">
-        <p14:creationId xmlns:p14="http://schemas.microsoft.com/office/powerpoint/2010/main" val="260086172"/>
       </p:ext>
     </p:extLst>
   </p:cSld>
@@ -13840,99 +13874,52 @@
       </p:grpSpPr>
       <p:sp>
         <p:nvSpPr>
-          <p:cNvPr id="2" name="Title 1"/>
+          <p:cNvPr id="4" name="Title 3"/>
           <p:cNvSpPr>
             <a:spLocks noGrp="1"/>
           </p:cNvSpPr>
           <p:nvPr>
-            <p:ph type="title"/>
+            <p:ph type="ctrTitle"/>
           </p:nvPr>
         </p:nvSpPr>
-        <p:spPr/>
+        <p:spPr>
+          <a:xfrm>
+            <a:off x="685800" y="4505325"/>
+            <a:ext cx="7772400" cy="942975"/>
+          </a:xfrm>
+        </p:spPr>
         <p:txBody>
           <a:bodyPr>
-            <a:normAutofit fontScale="90000"/>
+            <a:noAutofit/>
           </a:bodyPr>
           <a:lstStyle/>
           <a:p>
             <a:r>
-              <a:rPr lang="en-US" dirty="0" smtClean="0"/>
-              <a:t>Segmenter Phase</a:t>
-            </a:r>
-            <a:endParaRPr lang="en-US" dirty="0"/>
-          </a:p>
-        </p:txBody>
-      </p:sp>
-      <p:sp>
-        <p:nvSpPr>
-          <p:cNvPr id="3" name="Content Placeholder 2"/>
-          <p:cNvSpPr>
-            <a:spLocks noGrp="1"/>
-          </p:cNvSpPr>
-          <p:nvPr>
-            <p:ph idx="1"/>
-          </p:nvPr>
-        </p:nvSpPr>
-        <p:spPr/>
-        <p:txBody>
-          <a:bodyPr/>
-          <a:lstStyle/>
-          <a:p>
-            <a:r>
-              <a:rPr lang="en-US" b="1" dirty="0" smtClean="0"/>
-              <a:t>Definition of “Segments”</a:t>
-            </a:r>
-            <a:r>
-              <a:rPr lang="en-US" dirty="0" smtClean="0"/>
-              <a:t>: Areas of the puzzle that are (or “are believed to be”) assembled correctly.</a:t>
-            </a:r>
-          </a:p>
-          <a:p>
-            <a:endParaRPr lang="en-US" dirty="0"/>
-          </a:p>
-          <a:p>
-            <a:r>
-              <a:rPr lang="en-US" b="1" dirty="0" smtClean="0"/>
-              <a:t>Procedure</a:t>
-            </a:r>
-            <a:r>
-              <a:rPr lang="en-US" dirty="0" smtClean="0"/>
-              <a:t>: Using random seeds and a segmentation predicate based on the “best buddies” metric, grow the segments via “region growing segmentation algorithm” described in [15].</a:t>
-            </a:r>
-          </a:p>
-          <a:p>
-            <a:endParaRPr lang="en-US" dirty="0"/>
-          </a:p>
-          <a:p>
-            <a:r>
-              <a:rPr lang="en-US" b="1" dirty="0" smtClean="0"/>
-              <a:t>Accuracy of the Segmenter</a:t>
-            </a:r>
-            <a:r>
-              <a:rPr lang="en-US" dirty="0" smtClean="0"/>
-              <a:t>: 99.7%</a:t>
-            </a:r>
-            <a:endParaRPr lang="en-US" dirty="0"/>
+              <a:rPr lang="en-US" sz="3200" dirty="0" smtClean="0"/>
+              <a:t>Pomeranz </a:t>
+            </a:r>
+            <a:r>
+              <a:rPr lang="en-US" sz="3200" i="1" dirty="0" smtClean="0"/>
+              <a:t>et. al.</a:t>
+            </a:r>
+            <a:r>
+              <a:rPr lang="en-US" sz="3200" dirty="0" smtClean="0"/>
+              <a:t> – A Fully Automated Greedy Square Jigsaw Puzzle Solver (2011)</a:t>
+            </a:r>
+            <a:endParaRPr lang="en-US" sz="3200" dirty="0"/>
           </a:p>
         </p:txBody>
       </p:sp>
     </p:spTree>
     <p:extLst>
       <p:ext uri="{BB962C8B-B14F-4D97-AF65-F5344CB8AC3E}">
-        <p14:creationId xmlns:p14="http://schemas.microsoft.com/office/powerpoint/2010/main" val="852581605"/>
+        <p14:creationId xmlns:p14="http://schemas.microsoft.com/office/powerpoint/2010/main" val="4013162256"/>
       </p:ext>
     </p:extLst>
   </p:cSld>
   <p:clrMapOvr>
     <a:masterClrMapping/>
   </p:clrMapOvr>
-  <p:timing>
-    <p:tnLst>
-      <p:par>
-        <p:cTn id="1" dur="indefinite" restart="never" nodeType="tmRoot"/>
-      </p:par>
-    </p:tnLst>
-  </p:timing>
 </p:sld>
 </file>
 
@@ -13966,15 +13953,15 @@
         <p:spPr/>
         <p:txBody>
           <a:bodyPr>
-            <a:noAutofit/>
+            <a:normAutofit fontScale="90000"/>
           </a:bodyPr>
           <a:lstStyle/>
           <a:p>
             <a:r>
-              <a:rPr lang="en-US" sz="3200" dirty="0" smtClean="0"/>
-              <a:t>Pomeranz’s Complete Algorithm</a:t>
-            </a:r>
-            <a:endParaRPr lang="en-US" sz="3200" dirty="0"/>
+              <a:rPr lang="en-US" dirty="0" smtClean="0"/>
+              <a:t>Generalized Greedy Algorithm</a:t>
+            </a:r>
+            <a:endParaRPr lang="en-US" dirty="0"/>
           </a:p>
         </p:txBody>
       </p:sp>
@@ -13990,28 +13977,106 @@
         </p:nvSpPr>
         <p:spPr/>
         <p:txBody>
-          <a:bodyPr/>
+          <a:bodyPr>
+            <a:normAutofit fontScale="92500" lnSpcReduction="20000"/>
+          </a:bodyPr>
           <a:lstStyle/>
           <a:p>
             <a:pPr>
               <a:lnSpc>
-                <a:spcPct val="110000"/>
+                <a:spcPct val="130000"/>
               </a:lnSpc>
               <a:spcBef>
-                <a:spcPts val="1800"/>
+                <a:spcPts val="600"/>
               </a:spcBef>
             </a:pPr>
             <a:r>
-              <a:rPr lang="en-US" b="1" i="1" dirty="0" smtClean="0">
+              <a:rPr lang="en-US" dirty="0" smtClean="0"/>
+              <a:t>Proposed by Pomeranz </a:t>
+            </a:r>
+            <a:r>
+              <a:rPr lang="en-US" i="1" dirty="0" smtClean="0"/>
+              <a:t>et. al.</a:t>
+            </a:r>
+            <a:r>
+              <a:rPr lang="en-US" dirty="0" smtClean="0"/>
+              <a:t> in [10] in 2011.</a:t>
+            </a:r>
+          </a:p>
+          <a:p>
+            <a:pPr>
+              <a:lnSpc>
+                <a:spcPct val="130000"/>
+              </a:lnSpc>
+              <a:spcBef>
+                <a:spcPts val="600"/>
+              </a:spcBef>
+            </a:pPr>
+            <a:endParaRPr lang="en-US" sz="500" dirty="0"/>
+          </a:p>
+          <a:p>
+            <a:pPr>
+              <a:lnSpc>
+                <a:spcPct val="130000"/>
+              </a:lnSpc>
+              <a:spcBef>
+                <a:spcPts val="600"/>
+              </a:spcBef>
+            </a:pPr>
+            <a:r>
+              <a:rPr lang="en-US" sz="2200" b="1" dirty="0" smtClean="0"/>
+              <a:t>Goal: </a:t>
+            </a:r>
+            <a:r>
+              <a:rPr lang="en-US" sz="2200" dirty="0" smtClean="0"/>
+              <a:t>Provide a computational framework for handling square jigsaw puzzles in reasonable time that does not rely on any prior knowledge or human intervention.</a:t>
+            </a:r>
+          </a:p>
+          <a:p>
+            <a:pPr>
+              <a:lnSpc>
+                <a:spcPct val="130000"/>
+              </a:lnSpc>
+              <a:spcBef>
+                <a:spcPts val="600"/>
+              </a:spcBef>
+            </a:pPr>
+            <a:endParaRPr lang="en-US" sz="500" dirty="0" smtClean="0"/>
+          </a:p>
+          <a:p>
+            <a:pPr>
+              <a:lnSpc>
+                <a:spcPct val="130000"/>
+              </a:lnSpc>
+              <a:spcBef>
+                <a:spcPts val="600"/>
+              </a:spcBef>
+            </a:pPr>
+            <a:r>
+              <a:rPr lang="en-US" dirty="0" smtClean="0"/>
+              <a:t>Solver divides the puzzle reconstruction into three subproblems:</a:t>
+            </a:r>
+          </a:p>
+          <a:p>
+            <a:pPr lvl="1">
+              <a:lnSpc>
+                <a:spcPct val="130000"/>
+              </a:lnSpc>
+              <a:spcBef>
+                <a:spcPts val="600"/>
+              </a:spcBef>
+            </a:pPr>
+            <a:r>
+              <a:rPr lang="en-US" i="1" dirty="0">
                 <a:solidFill>
                   <a:srgbClr val="006600"/>
                 </a:solidFill>
               </a:rPr>
-              <a:t>Step #1</a:t>
+              <a:t>Placement</a:t>
             </a:r>
             <a:r>
               <a:rPr lang="en-US" dirty="0" smtClean="0"/>
-              <a:t>: Select a single puzzle </a:t>
+              <a:t>: Given a single </a:t>
             </a:r>
             <a:r>
               <a:rPr lang="en-US" dirty="0" smtClean="0"/>
@@ -14019,117 +14084,144 @@
             </a:r>
             <a:r>
               <a:rPr lang="en-US" dirty="0" smtClean="0"/>
-              <a:t>as the seed to placement phase.</a:t>
-            </a:r>
-          </a:p>
-          <a:p>
-            <a:pPr>
+              <a:t>or partially-placed set of </a:t>
+            </a:r>
+            <a:r>
+              <a:rPr lang="en-US" dirty="0" smtClean="0"/>
+              <a:t>pieces, </a:t>
+            </a:r>
+            <a:r>
+              <a:rPr lang="en-US" dirty="0" smtClean="0"/>
+              <a:t>place the remaining </a:t>
+            </a:r>
+            <a:r>
+              <a:rPr lang="en-US" dirty="0" smtClean="0"/>
+              <a:t>pieces.</a:t>
+            </a:r>
+            <a:endParaRPr lang="en-US" dirty="0" smtClean="0"/>
+          </a:p>
+          <a:p>
+            <a:pPr lvl="1">
               <a:lnSpc>
-                <a:spcPct val="110000"/>
+                <a:spcPct val="130000"/>
               </a:lnSpc>
               <a:spcBef>
-                <a:spcPts val="1800"/>
+                <a:spcPts val="600"/>
               </a:spcBef>
             </a:pPr>
-            <a:r>
-              <a:rPr lang="en-US" b="1" i="1" dirty="0">
+            <a:endParaRPr lang="en-US" sz="600" dirty="0"/>
+          </a:p>
+          <a:p>
+            <a:pPr lvl="1">
+              <a:lnSpc>
+                <a:spcPct val="130000"/>
+              </a:lnSpc>
+              <a:spcBef>
+                <a:spcPts val="600"/>
+              </a:spcBef>
+            </a:pPr>
+            <a:r>
+              <a:rPr lang="en-US" i="1" dirty="0">
                 <a:solidFill>
                   <a:srgbClr val="006600"/>
                 </a:solidFill>
               </a:rPr>
-              <a:t>Step #2</a:t>
+              <a:t>Segmentation</a:t>
             </a:r>
             <a:r>
               <a:rPr lang="en-US" dirty="0" smtClean="0"/>
-              <a:t>: Perform the placement phase around the seed.</a:t>
-            </a:r>
-          </a:p>
-          <a:p>
-            <a:pPr>
+              <a:t>: Given a fully-placed board, segment the board into subcomponents that are </a:t>
+            </a:r>
+            <a:r>
+              <a:rPr lang="en-US" i="1" dirty="0" smtClean="0"/>
+              <a:t>believed</a:t>
+            </a:r>
+            <a:r>
+              <a:rPr lang="en-US" dirty="0" smtClean="0"/>
+              <a:t> to be placed correctly.</a:t>
+            </a:r>
+          </a:p>
+          <a:p>
+            <a:pPr lvl="1">
               <a:lnSpc>
-                <a:spcPct val="110000"/>
+                <a:spcPct val="130000"/>
               </a:lnSpc>
               <a:spcBef>
-                <a:spcPts val="1800"/>
+                <a:spcPts val="600"/>
               </a:spcBef>
             </a:pPr>
-            <a:r>
-              <a:rPr lang="en-US" b="1" i="1" dirty="0">
+            <a:endParaRPr lang="en-US" sz="600" dirty="0"/>
+          </a:p>
+          <a:p>
+            <a:pPr lvl="1">
+              <a:lnSpc>
+                <a:spcPct val="130000"/>
+              </a:lnSpc>
+              <a:spcBef>
+                <a:spcPts val="600"/>
+              </a:spcBef>
+            </a:pPr>
+            <a:r>
+              <a:rPr lang="en-US" i="1" dirty="0" smtClean="0">
                 <a:solidFill>
                   <a:srgbClr val="006600"/>
                 </a:solidFill>
               </a:rPr>
-              <a:t>Step #3</a:t>
+              <a:t>Shifting</a:t>
             </a:r>
             <a:r>
               <a:rPr lang="en-US" dirty="0" smtClean="0"/>
-              <a:t>: Use the segmenter to partition the board.</a:t>
-            </a:r>
+              <a:t>: Given a set of trusted segments, relocate entire segments and individual </a:t>
+            </a:r>
+            <a:r>
+              <a:rPr lang="en-US" dirty="0" smtClean="0"/>
+              <a:t>pieces </a:t>
+            </a:r>
+            <a:r>
+              <a:rPr lang="en-US" dirty="0" smtClean="0"/>
+              <a:t>to improve solution quality.</a:t>
+            </a:r>
+            <a:endParaRPr lang="en-US" dirty="0"/>
           </a:p>
           <a:p>
             <a:pPr>
               <a:lnSpc>
-                <a:spcPct val="110000"/>
+                <a:spcPct val="130000"/>
               </a:lnSpc>
               <a:spcBef>
-                <a:spcPts val="1800"/>
+                <a:spcPts val="600"/>
               </a:spcBef>
             </a:pPr>
-            <a:r>
-              <a:rPr lang="en-US" b="1" i="1" dirty="0">
-                <a:solidFill>
-                  <a:srgbClr val="006600"/>
-                </a:solidFill>
-              </a:rPr>
-              <a:t>Step #4</a:t>
-            </a:r>
-            <a:r>
-              <a:rPr lang="en-US" dirty="0" smtClean="0"/>
-              <a:t>: Calculate the “best buddies” ratio.  If you are at a local maximum, stop.</a:t>
-            </a:r>
+            <a:endParaRPr lang="en-US" dirty="0" smtClean="0"/>
           </a:p>
           <a:p>
             <a:pPr>
               <a:lnSpc>
-                <a:spcPct val="110000"/>
+                <a:spcPct val="130000"/>
               </a:lnSpc>
               <a:spcBef>
-                <a:spcPts val="1800"/>
+                <a:spcPts val="600"/>
               </a:spcBef>
             </a:pPr>
-            <a:r>
-              <a:rPr lang="en-US" b="1" i="1" dirty="0">
-                <a:solidFill>
-                  <a:srgbClr val="006600"/>
-                </a:solidFill>
-              </a:rPr>
-              <a:t>Step #5</a:t>
-            </a:r>
-            <a:r>
-              <a:rPr lang="en-US" dirty="0" smtClean="0"/>
-              <a:t>: Select the largest segment from step #3 and use it as the seed of the placement phase.  Return to step #2.</a:t>
-            </a:r>
-          </a:p>
-          <a:p>
-            <a:pPr lvl="1">
+            <a:endParaRPr lang="en-US" dirty="0"/>
+          </a:p>
+          <a:p>
+            <a:pPr>
               <a:lnSpc>
-                <a:spcPct val="110000"/>
+                <a:spcPct val="130000"/>
               </a:lnSpc>
               <a:spcBef>
-                <a:spcPts val="1800"/>
+                <a:spcPts val="600"/>
               </a:spcBef>
             </a:pPr>
-            <a:r>
-              <a:rPr lang="en-US" dirty="0" smtClean="0"/>
-              <a:t>Performing this step is similar to shifting the largest segment.</a:t>
-            </a:r>
+            <a:endParaRPr lang="en-US" dirty="0"/>
           </a:p>
         </p:txBody>
       </p:sp>
     </p:spTree>
     <p:extLst>
       <p:ext uri="{BB962C8B-B14F-4D97-AF65-F5344CB8AC3E}">
-        <p14:creationId xmlns:p14="http://schemas.microsoft.com/office/powerpoint/2010/main" val="2972052715"/>
+        <p14:creationId xmlns:p14="http://schemas.microsoft.com/office/powerpoint/2010/main" val="2483816693"/>
       </p:ext>
     </p:extLst>
   </p:cSld>
@@ -14176,15 +14268,15 @@
         <p:spPr/>
         <p:txBody>
           <a:bodyPr>
-            <a:normAutofit fontScale="90000"/>
+            <a:noAutofit/>
           </a:bodyPr>
           <a:lstStyle/>
           <a:p>
             <a:r>
-              <a:rPr lang="en-US" dirty="0" smtClean="0"/>
-              <a:t>Genetic Algorithm (GA) Solver</a:t>
-            </a:r>
-            <a:endParaRPr lang="en-US" dirty="0"/>
+              <a:rPr lang="en-US" sz="2800" dirty="0" smtClean="0"/>
+              <a:t>Overview of the Greedy Placement Phase</a:t>
+            </a:r>
+            <a:endParaRPr lang="en-US" sz="2800" dirty="0"/>
           </a:p>
         </p:txBody>
       </p:sp>
@@ -14200,91 +14292,254 @@
         </p:nvSpPr>
         <p:spPr/>
         <p:txBody>
-          <a:bodyPr/>
+          <a:bodyPr>
+            <a:normAutofit fontScale="70000" lnSpcReduction="20000"/>
+          </a:bodyPr>
           <a:lstStyle/>
           <a:p>
+            <a:pPr>
+              <a:lnSpc>
+                <a:spcPct val="130000"/>
+              </a:lnSpc>
+              <a:spcBef>
+                <a:spcPts val="600"/>
+              </a:spcBef>
+            </a:pPr>
             <a:r>
               <a:rPr lang="en-US" dirty="0" smtClean="0"/>
-              <a:t>Proposed by Sholomon </a:t>
-            </a:r>
-            <a:r>
-              <a:rPr lang="en-US" i="1" dirty="0" smtClean="0"/>
-              <a:t>et. al. </a:t>
+              <a:t>Given a partially assembled board (either a single </a:t>
             </a:r>
             <a:r>
               <a:rPr lang="en-US" dirty="0" smtClean="0"/>
-              <a:t>in 2013 [9].</a:t>
-            </a:r>
-          </a:p>
-          <a:p>
-            <a:pPr lvl="1"/>
+              <a:t>pieces </a:t>
+            </a:r>
             <a:r>
               <a:rPr lang="en-US" dirty="0" smtClean="0"/>
-              <a:t>A genetic algorithm puzzle solver was first proposed in [16] in 2002.</a:t>
-            </a:r>
-          </a:p>
-          <a:p>
-            <a:endParaRPr lang="en-US" dirty="0"/>
-          </a:p>
-          <a:p>
+              <a:t>or set of </a:t>
+            </a:r>
+            <a:r>
+              <a:rPr lang="en-US" dirty="0" smtClean="0"/>
+              <a:t>pieces), </a:t>
+            </a:r>
+            <a:r>
+              <a:rPr lang="en-US" dirty="0" smtClean="0"/>
+              <a:t>continue applying the greedy choice until all </a:t>
+            </a:r>
+            <a:r>
+              <a:rPr lang="en-US" dirty="0" smtClean="0"/>
+              <a:t>pieces </a:t>
+            </a:r>
+            <a:r>
+              <a:rPr lang="en-US" dirty="0" smtClean="0"/>
+              <a:t>are placed.</a:t>
+            </a:r>
+          </a:p>
+          <a:p>
+            <a:pPr marL="457200" lvl="1" indent="0">
+              <a:lnSpc>
+                <a:spcPct val="140000"/>
+              </a:lnSpc>
+              <a:spcBef>
+                <a:spcPts val="600"/>
+              </a:spcBef>
+              <a:buNone/>
+            </a:pPr>
+            <a:endParaRPr lang="en-US" sz="400" dirty="0"/>
+          </a:p>
+          <a:p>
+            <a:pPr>
+              <a:lnSpc>
+                <a:spcPct val="130000"/>
+              </a:lnSpc>
+              <a:spcBef>
+                <a:spcPts val="600"/>
+              </a:spcBef>
+            </a:pPr>
             <a:r>
               <a:rPr lang="en-US" b="1" dirty="0" smtClean="0"/>
-              <a:t>Genetic Algorithm Review</a:t>
-            </a:r>
-          </a:p>
-          <a:p>
-            <a:pPr lvl="1"/>
+              <a:t>Overview of the Greedy Choice</a:t>
+            </a:r>
             <a:r>
               <a:rPr lang="en-US" dirty="0" smtClean="0"/>
-              <a:t>Based off the biological theory of natural selection.</a:t>
-            </a:r>
-          </a:p>
-          <a:p>
-            <a:pPr lvl="1"/>
+              <a:t>:</a:t>
+            </a:r>
+          </a:p>
+          <a:p>
+            <a:pPr lvl="1">
+              <a:lnSpc>
+                <a:spcPct val="130000"/>
+              </a:lnSpc>
+              <a:spcBef>
+                <a:spcPts val="600"/>
+              </a:spcBef>
+            </a:pPr>
             <a:r>
               <a:rPr lang="en-US" dirty="0" smtClean="0"/>
-              <a:t>Divided into a series of stages</a:t>
-            </a:r>
-          </a:p>
-          <a:p>
-            <a:pPr lvl="2"/>
+              <a:t>Board dimensions are known in advance and fixed</a:t>
+            </a:r>
+          </a:p>
+          <a:p>
+            <a:pPr marL="457200" lvl="1" indent="0">
+              <a:lnSpc>
+                <a:spcPct val="130000"/>
+              </a:lnSpc>
+              <a:spcBef>
+                <a:spcPts val="600"/>
+              </a:spcBef>
+              <a:buNone/>
+            </a:pPr>
+            <a:endParaRPr lang="en-US" sz="500" dirty="0"/>
+          </a:p>
+          <a:p>
+            <a:pPr lvl="1">
+              <a:lnSpc>
+                <a:spcPct val="130000"/>
+              </a:lnSpc>
+              <a:spcBef>
+                <a:spcPts val="600"/>
+              </a:spcBef>
+            </a:pPr>
             <a:r>
               <a:rPr lang="en-US" dirty="0" smtClean="0"/>
-              <a:t>Random generation of initial population</a:t>
-            </a:r>
-          </a:p>
-          <a:p>
-            <a:pPr lvl="2"/>
+              <a:t>Board locations with a higher number of occupied neighbors are preferred as the choice of the next piece is more informed.</a:t>
+            </a:r>
+          </a:p>
+          <a:p>
+            <a:pPr marL="457200" lvl="1" indent="0">
+              <a:lnSpc>
+                <a:spcPct val="130000"/>
+              </a:lnSpc>
+              <a:spcBef>
+                <a:spcPts val="600"/>
+              </a:spcBef>
+              <a:buNone/>
+            </a:pPr>
+            <a:endParaRPr lang="en-US" sz="500" dirty="0" smtClean="0"/>
+          </a:p>
+          <a:p>
+            <a:pPr lvl="1">
+              <a:lnSpc>
+                <a:spcPct val="130000"/>
+              </a:lnSpc>
+              <a:spcBef>
+                <a:spcPts val="600"/>
+              </a:spcBef>
+            </a:pPr>
             <a:r>
               <a:rPr lang="en-US" dirty="0" smtClean="0"/>
-              <a:t>Successor selection</a:t>
-            </a:r>
-          </a:p>
-          <a:p>
-            <a:pPr lvl="2"/>
+              <a:t>Piece </a:t>
+            </a:r>
             <a:r>
               <a:rPr lang="en-US" dirty="0" smtClean="0"/>
-              <a:t>Reproduction</a:t>
-            </a:r>
-          </a:p>
-          <a:p>
-            <a:pPr lvl="2"/>
+              <a:t>selection criteria:</a:t>
+            </a:r>
+          </a:p>
+          <a:p>
+            <a:pPr lvl="2">
+              <a:lnSpc>
+                <a:spcPct val="130000"/>
+              </a:lnSpc>
+              <a:spcBef>
+                <a:spcPts val="600"/>
+              </a:spcBef>
+            </a:pPr>
+            <a:r>
+              <a:rPr lang="en-US" i="1" dirty="0" smtClean="0">
+                <a:solidFill>
+                  <a:srgbClr val="006600"/>
+                </a:solidFill>
+              </a:rPr>
+              <a:t>Primary Criteria</a:t>
+            </a:r>
             <a:r>
               <a:rPr lang="en-US" dirty="0" smtClean="0"/>
-              <a:t>Mutation</a:t>
-            </a:r>
-          </a:p>
-          <a:p>
-            <a:pPr lvl="1"/>
+              <a:t>: Prefer a “best buddy” first.</a:t>
+            </a:r>
+          </a:p>
+          <a:p>
+            <a:pPr lvl="2">
+              <a:lnSpc>
+                <a:spcPct val="130000"/>
+              </a:lnSpc>
+              <a:spcBef>
+                <a:spcPts val="600"/>
+              </a:spcBef>
+            </a:pPr>
+            <a:r>
+              <a:rPr lang="en-US" i="1" dirty="0" smtClean="0">
+                <a:solidFill>
+                  <a:srgbClr val="006600"/>
+                </a:solidFill>
+              </a:rPr>
+              <a:t>Secondary Criteria</a:t>
+            </a:r>
             <a:r>
               <a:rPr lang="en-US" dirty="0" smtClean="0"/>
-              <a:t>Requires a “fitness function” that measures solution quality.</a:t>
-            </a:r>
-          </a:p>
-          <a:p>
-            <a:endParaRPr lang="en-US" dirty="0"/>
-          </a:p>
-          <a:p>
+              <a:t>: If no or multiple </a:t>
+            </a:r>
+            <a:r>
+              <a:rPr lang="en-US" dirty="0" smtClean="0"/>
+              <a:t>pieces </a:t>
+            </a:r>
+            <a:r>
+              <a:rPr lang="en-US" dirty="0" smtClean="0"/>
+              <a:t>satisfy the primary criteria, select the </a:t>
+            </a:r>
+            <a:r>
+              <a:rPr lang="en-US" dirty="0" smtClean="0"/>
+              <a:t>piece with </a:t>
+            </a:r>
+            <a:r>
+              <a:rPr lang="en-US" dirty="0" smtClean="0"/>
+              <a:t>the highest compatibility score.</a:t>
+            </a:r>
+          </a:p>
+          <a:p>
+            <a:pPr lvl="2">
+              <a:lnSpc>
+                <a:spcPct val="130000"/>
+              </a:lnSpc>
+              <a:spcBef>
+                <a:spcPts val="600"/>
+              </a:spcBef>
+            </a:pPr>
+            <a:endParaRPr lang="en-US" dirty="0" smtClean="0"/>
+          </a:p>
+          <a:p>
+            <a:pPr>
+              <a:lnSpc>
+                <a:spcPct val="130000"/>
+              </a:lnSpc>
+              <a:spcBef>
+                <a:spcPts val="600"/>
+              </a:spcBef>
+            </a:pPr>
+            <a:r>
+              <a:rPr lang="en-US" b="1" dirty="0" smtClean="0"/>
+              <a:t>Question: </a:t>
+            </a:r>
+            <a:r>
+              <a:rPr lang="en-US" dirty="0" smtClean="0"/>
+              <a:t>Why is a placer not enough? </a:t>
+            </a:r>
+          </a:p>
+          <a:p>
+            <a:pPr>
+              <a:lnSpc>
+                <a:spcPct val="130000"/>
+              </a:lnSpc>
+              <a:spcBef>
+                <a:spcPts val="600"/>
+              </a:spcBef>
+            </a:pPr>
+            <a:r>
+              <a:rPr lang="en-US" b="1" dirty="0" smtClean="0"/>
+              <a:t>Answer: </a:t>
+            </a:r>
+            <a:r>
+              <a:rPr lang="en-US" dirty="0" smtClean="0"/>
+              <a:t>It works solely on local information.  To get the best results, we must also look at the entire global solution.</a:t>
+            </a:r>
             <a:endParaRPr lang="en-US" dirty="0"/>
           </a:p>
         </p:txBody>
@@ -14292,7 +14547,7 @@
     </p:spTree>
     <p:extLst>
       <p:ext uri="{BB962C8B-B14F-4D97-AF65-F5344CB8AC3E}">
-        <p14:creationId xmlns:p14="http://schemas.microsoft.com/office/powerpoint/2010/main" val="2555175337"/>
+        <p14:creationId xmlns:p14="http://schemas.microsoft.com/office/powerpoint/2010/main" val="260086172"/>
       </p:ext>
     </p:extLst>
   </p:cSld>
@@ -14345,397 +14600,69 @@
           <a:p>
             <a:r>
               <a:rPr lang="en-US" dirty="0" smtClean="0"/>
-              <a:t>Sholomon’s GA Implementation</a:t>
+              <a:t>Segmenter Phase</a:t>
             </a:r>
             <a:endParaRPr lang="en-US" dirty="0"/>
           </a:p>
         </p:txBody>
       </p:sp>
-      <mc:AlternateContent xmlns:mc="http://schemas.openxmlformats.org/markup-compatibility/2006">
-        <mc:Choice xmlns:a14="http://schemas.microsoft.com/office/drawing/2010/main" Requires="a14">
-          <p:sp>
-            <p:nvSpPr>
-              <p:cNvPr id="3" name="Content Placeholder 2"/>
-              <p:cNvSpPr>
-                <a:spLocks noGrp="1"/>
-              </p:cNvSpPr>
-              <p:nvPr>
-                <p:ph idx="1"/>
-              </p:nvPr>
-            </p:nvSpPr>
-            <p:spPr/>
-            <p:txBody>
-              <a:bodyPr>
-                <a:normAutofit fontScale="62500" lnSpcReduction="20000"/>
-              </a:bodyPr>
-              <a:lstStyle/>
-              <a:p>
-                <a:pPr>
-                  <a:lnSpc>
-                    <a:spcPct val="120000"/>
-                  </a:lnSpc>
-                  <a:spcBef>
-                    <a:spcPts val="0"/>
-                  </a:spcBef>
-                  <a:spcAft>
-                    <a:spcPts val="1800"/>
-                  </a:spcAft>
-                </a:pPr>
-                <a:r>
-                  <a:rPr lang="en-US" b="1" dirty="0" smtClean="0"/>
-                  <a:t>Puzzle Type: </a:t>
-                </a:r>
-                <a:r>
-                  <a:rPr lang="en-US" dirty="0" smtClean="0"/>
-                  <a:t>1 </a:t>
-                </a:r>
-                <a:r>
-                  <a:rPr lang="en-US" dirty="0" smtClean="0"/>
-                  <a:t>(pieces </a:t>
-                </a:r>
-                <a:r>
-                  <a:rPr lang="en-US" dirty="0" smtClean="0"/>
-                  <a:t>have known orientation)</a:t>
-                </a:r>
-                <a:endParaRPr lang="en-US" b="1" dirty="0"/>
-              </a:p>
-              <a:p>
-                <a:pPr>
-                  <a:lnSpc>
-                    <a:spcPct val="120000"/>
-                  </a:lnSpc>
-                  <a:spcBef>
-                    <a:spcPts val="0"/>
-                  </a:spcBef>
-                  <a:spcAft>
-                    <a:spcPts val="1800"/>
-                  </a:spcAft>
-                </a:pPr>
-                <a:r>
-                  <a:rPr lang="en-US" b="1" dirty="0" smtClean="0"/>
-                  <a:t>Chromosome (Solution) Representation: </a:t>
-                </a:r>
-                <a14:m>
-                  <m:oMath xmlns:m="http://schemas.openxmlformats.org/officeDocument/2006/math">
-                    <m:r>
-                      <a:rPr lang="en-US" b="0" i="1" smtClean="0">
-                        <a:latin typeface="Cambria Math"/>
-                      </a:rPr>
-                      <m:t>𝑁</m:t>
-                    </m:r>
-                  </m:oMath>
-                </a14:m>
-                <a:r>
-                  <a:rPr lang="en-US" dirty="0" smtClean="0"/>
-                  <a:t> by </a:t>
-                </a:r>
-                <a14:m>
-                  <m:oMath xmlns:m="http://schemas.openxmlformats.org/officeDocument/2006/math">
-                    <m:r>
-                      <a:rPr lang="en-US" b="0" i="1" smtClean="0">
-                        <a:latin typeface="Cambria Math"/>
-                      </a:rPr>
-                      <m:t>𝑀</m:t>
-                    </m:r>
-                  </m:oMath>
-                </a14:m>
-                <a:r>
-                  <a:rPr lang="en-US" dirty="0" smtClean="0"/>
-                  <a:t> matrix where each cell represents one </a:t>
-                </a:r>
-                <a:r>
-                  <a:rPr lang="en-US" dirty="0" smtClean="0"/>
-                  <a:t>patch in </a:t>
-                </a:r>
-                <a:r>
-                  <a:rPr lang="en-US" dirty="0" smtClean="0"/>
-                  <a:t>the puzzle.</a:t>
-                </a:r>
-              </a:p>
-              <a:p>
-                <a:pPr>
-                  <a:lnSpc>
-                    <a:spcPct val="120000"/>
-                  </a:lnSpc>
-                  <a:spcBef>
-                    <a:spcPts val="0"/>
-                  </a:spcBef>
-                  <a:spcAft>
-                    <a:spcPts val="1800"/>
-                  </a:spcAft>
-                </a:pPr>
-                <a:r>
-                  <a:rPr lang="en-US" b="1" dirty="0" smtClean="0"/>
-                  <a:t>Population Size: </a:t>
-                </a:r>
-                <a:r>
-                  <a:rPr lang="en-US" dirty="0" smtClean="0"/>
-                  <a:t>1,000</a:t>
-                </a:r>
-                <a:endParaRPr lang="en-US" b="1" dirty="0" smtClean="0"/>
-              </a:p>
-              <a:p>
-                <a:pPr>
-                  <a:lnSpc>
-                    <a:spcPct val="120000"/>
-                  </a:lnSpc>
-                  <a:spcBef>
-                    <a:spcPts val="0"/>
-                  </a:spcBef>
-                  <a:spcAft>
-                    <a:spcPts val="1800"/>
-                  </a:spcAft>
-                </a:pPr>
-                <a:r>
-                  <a:rPr lang="en-US" b="1" dirty="0" smtClean="0"/>
-                  <a:t>Number of Generations: </a:t>
-                </a:r>
-                <a:r>
-                  <a:rPr lang="en-US" dirty="0" smtClean="0"/>
-                  <a:t>100</a:t>
-                </a:r>
-                <a:endParaRPr lang="en-US" b="1" dirty="0"/>
-              </a:p>
-              <a:p>
-                <a:pPr>
-                  <a:lnSpc>
-                    <a:spcPct val="120000"/>
-                  </a:lnSpc>
-                  <a:spcBef>
-                    <a:spcPts val="0"/>
-                  </a:spcBef>
-                  <a:spcAft>
-                    <a:spcPts val="1800"/>
-                  </a:spcAft>
-                </a:pPr>
-                <a:r>
-                  <a:rPr lang="en-US" b="1" dirty="0" smtClean="0"/>
-                  <a:t>Number of Restarts: </a:t>
-                </a:r>
-                <a:r>
-                  <a:rPr lang="en-US" dirty="0" smtClean="0"/>
-                  <a:t>10 </a:t>
-                </a:r>
-              </a:p>
-              <a:p>
-                <a:pPr>
-                  <a:lnSpc>
-                    <a:spcPct val="120000"/>
-                  </a:lnSpc>
-                  <a:spcBef>
-                    <a:spcPts val="0"/>
-                  </a:spcBef>
-                  <a:spcAft>
-                    <a:spcPts val="1800"/>
-                  </a:spcAft>
-                </a:pPr>
-                <a:r>
-                  <a:rPr lang="en-US" b="1" dirty="0" smtClean="0"/>
-                  <a:t>Successor Selection Algorithm:</a:t>
-                </a:r>
-                <a:r>
-                  <a:rPr lang="en-US" dirty="0" smtClean="0"/>
-                  <a:t> Roulette Wheel</a:t>
-                </a:r>
-                <a:endParaRPr lang="en-US" dirty="0"/>
-              </a:p>
-              <a:p>
-                <a:pPr>
-                  <a:lnSpc>
-                    <a:spcPct val="120000"/>
-                  </a:lnSpc>
-                  <a:spcBef>
-                    <a:spcPts val="0"/>
-                  </a:spcBef>
-                  <a:spcAft>
-                    <a:spcPts val="1800"/>
-                  </a:spcAft>
-                </a:pPr>
-                <a:r>
-                  <a:rPr lang="en-US" b="1" i="1" dirty="0" smtClean="0"/>
-                  <a:t>Elitism</a:t>
-                </a:r>
-                <a:r>
-                  <a:rPr lang="en-US" b="1" dirty="0" smtClean="0"/>
-                  <a:t>:</a:t>
-                </a:r>
-                <a:r>
-                  <a:rPr lang="en-US" b="1" i="1" dirty="0" smtClean="0"/>
-                  <a:t> </a:t>
-                </a:r>
-                <a:r>
-                  <a:rPr lang="en-US" dirty="0" smtClean="0"/>
-                  <a:t>Always pass </a:t>
-                </a:r>
-                <a:r>
-                  <a:rPr lang="en-US" i="1" dirty="0" smtClean="0"/>
-                  <a:t>four</a:t>
-                </a:r>
-                <a:r>
-                  <a:rPr lang="en-US" dirty="0" smtClean="0"/>
-                  <a:t> best solutions to the next generation</a:t>
-                </a:r>
-              </a:p>
-              <a:p>
-                <a:pPr>
-                  <a:lnSpc>
-                    <a:spcPct val="120000"/>
-                  </a:lnSpc>
-                  <a:spcBef>
-                    <a:spcPts val="0"/>
-                  </a:spcBef>
-                  <a:spcAft>
-                    <a:spcPts val="1800"/>
-                  </a:spcAft>
-                </a:pPr>
-                <a:r>
-                  <a:rPr lang="en-US" b="1" dirty="0" smtClean="0"/>
-                  <a:t>Culling: </a:t>
-                </a:r>
-                <a:r>
-                  <a:rPr lang="en-US" dirty="0" smtClean="0"/>
-                  <a:t>None</a:t>
-                </a:r>
-                <a:endParaRPr lang="en-US" dirty="0"/>
-              </a:p>
-              <a:p>
-                <a:pPr>
-                  <a:lnSpc>
-                    <a:spcPct val="120000"/>
-                  </a:lnSpc>
-                  <a:spcBef>
-                    <a:spcPts val="0"/>
-                  </a:spcBef>
-                  <a:spcAft>
-                    <a:spcPts val="1800"/>
-                  </a:spcAft>
-                </a:pPr>
-                <a:r>
-                  <a:rPr lang="en-US" b="1" dirty="0" smtClean="0"/>
-                  <a:t>Mutation Rate:</a:t>
-                </a:r>
-                <a:r>
-                  <a:rPr lang="en-US" dirty="0" smtClean="0"/>
-                  <a:t> 5%</a:t>
-                </a:r>
-              </a:p>
-              <a:p>
-                <a:pPr>
-                  <a:lnSpc>
-                    <a:spcPct val="120000"/>
-                  </a:lnSpc>
-                  <a:spcBef>
-                    <a:spcPts val="0"/>
-                  </a:spcBef>
-                  <a:spcAft>
-                    <a:spcPts val="1800"/>
-                  </a:spcAft>
-                </a:pPr>
-                <a:r>
-                  <a:rPr lang="en-US" b="1" dirty="0" smtClean="0"/>
-                  <a:t>Fitness Function:</a:t>
-                </a:r>
-                <a:r>
-                  <a:rPr lang="en-US" dirty="0" smtClean="0"/>
-                  <a:t> Sum of the </a:t>
-                </a:r>
-                <a14:m>
-                  <m:oMath xmlns:m="http://schemas.openxmlformats.org/officeDocument/2006/math">
-                    <m:sSub>
-                      <m:sSubPr>
-                        <m:ctrlPr>
-                          <a:rPr lang="en-US" b="0" i="1" smtClean="0">
-                            <a:latin typeface="Cambria Math"/>
-                          </a:rPr>
-                        </m:ctrlPr>
-                      </m:sSubPr>
-                      <m:e>
-                        <m:r>
-                          <a:rPr lang="en-US" b="0" i="1" smtClean="0">
-                            <a:latin typeface="Cambria Math"/>
-                          </a:rPr>
-                          <m:t>𝐿</m:t>
-                        </m:r>
-                      </m:e>
-                      <m:sub>
-                        <m:r>
-                          <a:rPr lang="en-US" b="0" i="1" smtClean="0">
-                            <a:latin typeface="Cambria Math"/>
-                          </a:rPr>
-                          <m:t>2</m:t>
-                        </m:r>
-                      </m:sub>
-                    </m:sSub>
-                  </m:oMath>
-                </a14:m>
-                <a:r>
-                  <a:rPr lang="en-US" dirty="0" smtClean="0"/>
-                  <a:t> of all pieces in the puzzle</a:t>
-                </a:r>
-              </a:p>
-              <a:p>
-                <a:pPr>
-                  <a:lnSpc>
-                    <a:spcPct val="120000"/>
-                  </a:lnSpc>
-                  <a:spcBef>
-                    <a:spcPts val="0"/>
-                  </a:spcBef>
-                  <a:spcAft>
-                    <a:spcPts val="1800"/>
-                  </a:spcAft>
-                </a:pPr>
-                <a:r>
-                  <a:rPr lang="en-US" b="1" dirty="0" smtClean="0"/>
-                  <a:t>Color Space: </a:t>
-                </a:r>
-                <a:r>
-                  <a:rPr lang="en-US" dirty="0" smtClean="0"/>
-                  <a:t>LAB</a:t>
-                </a:r>
-                <a:endParaRPr lang="en-US" dirty="0"/>
-              </a:p>
-            </p:txBody>
-          </p:sp>
-        </mc:Choice>
-        <mc:Fallback>
-          <p:sp>
-            <p:nvSpPr>
-              <p:cNvPr id="3" name="Content Placeholder 2"/>
-              <p:cNvSpPr>
-                <a:spLocks noGrp="1" noRot="1" noChangeAspect="1" noMove="1" noResize="1" noEditPoints="1" noAdjustHandles="1" noChangeArrowheads="1" noChangeShapeType="1" noTextEdit="1"/>
-              </p:cNvSpPr>
-              <p:nvPr>
-                <p:ph idx="1"/>
-              </p:nvPr>
-            </p:nvSpPr>
-            <p:spPr>
-              <a:blipFill rotWithShape="1">
-                <a:blip r:embed="rId2"/>
-                <a:stretch>
-                  <a:fillRect l="-148" t="-237" b="-949"/>
-                </a:stretch>
-              </a:blipFill>
-            </p:spPr>
-            <p:txBody>
-              <a:bodyPr/>
-              <a:lstStyle/>
-              <a:p>
-                <a:r>
-                  <a:rPr lang="en-US">
-                    <a:noFill/>
-                  </a:rPr>
-                  <a:t> </a:t>
-                </a:r>
-              </a:p>
-            </p:txBody>
-          </p:sp>
-        </mc:Fallback>
-      </mc:AlternateContent>
+      <p:sp>
+        <p:nvSpPr>
+          <p:cNvPr id="3" name="Content Placeholder 2"/>
+          <p:cNvSpPr>
+            <a:spLocks noGrp="1"/>
+          </p:cNvSpPr>
+          <p:nvPr>
+            <p:ph idx="1"/>
+          </p:nvPr>
+        </p:nvSpPr>
+        <p:spPr/>
+        <p:txBody>
+          <a:bodyPr/>
+          <a:lstStyle/>
+          <a:p>
+            <a:r>
+              <a:rPr lang="en-US" b="1" dirty="0" smtClean="0"/>
+              <a:t>Definition of “Segments”</a:t>
+            </a:r>
+            <a:r>
+              <a:rPr lang="en-US" dirty="0" smtClean="0"/>
+              <a:t>: Areas of the puzzle that are (or “are believed to be”) assembled correctly.</a:t>
+            </a:r>
+          </a:p>
+          <a:p>
+            <a:endParaRPr lang="en-US" dirty="0"/>
+          </a:p>
+          <a:p>
+            <a:r>
+              <a:rPr lang="en-US" b="1" dirty="0" smtClean="0"/>
+              <a:t>Procedure</a:t>
+            </a:r>
+            <a:r>
+              <a:rPr lang="en-US" dirty="0" smtClean="0"/>
+              <a:t>: Using random seeds and a segmentation predicate based on the “best buddies” metric, grow the segments via “region growing segmentation algorithm” described in [15].</a:t>
+            </a:r>
+          </a:p>
+          <a:p>
+            <a:endParaRPr lang="en-US" dirty="0"/>
+          </a:p>
+          <a:p>
+            <a:r>
+              <a:rPr lang="en-US" b="1" dirty="0" smtClean="0"/>
+              <a:t>Accuracy of the Segmenter</a:t>
+            </a:r>
+            <a:r>
+              <a:rPr lang="en-US" dirty="0" smtClean="0"/>
+              <a:t>: 99.7%</a:t>
+            </a:r>
+            <a:endParaRPr lang="en-US" dirty="0"/>
+          </a:p>
+        </p:txBody>
+      </p:sp>
     </p:spTree>
     <p:extLst>
       <p:ext uri="{BB962C8B-B14F-4D97-AF65-F5344CB8AC3E}">
-        <p14:creationId xmlns:p14="http://schemas.microsoft.com/office/powerpoint/2010/main" val="3821347366"/>
+        <p14:creationId xmlns:p14="http://schemas.microsoft.com/office/powerpoint/2010/main" val="852581605"/>
       </p:ext>
     </p:extLst>
   </p:cSld>
@@ -14782,15 +14709,15 @@
         <p:spPr/>
         <p:txBody>
           <a:bodyPr>
-            <a:normAutofit fontScale="90000"/>
+            <a:noAutofit/>
           </a:bodyPr>
           <a:lstStyle/>
           <a:p>
             <a:r>
-              <a:rPr lang="en-US" dirty="0" smtClean="0"/>
-              <a:t>GA Crossover</a:t>
-            </a:r>
-            <a:endParaRPr lang="en-US" dirty="0"/>
+              <a:rPr lang="en-US" sz="3200" dirty="0" smtClean="0"/>
+              <a:t>Pomeranz’s Complete Algorithm</a:t>
+            </a:r>
+            <a:endParaRPr lang="en-US" sz="3200" dirty="0"/>
           </a:p>
         </p:txBody>
       </p:sp>
@@ -14809,80 +14736,143 @@
           <a:bodyPr/>
           <a:lstStyle/>
           <a:p>
+            <a:pPr>
+              <a:lnSpc>
+                <a:spcPct val="110000"/>
+              </a:lnSpc>
+              <a:spcBef>
+                <a:spcPts val="1800"/>
+              </a:spcBef>
+            </a:pPr>
+            <a:r>
+              <a:rPr lang="en-US" b="1" i="1" dirty="0" smtClean="0">
+                <a:solidFill>
+                  <a:srgbClr val="006600"/>
+                </a:solidFill>
+              </a:rPr>
+              <a:t>Step #1</a:t>
+            </a:r>
             <a:r>
               <a:rPr lang="en-US" dirty="0" smtClean="0"/>
-              <a:t>Takes two “</a:t>
-            </a:r>
-            <a:r>
-              <a:rPr lang="en-US" i="1" dirty="0" smtClean="0"/>
-              <a:t>highly fit</a:t>
+              <a:t>: Select a single puzzle </a:t>
             </a:r>
             <a:r>
               <a:rPr lang="en-US" dirty="0" smtClean="0"/>
-              <a:t>” parents and returns one child.</a:t>
-            </a:r>
-          </a:p>
-          <a:p>
-            <a:pPr lvl="1"/>
+              <a:t>piece </a:t>
+            </a:r>
             <a:r>
               <a:rPr lang="en-US" dirty="0" smtClean="0"/>
-              <a:t>Non-trivial as the crossover must ensure there are no duplicate/missing </a:t>
+              <a:t>as the seed to placement phase.</a:t>
+            </a:r>
+          </a:p>
+          <a:p>
+            <a:pPr>
+              <a:lnSpc>
+                <a:spcPct val="110000"/>
+              </a:lnSpc>
+              <a:spcBef>
+                <a:spcPts val="1800"/>
+              </a:spcBef>
+            </a:pPr>
+            <a:r>
+              <a:rPr lang="en-US" b="1" i="1" dirty="0">
+                <a:solidFill>
+                  <a:srgbClr val="006600"/>
+                </a:solidFill>
+              </a:rPr>
+              <a:t>Step #2</a:t>
             </a:r>
             <a:r>
               <a:rPr lang="en-US" dirty="0" smtClean="0"/>
-              <a:t>pieces </a:t>
+              <a:t>: Perform the placement phase around the seed.</a:t>
+            </a:r>
+          </a:p>
+          <a:p>
+            <a:pPr>
+              <a:lnSpc>
+                <a:spcPct val="110000"/>
+              </a:lnSpc>
+              <a:spcBef>
+                <a:spcPts val="1800"/>
+              </a:spcBef>
+            </a:pPr>
+            <a:r>
+              <a:rPr lang="en-US" b="1" i="1" dirty="0">
+                <a:solidFill>
+                  <a:srgbClr val="006600"/>
+                </a:solidFill>
+              </a:rPr>
+              <a:t>Step #3</a:t>
             </a:r>
             <a:r>
               <a:rPr lang="en-US" dirty="0" smtClean="0"/>
-              <a:t>in the solution.</a:t>
-            </a:r>
-          </a:p>
-          <a:p>
-            <a:endParaRPr lang="en-US" dirty="0" smtClean="0"/>
-          </a:p>
-          <a:p>
+              <a:t>: Use the segmenter to partition the board.</a:t>
+            </a:r>
+          </a:p>
+          <a:p>
+            <a:pPr>
+              <a:lnSpc>
+                <a:spcPct val="110000"/>
+              </a:lnSpc>
+              <a:spcBef>
+                <a:spcPts val="1800"/>
+              </a:spcBef>
+            </a:pPr>
+            <a:r>
+              <a:rPr lang="en-US" b="1" i="1" dirty="0">
+                <a:solidFill>
+                  <a:srgbClr val="006600"/>
+                </a:solidFill>
+              </a:rPr>
+              <a:t>Step #4</a:t>
+            </a:r>
             <a:r>
               <a:rPr lang="en-US" dirty="0" smtClean="0"/>
-              <a:t>Correctly assembled segments may be at incorrect absolute locations.  Hence, the crossover must allow for “</a:t>
-            </a:r>
-            <a:r>
-              <a:rPr lang="en-US" i="1" dirty="0" smtClean="0"/>
-              <a:t>position independence</a:t>
+              <a:t>: Calculate the “best buddies” ratio.  If you are at a local maximum, stop.</a:t>
+            </a:r>
+          </a:p>
+          <a:p>
+            <a:pPr>
+              <a:lnSpc>
+                <a:spcPct val="110000"/>
+              </a:lnSpc>
+              <a:spcBef>
+                <a:spcPts val="1800"/>
+              </a:spcBef>
+            </a:pPr>
+            <a:r>
+              <a:rPr lang="en-US" b="1" i="1" dirty="0">
+                <a:solidFill>
+                  <a:srgbClr val="006600"/>
+                </a:solidFill>
+              </a:rPr>
+              <a:t>Step #5</a:t>
             </a:r>
             <a:r>
               <a:rPr lang="en-US" dirty="0" smtClean="0"/>
-              <a:t>”, which is the ability to shift segments.</a:t>
-            </a:r>
-            <a:endParaRPr lang="en-US" dirty="0"/>
-          </a:p>
-          <a:p>
-            <a:endParaRPr lang="en-US" dirty="0" smtClean="0"/>
-          </a:p>
-          <a:p>
-            <a:r>
-              <a:rPr lang="en-US" b="1" dirty="0" smtClean="0"/>
-              <a:t>Sholomon </a:t>
-            </a:r>
-            <a:r>
-              <a:rPr lang="en-US" b="1" i="1" dirty="0" smtClean="0"/>
-              <a:t>et. al.</a:t>
-            </a:r>
-            <a:r>
-              <a:rPr lang="en-US" b="1" dirty="0" smtClean="0"/>
-              <a:t>’s Approach: </a:t>
-            </a:r>
+              <a:t>: Select the largest segment from step #3 and use it as the seed of the placement phase.  Return to step #2.</a:t>
+            </a:r>
+          </a:p>
+          <a:p>
+            <a:pPr lvl="1">
+              <a:lnSpc>
+                <a:spcPct val="110000"/>
+              </a:lnSpc>
+              <a:spcBef>
+                <a:spcPts val="1800"/>
+              </a:spcBef>
+            </a:pPr>
             <a:r>
               <a:rPr lang="en-US" dirty="0" smtClean="0"/>
-              <a:t>Kernel-growing.</a:t>
-            </a:r>
-            <a:endParaRPr lang="en-US" dirty="0"/>
+              <a:t>Performing this step is similar to shifting the largest segment.</a:t>
+            </a:r>
           </a:p>
         </p:txBody>
       </p:sp>
     </p:spTree>
     <p:extLst>
       <p:ext uri="{BB962C8B-B14F-4D97-AF65-F5344CB8AC3E}">
-        <p14:creationId xmlns:p14="http://schemas.microsoft.com/office/powerpoint/2010/main" val="2059236629"/>
+        <p14:creationId xmlns:p14="http://schemas.microsoft.com/office/powerpoint/2010/main" val="2972052715"/>
       </p:ext>
     </p:extLst>
   </p:cSld>
@@ -14918,15 +14908,20 @@
       </p:grpSpPr>
       <p:sp>
         <p:nvSpPr>
-          <p:cNvPr id="2" name="Title 1"/>
+          <p:cNvPr id="4" name="Title 3"/>
           <p:cNvSpPr>
             <a:spLocks noGrp="1"/>
           </p:cNvSpPr>
           <p:nvPr>
-            <p:ph type="title"/>
+            <p:ph type="ctrTitle"/>
           </p:nvPr>
         </p:nvSpPr>
-        <p:spPr/>
+        <p:spPr>
+          <a:xfrm>
+            <a:off x="685800" y="4505325"/>
+            <a:ext cx="7772400" cy="942975"/>
+          </a:xfrm>
+        </p:spPr>
         <p:txBody>
           <a:bodyPr>
             <a:noAutofit/>
@@ -14934,277 +14929,25 @@
           <a:lstStyle/>
           <a:p>
             <a:r>
-              <a:rPr lang="en-US" sz="3200" dirty="0" smtClean="0"/>
-              <a:t>Sholomon’s Kernel Growing Algorithm</a:t>
-            </a:r>
-            <a:endParaRPr lang="en-US" sz="3200" dirty="0"/>
-          </a:p>
-        </p:txBody>
-      </p:sp>
-      <p:sp>
-        <p:nvSpPr>
-          <p:cNvPr id="3" name="Content Placeholder 2"/>
-          <p:cNvSpPr>
-            <a:spLocks noGrp="1"/>
-          </p:cNvSpPr>
-          <p:nvPr>
-            <p:ph idx="1"/>
-          </p:nvPr>
-        </p:nvSpPr>
-        <p:spPr>
-          <a:xfrm>
-            <a:off x="347133" y="989012"/>
-            <a:ext cx="8627534" cy="5335587"/>
-          </a:xfrm>
-        </p:spPr>
-        <p:txBody>
-          <a:bodyPr>
-            <a:normAutofit fontScale="77500" lnSpcReduction="20000"/>
-          </a:bodyPr>
-          <a:lstStyle/>
-          <a:p>
-            <a:pPr>
-              <a:lnSpc>
-                <a:spcPct val="130000"/>
-              </a:lnSpc>
-            </a:pPr>
-            <a:r>
-              <a:rPr lang="en-US" dirty="0" smtClean="0"/>
-              <a:t>Start with a single puzzle </a:t>
-            </a:r>
-            <a:r>
-              <a:rPr lang="en-US" dirty="0" smtClean="0"/>
-              <a:t>piece </a:t>
-            </a:r>
-            <a:r>
-              <a:rPr lang="en-US" dirty="0" smtClean="0"/>
-              <a:t>that is “floating” in the board such that the puzzle can grow in any direction.</a:t>
-            </a:r>
-          </a:p>
-          <a:p>
-            <a:pPr lvl="1">
-              <a:lnSpc>
-                <a:spcPct val="130000"/>
-              </a:lnSpc>
-            </a:pPr>
-            <a:endParaRPr lang="en-US" sz="900" dirty="0"/>
-          </a:p>
-          <a:p>
-            <a:pPr lvl="1">
-              <a:lnSpc>
-                <a:spcPct val="130000"/>
-              </a:lnSpc>
-            </a:pPr>
-            <a:r>
-              <a:rPr lang="en-US" dirty="0" smtClean="0"/>
-              <a:t>Boundary size (i.e. length by width) is fixed and known.</a:t>
-            </a:r>
-          </a:p>
-          <a:p>
-            <a:pPr>
-              <a:lnSpc>
-                <a:spcPct val="130000"/>
-              </a:lnSpc>
-            </a:pPr>
-            <a:endParaRPr lang="en-US" sz="1500" dirty="0" smtClean="0"/>
-          </a:p>
-          <a:p>
-            <a:pPr>
-              <a:lnSpc>
-                <a:spcPct val="130000"/>
-              </a:lnSpc>
-            </a:pPr>
-            <a:r>
-              <a:rPr lang="en-US" b="1" dirty="0" smtClean="0"/>
-              <a:t>Piece </a:t>
-            </a:r>
-            <a:r>
-              <a:rPr lang="en-US" b="1" dirty="0" smtClean="0"/>
-              <a:t>Placement Algorithm: </a:t>
-            </a:r>
-            <a:r>
-              <a:rPr lang="en-US" dirty="0" smtClean="0"/>
-              <a:t>When deciding on the next </a:t>
-            </a:r>
-            <a:r>
-              <a:rPr lang="en-US" dirty="0" smtClean="0"/>
-              <a:t>piece </a:t>
-            </a:r>
-            <a:r>
-              <a:rPr lang="en-US" dirty="0" smtClean="0"/>
-              <a:t>to place, the algorithm iterates through up to three phases.</a:t>
-            </a:r>
-          </a:p>
-          <a:p>
-            <a:pPr lvl="1">
-              <a:lnSpc>
-                <a:spcPct val="130000"/>
-              </a:lnSpc>
-            </a:pPr>
-            <a:endParaRPr lang="en-US" sz="900" dirty="0"/>
-          </a:p>
-          <a:p>
-            <a:pPr lvl="1">
-              <a:lnSpc>
-                <a:spcPct val="130000"/>
-              </a:lnSpc>
-            </a:pPr>
-            <a:r>
-              <a:rPr lang="en-US" i="1" dirty="0" smtClean="0">
-                <a:solidFill>
-                  <a:srgbClr val="006600"/>
-                </a:solidFill>
-              </a:rPr>
-              <a:t>Phase #1</a:t>
-            </a:r>
-            <a:r>
-              <a:rPr lang="en-US" dirty="0" smtClean="0"/>
-              <a:t>: In an available boundary location, place the piece where both parents agree on the neighbor.</a:t>
-            </a:r>
-          </a:p>
-          <a:p>
-            <a:pPr lvl="1">
-              <a:lnSpc>
-                <a:spcPct val="130000"/>
-              </a:lnSpc>
-            </a:pPr>
-            <a:endParaRPr lang="en-US" sz="900" dirty="0" smtClean="0"/>
-          </a:p>
-          <a:p>
-            <a:pPr lvl="1">
-              <a:lnSpc>
-                <a:spcPct val="130000"/>
-              </a:lnSpc>
-            </a:pPr>
-            <a:r>
-              <a:rPr lang="en-US" i="1" dirty="0" smtClean="0">
-                <a:solidFill>
-                  <a:srgbClr val="006600"/>
-                </a:solidFill>
-              </a:rPr>
-              <a:t>Phase </a:t>
-            </a:r>
-            <a:r>
-              <a:rPr lang="en-US" i="1" dirty="0">
-                <a:solidFill>
-                  <a:srgbClr val="006600"/>
-                </a:solidFill>
-              </a:rPr>
-              <a:t>#2</a:t>
-            </a:r>
-            <a:r>
-              <a:rPr lang="en-US" dirty="0" smtClean="0"/>
-              <a:t>: Place a “best buddy” that </a:t>
-            </a:r>
-            <a:r>
-              <a:rPr lang="en-US" i="1" dirty="0" smtClean="0"/>
-              <a:t>exists in one of the parents</a:t>
-            </a:r>
-            <a:r>
-              <a:rPr lang="en-US" dirty="0" smtClean="0"/>
-              <a:t>.</a:t>
-            </a:r>
-          </a:p>
-          <a:p>
-            <a:pPr lvl="1">
-              <a:lnSpc>
-                <a:spcPct val="130000"/>
-              </a:lnSpc>
-            </a:pPr>
-            <a:endParaRPr lang="en-US" sz="900" dirty="0"/>
-          </a:p>
-          <a:p>
-            <a:pPr lvl="1">
-              <a:lnSpc>
-                <a:spcPct val="130000"/>
-              </a:lnSpc>
-            </a:pPr>
-            <a:r>
-              <a:rPr lang="en-US" i="1" dirty="0" smtClean="0">
-                <a:solidFill>
-                  <a:srgbClr val="006600"/>
-                </a:solidFill>
-              </a:rPr>
-              <a:t>Phase </a:t>
-            </a:r>
-            <a:r>
-              <a:rPr lang="en-US" i="1" dirty="0">
-                <a:solidFill>
-                  <a:srgbClr val="006600"/>
-                </a:solidFill>
-              </a:rPr>
-              <a:t>#3</a:t>
-            </a:r>
-            <a:r>
-              <a:rPr lang="en-US" dirty="0" smtClean="0"/>
-              <a:t>: Select a location randomly and pick the piece with the best pairwise affinity.</a:t>
-            </a:r>
-            <a:endParaRPr lang="en-US" dirty="0"/>
-          </a:p>
-          <a:p>
-            <a:pPr lvl="1">
-              <a:lnSpc>
-                <a:spcPct val="130000"/>
-              </a:lnSpc>
-            </a:pPr>
-            <a:endParaRPr lang="en-US" sz="900" dirty="0"/>
-          </a:p>
-          <a:p>
-            <a:pPr lvl="1">
-              <a:lnSpc>
-                <a:spcPct val="130000"/>
-              </a:lnSpc>
-            </a:pPr>
-            <a:r>
-              <a:rPr lang="en-US" dirty="0" smtClean="0"/>
-              <a:t>If in any phase there is a tie, the tie is broken randomly.</a:t>
-            </a:r>
-          </a:p>
-          <a:p>
-            <a:pPr lvl="1">
-              <a:lnSpc>
-                <a:spcPct val="130000"/>
-              </a:lnSpc>
-            </a:pPr>
-            <a:endParaRPr lang="en-US" sz="900" dirty="0"/>
-          </a:p>
-          <a:p>
-            <a:pPr lvl="1">
-              <a:lnSpc>
-                <a:spcPct val="130000"/>
-              </a:lnSpc>
-            </a:pPr>
-            <a:r>
-              <a:rPr lang="en-US" dirty="0" smtClean="0"/>
-              <a:t>After a piece is placed, the placement algorithm returns to phase #1 for the next piece.</a:t>
-            </a:r>
-          </a:p>
-          <a:p>
-            <a:pPr lvl="1">
-              <a:lnSpc>
-                <a:spcPct val="130000"/>
-              </a:lnSpc>
-            </a:pPr>
-            <a:endParaRPr lang="en-US" sz="900" dirty="0"/>
-          </a:p>
-          <a:p>
-            <a:pPr lvl="1">
-              <a:lnSpc>
-                <a:spcPct val="130000"/>
-              </a:lnSpc>
-            </a:pPr>
-            <a:r>
-              <a:rPr lang="en-US" dirty="0" smtClean="0"/>
-              <a:t>Once a piece is placed, it can never be reused.</a:t>
-            </a:r>
-            <a:endParaRPr lang="en-US" dirty="0"/>
+              <a:rPr lang="en-US" sz="2800" dirty="0" smtClean="0"/>
+              <a:t>Sholomon </a:t>
+            </a:r>
+            <a:r>
+              <a:rPr lang="en-US" sz="2800" i="1" dirty="0" smtClean="0"/>
+              <a:t>et. al.</a:t>
+            </a:r>
+            <a:r>
+              <a:rPr lang="en-US" sz="2800" dirty="0" smtClean="0"/>
+              <a:t> – A Genetic Algorithm-Based Solved for Very Large Jigsaw Puzzles (2013)</a:t>
+            </a:r>
+            <a:endParaRPr lang="en-US" sz="2800" dirty="0"/>
           </a:p>
         </p:txBody>
       </p:sp>
     </p:spTree>
     <p:extLst>
       <p:ext uri="{BB962C8B-B14F-4D97-AF65-F5344CB8AC3E}">
-        <p14:creationId xmlns:p14="http://schemas.microsoft.com/office/powerpoint/2010/main" val="100197060"/>
+        <p14:creationId xmlns:p14="http://schemas.microsoft.com/office/powerpoint/2010/main" val="2118835735"/>
       </p:ext>
     </p:extLst>
   </p:cSld>
@@ -15250,7 +14993,7 @@
           <a:p>
             <a:r>
               <a:rPr lang="en-US" dirty="0" smtClean="0"/>
-              <a:t>Kernel Growing with Mutation</a:t>
+              <a:t>Genetic Algorithm (GA) Solver</a:t>
             </a:r>
             <a:endParaRPr lang="en-US" dirty="0"/>
           </a:p>
@@ -15273,7 +15016,22 @@
           <a:p>
             <a:r>
               <a:rPr lang="en-US" dirty="0" smtClean="0"/>
-              <a:t>Mutations in genetic algorithms are used to improve the quality of the final solution via increased population diversity.</a:t>
+              <a:t>Proposed by Sholomon </a:t>
+            </a:r>
+            <a:r>
+              <a:rPr lang="en-US" i="1" dirty="0" smtClean="0"/>
+              <a:t>et. al. </a:t>
+            </a:r>
+            <a:r>
+              <a:rPr lang="en-US" dirty="0" smtClean="0"/>
+              <a:t>in 2013 [9].</a:t>
+            </a:r>
+          </a:p>
+          <a:p>
+            <a:pPr lvl="1"/>
+            <a:r>
+              <a:rPr lang="en-US" dirty="0" smtClean="0"/>
+              <a:t>A genetic algorithm puzzle solver was first proposed in [16] in 2002.</a:t>
             </a:r>
           </a:p>
           <a:p>
@@ -15282,12 +15040,62 @@
           <a:p>
             <a:r>
               <a:rPr lang="en-US" b="1" dirty="0" smtClean="0"/>
-              <a:t>Sholomon’s Mutation Strategy: </a:t>
-            </a:r>
+              <a:t>Genetic Algorithm Review</a:t>
+            </a:r>
+          </a:p>
+          <a:p>
+            <a:pPr lvl="1"/>
             <a:r>
               <a:rPr lang="en-US" dirty="0" smtClean="0"/>
-              <a:t>During the first and third phase of placement, place a piece at random with some low probability (e.g. 5%)</a:t>
-            </a:r>
+              <a:t>Based off the biological theory of natural selection.</a:t>
+            </a:r>
+          </a:p>
+          <a:p>
+            <a:pPr lvl="1"/>
+            <a:r>
+              <a:rPr lang="en-US" dirty="0" smtClean="0"/>
+              <a:t>Divided into a series of stages</a:t>
+            </a:r>
+          </a:p>
+          <a:p>
+            <a:pPr lvl="2"/>
+            <a:r>
+              <a:rPr lang="en-US" dirty="0" smtClean="0"/>
+              <a:t>Random generation of initial population</a:t>
+            </a:r>
+          </a:p>
+          <a:p>
+            <a:pPr lvl="2"/>
+            <a:r>
+              <a:rPr lang="en-US" dirty="0" smtClean="0"/>
+              <a:t>Successor selection</a:t>
+            </a:r>
+          </a:p>
+          <a:p>
+            <a:pPr lvl="2"/>
+            <a:r>
+              <a:rPr lang="en-US" dirty="0" smtClean="0"/>
+              <a:t>Reproduction</a:t>
+            </a:r>
+          </a:p>
+          <a:p>
+            <a:pPr lvl="2"/>
+            <a:r>
+              <a:rPr lang="en-US" dirty="0" smtClean="0"/>
+              <a:t>Mutation</a:t>
+            </a:r>
+          </a:p>
+          <a:p>
+            <a:pPr lvl="1"/>
+            <a:r>
+              <a:rPr lang="en-US" dirty="0" smtClean="0"/>
+              <a:t>Requires a “fitness function” that measures solution quality.</a:t>
+            </a:r>
+          </a:p>
+          <a:p>
+            <a:endParaRPr lang="en-US" dirty="0"/>
+          </a:p>
+          <a:p>
             <a:endParaRPr lang="en-US" dirty="0"/>
           </a:p>
         </p:txBody>
@@ -15295,13 +15103,20 @@
     </p:spTree>
     <p:extLst>
       <p:ext uri="{BB962C8B-B14F-4D97-AF65-F5344CB8AC3E}">
-        <p14:creationId xmlns:p14="http://schemas.microsoft.com/office/powerpoint/2010/main" val="590839263"/>
+        <p14:creationId xmlns:p14="http://schemas.microsoft.com/office/powerpoint/2010/main" val="2555175337"/>
       </p:ext>
     </p:extLst>
   </p:cSld>
   <p:clrMapOvr>
     <a:masterClrMapping/>
   </p:clrMapOvr>
+  <p:timing>
+    <p:tnLst>
+      <p:par>
+        <p:cTn id="1" dur="indefinite" restart="never" nodeType="tmRoot"/>
+      </p:par>
+    </p:tnLst>
+  </p:timing>
 </p:sld>
 </file>
 
@@ -15341,76 +15156,397 @@
           <a:p>
             <a:r>
               <a:rPr lang="en-US" dirty="0" smtClean="0"/>
-              <a:t>A Possible Benchmark</a:t>
+              <a:t>Sholomon’s GA Implementation</a:t>
             </a:r>
             <a:endParaRPr lang="en-US" dirty="0"/>
           </a:p>
         </p:txBody>
       </p:sp>
-      <p:sp>
-        <p:nvSpPr>
-          <p:cNvPr id="3" name="Content Placeholder 2"/>
-          <p:cNvSpPr>
-            <a:spLocks noGrp="1"/>
-          </p:cNvSpPr>
-          <p:nvPr>
-            <p:ph idx="1"/>
-          </p:nvPr>
-        </p:nvSpPr>
-        <p:spPr/>
-        <p:txBody>
-          <a:bodyPr/>
-          <a:lstStyle/>
-          <a:p>
-            <a:r>
-              <a:rPr lang="en-US" dirty="0" smtClean="0"/>
-              <a:t>Sholomon </a:t>
-            </a:r>
-            <a:r>
-              <a:rPr lang="en-US" i="1" dirty="0" smtClean="0"/>
-              <a:t>et. al. </a:t>
-            </a:r>
-            <a:r>
-              <a:rPr lang="en-US" dirty="0" smtClean="0"/>
-              <a:t>provide three large puzzle datasets as well as their results for comparative benchmarking [17].</a:t>
-            </a:r>
-          </a:p>
-          <a:p>
-            <a:pPr lvl="1"/>
-            <a:r>
-              <a:rPr lang="en-US" i="1" dirty="0" smtClean="0"/>
-              <a:t>Dataset Puzzle Sizes</a:t>
-            </a:r>
-            <a:r>
-              <a:rPr lang="en-US" dirty="0" smtClean="0"/>
-              <a:t>: 5,015, 10,375, and 22,834</a:t>
-            </a:r>
-          </a:p>
-          <a:p>
-            <a:endParaRPr lang="en-US" dirty="0"/>
-          </a:p>
-          <a:p>
-            <a:r>
-              <a:rPr lang="en-US" dirty="0" smtClean="0"/>
-              <a:t>Unfortunately the website seems to no longer exist.  I will separately send an email to the authors about why the removed the content.</a:t>
-            </a:r>
-          </a:p>
-          <a:p>
-            <a:endParaRPr lang="en-US" dirty="0"/>
-          </a:p>
-          <a:p>
-            <a:r>
-              <a:rPr lang="en-US" dirty="0" smtClean="0"/>
-              <a:t>Used as a benchmark in [20].</a:t>
-            </a:r>
-            <a:endParaRPr lang="en-US" dirty="0"/>
-          </a:p>
-        </p:txBody>
-      </p:sp>
+      <mc:AlternateContent xmlns:mc="http://schemas.openxmlformats.org/markup-compatibility/2006">
+        <mc:Choice xmlns:a14="http://schemas.microsoft.com/office/drawing/2010/main" Requires="a14">
+          <p:sp>
+            <p:nvSpPr>
+              <p:cNvPr id="3" name="Content Placeholder 2"/>
+              <p:cNvSpPr>
+                <a:spLocks noGrp="1"/>
+              </p:cNvSpPr>
+              <p:nvPr>
+                <p:ph idx="1"/>
+              </p:nvPr>
+            </p:nvSpPr>
+            <p:spPr/>
+            <p:txBody>
+              <a:bodyPr>
+                <a:normAutofit fontScale="62500" lnSpcReduction="20000"/>
+              </a:bodyPr>
+              <a:lstStyle/>
+              <a:p>
+                <a:pPr>
+                  <a:lnSpc>
+                    <a:spcPct val="120000"/>
+                  </a:lnSpc>
+                  <a:spcBef>
+                    <a:spcPts val="0"/>
+                  </a:spcBef>
+                  <a:spcAft>
+                    <a:spcPts val="1800"/>
+                  </a:spcAft>
+                </a:pPr>
+                <a:r>
+                  <a:rPr lang="en-US" b="1" dirty="0" smtClean="0"/>
+                  <a:t>Puzzle Type: </a:t>
+                </a:r>
+                <a:r>
+                  <a:rPr lang="en-US" dirty="0" smtClean="0"/>
+                  <a:t>1 </a:t>
+                </a:r>
+                <a:r>
+                  <a:rPr lang="en-US" dirty="0" smtClean="0"/>
+                  <a:t>(pieces </a:t>
+                </a:r>
+                <a:r>
+                  <a:rPr lang="en-US" dirty="0" smtClean="0"/>
+                  <a:t>have known orientation)</a:t>
+                </a:r>
+                <a:endParaRPr lang="en-US" b="1" dirty="0"/>
+              </a:p>
+              <a:p>
+                <a:pPr>
+                  <a:lnSpc>
+                    <a:spcPct val="120000"/>
+                  </a:lnSpc>
+                  <a:spcBef>
+                    <a:spcPts val="0"/>
+                  </a:spcBef>
+                  <a:spcAft>
+                    <a:spcPts val="1800"/>
+                  </a:spcAft>
+                </a:pPr>
+                <a:r>
+                  <a:rPr lang="en-US" b="1" dirty="0" smtClean="0"/>
+                  <a:t>Chromosome (Solution) Representation: </a:t>
+                </a:r>
+                <a14:m>
+                  <m:oMath xmlns:m="http://schemas.openxmlformats.org/officeDocument/2006/math">
+                    <m:r>
+                      <a:rPr lang="en-US" b="0" i="1" smtClean="0">
+                        <a:latin typeface="Cambria Math"/>
+                      </a:rPr>
+                      <m:t>𝑁</m:t>
+                    </m:r>
+                  </m:oMath>
+                </a14:m>
+                <a:r>
+                  <a:rPr lang="en-US" dirty="0" smtClean="0"/>
+                  <a:t> by </a:t>
+                </a:r>
+                <a14:m>
+                  <m:oMath xmlns:m="http://schemas.openxmlformats.org/officeDocument/2006/math">
+                    <m:r>
+                      <a:rPr lang="en-US" b="0" i="1" smtClean="0">
+                        <a:latin typeface="Cambria Math"/>
+                      </a:rPr>
+                      <m:t>𝑀</m:t>
+                    </m:r>
+                  </m:oMath>
+                </a14:m>
+                <a:r>
+                  <a:rPr lang="en-US" dirty="0" smtClean="0"/>
+                  <a:t> matrix where each cell represents one </a:t>
+                </a:r>
+                <a:r>
+                  <a:rPr lang="en-US" dirty="0" smtClean="0"/>
+                  <a:t>patch in </a:t>
+                </a:r>
+                <a:r>
+                  <a:rPr lang="en-US" dirty="0" smtClean="0"/>
+                  <a:t>the puzzle.</a:t>
+                </a:r>
+              </a:p>
+              <a:p>
+                <a:pPr>
+                  <a:lnSpc>
+                    <a:spcPct val="120000"/>
+                  </a:lnSpc>
+                  <a:spcBef>
+                    <a:spcPts val="0"/>
+                  </a:spcBef>
+                  <a:spcAft>
+                    <a:spcPts val="1800"/>
+                  </a:spcAft>
+                </a:pPr>
+                <a:r>
+                  <a:rPr lang="en-US" b="1" dirty="0" smtClean="0"/>
+                  <a:t>Population Size: </a:t>
+                </a:r>
+                <a:r>
+                  <a:rPr lang="en-US" dirty="0" smtClean="0"/>
+                  <a:t>1,000</a:t>
+                </a:r>
+                <a:endParaRPr lang="en-US" b="1" dirty="0" smtClean="0"/>
+              </a:p>
+              <a:p>
+                <a:pPr>
+                  <a:lnSpc>
+                    <a:spcPct val="120000"/>
+                  </a:lnSpc>
+                  <a:spcBef>
+                    <a:spcPts val="0"/>
+                  </a:spcBef>
+                  <a:spcAft>
+                    <a:spcPts val="1800"/>
+                  </a:spcAft>
+                </a:pPr>
+                <a:r>
+                  <a:rPr lang="en-US" b="1" dirty="0" smtClean="0"/>
+                  <a:t>Number of Generations: </a:t>
+                </a:r>
+                <a:r>
+                  <a:rPr lang="en-US" dirty="0" smtClean="0"/>
+                  <a:t>100</a:t>
+                </a:r>
+                <a:endParaRPr lang="en-US" b="1" dirty="0"/>
+              </a:p>
+              <a:p>
+                <a:pPr>
+                  <a:lnSpc>
+                    <a:spcPct val="120000"/>
+                  </a:lnSpc>
+                  <a:spcBef>
+                    <a:spcPts val="0"/>
+                  </a:spcBef>
+                  <a:spcAft>
+                    <a:spcPts val="1800"/>
+                  </a:spcAft>
+                </a:pPr>
+                <a:r>
+                  <a:rPr lang="en-US" b="1" dirty="0" smtClean="0"/>
+                  <a:t>Number of Restarts: </a:t>
+                </a:r>
+                <a:r>
+                  <a:rPr lang="en-US" dirty="0" smtClean="0"/>
+                  <a:t>10 </a:t>
+                </a:r>
+              </a:p>
+              <a:p>
+                <a:pPr>
+                  <a:lnSpc>
+                    <a:spcPct val="120000"/>
+                  </a:lnSpc>
+                  <a:spcBef>
+                    <a:spcPts val="0"/>
+                  </a:spcBef>
+                  <a:spcAft>
+                    <a:spcPts val="1800"/>
+                  </a:spcAft>
+                </a:pPr>
+                <a:r>
+                  <a:rPr lang="en-US" b="1" dirty="0" smtClean="0"/>
+                  <a:t>Successor Selection Algorithm:</a:t>
+                </a:r>
+                <a:r>
+                  <a:rPr lang="en-US" dirty="0" smtClean="0"/>
+                  <a:t> Roulette Wheel</a:t>
+                </a:r>
+                <a:endParaRPr lang="en-US" dirty="0"/>
+              </a:p>
+              <a:p>
+                <a:pPr>
+                  <a:lnSpc>
+                    <a:spcPct val="120000"/>
+                  </a:lnSpc>
+                  <a:spcBef>
+                    <a:spcPts val="0"/>
+                  </a:spcBef>
+                  <a:spcAft>
+                    <a:spcPts val="1800"/>
+                  </a:spcAft>
+                </a:pPr>
+                <a:r>
+                  <a:rPr lang="en-US" b="1" i="1" dirty="0" smtClean="0"/>
+                  <a:t>Elitism</a:t>
+                </a:r>
+                <a:r>
+                  <a:rPr lang="en-US" b="1" dirty="0" smtClean="0"/>
+                  <a:t>:</a:t>
+                </a:r>
+                <a:r>
+                  <a:rPr lang="en-US" b="1" i="1" dirty="0" smtClean="0"/>
+                  <a:t> </a:t>
+                </a:r>
+                <a:r>
+                  <a:rPr lang="en-US" dirty="0" smtClean="0"/>
+                  <a:t>Always pass </a:t>
+                </a:r>
+                <a:r>
+                  <a:rPr lang="en-US" i="1" dirty="0" smtClean="0"/>
+                  <a:t>four</a:t>
+                </a:r>
+                <a:r>
+                  <a:rPr lang="en-US" dirty="0" smtClean="0"/>
+                  <a:t> best solutions to the next generation</a:t>
+                </a:r>
+              </a:p>
+              <a:p>
+                <a:pPr>
+                  <a:lnSpc>
+                    <a:spcPct val="120000"/>
+                  </a:lnSpc>
+                  <a:spcBef>
+                    <a:spcPts val="0"/>
+                  </a:spcBef>
+                  <a:spcAft>
+                    <a:spcPts val="1800"/>
+                  </a:spcAft>
+                </a:pPr>
+                <a:r>
+                  <a:rPr lang="en-US" b="1" dirty="0" smtClean="0"/>
+                  <a:t>Culling: </a:t>
+                </a:r>
+                <a:r>
+                  <a:rPr lang="en-US" dirty="0" smtClean="0"/>
+                  <a:t>None</a:t>
+                </a:r>
+                <a:endParaRPr lang="en-US" dirty="0"/>
+              </a:p>
+              <a:p>
+                <a:pPr>
+                  <a:lnSpc>
+                    <a:spcPct val="120000"/>
+                  </a:lnSpc>
+                  <a:spcBef>
+                    <a:spcPts val="0"/>
+                  </a:spcBef>
+                  <a:spcAft>
+                    <a:spcPts val="1800"/>
+                  </a:spcAft>
+                </a:pPr>
+                <a:r>
+                  <a:rPr lang="en-US" b="1" dirty="0" smtClean="0"/>
+                  <a:t>Mutation Rate:</a:t>
+                </a:r>
+                <a:r>
+                  <a:rPr lang="en-US" dirty="0" smtClean="0"/>
+                  <a:t> 5%</a:t>
+                </a:r>
+              </a:p>
+              <a:p>
+                <a:pPr>
+                  <a:lnSpc>
+                    <a:spcPct val="120000"/>
+                  </a:lnSpc>
+                  <a:spcBef>
+                    <a:spcPts val="0"/>
+                  </a:spcBef>
+                  <a:spcAft>
+                    <a:spcPts val="1800"/>
+                  </a:spcAft>
+                </a:pPr>
+                <a:r>
+                  <a:rPr lang="en-US" b="1" dirty="0" smtClean="0"/>
+                  <a:t>Fitness Function:</a:t>
+                </a:r>
+                <a:r>
+                  <a:rPr lang="en-US" dirty="0" smtClean="0"/>
+                  <a:t> Sum of the </a:t>
+                </a:r>
+                <a14:m>
+                  <m:oMath xmlns:m="http://schemas.openxmlformats.org/officeDocument/2006/math">
+                    <m:sSub>
+                      <m:sSubPr>
+                        <m:ctrlPr>
+                          <a:rPr lang="en-US" b="0" i="1" smtClean="0">
+                            <a:latin typeface="Cambria Math"/>
+                          </a:rPr>
+                        </m:ctrlPr>
+                      </m:sSubPr>
+                      <m:e>
+                        <m:r>
+                          <a:rPr lang="en-US" b="0" i="1" smtClean="0">
+                            <a:latin typeface="Cambria Math"/>
+                          </a:rPr>
+                          <m:t>𝐿</m:t>
+                        </m:r>
+                      </m:e>
+                      <m:sub>
+                        <m:r>
+                          <a:rPr lang="en-US" b="0" i="1" smtClean="0">
+                            <a:latin typeface="Cambria Math"/>
+                          </a:rPr>
+                          <m:t>2</m:t>
+                        </m:r>
+                      </m:sub>
+                    </m:sSub>
+                  </m:oMath>
+                </a14:m>
+                <a:r>
+                  <a:rPr lang="en-US" dirty="0" smtClean="0"/>
+                  <a:t> of all pieces in the puzzle</a:t>
+                </a:r>
+              </a:p>
+              <a:p>
+                <a:pPr>
+                  <a:lnSpc>
+                    <a:spcPct val="120000"/>
+                  </a:lnSpc>
+                  <a:spcBef>
+                    <a:spcPts val="0"/>
+                  </a:spcBef>
+                  <a:spcAft>
+                    <a:spcPts val="1800"/>
+                  </a:spcAft>
+                </a:pPr>
+                <a:r>
+                  <a:rPr lang="en-US" b="1" dirty="0" smtClean="0"/>
+                  <a:t>Color Space: </a:t>
+                </a:r>
+                <a:r>
+                  <a:rPr lang="en-US" dirty="0" smtClean="0"/>
+                  <a:t>LAB</a:t>
+                </a:r>
+                <a:endParaRPr lang="en-US" dirty="0"/>
+              </a:p>
+            </p:txBody>
+          </p:sp>
+        </mc:Choice>
+        <mc:Fallback>
+          <p:sp>
+            <p:nvSpPr>
+              <p:cNvPr id="3" name="Content Placeholder 2"/>
+              <p:cNvSpPr>
+                <a:spLocks noGrp="1" noRot="1" noChangeAspect="1" noMove="1" noResize="1" noEditPoints="1" noAdjustHandles="1" noChangeArrowheads="1" noChangeShapeType="1" noTextEdit="1"/>
+              </p:cNvSpPr>
+              <p:nvPr>
+                <p:ph idx="1"/>
+              </p:nvPr>
+            </p:nvSpPr>
+            <p:spPr>
+              <a:blipFill rotWithShape="1">
+                <a:blip r:embed="rId2"/>
+                <a:stretch>
+                  <a:fillRect l="-148" t="-237" b="-949"/>
+                </a:stretch>
+              </a:blipFill>
+            </p:spPr>
+            <p:txBody>
+              <a:bodyPr/>
+              <a:lstStyle/>
+              <a:p>
+                <a:r>
+                  <a:rPr lang="en-US">
+                    <a:noFill/>
+                  </a:rPr>
+                  <a:t> </a:t>
+                </a:r>
+              </a:p>
+            </p:txBody>
+          </p:sp>
+        </mc:Fallback>
+      </mc:AlternateContent>
     </p:spTree>
     <p:extLst>
       <p:ext uri="{BB962C8B-B14F-4D97-AF65-F5344CB8AC3E}">
-        <p14:creationId xmlns:p14="http://schemas.microsoft.com/office/powerpoint/2010/main" val="713573142"/>
+        <p14:creationId xmlns:p14="http://schemas.microsoft.com/office/powerpoint/2010/main" val="3821347366"/>
       </p:ext>
     </p:extLst>
   </p:cSld>
@@ -15606,6 +15742,681 @@
           <a:p>
             <a:r>
               <a:rPr lang="en-US" dirty="0" smtClean="0"/>
+              <a:t>GA Crossover</a:t>
+            </a:r>
+            <a:endParaRPr lang="en-US" dirty="0"/>
+          </a:p>
+        </p:txBody>
+      </p:sp>
+      <p:sp>
+        <p:nvSpPr>
+          <p:cNvPr id="3" name="Content Placeholder 2"/>
+          <p:cNvSpPr>
+            <a:spLocks noGrp="1"/>
+          </p:cNvSpPr>
+          <p:nvPr>
+            <p:ph idx="1"/>
+          </p:nvPr>
+        </p:nvSpPr>
+        <p:spPr/>
+        <p:txBody>
+          <a:bodyPr/>
+          <a:lstStyle/>
+          <a:p>
+            <a:r>
+              <a:rPr lang="en-US" dirty="0" smtClean="0"/>
+              <a:t>Takes two “</a:t>
+            </a:r>
+            <a:r>
+              <a:rPr lang="en-US" i="1" dirty="0" smtClean="0"/>
+              <a:t>highly fit</a:t>
+            </a:r>
+            <a:r>
+              <a:rPr lang="en-US" dirty="0" smtClean="0"/>
+              <a:t>” parents and returns one child.</a:t>
+            </a:r>
+          </a:p>
+          <a:p>
+            <a:pPr lvl="1"/>
+            <a:r>
+              <a:rPr lang="en-US" dirty="0" smtClean="0"/>
+              <a:t>Non-trivial as the crossover must ensure there are no duplicate/missing </a:t>
+            </a:r>
+            <a:r>
+              <a:rPr lang="en-US" dirty="0" smtClean="0"/>
+              <a:t>pieces </a:t>
+            </a:r>
+            <a:r>
+              <a:rPr lang="en-US" dirty="0" smtClean="0"/>
+              <a:t>in the solution.</a:t>
+            </a:r>
+          </a:p>
+          <a:p>
+            <a:endParaRPr lang="en-US" dirty="0" smtClean="0"/>
+          </a:p>
+          <a:p>
+            <a:r>
+              <a:rPr lang="en-US" dirty="0" smtClean="0"/>
+              <a:t>Correctly assembled segments may be at incorrect absolute locations.  Hence, the crossover must allow for “</a:t>
+            </a:r>
+            <a:r>
+              <a:rPr lang="en-US" i="1" dirty="0" smtClean="0"/>
+              <a:t>position independence</a:t>
+            </a:r>
+            <a:r>
+              <a:rPr lang="en-US" dirty="0" smtClean="0"/>
+              <a:t>”, which is the ability to shift segments.</a:t>
+            </a:r>
+            <a:endParaRPr lang="en-US" dirty="0"/>
+          </a:p>
+          <a:p>
+            <a:endParaRPr lang="en-US" dirty="0" smtClean="0"/>
+          </a:p>
+          <a:p>
+            <a:r>
+              <a:rPr lang="en-US" b="1" dirty="0" smtClean="0"/>
+              <a:t>Sholomon </a:t>
+            </a:r>
+            <a:r>
+              <a:rPr lang="en-US" b="1" i="1" dirty="0" smtClean="0"/>
+              <a:t>et. al.</a:t>
+            </a:r>
+            <a:r>
+              <a:rPr lang="en-US" b="1" dirty="0" smtClean="0"/>
+              <a:t>’s Approach: </a:t>
+            </a:r>
+            <a:r>
+              <a:rPr lang="en-US" dirty="0" smtClean="0"/>
+              <a:t>Kernel-growing.</a:t>
+            </a:r>
+            <a:endParaRPr lang="en-US" dirty="0"/>
+          </a:p>
+        </p:txBody>
+      </p:sp>
+    </p:spTree>
+    <p:extLst>
+      <p:ext uri="{BB962C8B-B14F-4D97-AF65-F5344CB8AC3E}">
+        <p14:creationId xmlns:p14="http://schemas.microsoft.com/office/powerpoint/2010/main" val="2059236629"/>
+      </p:ext>
+    </p:extLst>
+  </p:cSld>
+  <p:clrMapOvr>
+    <a:masterClrMapping/>
+  </p:clrMapOvr>
+  <p:timing>
+    <p:tnLst>
+      <p:par>
+        <p:cTn id="1" dur="indefinite" restart="never" nodeType="tmRoot"/>
+      </p:par>
+    </p:tnLst>
+  </p:timing>
+</p:sld>
+</file>
+
+<file path=ppt/slides/slide41.xml><?xml version="1.0" encoding="utf-8"?>
+<p:sld xmlns:a="http://schemas.openxmlformats.org/drawingml/2006/main" xmlns:r="http://schemas.openxmlformats.org/officeDocument/2006/relationships" xmlns:p="http://schemas.openxmlformats.org/presentationml/2006/main">
+  <p:cSld>
+    <p:spTree>
+      <p:nvGrpSpPr>
+        <p:cNvPr id="1" name=""/>
+        <p:cNvGrpSpPr/>
+        <p:nvPr/>
+      </p:nvGrpSpPr>
+      <p:grpSpPr>
+        <a:xfrm>
+          <a:off x="0" y="0"/>
+          <a:ext cx="0" cy="0"/>
+          <a:chOff x="0" y="0"/>
+          <a:chExt cx="0" cy="0"/>
+        </a:xfrm>
+      </p:grpSpPr>
+      <p:sp>
+        <p:nvSpPr>
+          <p:cNvPr id="2" name="Title 1"/>
+          <p:cNvSpPr>
+            <a:spLocks noGrp="1"/>
+          </p:cNvSpPr>
+          <p:nvPr>
+            <p:ph type="title"/>
+          </p:nvPr>
+        </p:nvSpPr>
+        <p:spPr/>
+        <p:txBody>
+          <a:bodyPr>
+            <a:noAutofit/>
+          </a:bodyPr>
+          <a:lstStyle/>
+          <a:p>
+            <a:r>
+              <a:rPr lang="en-US" sz="3200" dirty="0" smtClean="0"/>
+              <a:t>Sholomon’s Kernel Growing Algorithm</a:t>
+            </a:r>
+            <a:endParaRPr lang="en-US" sz="3200" dirty="0"/>
+          </a:p>
+        </p:txBody>
+      </p:sp>
+      <p:sp>
+        <p:nvSpPr>
+          <p:cNvPr id="3" name="Content Placeholder 2"/>
+          <p:cNvSpPr>
+            <a:spLocks noGrp="1"/>
+          </p:cNvSpPr>
+          <p:nvPr>
+            <p:ph idx="1"/>
+          </p:nvPr>
+        </p:nvSpPr>
+        <p:spPr>
+          <a:xfrm>
+            <a:off x="347133" y="989012"/>
+            <a:ext cx="8627534" cy="5335587"/>
+          </a:xfrm>
+        </p:spPr>
+        <p:txBody>
+          <a:bodyPr>
+            <a:normAutofit fontScale="77500" lnSpcReduction="20000"/>
+          </a:bodyPr>
+          <a:lstStyle/>
+          <a:p>
+            <a:pPr>
+              <a:lnSpc>
+                <a:spcPct val="130000"/>
+              </a:lnSpc>
+            </a:pPr>
+            <a:r>
+              <a:rPr lang="en-US" dirty="0" smtClean="0"/>
+              <a:t>Start with a single puzzle </a:t>
+            </a:r>
+            <a:r>
+              <a:rPr lang="en-US" dirty="0" smtClean="0"/>
+              <a:t>piece </a:t>
+            </a:r>
+            <a:r>
+              <a:rPr lang="en-US" dirty="0" smtClean="0"/>
+              <a:t>that is “floating” in the board such that the puzzle can grow in any direction.</a:t>
+            </a:r>
+          </a:p>
+          <a:p>
+            <a:pPr lvl="1">
+              <a:lnSpc>
+                <a:spcPct val="130000"/>
+              </a:lnSpc>
+            </a:pPr>
+            <a:endParaRPr lang="en-US" sz="900" dirty="0"/>
+          </a:p>
+          <a:p>
+            <a:pPr lvl="1">
+              <a:lnSpc>
+                <a:spcPct val="130000"/>
+              </a:lnSpc>
+            </a:pPr>
+            <a:r>
+              <a:rPr lang="en-US" dirty="0" smtClean="0"/>
+              <a:t>Boundary size (i.e. length by width) is fixed and known.</a:t>
+            </a:r>
+          </a:p>
+          <a:p>
+            <a:pPr>
+              <a:lnSpc>
+                <a:spcPct val="130000"/>
+              </a:lnSpc>
+            </a:pPr>
+            <a:endParaRPr lang="en-US" sz="1500" dirty="0" smtClean="0"/>
+          </a:p>
+          <a:p>
+            <a:pPr>
+              <a:lnSpc>
+                <a:spcPct val="130000"/>
+              </a:lnSpc>
+            </a:pPr>
+            <a:r>
+              <a:rPr lang="en-US" b="1" dirty="0" smtClean="0"/>
+              <a:t>Piece </a:t>
+            </a:r>
+            <a:r>
+              <a:rPr lang="en-US" b="1" dirty="0" smtClean="0"/>
+              <a:t>Placement Algorithm: </a:t>
+            </a:r>
+            <a:r>
+              <a:rPr lang="en-US" dirty="0" smtClean="0"/>
+              <a:t>When deciding on the next </a:t>
+            </a:r>
+            <a:r>
+              <a:rPr lang="en-US" dirty="0" smtClean="0"/>
+              <a:t>piece </a:t>
+            </a:r>
+            <a:r>
+              <a:rPr lang="en-US" dirty="0" smtClean="0"/>
+              <a:t>to place, the algorithm iterates through up to three phases.</a:t>
+            </a:r>
+          </a:p>
+          <a:p>
+            <a:pPr lvl="1">
+              <a:lnSpc>
+                <a:spcPct val="130000"/>
+              </a:lnSpc>
+            </a:pPr>
+            <a:endParaRPr lang="en-US" sz="900" dirty="0"/>
+          </a:p>
+          <a:p>
+            <a:pPr lvl="1">
+              <a:lnSpc>
+                <a:spcPct val="130000"/>
+              </a:lnSpc>
+            </a:pPr>
+            <a:r>
+              <a:rPr lang="en-US" i="1" dirty="0" smtClean="0">
+                <a:solidFill>
+                  <a:srgbClr val="006600"/>
+                </a:solidFill>
+              </a:rPr>
+              <a:t>Phase #1</a:t>
+            </a:r>
+            <a:r>
+              <a:rPr lang="en-US" dirty="0" smtClean="0"/>
+              <a:t>: In an available boundary location, place the piece where both parents agree on the neighbor.</a:t>
+            </a:r>
+          </a:p>
+          <a:p>
+            <a:pPr lvl="1">
+              <a:lnSpc>
+                <a:spcPct val="130000"/>
+              </a:lnSpc>
+            </a:pPr>
+            <a:endParaRPr lang="en-US" sz="900" dirty="0" smtClean="0"/>
+          </a:p>
+          <a:p>
+            <a:pPr lvl="1">
+              <a:lnSpc>
+                <a:spcPct val="130000"/>
+              </a:lnSpc>
+            </a:pPr>
+            <a:r>
+              <a:rPr lang="en-US" i="1" dirty="0" smtClean="0">
+                <a:solidFill>
+                  <a:srgbClr val="006600"/>
+                </a:solidFill>
+              </a:rPr>
+              <a:t>Phase </a:t>
+            </a:r>
+            <a:r>
+              <a:rPr lang="en-US" i="1" dirty="0">
+                <a:solidFill>
+                  <a:srgbClr val="006600"/>
+                </a:solidFill>
+              </a:rPr>
+              <a:t>#2</a:t>
+            </a:r>
+            <a:r>
+              <a:rPr lang="en-US" dirty="0" smtClean="0"/>
+              <a:t>: Place a “best buddy” that </a:t>
+            </a:r>
+            <a:r>
+              <a:rPr lang="en-US" i="1" dirty="0" smtClean="0"/>
+              <a:t>exists in one of the parents</a:t>
+            </a:r>
+            <a:r>
+              <a:rPr lang="en-US" dirty="0" smtClean="0"/>
+              <a:t>.</a:t>
+            </a:r>
+          </a:p>
+          <a:p>
+            <a:pPr lvl="1">
+              <a:lnSpc>
+                <a:spcPct val="130000"/>
+              </a:lnSpc>
+            </a:pPr>
+            <a:endParaRPr lang="en-US" sz="900" dirty="0"/>
+          </a:p>
+          <a:p>
+            <a:pPr lvl="1">
+              <a:lnSpc>
+                <a:spcPct val="130000"/>
+              </a:lnSpc>
+            </a:pPr>
+            <a:r>
+              <a:rPr lang="en-US" i="1" dirty="0" smtClean="0">
+                <a:solidFill>
+                  <a:srgbClr val="006600"/>
+                </a:solidFill>
+              </a:rPr>
+              <a:t>Phase </a:t>
+            </a:r>
+            <a:r>
+              <a:rPr lang="en-US" i="1" dirty="0">
+                <a:solidFill>
+                  <a:srgbClr val="006600"/>
+                </a:solidFill>
+              </a:rPr>
+              <a:t>#3</a:t>
+            </a:r>
+            <a:r>
+              <a:rPr lang="en-US" dirty="0" smtClean="0"/>
+              <a:t>: Select a location randomly and pick the piece with the best pairwise affinity.</a:t>
+            </a:r>
+            <a:endParaRPr lang="en-US" dirty="0"/>
+          </a:p>
+          <a:p>
+            <a:pPr lvl="1">
+              <a:lnSpc>
+                <a:spcPct val="130000"/>
+              </a:lnSpc>
+            </a:pPr>
+            <a:endParaRPr lang="en-US" sz="900" dirty="0"/>
+          </a:p>
+          <a:p>
+            <a:pPr lvl="1">
+              <a:lnSpc>
+                <a:spcPct val="130000"/>
+              </a:lnSpc>
+            </a:pPr>
+            <a:r>
+              <a:rPr lang="en-US" dirty="0" smtClean="0"/>
+              <a:t>If in any phase there is a tie, the tie is broken randomly.</a:t>
+            </a:r>
+          </a:p>
+          <a:p>
+            <a:pPr lvl="1">
+              <a:lnSpc>
+                <a:spcPct val="130000"/>
+              </a:lnSpc>
+            </a:pPr>
+            <a:endParaRPr lang="en-US" sz="900" dirty="0"/>
+          </a:p>
+          <a:p>
+            <a:pPr lvl="1">
+              <a:lnSpc>
+                <a:spcPct val="130000"/>
+              </a:lnSpc>
+            </a:pPr>
+            <a:r>
+              <a:rPr lang="en-US" dirty="0" smtClean="0"/>
+              <a:t>After a piece is placed, the placement algorithm returns to phase #1 for the next piece.</a:t>
+            </a:r>
+          </a:p>
+          <a:p>
+            <a:pPr lvl="1">
+              <a:lnSpc>
+                <a:spcPct val="130000"/>
+              </a:lnSpc>
+            </a:pPr>
+            <a:endParaRPr lang="en-US" sz="900" dirty="0"/>
+          </a:p>
+          <a:p>
+            <a:pPr lvl="1">
+              <a:lnSpc>
+                <a:spcPct val="130000"/>
+              </a:lnSpc>
+            </a:pPr>
+            <a:r>
+              <a:rPr lang="en-US" dirty="0" smtClean="0"/>
+              <a:t>Once a piece is placed, it can never be reused.</a:t>
+            </a:r>
+            <a:endParaRPr lang="en-US" dirty="0"/>
+          </a:p>
+        </p:txBody>
+      </p:sp>
+    </p:spTree>
+    <p:extLst>
+      <p:ext uri="{BB962C8B-B14F-4D97-AF65-F5344CB8AC3E}">
+        <p14:creationId xmlns:p14="http://schemas.microsoft.com/office/powerpoint/2010/main" val="100197060"/>
+      </p:ext>
+    </p:extLst>
+  </p:cSld>
+  <p:clrMapOvr>
+    <a:masterClrMapping/>
+  </p:clrMapOvr>
+</p:sld>
+</file>
+
+<file path=ppt/slides/slide42.xml><?xml version="1.0" encoding="utf-8"?>
+<p:sld xmlns:a="http://schemas.openxmlformats.org/drawingml/2006/main" xmlns:r="http://schemas.openxmlformats.org/officeDocument/2006/relationships" xmlns:p="http://schemas.openxmlformats.org/presentationml/2006/main">
+  <p:cSld>
+    <p:spTree>
+      <p:nvGrpSpPr>
+        <p:cNvPr id="1" name=""/>
+        <p:cNvGrpSpPr/>
+        <p:nvPr/>
+      </p:nvGrpSpPr>
+      <p:grpSpPr>
+        <a:xfrm>
+          <a:off x="0" y="0"/>
+          <a:ext cx="0" cy="0"/>
+          <a:chOff x="0" y="0"/>
+          <a:chExt cx="0" cy="0"/>
+        </a:xfrm>
+      </p:grpSpPr>
+      <p:sp>
+        <p:nvSpPr>
+          <p:cNvPr id="2" name="Title 1"/>
+          <p:cNvSpPr>
+            <a:spLocks noGrp="1"/>
+          </p:cNvSpPr>
+          <p:nvPr>
+            <p:ph type="title"/>
+          </p:nvPr>
+        </p:nvSpPr>
+        <p:spPr/>
+        <p:txBody>
+          <a:bodyPr>
+            <a:normAutofit fontScale="90000"/>
+          </a:bodyPr>
+          <a:lstStyle/>
+          <a:p>
+            <a:r>
+              <a:rPr lang="en-US" dirty="0" smtClean="0"/>
+              <a:t>Kernel Growing with Mutation</a:t>
+            </a:r>
+            <a:endParaRPr lang="en-US" dirty="0"/>
+          </a:p>
+        </p:txBody>
+      </p:sp>
+      <p:sp>
+        <p:nvSpPr>
+          <p:cNvPr id="3" name="Content Placeholder 2"/>
+          <p:cNvSpPr>
+            <a:spLocks noGrp="1"/>
+          </p:cNvSpPr>
+          <p:nvPr>
+            <p:ph idx="1"/>
+          </p:nvPr>
+        </p:nvSpPr>
+        <p:spPr/>
+        <p:txBody>
+          <a:bodyPr/>
+          <a:lstStyle/>
+          <a:p>
+            <a:r>
+              <a:rPr lang="en-US" dirty="0" smtClean="0"/>
+              <a:t>Mutations in genetic algorithms are used to improve the quality of the final solution via increased population diversity.</a:t>
+            </a:r>
+          </a:p>
+          <a:p>
+            <a:endParaRPr lang="en-US" dirty="0"/>
+          </a:p>
+          <a:p>
+            <a:r>
+              <a:rPr lang="en-US" b="1" dirty="0" smtClean="0"/>
+              <a:t>Sholomon’s Mutation Strategy: </a:t>
+            </a:r>
+            <a:r>
+              <a:rPr lang="en-US" dirty="0" smtClean="0"/>
+              <a:t>During the first and third phase of placement, place a piece at random with some low probability (e.g. 5%)</a:t>
+            </a:r>
+            <a:endParaRPr lang="en-US" dirty="0"/>
+          </a:p>
+        </p:txBody>
+      </p:sp>
+    </p:spTree>
+    <p:extLst>
+      <p:ext uri="{BB962C8B-B14F-4D97-AF65-F5344CB8AC3E}">
+        <p14:creationId xmlns:p14="http://schemas.microsoft.com/office/powerpoint/2010/main" val="590839263"/>
+      </p:ext>
+    </p:extLst>
+  </p:cSld>
+  <p:clrMapOvr>
+    <a:masterClrMapping/>
+  </p:clrMapOvr>
+</p:sld>
+</file>
+
+<file path=ppt/slides/slide43.xml><?xml version="1.0" encoding="utf-8"?>
+<p:sld xmlns:a="http://schemas.openxmlformats.org/drawingml/2006/main" xmlns:r="http://schemas.openxmlformats.org/officeDocument/2006/relationships" xmlns:p="http://schemas.openxmlformats.org/presentationml/2006/main">
+  <p:cSld>
+    <p:spTree>
+      <p:nvGrpSpPr>
+        <p:cNvPr id="1" name=""/>
+        <p:cNvGrpSpPr/>
+        <p:nvPr/>
+      </p:nvGrpSpPr>
+      <p:grpSpPr>
+        <a:xfrm>
+          <a:off x="0" y="0"/>
+          <a:ext cx="0" cy="0"/>
+          <a:chOff x="0" y="0"/>
+          <a:chExt cx="0" cy="0"/>
+        </a:xfrm>
+      </p:grpSpPr>
+      <p:sp>
+        <p:nvSpPr>
+          <p:cNvPr id="2" name="Title 1"/>
+          <p:cNvSpPr>
+            <a:spLocks noGrp="1"/>
+          </p:cNvSpPr>
+          <p:nvPr>
+            <p:ph type="title"/>
+          </p:nvPr>
+        </p:nvSpPr>
+        <p:spPr/>
+        <p:txBody>
+          <a:bodyPr>
+            <a:normAutofit fontScale="90000"/>
+          </a:bodyPr>
+          <a:lstStyle/>
+          <a:p>
+            <a:r>
+              <a:rPr lang="en-US" dirty="0" smtClean="0"/>
+              <a:t>A Possible Benchmark</a:t>
+            </a:r>
+            <a:endParaRPr lang="en-US" dirty="0"/>
+          </a:p>
+        </p:txBody>
+      </p:sp>
+      <p:sp>
+        <p:nvSpPr>
+          <p:cNvPr id="3" name="Content Placeholder 2"/>
+          <p:cNvSpPr>
+            <a:spLocks noGrp="1"/>
+          </p:cNvSpPr>
+          <p:nvPr>
+            <p:ph idx="1"/>
+          </p:nvPr>
+        </p:nvSpPr>
+        <p:spPr/>
+        <p:txBody>
+          <a:bodyPr/>
+          <a:lstStyle/>
+          <a:p>
+            <a:r>
+              <a:rPr lang="en-US" dirty="0" smtClean="0"/>
+              <a:t>Sholomon </a:t>
+            </a:r>
+            <a:r>
+              <a:rPr lang="en-US" i="1" dirty="0" smtClean="0"/>
+              <a:t>et. al. </a:t>
+            </a:r>
+            <a:r>
+              <a:rPr lang="en-US" dirty="0" smtClean="0"/>
+              <a:t>provide three large puzzle datasets as well as their results for comparative benchmarking [17].</a:t>
+            </a:r>
+          </a:p>
+          <a:p>
+            <a:pPr lvl="1"/>
+            <a:r>
+              <a:rPr lang="en-US" i="1" dirty="0" smtClean="0"/>
+              <a:t>Dataset Puzzle Sizes</a:t>
+            </a:r>
+            <a:r>
+              <a:rPr lang="en-US" dirty="0" smtClean="0"/>
+              <a:t>: 5,015, 10,375, and 22,834</a:t>
+            </a:r>
+          </a:p>
+          <a:p>
+            <a:endParaRPr lang="en-US" dirty="0"/>
+          </a:p>
+          <a:p>
+            <a:r>
+              <a:rPr lang="en-US" dirty="0" smtClean="0"/>
+              <a:t>Unfortunately the website seems to no longer exist.  I will separately send an email to the authors about why the removed the content.</a:t>
+            </a:r>
+          </a:p>
+          <a:p>
+            <a:endParaRPr lang="en-US" dirty="0"/>
+          </a:p>
+          <a:p>
+            <a:r>
+              <a:rPr lang="en-US" dirty="0" smtClean="0"/>
+              <a:t>Used as a benchmark in [20].</a:t>
+            </a:r>
+            <a:endParaRPr lang="en-US" dirty="0"/>
+          </a:p>
+        </p:txBody>
+      </p:sp>
+    </p:spTree>
+    <p:extLst>
+      <p:ext uri="{BB962C8B-B14F-4D97-AF65-F5344CB8AC3E}">
+        <p14:creationId xmlns:p14="http://schemas.microsoft.com/office/powerpoint/2010/main" val="713573142"/>
+      </p:ext>
+    </p:extLst>
+  </p:cSld>
+  <p:clrMapOvr>
+    <a:masterClrMapping/>
+  </p:clrMapOvr>
+  <p:timing>
+    <p:tnLst>
+      <p:par>
+        <p:cTn id="1" dur="indefinite" restart="never" nodeType="tmRoot"/>
+      </p:par>
+    </p:tnLst>
+  </p:timing>
+</p:sld>
+</file>
+
+<file path=ppt/slides/slide44.xml><?xml version="1.0" encoding="utf-8"?>
+<p:sld xmlns:a="http://schemas.openxmlformats.org/drawingml/2006/main" xmlns:r="http://schemas.openxmlformats.org/officeDocument/2006/relationships" xmlns:p="http://schemas.openxmlformats.org/presentationml/2006/main">
+  <p:cSld>
+    <p:spTree>
+      <p:nvGrpSpPr>
+        <p:cNvPr id="1" name=""/>
+        <p:cNvGrpSpPr/>
+        <p:nvPr/>
+      </p:nvGrpSpPr>
+      <p:grpSpPr>
+        <a:xfrm>
+          <a:off x="0" y="0"/>
+          <a:ext cx="0" cy="0"/>
+          <a:chOff x="0" y="0"/>
+          <a:chExt cx="0" cy="0"/>
+        </a:xfrm>
+      </p:grpSpPr>
+      <p:sp>
+        <p:nvSpPr>
+          <p:cNvPr id="2" name="Title 1"/>
+          <p:cNvSpPr>
+            <a:spLocks noGrp="1"/>
+          </p:cNvSpPr>
+          <p:nvPr>
+            <p:ph type="title"/>
+          </p:nvPr>
+        </p:nvSpPr>
+        <p:spPr/>
+        <p:txBody>
+          <a:bodyPr>
+            <a:normAutofit fontScale="90000"/>
+          </a:bodyPr>
+          <a:lstStyle/>
+          <a:p>
+            <a:r>
+              <a:rPr lang="en-US" dirty="0" smtClean="0"/>
               <a:t>Measuring Solution Quality</a:t>
             </a:r>
             <a:endParaRPr lang="en-US" dirty="0"/>
@@ -15775,7 +16586,7 @@
 </p:sld>
 </file>
 
-<file path=ppt/slides/slide41.xml><?xml version="1.0" encoding="utf-8"?>
+<file path=ppt/slides/slide45.xml><?xml version="1.0" encoding="utf-8"?>
 <p:sld xmlns:a="http://schemas.openxmlformats.org/drawingml/2006/main" xmlns:r="http://schemas.openxmlformats.org/officeDocument/2006/relationships" xmlns:p="http://schemas.openxmlformats.org/presentationml/2006/main">
   <p:cSld>
     <p:spTree>
@@ -16394,7 +17205,340 @@
 </p:sld>
 </file>
 
-<file path=ppt/slides/slide42.xml><?xml version="1.0" encoding="utf-8"?>
+<file path=ppt/slides/slide46.xml><?xml version="1.0" encoding="utf-8"?>
+<p:sld xmlns:a="http://schemas.openxmlformats.org/drawingml/2006/main" xmlns:r="http://schemas.openxmlformats.org/officeDocument/2006/relationships" xmlns:p="http://schemas.openxmlformats.org/presentationml/2006/main">
+  <p:cSld>
+    <p:spTree>
+      <p:nvGrpSpPr>
+        <p:cNvPr id="1" name=""/>
+        <p:cNvGrpSpPr/>
+        <p:nvPr/>
+      </p:nvGrpSpPr>
+      <p:grpSpPr>
+        <a:xfrm>
+          <a:off x="0" y="0"/>
+          <a:ext cx="0" cy="0"/>
+          <a:chOff x="0" y="0"/>
+          <a:chExt cx="0" cy="0"/>
+        </a:xfrm>
+      </p:grpSpPr>
+      <p:sp>
+        <p:nvSpPr>
+          <p:cNvPr id="4" name="Title 3"/>
+          <p:cNvSpPr>
+            <a:spLocks noGrp="1"/>
+          </p:cNvSpPr>
+          <p:nvPr>
+            <p:ph type="ctrTitle"/>
+          </p:nvPr>
+        </p:nvSpPr>
+        <p:spPr>
+          <a:xfrm>
+            <a:off x="685800" y="4505325"/>
+            <a:ext cx="7772400" cy="942975"/>
+          </a:xfrm>
+        </p:spPr>
+        <p:txBody>
+          <a:bodyPr>
+            <a:normAutofit fontScale="90000"/>
+          </a:bodyPr>
+          <a:lstStyle/>
+          <a:p>
+            <a:r>
+              <a:rPr lang="en-US" dirty="0" smtClean="0"/>
+              <a:t>Son </a:t>
+            </a:r>
+            <a:r>
+              <a:rPr lang="en-US" i="1" dirty="0" smtClean="0"/>
+              <a:t>et. al. </a:t>
+            </a:r>
+            <a:r>
+              <a:rPr lang="en-US" dirty="0" smtClean="0"/>
+              <a:t>– Solving Square Jigsaw Puzzles with Loop Constraints (2014)</a:t>
+            </a:r>
+            <a:endParaRPr lang="en-US" dirty="0"/>
+          </a:p>
+        </p:txBody>
+      </p:sp>
+    </p:spTree>
+    <p:extLst>
+      <p:ext uri="{BB962C8B-B14F-4D97-AF65-F5344CB8AC3E}">
+        <p14:creationId xmlns:p14="http://schemas.microsoft.com/office/powerpoint/2010/main" val="1231378864"/>
+      </p:ext>
+    </p:extLst>
+  </p:cSld>
+  <p:clrMapOvr>
+    <a:masterClrMapping/>
+  </p:clrMapOvr>
+</p:sld>
+</file>
+
+<file path=ppt/slides/slide47.xml><?xml version="1.0" encoding="utf-8"?>
+<p:sld xmlns:a="http://schemas.openxmlformats.org/drawingml/2006/main" xmlns:r="http://schemas.openxmlformats.org/officeDocument/2006/relationships" xmlns:p="http://schemas.openxmlformats.org/presentationml/2006/main">
+  <p:cSld>
+    <p:spTree>
+      <p:nvGrpSpPr>
+        <p:cNvPr id="1" name=""/>
+        <p:cNvGrpSpPr/>
+        <p:nvPr/>
+      </p:nvGrpSpPr>
+      <p:grpSpPr>
+        <a:xfrm>
+          <a:off x="0" y="0"/>
+          <a:ext cx="0" cy="0"/>
+          <a:chOff x="0" y="0"/>
+          <a:chExt cx="0" cy="0"/>
+        </a:xfrm>
+      </p:grpSpPr>
+      <p:sp>
+        <p:nvSpPr>
+          <p:cNvPr id="2" name="Title 1"/>
+          <p:cNvSpPr>
+            <a:spLocks noGrp="1"/>
+          </p:cNvSpPr>
+          <p:nvPr>
+            <p:ph type="title"/>
+          </p:nvPr>
+        </p:nvSpPr>
+        <p:spPr/>
+        <p:txBody>
+          <a:bodyPr>
+            <a:normAutofit fontScale="90000"/>
+          </a:bodyPr>
+          <a:lstStyle/>
+          <a:p>
+            <a:r>
+              <a:rPr lang="en-US" dirty="0" smtClean="0"/>
+              <a:t>Measuring Solution Quality</a:t>
+            </a:r>
+            <a:endParaRPr lang="en-US" dirty="0"/>
+          </a:p>
+        </p:txBody>
+      </p:sp>
+      <p:sp>
+        <p:nvSpPr>
+          <p:cNvPr id="3" name="Content Placeholder 2"/>
+          <p:cNvSpPr>
+            <a:spLocks noGrp="1"/>
+          </p:cNvSpPr>
+          <p:nvPr>
+            <p:ph idx="1"/>
+          </p:nvPr>
+        </p:nvSpPr>
+        <p:spPr>
+          <a:xfrm>
+            <a:off x="457199" y="989013"/>
+            <a:ext cx="8353425" cy="5135562"/>
+          </a:xfrm>
+        </p:spPr>
+        <p:txBody>
+          <a:bodyPr>
+            <a:normAutofit/>
+          </a:bodyPr>
+          <a:lstStyle/>
+          <a:p>
+            <a:pPr>
+              <a:lnSpc>
+                <a:spcPct val="110000"/>
+              </a:lnSpc>
+            </a:pPr>
+            <a:r>
+              <a:rPr lang="en-US" b="1" dirty="0" smtClean="0"/>
+              <a:t>Problem Statement: </a:t>
+            </a:r>
+            <a:r>
+              <a:rPr lang="en-US" dirty="0" smtClean="0"/>
+              <a:t>There is no uniform technique for grading the final output of a square jigsaw puzzle solver.</a:t>
+            </a:r>
+          </a:p>
+          <a:p>
+            <a:pPr>
+              <a:lnSpc>
+                <a:spcPct val="110000"/>
+              </a:lnSpc>
+            </a:pPr>
+            <a:endParaRPr lang="en-US" dirty="0"/>
+          </a:p>
+          <a:p>
+            <a:pPr>
+              <a:lnSpc>
+                <a:spcPct val="110000"/>
+              </a:lnSpc>
+            </a:pPr>
+            <a:r>
+              <a:rPr lang="en-US" b="1" dirty="0" smtClean="0"/>
+              <a:t>Two Divergent Approaches:</a:t>
+            </a:r>
+          </a:p>
+          <a:p>
+            <a:pPr lvl="1">
+              <a:lnSpc>
+                <a:spcPct val="110000"/>
+              </a:lnSpc>
+            </a:pPr>
+            <a:r>
+              <a:rPr lang="en-US" i="1" dirty="0" smtClean="0">
+                <a:solidFill>
+                  <a:srgbClr val="006600"/>
+                </a:solidFill>
+              </a:rPr>
+              <a:t>Performance Metrics:</a:t>
+            </a:r>
+            <a:r>
+              <a:rPr lang="en-US" b="1" dirty="0" smtClean="0"/>
+              <a:t> </a:t>
+            </a:r>
+            <a:r>
+              <a:rPr lang="en-US" dirty="0" smtClean="0"/>
+              <a:t>Use the original image to grade solution quality.</a:t>
+            </a:r>
+            <a:endParaRPr lang="en-US" dirty="0"/>
+          </a:p>
+          <a:p>
+            <a:pPr lvl="2">
+              <a:lnSpc>
+                <a:spcPct val="110000"/>
+              </a:lnSpc>
+            </a:pPr>
+            <a:r>
+              <a:rPr lang="en-US" dirty="0" smtClean="0"/>
+              <a:t>Direct Comparison [7]</a:t>
+            </a:r>
+          </a:p>
+          <a:p>
+            <a:pPr lvl="2">
+              <a:lnSpc>
+                <a:spcPct val="110000"/>
+              </a:lnSpc>
+            </a:pPr>
+            <a:r>
+              <a:rPr lang="en-US" dirty="0" smtClean="0"/>
+              <a:t>Neighbor Comparison [7]</a:t>
+            </a:r>
+          </a:p>
+          <a:p>
+            <a:pPr marL="914400" lvl="2" indent="0">
+              <a:lnSpc>
+                <a:spcPct val="110000"/>
+              </a:lnSpc>
+              <a:buNone/>
+            </a:pPr>
+            <a:endParaRPr lang="en-US" dirty="0" smtClean="0"/>
+          </a:p>
+          <a:p>
+            <a:pPr lvl="1">
+              <a:lnSpc>
+                <a:spcPct val="110000"/>
+              </a:lnSpc>
+            </a:pPr>
+            <a:r>
+              <a:rPr lang="en-US" i="1" dirty="0" smtClean="0">
+                <a:solidFill>
+                  <a:srgbClr val="006600"/>
+                </a:solidFill>
+              </a:rPr>
+              <a:t>Estimation Metrics: </a:t>
+            </a:r>
+            <a:r>
+              <a:rPr lang="en-US" dirty="0" smtClean="0"/>
+              <a:t>Evaluates the quality of a solution without reference to the original image [10]. </a:t>
+            </a:r>
+          </a:p>
+          <a:p>
+            <a:pPr lvl="2">
+              <a:lnSpc>
+                <a:spcPct val="110000"/>
+              </a:lnSpc>
+            </a:pPr>
+            <a:r>
+              <a:rPr lang="en-US" dirty="0" smtClean="0"/>
+              <a:t>“Best Buddies” Ratio</a:t>
+            </a:r>
+            <a:endParaRPr lang="en-US" dirty="0"/>
+          </a:p>
+        </p:txBody>
+      </p:sp>
+    </p:spTree>
+    <p:extLst>
+      <p:ext uri="{BB962C8B-B14F-4D97-AF65-F5344CB8AC3E}">
+        <p14:creationId xmlns:p14="http://schemas.microsoft.com/office/powerpoint/2010/main" val="3997452271"/>
+      </p:ext>
+    </p:extLst>
+  </p:cSld>
+  <p:clrMapOvr>
+    <a:masterClrMapping/>
+  </p:clrMapOvr>
+  <p:timing>
+    <p:tnLst>
+      <p:par>
+        <p:cTn id="1" dur="indefinite" restart="never" nodeType="tmRoot"/>
+      </p:par>
+    </p:tnLst>
+  </p:timing>
+</p:sld>
+</file>
+
+<file path=ppt/slides/slide48.xml><?xml version="1.0" encoding="utf-8"?>
+<p:sld xmlns:a="http://schemas.openxmlformats.org/drawingml/2006/main" xmlns:r="http://schemas.openxmlformats.org/officeDocument/2006/relationships" xmlns:p="http://schemas.openxmlformats.org/presentationml/2006/main">
+  <p:cSld>
+    <p:spTree>
+      <p:nvGrpSpPr>
+        <p:cNvPr id="1" name=""/>
+        <p:cNvGrpSpPr/>
+        <p:nvPr/>
+      </p:nvGrpSpPr>
+      <p:grpSpPr>
+        <a:xfrm>
+          <a:off x="0" y="0"/>
+          <a:ext cx="0" cy="0"/>
+          <a:chOff x="0" y="0"/>
+          <a:chExt cx="0" cy="0"/>
+        </a:xfrm>
+      </p:grpSpPr>
+      <p:sp>
+        <p:nvSpPr>
+          <p:cNvPr id="4" name="Title 3"/>
+          <p:cNvSpPr>
+            <a:spLocks noGrp="1"/>
+          </p:cNvSpPr>
+          <p:nvPr>
+            <p:ph type="ctrTitle"/>
+          </p:nvPr>
+        </p:nvSpPr>
+        <p:spPr>
+          <a:xfrm>
+            <a:off x="685800" y="4505325"/>
+            <a:ext cx="7772400" cy="942975"/>
+          </a:xfrm>
+        </p:spPr>
+        <p:txBody>
+          <a:bodyPr>
+            <a:normAutofit fontScale="90000"/>
+          </a:bodyPr>
+          <a:lstStyle/>
+          <a:p>
+            <a:r>
+              <a:rPr lang="en-US" dirty="0" smtClean="0"/>
+              <a:t>Paikan and Tal – Solving Multiple Square Jigsaw Puzzles with Missing Pieces</a:t>
+            </a:r>
+            <a:endParaRPr lang="en-US" dirty="0"/>
+          </a:p>
+        </p:txBody>
+      </p:sp>
+    </p:spTree>
+    <p:extLst>
+      <p:ext uri="{BB962C8B-B14F-4D97-AF65-F5344CB8AC3E}">
+        <p14:creationId xmlns:p14="http://schemas.microsoft.com/office/powerpoint/2010/main" val="858591803"/>
+      </p:ext>
+    </p:extLst>
+  </p:cSld>
+  <p:clrMapOvr>
+    <a:masterClrMapping/>
+  </p:clrMapOvr>
+</p:sld>
+</file>
+
+<file path=ppt/slides/slide49.xml><?xml version="1.0" encoding="utf-8"?>
 <p:sld xmlns:a="http://schemas.openxmlformats.org/drawingml/2006/main" xmlns:r="http://schemas.openxmlformats.org/officeDocument/2006/relationships" xmlns:p="http://schemas.openxmlformats.org/presentationml/2006/main">
   <p:cSld>
     <p:spTree>
@@ -16618,7 +17762,7 @@
 </p:sld>
 </file>
 
-<file path=ppt/slides/slide43.xml><?xml version="1.0" encoding="utf-8"?>
+<file path=ppt/slides/slide5.xml><?xml version="1.0" encoding="utf-8"?>
 <p:sld xmlns:a="http://schemas.openxmlformats.org/drawingml/2006/main" xmlns:r="http://schemas.openxmlformats.org/officeDocument/2006/relationships" xmlns:p="http://schemas.openxmlformats.org/presentationml/2006/main">
   <p:cSld>
     <p:spTree>
@@ -16654,7 +17798,7 @@
           <a:p>
             <a:r>
               <a:rPr lang="en-US" dirty="0" smtClean="0"/>
-              <a:t>Puzzle Problem Requirements</a:t>
+              <a:t>Additional Variants of Problem</a:t>
             </a:r>
             <a:endParaRPr lang="en-US" dirty="0"/>
           </a:p>
@@ -16676,155 +17820,42 @@
           <a:lstStyle/>
           <a:p>
             <a:pPr marL="0" indent="0">
-              <a:lnSpc>
-                <a:spcPct val="120000"/>
-              </a:lnSpc>
               <a:buNone/>
             </a:pPr>
             <a:r>
               <a:rPr lang="en-US" dirty="0" smtClean="0"/>
-              <a:t>Paikan’s &amp; Tal’s jigsaw puzzle problem definition is the most difficult presented to date.  It is described below:</a:t>
-            </a:r>
-          </a:p>
-          <a:p>
-            <a:pPr marL="0" indent="0">
-              <a:buNone/>
-            </a:pPr>
-            <a:endParaRPr lang="en-US" dirty="0" smtClean="0"/>
-          </a:p>
-          <a:p>
-            <a:pPr>
-              <a:lnSpc>
-                <a:spcPct val="150000"/>
-              </a:lnSpc>
-              <a:spcBef>
-                <a:spcPts val="0"/>
-              </a:spcBef>
-            </a:pPr>
+              <a:t>[9] proposes a list of additional variants to the jigsaw puzzle problem including:</a:t>
+            </a:r>
+          </a:p>
+          <a:p>
             <a:r>
               <a:rPr lang="en-US" dirty="0" smtClean="0"/>
-              <a:t>Size of the </a:t>
-            </a:r>
+              <a:t>Missing piece(s)</a:t>
+            </a:r>
+          </a:p>
+          <a:p>
             <a:r>
               <a:rPr lang="en-US" dirty="0" smtClean="0"/>
-              <a:t>puzzle(s) </a:t>
-            </a:r>
+              <a:t>Extra piece(s)</a:t>
+            </a:r>
+          </a:p>
+          <a:p>
             <a:r>
               <a:rPr lang="en-US" dirty="0" smtClean="0"/>
-              <a:t>is unknown and may be different</a:t>
-            </a:r>
-          </a:p>
-          <a:p>
-            <a:pPr>
-              <a:lnSpc>
-                <a:spcPct val="150000"/>
-              </a:lnSpc>
-              <a:spcBef>
-                <a:spcPts val="0"/>
-              </a:spcBef>
-            </a:pPr>
+              <a:t>Unknown piece orientation (type 2 puzzle)</a:t>
+            </a:r>
+          </a:p>
+          <a:p>
             <a:r>
               <a:rPr lang="en-US" dirty="0" smtClean="0"/>
-              <a:t>Orientation of the </a:t>
-            </a:r>
+              <a:t>Three dimensional puzzles</a:t>
+            </a:r>
+          </a:p>
+          <a:p>
             <a:r>
               <a:rPr lang="en-US" dirty="0" smtClean="0"/>
-              <a:t>pieces </a:t>
-            </a:r>
-            <a:r>
-              <a:rPr lang="en-US" dirty="0" smtClean="0"/>
-              <a:t>is unknown</a:t>
-            </a:r>
-          </a:p>
-          <a:p>
-            <a:pPr>
-              <a:lnSpc>
-                <a:spcPct val="150000"/>
-              </a:lnSpc>
-              <a:spcBef>
-                <a:spcPts val="0"/>
-              </a:spcBef>
-            </a:pPr>
-            <a:r>
-              <a:rPr lang="en-US" dirty="0" smtClean="0"/>
-              <a:t>Pieces </a:t>
-            </a:r>
-            <a:r>
-              <a:rPr lang="en-US" dirty="0" smtClean="0"/>
-              <a:t>may missing</a:t>
-            </a:r>
-          </a:p>
-          <a:p>
-            <a:pPr>
-              <a:lnSpc>
-                <a:spcPct val="150000"/>
-              </a:lnSpc>
-              <a:spcBef>
-                <a:spcPts val="0"/>
-              </a:spcBef>
-            </a:pPr>
-            <a:r>
-              <a:rPr lang="en-US" dirty="0" smtClean="0"/>
-              <a:t>Input may contain pieces from multiple </a:t>
-            </a:r>
-            <a:r>
-              <a:rPr lang="en-US" dirty="0" smtClean="0"/>
-              <a:t>puzzles</a:t>
-            </a:r>
-          </a:p>
-          <a:p>
-            <a:pPr marL="0" indent="0">
-              <a:lnSpc>
-                <a:spcPct val="150000"/>
-              </a:lnSpc>
-              <a:spcBef>
-                <a:spcPts val="0"/>
-              </a:spcBef>
-              <a:buNone/>
-            </a:pPr>
-            <a:endParaRPr lang="en-US" dirty="0" smtClean="0"/>
-          </a:p>
-          <a:p>
-            <a:pPr marL="0" indent="0">
-              <a:lnSpc>
-                <a:spcPct val="150000"/>
-              </a:lnSpc>
-              <a:spcBef>
-                <a:spcPts val="0"/>
-              </a:spcBef>
-              <a:buNone/>
-            </a:pPr>
-            <a:r>
-              <a:rPr lang="en-US" b="1" dirty="0" smtClean="0"/>
-              <a:t>Only Input to the Algorithm</a:t>
-            </a:r>
-            <a:r>
-              <a:rPr lang="en-US" dirty="0" smtClean="0"/>
-              <a:t>: Number of puzzles to be solved.</a:t>
-            </a:r>
-            <a:endParaRPr lang="en-US" dirty="0" smtClean="0"/>
-          </a:p>
-          <a:p>
-            <a:pPr>
-              <a:lnSpc>
-                <a:spcPct val="150000"/>
-              </a:lnSpc>
-              <a:spcBef>
-                <a:spcPts val="0"/>
-              </a:spcBef>
-            </a:pPr>
-            <a:endParaRPr lang="en-US" dirty="0"/>
-          </a:p>
-          <a:p>
-            <a:pPr>
-              <a:lnSpc>
-                <a:spcPct val="150000"/>
-              </a:lnSpc>
-              <a:spcBef>
-                <a:spcPts val="0"/>
-              </a:spcBef>
-            </a:pPr>
-            <a:endParaRPr lang="en-US" dirty="0" smtClean="0"/>
+              <a:t>Unknown puzzle dimension</a:t>
+            </a:r>
           </a:p>
           <a:p>
             <a:endParaRPr lang="en-US" dirty="0"/>
@@ -16834,17 +17865,24 @@
     </p:spTree>
     <p:extLst>
       <p:ext uri="{BB962C8B-B14F-4D97-AF65-F5344CB8AC3E}">
-        <p14:creationId xmlns:p14="http://schemas.microsoft.com/office/powerpoint/2010/main" val="2849680590"/>
+        <p14:creationId xmlns:p14="http://schemas.microsoft.com/office/powerpoint/2010/main" val="114883493"/>
       </p:ext>
     </p:extLst>
   </p:cSld>
   <p:clrMapOvr>
     <a:masterClrMapping/>
   </p:clrMapOvr>
+  <p:timing>
+    <p:tnLst>
+      <p:par>
+        <p:cTn id="1" dur="indefinite" restart="never" nodeType="tmRoot"/>
+      </p:par>
+    </p:tnLst>
+  </p:timing>
 </p:sld>
 </file>
 
-<file path=ppt/slides/slide44.xml><?xml version="1.0" encoding="utf-8"?>
+<file path=ppt/slides/slide50.xml><?xml version="1.0" encoding="utf-8"?>
 <p:sld xmlns:a="http://schemas.openxmlformats.org/drawingml/2006/main" xmlns:r="http://schemas.openxmlformats.org/officeDocument/2006/relationships" xmlns:p="http://schemas.openxmlformats.org/presentationml/2006/main">
   <p:cSld>
     <p:spTree>
@@ -16878,6 +17916,10 @@
           </a:bodyPr>
           <a:lstStyle/>
           <a:p>
+            <a:r>
+              <a:rPr lang="en-US" dirty="0" smtClean="0"/>
+              <a:t>Puzzle Problem Requirements</a:t>
+            </a:r>
             <a:endParaRPr lang="en-US" dirty="0"/>
           </a:p>
         </p:txBody>
@@ -16897,49 +17939,280 @@
           <a:bodyPr/>
           <a:lstStyle/>
           <a:p>
+            <a:pPr marL="0" indent="0">
+              <a:lnSpc>
+                <a:spcPct val="120000"/>
+              </a:lnSpc>
+              <a:buNone/>
+            </a:pPr>
             <a:r>
               <a:rPr lang="en-US" dirty="0" smtClean="0"/>
-              <a:t>Similar to Pomeranz et. al., Paikan and Tal use a greedy strategy.  </a:t>
-            </a:r>
-          </a:p>
-          <a:p>
-            <a:endParaRPr lang="en-US" dirty="0"/>
-          </a:p>
-          <a:p>
-            <a:r>
-              <a:rPr lang="en-US" dirty="0" smtClean="0"/>
-              <a:t>Since early decisions may be suboptimal, their greedy algorithm is based on three principles:</a:t>
-            </a:r>
-          </a:p>
-          <a:p>
-            <a:pPr lvl="1"/>
-            <a:r>
-              <a:rPr lang="en-US" dirty="0" smtClean="0"/>
-              <a:t>Only highly reliable matches should be utilized.</a:t>
-            </a:r>
-          </a:p>
-          <a:p>
-            <a:pPr lvl="2"/>
-            <a:r>
-              <a:rPr lang="en-US" dirty="0" smtClean="0"/>
-              <a:t>This entails that compatibility should be high and smooth areas avoided until as late as possible.</a:t>
-            </a:r>
-          </a:p>
-          <a:p>
-            <a:pPr marL="914400" lvl="2" indent="0">
+              <a:t>Paikan’s &amp; Tal’s jigsaw puzzle problem definition is the most difficult presented to date.  It is described below:</a:t>
+            </a:r>
+          </a:p>
+          <a:p>
+            <a:pPr marL="0" indent="0">
               <a:buNone/>
             </a:pPr>
             <a:endParaRPr lang="en-US" dirty="0" smtClean="0"/>
           </a:p>
           <a:p>
+            <a:pPr>
+              <a:lnSpc>
+                <a:spcPct val="150000"/>
+              </a:lnSpc>
+              <a:spcBef>
+                <a:spcPts val="0"/>
+              </a:spcBef>
+            </a:pPr>
+            <a:r>
+              <a:rPr lang="en-US" dirty="0" smtClean="0"/>
+              <a:t>Size of the </a:t>
+            </a:r>
+            <a:r>
+              <a:rPr lang="en-US" dirty="0" smtClean="0"/>
+              <a:t>puzzle(s) </a:t>
+            </a:r>
+            <a:r>
+              <a:rPr lang="en-US" dirty="0" smtClean="0"/>
+              <a:t>is unknown and may be different</a:t>
+            </a:r>
+          </a:p>
+          <a:p>
+            <a:pPr>
+              <a:lnSpc>
+                <a:spcPct val="150000"/>
+              </a:lnSpc>
+              <a:spcBef>
+                <a:spcPts val="0"/>
+              </a:spcBef>
+            </a:pPr>
+            <a:r>
+              <a:rPr lang="en-US" dirty="0" smtClean="0"/>
+              <a:t>Orientation of the </a:t>
+            </a:r>
+            <a:r>
+              <a:rPr lang="en-US" dirty="0" smtClean="0"/>
+              <a:t>pieces </a:t>
+            </a:r>
+            <a:r>
+              <a:rPr lang="en-US" dirty="0" smtClean="0"/>
+              <a:t>is unknown</a:t>
+            </a:r>
+          </a:p>
+          <a:p>
+            <a:pPr>
+              <a:lnSpc>
+                <a:spcPct val="150000"/>
+              </a:lnSpc>
+              <a:spcBef>
+                <a:spcPts val="0"/>
+              </a:spcBef>
+            </a:pPr>
+            <a:r>
+              <a:rPr lang="en-US" dirty="0" smtClean="0"/>
+              <a:t>Pieces </a:t>
+            </a:r>
+            <a:r>
+              <a:rPr lang="en-US" dirty="0" smtClean="0"/>
+              <a:t>may missing</a:t>
+            </a:r>
+          </a:p>
+          <a:p>
+            <a:pPr>
+              <a:lnSpc>
+                <a:spcPct val="150000"/>
+              </a:lnSpc>
+              <a:spcBef>
+                <a:spcPts val="0"/>
+              </a:spcBef>
+            </a:pPr>
+            <a:r>
+              <a:rPr lang="en-US" dirty="0" smtClean="0"/>
+              <a:t>Input may contain pieces from multiple </a:t>
+            </a:r>
+            <a:r>
+              <a:rPr lang="en-US" dirty="0" smtClean="0"/>
+              <a:t>puzzles</a:t>
+            </a:r>
+          </a:p>
+          <a:p>
+            <a:pPr marL="0" indent="0">
+              <a:lnSpc>
+                <a:spcPct val="150000"/>
+              </a:lnSpc>
+              <a:spcBef>
+                <a:spcPts val="0"/>
+              </a:spcBef>
+              <a:buNone/>
+            </a:pPr>
+            <a:endParaRPr lang="en-US" dirty="0" smtClean="0"/>
+          </a:p>
+          <a:p>
+            <a:pPr marL="0" indent="0">
+              <a:lnSpc>
+                <a:spcPct val="150000"/>
+              </a:lnSpc>
+              <a:spcBef>
+                <a:spcPts val="0"/>
+              </a:spcBef>
+              <a:buNone/>
+            </a:pPr>
+            <a:r>
+              <a:rPr lang="en-US" b="1" dirty="0" smtClean="0"/>
+              <a:t>Only Input to the Algorithm</a:t>
+            </a:r>
+            <a:r>
+              <a:rPr lang="en-US" dirty="0" smtClean="0"/>
+              <a:t>: Number of puzzles to be solved.</a:t>
+            </a:r>
+            <a:endParaRPr lang="en-US" dirty="0" smtClean="0"/>
+          </a:p>
+          <a:p>
+            <a:pPr>
+              <a:lnSpc>
+                <a:spcPct val="150000"/>
+              </a:lnSpc>
+              <a:spcBef>
+                <a:spcPts val="0"/>
+              </a:spcBef>
+            </a:pPr>
+            <a:endParaRPr lang="en-US" dirty="0"/>
+          </a:p>
+          <a:p>
+            <a:pPr>
+              <a:lnSpc>
+                <a:spcPct val="150000"/>
+              </a:lnSpc>
+              <a:spcBef>
+                <a:spcPts val="0"/>
+              </a:spcBef>
+            </a:pPr>
+            <a:endParaRPr lang="en-US" dirty="0" smtClean="0"/>
+          </a:p>
+          <a:p>
+            <a:endParaRPr lang="en-US" dirty="0"/>
+          </a:p>
+        </p:txBody>
+      </p:sp>
+    </p:spTree>
+    <p:extLst>
+      <p:ext uri="{BB962C8B-B14F-4D97-AF65-F5344CB8AC3E}">
+        <p14:creationId xmlns:p14="http://schemas.microsoft.com/office/powerpoint/2010/main" val="2849680590"/>
+      </p:ext>
+    </p:extLst>
+  </p:cSld>
+  <p:clrMapOvr>
+    <a:masterClrMapping/>
+  </p:clrMapOvr>
+</p:sld>
+</file>
+
+<file path=ppt/slides/slide51.xml><?xml version="1.0" encoding="utf-8"?>
+<p:sld xmlns:a="http://schemas.openxmlformats.org/drawingml/2006/main" xmlns:r="http://schemas.openxmlformats.org/officeDocument/2006/relationships" xmlns:p="http://schemas.openxmlformats.org/presentationml/2006/main">
+  <p:cSld>
+    <p:spTree>
+      <p:nvGrpSpPr>
+        <p:cNvPr id="1" name=""/>
+        <p:cNvGrpSpPr/>
+        <p:nvPr/>
+      </p:nvGrpSpPr>
+      <p:grpSpPr>
+        <a:xfrm>
+          <a:off x="0" y="0"/>
+          <a:ext cx="0" cy="0"/>
+          <a:chOff x="0" y="0"/>
+          <a:chExt cx="0" cy="0"/>
+        </a:xfrm>
+      </p:grpSpPr>
+      <p:sp>
+        <p:nvSpPr>
+          <p:cNvPr id="2" name="Title 1"/>
+          <p:cNvSpPr>
+            <a:spLocks noGrp="1"/>
+          </p:cNvSpPr>
+          <p:nvPr>
+            <p:ph type="title"/>
+          </p:nvPr>
+        </p:nvSpPr>
+        <p:spPr/>
+        <p:txBody>
+          <a:bodyPr>
+            <a:noAutofit/>
+          </a:bodyPr>
+          <a:lstStyle/>
+          <a:p>
+            <a:r>
+              <a:rPr lang="en-US" sz="3200" dirty="0" smtClean="0"/>
+              <a:t>Overview of Paikan and Tal’s Algorithm</a:t>
+            </a:r>
+            <a:endParaRPr lang="en-US" sz="3200" dirty="0"/>
+          </a:p>
+        </p:txBody>
+      </p:sp>
+      <p:sp>
+        <p:nvSpPr>
+          <p:cNvPr id="3" name="Content Placeholder 2"/>
+          <p:cNvSpPr>
+            <a:spLocks noGrp="1"/>
+          </p:cNvSpPr>
+          <p:nvPr>
+            <p:ph idx="1"/>
+          </p:nvPr>
+        </p:nvSpPr>
+        <p:spPr/>
+        <p:txBody>
+          <a:bodyPr>
+            <a:normAutofit/>
+          </a:bodyPr>
+          <a:lstStyle/>
+          <a:p>
+            <a:r>
+              <a:rPr lang="en-US" dirty="0" smtClean="0"/>
+              <a:t>Similar to Pomeranz et. al., Paikan and Tal use a greedy strategy.  </a:t>
+            </a:r>
+          </a:p>
+          <a:p>
+            <a:endParaRPr lang="en-US" dirty="0"/>
+          </a:p>
+          <a:p>
+            <a:r>
+              <a:rPr lang="en-US" dirty="0" smtClean="0"/>
+              <a:t>With greedy algorithms, early, suboptimal decisions can lead to major divergences in future decisions. </a:t>
+            </a:r>
+            <a:r>
+              <a:rPr lang="en-US" dirty="0"/>
+              <a:t> </a:t>
+            </a:r>
+            <a:endParaRPr lang="en-US" dirty="0" smtClean="0"/>
+          </a:p>
+          <a:p>
             <a:pPr lvl="1"/>
             <a:r>
               <a:rPr lang="en-US" dirty="0" smtClean="0"/>
-              <a:t>When selecting the next piece to place, do not focus on the most compatible matches.  Rather focus on the most distinctive areas.</a:t>
-            </a:r>
-          </a:p>
-          <a:p>
-            <a:pPr lvl="1"/>
+              <a:t>To mitigate such poor decisions, Paikan and Tal’s algorithm focuses on delaying potentially poor decisions.</a:t>
+            </a:r>
+          </a:p>
+          <a:p>
+            <a:endParaRPr lang="en-US" dirty="0"/>
+          </a:p>
+          <a:p>
+            <a:r>
+              <a:rPr lang="en-US" b="1" dirty="0" smtClean="0"/>
+              <a:t>Phase #1: </a:t>
+            </a:r>
+            <a:r>
+              <a:rPr lang="en-US" dirty="0" smtClean="0"/>
+              <a:t>Calculate and store all piece to piece the </a:t>
+            </a:r>
+            <a:r>
+              <a:rPr lang="en-US" i="1" dirty="0" smtClean="0"/>
+              <a:t>confident asymmetric dissimilarity values</a:t>
+            </a:r>
+            <a:r>
+              <a:rPr lang="en-US" dirty="0" smtClean="0"/>
+              <a:t>.</a:t>
+            </a:r>
             <a:endParaRPr lang="en-US" dirty="0"/>
           </a:p>
           <a:p>
@@ -16973,7 +18246,7 @@
 </p:sld>
 </file>
 
-<file path=ppt/slides/slide45.xml><?xml version="1.0" encoding="utf-8"?>
+<file path=ppt/slides/slide52.xml><?xml version="1.0" encoding="utf-8"?>
 <p:sld xmlns:a="http://schemas.openxmlformats.org/drawingml/2006/main" xmlns:r="http://schemas.openxmlformats.org/officeDocument/2006/relationships" xmlns:p="http://schemas.openxmlformats.org/presentationml/2006/main">
   <p:cSld>
     <p:spTree>
@@ -17007,6 +18280,10 @@
           </a:bodyPr>
           <a:lstStyle/>
           <a:p>
+            <a:r>
+              <a:rPr lang="en-US" dirty="0" smtClean="0"/>
+              <a:t>Phase #2 – Initial Piece Selection</a:t>
+            </a:r>
             <a:endParaRPr lang="en-US" dirty="0"/>
           </a:p>
         </p:txBody>
@@ -17023,53 +18300,171 @@
         </p:nvSpPr>
         <p:spPr/>
         <p:txBody>
-          <a:bodyPr/>
+          <a:bodyPr>
+            <a:normAutofit fontScale="92500" lnSpcReduction="20000"/>
+          </a:bodyPr>
           <a:lstStyle/>
           <a:p>
+            <a:pPr>
+              <a:lnSpc>
+                <a:spcPct val="120000"/>
+              </a:lnSpc>
+              <a:spcBef>
+                <a:spcPts val="1000"/>
+              </a:spcBef>
+            </a:pPr>
             <a:r>
               <a:rPr lang="en-US" dirty="0" smtClean="0"/>
-              <a:t>Step #1: Compute  compatibility</a:t>
-            </a:r>
-          </a:p>
-          <a:p>
-            <a:pPr lvl="1"/>
+              <a:t>Previous work by [9] and [10] selected a random piece as the seed for the their algorithm</a:t>
+            </a:r>
+          </a:p>
+          <a:p>
+            <a:pPr lvl="1">
+              <a:lnSpc>
+                <a:spcPct val="120000"/>
+              </a:lnSpc>
+              <a:spcBef>
+                <a:spcPts val="1000"/>
+              </a:spcBef>
+            </a:pPr>
             <a:r>
               <a:rPr lang="en-US" dirty="0" smtClean="0"/>
-              <a:t>Use asymmetric dissimilarity to calculate the compatibility between each pair of pieces.</a:t>
-            </a:r>
-          </a:p>
-          <a:p>
-            <a:pPr lvl="1"/>
-            <a:endParaRPr lang="en-US" dirty="0"/>
-          </a:p>
-          <a:p>
+              <a:t>This leads to the need to run their algorithm multiple times.</a:t>
+            </a:r>
+          </a:p>
+          <a:p>
+            <a:pPr>
+              <a:lnSpc>
+                <a:spcPct val="120000"/>
+              </a:lnSpc>
+              <a:spcBef>
+                <a:spcPts val="1000"/>
+              </a:spcBef>
+            </a:pPr>
+            <a:endParaRPr lang="en-US" sz="700" dirty="0"/>
+          </a:p>
+          <a:p>
+            <a:pPr>
+              <a:lnSpc>
+                <a:spcPct val="120000"/>
+              </a:lnSpc>
+              <a:spcBef>
+                <a:spcPts val="1000"/>
+              </a:spcBef>
+            </a:pPr>
             <a:r>
               <a:rPr lang="en-US" dirty="0" smtClean="0"/>
-              <a:t>Step #2 – Select the </a:t>
+              <a:t>Paikan and Tal select the </a:t>
             </a:r>
             <a:r>
               <a:rPr lang="en-US" i="1" dirty="0" smtClean="0"/>
-              <a:t>best</a:t>
+              <a:t>most</a:t>
+            </a:r>
+            <a:r>
+              <a:rPr lang="en-US" dirty="0"/>
+              <a:t> </a:t>
+            </a:r>
+            <a:r>
+              <a:rPr lang="en-US" i="1" dirty="0" smtClean="0"/>
+              <a:t>distinctive</a:t>
             </a:r>
             <a:r>
               <a:rPr lang="en-US" dirty="0" smtClean="0"/>
-              <a:t> seed piece for one puzzle (or pieces for multiple puzzles).</a:t>
-            </a:r>
-          </a:p>
-          <a:p>
-            <a:pPr lvl="1"/>
+              <a:t> </a:t>
+            </a:r>
+            <a:r>
+              <a:rPr lang="en-US" i="1" dirty="0" smtClean="0"/>
+              <a:t>piece</a:t>
+            </a:r>
             <a:r>
               <a:rPr lang="en-US" dirty="0" smtClean="0"/>
-              <a:t>“Best” entails most distinctive. </a:t>
-            </a:r>
-            <a:endParaRPr lang="en-US" dirty="0"/>
+              <a:t> in the </a:t>
+            </a:r>
+            <a:r>
+              <a:rPr lang="en-US" i="1" dirty="0" smtClean="0"/>
+              <a:t>most distinctive region</a:t>
+            </a:r>
+            <a:r>
+              <a:rPr lang="en-US" dirty="0" smtClean="0"/>
+              <a:t> as their algorithm’s initial seed. </a:t>
+            </a:r>
+          </a:p>
+          <a:p>
+            <a:pPr>
+              <a:lnSpc>
+                <a:spcPct val="120000"/>
+              </a:lnSpc>
+              <a:spcBef>
+                <a:spcPts val="1000"/>
+              </a:spcBef>
+            </a:pPr>
+            <a:endParaRPr lang="en-US" sz="700" dirty="0"/>
+          </a:p>
+          <a:p>
+            <a:pPr>
+              <a:lnSpc>
+                <a:spcPct val="120000"/>
+              </a:lnSpc>
+              <a:spcBef>
+                <a:spcPts val="1000"/>
+              </a:spcBef>
+            </a:pPr>
+            <a:r>
+              <a:rPr lang="en-US" b="1" dirty="0" smtClean="0"/>
+              <a:t>Picking the Most Distinctive Piece: </a:t>
+            </a:r>
+            <a:r>
+              <a:rPr lang="en-US" dirty="0" smtClean="0"/>
+              <a:t>Select as the initial seed the piece that has four best buddies as its neighbors and whose neighbors also have four best buddies.</a:t>
+            </a:r>
+          </a:p>
+          <a:p>
+            <a:pPr lvl="1">
+              <a:lnSpc>
+                <a:spcPct val="120000"/>
+              </a:lnSpc>
+              <a:spcBef>
+                <a:spcPts val="1200"/>
+              </a:spcBef>
+            </a:pPr>
+            <a:r>
+              <a:rPr lang="en-US" dirty="0" smtClean="0"/>
+              <a:t>This approach address both the need for a distinctive piece in a distinctive region.</a:t>
+            </a:r>
+          </a:p>
+          <a:p>
+            <a:pPr lvl="1">
+              <a:lnSpc>
+                <a:spcPct val="120000"/>
+              </a:lnSpc>
+              <a:spcBef>
+                <a:spcPts val="1000"/>
+              </a:spcBef>
+            </a:pPr>
+            <a:r>
+              <a:rPr lang="en-US" b="1" dirty="0" smtClean="0"/>
+              <a:t>Note: </a:t>
+            </a:r>
+            <a:r>
+              <a:rPr lang="en-US" dirty="0" smtClean="0"/>
+              <a:t>Best buddies is defined based off the confident asymmetric dissimilarity unlike how it is defined in Pomeranz </a:t>
+            </a:r>
+            <a:r>
+              <a:rPr lang="en-US" i="1" dirty="0" smtClean="0"/>
+              <a:t>et. al. </a:t>
+            </a:r>
+            <a:r>
+              <a:rPr lang="en-US" dirty="0" smtClean="0"/>
+              <a:t>[10]. </a:t>
+            </a:r>
+            <a:endParaRPr lang="en-US" b="1" dirty="0"/>
           </a:p>
         </p:txBody>
       </p:sp>
     </p:spTree>
     <p:extLst>
       <p:ext uri="{BB962C8B-B14F-4D97-AF65-F5344CB8AC3E}">
-        <p14:creationId xmlns:p14="http://schemas.microsoft.com/office/powerpoint/2010/main" val="2593421421"/>
+        <p14:creationId xmlns:p14="http://schemas.microsoft.com/office/powerpoint/2010/main" val="193499471"/>
       </p:ext>
     </p:extLst>
   </p:cSld>
@@ -17079,7 +18474,2037 @@
 </p:sld>
 </file>
 
-<file path=ppt/slides/slide46.xml><?xml version="1.0" encoding="utf-8"?>
+<file path=ppt/slides/slide53.xml><?xml version="1.0" encoding="utf-8"?>
+<p:sld xmlns:a="http://schemas.openxmlformats.org/drawingml/2006/main" xmlns:r="http://schemas.openxmlformats.org/officeDocument/2006/relationships" xmlns:p="http://schemas.openxmlformats.org/presentationml/2006/main">
+  <p:cSld>
+    <p:spTree>
+      <p:nvGrpSpPr>
+        <p:cNvPr id="1" name=""/>
+        <p:cNvGrpSpPr/>
+        <p:nvPr/>
+      </p:nvGrpSpPr>
+      <p:grpSpPr>
+        <a:xfrm>
+          <a:off x="0" y="0"/>
+          <a:ext cx="0" cy="0"/>
+          <a:chOff x="0" y="0"/>
+          <a:chExt cx="0" cy="0"/>
+        </a:xfrm>
+      </p:grpSpPr>
+      <p:sp>
+        <p:nvSpPr>
+          <p:cNvPr id="2" name="Title 1"/>
+          <p:cNvSpPr>
+            <a:spLocks noGrp="1"/>
+          </p:cNvSpPr>
+          <p:nvPr>
+            <p:ph type="title"/>
+          </p:nvPr>
+        </p:nvSpPr>
+        <p:spPr/>
+        <p:txBody>
+          <a:bodyPr>
+            <a:normAutofit fontScale="90000"/>
+          </a:bodyPr>
+          <a:lstStyle/>
+          <a:p>
+            <a:r>
+              <a:rPr lang="en-US" dirty="0" smtClean="0"/>
+              <a:t>Phase #2 – Mutual Compatibility</a:t>
+            </a:r>
+            <a:endParaRPr lang="en-US" dirty="0"/>
+          </a:p>
+        </p:txBody>
+      </p:sp>
+      <mc:AlternateContent xmlns:mc="http://schemas.openxmlformats.org/markup-compatibility/2006">
+        <mc:Choice xmlns:a14="http://schemas.microsoft.com/office/drawing/2010/main" Requires="a14">
+          <p:sp>
+            <p:nvSpPr>
+              <p:cNvPr id="3" name="Content Placeholder 2"/>
+              <p:cNvSpPr>
+                <a:spLocks noGrp="1"/>
+              </p:cNvSpPr>
+              <p:nvPr>
+                <p:ph idx="1"/>
+              </p:nvPr>
+            </p:nvSpPr>
+            <p:spPr/>
+            <p:txBody>
+              <a:bodyPr>
+                <a:normAutofit fontScale="70000" lnSpcReduction="20000"/>
+              </a:bodyPr>
+              <a:lstStyle/>
+              <a:p>
+                <a:pPr>
+                  <a:lnSpc>
+                    <a:spcPct val="120000"/>
+                  </a:lnSpc>
+                  <a:spcBef>
+                    <a:spcPts val="1200"/>
+                  </a:spcBef>
+                </a:pPr>
+                <a:r>
+                  <a:rPr lang="en-US" dirty="0" smtClean="0"/>
+                  <a:t>If multiple pieces satisfy the “most distinctive” piece criteria, then select the piece with the “strongest” best buddies in all four directions.</a:t>
+                </a:r>
+              </a:p>
+              <a:p>
+                <a:pPr>
+                  <a:lnSpc>
+                    <a:spcPct val="120000"/>
+                  </a:lnSpc>
+                  <a:spcBef>
+                    <a:spcPts val="1200"/>
+                  </a:spcBef>
+                </a:pPr>
+                <a:endParaRPr lang="en-US" sz="900" dirty="0"/>
+              </a:p>
+              <a:p>
+                <a:pPr>
+                  <a:lnSpc>
+                    <a:spcPct val="120000"/>
+                  </a:lnSpc>
+                  <a:spcBef>
+                    <a:spcPts val="1200"/>
+                  </a:spcBef>
+                </a:pPr>
+                <a:r>
+                  <a:rPr lang="en-US" b="1" dirty="0" smtClean="0"/>
+                  <a:t>Paikan and Tal’s approach:</a:t>
+                </a:r>
+                <a:r>
+                  <a:rPr lang="en-US" dirty="0" smtClean="0"/>
+                  <a:t> Maximize the mutual compatibility with all four neighbors.</a:t>
+                </a:r>
+              </a:p>
+              <a:p>
+                <a:pPr>
+                  <a:lnSpc>
+                    <a:spcPct val="120000"/>
+                  </a:lnSpc>
+                  <a:spcBef>
+                    <a:spcPts val="1200"/>
+                  </a:spcBef>
+                </a:pPr>
+                <a:endParaRPr lang="en-US" sz="900" dirty="0"/>
+              </a:p>
+              <a:p>
+                <a:pPr marL="0" indent="0">
+                  <a:lnSpc>
+                    <a:spcPct val="120000"/>
+                  </a:lnSpc>
+                  <a:spcBef>
+                    <a:spcPts val="1200"/>
+                  </a:spcBef>
+                  <a:buNone/>
+                </a:pPr>
+                <a14:m>
+                  <m:oMathPara xmlns:m="http://schemas.openxmlformats.org/officeDocument/2006/math">
+                    <m:oMathParaPr>
+                      <m:jc m:val="centerGroup"/>
+                    </m:oMathParaPr>
+                    <m:oMath xmlns:m="http://schemas.openxmlformats.org/officeDocument/2006/math">
+                      <m:acc>
+                        <m:accPr>
+                          <m:chr m:val="̃"/>
+                          <m:ctrlPr>
+                            <a:rPr lang="en-US" sz="2900" i="1" smtClean="0">
+                              <a:latin typeface="Cambria Math"/>
+                            </a:rPr>
+                          </m:ctrlPr>
+                        </m:accPr>
+                        <m:e>
+                          <m:r>
+                            <a:rPr lang="en-US" sz="2900" b="0" i="1" smtClean="0">
+                              <a:latin typeface="Cambria Math"/>
+                            </a:rPr>
+                            <m:t>𝐶</m:t>
+                          </m:r>
+                        </m:e>
+                      </m:acc>
+                      <m:d>
+                        <m:dPr>
+                          <m:ctrlPr>
+                            <a:rPr lang="en-US" sz="2900" b="0" i="1" smtClean="0">
+                              <a:latin typeface="Cambria Math"/>
+                            </a:rPr>
+                          </m:ctrlPr>
+                        </m:dPr>
+                        <m:e>
+                          <m:sSub>
+                            <m:sSubPr>
+                              <m:ctrlPr>
+                                <a:rPr lang="en-US" sz="2900" b="0" i="1" smtClean="0">
+                                  <a:latin typeface="Cambria Math"/>
+                                </a:rPr>
+                              </m:ctrlPr>
+                            </m:sSubPr>
+                            <m:e>
+                              <m:r>
+                                <a:rPr lang="en-US" sz="2900" b="0" i="1" smtClean="0">
+                                  <a:latin typeface="Cambria Math"/>
+                                </a:rPr>
+                                <m:t>𝑝</m:t>
+                              </m:r>
+                            </m:e>
+                            <m:sub>
+                              <m:r>
+                                <a:rPr lang="en-US" sz="2900" b="0" i="1" smtClean="0">
+                                  <a:latin typeface="Cambria Math"/>
+                                </a:rPr>
+                                <m:t>𝑖</m:t>
+                              </m:r>
+                            </m:sub>
+                          </m:sSub>
+                          <m:r>
+                            <a:rPr lang="en-US" sz="2900" b="0" i="1" smtClean="0">
+                              <a:latin typeface="Cambria Math"/>
+                            </a:rPr>
+                            <m:t>,</m:t>
+                          </m:r>
+                          <m:sSub>
+                            <m:sSubPr>
+                              <m:ctrlPr>
+                                <a:rPr lang="en-US" sz="2900" b="0" i="1" smtClean="0">
+                                  <a:latin typeface="Cambria Math"/>
+                                </a:rPr>
+                              </m:ctrlPr>
+                            </m:sSubPr>
+                            <m:e>
+                              <m:r>
+                                <a:rPr lang="en-US" sz="2900" b="0" i="1" smtClean="0">
+                                  <a:latin typeface="Cambria Math"/>
+                                </a:rPr>
+                                <m:t>𝑝</m:t>
+                              </m:r>
+                            </m:e>
+                            <m:sub>
+                              <m:r>
+                                <a:rPr lang="en-US" sz="2900" b="0" i="1" smtClean="0">
+                                  <a:latin typeface="Cambria Math"/>
+                                </a:rPr>
+                                <m:t>𝑗</m:t>
+                              </m:r>
+                            </m:sub>
+                          </m:sSub>
+                          <m:r>
+                            <a:rPr lang="en-US" sz="2900" b="0" i="1" smtClean="0">
+                              <a:latin typeface="Cambria Math"/>
+                            </a:rPr>
+                            <m:t>,</m:t>
+                          </m:r>
+                          <m:sSub>
+                            <m:sSubPr>
+                              <m:ctrlPr>
+                                <a:rPr lang="en-US" sz="2900" b="0" i="1" smtClean="0">
+                                  <a:latin typeface="Cambria Math"/>
+                                </a:rPr>
+                              </m:ctrlPr>
+                            </m:sSubPr>
+                            <m:e>
+                              <m:r>
+                                <a:rPr lang="en-US" sz="2900" b="0" i="1" smtClean="0">
+                                  <a:latin typeface="Cambria Math"/>
+                                </a:rPr>
+                                <m:t>𝑟</m:t>
+                              </m:r>
+                            </m:e>
+                            <m:sub>
+                              <m:r>
+                                <a:rPr lang="en-US" sz="2900" b="0" i="1" smtClean="0">
+                                  <a:latin typeface="Cambria Math"/>
+                                </a:rPr>
+                                <m:t>1</m:t>
+                              </m:r>
+                            </m:sub>
+                          </m:sSub>
+                        </m:e>
+                      </m:d>
+                      <m:r>
+                        <a:rPr lang="en-US" sz="2900" b="0" i="1" smtClean="0">
+                          <a:latin typeface="Cambria Math"/>
+                        </a:rPr>
+                        <m:t>=</m:t>
+                      </m:r>
+                      <m:acc>
+                        <m:accPr>
+                          <m:chr m:val="̃"/>
+                          <m:ctrlPr>
+                            <a:rPr lang="en-US" sz="2900" i="1">
+                              <a:latin typeface="Cambria Math"/>
+                            </a:rPr>
+                          </m:ctrlPr>
+                        </m:accPr>
+                        <m:e>
+                          <m:r>
+                            <a:rPr lang="en-US" sz="2900" i="1">
+                              <a:latin typeface="Cambria Math"/>
+                            </a:rPr>
+                            <m:t>𝐶</m:t>
+                          </m:r>
+                        </m:e>
+                      </m:acc>
+                      <m:d>
+                        <m:dPr>
+                          <m:ctrlPr>
+                            <a:rPr lang="en-US" sz="2900" i="1">
+                              <a:latin typeface="Cambria Math"/>
+                            </a:rPr>
+                          </m:ctrlPr>
+                        </m:dPr>
+                        <m:e>
+                          <m:sSub>
+                            <m:sSubPr>
+                              <m:ctrlPr>
+                                <a:rPr lang="en-US" sz="2900" i="1">
+                                  <a:latin typeface="Cambria Math"/>
+                                </a:rPr>
+                              </m:ctrlPr>
+                            </m:sSubPr>
+                            <m:e>
+                              <m:r>
+                                <a:rPr lang="en-US" sz="2900" i="1">
+                                  <a:latin typeface="Cambria Math"/>
+                                </a:rPr>
+                                <m:t>𝑝</m:t>
+                              </m:r>
+                            </m:e>
+                            <m:sub>
+                              <m:r>
+                                <a:rPr lang="en-US" sz="2900" b="0" i="1" smtClean="0">
+                                  <a:latin typeface="Cambria Math"/>
+                                </a:rPr>
+                                <m:t>𝑗</m:t>
+                              </m:r>
+                            </m:sub>
+                          </m:sSub>
+                          <m:r>
+                            <a:rPr lang="en-US" sz="2900" i="1">
+                              <a:latin typeface="Cambria Math"/>
+                            </a:rPr>
+                            <m:t>,</m:t>
+                          </m:r>
+                          <m:sSub>
+                            <m:sSubPr>
+                              <m:ctrlPr>
+                                <a:rPr lang="en-US" sz="2900" i="1">
+                                  <a:latin typeface="Cambria Math"/>
+                                </a:rPr>
+                              </m:ctrlPr>
+                            </m:sSubPr>
+                            <m:e>
+                              <m:r>
+                                <a:rPr lang="en-US" sz="2900" i="1">
+                                  <a:latin typeface="Cambria Math"/>
+                                </a:rPr>
+                                <m:t>𝑝</m:t>
+                              </m:r>
+                            </m:e>
+                            <m:sub>
+                              <m:r>
+                                <a:rPr lang="en-US" sz="2900" b="0" i="1" smtClean="0">
+                                  <a:latin typeface="Cambria Math"/>
+                                </a:rPr>
+                                <m:t>𝑖</m:t>
+                              </m:r>
+                            </m:sub>
+                          </m:sSub>
+                          <m:r>
+                            <a:rPr lang="en-US" sz="2900" i="1">
+                              <a:latin typeface="Cambria Math"/>
+                            </a:rPr>
+                            <m:t>,</m:t>
+                          </m:r>
+                          <m:sSub>
+                            <m:sSubPr>
+                              <m:ctrlPr>
+                                <a:rPr lang="en-US" sz="2900" i="1">
+                                  <a:latin typeface="Cambria Math"/>
+                                </a:rPr>
+                              </m:ctrlPr>
+                            </m:sSubPr>
+                            <m:e>
+                              <m:r>
+                                <a:rPr lang="en-US" sz="2900" i="1">
+                                  <a:latin typeface="Cambria Math"/>
+                                </a:rPr>
+                                <m:t>𝑟</m:t>
+                              </m:r>
+                            </m:e>
+                            <m:sub>
+                              <m:r>
+                                <a:rPr lang="en-US" sz="2900" b="0" i="1" smtClean="0">
+                                  <a:latin typeface="Cambria Math"/>
+                                </a:rPr>
+                                <m:t>2</m:t>
+                              </m:r>
+                            </m:sub>
+                          </m:sSub>
+                        </m:e>
+                      </m:d>
+                      <m:r>
+                        <a:rPr lang="en-US" sz="2900" b="0" i="1" smtClean="0">
+                          <a:latin typeface="Cambria Math"/>
+                        </a:rPr>
+                        <m:t>=</m:t>
+                      </m:r>
+                      <m:f>
+                        <m:fPr>
+                          <m:ctrlPr>
+                            <a:rPr lang="en-US" sz="2900" b="0" i="1" smtClean="0">
+                              <a:latin typeface="Cambria Math"/>
+                            </a:rPr>
+                          </m:ctrlPr>
+                        </m:fPr>
+                        <m:num>
+                          <m:r>
+                            <a:rPr lang="en-US" sz="2900" b="0" i="1" smtClean="0">
+                              <a:latin typeface="Cambria Math"/>
+                            </a:rPr>
+                            <m:t>𝐶</m:t>
+                          </m:r>
+                          <m:d>
+                            <m:dPr>
+                              <m:ctrlPr>
+                                <a:rPr lang="en-US" sz="2900" b="0" i="1" smtClean="0">
+                                  <a:latin typeface="Cambria Math"/>
+                                </a:rPr>
+                              </m:ctrlPr>
+                            </m:dPr>
+                            <m:e>
+                              <m:sSub>
+                                <m:sSubPr>
+                                  <m:ctrlPr>
+                                    <a:rPr lang="en-US" sz="2900" b="0" i="1" smtClean="0">
+                                      <a:latin typeface="Cambria Math"/>
+                                    </a:rPr>
+                                  </m:ctrlPr>
+                                </m:sSubPr>
+                                <m:e>
+                                  <m:r>
+                                    <a:rPr lang="en-US" sz="2900" b="0" i="1" smtClean="0">
+                                      <a:latin typeface="Cambria Math"/>
+                                    </a:rPr>
+                                    <m:t>𝑝</m:t>
+                                  </m:r>
+                                </m:e>
+                                <m:sub>
+                                  <m:r>
+                                    <a:rPr lang="en-US" sz="2900" b="0" i="1" smtClean="0">
+                                      <a:latin typeface="Cambria Math"/>
+                                    </a:rPr>
+                                    <m:t>𝑖</m:t>
+                                  </m:r>
+                                </m:sub>
+                              </m:sSub>
+                              <m:r>
+                                <a:rPr lang="en-US" sz="2900" b="0" i="1" smtClean="0">
+                                  <a:latin typeface="Cambria Math"/>
+                                </a:rPr>
+                                <m:t>,</m:t>
+                              </m:r>
+                              <m:sSub>
+                                <m:sSubPr>
+                                  <m:ctrlPr>
+                                    <a:rPr lang="en-US" sz="2900" b="0" i="1" smtClean="0">
+                                      <a:latin typeface="Cambria Math"/>
+                                    </a:rPr>
+                                  </m:ctrlPr>
+                                </m:sSubPr>
+                                <m:e>
+                                  <m:r>
+                                    <a:rPr lang="en-US" sz="2900" b="0" i="1" smtClean="0">
+                                      <a:latin typeface="Cambria Math"/>
+                                    </a:rPr>
+                                    <m:t>𝑝</m:t>
+                                  </m:r>
+                                </m:e>
+                                <m:sub>
+                                  <m:r>
+                                    <a:rPr lang="en-US" sz="2900" b="0" i="1" smtClean="0">
+                                      <a:latin typeface="Cambria Math"/>
+                                    </a:rPr>
+                                    <m:t>𝑗</m:t>
+                                  </m:r>
+                                </m:sub>
+                              </m:sSub>
+                              <m:r>
+                                <a:rPr lang="en-US" sz="2900" b="0" i="1" smtClean="0">
+                                  <a:latin typeface="Cambria Math"/>
+                                </a:rPr>
+                                <m:t>,</m:t>
+                              </m:r>
+                              <m:sSub>
+                                <m:sSubPr>
+                                  <m:ctrlPr>
+                                    <a:rPr lang="en-US" sz="2900" b="0" i="1" smtClean="0">
+                                      <a:latin typeface="Cambria Math"/>
+                                    </a:rPr>
+                                  </m:ctrlPr>
+                                </m:sSubPr>
+                                <m:e>
+                                  <m:r>
+                                    <a:rPr lang="en-US" sz="2900" b="0" i="1" smtClean="0">
+                                      <a:latin typeface="Cambria Math"/>
+                                    </a:rPr>
+                                    <m:t>𝑟</m:t>
+                                  </m:r>
+                                </m:e>
+                                <m:sub>
+                                  <m:r>
+                                    <a:rPr lang="en-US" sz="2900" b="0" i="1" smtClean="0">
+                                      <a:latin typeface="Cambria Math"/>
+                                    </a:rPr>
+                                    <m:t>1</m:t>
+                                  </m:r>
+                                </m:sub>
+                              </m:sSub>
+                            </m:e>
+                          </m:d>
+                          <m:r>
+                            <a:rPr lang="en-US" sz="2900" b="0" i="1" smtClean="0">
+                              <a:latin typeface="Cambria Math"/>
+                            </a:rPr>
+                            <m:t>+</m:t>
+                          </m:r>
+                          <m:r>
+                            <a:rPr lang="en-US" sz="2900" b="0" i="1" smtClean="0">
+                              <a:latin typeface="Cambria Math"/>
+                            </a:rPr>
+                            <m:t>𝐶</m:t>
+                          </m:r>
+                          <m:r>
+                            <a:rPr lang="en-US" sz="2900" b="0" i="1" smtClean="0">
+                              <a:latin typeface="Cambria Math"/>
+                            </a:rPr>
+                            <m:t>(</m:t>
+                          </m:r>
+                          <m:sSub>
+                            <m:sSubPr>
+                              <m:ctrlPr>
+                                <a:rPr lang="en-US" sz="2900" b="0" i="1" smtClean="0">
+                                  <a:latin typeface="Cambria Math"/>
+                                </a:rPr>
+                              </m:ctrlPr>
+                            </m:sSubPr>
+                            <m:e>
+                              <m:r>
+                                <a:rPr lang="en-US" sz="2900" b="0" i="1" smtClean="0">
+                                  <a:latin typeface="Cambria Math"/>
+                                </a:rPr>
+                                <m:t>𝑝</m:t>
+                              </m:r>
+                            </m:e>
+                            <m:sub>
+                              <m:r>
+                                <a:rPr lang="en-US" sz="2900" b="0" i="1" smtClean="0">
+                                  <a:latin typeface="Cambria Math"/>
+                                </a:rPr>
+                                <m:t>𝑗</m:t>
+                              </m:r>
+                            </m:sub>
+                          </m:sSub>
+                          <m:r>
+                            <a:rPr lang="en-US" sz="2900" b="0" i="1" smtClean="0">
+                              <a:latin typeface="Cambria Math"/>
+                            </a:rPr>
+                            <m:t>,</m:t>
+                          </m:r>
+                          <m:sSub>
+                            <m:sSubPr>
+                              <m:ctrlPr>
+                                <a:rPr lang="en-US" sz="2900" b="0" i="1" smtClean="0">
+                                  <a:latin typeface="Cambria Math"/>
+                                </a:rPr>
+                              </m:ctrlPr>
+                            </m:sSubPr>
+                            <m:e>
+                              <m:r>
+                                <a:rPr lang="en-US" sz="2900" b="0" i="1" smtClean="0">
+                                  <a:latin typeface="Cambria Math"/>
+                                </a:rPr>
+                                <m:t>𝑝</m:t>
+                              </m:r>
+                            </m:e>
+                            <m:sub>
+                              <m:r>
+                                <a:rPr lang="en-US" sz="2900" b="0" i="1" smtClean="0">
+                                  <a:latin typeface="Cambria Math"/>
+                                </a:rPr>
+                                <m:t>𝑖</m:t>
+                              </m:r>
+                            </m:sub>
+                          </m:sSub>
+                          <m:r>
+                            <a:rPr lang="en-US" sz="2900" b="0" i="1" smtClean="0">
+                              <a:latin typeface="Cambria Math"/>
+                            </a:rPr>
+                            <m:t>,</m:t>
+                          </m:r>
+                          <m:sSub>
+                            <m:sSubPr>
+                              <m:ctrlPr>
+                                <a:rPr lang="en-US" sz="2900" b="0" i="1" smtClean="0">
+                                  <a:latin typeface="Cambria Math"/>
+                                </a:rPr>
+                              </m:ctrlPr>
+                            </m:sSubPr>
+                            <m:e>
+                              <m:r>
+                                <a:rPr lang="en-US" sz="2900" b="0" i="1" smtClean="0">
+                                  <a:latin typeface="Cambria Math"/>
+                                </a:rPr>
+                                <m:t>𝑟</m:t>
+                              </m:r>
+                            </m:e>
+                            <m:sub>
+                              <m:r>
+                                <a:rPr lang="en-US" sz="2900" b="0" i="1" smtClean="0">
+                                  <a:latin typeface="Cambria Math"/>
+                                </a:rPr>
+                                <m:t>2</m:t>
+                              </m:r>
+                            </m:sub>
+                          </m:sSub>
+                          <m:r>
+                            <a:rPr lang="en-US" sz="2900" b="0" i="1" smtClean="0">
+                              <a:latin typeface="Cambria Math"/>
+                            </a:rPr>
+                            <m:t>)</m:t>
+                          </m:r>
+                        </m:num>
+                        <m:den>
+                          <m:r>
+                            <a:rPr lang="en-US" sz="2900" b="0" i="1" smtClean="0">
+                              <a:latin typeface="Cambria Math"/>
+                            </a:rPr>
+                            <m:t>2</m:t>
+                          </m:r>
+                        </m:den>
+                      </m:f>
+                    </m:oMath>
+                  </m:oMathPara>
+                </a14:m>
+                <a:endParaRPr lang="en-US" sz="2900" b="0" dirty="0" smtClean="0"/>
+              </a:p>
+              <a:p>
+                <a:pPr marL="0" indent="0">
+                  <a:lnSpc>
+                    <a:spcPct val="120000"/>
+                  </a:lnSpc>
+                  <a:spcBef>
+                    <a:spcPts val="1200"/>
+                  </a:spcBef>
+                  <a:buNone/>
+                </a:pPr>
+                <a:endParaRPr lang="en-US" sz="900" dirty="0" smtClean="0"/>
+              </a:p>
+              <a:p>
+                <a:pPr>
+                  <a:lnSpc>
+                    <a:spcPct val="120000"/>
+                  </a:lnSpc>
+                  <a:spcBef>
+                    <a:spcPts val="1200"/>
+                  </a:spcBef>
+                </a:pPr>
+                <a14:m>
+                  <m:oMath xmlns:m="http://schemas.openxmlformats.org/officeDocument/2006/math">
+                    <m:acc>
+                      <m:accPr>
+                        <m:chr m:val="̃"/>
+                        <m:ctrlPr>
+                          <a:rPr lang="en-US" i="1">
+                            <a:latin typeface="Cambria Math"/>
+                          </a:rPr>
+                        </m:ctrlPr>
+                      </m:accPr>
+                      <m:e>
+                        <m:r>
+                          <a:rPr lang="en-US" i="1">
+                            <a:latin typeface="Cambria Math"/>
+                          </a:rPr>
+                          <m:t>𝐶</m:t>
+                        </m:r>
+                      </m:e>
+                    </m:acc>
+                    <m:d>
+                      <m:dPr>
+                        <m:ctrlPr>
+                          <a:rPr lang="en-US" i="1">
+                            <a:latin typeface="Cambria Math"/>
+                          </a:rPr>
+                        </m:ctrlPr>
+                      </m:dPr>
+                      <m:e>
+                        <m:sSub>
+                          <m:sSubPr>
+                            <m:ctrlPr>
+                              <a:rPr lang="en-US" i="1">
+                                <a:latin typeface="Cambria Math"/>
+                              </a:rPr>
+                            </m:ctrlPr>
+                          </m:sSubPr>
+                          <m:e>
+                            <m:r>
+                              <a:rPr lang="en-US" i="1">
+                                <a:latin typeface="Cambria Math"/>
+                              </a:rPr>
+                              <m:t>𝑝</m:t>
+                            </m:r>
+                          </m:e>
+                          <m:sub>
+                            <m:r>
+                              <a:rPr lang="en-US" i="1">
+                                <a:latin typeface="Cambria Math"/>
+                              </a:rPr>
+                              <m:t>𝑖</m:t>
+                            </m:r>
+                          </m:sub>
+                        </m:sSub>
+                        <m:r>
+                          <a:rPr lang="en-US" i="1">
+                            <a:latin typeface="Cambria Math"/>
+                          </a:rPr>
+                          <m:t>,</m:t>
+                        </m:r>
+                        <m:sSub>
+                          <m:sSubPr>
+                            <m:ctrlPr>
+                              <a:rPr lang="en-US" i="1">
+                                <a:latin typeface="Cambria Math"/>
+                              </a:rPr>
+                            </m:ctrlPr>
+                          </m:sSubPr>
+                          <m:e>
+                            <m:r>
+                              <a:rPr lang="en-US" i="1">
+                                <a:latin typeface="Cambria Math"/>
+                              </a:rPr>
+                              <m:t>𝑝</m:t>
+                            </m:r>
+                          </m:e>
+                          <m:sub>
+                            <m:r>
+                              <a:rPr lang="en-US" i="1">
+                                <a:latin typeface="Cambria Math"/>
+                              </a:rPr>
+                              <m:t>𝑗</m:t>
+                            </m:r>
+                          </m:sub>
+                        </m:sSub>
+                        <m:r>
+                          <a:rPr lang="en-US" i="1">
+                            <a:latin typeface="Cambria Math"/>
+                          </a:rPr>
+                          <m:t>,</m:t>
+                        </m:r>
+                        <m:sSub>
+                          <m:sSubPr>
+                            <m:ctrlPr>
+                              <a:rPr lang="en-US" i="1">
+                                <a:latin typeface="Cambria Math"/>
+                              </a:rPr>
+                            </m:ctrlPr>
+                          </m:sSubPr>
+                          <m:e>
+                            <m:r>
+                              <a:rPr lang="en-US" i="1">
+                                <a:latin typeface="Cambria Math"/>
+                              </a:rPr>
+                              <m:t>𝑟</m:t>
+                            </m:r>
+                          </m:e>
+                          <m:sub>
+                            <m:r>
+                              <a:rPr lang="en-US" i="1">
+                                <a:latin typeface="Cambria Math"/>
+                              </a:rPr>
+                              <m:t>1</m:t>
+                            </m:r>
+                          </m:sub>
+                        </m:sSub>
+                      </m:e>
+                    </m:d>
+                  </m:oMath>
+                </a14:m>
+                <a:r>
+                  <a:rPr lang="en-US" dirty="0" smtClean="0"/>
+                  <a:t> – Mutual compatibility between pieces </a:t>
+                </a:r>
+                <a14:m>
+                  <m:oMath xmlns:m="http://schemas.openxmlformats.org/officeDocument/2006/math">
+                    <m:sSub>
+                      <m:sSubPr>
+                        <m:ctrlPr>
+                          <a:rPr lang="en-US" b="0" i="1" smtClean="0">
+                            <a:latin typeface="Cambria Math"/>
+                          </a:rPr>
+                        </m:ctrlPr>
+                      </m:sSubPr>
+                      <m:e>
+                        <m:r>
+                          <a:rPr lang="en-US" b="0" i="1" smtClean="0">
+                            <a:latin typeface="Cambria Math"/>
+                          </a:rPr>
+                          <m:t>𝑝</m:t>
+                        </m:r>
+                      </m:e>
+                      <m:sub>
+                        <m:r>
+                          <a:rPr lang="en-US" b="0" i="1" smtClean="0">
+                            <a:latin typeface="Cambria Math"/>
+                          </a:rPr>
+                          <m:t>𝑖</m:t>
+                        </m:r>
+                      </m:sub>
+                    </m:sSub>
+                  </m:oMath>
+                </a14:m>
+                <a:r>
+                  <a:rPr lang="en-US" dirty="0" smtClean="0"/>
+                  <a:t> and </a:t>
+                </a:r>
+                <a14:m>
+                  <m:oMath xmlns:m="http://schemas.openxmlformats.org/officeDocument/2006/math">
+                    <m:sSub>
+                      <m:sSubPr>
+                        <m:ctrlPr>
+                          <a:rPr lang="en-US" b="0" i="1" smtClean="0">
+                            <a:latin typeface="Cambria Math"/>
+                          </a:rPr>
+                        </m:ctrlPr>
+                      </m:sSubPr>
+                      <m:e>
+                        <m:r>
+                          <a:rPr lang="en-US" b="0" i="1" smtClean="0">
+                            <a:latin typeface="Cambria Math"/>
+                          </a:rPr>
+                          <m:t>𝑝</m:t>
+                        </m:r>
+                      </m:e>
+                      <m:sub>
+                        <m:r>
+                          <a:rPr lang="en-US" b="0" i="1" smtClean="0">
+                            <a:latin typeface="Cambria Math"/>
+                          </a:rPr>
+                          <m:t>𝑗</m:t>
+                        </m:r>
+                      </m:sub>
+                    </m:sSub>
+                  </m:oMath>
+                </a14:m>
+                <a:r>
+                  <a:rPr lang="en-US" dirty="0" smtClean="0"/>
+                  <a:t> for spatial relation </a:t>
+                </a:r>
+                <a14:m>
+                  <m:oMath xmlns:m="http://schemas.openxmlformats.org/officeDocument/2006/math">
+                    <m:sSub>
+                      <m:sSubPr>
+                        <m:ctrlPr>
+                          <a:rPr lang="en-US" b="0" i="1" smtClean="0">
+                            <a:latin typeface="Cambria Math"/>
+                          </a:rPr>
+                        </m:ctrlPr>
+                      </m:sSubPr>
+                      <m:e>
+                        <m:r>
+                          <a:rPr lang="en-US" b="0" i="1" smtClean="0">
+                            <a:latin typeface="Cambria Math"/>
+                          </a:rPr>
+                          <m:t>𝑟</m:t>
+                        </m:r>
+                      </m:e>
+                      <m:sub>
+                        <m:r>
+                          <a:rPr lang="en-US" b="0" i="1" smtClean="0">
+                            <a:latin typeface="Cambria Math"/>
+                          </a:rPr>
+                          <m:t>1</m:t>
+                        </m:r>
+                      </m:sub>
+                    </m:sSub>
+                  </m:oMath>
+                </a14:m>
+                <a:endParaRPr lang="en-US" b="0" dirty="0" smtClean="0"/>
+              </a:p>
+              <a:p>
+                <a:pPr>
+                  <a:lnSpc>
+                    <a:spcPct val="120000"/>
+                  </a:lnSpc>
+                  <a:spcBef>
+                    <a:spcPts val="1200"/>
+                  </a:spcBef>
+                </a:pPr>
+                <a14:m>
+                  <m:oMath xmlns:m="http://schemas.openxmlformats.org/officeDocument/2006/math">
+                    <m:r>
+                      <a:rPr lang="en-US" i="1">
+                        <a:latin typeface="Cambria Math"/>
+                      </a:rPr>
+                      <m:t>𝐶</m:t>
+                    </m:r>
+                    <m:d>
+                      <m:dPr>
+                        <m:ctrlPr>
+                          <a:rPr lang="en-US" i="1">
+                            <a:latin typeface="Cambria Math"/>
+                          </a:rPr>
+                        </m:ctrlPr>
+                      </m:dPr>
+                      <m:e>
+                        <m:sSub>
+                          <m:sSubPr>
+                            <m:ctrlPr>
+                              <a:rPr lang="en-US" i="1">
+                                <a:latin typeface="Cambria Math"/>
+                              </a:rPr>
+                            </m:ctrlPr>
+                          </m:sSubPr>
+                          <m:e>
+                            <m:r>
+                              <a:rPr lang="en-US" i="1">
+                                <a:latin typeface="Cambria Math"/>
+                              </a:rPr>
+                              <m:t>𝑝</m:t>
+                            </m:r>
+                          </m:e>
+                          <m:sub>
+                            <m:r>
+                              <a:rPr lang="en-US" i="1">
+                                <a:latin typeface="Cambria Math"/>
+                              </a:rPr>
+                              <m:t>𝑖</m:t>
+                            </m:r>
+                          </m:sub>
+                        </m:sSub>
+                        <m:r>
+                          <a:rPr lang="en-US" i="1">
+                            <a:latin typeface="Cambria Math"/>
+                          </a:rPr>
+                          <m:t>,</m:t>
+                        </m:r>
+                        <m:sSub>
+                          <m:sSubPr>
+                            <m:ctrlPr>
+                              <a:rPr lang="en-US" i="1">
+                                <a:latin typeface="Cambria Math"/>
+                              </a:rPr>
+                            </m:ctrlPr>
+                          </m:sSubPr>
+                          <m:e>
+                            <m:r>
+                              <a:rPr lang="en-US" i="1">
+                                <a:latin typeface="Cambria Math"/>
+                              </a:rPr>
+                              <m:t>𝑝</m:t>
+                            </m:r>
+                          </m:e>
+                          <m:sub>
+                            <m:r>
+                              <a:rPr lang="en-US" i="1">
+                                <a:latin typeface="Cambria Math"/>
+                              </a:rPr>
+                              <m:t>𝑗</m:t>
+                            </m:r>
+                          </m:sub>
+                        </m:sSub>
+                        <m:r>
+                          <a:rPr lang="en-US" i="1">
+                            <a:latin typeface="Cambria Math"/>
+                          </a:rPr>
+                          <m:t>,</m:t>
+                        </m:r>
+                        <m:sSub>
+                          <m:sSubPr>
+                            <m:ctrlPr>
+                              <a:rPr lang="en-US" i="1">
+                                <a:latin typeface="Cambria Math"/>
+                              </a:rPr>
+                            </m:ctrlPr>
+                          </m:sSubPr>
+                          <m:e>
+                            <m:r>
+                              <a:rPr lang="en-US" i="1">
+                                <a:latin typeface="Cambria Math"/>
+                              </a:rPr>
+                              <m:t>𝑟</m:t>
+                            </m:r>
+                          </m:e>
+                          <m:sub>
+                            <m:r>
+                              <a:rPr lang="en-US" i="1">
+                                <a:latin typeface="Cambria Math"/>
+                              </a:rPr>
+                              <m:t>1</m:t>
+                            </m:r>
+                          </m:sub>
+                        </m:sSub>
+                      </m:e>
+                    </m:d>
+                  </m:oMath>
+                </a14:m>
+                <a:r>
+                  <a:rPr lang="en-US" dirty="0" smtClean="0"/>
+                  <a:t> - </a:t>
+                </a:r>
+                <a:r>
+                  <a:rPr lang="en-US" i="1" dirty="0" smtClean="0"/>
+                  <a:t>Confident </a:t>
+                </a:r>
+                <a:r>
+                  <a:rPr lang="en-US" dirty="0" smtClean="0"/>
+                  <a:t>dissimilarity between </a:t>
+                </a:r>
+                <a:r>
+                  <a:rPr lang="en-US" dirty="0"/>
+                  <a:t>pieces </a:t>
+                </a:r>
+                <a14:m>
+                  <m:oMath xmlns:m="http://schemas.openxmlformats.org/officeDocument/2006/math">
+                    <m:sSub>
+                      <m:sSubPr>
+                        <m:ctrlPr>
+                          <a:rPr lang="en-US" i="1">
+                            <a:latin typeface="Cambria Math"/>
+                          </a:rPr>
+                        </m:ctrlPr>
+                      </m:sSubPr>
+                      <m:e>
+                        <m:r>
+                          <a:rPr lang="en-US" i="1">
+                            <a:latin typeface="Cambria Math"/>
+                          </a:rPr>
+                          <m:t>𝑝</m:t>
+                        </m:r>
+                      </m:e>
+                      <m:sub>
+                        <m:r>
+                          <a:rPr lang="en-US" i="1">
+                            <a:latin typeface="Cambria Math"/>
+                          </a:rPr>
+                          <m:t>𝑖</m:t>
+                        </m:r>
+                      </m:sub>
+                    </m:sSub>
+                  </m:oMath>
+                </a14:m>
+                <a:r>
+                  <a:rPr lang="en-US" dirty="0"/>
+                  <a:t> and </a:t>
+                </a:r>
+                <a14:m>
+                  <m:oMath xmlns:m="http://schemas.openxmlformats.org/officeDocument/2006/math">
+                    <m:sSub>
+                      <m:sSubPr>
+                        <m:ctrlPr>
+                          <a:rPr lang="en-US" i="1">
+                            <a:latin typeface="Cambria Math"/>
+                          </a:rPr>
+                        </m:ctrlPr>
+                      </m:sSubPr>
+                      <m:e>
+                        <m:r>
+                          <a:rPr lang="en-US" i="1">
+                            <a:latin typeface="Cambria Math"/>
+                          </a:rPr>
+                          <m:t>𝑝</m:t>
+                        </m:r>
+                      </m:e>
+                      <m:sub>
+                        <m:r>
+                          <a:rPr lang="en-US" i="1">
+                            <a:latin typeface="Cambria Math"/>
+                          </a:rPr>
+                          <m:t>𝑗</m:t>
+                        </m:r>
+                      </m:sub>
+                    </m:sSub>
+                  </m:oMath>
+                </a14:m>
+                <a:r>
+                  <a:rPr lang="en-US" dirty="0"/>
+                  <a:t> for spatial relation </a:t>
+                </a:r>
+                <a14:m>
+                  <m:oMath xmlns:m="http://schemas.openxmlformats.org/officeDocument/2006/math">
+                    <m:sSub>
+                      <m:sSubPr>
+                        <m:ctrlPr>
+                          <a:rPr lang="en-US" i="1">
+                            <a:latin typeface="Cambria Math"/>
+                          </a:rPr>
+                        </m:ctrlPr>
+                      </m:sSubPr>
+                      <m:e>
+                        <m:r>
+                          <a:rPr lang="en-US" i="1">
+                            <a:latin typeface="Cambria Math"/>
+                          </a:rPr>
+                          <m:t>𝑟</m:t>
+                        </m:r>
+                      </m:e>
+                      <m:sub>
+                        <m:r>
+                          <a:rPr lang="en-US" i="1">
+                            <a:latin typeface="Cambria Math"/>
+                          </a:rPr>
+                          <m:t>1</m:t>
+                        </m:r>
+                      </m:sub>
+                    </m:sSub>
+                  </m:oMath>
+                </a14:m>
+                <a:endParaRPr lang="en-US" dirty="0" smtClean="0"/>
+              </a:p>
+              <a:p>
+                <a:pPr>
+                  <a:lnSpc>
+                    <a:spcPct val="120000"/>
+                  </a:lnSpc>
+                  <a:spcBef>
+                    <a:spcPts val="1200"/>
+                  </a:spcBef>
+                </a:pPr>
+                <a14:m>
+                  <m:oMath xmlns:m="http://schemas.openxmlformats.org/officeDocument/2006/math">
+                    <m:sSub>
+                      <m:sSubPr>
+                        <m:ctrlPr>
+                          <a:rPr lang="en-US" b="0" i="1" smtClean="0">
+                            <a:latin typeface="Cambria Math"/>
+                          </a:rPr>
+                        </m:ctrlPr>
+                      </m:sSubPr>
+                      <m:e>
+                        <m:r>
+                          <a:rPr lang="en-US" b="0" i="1" smtClean="0">
+                            <a:latin typeface="Cambria Math"/>
+                          </a:rPr>
+                          <m:t>𝑟</m:t>
+                        </m:r>
+                      </m:e>
+                      <m:sub>
+                        <m:r>
+                          <a:rPr lang="en-US" b="0" i="1" smtClean="0">
+                            <a:latin typeface="Cambria Math"/>
+                          </a:rPr>
+                          <m:t>2</m:t>
+                        </m:r>
+                      </m:sub>
+                    </m:sSub>
+                  </m:oMath>
+                </a14:m>
+                <a:r>
+                  <a:rPr lang="en-US" dirty="0" smtClean="0"/>
+                  <a:t> - Complementary spatial relationship with </a:t>
+                </a:r>
+                <a14:m>
+                  <m:oMath xmlns:m="http://schemas.openxmlformats.org/officeDocument/2006/math">
+                    <m:sSub>
+                      <m:sSubPr>
+                        <m:ctrlPr>
+                          <a:rPr lang="en-US" b="0" i="1" smtClean="0">
+                            <a:latin typeface="Cambria Math"/>
+                          </a:rPr>
+                        </m:ctrlPr>
+                      </m:sSubPr>
+                      <m:e>
+                        <m:r>
+                          <a:rPr lang="en-US" b="0" i="1" smtClean="0">
+                            <a:latin typeface="Cambria Math"/>
+                          </a:rPr>
+                          <m:t>𝑟</m:t>
+                        </m:r>
+                      </m:e>
+                      <m:sub>
+                        <m:r>
+                          <a:rPr lang="en-US" b="0" i="1" smtClean="0">
+                            <a:latin typeface="Cambria Math"/>
+                          </a:rPr>
+                          <m:t>1</m:t>
+                        </m:r>
+                      </m:sub>
+                    </m:sSub>
+                  </m:oMath>
+                </a14:m>
+                <a:r>
+                  <a:rPr lang="en-US" dirty="0" smtClean="0"/>
+                  <a:t>.  Example.  If </a:t>
+                </a:r>
+                <a14:m>
+                  <m:oMath xmlns:m="http://schemas.openxmlformats.org/officeDocument/2006/math">
+                    <m:sSub>
+                      <m:sSubPr>
+                        <m:ctrlPr>
+                          <a:rPr lang="en-US" b="0" i="1" smtClean="0">
+                            <a:latin typeface="Cambria Math"/>
+                          </a:rPr>
+                        </m:ctrlPr>
+                      </m:sSubPr>
+                      <m:e>
+                        <m:r>
+                          <a:rPr lang="en-US" b="0" i="1" smtClean="0">
+                            <a:latin typeface="Cambria Math"/>
+                          </a:rPr>
+                          <m:t>𝑟</m:t>
+                        </m:r>
+                      </m:e>
+                      <m:sub>
+                        <m:r>
+                          <a:rPr lang="en-US" b="0" i="1" smtClean="0">
+                            <a:latin typeface="Cambria Math"/>
+                          </a:rPr>
+                          <m:t>1</m:t>
+                        </m:r>
+                      </m:sub>
+                    </m:sSub>
+                  </m:oMath>
+                </a14:m>
+                <a:r>
+                  <a:rPr lang="en-US" dirty="0" smtClean="0"/>
+                  <a:t> is right, then </a:t>
+                </a:r>
+                <a14:m>
+                  <m:oMath xmlns:m="http://schemas.openxmlformats.org/officeDocument/2006/math">
+                    <m:sSub>
+                      <m:sSubPr>
+                        <m:ctrlPr>
+                          <a:rPr lang="en-US" b="0" i="1" smtClean="0">
+                            <a:latin typeface="Cambria Math"/>
+                          </a:rPr>
+                        </m:ctrlPr>
+                      </m:sSubPr>
+                      <m:e>
+                        <m:r>
+                          <a:rPr lang="en-US" b="0" i="1" smtClean="0">
+                            <a:latin typeface="Cambria Math"/>
+                          </a:rPr>
+                          <m:t>𝑟</m:t>
+                        </m:r>
+                      </m:e>
+                      <m:sub>
+                        <m:r>
+                          <a:rPr lang="en-US" b="0" i="1" smtClean="0">
+                            <a:latin typeface="Cambria Math"/>
+                          </a:rPr>
+                          <m:t>2</m:t>
+                        </m:r>
+                      </m:sub>
+                    </m:sSub>
+                  </m:oMath>
+                </a14:m>
+                <a:r>
+                  <a:rPr lang="en-US" dirty="0" smtClean="0"/>
+                  <a:t> is left.</a:t>
+                </a:r>
+                <a:endParaRPr lang="en-US" dirty="0"/>
+              </a:p>
+            </p:txBody>
+          </p:sp>
+        </mc:Choice>
+        <mc:Fallback>
+          <p:sp>
+            <p:nvSpPr>
+              <p:cNvPr id="3" name="Content Placeholder 2"/>
+              <p:cNvSpPr>
+                <a:spLocks noGrp="1" noRot="1" noChangeAspect="1" noMove="1" noResize="1" noEditPoints="1" noAdjustHandles="1" noChangeArrowheads="1" noChangeShapeType="1" noTextEdit="1"/>
+              </p:cNvSpPr>
+              <p:nvPr>
+                <p:ph idx="1"/>
+              </p:nvPr>
+            </p:nvSpPr>
+            <p:spPr>
+              <a:blipFill rotWithShape="1">
+                <a:blip r:embed="rId2"/>
+                <a:stretch>
+                  <a:fillRect l="-296" t="-356" r="-222"/>
+                </a:stretch>
+              </a:blipFill>
+            </p:spPr>
+            <p:txBody>
+              <a:bodyPr/>
+              <a:lstStyle/>
+              <a:p>
+                <a:r>
+                  <a:rPr lang="en-US">
+                    <a:noFill/>
+                  </a:rPr>
+                  <a:t> </a:t>
+                </a:r>
+              </a:p>
+            </p:txBody>
+          </p:sp>
+        </mc:Fallback>
+      </mc:AlternateContent>
+    </p:spTree>
+    <p:extLst>
+      <p:ext uri="{BB962C8B-B14F-4D97-AF65-F5344CB8AC3E}">
+        <p14:creationId xmlns:p14="http://schemas.microsoft.com/office/powerpoint/2010/main" val="88241646"/>
+      </p:ext>
+    </p:extLst>
+  </p:cSld>
+  <p:clrMapOvr>
+    <a:masterClrMapping/>
+  </p:clrMapOvr>
+</p:sld>
+</file>
+
+<file path=ppt/slides/slide54.xml><?xml version="1.0" encoding="utf-8"?>
+<p:sld xmlns:a="http://schemas.openxmlformats.org/drawingml/2006/main" xmlns:r="http://schemas.openxmlformats.org/officeDocument/2006/relationships" xmlns:p="http://schemas.openxmlformats.org/presentationml/2006/main">
+  <p:cSld>
+    <p:spTree>
+      <p:nvGrpSpPr>
+        <p:cNvPr id="1" name=""/>
+        <p:cNvGrpSpPr/>
+        <p:nvPr/>
+      </p:nvGrpSpPr>
+      <p:grpSpPr>
+        <a:xfrm>
+          <a:off x="0" y="0"/>
+          <a:ext cx="0" cy="0"/>
+          <a:chOff x="0" y="0"/>
+          <a:chExt cx="0" cy="0"/>
+        </a:xfrm>
+      </p:grpSpPr>
+      <p:sp>
+        <p:nvSpPr>
+          <p:cNvPr id="2" name="Title 1"/>
+          <p:cNvSpPr>
+            <a:spLocks noGrp="1"/>
+          </p:cNvSpPr>
+          <p:nvPr>
+            <p:ph type="title"/>
+          </p:nvPr>
+        </p:nvSpPr>
+        <p:spPr/>
+        <p:txBody>
+          <a:bodyPr>
+            <a:normAutofit fontScale="90000"/>
+          </a:bodyPr>
+          <a:lstStyle/>
+          <a:p>
+            <a:r>
+              <a:rPr lang="en-US" dirty="0" smtClean="0"/>
+              <a:t>Phase #3: Placement Algorithm</a:t>
+            </a:r>
+            <a:endParaRPr lang="en-US" dirty="0"/>
+          </a:p>
+        </p:txBody>
+      </p:sp>
+      <p:sp>
+        <p:nvSpPr>
+          <p:cNvPr id="3" name="Content Placeholder 2"/>
+          <p:cNvSpPr>
+            <a:spLocks noGrp="1"/>
+          </p:cNvSpPr>
+          <p:nvPr>
+            <p:ph idx="1"/>
+          </p:nvPr>
+        </p:nvSpPr>
+        <p:spPr>
+          <a:xfrm>
+            <a:off x="195948" y="989013"/>
+            <a:ext cx="8686800" cy="5135562"/>
+          </a:xfrm>
+        </p:spPr>
+        <p:txBody>
+          <a:bodyPr>
+            <a:normAutofit/>
+          </a:bodyPr>
+          <a:lstStyle/>
+          <a:p>
+            <a:pPr marL="0" indent="0">
+              <a:buNone/>
+            </a:pPr>
+            <a:r>
+              <a:rPr lang="en-US" dirty="0" smtClean="0">
+                <a:solidFill>
+                  <a:srgbClr val="000099"/>
+                </a:solidFill>
+                <a:latin typeface="Consolas" panose="020B0609020204030204" pitchFamily="49" charset="0"/>
+              </a:rPr>
+              <a:t>While</a:t>
+            </a:r>
+            <a:r>
+              <a:rPr lang="en-US" dirty="0" smtClean="0">
+                <a:latin typeface="Consolas" panose="020B0609020204030204" pitchFamily="49" charset="0"/>
+              </a:rPr>
+              <a:t> there are unplaced pieces</a:t>
+            </a:r>
+          </a:p>
+          <a:p>
+            <a:pPr marL="0" indent="0">
+              <a:buNone/>
+            </a:pPr>
+            <a:endParaRPr lang="en-US" dirty="0" smtClean="0">
+              <a:latin typeface="Consolas" panose="020B0609020204030204" pitchFamily="49" charset="0"/>
+            </a:endParaRPr>
+          </a:p>
+          <a:p>
+            <a:pPr marL="0" indent="0">
+              <a:buNone/>
+            </a:pPr>
+            <a:r>
+              <a:rPr lang="en-US" dirty="0">
+                <a:latin typeface="Consolas" panose="020B0609020204030204" pitchFamily="49" charset="0"/>
+              </a:rPr>
+              <a:t> </a:t>
+            </a:r>
+            <a:r>
+              <a:rPr lang="en-US" dirty="0" smtClean="0">
+                <a:latin typeface="Consolas" panose="020B0609020204030204" pitchFamily="49" charset="0"/>
+              </a:rPr>
+              <a:t>   </a:t>
+            </a:r>
+            <a:r>
+              <a:rPr lang="en-US" dirty="0">
+                <a:solidFill>
+                  <a:srgbClr val="000099"/>
+                </a:solidFill>
+                <a:latin typeface="Consolas" panose="020B0609020204030204" pitchFamily="49" charset="0"/>
+              </a:rPr>
+              <a:t>if</a:t>
+            </a:r>
+            <a:r>
+              <a:rPr lang="en-US" dirty="0" smtClean="0">
+                <a:latin typeface="Consolas" panose="020B0609020204030204" pitchFamily="49" charset="0"/>
+              </a:rPr>
+              <a:t> the pool is not empty</a:t>
+            </a:r>
+          </a:p>
+          <a:p>
+            <a:pPr marL="0" indent="0">
+              <a:buNone/>
+            </a:pPr>
+            <a:r>
+              <a:rPr lang="en-US" dirty="0" smtClean="0">
+                <a:latin typeface="Consolas" panose="020B0609020204030204" pitchFamily="49" charset="0"/>
+              </a:rPr>
+              <a:t>          Extract the best candidate from the pool</a:t>
+            </a:r>
+            <a:endParaRPr lang="en-US" dirty="0">
+              <a:latin typeface="Consolas" panose="020B0609020204030204" pitchFamily="49" charset="0"/>
+            </a:endParaRPr>
+          </a:p>
+          <a:p>
+            <a:pPr marL="0" indent="0">
+              <a:buNone/>
+            </a:pPr>
+            <a:r>
+              <a:rPr lang="en-US" dirty="0" smtClean="0">
+                <a:latin typeface="Consolas" panose="020B0609020204030204" pitchFamily="49" charset="0"/>
+              </a:rPr>
+              <a:t>    </a:t>
+            </a:r>
+            <a:r>
+              <a:rPr lang="en-US" dirty="0">
+                <a:solidFill>
+                  <a:srgbClr val="000099"/>
+                </a:solidFill>
+                <a:latin typeface="Consolas" panose="020B0609020204030204" pitchFamily="49" charset="0"/>
+              </a:rPr>
+              <a:t>else</a:t>
+            </a:r>
+          </a:p>
+          <a:p>
+            <a:pPr marL="0" indent="0">
+              <a:buNone/>
+            </a:pPr>
+            <a:r>
+              <a:rPr lang="en-US" dirty="0">
+                <a:latin typeface="Consolas" panose="020B0609020204030204" pitchFamily="49" charset="0"/>
+              </a:rPr>
+              <a:t> </a:t>
+            </a:r>
+            <a:r>
+              <a:rPr lang="en-US" dirty="0" smtClean="0">
+                <a:latin typeface="Consolas" panose="020B0609020204030204" pitchFamily="49" charset="0"/>
+              </a:rPr>
+              <a:t>       Recalculate the compatibility function</a:t>
+            </a:r>
+          </a:p>
+          <a:p>
+            <a:pPr marL="0" indent="0">
+              <a:buNone/>
+            </a:pPr>
+            <a:r>
+              <a:rPr lang="en-US" dirty="0">
+                <a:latin typeface="Consolas" panose="020B0609020204030204" pitchFamily="49" charset="0"/>
+              </a:rPr>
+              <a:t> </a:t>
+            </a:r>
+            <a:r>
+              <a:rPr lang="en-US" dirty="0" smtClean="0">
+                <a:latin typeface="Consolas" panose="020B0609020204030204" pitchFamily="49" charset="0"/>
+              </a:rPr>
+              <a:t>       Find the best neighbors (not best buddies)</a:t>
+            </a:r>
+          </a:p>
+          <a:p>
+            <a:pPr marL="0" indent="0">
+              <a:buNone/>
+            </a:pPr>
+            <a:r>
+              <a:rPr lang="en-US" dirty="0">
+                <a:latin typeface="Consolas" panose="020B0609020204030204" pitchFamily="49" charset="0"/>
+              </a:rPr>
+              <a:t> </a:t>
+            </a:r>
+            <a:r>
+              <a:rPr lang="en-US" dirty="0" smtClean="0">
+                <a:latin typeface="Consolas" panose="020B0609020204030204" pitchFamily="49" charset="0"/>
+              </a:rPr>
+              <a:t>   </a:t>
+            </a:r>
+          </a:p>
+          <a:p>
+            <a:pPr marL="0" indent="0">
+              <a:buNone/>
+            </a:pPr>
+            <a:r>
+              <a:rPr lang="en-US" dirty="0">
+                <a:latin typeface="Consolas" panose="020B0609020204030204" pitchFamily="49" charset="0"/>
+              </a:rPr>
+              <a:t> </a:t>
+            </a:r>
+            <a:r>
+              <a:rPr lang="en-US" dirty="0" smtClean="0">
+                <a:latin typeface="Consolas" panose="020B0609020204030204" pitchFamily="49" charset="0"/>
+              </a:rPr>
+              <a:t>   Place the above best piece</a:t>
+            </a:r>
+          </a:p>
+          <a:p>
+            <a:pPr marL="0" indent="0">
+              <a:buNone/>
+            </a:pPr>
+            <a:r>
+              <a:rPr lang="en-US" dirty="0">
+                <a:latin typeface="Consolas" panose="020B0609020204030204" pitchFamily="49" charset="0"/>
+              </a:rPr>
+              <a:t> </a:t>
+            </a:r>
+            <a:r>
+              <a:rPr lang="en-US" dirty="0" smtClean="0">
+                <a:latin typeface="Consolas" panose="020B0609020204030204" pitchFamily="49" charset="0"/>
+              </a:rPr>
+              <a:t>   Add the best buddies of the piece to the pool</a:t>
+            </a:r>
+          </a:p>
+        </p:txBody>
+      </p:sp>
+    </p:spTree>
+    <p:extLst>
+      <p:ext uri="{BB962C8B-B14F-4D97-AF65-F5344CB8AC3E}">
+        <p14:creationId xmlns:p14="http://schemas.microsoft.com/office/powerpoint/2010/main" val="103347594"/>
+      </p:ext>
+    </p:extLst>
+  </p:cSld>
+  <p:clrMapOvr>
+    <a:masterClrMapping/>
+  </p:clrMapOvr>
+</p:sld>
+</file>
+
+<file path=ppt/slides/slide55.xml><?xml version="1.0" encoding="utf-8"?>
+<p:sld xmlns:a="http://schemas.openxmlformats.org/drawingml/2006/main" xmlns:r="http://schemas.openxmlformats.org/officeDocument/2006/relationships" xmlns:p="http://schemas.openxmlformats.org/presentationml/2006/main">
+  <p:cSld>
+    <p:spTree>
+      <p:nvGrpSpPr>
+        <p:cNvPr id="1" name=""/>
+        <p:cNvGrpSpPr/>
+        <p:nvPr/>
+      </p:nvGrpSpPr>
+      <p:grpSpPr>
+        <a:xfrm>
+          <a:off x="0" y="0"/>
+          <a:ext cx="0" cy="0"/>
+          <a:chOff x="0" y="0"/>
+          <a:chExt cx="0" cy="0"/>
+        </a:xfrm>
+      </p:grpSpPr>
+      <p:sp>
+        <p:nvSpPr>
+          <p:cNvPr id="2" name="Title 1"/>
+          <p:cNvSpPr>
+            <a:spLocks noGrp="1"/>
+          </p:cNvSpPr>
+          <p:nvPr>
+            <p:ph type="title"/>
+          </p:nvPr>
+        </p:nvSpPr>
+        <p:spPr/>
+        <p:txBody>
+          <a:bodyPr>
+            <a:normAutofit fontScale="90000"/>
+          </a:bodyPr>
+          <a:lstStyle/>
+          <a:p>
+            <a:r>
+              <a:rPr lang="en-US" dirty="0" smtClean="0"/>
+              <a:t>Phase #3: Placement Overview</a:t>
+            </a:r>
+            <a:endParaRPr lang="en-US" dirty="0"/>
+          </a:p>
+        </p:txBody>
+      </p:sp>
+      <p:sp>
+        <p:nvSpPr>
+          <p:cNvPr id="3" name="Content Placeholder 2"/>
+          <p:cNvSpPr>
+            <a:spLocks noGrp="1"/>
+          </p:cNvSpPr>
+          <p:nvPr>
+            <p:ph idx="1"/>
+          </p:nvPr>
+        </p:nvSpPr>
+        <p:spPr/>
+        <p:txBody>
+          <a:bodyPr>
+            <a:normAutofit/>
+          </a:bodyPr>
+          <a:lstStyle/>
+          <a:p>
+            <a:r>
+              <a:rPr lang="en-US" dirty="0" smtClean="0"/>
+              <a:t>If the pool is not empty, then the “best candidate” is defined as the one with the highest mutual compatibility.</a:t>
+            </a:r>
+          </a:p>
+          <a:p>
+            <a:pPr lvl="1"/>
+            <a:r>
+              <a:rPr lang="en-US" dirty="0" smtClean="0"/>
+              <a:t>Unlike best buddies which used asymmetric dissimilarity, the greedy placed uses mutual compatibility.</a:t>
+            </a:r>
+          </a:p>
+          <a:p>
+            <a:pPr lvl="1"/>
+            <a:endParaRPr lang="en-US" dirty="0"/>
+          </a:p>
+          <a:p>
+            <a:r>
+              <a:rPr lang="en-US" dirty="0" smtClean="0"/>
+              <a:t>If the pool is empty, the mutual compatibility values are recalculated using only the unplaced pieces </a:t>
+            </a:r>
+            <a:r>
+              <a:rPr lang="en-US" i="1" dirty="0" smtClean="0"/>
+              <a:t>and the border pieces in the puzzle</a:t>
+            </a:r>
+            <a:r>
+              <a:rPr lang="en-US" dirty="0" smtClean="0"/>
+              <a:t>.  </a:t>
+            </a:r>
+          </a:p>
+          <a:p>
+            <a:pPr lvl="1"/>
+            <a:r>
+              <a:rPr lang="en-US" dirty="0" smtClean="0"/>
+              <a:t>The piece with the highest mutual compatibility is then placed onto the board</a:t>
+            </a:r>
+          </a:p>
+          <a:p>
+            <a:pPr lvl="1"/>
+            <a:r>
+              <a:rPr lang="en-US" dirty="0" smtClean="0"/>
+              <a:t>The newly placed piece’s best buddies (if any) are placed into the pool.</a:t>
+            </a:r>
+          </a:p>
+        </p:txBody>
+      </p:sp>
+    </p:spTree>
+    <p:extLst>
+      <p:ext uri="{BB962C8B-B14F-4D97-AF65-F5344CB8AC3E}">
+        <p14:creationId xmlns:p14="http://schemas.microsoft.com/office/powerpoint/2010/main" val="2342260290"/>
+      </p:ext>
+    </p:extLst>
+  </p:cSld>
+  <p:clrMapOvr>
+    <a:masterClrMapping/>
+  </p:clrMapOvr>
+</p:sld>
+</file>
+
+<file path=ppt/slides/slide56.xml><?xml version="1.0" encoding="utf-8"?>
+<p:sld xmlns:a="http://schemas.openxmlformats.org/drawingml/2006/main" xmlns:r="http://schemas.openxmlformats.org/officeDocument/2006/relationships" xmlns:p="http://schemas.openxmlformats.org/presentationml/2006/main">
+  <p:cSld>
+    <p:spTree>
+      <p:nvGrpSpPr>
+        <p:cNvPr id="1" name=""/>
+        <p:cNvGrpSpPr/>
+        <p:nvPr/>
+      </p:nvGrpSpPr>
+      <p:grpSpPr>
+        <a:xfrm>
+          <a:off x="0" y="0"/>
+          <a:ext cx="0" cy="0"/>
+          <a:chOff x="0" y="0"/>
+          <a:chExt cx="0" cy="0"/>
+        </a:xfrm>
+      </p:grpSpPr>
+      <p:sp>
+        <p:nvSpPr>
+          <p:cNvPr id="2" name="Title 1"/>
+          <p:cNvSpPr>
+            <a:spLocks noGrp="1"/>
+          </p:cNvSpPr>
+          <p:nvPr>
+            <p:ph type="title"/>
+          </p:nvPr>
+        </p:nvSpPr>
+        <p:spPr/>
+        <p:txBody>
+          <a:bodyPr>
+            <a:normAutofit fontScale="90000"/>
+          </a:bodyPr>
+          <a:lstStyle/>
+          <a:p>
+            <a:r>
+              <a:rPr lang="en-US" dirty="0" smtClean="0"/>
+              <a:t>Phase #3: Handling Multiple Puzzles</a:t>
+            </a:r>
+            <a:endParaRPr lang="en-US" dirty="0"/>
+          </a:p>
+        </p:txBody>
+      </p:sp>
+      <p:sp>
+        <p:nvSpPr>
+          <p:cNvPr id="3" name="Content Placeholder 2"/>
+          <p:cNvSpPr>
+            <a:spLocks noGrp="1"/>
+          </p:cNvSpPr>
+          <p:nvPr>
+            <p:ph idx="1"/>
+          </p:nvPr>
+        </p:nvSpPr>
+        <p:spPr/>
+        <p:txBody>
+          <a:bodyPr>
+            <a:normAutofit fontScale="92500"/>
+          </a:bodyPr>
+          <a:lstStyle/>
+          <a:p>
+            <a:pPr>
+              <a:lnSpc>
+                <a:spcPct val="110000"/>
+              </a:lnSpc>
+              <a:spcBef>
+                <a:spcPts val="1200"/>
+              </a:spcBef>
+            </a:pPr>
+            <a:r>
+              <a:rPr lang="en-US" dirty="0" smtClean="0"/>
+              <a:t>Other than the pieces themselves, the only input into Paikin and Tal’s algorithm is the number of puzzles</a:t>
+            </a:r>
+          </a:p>
+          <a:p>
+            <a:pPr lvl="1">
+              <a:lnSpc>
+                <a:spcPct val="110000"/>
+              </a:lnSpc>
+              <a:spcBef>
+                <a:spcPts val="1200"/>
+              </a:spcBef>
+            </a:pPr>
+            <a:r>
+              <a:rPr lang="en-US" dirty="0" smtClean="0"/>
+              <a:t>If the “bag of pieces” is from multiple boards, only one small change is required to their algorithm.</a:t>
+            </a:r>
+          </a:p>
+          <a:p>
+            <a:pPr>
+              <a:lnSpc>
+                <a:spcPct val="110000"/>
+              </a:lnSpc>
+              <a:spcBef>
+                <a:spcPts val="1200"/>
+              </a:spcBef>
+            </a:pPr>
+            <a:endParaRPr lang="en-US" sz="1000" dirty="0"/>
+          </a:p>
+          <a:p>
+            <a:pPr>
+              <a:lnSpc>
+                <a:spcPct val="110000"/>
+              </a:lnSpc>
+              <a:spcBef>
+                <a:spcPts val="1200"/>
+              </a:spcBef>
+            </a:pPr>
+            <a:r>
+              <a:rPr lang="en-US" b="1" dirty="0" smtClean="0"/>
+              <a:t>Modified Approach: </a:t>
+            </a:r>
+            <a:r>
+              <a:rPr lang="en-US" dirty="0" smtClean="0"/>
+              <a:t>When the mutual compatibility </a:t>
+            </a:r>
+            <a:r>
+              <a:rPr lang="en-US" i="1" dirty="0" smtClean="0"/>
+              <a:t>between placed and unplaced pieces</a:t>
+            </a:r>
+            <a:r>
+              <a:rPr lang="en-US" dirty="0" smtClean="0"/>
+              <a:t> drops below a specified threshold (e.g. 0.5), the candidate pool is cleared, and a new puzzle is started.</a:t>
+            </a:r>
+          </a:p>
+          <a:p>
+            <a:pPr lvl="1">
+              <a:lnSpc>
+                <a:spcPct val="110000"/>
+              </a:lnSpc>
+              <a:spcBef>
+                <a:spcPts val="1200"/>
+              </a:spcBef>
+            </a:pPr>
+            <a:r>
+              <a:rPr lang="en-US" dirty="0" smtClean="0"/>
+              <a:t>The seed of the new puzzle uses the same approach that was used for the first puzzle.</a:t>
+            </a:r>
+          </a:p>
+          <a:p>
+            <a:pPr lvl="1">
+              <a:lnSpc>
+                <a:spcPct val="110000"/>
+              </a:lnSpc>
+              <a:spcBef>
+                <a:spcPts val="1200"/>
+              </a:spcBef>
+            </a:pPr>
+            <a:r>
+              <a:rPr lang="en-US" dirty="0" smtClean="0"/>
+              <a:t>New puzzles can be created up to the specified value.</a:t>
+            </a:r>
+          </a:p>
+          <a:p>
+            <a:pPr lvl="1">
+              <a:lnSpc>
+                <a:spcPct val="110000"/>
+              </a:lnSpc>
+              <a:spcBef>
+                <a:spcPts val="1200"/>
+              </a:spcBef>
+            </a:pPr>
+            <a:r>
+              <a:rPr lang="en-US" dirty="0" smtClean="0"/>
+              <a:t>Placement goes on simultaneously across all puzzles.</a:t>
+            </a:r>
+          </a:p>
+        </p:txBody>
+      </p:sp>
+    </p:spTree>
+    <p:extLst>
+      <p:ext uri="{BB962C8B-B14F-4D97-AF65-F5344CB8AC3E}">
+        <p14:creationId xmlns:p14="http://schemas.microsoft.com/office/powerpoint/2010/main" val="3801036123"/>
+      </p:ext>
+    </p:extLst>
+  </p:cSld>
+  <p:clrMapOvr>
+    <a:masterClrMapping/>
+  </p:clrMapOvr>
+</p:sld>
+</file>
+
+<file path=ppt/slides/slide57.xml><?xml version="1.0" encoding="utf-8"?>
+<p:sld xmlns:a="http://schemas.openxmlformats.org/drawingml/2006/main" xmlns:r="http://schemas.openxmlformats.org/officeDocument/2006/relationships" xmlns:p="http://schemas.openxmlformats.org/presentationml/2006/main">
+  <p:cSld>
+    <p:spTree>
+      <p:nvGrpSpPr>
+        <p:cNvPr id="1" name=""/>
+        <p:cNvGrpSpPr/>
+        <p:nvPr/>
+      </p:nvGrpSpPr>
+      <p:grpSpPr>
+        <a:xfrm>
+          <a:off x="0" y="0"/>
+          <a:ext cx="0" cy="0"/>
+          <a:chOff x="0" y="0"/>
+          <a:chExt cx="0" cy="0"/>
+        </a:xfrm>
+      </p:grpSpPr>
+      <p:sp>
+        <p:nvSpPr>
+          <p:cNvPr id="2" name="Title 1"/>
+          <p:cNvSpPr>
+            <a:spLocks noGrp="1"/>
+          </p:cNvSpPr>
+          <p:nvPr>
+            <p:ph type="title"/>
+          </p:nvPr>
+        </p:nvSpPr>
+        <p:spPr/>
+        <p:txBody>
+          <a:bodyPr>
+            <a:normAutofit fontScale="90000"/>
+          </a:bodyPr>
+          <a:lstStyle/>
+          <a:p>
+            <a:r>
+              <a:rPr lang="en-US" dirty="0" smtClean="0"/>
+              <a:t>Phase #3: Handling Missing Pieces</a:t>
+            </a:r>
+            <a:endParaRPr lang="en-US" dirty="0"/>
+          </a:p>
+        </p:txBody>
+      </p:sp>
+      <p:sp>
+        <p:nvSpPr>
+          <p:cNvPr id="3" name="Content Placeholder 2"/>
+          <p:cNvSpPr>
+            <a:spLocks noGrp="1"/>
+          </p:cNvSpPr>
+          <p:nvPr>
+            <p:ph idx="1"/>
+          </p:nvPr>
+        </p:nvSpPr>
+        <p:spPr/>
+        <p:txBody>
+          <a:bodyPr>
+            <a:normAutofit/>
+          </a:bodyPr>
+          <a:lstStyle/>
+          <a:p>
+            <a:pPr>
+              <a:lnSpc>
+                <a:spcPct val="110000"/>
+              </a:lnSpc>
+              <a:spcBef>
+                <a:spcPts val="1200"/>
+              </a:spcBef>
+            </a:pPr>
+            <a:r>
+              <a:rPr lang="en-US" dirty="0" smtClean="0"/>
+              <a:t>Unlike previous attempts at the problem, Paikan and Tal never specifically try to fill a particular slot in the puzzle.</a:t>
+            </a:r>
+          </a:p>
+          <a:p>
+            <a:pPr>
+              <a:lnSpc>
+                <a:spcPct val="110000"/>
+              </a:lnSpc>
+              <a:spcBef>
+                <a:spcPts val="1200"/>
+              </a:spcBef>
+            </a:pPr>
+            <a:endParaRPr lang="en-US" dirty="0"/>
+          </a:p>
+          <a:p>
+            <a:pPr>
+              <a:lnSpc>
+                <a:spcPct val="110000"/>
+              </a:lnSpc>
+              <a:spcBef>
+                <a:spcPts val="1200"/>
+              </a:spcBef>
+            </a:pPr>
+            <a:r>
+              <a:rPr lang="en-US" dirty="0" smtClean="0"/>
+              <a:t>Rather Paikan and Tal always try to fill the slot in which they have the most confidence.</a:t>
+            </a:r>
+          </a:p>
+          <a:p>
+            <a:pPr>
+              <a:lnSpc>
+                <a:spcPct val="110000"/>
+              </a:lnSpc>
+              <a:spcBef>
+                <a:spcPts val="1200"/>
+              </a:spcBef>
+            </a:pPr>
+            <a:endParaRPr lang="en-US" dirty="0"/>
+          </a:p>
+          <a:p>
+            <a:pPr>
+              <a:lnSpc>
+                <a:spcPct val="110000"/>
+              </a:lnSpc>
+              <a:spcBef>
+                <a:spcPts val="1200"/>
+              </a:spcBef>
+            </a:pPr>
+            <a:r>
+              <a:rPr lang="en-US" dirty="0" smtClean="0"/>
+              <a:t>This allows their algorithm to handle missing puzzle pieces.</a:t>
+            </a:r>
+          </a:p>
+        </p:txBody>
+      </p:sp>
+    </p:spTree>
+    <p:extLst>
+      <p:ext uri="{BB962C8B-B14F-4D97-AF65-F5344CB8AC3E}">
+        <p14:creationId xmlns:p14="http://schemas.microsoft.com/office/powerpoint/2010/main" val="4003086978"/>
+      </p:ext>
+    </p:extLst>
+  </p:cSld>
+  <p:clrMapOvr>
+    <a:masterClrMapping/>
+  </p:clrMapOvr>
+</p:sld>
+</file>
+
+<file path=ppt/slides/slide58.xml><?xml version="1.0" encoding="utf-8"?>
+<p:sld xmlns:a="http://schemas.openxmlformats.org/drawingml/2006/main" xmlns:r="http://schemas.openxmlformats.org/officeDocument/2006/relationships" xmlns:p="http://schemas.openxmlformats.org/presentationml/2006/main">
+  <p:cSld>
+    <p:spTree>
+      <p:nvGrpSpPr>
+        <p:cNvPr id="1" name=""/>
+        <p:cNvGrpSpPr/>
+        <p:nvPr/>
+      </p:nvGrpSpPr>
+      <p:grpSpPr>
+        <a:xfrm>
+          <a:off x="0" y="0"/>
+          <a:ext cx="0" cy="0"/>
+          <a:chOff x="0" y="0"/>
+          <a:chExt cx="0" cy="0"/>
+        </a:xfrm>
+      </p:grpSpPr>
+      <p:sp>
+        <p:nvSpPr>
+          <p:cNvPr id="4" name="Title 3"/>
+          <p:cNvSpPr>
+            <a:spLocks noGrp="1"/>
+          </p:cNvSpPr>
+          <p:nvPr>
+            <p:ph type="ctrTitle"/>
+          </p:nvPr>
+        </p:nvSpPr>
+        <p:spPr>
+          <a:xfrm>
+            <a:off x="685800" y="4505325"/>
+            <a:ext cx="7772400" cy="942975"/>
+          </a:xfrm>
+        </p:spPr>
+        <p:txBody>
+          <a:bodyPr>
+            <a:normAutofit/>
+          </a:bodyPr>
+          <a:lstStyle/>
+          <a:p>
+            <a:r>
+              <a:rPr lang="en-US" dirty="0" smtClean="0"/>
+              <a:t>Puzzle Piece Size</a:t>
+            </a:r>
+            <a:endParaRPr lang="en-US" dirty="0"/>
+          </a:p>
+        </p:txBody>
+      </p:sp>
+    </p:spTree>
+    <p:extLst>
+      <p:ext uri="{BB962C8B-B14F-4D97-AF65-F5344CB8AC3E}">
+        <p14:creationId xmlns:p14="http://schemas.microsoft.com/office/powerpoint/2010/main" val="1176150745"/>
+      </p:ext>
+    </p:extLst>
+  </p:cSld>
+  <p:clrMapOvr>
+    <a:masterClrMapping/>
+  </p:clrMapOvr>
+</p:sld>
+</file>
+
+<file path=ppt/slides/slide59.xml><?xml version="1.0" encoding="utf-8"?>
 <p:sld xmlns:a="http://schemas.openxmlformats.org/drawingml/2006/main" xmlns:r="http://schemas.openxmlformats.org/officeDocument/2006/relationships" xmlns:p="http://schemas.openxmlformats.org/presentationml/2006/main">
   <p:cSld>
     <p:spTree>
@@ -17408,7 +20833,318 @@
 </p:sld>
 </file>
 
-<file path=ppt/slides/slide47.xml><?xml version="1.0" encoding="utf-8"?>
+<file path=ppt/slides/slide6.xml><?xml version="1.0" encoding="utf-8"?>
+<p:sld xmlns:a="http://schemas.openxmlformats.org/drawingml/2006/main" xmlns:r="http://schemas.openxmlformats.org/officeDocument/2006/relationships" xmlns:p="http://schemas.openxmlformats.org/presentationml/2006/main">
+  <p:cSld>
+    <p:spTree>
+      <p:nvGrpSpPr>
+        <p:cNvPr id="1" name=""/>
+        <p:cNvGrpSpPr/>
+        <p:nvPr/>
+      </p:nvGrpSpPr>
+      <p:grpSpPr>
+        <a:xfrm>
+          <a:off x="0" y="0"/>
+          <a:ext cx="0" cy="0"/>
+          <a:chOff x="0" y="0"/>
+          <a:chExt cx="0" cy="0"/>
+        </a:xfrm>
+      </p:grpSpPr>
+      <p:sp>
+        <p:nvSpPr>
+          <p:cNvPr id="2" name="Title 1"/>
+          <p:cNvSpPr>
+            <a:spLocks noGrp="1"/>
+          </p:cNvSpPr>
+          <p:nvPr>
+            <p:ph type="title"/>
+          </p:nvPr>
+        </p:nvSpPr>
+        <p:spPr/>
+        <p:txBody>
+          <a:bodyPr>
+            <a:normAutofit fontScale="90000"/>
+          </a:bodyPr>
+          <a:lstStyle/>
+          <a:p>
+            <a:r>
+              <a:rPr lang="en-US" dirty="0" smtClean="0"/>
+              <a:t>Pairwise Affinity</a:t>
+            </a:r>
+            <a:endParaRPr lang="en-US" dirty="0"/>
+          </a:p>
+        </p:txBody>
+      </p:sp>
+      <mc:AlternateContent xmlns:mc="http://schemas.openxmlformats.org/markup-compatibility/2006">
+        <mc:Choice xmlns:a14="http://schemas.microsoft.com/office/drawing/2010/main" Requires="a14">
+          <p:sp>
+            <p:nvSpPr>
+              <p:cNvPr id="3" name="Content Placeholder 2"/>
+              <p:cNvSpPr>
+                <a:spLocks noGrp="1"/>
+              </p:cNvSpPr>
+              <p:nvPr>
+                <p:ph idx="1"/>
+              </p:nvPr>
+            </p:nvSpPr>
+            <p:spPr>
+              <a:xfrm>
+                <a:off x="409574" y="989013"/>
+                <a:ext cx="8334375" cy="5135562"/>
+              </a:xfrm>
+            </p:spPr>
+            <p:txBody>
+              <a:bodyPr>
+                <a:normAutofit fontScale="92500" lnSpcReduction="10000"/>
+              </a:bodyPr>
+              <a:lstStyle/>
+              <a:p>
+                <a:pPr>
+                  <a:lnSpc>
+                    <a:spcPct val="110000"/>
+                  </a:lnSpc>
+                </a:pPr>
+                <a:r>
+                  <a:rPr lang="en-US" b="1" dirty="0" smtClean="0"/>
+                  <a:t>Definition: </a:t>
+                </a:r>
+                <a:r>
+                  <a:rPr lang="en-US" dirty="0" smtClean="0"/>
+                  <a:t>Quantifies the similarity/compatibility between two </a:t>
+                </a:r>
+                <a:r>
+                  <a:rPr lang="en-US" dirty="0" smtClean="0"/>
+                  <a:t>pieces.  </a:t>
+                </a:r>
+                <a:endParaRPr lang="en-US" dirty="0" smtClean="0"/>
+              </a:p>
+              <a:p>
+                <a:pPr>
+                  <a:lnSpc>
+                    <a:spcPct val="110000"/>
+                  </a:lnSpc>
+                </a:pPr>
+                <a:endParaRPr lang="en-US" dirty="0" smtClean="0"/>
+              </a:p>
+              <a:p>
+                <a:pPr>
+                  <a:lnSpc>
+                    <a:spcPct val="110000"/>
+                  </a:lnSpc>
+                </a:pPr>
+                <a:r>
+                  <a:rPr lang="en-US" dirty="0" smtClean="0"/>
+                  <a:t>Between two pieces </a:t>
+                </a:r>
+                <a14:m>
+                  <m:oMath xmlns:m="http://schemas.openxmlformats.org/officeDocument/2006/math">
+                    <m:sSub>
+                      <m:sSubPr>
+                        <m:ctrlPr>
+                          <a:rPr lang="en-US" b="0" i="1" smtClean="0">
+                            <a:latin typeface="Cambria Math"/>
+                          </a:rPr>
+                        </m:ctrlPr>
+                      </m:sSubPr>
+                      <m:e>
+                        <m:r>
+                          <a:rPr lang="en-US" b="0" i="1" smtClean="0">
+                            <a:latin typeface="Cambria Math"/>
+                          </a:rPr>
+                          <m:t>𝑥</m:t>
+                        </m:r>
+                      </m:e>
+                      <m:sub>
+                        <m:r>
+                          <a:rPr lang="en-US" b="0" i="1" smtClean="0">
+                            <a:latin typeface="Cambria Math"/>
+                          </a:rPr>
+                          <m:t>𝑖</m:t>
+                        </m:r>
+                      </m:sub>
+                    </m:sSub>
+                  </m:oMath>
+                </a14:m>
+                <a:r>
+                  <a:rPr lang="en-US" dirty="0" smtClean="0"/>
+                  <a:t> and </a:t>
+                </a:r>
+                <a14:m>
+                  <m:oMath xmlns:m="http://schemas.openxmlformats.org/officeDocument/2006/math">
+                    <m:sSub>
+                      <m:sSubPr>
+                        <m:ctrlPr>
+                          <a:rPr lang="en-US" b="0" i="1" smtClean="0">
+                            <a:latin typeface="Cambria Math"/>
+                          </a:rPr>
+                        </m:ctrlPr>
+                      </m:sSubPr>
+                      <m:e>
+                        <m:r>
+                          <a:rPr lang="en-US" b="0" i="1" smtClean="0">
+                            <a:latin typeface="Cambria Math"/>
+                          </a:rPr>
+                          <m:t>𝑥</m:t>
+                        </m:r>
+                      </m:e>
+                      <m:sub>
+                        <m:r>
+                          <a:rPr lang="en-US" b="0" i="1" smtClean="0">
+                            <a:latin typeface="Cambria Math"/>
+                          </a:rPr>
+                          <m:t>𝑗</m:t>
+                        </m:r>
+                      </m:sub>
+                    </m:sSub>
+                  </m:oMath>
+                </a14:m>
+                <a:r>
+                  <a:rPr lang="en-US" dirty="0" smtClean="0"/>
+                  <a:t>, there are 4 pairwise affinity values when rotation is not allowed and  16 when rotation is allowed.</a:t>
+                </a:r>
+              </a:p>
+              <a:p>
+                <a:pPr>
+                  <a:lnSpc>
+                    <a:spcPct val="110000"/>
+                  </a:lnSpc>
+                </a:pPr>
+                <a:endParaRPr lang="en-US" dirty="0" smtClean="0"/>
+              </a:p>
+              <a:p>
+                <a:pPr>
+                  <a:lnSpc>
+                    <a:spcPct val="110000"/>
+                  </a:lnSpc>
+                </a:pPr>
+                <a:r>
+                  <a:rPr lang="en-US" dirty="0" smtClean="0"/>
+                  <a:t>Metrics of particular interest in the literature are divided into two categories.</a:t>
+                </a:r>
+              </a:p>
+              <a:p>
+                <a:pPr lvl="1">
+                  <a:lnSpc>
+                    <a:spcPct val="110000"/>
+                  </a:lnSpc>
+                </a:pPr>
+                <a:r>
+                  <a:rPr lang="en-US" dirty="0" smtClean="0"/>
+                  <a:t>Boundary/Edge Based:</a:t>
+                </a:r>
+              </a:p>
+              <a:p>
+                <a:pPr lvl="2">
+                  <a:lnSpc>
+                    <a:spcPct val="110000"/>
+                  </a:lnSpc>
+                </a:pPr>
+                <a:r>
+                  <a:rPr lang="en-US" dirty="0" smtClean="0"/>
+                  <a:t>Normalized and Unnormalized Dissimilarity-based Compatibility</a:t>
+                </a:r>
+              </a:p>
+              <a:p>
+                <a:pPr lvl="2">
+                  <a:lnSpc>
+                    <a:spcPct val="110000"/>
+                  </a:lnSpc>
+                </a:pPr>
+                <a:r>
+                  <a:rPr lang="en-US" dirty="0" smtClean="0"/>
+                  <a:t>Prediction-based Compatibility</a:t>
+                </a:r>
+              </a:p>
+              <a:p>
+                <a:pPr lvl="1">
+                  <a:lnSpc>
+                    <a:spcPct val="110000"/>
+                  </a:lnSpc>
+                </a:pPr>
+                <a:endParaRPr lang="en-US" dirty="0" smtClean="0"/>
+              </a:p>
+              <a:p>
+                <a:pPr lvl="1">
+                  <a:lnSpc>
+                    <a:spcPct val="110000"/>
+                  </a:lnSpc>
+                </a:pPr>
+                <a:r>
+                  <a:rPr lang="en-US" dirty="0" smtClean="0"/>
+                  <a:t>Statistical based using the entire </a:t>
+                </a:r>
+                <a:r>
+                  <a:rPr lang="en-US" dirty="0" smtClean="0"/>
+                  <a:t>piece </a:t>
+                </a:r>
+                <a:r>
+                  <a:rPr lang="en-US" dirty="0" smtClean="0"/>
+                  <a:t>and its statistical properties [14]</a:t>
+                </a:r>
+                <a:endParaRPr lang="en-US" dirty="0"/>
+              </a:p>
+            </p:txBody>
+          </p:sp>
+        </mc:Choice>
+        <mc:Fallback>
+          <p:sp>
+            <p:nvSpPr>
+              <p:cNvPr id="3" name="Content Placeholder 2"/>
+              <p:cNvSpPr>
+                <a:spLocks noGrp="1" noRot="1" noChangeAspect="1" noMove="1" noResize="1" noEditPoints="1" noAdjustHandles="1" noChangeArrowheads="1" noChangeShapeType="1" noTextEdit="1"/>
+              </p:cNvSpPr>
+              <p:nvPr>
+                <p:ph idx="1"/>
+              </p:nvPr>
+            </p:nvSpPr>
+            <p:spPr>
+              <a:xfrm>
+                <a:off x="409574" y="989013"/>
+                <a:ext cx="8334375" cy="5135562"/>
+              </a:xfrm>
+              <a:blipFill rotWithShape="1">
+                <a:blip r:embed="rId2"/>
+                <a:stretch>
+                  <a:fillRect l="-805" t="-712" r="-293"/>
+                </a:stretch>
+              </a:blipFill>
+            </p:spPr>
+            <p:txBody>
+              <a:bodyPr/>
+              <a:lstStyle/>
+              <a:p>
+                <a:r>
+                  <a:rPr lang="en-US">
+                    <a:noFill/>
+                  </a:rPr>
+                  <a:t> </a:t>
+                </a:r>
+              </a:p>
+            </p:txBody>
+          </p:sp>
+        </mc:Fallback>
+      </mc:AlternateContent>
+    </p:spTree>
+    <p:extLst>
+      <p:ext uri="{BB962C8B-B14F-4D97-AF65-F5344CB8AC3E}">
+        <p14:creationId xmlns:p14="http://schemas.microsoft.com/office/powerpoint/2010/main" val="3565227271"/>
+      </p:ext>
+    </p:extLst>
+  </p:cSld>
+  <p:clrMapOvr>
+    <a:masterClrMapping/>
+  </p:clrMapOvr>
+  <p:timing>
+    <p:tnLst>
+      <p:par>
+        <p:cTn id="1" dur="indefinite" restart="never" nodeType="tmRoot"/>
+      </p:par>
+    </p:tnLst>
+  </p:timing>
+</p:sld>
+</file>
+
+<file path=ppt/slides/slide60.xml><?xml version="1.0" encoding="utf-8"?>
 <p:sld xmlns:a="http://schemas.openxmlformats.org/drawingml/2006/main" xmlns:r="http://schemas.openxmlformats.org/officeDocument/2006/relationships" xmlns:p="http://schemas.openxmlformats.org/presentationml/2006/main">
   <p:cSld>
     <p:spTree>
@@ -17913,7 +21649,7 @@
 </p:sld>
 </file>
 
-<file path=ppt/slides/slide48.xml><?xml version="1.0" encoding="utf-8"?>
+<file path=ppt/slides/slide61.xml><?xml version="1.0" encoding="utf-8"?>
 <p:sld xmlns:a="http://schemas.openxmlformats.org/drawingml/2006/main" xmlns:r="http://schemas.openxmlformats.org/officeDocument/2006/relationships" xmlns:p="http://schemas.openxmlformats.org/presentationml/2006/main">
   <p:cSld>
     <p:spTree>
@@ -18464,7 +22200,7 @@
 </p:sld>
 </file>
 
-<file path=ppt/slides/slide49.xml><?xml version="1.0" encoding="utf-8"?>
+<file path=ppt/slides/slide62.xml><?xml version="1.0" encoding="utf-8"?>
 <p:sld xmlns:a="http://schemas.openxmlformats.org/drawingml/2006/main" xmlns:r="http://schemas.openxmlformats.org/officeDocument/2006/relationships" xmlns:p="http://schemas.openxmlformats.org/presentationml/2006/main">
   <p:cSld>
     <p:spTree>
@@ -19001,127 +22737,7 @@
 </p:sld>
 </file>
 
-<file path=ppt/slides/slide5.xml><?xml version="1.0" encoding="utf-8"?>
-<p:sld xmlns:a="http://schemas.openxmlformats.org/drawingml/2006/main" xmlns:r="http://schemas.openxmlformats.org/officeDocument/2006/relationships" xmlns:p="http://schemas.openxmlformats.org/presentationml/2006/main">
-  <p:cSld>
-    <p:spTree>
-      <p:nvGrpSpPr>
-        <p:cNvPr id="1" name=""/>
-        <p:cNvGrpSpPr/>
-        <p:nvPr/>
-      </p:nvGrpSpPr>
-      <p:grpSpPr>
-        <a:xfrm>
-          <a:off x="0" y="0"/>
-          <a:ext cx="0" cy="0"/>
-          <a:chOff x="0" y="0"/>
-          <a:chExt cx="0" cy="0"/>
-        </a:xfrm>
-      </p:grpSpPr>
-      <p:sp>
-        <p:nvSpPr>
-          <p:cNvPr id="2" name="Title 1"/>
-          <p:cNvSpPr>
-            <a:spLocks noGrp="1"/>
-          </p:cNvSpPr>
-          <p:nvPr>
-            <p:ph type="title"/>
-          </p:nvPr>
-        </p:nvSpPr>
-        <p:spPr/>
-        <p:txBody>
-          <a:bodyPr>
-            <a:normAutofit fontScale="90000"/>
-          </a:bodyPr>
-          <a:lstStyle/>
-          <a:p>
-            <a:r>
-              <a:rPr lang="en-US" dirty="0" smtClean="0"/>
-              <a:t>Additional Variants of Problem</a:t>
-            </a:r>
-            <a:endParaRPr lang="en-US" dirty="0"/>
-          </a:p>
-        </p:txBody>
-      </p:sp>
-      <p:sp>
-        <p:nvSpPr>
-          <p:cNvPr id="3" name="Content Placeholder 2"/>
-          <p:cNvSpPr>
-            <a:spLocks noGrp="1"/>
-          </p:cNvSpPr>
-          <p:nvPr>
-            <p:ph idx="1"/>
-          </p:nvPr>
-        </p:nvSpPr>
-        <p:spPr/>
-        <p:txBody>
-          <a:bodyPr/>
-          <a:lstStyle/>
-          <a:p>
-            <a:pPr marL="0" indent="0">
-              <a:buNone/>
-            </a:pPr>
-            <a:r>
-              <a:rPr lang="en-US" dirty="0" smtClean="0"/>
-              <a:t>[9] proposes a list of additional variants to the jigsaw puzzle problem including:</a:t>
-            </a:r>
-          </a:p>
-          <a:p>
-            <a:r>
-              <a:rPr lang="en-US" dirty="0" smtClean="0"/>
-              <a:t>Missing piece(s)</a:t>
-            </a:r>
-          </a:p>
-          <a:p>
-            <a:r>
-              <a:rPr lang="en-US" dirty="0" smtClean="0"/>
-              <a:t>Extra piece(s)</a:t>
-            </a:r>
-          </a:p>
-          <a:p>
-            <a:r>
-              <a:rPr lang="en-US" dirty="0" smtClean="0"/>
-              <a:t>Unknown piece orientation (type 2 puzzle)</a:t>
-            </a:r>
-          </a:p>
-          <a:p>
-            <a:r>
-              <a:rPr lang="en-US" dirty="0" smtClean="0"/>
-              <a:t>Three dimensional puzzles</a:t>
-            </a:r>
-          </a:p>
-          <a:p>
-            <a:r>
-              <a:rPr lang="en-US" dirty="0" smtClean="0"/>
-              <a:t>Unknown puzzle dimension</a:t>
-            </a:r>
-          </a:p>
-          <a:p>
-            <a:endParaRPr lang="en-US" dirty="0"/>
-          </a:p>
-        </p:txBody>
-      </p:sp>
-    </p:spTree>
-    <p:extLst>
-      <p:ext uri="{BB962C8B-B14F-4D97-AF65-F5344CB8AC3E}">
-        <p14:creationId xmlns:p14="http://schemas.microsoft.com/office/powerpoint/2010/main" val="114883493"/>
-      </p:ext>
-    </p:extLst>
-  </p:cSld>
-  <p:clrMapOvr>
-    <a:masterClrMapping/>
-  </p:clrMapOvr>
-  <p:timing>
-    <p:tnLst>
-      <p:par>
-        <p:cTn id="1" dur="indefinite" restart="never" nodeType="tmRoot"/>
-      </p:par>
-    </p:tnLst>
-  </p:timing>
-</p:sld>
-</file>
-
-<file path=ppt/slides/slide50.xml><?xml version="1.0" encoding="utf-8"?>
+<file path=ppt/slides/slide63.xml><?xml version="1.0" encoding="utf-8"?>
 <p:sld xmlns:a="http://schemas.openxmlformats.org/drawingml/2006/main" xmlns:r="http://schemas.openxmlformats.org/officeDocument/2006/relationships" xmlns:p="http://schemas.openxmlformats.org/presentationml/2006/main">
   <p:cSld>
     <p:spTree>
@@ -19655,317 +23271,6 @@
     <p:extLst>
       <p:ext uri="{BB962C8B-B14F-4D97-AF65-F5344CB8AC3E}">
         <p14:creationId xmlns:p14="http://schemas.microsoft.com/office/powerpoint/2010/main" val="3517929012"/>
-      </p:ext>
-    </p:extLst>
-  </p:cSld>
-  <p:clrMapOvr>
-    <a:masterClrMapping/>
-  </p:clrMapOvr>
-  <p:timing>
-    <p:tnLst>
-      <p:par>
-        <p:cTn id="1" dur="indefinite" restart="never" nodeType="tmRoot"/>
-      </p:par>
-    </p:tnLst>
-  </p:timing>
-</p:sld>
-</file>
-
-<file path=ppt/slides/slide6.xml><?xml version="1.0" encoding="utf-8"?>
-<p:sld xmlns:a="http://schemas.openxmlformats.org/drawingml/2006/main" xmlns:r="http://schemas.openxmlformats.org/officeDocument/2006/relationships" xmlns:p="http://schemas.openxmlformats.org/presentationml/2006/main">
-  <p:cSld>
-    <p:spTree>
-      <p:nvGrpSpPr>
-        <p:cNvPr id="1" name=""/>
-        <p:cNvGrpSpPr/>
-        <p:nvPr/>
-      </p:nvGrpSpPr>
-      <p:grpSpPr>
-        <a:xfrm>
-          <a:off x="0" y="0"/>
-          <a:ext cx="0" cy="0"/>
-          <a:chOff x="0" y="0"/>
-          <a:chExt cx="0" cy="0"/>
-        </a:xfrm>
-      </p:grpSpPr>
-      <p:sp>
-        <p:nvSpPr>
-          <p:cNvPr id="2" name="Title 1"/>
-          <p:cNvSpPr>
-            <a:spLocks noGrp="1"/>
-          </p:cNvSpPr>
-          <p:nvPr>
-            <p:ph type="title"/>
-          </p:nvPr>
-        </p:nvSpPr>
-        <p:spPr/>
-        <p:txBody>
-          <a:bodyPr>
-            <a:normAutofit fontScale="90000"/>
-          </a:bodyPr>
-          <a:lstStyle/>
-          <a:p>
-            <a:r>
-              <a:rPr lang="en-US" dirty="0" smtClean="0"/>
-              <a:t>Pairwise Affinity</a:t>
-            </a:r>
-            <a:endParaRPr lang="en-US" dirty="0"/>
-          </a:p>
-        </p:txBody>
-      </p:sp>
-      <mc:AlternateContent xmlns:mc="http://schemas.openxmlformats.org/markup-compatibility/2006">
-        <mc:Choice xmlns:a14="http://schemas.microsoft.com/office/drawing/2010/main" Requires="a14">
-          <p:sp>
-            <p:nvSpPr>
-              <p:cNvPr id="3" name="Content Placeholder 2"/>
-              <p:cNvSpPr>
-                <a:spLocks noGrp="1"/>
-              </p:cNvSpPr>
-              <p:nvPr>
-                <p:ph idx="1"/>
-              </p:nvPr>
-            </p:nvSpPr>
-            <p:spPr>
-              <a:xfrm>
-                <a:off x="409574" y="989013"/>
-                <a:ext cx="8334375" cy="5135562"/>
-              </a:xfrm>
-            </p:spPr>
-            <p:txBody>
-              <a:bodyPr>
-                <a:normAutofit fontScale="92500" lnSpcReduction="10000"/>
-              </a:bodyPr>
-              <a:lstStyle/>
-              <a:p>
-                <a:pPr>
-                  <a:lnSpc>
-                    <a:spcPct val="110000"/>
-                  </a:lnSpc>
-                </a:pPr>
-                <a:r>
-                  <a:rPr lang="en-US" b="1" dirty="0" smtClean="0"/>
-                  <a:t>Definition: </a:t>
-                </a:r>
-                <a:r>
-                  <a:rPr lang="en-US" dirty="0" smtClean="0"/>
-                  <a:t>Quantifies the similarity/compatibility between two </a:t>
-                </a:r>
-                <a:r>
-                  <a:rPr lang="en-US" dirty="0" smtClean="0"/>
-                  <a:t>pieces.  </a:t>
-                </a:r>
-                <a:endParaRPr lang="en-US" dirty="0" smtClean="0"/>
-              </a:p>
-              <a:p>
-                <a:pPr>
-                  <a:lnSpc>
-                    <a:spcPct val="110000"/>
-                  </a:lnSpc>
-                </a:pPr>
-                <a:endParaRPr lang="en-US" dirty="0" smtClean="0"/>
-              </a:p>
-              <a:p>
-                <a:pPr>
-                  <a:lnSpc>
-                    <a:spcPct val="110000"/>
-                  </a:lnSpc>
-                </a:pPr>
-                <a:r>
-                  <a:rPr lang="en-US" dirty="0" smtClean="0"/>
-                  <a:t>Between two pieces </a:t>
-                </a:r>
-                <a14:m>
-                  <m:oMath xmlns:m="http://schemas.openxmlformats.org/officeDocument/2006/math">
-                    <m:sSub>
-                      <m:sSubPr>
-                        <m:ctrlPr>
-                          <a:rPr lang="en-US" b="0" i="1" smtClean="0">
-                            <a:latin typeface="Cambria Math"/>
-                          </a:rPr>
-                        </m:ctrlPr>
-                      </m:sSubPr>
-                      <m:e>
-                        <m:r>
-                          <a:rPr lang="en-US" b="0" i="1" smtClean="0">
-                            <a:latin typeface="Cambria Math"/>
-                          </a:rPr>
-                          <m:t>𝑥</m:t>
-                        </m:r>
-                      </m:e>
-                      <m:sub>
-                        <m:r>
-                          <a:rPr lang="en-US" b="0" i="1" smtClean="0">
-                            <a:latin typeface="Cambria Math"/>
-                          </a:rPr>
-                          <m:t>𝑖</m:t>
-                        </m:r>
-                      </m:sub>
-                    </m:sSub>
-                  </m:oMath>
-                </a14:m>
-                <a:r>
-                  <a:rPr lang="en-US" dirty="0" smtClean="0"/>
-                  <a:t> and </a:t>
-                </a:r>
-                <a14:m>
-                  <m:oMath xmlns:m="http://schemas.openxmlformats.org/officeDocument/2006/math">
-                    <m:sSub>
-                      <m:sSubPr>
-                        <m:ctrlPr>
-                          <a:rPr lang="en-US" b="0" i="1" smtClean="0">
-                            <a:latin typeface="Cambria Math"/>
-                          </a:rPr>
-                        </m:ctrlPr>
-                      </m:sSubPr>
-                      <m:e>
-                        <m:r>
-                          <a:rPr lang="en-US" b="0" i="1" smtClean="0">
-                            <a:latin typeface="Cambria Math"/>
-                          </a:rPr>
-                          <m:t>𝑥</m:t>
-                        </m:r>
-                      </m:e>
-                      <m:sub>
-                        <m:r>
-                          <a:rPr lang="en-US" b="0" i="1" smtClean="0">
-                            <a:latin typeface="Cambria Math"/>
-                          </a:rPr>
-                          <m:t>𝑗</m:t>
-                        </m:r>
-                      </m:sub>
-                    </m:sSub>
-                  </m:oMath>
-                </a14:m>
-                <a:r>
-                  <a:rPr lang="en-US" dirty="0" smtClean="0"/>
-                  <a:t>, there are 4 pairwise affinity values when rotation is not allowed and  16 when rotation is allowed.</a:t>
-                </a:r>
-              </a:p>
-              <a:p>
-                <a:pPr>
-                  <a:lnSpc>
-                    <a:spcPct val="110000"/>
-                  </a:lnSpc>
-                </a:pPr>
-                <a:endParaRPr lang="en-US" dirty="0" smtClean="0"/>
-              </a:p>
-              <a:p>
-                <a:pPr>
-                  <a:lnSpc>
-                    <a:spcPct val="110000"/>
-                  </a:lnSpc>
-                </a:pPr>
-                <a:r>
-                  <a:rPr lang="en-US" dirty="0" smtClean="0"/>
-                  <a:t>Metrics of particular interest in the literature are divided into two categories.</a:t>
-                </a:r>
-              </a:p>
-              <a:p>
-                <a:pPr lvl="1">
-                  <a:lnSpc>
-                    <a:spcPct val="110000"/>
-                  </a:lnSpc>
-                </a:pPr>
-                <a:r>
-                  <a:rPr lang="en-US" dirty="0" smtClean="0"/>
-                  <a:t>Boundary/Edge Based:</a:t>
-                </a:r>
-              </a:p>
-              <a:p>
-                <a:pPr lvl="2">
-                  <a:lnSpc>
-                    <a:spcPct val="110000"/>
-                  </a:lnSpc>
-                </a:pPr>
-                <a:r>
-                  <a:rPr lang="en-US" dirty="0" smtClean="0"/>
-                  <a:t>Normalized and Unnormalized Dissimilarity-based Compatibility</a:t>
-                </a:r>
-              </a:p>
-              <a:p>
-                <a:pPr lvl="2">
-                  <a:lnSpc>
-                    <a:spcPct val="110000"/>
-                  </a:lnSpc>
-                </a:pPr>
-                <a:r>
-                  <a:rPr lang="en-US" dirty="0" smtClean="0"/>
-                  <a:t>Prediction-based Compatibility</a:t>
-                </a:r>
-              </a:p>
-              <a:p>
-                <a:pPr lvl="1">
-                  <a:lnSpc>
-                    <a:spcPct val="110000"/>
-                  </a:lnSpc>
-                </a:pPr>
-                <a:endParaRPr lang="en-US" dirty="0" smtClean="0"/>
-              </a:p>
-              <a:p>
-                <a:pPr lvl="1">
-                  <a:lnSpc>
-                    <a:spcPct val="110000"/>
-                  </a:lnSpc>
-                </a:pPr>
-                <a:r>
-                  <a:rPr lang="en-US" dirty="0" smtClean="0"/>
-                  <a:t>Statistical based using the entire </a:t>
-                </a:r>
-                <a:r>
-                  <a:rPr lang="en-US" dirty="0" smtClean="0"/>
-                  <a:t>piece </a:t>
-                </a:r>
-                <a:r>
-                  <a:rPr lang="en-US" dirty="0" smtClean="0"/>
-                  <a:t>and its statistical properties [14]</a:t>
-                </a:r>
-                <a:endParaRPr lang="en-US" dirty="0"/>
-              </a:p>
-            </p:txBody>
-          </p:sp>
-        </mc:Choice>
-        <mc:Fallback>
-          <p:sp>
-            <p:nvSpPr>
-              <p:cNvPr id="3" name="Content Placeholder 2"/>
-              <p:cNvSpPr>
-                <a:spLocks noGrp="1" noRot="1" noChangeAspect="1" noMove="1" noResize="1" noEditPoints="1" noAdjustHandles="1" noChangeArrowheads="1" noChangeShapeType="1" noTextEdit="1"/>
-              </p:cNvSpPr>
-              <p:nvPr>
-                <p:ph idx="1"/>
-              </p:nvPr>
-            </p:nvSpPr>
-            <p:spPr>
-              <a:xfrm>
-                <a:off x="409574" y="989013"/>
-                <a:ext cx="8334375" cy="5135562"/>
-              </a:xfrm>
-              <a:blipFill rotWithShape="1">
-                <a:blip r:embed="rId2"/>
-                <a:stretch>
-                  <a:fillRect l="-805" t="-712" r="-293"/>
-                </a:stretch>
-              </a:blipFill>
-            </p:spPr>
-            <p:txBody>
-              <a:bodyPr/>
-              <a:lstStyle/>
-              <a:p>
-                <a:r>
-                  <a:rPr lang="en-US">
-                    <a:noFill/>
-                  </a:rPr>
-                  <a:t> </a:t>
-                </a:r>
-              </a:p>
-            </p:txBody>
-          </p:sp>
-        </mc:Fallback>
-      </mc:AlternateContent>
-    </p:spTree>
-    <p:extLst>
-      <p:ext uri="{BB962C8B-B14F-4D97-AF65-F5344CB8AC3E}">
-        <p14:creationId xmlns:p14="http://schemas.microsoft.com/office/powerpoint/2010/main" val="3565227271"/>
       </p:ext>
     </p:extLst>
   </p:cSld>

--- a/Papers/Zayd_Hammoudeh_-_Square_Jigsaw_Puzzle_Problem_Literature_Review.pptx
+++ b/Papers/Zayd_Hammoudeh_-_Square_Jigsaw_Puzzle_Problem_Literature_Review.pptx
@@ -5,7 +5,7 @@
     <p:sldMasterId id="2147483751" r:id="rId1"/>
   </p:sldMasterIdLst>
   <p:notesMasterIdLst>
-    <p:notesMasterId r:id="rId65"/>
+    <p:notesMasterId r:id="rId71"/>
   </p:notesMasterIdLst>
   <p:sldIdLst>
     <p:sldId id="256" r:id="rId2"/>
@@ -54,23 +54,29 @@
     <p:sldId id="321" r:id="rId45"/>
     <p:sldId id="341" r:id="rId46"/>
     <p:sldId id="365" r:id="rId47"/>
-    <p:sldId id="366" r:id="rId48"/>
-    <p:sldId id="356" r:id="rId49"/>
-    <p:sldId id="345" r:id="rId50"/>
-    <p:sldId id="346" r:id="rId51"/>
-    <p:sldId id="349" r:id="rId52"/>
-    <p:sldId id="353" r:id="rId53"/>
-    <p:sldId id="354" r:id="rId54"/>
-    <p:sldId id="355" r:id="rId55"/>
-    <p:sldId id="361" r:id="rId56"/>
-    <p:sldId id="362" r:id="rId57"/>
-    <p:sldId id="363" r:id="rId58"/>
-    <p:sldId id="364" r:id="rId59"/>
-    <p:sldId id="312" r:id="rId60"/>
-    <p:sldId id="303" r:id="rId61"/>
-    <p:sldId id="305" r:id="rId62"/>
-    <p:sldId id="319" r:id="rId63"/>
-    <p:sldId id="338" r:id="rId64"/>
+    <p:sldId id="367" r:id="rId48"/>
+    <p:sldId id="368" r:id="rId49"/>
+    <p:sldId id="370" r:id="rId50"/>
+    <p:sldId id="371" r:id="rId51"/>
+    <p:sldId id="369" r:id="rId52"/>
+    <p:sldId id="372" r:id="rId53"/>
+    <p:sldId id="373" r:id="rId54"/>
+    <p:sldId id="356" r:id="rId55"/>
+    <p:sldId id="345" r:id="rId56"/>
+    <p:sldId id="346" r:id="rId57"/>
+    <p:sldId id="349" r:id="rId58"/>
+    <p:sldId id="353" r:id="rId59"/>
+    <p:sldId id="354" r:id="rId60"/>
+    <p:sldId id="355" r:id="rId61"/>
+    <p:sldId id="361" r:id="rId62"/>
+    <p:sldId id="362" r:id="rId63"/>
+    <p:sldId id="363" r:id="rId64"/>
+    <p:sldId id="364" r:id="rId65"/>
+    <p:sldId id="312" r:id="rId66"/>
+    <p:sldId id="303" r:id="rId67"/>
+    <p:sldId id="305" r:id="rId68"/>
+    <p:sldId id="319" r:id="rId69"/>
+    <p:sldId id="338" r:id="rId70"/>
   </p:sldIdLst>
   <p:sldSz cx="9144000" cy="6858000" type="screen4x3"/>
   <p:notesSz cx="6858000" cy="9144000"/>
@@ -714,13 +720,6 @@
             <a:pPr>
               <a:defRPr/>
             </a:pPr>
-            <a:fld id="{F5368B1C-D0DB-49D4-B4B7-B897541CB705}" type="datetimeFigureOut">
-              <a:rPr lang="en-US" smtClean="0"/>
-              <a:pPr>
-                <a:defRPr/>
-              </a:pPr>
-              <a:t>3/6/2016</a:t>
-            </a:fld>
             <a:endParaRPr lang="en-US" dirty="0"/>
           </a:p>
         </p:txBody>
@@ -1495,6 +1494,7 @@
       </p:par>
     </p:tnLst>
   </p:timing>
+  <p:hf hdr="0" ftr="0" dt="0"/>
   <p:txStyles>
     <p:titleStyle>
       <a:lvl1pPr algn="ctr" defTabSz="457200" rtl="0" eaLnBrk="1" fontAlgn="base" hangingPunct="1">
@@ -2002,6 +2002,35 @@
                 <a:schemeClr val="tx1"/>
               </a:solidFill>
             </a:endParaRPr>
+          </a:p>
+        </p:txBody>
+      </p:sp>
+      <p:sp>
+        <p:nvSpPr>
+          <p:cNvPr id="4" name="Slide Number Placeholder 3"/>
+          <p:cNvSpPr>
+            <a:spLocks noGrp="1"/>
+          </p:cNvSpPr>
+          <p:nvPr>
+            <p:ph type="sldNum" sz="quarter" idx="12"/>
+          </p:nvPr>
+        </p:nvSpPr>
+        <p:spPr/>
+        <p:txBody>
+          <a:bodyPr/>
+          <a:lstStyle/>
+          <a:p>
+            <a:pPr>
+              <a:defRPr/>
+            </a:pPr>
+            <a:fld id="{D391AFD6-1AE9-4580-A04C-2A7171B16A5C}" type="slidenum">
+              <a:rPr lang="en-US" smtClean="0"/>
+              <a:pPr>
+                <a:defRPr/>
+              </a:pPr>
+              <a:t>1</a:t>
+            </a:fld>
+            <a:endParaRPr lang="en-US" dirty="0"/>
           </a:p>
         </p:txBody>
       </p:sp>
@@ -3558,6 +3587,35 @@
           </p:sp>
         </mc:Fallback>
       </mc:AlternateContent>
+      <p:sp>
+        <p:nvSpPr>
+          <p:cNvPr id="4" name="Slide Number Placeholder 3"/>
+          <p:cNvSpPr>
+            <a:spLocks noGrp="1"/>
+          </p:cNvSpPr>
+          <p:nvPr>
+            <p:ph type="sldNum" sz="quarter" idx="11"/>
+          </p:nvPr>
+        </p:nvSpPr>
+        <p:spPr/>
+        <p:txBody>
+          <a:bodyPr/>
+          <a:lstStyle/>
+          <a:p>
+            <a:pPr>
+              <a:defRPr/>
+            </a:pPr>
+            <a:fld id="{6E954588-8532-426F-A2EF-680516B179CB}" type="slidenum">
+              <a:rPr lang="en-US" smtClean="0"/>
+              <a:pPr>
+                <a:defRPr/>
+              </a:pPr>
+              <a:t>10</a:t>
+            </a:fld>
+            <a:endParaRPr lang="en-US" dirty="0"/>
+          </a:p>
+        </p:txBody>
+      </p:sp>
     </p:spTree>
     <p:extLst>
       <p:ext uri="{BB962C8B-B14F-4D97-AF65-F5344CB8AC3E}">
@@ -4676,6 +4734,35 @@
           </a:p>
         </p:txBody>
       </p:sp>
+      <p:sp>
+        <p:nvSpPr>
+          <p:cNvPr id="3" name="Slide Number Placeholder 2"/>
+          <p:cNvSpPr>
+            <a:spLocks noGrp="1"/>
+          </p:cNvSpPr>
+          <p:nvPr>
+            <p:ph type="sldNum" sz="quarter" idx="11"/>
+          </p:nvPr>
+        </p:nvSpPr>
+        <p:spPr/>
+        <p:txBody>
+          <a:bodyPr/>
+          <a:lstStyle/>
+          <a:p>
+            <a:pPr>
+              <a:defRPr/>
+            </a:pPr>
+            <a:fld id="{6E954588-8532-426F-A2EF-680516B179CB}" type="slidenum">
+              <a:rPr lang="en-US" smtClean="0"/>
+              <a:pPr>
+                <a:defRPr/>
+              </a:pPr>
+              <a:t>11</a:t>
+            </a:fld>
+            <a:endParaRPr lang="en-US" dirty="0"/>
+          </a:p>
+        </p:txBody>
+      </p:sp>
     </p:spTree>
     <p:extLst>
       <p:ext uri="{BB962C8B-B14F-4D97-AF65-F5344CB8AC3E}">
@@ -4750,13 +4837,23 @@
                 <p:ph idx="1"/>
               </p:nvPr>
             </p:nvSpPr>
-            <p:spPr/>
+            <p:spPr>
+              <a:xfrm>
+                <a:off x="457200" y="989012"/>
+                <a:ext cx="8229600" cy="5487987"/>
+              </a:xfrm>
+            </p:spPr>
             <p:txBody>
               <a:bodyPr>
-                <a:normAutofit fontScale="92500" lnSpcReduction="20000"/>
+                <a:normAutofit fontScale="92500" lnSpcReduction="10000"/>
               </a:bodyPr>
               <a:lstStyle/>
               <a:p>
+                <a:pPr>
+                  <a:lnSpc>
+                    <a:spcPct val="120000"/>
+                  </a:lnSpc>
+                </a:pPr>
                 <a:r>
                   <a:rPr lang="en-US" dirty="0" smtClean="0"/>
                   <a:t>Proposed by Paikan and Tal [20].  A two step process.</a:t>
@@ -4764,9 +4861,19 @@
                 <a:endParaRPr lang="en-US" dirty="0" smtClean="0"/>
               </a:p>
               <a:p>
-                <a:endParaRPr lang="en-US" dirty="0" smtClean="0"/>
+                <a:pPr>
+                  <a:lnSpc>
+                    <a:spcPct val="120000"/>
+                  </a:lnSpc>
+                </a:pPr>
+                <a:endParaRPr lang="en-US" sz="1200" dirty="0" smtClean="0"/>
               </a:p>
               <a:p>
+                <a:pPr>
+                  <a:lnSpc>
+                    <a:spcPct val="120000"/>
+                  </a:lnSpc>
+                </a:pPr>
                 <a:r>
                   <a:rPr lang="en-US" dirty="0" smtClean="0"/>
                   <a:t>The </a:t>
@@ -4777,10 +4884,18 @@
                 </a:r>
               </a:p>
               <a:p>
-                <a:endParaRPr lang="en-US" dirty="0"/>
+                <a:pPr>
+                  <a:lnSpc>
+                    <a:spcPct val="120000"/>
+                  </a:lnSpc>
+                </a:pPr>
+                <a:endParaRPr lang="en-US" sz="1100" dirty="0"/>
               </a:p>
               <a:p>
                 <a:pPr marL="0" indent="0">
+                  <a:lnSpc>
+                    <a:spcPct val="120000"/>
+                  </a:lnSpc>
                   <a:buNone/>
                 </a:pPr>
                 <a14:m>
@@ -4972,25 +5087,41 @@
                 <a:endParaRPr lang="en-US" dirty="0" smtClean="0"/>
               </a:p>
               <a:p>
-                <a:endParaRPr lang="en-US" dirty="0" smtClean="0"/>
+                <a:pPr>
+                  <a:lnSpc>
+                    <a:spcPct val="120000"/>
+                  </a:lnSpc>
+                </a:pPr>
+                <a:endParaRPr lang="en-US" sz="1200" dirty="0" smtClean="0"/>
               </a:p>
               <a:p>
+                <a:pPr>
+                  <a:lnSpc>
+                    <a:spcPct val="120000"/>
+                  </a:lnSpc>
+                </a:pPr>
                 <a:r>
                   <a:rPr lang="en-US" dirty="0" smtClean="0"/>
                   <a:t>[20] proposes using an asymmetric dissimilarity such that equality in the above equation does not hold.</a:t>
                 </a:r>
               </a:p>
               <a:p>
-                <a:endParaRPr lang="en-US" dirty="0"/>
+                <a:pPr>
+                  <a:lnSpc>
+                    <a:spcPct val="120000"/>
+                  </a:lnSpc>
+                </a:pPr>
+                <a:endParaRPr lang="en-US" sz="1200" dirty="0"/>
               </a:p>
               <a:p>
-                <a:r>
-                  <a:rPr lang="en-US" b="1" dirty="0" smtClean="0"/>
-                  <a:t>Step #1</a:t>
-                </a:r>
+                <a:pPr>
+                  <a:lnSpc>
+                    <a:spcPct val="120000"/>
+                  </a:lnSpc>
+                </a:pPr>
                 <a:r>
                   <a:rPr lang="en-US" dirty="0" smtClean="0"/>
-                  <a:t>: One </a:t>
+                  <a:t>One </a:t>
                 </a:r>
                 <a:r>
                   <a:rPr lang="en-US" dirty="0" smtClean="0"/>
@@ -5039,10 +5170,18 @@
                 </a:r>
               </a:p>
               <a:p>
-                <a:endParaRPr lang="en-US" dirty="0"/>
+                <a:pPr>
+                  <a:lnSpc>
+                    <a:spcPct val="120000"/>
+                  </a:lnSpc>
+                </a:pPr>
+                <a:endParaRPr lang="en-US" sz="400" dirty="0"/>
               </a:p>
               <a:p>
                 <a:pPr marL="0" indent="0">
+                  <a:lnSpc>
+                    <a:spcPct val="120000"/>
+                  </a:lnSpc>
                   <a:buNone/>
                 </a:pPr>
                 <a14:m>
@@ -5461,10 +5600,14 @@
               </p:nvPr>
             </p:nvSpPr>
             <p:spPr>
+              <a:xfrm>
+                <a:off x="457200" y="989012"/>
+                <a:ext cx="8229600" cy="5487987"/>
+              </a:xfrm>
               <a:blipFill rotWithShape="1">
                 <a:blip r:embed="rId2"/>
                 <a:stretch>
-                  <a:fillRect l="-815" t="-1898"/>
+                  <a:fillRect l="-815" t="-444"/>
                 </a:stretch>
               </a:blipFill>
             </p:spPr>
@@ -5483,6 +5626,35 @@
           </p:sp>
         </mc:Fallback>
       </mc:AlternateContent>
+      <p:sp>
+        <p:nvSpPr>
+          <p:cNvPr id="4" name="Slide Number Placeholder 3"/>
+          <p:cNvSpPr>
+            <a:spLocks noGrp="1"/>
+          </p:cNvSpPr>
+          <p:nvPr>
+            <p:ph type="sldNum" sz="quarter" idx="11"/>
+          </p:nvPr>
+        </p:nvSpPr>
+        <p:spPr/>
+        <p:txBody>
+          <a:bodyPr/>
+          <a:lstStyle/>
+          <a:p>
+            <a:pPr>
+              <a:defRPr/>
+            </a:pPr>
+            <a:fld id="{6E954588-8532-426F-A2EF-680516B179CB}" type="slidenum">
+              <a:rPr lang="en-US" smtClean="0"/>
+              <a:pPr>
+                <a:defRPr/>
+              </a:pPr>
+              <a:t>12</a:t>
+            </a:fld>
+            <a:endParaRPr lang="en-US" dirty="0"/>
+          </a:p>
+        </p:txBody>
+      </p:sp>
     </p:spTree>
     <p:extLst>
       <p:ext uri="{BB962C8B-B14F-4D97-AF65-F5344CB8AC3E}">
@@ -6334,6 +6506,35 @@
           </p:sp>
         </mc:Fallback>
       </mc:AlternateContent>
+      <p:sp>
+        <p:nvSpPr>
+          <p:cNvPr id="4" name="Slide Number Placeholder 3"/>
+          <p:cNvSpPr>
+            <a:spLocks noGrp="1"/>
+          </p:cNvSpPr>
+          <p:nvPr>
+            <p:ph type="sldNum" sz="quarter" idx="11"/>
+          </p:nvPr>
+        </p:nvSpPr>
+        <p:spPr/>
+        <p:txBody>
+          <a:bodyPr/>
+          <a:lstStyle/>
+          <a:p>
+            <a:pPr>
+              <a:defRPr/>
+            </a:pPr>
+            <a:fld id="{6E954588-8532-426F-A2EF-680516B179CB}" type="slidenum">
+              <a:rPr lang="en-US" smtClean="0"/>
+              <a:pPr>
+                <a:defRPr/>
+              </a:pPr>
+              <a:t>13</a:t>
+            </a:fld>
+            <a:endParaRPr lang="en-US" dirty="0"/>
+          </a:p>
+        </p:txBody>
+      </p:sp>
     </p:spTree>
     <p:extLst>
       <p:ext uri="{BB962C8B-B14F-4D97-AF65-F5344CB8AC3E}">
@@ -6477,7 +6678,7 @@
                 </a:pPr>
                 <a:r>
                   <a:rPr lang="en-US" b="1" dirty="0" smtClean="0"/>
-                  <a:t>Modified Approach: </a:t>
+                  <a:t>Step #2: </a:t>
                 </a:r>
                 <a:r>
                   <a:rPr lang="en-US" dirty="0" smtClean="0"/>
@@ -7370,6 +7571,35 @@
           </p:sp>
         </mc:Fallback>
       </mc:AlternateContent>
+      <p:sp>
+        <p:nvSpPr>
+          <p:cNvPr id="4" name="Slide Number Placeholder 3"/>
+          <p:cNvSpPr>
+            <a:spLocks noGrp="1"/>
+          </p:cNvSpPr>
+          <p:nvPr>
+            <p:ph type="sldNum" sz="quarter" idx="11"/>
+          </p:nvPr>
+        </p:nvSpPr>
+        <p:spPr/>
+        <p:txBody>
+          <a:bodyPr/>
+          <a:lstStyle/>
+          <a:p>
+            <a:pPr>
+              <a:defRPr/>
+            </a:pPr>
+            <a:fld id="{6E954588-8532-426F-A2EF-680516B179CB}" type="slidenum">
+              <a:rPr lang="en-US" smtClean="0"/>
+              <a:pPr>
+                <a:defRPr/>
+              </a:pPr>
+              <a:t>14</a:t>
+            </a:fld>
+            <a:endParaRPr lang="en-US" dirty="0"/>
+          </a:p>
+        </p:txBody>
+      </p:sp>
     </p:spTree>
     <p:extLst>
       <p:ext uri="{BB962C8B-B14F-4D97-AF65-F5344CB8AC3E}">
@@ -7478,6 +7708,35 @@
               <a:rPr lang="en-US" dirty="0" smtClean="0"/>
               <a:t>Using the benchmark in [17], the number of correctly solved puzzles increased from 25 to 37.</a:t>
             </a:r>
+            <a:endParaRPr lang="en-US" dirty="0"/>
+          </a:p>
+        </p:txBody>
+      </p:sp>
+      <p:sp>
+        <p:nvSpPr>
+          <p:cNvPr id="4" name="Slide Number Placeholder 3"/>
+          <p:cNvSpPr>
+            <a:spLocks noGrp="1"/>
+          </p:cNvSpPr>
+          <p:nvPr>
+            <p:ph type="sldNum" sz="quarter" idx="11"/>
+          </p:nvPr>
+        </p:nvSpPr>
+        <p:spPr/>
+        <p:txBody>
+          <a:bodyPr/>
+          <a:lstStyle/>
+          <a:p>
+            <a:pPr>
+              <a:defRPr/>
+            </a:pPr>
+            <a:fld id="{6E954588-8532-426F-A2EF-680516B179CB}" type="slidenum">
+              <a:rPr lang="en-US" smtClean="0"/>
+              <a:pPr>
+                <a:defRPr/>
+              </a:pPr>
+              <a:t>15</a:t>
+            </a:fld>
             <a:endParaRPr lang="en-US" dirty="0"/>
           </a:p>
         </p:txBody>
@@ -7711,6 +7970,35 @@
               <a:rPr lang="en-US" dirty="0" smtClean="0"/>
               <a:t>pieces.</a:t>
             </a:r>
+            <a:endParaRPr lang="en-US" dirty="0"/>
+          </a:p>
+        </p:txBody>
+      </p:sp>
+      <p:sp>
+        <p:nvSpPr>
+          <p:cNvPr id="4" name="Slide Number Placeholder 3"/>
+          <p:cNvSpPr>
+            <a:spLocks noGrp="1"/>
+          </p:cNvSpPr>
+          <p:nvPr>
+            <p:ph type="sldNum" sz="quarter" idx="11"/>
+          </p:nvPr>
+        </p:nvSpPr>
+        <p:spPr/>
+        <p:txBody>
+          <a:bodyPr/>
+          <a:lstStyle/>
+          <a:p>
+            <a:pPr>
+              <a:defRPr/>
+            </a:pPr>
+            <a:fld id="{6E954588-8532-426F-A2EF-680516B179CB}" type="slidenum">
+              <a:rPr lang="en-US" smtClean="0"/>
+              <a:pPr>
+                <a:defRPr/>
+              </a:pPr>
+              <a:t>16</a:t>
+            </a:fld>
             <a:endParaRPr lang="en-US" dirty="0"/>
           </a:p>
         </p:txBody>
@@ -9285,6 +9573,35 @@
           </p:sp>
         </mc:Fallback>
       </mc:AlternateContent>
+      <p:sp>
+        <p:nvSpPr>
+          <p:cNvPr id="4" name="Slide Number Placeholder 3"/>
+          <p:cNvSpPr>
+            <a:spLocks noGrp="1"/>
+          </p:cNvSpPr>
+          <p:nvPr>
+            <p:ph type="sldNum" sz="quarter" idx="11"/>
+          </p:nvPr>
+        </p:nvSpPr>
+        <p:spPr/>
+        <p:txBody>
+          <a:bodyPr/>
+          <a:lstStyle/>
+          <a:p>
+            <a:pPr>
+              <a:defRPr/>
+            </a:pPr>
+            <a:fld id="{6E954588-8532-426F-A2EF-680516B179CB}" type="slidenum">
+              <a:rPr lang="en-US" smtClean="0"/>
+              <a:pPr>
+                <a:defRPr/>
+              </a:pPr>
+              <a:t>17</a:t>
+            </a:fld>
+            <a:endParaRPr lang="en-US" dirty="0"/>
+          </a:p>
+        </p:txBody>
+      </p:sp>
     </p:spTree>
     <p:extLst>
       <p:ext uri="{BB962C8B-B14F-4D97-AF65-F5344CB8AC3E}">
@@ -9565,6 +9882,35 @@
           </a:p>
         </p:txBody>
       </p:sp>
+      <p:sp>
+        <p:nvSpPr>
+          <p:cNvPr id="6" name="Slide Number Placeholder 5"/>
+          <p:cNvSpPr>
+            <a:spLocks noGrp="1"/>
+          </p:cNvSpPr>
+          <p:nvPr>
+            <p:ph type="sldNum" sz="quarter" idx="11"/>
+          </p:nvPr>
+        </p:nvSpPr>
+        <p:spPr/>
+        <p:txBody>
+          <a:bodyPr/>
+          <a:lstStyle/>
+          <a:p>
+            <a:pPr>
+              <a:defRPr/>
+            </a:pPr>
+            <a:fld id="{6E954588-8532-426F-A2EF-680516B179CB}" type="slidenum">
+              <a:rPr lang="en-US" smtClean="0"/>
+              <a:pPr>
+                <a:defRPr/>
+              </a:pPr>
+              <a:t>18</a:t>
+            </a:fld>
+            <a:endParaRPr lang="en-US" dirty="0"/>
+          </a:p>
+        </p:txBody>
+      </p:sp>
     </p:spTree>
     <p:extLst>
       <p:ext uri="{BB962C8B-B14F-4D97-AF65-F5344CB8AC3E}">
@@ -9778,6 +10124,35 @@
               <a:rPr lang="en-US" dirty="0" smtClean="0"/>
               <a:t>Unknown orientation (i.e. rotation) and puzzle dimensions [12]</a:t>
             </a:r>
+            <a:endParaRPr lang="en-US" dirty="0"/>
+          </a:p>
+        </p:txBody>
+      </p:sp>
+      <p:sp>
+        <p:nvSpPr>
+          <p:cNvPr id="4" name="Slide Number Placeholder 3"/>
+          <p:cNvSpPr>
+            <a:spLocks noGrp="1"/>
+          </p:cNvSpPr>
+          <p:nvPr>
+            <p:ph type="sldNum" sz="quarter" idx="11"/>
+          </p:nvPr>
+        </p:nvSpPr>
+        <p:spPr/>
+        <p:txBody>
+          <a:bodyPr/>
+          <a:lstStyle/>
+          <a:p>
+            <a:pPr>
+              <a:defRPr/>
+            </a:pPr>
+            <a:fld id="{6E954588-8532-426F-A2EF-680516B179CB}" type="slidenum">
+              <a:rPr lang="en-US" smtClean="0"/>
+              <a:pPr>
+                <a:defRPr/>
+              </a:pPr>
+              <a:t>19</a:t>
+            </a:fld>
             <a:endParaRPr lang="en-US" dirty="0"/>
           </a:p>
         </p:txBody>
@@ -10023,6 +10398,35 @@
               <a:t>.</a:t>
             </a:r>
             <a:endParaRPr lang="en-US" sz="2300" dirty="0"/>
+          </a:p>
+        </p:txBody>
+      </p:sp>
+      <p:sp>
+        <p:nvSpPr>
+          <p:cNvPr id="4" name="Slide Number Placeholder 3"/>
+          <p:cNvSpPr>
+            <a:spLocks noGrp="1"/>
+          </p:cNvSpPr>
+          <p:nvPr>
+            <p:ph type="sldNum" sz="quarter" idx="11"/>
+          </p:nvPr>
+        </p:nvSpPr>
+        <p:spPr/>
+        <p:txBody>
+          <a:bodyPr/>
+          <a:lstStyle/>
+          <a:p>
+            <a:pPr>
+              <a:defRPr/>
+            </a:pPr>
+            <a:fld id="{6E954588-8532-426F-A2EF-680516B179CB}" type="slidenum">
+              <a:rPr lang="en-US" smtClean="0"/>
+              <a:pPr>
+                <a:defRPr/>
+              </a:pPr>
+              <a:t>2</a:t>
+            </a:fld>
+            <a:endParaRPr lang="en-US" dirty="0"/>
           </a:p>
         </p:txBody>
       </p:sp>
@@ -10101,6 +10505,35 @@
           </a:p>
         </p:txBody>
       </p:sp>
+      <p:sp>
+        <p:nvSpPr>
+          <p:cNvPr id="2" name="Slide Number Placeholder 1"/>
+          <p:cNvSpPr>
+            <a:spLocks noGrp="1"/>
+          </p:cNvSpPr>
+          <p:nvPr>
+            <p:ph type="sldNum" sz="quarter" idx="12"/>
+          </p:nvPr>
+        </p:nvSpPr>
+        <p:spPr/>
+        <p:txBody>
+          <a:bodyPr/>
+          <a:lstStyle/>
+          <a:p>
+            <a:pPr>
+              <a:defRPr/>
+            </a:pPr>
+            <a:fld id="{D391AFD6-1AE9-4580-A04C-2A7171B16A5C}" type="slidenum">
+              <a:rPr lang="en-US" smtClean="0"/>
+              <a:pPr>
+                <a:defRPr/>
+              </a:pPr>
+              <a:t>20</a:t>
+            </a:fld>
+            <a:endParaRPr lang="en-US" dirty="0"/>
+          </a:p>
+        </p:txBody>
+      </p:sp>
     </p:spTree>
     <p:extLst>
       <p:ext uri="{BB962C8B-B14F-4D97-AF65-F5344CB8AC3E}">
@@ -10292,6 +10725,35 @@
               <a:rPr lang="en-US" dirty="0" smtClean="0"/>
               <a:t>Uses a provided low resolution image as part of the patch placement algorithm.</a:t>
             </a:r>
+            <a:endParaRPr lang="en-US" dirty="0"/>
+          </a:p>
+        </p:txBody>
+      </p:sp>
+      <p:sp>
+        <p:nvSpPr>
+          <p:cNvPr id="4" name="Slide Number Placeholder 3"/>
+          <p:cNvSpPr>
+            <a:spLocks noGrp="1"/>
+          </p:cNvSpPr>
+          <p:nvPr>
+            <p:ph type="sldNum" sz="quarter" idx="11"/>
+          </p:nvPr>
+        </p:nvSpPr>
+        <p:spPr/>
+        <p:txBody>
+          <a:bodyPr/>
+          <a:lstStyle/>
+          <a:p>
+            <a:pPr>
+              <a:defRPr/>
+            </a:pPr>
+            <a:fld id="{6E954588-8532-426F-A2EF-680516B179CB}" type="slidenum">
+              <a:rPr lang="en-US" smtClean="0"/>
+              <a:pPr>
+                <a:defRPr/>
+              </a:pPr>
+              <a:t>21</a:t>
+            </a:fld>
             <a:endParaRPr lang="en-US" dirty="0"/>
           </a:p>
         </p:txBody>
@@ -10840,6 +11302,35 @@
           </p:sp>
         </mc:Fallback>
       </mc:AlternateContent>
+      <p:sp>
+        <p:nvSpPr>
+          <p:cNvPr id="4" name="Slide Number Placeholder 3"/>
+          <p:cNvSpPr>
+            <a:spLocks noGrp="1"/>
+          </p:cNvSpPr>
+          <p:nvPr>
+            <p:ph type="sldNum" sz="quarter" idx="11"/>
+          </p:nvPr>
+        </p:nvSpPr>
+        <p:spPr/>
+        <p:txBody>
+          <a:bodyPr/>
+          <a:lstStyle/>
+          <a:p>
+            <a:pPr>
+              <a:defRPr/>
+            </a:pPr>
+            <a:fld id="{6E954588-8532-426F-A2EF-680516B179CB}" type="slidenum">
+              <a:rPr lang="en-US" smtClean="0"/>
+              <a:pPr>
+                <a:defRPr/>
+              </a:pPr>
+              <a:t>22</a:t>
+            </a:fld>
+            <a:endParaRPr lang="en-US" dirty="0"/>
+          </a:p>
+        </p:txBody>
+      </p:sp>
     </p:spTree>
     <p:extLst>
       <p:ext uri="{BB962C8B-B14F-4D97-AF65-F5344CB8AC3E}">
@@ -11798,6 +12289,35 @@
           </p:sp>
         </mc:Fallback>
       </mc:AlternateContent>
+      <p:sp>
+        <p:nvSpPr>
+          <p:cNvPr id="4" name="Slide Number Placeholder 3"/>
+          <p:cNvSpPr>
+            <a:spLocks noGrp="1"/>
+          </p:cNvSpPr>
+          <p:nvPr>
+            <p:ph type="sldNum" sz="quarter" idx="11"/>
+          </p:nvPr>
+        </p:nvSpPr>
+        <p:spPr/>
+        <p:txBody>
+          <a:bodyPr/>
+          <a:lstStyle/>
+          <a:p>
+            <a:pPr>
+              <a:defRPr/>
+            </a:pPr>
+            <a:fld id="{6E954588-8532-426F-A2EF-680516B179CB}" type="slidenum">
+              <a:rPr lang="en-US" smtClean="0"/>
+              <a:pPr>
+                <a:defRPr/>
+              </a:pPr>
+              <a:t>23</a:t>
+            </a:fld>
+            <a:endParaRPr lang="en-US" dirty="0"/>
+          </a:p>
+        </p:txBody>
+      </p:sp>
     </p:spTree>
     <p:extLst>
       <p:ext uri="{BB962C8B-B14F-4D97-AF65-F5344CB8AC3E}">
@@ -11902,6 +12422,35 @@
               <a:rPr lang="en-US" dirty="0" smtClean="0"/>
               <a:t> What if I do not have access to a low resolution version of the original image?  Can I make one or use a substitute?</a:t>
             </a:r>
+            <a:endParaRPr lang="en-US" dirty="0"/>
+          </a:p>
+        </p:txBody>
+      </p:sp>
+      <p:sp>
+        <p:nvSpPr>
+          <p:cNvPr id="4" name="Slide Number Placeholder 3"/>
+          <p:cNvSpPr>
+            <a:spLocks noGrp="1"/>
+          </p:cNvSpPr>
+          <p:nvPr>
+            <p:ph type="sldNum" sz="quarter" idx="11"/>
+          </p:nvPr>
+        </p:nvSpPr>
+        <p:spPr/>
+        <p:txBody>
+          <a:bodyPr/>
+          <a:lstStyle/>
+          <a:p>
+            <a:pPr>
+              <a:defRPr/>
+            </a:pPr>
+            <a:fld id="{6E954588-8532-426F-A2EF-680516B179CB}" type="slidenum">
+              <a:rPr lang="en-US" smtClean="0"/>
+              <a:pPr>
+                <a:defRPr/>
+              </a:pPr>
+              <a:t>24</a:t>
+            </a:fld>
             <a:endParaRPr lang="en-US" dirty="0"/>
           </a:p>
         </p:txBody>
@@ -11988,6 +12537,35 @@
           </a:p>
         </p:txBody>
       </p:sp>
+      <p:sp>
+        <p:nvSpPr>
+          <p:cNvPr id="2" name="Slide Number Placeholder 1"/>
+          <p:cNvSpPr>
+            <a:spLocks noGrp="1"/>
+          </p:cNvSpPr>
+          <p:nvPr>
+            <p:ph type="sldNum" sz="quarter" idx="12"/>
+          </p:nvPr>
+        </p:nvSpPr>
+        <p:spPr/>
+        <p:txBody>
+          <a:bodyPr/>
+          <a:lstStyle/>
+          <a:p>
+            <a:pPr>
+              <a:defRPr/>
+            </a:pPr>
+            <a:fld id="{D391AFD6-1AE9-4580-A04C-2A7171B16A5C}" type="slidenum">
+              <a:rPr lang="en-US" smtClean="0"/>
+              <a:pPr>
+                <a:defRPr/>
+              </a:pPr>
+              <a:t>25</a:t>
+            </a:fld>
+            <a:endParaRPr lang="en-US" dirty="0"/>
+          </a:p>
+        </p:txBody>
+      </p:sp>
     </p:spTree>
     <p:extLst>
       <p:ext uri="{BB962C8B-B14F-4D97-AF65-F5344CB8AC3E}">
@@ -12186,6 +12764,35 @@
           </p:sp>
         </mc:Fallback>
       </mc:AlternateContent>
+      <p:sp>
+        <p:nvSpPr>
+          <p:cNvPr id="4" name="Slide Number Placeholder 3"/>
+          <p:cNvSpPr>
+            <a:spLocks noGrp="1"/>
+          </p:cNvSpPr>
+          <p:nvPr>
+            <p:ph type="sldNum" sz="quarter" idx="11"/>
+          </p:nvPr>
+        </p:nvSpPr>
+        <p:spPr/>
+        <p:txBody>
+          <a:bodyPr/>
+          <a:lstStyle/>
+          <a:p>
+            <a:pPr>
+              <a:defRPr/>
+            </a:pPr>
+            <a:fld id="{6E954588-8532-426F-A2EF-680516B179CB}" type="slidenum">
+              <a:rPr lang="en-US" smtClean="0"/>
+              <a:pPr>
+                <a:defRPr/>
+              </a:pPr>
+              <a:t>26</a:t>
+            </a:fld>
+            <a:endParaRPr lang="en-US" dirty="0"/>
+          </a:p>
+        </p:txBody>
+      </p:sp>
     </p:spTree>
     <p:extLst>
       <p:ext uri="{BB962C8B-B14F-4D97-AF65-F5344CB8AC3E}">
@@ -12470,6 +13077,35 @@
           </p:sp>
         </mc:Fallback>
       </mc:AlternateContent>
+      <p:sp>
+        <p:nvSpPr>
+          <p:cNvPr id="4" name="Slide Number Placeholder 3"/>
+          <p:cNvSpPr>
+            <a:spLocks noGrp="1"/>
+          </p:cNvSpPr>
+          <p:nvPr>
+            <p:ph type="sldNum" sz="quarter" idx="11"/>
+          </p:nvPr>
+        </p:nvSpPr>
+        <p:spPr/>
+        <p:txBody>
+          <a:bodyPr/>
+          <a:lstStyle/>
+          <a:p>
+            <a:pPr>
+              <a:defRPr/>
+            </a:pPr>
+            <a:fld id="{6E954588-8532-426F-A2EF-680516B179CB}" type="slidenum">
+              <a:rPr lang="en-US" smtClean="0"/>
+              <a:pPr>
+                <a:defRPr/>
+              </a:pPr>
+              <a:t>27</a:t>
+            </a:fld>
+            <a:endParaRPr lang="en-US" dirty="0"/>
+          </a:p>
+        </p:txBody>
+      </p:sp>
     </p:spTree>
     <p:extLst>
       <p:ext uri="{BB962C8B-B14F-4D97-AF65-F5344CB8AC3E}">
@@ -12609,6 +13245,35 @@
           </a:p>
         </p:txBody>
       </p:sp>
+      <p:sp>
+        <p:nvSpPr>
+          <p:cNvPr id="4" name="Slide Number Placeholder 3"/>
+          <p:cNvSpPr>
+            <a:spLocks noGrp="1"/>
+          </p:cNvSpPr>
+          <p:nvPr>
+            <p:ph type="sldNum" sz="quarter" idx="11"/>
+          </p:nvPr>
+        </p:nvSpPr>
+        <p:spPr/>
+        <p:txBody>
+          <a:bodyPr/>
+          <a:lstStyle/>
+          <a:p>
+            <a:pPr>
+              <a:defRPr/>
+            </a:pPr>
+            <a:fld id="{6E954588-8532-426F-A2EF-680516B179CB}" type="slidenum">
+              <a:rPr lang="en-US" smtClean="0"/>
+              <a:pPr>
+                <a:defRPr/>
+              </a:pPr>
+              <a:t>28</a:t>
+            </a:fld>
+            <a:endParaRPr lang="en-US" dirty="0"/>
+          </a:p>
+        </p:txBody>
+      </p:sp>
     </p:spTree>
     <p:extLst>
       <p:ext uri="{BB962C8B-B14F-4D97-AF65-F5344CB8AC3E}">
@@ -12851,6 +13516,35 @@
           </p:sp>
         </mc:Fallback>
       </mc:AlternateContent>
+      <p:sp>
+        <p:nvSpPr>
+          <p:cNvPr id="4" name="Slide Number Placeholder 3"/>
+          <p:cNvSpPr>
+            <a:spLocks noGrp="1"/>
+          </p:cNvSpPr>
+          <p:nvPr>
+            <p:ph type="sldNum" sz="quarter" idx="11"/>
+          </p:nvPr>
+        </p:nvSpPr>
+        <p:spPr/>
+        <p:txBody>
+          <a:bodyPr/>
+          <a:lstStyle/>
+          <a:p>
+            <a:pPr>
+              <a:defRPr/>
+            </a:pPr>
+            <a:fld id="{6E954588-8532-426F-A2EF-680516B179CB}" type="slidenum">
+              <a:rPr lang="en-US" smtClean="0"/>
+              <a:pPr>
+                <a:defRPr/>
+              </a:pPr>
+              <a:t>29</a:t>
+            </a:fld>
+            <a:endParaRPr lang="en-US" dirty="0"/>
+          </a:p>
+        </p:txBody>
+      </p:sp>
     </p:spTree>
     <p:extLst>
       <p:ext uri="{BB962C8B-B14F-4D97-AF65-F5344CB8AC3E}">
@@ -13009,6 +13703,35 @@
           </a:ln>
         </p:spPr>
       </p:pic>
+      <p:sp>
+        <p:nvSpPr>
+          <p:cNvPr id="2" name="Slide Number Placeholder 1"/>
+          <p:cNvSpPr>
+            <a:spLocks noGrp="1"/>
+          </p:cNvSpPr>
+          <p:nvPr>
+            <p:ph type="sldNum" sz="quarter" idx="11"/>
+          </p:nvPr>
+        </p:nvSpPr>
+        <p:spPr/>
+        <p:txBody>
+          <a:bodyPr/>
+          <a:lstStyle/>
+          <a:p>
+            <a:pPr>
+              <a:defRPr/>
+            </a:pPr>
+            <a:fld id="{6E954588-8532-426F-A2EF-680516B179CB}" type="slidenum">
+              <a:rPr lang="en-US" smtClean="0"/>
+              <a:pPr>
+                <a:defRPr/>
+              </a:pPr>
+              <a:t>3</a:t>
+            </a:fld>
+            <a:endParaRPr lang="en-US" dirty="0"/>
+          </a:p>
+        </p:txBody>
+      </p:sp>
     </p:spTree>
   </p:cSld>
   <p:clrMapOvr>
@@ -13314,6 +14037,35 @@
               <a:t>Best Results</a:t>
             </a:r>
             <a:endParaRPr lang="en-US" sz="1600" dirty="0" smtClean="0"/>
+          </a:p>
+        </p:txBody>
+      </p:sp>
+      <p:sp>
+        <p:nvSpPr>
+          <p:cNvPr id="3" name="Slide Number Placeholder 2"/>
+          <p:cNvSpPr>
+            <a:spLocks noGrp="1"/>
+          </p:cNvSpPr>
+          <p:nvPr>
+            <p:ph type="sldNum" sz="quarter" idx="11"/>
+          </p:nvPr>
+        </p:nvSpPr>
+        <p:spPr/>
+        <p:txBody>
+          <a:bodyPr/>
+          <a:lstStyle/>
+          <a:p>
+            <a:pPr>
+              <a:defRPr/>
+            </a:pPr>
+            <a:fld id="{6E954588-8532-426F-A2EF-680516B179CB}" type="slidenum">
+              <a:rPr lang="en-US" smtClean="0"/>
+              <a:pPr>
+                <a:defRPr/>
+              </a:pPr>
+              <a:t>30</a:t>
+            </a:fld>
+            <a:endParaRPr lang="en-US" dirty="0"/>
           </a:p>
         </p:txBody>
       </p:sp>
@@ -13835,6 +14587,35 @@
           </p:sp>
         </mc:Fallback>
       </mc:AlternateContent>
+      <p:sp>
+        <p:nvSpPr>
+          <p:cNvPr id="4" name="Slide Number Placeholder 3"/>
+          <p:cNvSpPr>
+            <a:spLocks noGrp="1"/>
+          </p:cNvSpPr>
+          <p:nvPr>
+            <p:ph type="sldNum" sz="quarter" idx="11"/>
+          </p:nvPr>
+        </p:nvSpPr>
+        <p:spPr/>
+        <p:txBody>
+          <a:bodyPr/>
+          <a:lstStyle/>
+          <a:p>
+            <a:pPr>
+              <a:defRPr/>
+            </a:pPr>
+            <a:fld id="{6E954588-8532-426F-A2EF-680516B179CB}" type="slidenum">
+              <a:rPr lang="en-US" smtClean="0"/>
+              <a:pPr>
+                <a:defRPr/>
+              </a:pPr>
+              <a:t>31</a:t>
+            </a:fld>
+            <a:endParaRPr lang="en-US" dirty="0"/>
+          </a:p>
+        </p:txBody>
+      </p:sp>
     </p:spTree>
     <p:extLst>
       <p:ext uri="{BB962C8B-B14F-4D97-AF65-F5344CB8AC3E}">
@@ -13910,6 +14691,35 @@
           </a:p>
         </p:txBody>
       </p:sp>
+      <p:sp>
+        <p:nvSpPr>
+          <p:cNvPr id="2" name="Slide Number Placeholder 1"/>
+          <p:cNvSpPr>
+            <a:spLocks noGrp="1"/>
+          </p:cNvSpPr>
+          <p:nvPr>
+            <p:ph type="sldNum" sz="quarter" idx="12"/>
+          </p:nvPr>
+        </p:nvSpPr>
+        <p:spPr/>
+        <p:txBody>
+          <a:bodyPr/>
+          <a:lstStyle/>
+          <a:p>
+            <a:pPr>
+              <a:defRPr/>
+            </a:pPr>
+            <a:fld id="{D391AFD6-1AE9-4580-A04C-2A7171B16A5C}" type="slidenum">
+              <a:rPr lang="en-US" smtClean="0"/>
+              <a:pPr>
+                <a:defRPr/>
+              </a:pPr>
+              <a:t>32</a:t>
+            </a:fld>
+            <a:endParaRPr lang="en-US" dirty="0"/>
+          </a:p>
+        </p:txBody>
+      </p:sp>
     </p:spTree>
     <p:extLst>
       <p:ext uri="{BB962C8B-B14F-4D97-AF65-F5344CB8AC3E}">
@@ -14214,6 +15024,35 @@
                 <a:spcPts val="600"/>
               </a:spcBef>
             </a:pPr>
+            <a:endParaRPr lang="en-US" dirty="0"/>
+          </a:p>
+        </p:txBody>
+      </p:sp>
+      <p:sp>
+        <p:nvSpPr>
+          <p:cNvPr id="4" name="Slide Number Placeholder 3"/>
+          <p:cNvSpPr>
+            <a:spLocks noGrp="1"/>
+          </p:cNvSpPr>
+          <p:nvPr>
+            <p:ph type="sldNum" sz="quarter" idx="11"/>
+          </p:nvPr>
+        </p:nvSpPr>
+        <p:spPr/>
+        <p:txBody>
+          <a:bodyPr/>
+          <a:lstStyle/>
+          <a:p>
+            <a:pPr>
+              <a:defRPr/>
+            </a:pPr>
+            <a:fld id="{6E954588-8532-426F-A2EF-680516B179CB}" type="slidenum">
+              <a:rPr lang="en-US" smtClean="0"/>
+              <a:pPr>
+                <a:defRPr/>
+              </a:pPr>
+              <a:t>33</a:t>
+            </a:fld>
             <a:endParaRPr lang="en-US" dirty="0"/>
           </a:p>
         </p:txBody>
@@ -14544,6 +15383,35 @@
           </a:p>
         </p:txBody>
       </p:sp>
+      <p:sp>
+        <p:nvSpPr>
+          <p:cNvPr id="4" name="Slide Number Placeholder 3"/>
+          <p:cNvSpPr>
+            <a:spLocks noGrp="1"/>
+          </p:cNvSpPr>
+          <p:nvPr>
+            <p:ph type="sldNum" sz="quarter" idx="11"/>
+          </p:nvPr>
+        </p:nvSpPr>
+        <p:spPr/>
+        <p:txBody>
+          <a:bodyPr/>
+          <a:lstStyle/>
+          <a:p>
+            <a:pPr>
+              <a:defRPr/>
+            </a:pPr>
+            <a:fld id="{6E954588-8532-426F-A2EF-680516B179CB}" type="slidenum">
+              <a:rPr lang="en-US" smtClean="0"/>
+              <a:pPr>
+                <a:defRPr/>
+              </a:pPr>
+              <a:t>34</a:t>
+            </a:fld>
+            <a:endParaRPr lang="en-US" dirty="0"/>
+          </a:p>
+        </p:txBody>
+      </p:sp>
     </p:spTree>
     <p:extLst>
       <p:ext uri="{BB962C8B-B14F-4D97-AF65-F5344CB8AC3E}">
@@ -14655,6 +15523,35 @@
               <a:rPr lang="en-US" dirty="0" smtClean="0"/>
               <a:t>: 99.7%</a:t>
             </a:r>
+            <a:endParaRPr lang="en-US" dirty="0"/>
+          </a:p>
+        </p:txBody>
+      </p:sp>
+      <p:sp>
+        <p:nvSpPr>
+          <p:cNvPr id="4" name="Slide Number Placeholder 3"/>
+          <p:cNvSpPr>
+            <a:spLocks noGrp="1"/>
+          </p:cNvSpPr>
+          <p:nvPr>
+            <p:ph type="sldNum" sz="quarter" idx="11"/>
+          </p:nvPr>
+        </p:nvSpPr>
+        <p:spPr/>
+        <p:txBody>
+          <a:bodyPr/>
+          <a:lstStyle/>
+          <a:p>
+            <a:pPr>
+              <a:defRPr/>
+            </a:pPr>
+            <a:fld id="{6E954588-8532-426F-A2EF-680516B179CB}" type="slidenum">
+              <a:rPr lang="en-US" smtClean="0"/>
+              <a:pPr>
+                <a:defRPr/>
+              </a:pPr>
+              <a:t>35</a:t>
+            </a:fld>
             <a:endParaRPr lang="en-US" dirty="0"/>
           </a:p>
         </p:txBody>
@@ -14866,6 +15763,35 @@
               <a:rPr lang="en-US" dirty="0" smtClean="0"/>
               <a:t>Performing this step is similar to shifting the largest segment.</a:t>
             </a:r>
+          </a:p>
+        </p:txBody>
+      </p:sp>
+      <p:sp>
+        <p:nvSpPr>
+          <p:cNvPr id="4" name="Slide Number Placeholder 3"/>
+          <p:cNvSpPr>
+            <a:spLocks noGrp="1"/>
+          </p:cNvSpPr>
+          <p:nvPr>
+            <p:ph type="sldNum" sz="quarter" idx="11"/>
+          </p:nvPr>
+        </p:nvSpPr>
+        <p:spPr/>
+        <p:txBody>
+          <a:bodyPr/>
+          <a:lstStyle/>
+          <a:p>
+            <a:pPr>
+              <a:defRPr/>
+            </a:pPr>
+            <a:fld id="{6E954588-8532-426F-A2EF-680516B179CB}" type="slidenum">
+              <a:rPr lang="en-US" smtClean="0"/>
+              <a:pPr>
+                <a:defRPr/>
+              </a:pPr>
+              <a:t>36</a:t>
+            </a:fld>
+            <a:endParaRPr lang="en-US" dirty="0"/>
           </a:p>
         </p:txBody>
       </p:sp>
@@ -14944,6 +15870,35 @@
           </a:p>
         </p:txBody>
       </p:sp>
+      <p:sp>
+        <p:nvSpPr>
+          <p:cNvPr id="2" name="Slide Number Placeholder 1"/>
+          <p:cNvSpPr>
+            <a:spLocks noGrp="1"/>
+          </p:cNvSpPr>
+          <p:nvPr>
+            <p:ph type="sldNum" sz="quarter" idx="12"/>
+          </p:nvPr>
+        </p:nvSpPr>
+        <p:spPr/>
+        <p:txBody>
+          <a:bodyPr/>
+          <a:lstStyle/>
+          <a:p>
+            <a:pPr>
+              <a:defRPr/>
+            </a:pPr>
+            <a:fld id="{D391AFD6-1AE9-4580-A04C-2A7171B16A5C}" type="slidenum">
+              <a:rPr lang="en-US" smtClean="0"/>
+              <a:pPr>
+                <a:defRPr/>
+              </a:pPr>
+              <a:t>37</a:t>
+            </a:fld>
+            <a:endParaRPr lang="en-US" dirty="0"/>
+          </a:p>
+        </p:txBody>
+      </p:sp>
     </p:spTree>
     <p:extLst>
       <p:ext uri="{BB962C8B-B14F-4D97-AF65-F5344CB8AC3E}">
@@ -15096,6 +16051,35 @@
             <a:endParaRPr lang="en-US" dirty="0"/>
           </a:p>
           <a:p>
+            <a:endParaRPr lang="en-US" dirty="0"/>
+          </a:p>
+        </p:txBody>
+      </p:sp>
+      <p:sp>
+        <p:nvSpPr>
+          <p:cNvPr id="4" name="Slide Number Placeholder 3"/>
+          <p:cNvSpPr>
+            <a:spLocks noGrp="1"/>
+          </p:cNvSpPr>
+          <p:nvPr>
+            <p:ph type="sldNum" sz="quarter" idx="11"/>
+          </p:nvPr>
+        </p:nvSpPr>
+        <p:spPr/>
+        <p:txBody>
+          <a:bodyPr/>
+          <a:lstStyle/>
+          <a:p>
+            <a:pPr>
+              <a:defRPr/>
+            </a:pPr>
+            <a:fld id="{6E954588-8532-426F-A2EF-680516B179CB}" type="slidenum">
+              <a:rPr lang="en-US" smtClean="0"/>
+              <a:pPr>
+                <a:defRPr/>
+              </a:pPr>
+              <a:t>38</a:t>
+            </a:fld>
             <a:endParaRPr lang="en-US" dirty="0"/>
           </a:p>
         </p:txBody>
@@ -15543,6 +16527,35 @@
           </p:sp>
         </mc:Fallback>
       </mc:AlternateContent>
+      <p:sp>
+        <p:nvSpPr>
+          <p:cNvPr id="4" name="Slide Number Placeholder 3"/>
+          <p:cNvSpPr>
+            <a:spLocks noGrp="1"/>
+          </p:cNvSpPr>
+          <p:nvPr>
+            <p:ph type="sldNum" sz="quarter" idx="11"/>
+          </p:nvPr>
+        </p:nvSpPr>
+        <p:spPr/>
+        <p:txBody>
+          <a:bodyPr/>
+          <a:lstStyle/>
+          <a:p>
+            <a:pPr>
+              <a:defRPr/>
+            </a:pPr>
+            <a:fld id="{6E954588-8532-426F-A2EF-680516B179CB}" type="slidenum">
+              <a:rPr lang="en-US" smtClean="0"/>
+              <a:pPr>
+                <a:defRPr/>
+              </a:pPr>
+              <a:t>39</a:t>
+            </a:fld>
+            <a:endParaRPr lang="en-US" dirty="0"/>
+          </a:p>
+        </p:txBody>
+      </p:sp>
     </p:spTree>
     <p:extLst>
       <p:ext uri="{BB962C8B-B14F-4D97-AF65-F5344CB8AC3E}">
@@ -15683,6 +16696,35 @@
           <a:p>
             <a:pPr lvl="1"/>
             <a:endParaRPr lang="en-US" dirty="0" smtClean="0"/>
+          </a:p>
+        </p:txBody>
+      </p:sp>
+      <p:sp>
+        <p:nvSpPr>
+          <p:cNvPr id="4" name="Slide Number Placeholder 3"/>
+          <p:cNvSpPr>
+            <a:spLocks noGrp="1"/>
+          </p:cNvSpPr>
+          <p:nvPr>
+            <p:ph type="sldNum" sz="quarter" idx="11"/>
+          </p:nvPr>
+        </p:nvSpPr>
+        <p:spPr/>
+        <p:txBody>
+          <a:bodyPr/>
+          <a:lstStyle/>
+          <a:p>
+            <a:pPr>
+              <a:defRPr/>
+            </a:pPr>
+            <a:fld id="{6E954588-8532-426F-A2EF-680516B179CB}" type="slidenum">
+              <a:rPr lang="en-US" smtClean="0"/>
+              <a:pPr>
+                <a:defRPr/>
+              </a:pPr>
+              <a:t>4</a:t>
+            </a:fld>
+            <a:endParaRPr lang="en-US" dirty="0"/>
           </a:p>
         </p:txBody>
       </p:sp>
@@ -15833,6 +16875,35 @@
           </a:p>
         </p:txBody>
       </p:sp>
+      <p:sp>
+        <p:nvSpPr>
+          <p:cNvPr id="4" name="Slide Number Placeholder 3"/>
+          <p:cNvSpPr>
+            <a:spLocks noGrp="1"/>
+          </p:cNvSpPr>
+          <p:nvPr>
+            <p:ph type="sldNum" sz="quarter" idx="11"/>
+          </p:nvPr>
+        </p:nvSpPr>
+        <p:spPr/>
+        <p:txBody>
+          <a:bodyPr/>
+          <a:lstStyle/>
+          <a:p>
+            <a:pPr>
+              <a:defRPr/>
+            </a:pPr>
+            <a:fld id="{6E954588-8532-426F-A2EF-680516B179CB}" type="slidenum">
+              <a:rPr lang="en-US" smtClean="0"/>
+              <a:pPr>
+                <a:defRPr/>
+              </a:pPr>
+              <a:t>40</a:t>
+            </a:fld>
+            <a:endParaRPr lang="en-US" dirty="0"/>
+          </a:p>
+        </p:txBody>
+      </p:sp>
     </p:spTree>
     <p:extLst>
       <p:ext uri="{BB962C8B-B14F-4D97-AF65-F5344CB8AC3E}">
@@ -16155,6 +17226,35 @@
           </a:p>
         </p:txBody>
       </p:sp>
+      <p:sp>
+        <p:nvSpPr>
+          <p:cNvPr id="4" name="Slide Number Placeholder 3"/>
+          <p:cNvSpPr>
+            <a:spLocks noGrp="1"/>
+          </p:cNvSpPr>
+          <p:nvPr>
+            <p:ph type="sldNum" sz="quarter" idx="11"/>
+          </p:nvPr>
+        </p:nvSpPr>
+        <p:spPr/>
+        <p:txBody>
+          <a:bodyPr/>
+          <a:lstStyle/>
+          <a:p>
+            <a:pPr>
+              <a:defRPr/>
+            </a:pPr>
+            <a:fld id="{6E954588-8532-426F-A2EF-680516B179CB}" type="slidenum">
+              <a:rPr lang="en-US" smtClean="0"/>
+              <a:pPr>
+                <a:defRPr/>
+              </a:pPr>
+              <a:t>41</a:t>
+            </a:fld>
+            <a:endParaRPr lang="en-US" dirty="0"/>
+          </a:p>
+        </p:txBody>
+      </p:sp>
     </p:spTree>
     <p:extLst>
       <p:ext uri="{BB962C8B-B14F-4D97-AF65-F5344CB8AC3E}">
@@ -16242,6 +17342,35 @@
               <a:rPr lang="en-US" dirty="0" smtClean="0"/>
               <a:t>During the first and third phase of placement, place a piece at random with some low probability (e.g. 5%)</a:t>
             </a:r>
+            <a:endParaRPr lang="en-US" dirty="0"/>
+          </a:p>
+        </p:txBody>
+      </p:sp>
+      <p:sp>
+        <p:nvSpPr>
+          <p:cNvPr id="4" name="Slide Number Placeholder 3"/>
+          <p:cNvSpPr>
+            <a:spLocks noGrp="1"/>
+          </p:cNvSpPr>
+          <p:nvPr>
+            <p:ph type="sldNum" sz="quarter" idx="11"/>
+          </p:nvPr>
+        </p:nvSpPr>
+        <p:spPr/>
+        <p:txBody>
+          <a:bodyPr/>
+          <a:lstStyle/>
+          <a:p>
+            <a:pPr>
+              <a:defRPr/>
+            </a:pPr>
+            <a:fld id="{6E954588-8532-426F-A2EF-680516B179CB}" type="slidenum">
+              <a:rPr lang="en-US" smtClean="0"/>
+              <a:pPr>
+                <a:defRPr/>
+              </a:pPr>
+              <a:t>42</a:t>
+            </a:fld>
             <a:endParaRPr lang="en-US" dirty="0"/>
           </a:p>
         </p:txBody>
@@ -16357,6 +17486,35 @@
               <a:rPr lang="en-US" dirty="0" smtClean="0"/>
               <a:t>Used as a benchmark in [20].</a:t>
             </a:r>
+            <a:endParaRPr lang="en-US" dirty="0"/>
+          </a:p>
+        </p:txBody>
+      </p:sp>
+      <p:sp>
+        <p:nvSpPr>
+          <p:cNvPr id="4" name="Slide Number Placeholder 3"/>
+          <p:cNvSpPr>
+            <a:spLocks noGrp="1"/>
+          </p:cNvSpPr>
+          <p:nvPr>
+            <p:ph type="sldNum" sz="quarter" idx="11"/>
+          </p:nvPr>
+        </p:nvSpPr>
+        <p:spPr/>
+        <p:txBody>
+          <a:bodyPr/>
+          <a:lstStyle/>
+          <a:p>
+            <a:pPr>
+              <a:defRPr/>
+            </a:pPr>
+            <a:fld id="{6E954588-8532-426F-A2EF-680516B179CB}" type="slidenum">
+              <a:rPr lang="en-US" smtClean="0"/>
+              <a:pPr>
+                <a:defRPr/>
+              </a:pPr>
+              <a:t>43</a:t>
+            </a:fld>
             <a:endParaRPr lang="en-US" dirty="0"/>
           </a:p>
         </p:txBody>
@@ -16562,6 +17720,35 @@
               <a:rPr lang="en-US" dirty="0" smtClean="0"/>
               <a:t>“Best Buddies” Ratio</a:t>
             </a:r>
+            <a:endParaRPr lang="en-US" dirty="0"/>
+          </a:p>
+        </p:txBody>
+      </p:sp>
+      <p:sp>
+        <p:nvSpPr>
+          <p:cNvPr id="4" name="Slide Number Placeholder 3"/>
+          <p:cNvSpPr>
+            <a:spLocks noGrp="1"/>
+          </p:cNvSpPr>
+          <p:nvPr>
+            <p:ph type="sldNum" sz="quarter" idx="11"/>
+          </p:nvPr>
+        </p:nvSpPr>
+        <p:spPr/>
+        <p:txBody>
+          <a:bodyPr/>
+          <a:lstStyle/>
+          <a:p>
+            <a:pPr>
+              <a:defRPr/>
+            </a:pPr>
+            <a:fld id="{6E954588-8532-426F-A2EF-680516B179CB}" type="slidenum">
+              <a:rPr lang="en-US" smtClean="0"/>
+              <a:pPr>
+                <a:defRPr/>
+              </a:pPr>
+              <a:t>44</a:t>
+            </a:fld>
             <a:endParaRPr lang="en-US" dirty="0"/>
           </a:p>
         </p:txBody>
@@ -17185,6 +18372,35 @@
           </a:p>
         </p:txBody>
       </p:sp>
+      <p:sp>
+        <p:nvSpPr>
+          <p:cNvPr id="3" name="Slide Number Placeholder 2"/>
+          <p:cNvSpPr>
+            <a:spLocks noGrp="1"/>
+          </p:cNvSpPr>
+          <p:nvPr>
+            <p:ph type="sldNum" sz="quarter" idx="11"/>
+          </p:nvPr>
+        </p:nvSpPr>
+        <p:spPr/>
+        <p:txBody>
+          <a:bodyPr/>
+          <a:lstStyle/>
+          <a:p>
+            <a:pPr>
+              <a:defRPr/>
+            </a:pPr>
+            <a:fld id="{6E954588-8532-426F-A2EF-680516B179CB}" type="slidenum">
+              <a:rPr lang="en-US" smtClean="0"/>
+              <a:pPr>
+                <a:defRPr/>
+              </a:pPr>
+              <a:t>45</a:t>
+            </a:fld>
+            <a:endParaRPr lang="en-US" dirty="0"/>
+          </a:p>
+        </p:txBody>
+      </p:sp>
     </p:spTree>
     <p:extLst>
       <p:ext uri="{BB962C8B-B14F-4D97-AF65-F5344CB8AC3E}">
@@ -17260,6 +18476,35 @@
           </a:p>
         </p:txBody>
       </p:sp>
+      <p:sp>
+        <p:nvSpPr>
+          <p:cNvPr id="2" name="Slide Number Placeholder 1"/>
+          <p:cNvSpPr>
+            <a:spLocks noGrp="1"/>
+          </p:cNvSpPr>
+          <p:nvPr>
+            <p:ph type="sldNum" sz="quarter" idx="12"/>
+          </p:nvPr>
+        </p:nvSpPr>
+        <p:spPr/>
+        <p:txBody>
+          <a:bodyPr/>
+          <a:lstStyle/>
+          <a:p>
+            <a:pPr>
+              <a:defRPr/>
+            </a:pPr>
+            <a:fld id="{D391AFD6-1AE9-4580-A04C-2A7171B16A5C}" type="slidenum">
+              <a:rPr lang="en-US" smtClean="0"/>
+              <a:pPr>
+                <a:defRPr/>
+              </a:pPr>
+              <a:t>46</a:t>
+            </a:fld>
+            <a:endParaRPr lang="en-US" dirty="0"/>
+          </a:p>
+        </p:txBody>
+      </p:sp>
     </p:spTree>
     <p:extLst>
       <p:ext uri="{BB962C8B-B14F-4D97-AF65-F5344CB8AC3E}">
@@ -17303,15 +18548,15 @@
         <p:spPr/>
         <p:txBody>
           <a:bodyPr>
-            <a:normAutofit fontScale="90000"/>
+            <a:noAutofit/>
           </a:bodyPr>
           <a:lstStyle/>
           <a:p>
             <a:r>
-              <a:rPr lang="en-US" dirty="0" smtClean="0"/>
-              <a:t>Measuring Solution Quality</a:t>
-            </a:r>
-            <a:endParaRPr lang="en-US" dirty="0"/>
+              <a:rPr lang="en-US" sz="2800" dirty="0" smtClean="0"/>
+              <a:t>Solving Jigsaw Puzzles with Loop Constraints</a:t>
+            </a:r>
+            <a:endParaRPr lang="en-US" sz="2800" dirty="0"/>
           </a:p>
         </p:txBody>
       </p:sp>
@@ -17343,12 +18588,16 @@
               </a:lnSpc>
             </a:pPr>
             <a:r>
-              <a:rPr lang="en-US" b="1" dirty="0" smtClean="0"/>
-              <a:t>Problem Statement: </a:t>
-            </a:r>
-            <a:r>
               <a:rPr lang="en-US" dirty="0" smtClean="0"/>
-              <a:t>There is no uniform technique for grading the final output of a square jigsaw puzzle solver.</a:t>
+              <a:t>Proposed by Son </a:t>
+            </a:r>
+            <a:r>
+              <a:rPr lang="en-US" i="1" dirty="0" smtClean="0"/>
+              <a:t>et. al.</a:t>
+            </a:r>
+            <a:r>
+              <a:rPr lang="en-US" dirty="0" smtClean="0"/>
+              <a:t> in [19].</a:t>
             </a:r>
           </a:p>
           <a:p>
@@ -17366,8 +18615,8 @@
               </a:lnSpc>
             </a:pPr>
             <a:r>
-              <a:rPr lang="en-US" b="1" dirty="0" smtClean="0"/>
-              <a:t>Two Divergent Approaches:</a:t>
+              <a:rPr lang="en-US" dirty="0" smtClean="0"/>
+              <a:t>Best buddies can be viewed as a loop of two pieces that agree on one boundary.</a:t>
             </a:r>
           </a:p>
           <a:p>
@@ -17377,53 +18626,17 @@
               </a:lnSpc>
             </a:pPr>
             <a:r>
-              <a:rPr lang="en-US" i="1" dirty="0" smtClean="0">
-                <a:solidFill>
-                  <a:srgbClr val="006600"/>
-                </a:solidFill>
-              </a:rPr>
-              <a:t>Performance Metrics:</a:t>
-            </a:r>
-            <a:r>
-              <a:rPr lang="en-US" b="1" dirty="0" smtClean="0"/>
-              <a:t> </a:t>
-            </a:r>
-            <a:r>
               <a:rPr lang="en-US" dirty="0" smtClean="0"/>
-              <a:t>Use the original image to grade solution quality.</a:t>
-            </a:r>
-            <a:endParaRPr lang="en-US" dirty="0"/>
-          </a:p>
-          <a:p>
-            <a:pPr lvl="2">
-              <a:lnSpc>
-                <a:spcPct val="110000"/>
-              </a:lnSpc>
-            </a:pPr>
+              <a:t>Son </a:t>
+            </a:r>
+            <a:r>
+              <a:rPr lang="en-US" i="1" dirty="0" smtClean="0"/>
+              <a:t>et. al.</a:t>
+            </a:r>
             <a:r>
               <a:rPr lang="en-US" dirty="0" smtClean="0"/>
-              <a:t>Direct Comparison [7]</a:t>
-            </a:r>
-          </a:p>
-          <a:p>
-            <a:pPr lvl="2">
-              <a:lnSpc>
-                <a:spcPct val="110000"/>
-              </a:lnSpc>
-            </a:pPr>
-            <a:r>
-              <a:rPr lang="en-US" dirty="0" smtClean="0"/>
-              <a:t>Neighbor Comparison [7]</a:t>
-            </a:r>
-          </a:p>
-          <a:p>
-            <a:pPr marL="914400" lvl="2" indent="0">
-              <a:lnSpc>
-                <a:spcPct val="110000"/>
-              </a:lnSpc>
-              <a:buNone/>
-            </a:pPr>
-            <a:endParaRPr lang="en-US" dirty="0" smtClean="0"/>
+              <a:t> propose using a larger loop of 4 pieces (2x2) that agree on four boundaries.</a:t>
+            </a:r>
           </a:p>
           <a:p>
             <a:pPr lvl="1">
@@ -17431,29 +18644,89 @@
                 <a:spcPct val="110000"/>
               </a:lnSpc>
             </a:pPr>
-            <a:r>
-              <a:rPr lang="en-US" i="1" dirty="0" smtClean="0">
-                <a:solidFill>
-                  <a:srgbClr val="006600"/>
-                </a:solidFill>
-              </a:rPr>
-              <a:t>Estimation Metrics: </a:t>
-            </a:r>
-            <a:r>
-              <a:rPr lang="en-US" dirty="0" smtClean="0"/>
-              <a:t>Evaluates the quality of a solution without reference to the original image [10]. </a:t>
-            </a:r>
-          </a:p>
-          <a:p>
-            <a:pPr lvl="2">
+            <a:endParaRPr lang="en-US" dirty="0"/>
+          </a:p>
+          <a:p>
+            <a:pPr>
               <a:lnSpc>
                 <a:spcPct val="110000"/>
               </a:lnSpc>
             </a:pPr>
             <a:r>
               <a:rPr lang="en-US" dirty="0" smtClean="0"/>
-              <a:t>“Best Buddies” Ratio</a:t>
-            </a:r>
+              <a:t>Other work on the puzzle problem has either ignored or explicitly avoided cycles [12].</a:t>
+            </a:r>
+          </a:p>
+          <a:p>
+            <a:pPr lvl="1">
+              <a:lnSpc>
+                <a:spcPct val="110000"/>
+              </a:lnSpc>
+            </a:pPr>
+            <a:r>
+              <a:rPr lang="en-US" dirty="0" smtClean="0"/>
+              <a:t>By using cycles, you are able to achieve a type of outlier rejection.</a:t>
+            </a:r>
+          </a:p>
+          <a:p>
+            <a:pPr>
+              <a:lnSpc>
+                <a:spcPct val="110000"/>
+              </a:lnSpc>
+            </a:pPr>
+            <a:endParaRPr lang="en-US" dirty="0" smtClean="0"/>
+          </a:p>
+          <a:p>
+            <a:pPr lvl="1">
+              <a:lnSpc>
+                <a:spcPct val="110000"/>
+              </a:lnSpc>
+            </a:pPr>
+            <a:endParaRPr lang="en-US" dirty="0" smtClean="0"/>
+          </a:p>
+          <a:p>
+            <a:pPr>
+              <a:lnSpc>
+                <a:spcPct val="110000"/>
+              </a:lnSpc>
+            </a:pPr>
+            <a:endParaRPr lang="en-US" dirty="0"/>
+          </a:p>
+          <a:p>
+            <a:pPr>
+              <a:lnSpc>
+                <a:spcPct val="110000"/>
+              </a:lnSpc>
+            </a:pPr>
+            <a:endParaRPr lang="en-US" dirty="0"/>
+          </a:p>
+        </p:txBody>
+      </p:sp>
+      <p:sp>
+        <p:nvSpPr>
+          <p:cNvPr id="4" name="Slide Number Placeholder 3"/>
+          <p:cNvSpPr>
+            <a:spLocks noGrp="1"/>
+          </p:cNvSpPr>
+          <p:nvPr>
+            <p:ph type="sldNum" sz="quarter" idx="11"/>
+          </p:nvPr>
+        </p:nvSpPr>
+        <p:spPr/>
+        <p:txBody>
+          <a:bodyPr/>
+          <a:lstStyle/>
+          <a:p>
+            <a:pPr>
+              <a:defRPr/>
+            </a:pPr>
+            <a:fld id="{6E954588-8532-426F-A2EF-680516B179CB}" type="slidenum">
+              <a:rPr lang="en-US" smtClean="0"/>
+              <a:pPr>
+                <a:defRPr/>
+              </a:pPr>
+              <a:t>47</a:t>
+            </a:fld>
             <a:endParaRPr lang="en-US" dirty="0"/>
           </a:p>
         </p:txBody>
@@ -17461,7 +18734,7 @@
     </p:spTree>
     <p:extLst>
       <p:ext uri="{BB962C8B-B14F-4D97-AF65-F5344CB8AC3E}">
-        <p14:creationId xmlns:p14="http://schemas.microsoft.com/office/powerpoint/2010/main" val="3997452271"/>
+        <p14:creationId xmlns:p14="http://schemas.microsoft.com/office/powerpoint/2010/main" val="2626195039"/>
       </p:ext>
     </p:extLst>
   </p:cSld>
@@ -17497,20 +18770,15 @@
       </p:grpSpPr>
       <p:sp>
         <p:nvSpPr>
-          <p:cNvPr id="4" name="Title 3"/>
+          <p:cNvPr id="2" name="Title 1"/>
           <p:cNvSpPr>
             <a:spLocks noGrp="1"/>
           </p:cNvSpPr>
           <p:nvPr>
-            <p:ph type="ctrTitle"/>
+            <p:ph type="title"/>
           </p:nvPr>
         </p:nvSpPr>
-        <p:spPr>
-          <a:xfrm>
-            <a:off x="685800" y="4505325"/>
-            <a:ext cx="7772400" cy="942975"/>
-          </a:xfrm>
-        </p:spPr>
+        <p:spPr/>
         <p:txBody>
           <a:bodyPr>
             <a:normAutofit fontScale="90000"/>
@@ -17519,8 +18787,332 @@
           <a:p>
             <a:r>
               <a:rPr lang="en-US" dirty="0" smtClean="0"/>
-              <a:t>Paikan and Tal – Solving Multiple Square Jigsaw Puzzles with Missing Pieces</a:t>
-            </a:r>
+              <a:t>Small Loops</a:t>
+            </a:r>
+            <a:endParaRPr lang="en-US" dirty="0"/>
+          </a:p>
+        </p:txBody>
+      </p:sp>
+      <mc:AlternateContent xmlns:mc="http://schemas.openxmlformats.org/markup-compatibility/2006">
+        <mc:Choice xmlns:a14="http://schemas.microsoft.com/office/drawing/2010/main" Requires="a14">
+          <p:sp>
+            <p:nvSpPr>
+              <p:cNvPr id="3" name="Content Placeholder 2"/>
+              <p:cNvSpPr>
+                <a:spLocks noGrp="1"/>
+              </p:cNvSpPr>
+              <p:nvPr>
+                <p:ph idx="1"/>
+              </p:nvPr>
+            </p:nvSpPr>
+            <p:spPr>
+              <a:xfrm>
+                <a:off x="457200" y="989013"/>
+                <a:ext cx="8229600" cy="5581120"/>
+              </a:xfrm>
+            </p:spPr>
+            <p:txBody>
+              <a:bodyPr>
+                <a:normAutofit fontScale="92500" lnSpcReduction="10000"/>
+              </a:bodyPr>
+              <a:lstStyle/>
+              <a:p>
+                <a:pPr>
+                  <a:lnSpc>
+                    <a:spcPct val="110000"/>
+                  </a:lnSpc>
+                </a:pPr>
+                <a:r>
+                  <a:rPr lang="en-US" b="1" dirty="0" smtClean="0"/>
+                  <a:t>Notation: </a:t>
+                </a:r>
+              </a:p>
+              <a:p>
+                <a:pPr lvl="1">
+                  <a:lnSpc>
+                    <a:spcPct val="110000"/>
+                  </a:lnSpc>
+                </a:pPr>
+                <a14:m>
+                  <m:oMath xmlns:m="http://schemas.openxmlformats.org/officeDocument/2006/math">
+                    <m:r>
+                      <a:rPr lang="en-US" b="0" i="1" smtClean="0">
+                        <a:latin typeface="Cambria Math"/>
+                      </a:rPr>
+                      <m:t>𝑆</m:t>
+                    </m:r>
+                    <m:sSub>
+                      <m:sSubPr>
+                        <m:ctrlPr>
+                          <a:rPr lang="en-US" b="0" i="1" smtClean="0">
+                            <a:latin typeface="Cambria Math"/>
+                          </a:rPr>
+                        </m:ctrlPr>
+                      </m:sSubPr>
+                      <m:e>
+                        <m:r>
+                          <a:rPr lang="en-US" b="0" i="1" smtClean="0">
+                            <a:latin typeface="Cambria Math"/>
+                          </a:rPr>
+                          <m:t>𝐿</m:t>
+                        </m:r>
+                      </m:e>
+                      <m:sub>
+                        <m:r>
+                          <a:rPr lang="en-US" b="0" i="1" smtClean="0">
+                            <a:latin typeface="Cambria Math"/>
+                          </a:rPr>
+                          <m:t>𝑖</m:t>
+                        </m:r>
+                      </m:sub>
+                    </m:sSub>
+                  </m:oMath>
+                </a14:m>
+                <a:r>
+                  <a:rPr lang="en-US" dirty="0" smtClean="0"/>
+                  <a:t> – Small loop of size </a:t>
+                </a:r>
+                <a14:m>
+                  <m:oMath xmlns:m="http://schemas.openxmlformats.org/officeDocument/2006/math">
+                    <m:r>
+                      <a:rPr lang="en-US" b="0" i="1" smtClean="0">
+                        <a:latin typeface="Cambria Math"/>
+                      </a:rPr>
+                      <m:t>𝑖</m:t>
+                    </m:r>
+                  </m:oMath>
+                </a14:m>
+                <a:r>
+                  <a:rPr lang="en-US" dirty="0" smtClean="0"/>
+                  <a:t> by </a:t>
+                </a:r>
+                <a14:m>
+                  <m:oMath xmlns:m="http://schemas.openxmlformats.org/officeDocument/2006/math">
+                    <m:r>
+                      <a:rPr lang="en-US" b="0" i="1" smtClean="0">
+                        <a:latin typeface="Cambria Math"/>
+                      </a:rPr>
+                      <m:t>𝑖</m:t>
+                    </m:r>
+                  </m:oMath>
+                </a14:m>
+                <a:r>
+                  <a:rPr lang="en-US" dirty="0" smtClean="0"/>
+                  <a:t> pieces.</a:t>
+                </a:r>
+              </a:p>
+              <a:p>
+                <a:pPr lvl="1">
+                  <a:lnSpc>
+                    <a:spcPct val="110000"/>
+                  </a:lnSpc>
+                </a:pPr>
+                <a14:m>
+                  <m:oMath xmlns:m="http://schemas.openxmlformats.org/officeDocument/2006/math">
+                    <m:r>
+                      <a:rPr lang="en-US" b="0" i="1" smtClean="0">
+                        <a:latin typeface="Cambria Math"/>
+                      </a:rPr>
+                      <m:t>𝑆</m:t>
+                    </m:r>
+                    <m:sSub>
+                      <m:sSubPr>
+                        <m:ctrlPr>
+                          <a:rPr lang="en-US" b="0" i="1" smtClean="0">
+                            <a:latin typeface="Cambria Math"/>
+                          </a:rPr>
+                        </m:ctrlPr>
+                      </m:sSubPr>
+                      <m:e>
+                        <m:r>
+                          <a:rPr lang="en-US" b="0" i="1" smtClean="0">
+                            <a:latin typeface="Cambria Math"/>
+                          </a:rPr>
+                          <m:t>𝐿</m:t>
+                        </m:r>
+                      </m:e>
+                      <m:sub>
+                        <m:r>
+                          <a:rPr lang="en-US" b="0" i="1" smtClean="0">
+                            <a:latin typeface="Cambria Math"/>
+                          </a:rPr>
+                          <m:t>𝑁</m:t>
+                        </m:r>
+                      </m:sub>
+                    </m:sSub>
+                  </m:oMath>
+                </a14:m>
+                <a:r>
+                  <a:rPr lang="en-US" dirty="0" smtClean="0"/>
+                  <a:t> – Maximum size of  a small loop.</a:t>
+                </a:r>
+              </a:p>
+              <a:p>
+                <a:pPr marL="457200" lvl="1" indent="0">
+                  <a:lnSpc>
+                    <a:spcPct val="110000"/>
+                  </a:lnSpc>
+                  <a:buNone/>
+                </a:pPr>
+                <a:endParaRPr lang="en-US" dirty="0" smtClean="0"/>
+              </a:p>
+              <a:p>
+                <a:pPr>
+                  <a:lnSpc>
+                    <a:spcPct val="110000"/>
+                  </a:lnSpc>
+                </a:pPr>
+                <a:r>
+                  <a:rPr lang="en-US" dirty="0" smtClean="0"/>
+                  <a:t>The term “small loop” is used to emphasize that the algorithm focuses on the shortest possible cycle at each stage.    </a:t>
+                </a:r>
+                <a:r>
+                  <a:rPr lang="en-US" b="1" dirty="0" smtClean="0"/>
+                  <a:t>Benefits of shorter loops include</a:t>
+                </a:r>
+                <a:r>
+                  <a:rPr lang="en-US" dirty="0" smtClean="0"/>
+                  <a:t>:</a:t>
+                </a:r>
+              </a:p>
+              <a:p>
+                <a:pPr lvl="1">
+                  <a:lnSpc>
+                    <a:spcPct val="110000"/>
+                  </a:lnSpc>
+                </a:pPr>
+                <a:r>
+                  <a:rPr lang="en-US" dirty="0" smtClean="0"/>
+                  <a:t>Longer loops are less likely to be made of entirely correct pairwise matches.</a:t>
+                </a:r>
+              </a:p>
+              <a:p>
+                <a:pPr lvl="1">
+                  <a:lnSpc>
+                    <a:spcPct val="110000"/>
+                  </a:lnSpc>
+                </a:pPr>
+                <a:r>
+                  <a:rPr lang="en-US" dirty="0" smtClean="0"/>
+                  <a:t>The number (i.e. permutations) of different cycles increases exponentially with the length of the cycle.</a:t>
+                </a:r>
+              </a:p>
+              <a:p>
+                <a:pPr lvl="1">
+                  <a:lnSpc>
+                    <a:spcPct val="110000"/>
+                  </a:lnSpc>
+                </a:pPr>
+                <a:r>
+                  <a:rPr lang="en-US" dirty="0" smtClean="0"/>
+                  <a:t>Longer loops can be constructed by assembling multiple smaller loops.</a:t>
+                </a:r>
+              </a:p>
+              <a:p>
+                <a:pPr>
+                  <a:lnSpc>
+                    <a:spcPct val="110000"/>
+                  </a:lnSpc>
+                </a:pPr>
+                <a:endParaRPr lang="en-US" dirty="0" smtClean="0"/>
+              </a:p>
+              <a:p>
+                <a:pPr>
+                  <a:lnSpc>
+                    <a:spcPct val="110000"/>
+                  </a:lnSpc>
+                </a:pPr>
+                <a:r>
+                  <a:rPr lang="en-US" dirty="0" smtClean="0"/>
+                  <a:t>Smaller loops are merged to form larger loops.</a:t>
+                </a:r>
+              </a:p>
+              <a:p>
+                <a:pPr lvl="1">
+                  <a:lnSpc>
+                    <a:spcPct val="110000"/>
+                  </a:lnSpc>
+                </a:pPr>
+                <a:r>
+                  <a:rPr lang="en-US" i="1" dirty="0" smtClean="0">
+                    <a:solidFill>
+                      <a:srgbClr val="006600"/>
+                    </a:solidFill>
+                  </a:rPr>
+                  <a:t>Example: </a:t>
+                </a:r>
+                <a:r>
+                  <a:rPr lang="en-US" dirty="0" smtClean="0"/>
+                  <a:t>Four 2x2 loops are merged to form one 3x3 loop.</a:t>
+                </a:r>
+                <a:endParaRPr lang="en-US" dirty="0"/>
+              </a:p>
+            </p:txBody>
+          </p:sp>
+        </mc:Choice>
+        <mc:Fallback>
+          <p:sp>
+            <p:nvSpPr>
+              <p:cNvPr id="3" name="Content Placeholder 2"/>
+              <p:cNvSpPr>
+                <a:spLocks noGrp="1" noRot="1" noChangeAspect="1" noMove="1" noResize="1" noEditPoints="1" noAdjustHandles="1" noChangeArrowheads="1" noChangeShapeType="1" noTextEdit="1"/>
+              </p:cNvSpPr>
+              <p:nvPr>
+                <p:ph idx="1"/>
+              </p:nvPr>
+            </p:nvSpPr>
+            <p:spPr>
+              <a:xfrm>
+                <a:off x="457200" y="989013"/>
+                <a:ext cx="8229600" cy="5581120"/>
+              </a:xfrm>
+              <a:blipFill rotWithShape="1">
+                <a:blip r:embed="rId2"/>
+                <a:stretch>
+                  <a:fillRect l="-815" t="-655" r="-593"/>
+                </a:stretch>
+              </a:blipFill>
+            </p:spPr>
+            <p:txBody>
+              <a:bodyPr/>
+              <a:lstStyle/>
+              <a:p>
+                <a:r>
+                  <a:rPr lang="en-US">
+                    <a:noFill/>
+                  </a:rPr>
+                  <a:t> </a:t>
+                </a:r>
+              </a:p>
+            </p:txBody>
+          </p:sp>
+        </mc:Fallback>
+      </mc:AlternateContent>
+      <p:sp>
+        <p:nvSpPr>
+          <p:cNvPr id="4" name="Slide Number Placeholder 3"/>
+          <p:cNvSpPr>
+            <a:spLocks noGrp="1"/>
+          </p:cNvSpPr>
+          <p:nvPr>
+            <p:ph type="sldNum" sz="quarter" idx="11"/>
+          </p:nvPr>
+        </p:nvSpPr>
+        <p:spPr/>
+        <p:txBody>
+          <a:bodyPr/>
+          <a:lstStyle/>
+          <a:p>
+            <a:pPr>
+              <a:defRPr/>
+            </a:pPr>
+            <a:fld id="{6E954588-8532-426F-A2EF-680516B179CB}" type="slidenum">
+              <a:rPr lang="en-US" smtClean="0"/>
+              <a:pPr>
+                <a:defRPr/>
+              </a:pPr>
+              <a:t>48</a:t>
+            </a:fld>
             <a:endParaRPr lang="en-US" dirty="0"/>
           </a:p>
         </p:txBody>
@@ -17528,7 +19120,7 @@
     </p:spTree>
     <p:extLst>
       <p:ext uri="{BB962C8B-B14F-4D97-AF65-F5344CB8AC3E}">
-        <p14:creationId xmlns:p14="http://schemas.microsoft.com/office/powerpoint/2010/main" val="858591803"/>
+        <p14:creationId xmlns:p14="http://schemas.microsoft.com/office/powerpoint/2010/main" val="71922878"/>
       </p:ext>
     </p:extLst>
   </p:cSld>
@@ -17568,183 +19160,175 @@
         <p:spPr/>
         <p:txBody>
           <a:bodyPr>
-            <a:noAutofit/>
+            <a:normAutofit fontScale="90000"/>
           </a:bodyPr>
           <a:lstStyle/>
           <a:p>
             <a:r>
-              <a:rPr lang="en-US" sz="2600" dirty="0" smtClean="0"/>
-              <a:t>Managing Missing Pieces and Multiple Puzzles</a:t>
-            </a:r>
-            <a:endParaRPr lang="en-US" sz="2600" dirty="0"/>
+              <a:rPr lang="en-US" dirty="0" smtClean="0"/>
+              <a:t>Representing Pieces and Puzzles</a:t>
+            </a:r>
+            <a:endParaRPr lang="en-US" dirty="0"/>
           </a:p>
         </p:txBody>
       </p:sp>
+      <mc:AlternateContent xmlns:mc="http://schemas.openxmlformats.org/markup-compatibility/2006">
+        <mc:Choice xmlns:a14="http://schemas.microsoft.com/office/drawing/2010/main" Requires="a14">
+          <p:sp>
+            <p:nvSpPr>
+              <p:cNvPr id="3" name="Content Placeholder 2"/>
+              <p:cNvSpPr>
+                <a:spLocks noGrp="1"/>
+              </p:cNvSpPr>
+              <p:nvPr>
+                <p:ph idx="1"/>
+              </p:nvPr>
+            </p:nvSpPr>
+            <p:spPr/>
+            <p:txBody>
+              <a:bodyPr/>
+              <a:lstStyle/>
+              <a:p>
+                <a:r>
+                  <a:rPr lang="en-US" dirty="0" smtClean="0"/>
+                  <a:t>Each piece in the puzzle is represented by a complex number.</a:t>
+                </a:r>
+              </a:p>
+              <a:p>
+                <a:endParaRPr lang="en-US" sz="1000" dirty="0" smtClean="0"/>
+              </a:p>
+              <a:p>
+                <a:pPr lvl="1"/>
+                <a:r>
+                  <a:rPr lang="en-US" b="1" dirty="0" smtClean="0"/>
+                  <a:t>Real Component</a:t>
+                </a:r>
+                <a:r>
+                  <a:rPr lang="en-US" dirty="0" smtClean="0"/>
+                  <a:t>: A unique piece ID between 1 and the total number of pieces in the board.</a:t>
+                </a:r>
+              </a:p>
+              <a:p>
+                <a:pPr marL="457200" lvl="1" indent="0">
+                  <a:buNone/>
+                </a:pPr>
+                <a:endParaRPr lang="en-US" dirty="0" smtClean="0"/>
+              </a:p>
+              <a:p>
+                <a:pPr lvl="1"/>
+                <a:r>
+                  <a:rPr lang="en-US" b="1" dirty="0" smtClean="0"/>
+                  <a:t>Imaginary Component: </a:t>
+                </a:r>
+                <a:r>
+                  <a:rPr lang="en-US" dirty="0" smtClean="0"/>
+                  <a:t>A whole number in the set </a:t>
+                </a:r>
+                <a14:m>
+                  <m:oMath xmlns:m="http://schemas.openxmlformats.org/officeDocument/2006/math">
+                    <m:r>
+                      <a:rPr lang="en-US" b="0" i="1" smtClean="0">
+                        <a:latin typeface="Cambria Math"/>
+                      </a:rPr>
+                      <m:t>{0, 1, 2, 3}</m:t>
+                    </m:r>
+                  </m:oMath>
+                </a14:m>
+                <a:r>
+                  <a:rPr lang="en-US" dirty="0" smtClean="0"/>
+                  <a:t> with the number representing the number of counter clockwise piece rotations.</a:t>
+                </a:r>
+              </a:p>
+              <a:p>
+                <a:pPr lvl="2"/>
+                <a:r>
+                  <a:rPr lang="en-US" dirty="0" smtClean="0"/>
+                  <a:t>For type 1 puzzles, there is no imaginary component.</a:t>
+                </a:r>
+              </a:p>
+              <a:p>
+                <a:endParaRPr lang="en-US" dirty="0"/>
+              </a:p>
+              <a:p>
+                <a:r>
+                  <a:rPr lang="en-US" dirty="0" smtClean="0"/>
+                  <a:t>Structures (e.g. small loops, even the entire puzzle) are represented as complex value </a:t>
+                </a:r>
+                <a:r>
+                  <a:rPr lang="en-US" dirty="0" err="1" smtClean="0"/>
+                  <a:t>matricies</a:t>
+                </a:r>
+                <a:r>
+                  <a:rPr lang="en-US" dirty="0" smtClean="0"/>
+                  <a:t>.</a:t>
+                </a:r>
+              </a:p>
+              <a:p>
+                <a:pPr lvl="1"/>
+                <a:endParaRPr lang="en-US" dirty="0"/>
+              </a:p>
+            </p:txBody>
+          </p:sp>
+        </mc:Choice>
+        <mc:Fallback>
+          <p:sp>
+            <p:nvSpPr>
+              <p:cNvPr id="3" name="Content Placeholder 2"/>
+              <p:cNvSpPr>
+                <a:spLocks noGrp="1" noRot="1" noChangeAspect="1" noMove="1" noResize="1" noEditPoints="1" noAdjustHandles="1" noChangeArrowheads="1" noChangeShapeType="1" noTextEdit="1"/>
+              </p:cNvSpPr>
+              <p:nvPr>
+                <p:ph idx="1"/>
+              </p:nvPr>
+            </p:nvSpPr>
+            <p:spPr>
+              <a:blipFill rotWithShape="1">
+                <a:blip r:embed="rId2"/>
+                <a:stretch>
+                  <a:fillRect l="-963" t="-949" r="-741"/>
+                </a:stretch>
+              </a:blipFill>
+            </p:spPr>
+            <p:txBody>
+              <a:bodyPr/>
+              <a:lstStyle/>
+              <a:p>
+                <a:r>
+                  <a:rPr lang="en-US">
+                    <a:noFill/>
+                  </a:rPr>
+                  <a:t> </a:t>
+                </a:r>
+              </a:p>
+            </p:txBody>
+          </p:sp>
+        </mc:Fallback>
+      </mc:AlternateContent>
       <p:sp>
         <p:nvSpPr>
-          <p:cNvPr id="3" name="Content Placeholder 2"/>
+          <p:cNvPr id="4" name="Slide Number Placeholder 3"/>
           <p:cNvSpPr>
             <a:spLocks noGrp="1"/>
           </p:cNvSpPr>
           <p:nvPr>
-            <p:ph idx="1"/>
+            <p:ph type="sldNum" sz="quarter" idx="11"/>
           </p:nvPr>
         </p:nvSpPr>
         <p:spPr/>
         <p:txBody>
-          <a:bodyPr>
-            <a:normAutofit lnSpcReduction="10000"/>
-          </a:bodyPr>
+          <a:bodyPr/>
           <a:lstStyle/>
           <a:p>
-            <a:r>
-              <a:rPr lang="en-US" dirty="0" smtClean="0"/>
-              <a:t>Proposed by Paikin and Tal in [20].  </a:t>
-            </a:r>
-          </a:p>
-          <a:p>
-            <a:endParaRPr lang="en-US" dirty="0"/>
-          </a:p>
-          <a:p>
-            <a:r>
-              <a:rPr lang="en-US" dirty="0"/>
-              <a:t>Inspired by Pomeranz </a:t>
-            </a:r>
-            <a:r>
-              <a:rPr lang="en-US" i="1" dirty="0"/>
-              <a:t>et. al</a:t>
-            </a:r>
-            <a:r>
-              <a:rPr lang="en-US" i="1" dirty="0" smtClean="0"/>
-              <a:t>.</a:t>
-            </a:r>
-            <a:r>
-              <a:rPr lang="en-US" dirty="0" smtClean="0"/>
-              <a:t>’s greedy algorithm</a:t>
-            </a:r>
-            <a:r>
-              <a:rPr lang="en-US" i="1" dirty="0" smtClean="0"/>
-              <a:t> </a:t>
-            </a:r>
-            <a:r>
-              <a:rPr lang="en-US" dirty="0" smtClean="0"/>
-              <a:t>[</a:t>
-            </a:r>
-            <a:r>
-              <a:rPr lang="en-US" dirty="0"/>
-              <a:t>10</a:t>
-            </a:r>
-            <a:r>
-              <a:rPr lang="en-US" dirty="0" smtClean="0"/>
-              <a:t>] with </a:t>
-            </a:r>
-            <a:r>
-              <a:rPr lang="en-US" b="1" dirty="0" smtClean="0"/>
-              <a:t>three additional requirements</a:t>
-            </a:r>
-            <a:r>
-              <a:rPr lang="en-US" dirty="0" smtClean="0"/>
-              <a:t>:</a:t>
-            </a:r>
-          </a:p>
-          <a:p>
-            <a:pPr lvl="1">
-              <a:spcBef>
-                <a:spcPts val="1800"/>
-              </a:spcBef>
+            <a:pPr>
+              <a:defRPr/>
             </a:pPr>
-            <a:r>
-              <a:rPr lang="en-US" i="1" dirty="0">
-                <a:solidFill>
-                  <a:srgbClr val="006600"/>
-                </a:solidFill>
-              </a:rPr>
-              <a:t>New Requirement #1</a:t>
-            </a:r>
-            <a:r>
-              <a:rPr lang="en-US" dirty="0" smtClean="0"/>
-              <a:t>: A modified compatibility function</a:t>
-            </a:r>
-          </a:p>
-          <a:p>
-            <a:pPr lvl="1">
-              <a:spcBef>
-                <a:spcPts val="1800"/>
-              </a:spcBef>
-            </a:pPr>
-            <a:r>
-              <a:rPr lang="en-US" i="1" dirty="0">
-                <a:solidFill>
-                  <a:srgbClr val="006600"/>
-                </a:solidFill>
-              </a:rPr>
-              <a:t>New Requirement #2</a:t>
-            </a:r>
-            <a:r>
-              <a:rPr lang="en-US" dirty="0" smtClean="0"/>
-              <a:t>: Superior initial seed selection.</a:t>
-            </a:r>
-          </a:p>
-          <a:p>
-            <a:pPr lvl="1">
-              <a:spcBef>
-                <a:spcPts val="1800"/>
-              </a:spcBef>
-            </a:pPr>
-            <a:r>
-              <a:rPr lang="en-US" i="1" dirty="0" smtClean="0">
-                <a:solidFill>
-                  <a:srgbClr val="006600"/>
-                </a:solidFill>
-              </a:rPr>
-              <a:t>New </a:t>
-            </a:r>
-            <a:r>
-              <a:rPr lang="en-US" i="1" dirty="0">
-                <a:solidFill>
-                  <a:srgbClr val="006600"/>
-                </a:solidFill>
-              </a:rPr>
-              <a:t>Requirement </a:t>
-            </a:r>
-            <a:r>
-              <a:rPr lang="en-US" i="1" dirty="0" smtClean="0">
-                <a:solidFill>
-                  <a:srgbClr val="006600"/>
-                </a:solidFill>
-              </a:rPr>
-              <a:t>#3</a:t>
-            </a:r>
-            <a:r>
-              <a:rPr lang="en-US" dirty="0" smtClean="0"/>
-              <a:t>: Rather than making the “best”/ “closest matching” selection at each round, make the selection with the lowest chance of erring regardless of location.</a:t>
-            </a:r>
-          </a:p>
-          <a:p>
-            <a:pPr lvl="2"/>
-            <a:r>
-              <a:rPr lang="en-US" dirty="0" smtClean="0"/>
-              <a:t>This makes their algorithm deterministic eliminating the need for restarts.</a:t>
-            </a:r>
-          </a:p>
-          <a:p>
-            <a:pPr marL="914400" lvl="2" indent="0">
-              <a:buNone/>
-            </a:pPr>
-            <a:endParaRPr lang="en-US" dirty="0" smtClean="0"/>
-          </a:p>
-          <a:p>
-            <a:r>
-              <a:rPr lang="en-US" b="1" dirty="0" smtClean="0"/>
-              <a:t>Accuracy:</a:t>
-            </a:r>
-            <a:r>
-              <a:rPr lang="en-US" dirty="0" smtClean="0"/>
-              <a:t> 97.7% on dataset in [17]</a:t>
-            </a:r>
-            <a:endParaRPr lang="en-US" dirty="0"/>
-          </a:p>
-          <a:p>
+            <a:fld id="{6E954588-8532-426F-A2EF-680516B179CB}" type="slidenum">
+              <a:rPr lang="en-US" smtClean="0"/>
+              <a:pPr>
+                <a:defRPr/>
+              </a:pPr>
+              <a:t>49</a:t>
+            </a:fld>
             <a:endParaRPr lang="en-US" dirty="0"/>
           </a:p>
         </p:txBody>
@@ -17752,7 +19336,7 @@
     </p:spTree>
     <p:extLst>
       <p:ext uri="{BB962C8B-B14F-4D97-AF65-F5344CB8AC3E}">
-        <p14:creationId xmlns:p14="http://schemas.microsoft.com/office/powerpoint/2010/main" val="1626026482"/>
+        <p14:creationId xmlns:p14="http://schemas.microsoft.com/office/powerpoint/2010/main" val="754860444"/>
       </p:ext>
     </p:extLst>
   </p:cSld>
@@ -17858,6 +19442,35 @@
             </a:r>
           </a:p>
           <a:p>
+            <a:endParaRPr lang="en-US" dirty="0"/>
+          </a:p>
+        </p:txBody>
+      </p:sp>
+      <p:sp>
+        <p:nvSpPr>
+          <p:cNvPr id="4" name="Slide Number Placeholder 3"/>
+          <p:cNvSpPr>
+            <a:spLocks noGrp="1"/>
+          </p:cNvSpPr>
+          <p:nvPr>
+            <p:ph type="sldNum" sz="quarter" idx="11"/>
+          </p:nvPr>
+        </p:nvSpPr>
+        <p:spPr/>
+        <p:txBody>
+          <a:bodyPr/>
+          <a:lstStyle/>
+          <a:p>
+            <a:pPr>
+              <a:defRPr/>
+            </a:pPr>
+            <a:fld id="{6E954588-8532-426F-A2EF-680516B179CB}" type="slidenum">
+              <a:rPr lang="en-US" smtClean="0"/>
+              <a:pPr>
+                <a:defRPr/>
+              </a:pPr>
+              <a:t>5</a:t>
+            </a:fld>
             <a:endParaRPr lang="en-US" dirty="0"/>
           </a:p>
         </p:txBody>
@@ -17912,26 +19525,474 @@
         <p:spPr/>
         <p:txBody>
           <a:bodyPr>
-            <a:normAutofit fontScale="90000"/>
+            <a:noAutofit/>
           </a:bodyPr>
           <a:lstStyle/>
           <a:p>
             <a:r>
-              <a:rPr lang="en-US" dirty="0" smtClean="0"/>
-              <a:t>Puzzle Problem Requirements</a:t>
-            </a:r>
-            <a:endParaRPr lang="en-US" dirty="0"/>
+              <a:rPr lang="en-US" sz="2700" dirty="0" smtClean="0"/>
+              <a:t>Relationships between the Complex Matrices</a:t>
+            </a:r>
+            <a:endParaRPr lang="en-US" sz="2700" dirty="0"/>
           </a:p>
         </p:txBody>
       </p:sp>
+      <mc:AlternateContent xmlns:mc="http://schemas.openxmlformats.org/markup-compatibility/2006">
+        <mc:Choice xmlns:a14="http://schemas.microsoft.com/office/drawing/2010/main" Requires="a14">
+          <p:sp>
+            <p:nvSpPr>
+              <p:cNvPr id="3" name="Content Placeholder 2"/>
+              <p:cNvSpPr>
+                <a:spLocks noGrp="1"/>
+              </p:cNvSpPr>
+              <p:nvPr>
+                <p:ph idx="1"/>
+              </p:nvPr>
+            </p:nvSpPr>
+            <p:spPr/>
+            <p:txBody>
+              <a:bodyPr>
+                <a:normAutofit fontScale="85000" lnSpcReduction="20000"/>
+              </a:bodyPr>
+              <a:lstStyle/>
+              <a:p>
+                <a:pPr>
+                  <a:lnSpc>
+                    <a:spcPct val="120000"/>
+                  </a:lnSpc>
+                  <a:spcBef>
+                    <a:spcPts val="1200"/>
+                  </a:spcBef>
+                </a:pPr>
+                <a:r>
+                  <a:rPr lang="en-US" dirty="0" smtClean="0"/>
+                  <a:t>If two complex-valued matrices, </a:t>
+                </a:r>
+                <a14:m>
+                  <m:oMath xmlns:m="http://schemas.openxmlformats.org/officeDocument/2006/math">
+                    <m:r>
+                      <a:rPr lang="en-US" b="0" i="1" smtClean="0">
+                        <a:latin typeface="Cambria Math"/>
+                      </a:rPr>
+                      <m:t>𝑈</m:t>
+                    </m:r>
+                  </m:oMath>
+                </a14:m>
+                <a:r>
+                  <a:rPr lang="en-US" dirty="0" smtClean="0"/>
+                  <a:t> and </a:t>
+                </a:r>
+                <a14:m>
+                  <m:oMath xmlns:m="http://schemas.openxmlformats.org/officeDocument/2006/math">
+                    <m:r>
+                      <a:rPr lang="en-US" b="0" i="1" smtClean="0">
+                        <a:latin typeface="Cambria Math"/>
+                      </a:rPr>
+                      <m:t>𝑉</m:t>
+                    </m:r>
+                  </m:oMath>
+                </a14:m>
+                <a:r>
+                  <a:rPr lang="en-US" dirty="0" smtClean="0"/>
+                  <a:t>, do not share at least two of the same ID pieces in complementary locations, they are considered </a:t>
+                </a:r>
+                <a:r>
+                  <a:rPr lang="en-US" i="1" dirty="0">
+                    <a:solidFill>
+                      <a:srgbClr val="006600"/>
+                    </a:solidFill>
+                  </a:rPr>
+                  <a:t>unrelated</a:t>
+                </a:r>
+                <a:r>
+                  <a:rPr lang="en-US" dirty="0" smtClean="0"/>
+                  <a:t> (</a:t>
+                </a:r>
+                <a14:m>
+                  <m:oMath xmlns:m="http://schemas.openxmlformats.org/officeDocument/2006/math">
+                    <m:r>
+                      <a:rPr lang="en-US" b="0" i="1" smtClean="0">
+                        <a:latin typeface="Cambria Math"/>
+                      </a:rPr>
+                      <m:t>𝑈</m:t>
+                    </m:r>
+                    <m:r>
+                      <a:rPr lang="en-US" b="0" i="1" smtClean="0">
+                        <a:latin typeface="Cambria Math"/>
+                      </a:rPr>
+                      <m:t>||</m:t>
+                    </m:r>
+                    <m:r>
+                      <a:rPr lang="en-US" b="0" i="1" smtClean="0">
+                        <a:latin typeface="Cambria Math"/>
+                      </a:rPr>
+                      <m:t>𝑉</m:t>
+                    </m:r>
+                  </m:oMath>
+                </a14:m>
+                <a:r>
+                  <a:rPr lang="en-US" dirty="0" smtClean="0"/>
+                  <a:t>).</a:t>
+                </a:r>
+              </a:p>
+              <a:p>
+                <a:pPr>
+                  <a:lnSpc>
+                    <a:spcPct val="120000"/>
+                  </a:lnSpc>
+                  <a:spcBef>
+                    <a:spcPts val="1200"/>
+                  </a:spcBef>
+                </a:pPr>
+                <a:endParaRPr lang="en-US" sz="500" dirty="0"/>
+              </a:p>
+              <a:p>
+                <a:pPr>
+                  <a:lnSpc>
+                    <a:spcPct val="120000"/>
+                  </a:lnSpc>
+                  <a:spcBef>
+                    <a:spcPts val="1200"/>
+                  </a:spcBef>
+                </a:pPr>
+                <a:r>
+                  <a:rPr lang="en-US" dirty="0"/>
+                  <a:t>I</a:t>
+                </a:r>
+                <a:r>
+                  <a:rPr lang="en-US" dirty="0" smtClean="0"/>
+                  <a:t>f </a:t>
+                </a:r>
+                <a14:m>
+                  <m:oMath xmlns:m="http://schemas.openxmlformats.org/officeDocument/2006/math">
+                    <m:r>
+                      <a:rPr lang="en-US" b="0" i="1" smtClean="0">
+                        <a:latin typeface="Cambria Math"/>
+                      </a:rPr>
+                      <m:t>𝑈</m:t>
+                    </m:r>
+                  </m:oMath>
+                </a14:m>
+                <a:r>
+                  <a:rPr lang="en-US" dirty="0" smtClean="0"/>
+                  <a:t> and </a:t>
+                </a:r>
+                <a14:m>
+                  <m:oMath xmlns:m="http://schemas.openxmlformats.org/officeDocument/2006/math">
+                    <m:r>
+                      <a:rPr lang="en-US" b="0" i="1" smtClean="0">
+                        <a:latin typeface="Cambria Math"/>
+                      </a:rPr>
+                      <m:t>𝑉</m:t>
+                    </m:r>
+                  </m:oMath>
+                </a14:m>
+                <a:r>
+                  <a:rPr lang="en-US" dirty="0" smtClean="0"/>
+                  <a:t> that share at least two of the same ID pieces, they can be considered </a:t>
+                </a:r>
+                <a:r>
+                  <a:rPr lang="en-US" i="1" dirty="0" smtClean="0">
+                    <a:solidFill>
+                      <a:srgbClr val="006600"/>
+                    </a:solidFill>
+                  </a:rPr>
+                  <a:t>geometrically consistent </a:t>
+                </a:r>
+                <a:r>
+                  <a:rPr lang="en-US" dirty="0" smtClean="0"/>
+                  <a:t>(</a:t>
+                </a:r>
+                <a14:m>
+                  <m:oMath xmlns:m="http://schemas.openxmlformats.org/officeDocument/2006/math">
+                    <m:r>
+                      <a:rPr lang="en-US" b="0" i="1" smtClean="0">
+                        <a:latin typeface="Cambria Math"/>
+                      </a:rPr>
+                      <m:t>𝑈</m:t>
+                    </m:r>
+                    <m:r>
+                      <a:rPr lang="en-US" b="0" i="1" smtClean="0">
+                        <a:latin typeface="Cambria Math"/>
+                      </a:rPr>
+                      <m:t>~</m:t>
+                    </m:r>
+                    <m:r>
+                      <a:rPr lang="en-US" b="0" i="1" smtClean="0">
+                        <a:latin typeface="Cambria Math"/>
+                      </a:rPr>
+                      <m:t>𝑉</m:t>
+                    </m:r>
+                  </m:oMath>
+                </a14:m>
+                <a:r>
+                  <a:rPr lang="en-US" dirty="0" smtClean="0"/>
+                  <a:t>).</a:t>
+                </a:r>
+              </a:p>
+              <a:p>
+                <a:pPr>
+                  <a:lnSpc>
+                    <a:spcPct val="120000"/>
+                  </a:lnSpc>
+                  <a:spcBef>
+                    <a:spcPts val="1200"/>
+                  </a:spcBef>
+                </a:pPr>
+                <a:endParaRPr lang="en-US" sz="500" dirty="0"/>
+              </a:p>
+              <a:p>
+                <a:pPr>
+                  <a:lnSpc>
+                    <a:spcPct val="120000"/>
+                  </a:lnSpc>
+                  <a:spcBef>
+                    <a:spcPts val="1200"/>
+                  </a:spcBef>
+                </a:pPr>
+                <a:r>
+                  <a:rPr lang="en-US" dirty="0" smtClean="0"/>
+                  <a:t>Types of geometric conflicts that make two matrices, </a:t>
+                </a:r>
+                <a14:m>
+                  <m:oMath xmlns:m="http://schemas.openxmlformats.org/officeDocument/2006/math">
+                    <m:r>
+                      <a:rPr lang="en-US" b="0" i="1" smtClean="0">
+                        <a:latin typeface="Cambria Math"/>
+                      </a:rPr>
+                      <m:t>𝑈</m:t>
+                    </m:r>
+                  </m:oMath>
+                </a14:m>
+                <a:r>
+                  <a:rPr lang="en-US" dirty="0" smtClean="0"/>
+                  <a:t> and </a:t>
+                </a:r>
+                <a14:m>
+                  <m:oMath xmlns:m="http://schemas.openxmlformats.org/officeDocument/2006/math">
+                    <m:r>
+                      <a:rPr lang="en-US" b="0" i="1" smtClean="0">
+                        <a:latin typeface="Cambria Math"/>
+                      </a:rPr>
+                      <m:t>𝑉</m:t>
+                    </m:r>
+                  </m:oMath>
+                </a14:m>
+                <a:r>
+                  <a:rPr lang="en-US" dirty="0" smtClean="0"/>
+                  <a:t>, </a:t>
+                </a:r>
+                <a:r>
+                  <a:rPr lang="en-US" i="1" dirty="0">
+                    <a:solidFill>
+                      <a:srgbClr val="006600"/>
+                    </a:solidFill>
+                  </a:rPr>
+                  <a:t>geometrically inconsistent </a:t>
+                </a:r>
+                <a:r>
+                  <a:rPr lang="en-US" dirty="0" smtClean="0"/>
+                  <a:t>(</a:t>
+                </a:r>
+                <a14:m>
+                  <m:oMath xmlns:m="http://schemas.openxmlformats.org/officeDocument/2006/math">
+                    <m:r>
+                      <a:rPr lang="en-US" b="0" i="1" smtClean="0">
+                        <a:latin typeface="Cambria Math"/>
+                      </a:rPr>
+                      <m:t>𝑈</m:t>
+                    </m:r>
+                    <m:r>
+                      <a:rPr lang="en-US" b="0" i="1" smtClean="0">
+                        <a:latin typeface="Cambria Math"/>
+                        <a:ea typeface="Cambria Math"/>
+                      </a:rPr>
+                      <m:t>⊥</m:t>
+                    </m:r>
+                    <m:r>
+                      <a:rPr lang="en-US" b="0" i="1" smtClean="0">
+                        <a:latin typeface="Cambria Math"/>
+                      </a:rPr>
+                      <m:t>𝑉</m:t>
+                    </m:r>
+                  </m:oMath>
+                </a14:m>
+                <a:r>
+                  <a:rPr lang="en-US" dirty="0" smtClean="0"/>
+                  <a:t>) are:</a:t>
+                </a:r>
+              </a:p>
+              <a:p>
+                <a:pPr lvl="1">
+                  <a:lnSpc>
+                    <a:spcPct val="120000"/>
+                  </a:lnSpc>
+                  <a:spcBef>
+                    <a:spcPts val="1200"/>
+                  </a:spcBef>
+                </a:pPr>
+                <a:r>
+                  <a:rPr lang="en-US" dirty="0" smtClean="0"/>
+                  <a:t>Overlap with different complex numbers (i.e. ID or rotation)</a:t>
+                </a:r>
+              </a:p>
+              <a:p>
+                <a:pPr lvl="1">
+                  <a:lnSpc>
+                    <a:spcPct val="120000"/>
+                  </a:lnSpc>
+                  <a:spcBef>
+                    <a:spcPts val="1200"/>
+                  </a:spcBef>
+                </a:pPr>
+                <a:r>
+                  <a:rPr lang="en-US" dirty="0" smtClean="0"/>
+                  <a:t>Existing of the same ID (real) in a non-shared region.</a:t>
+                </a:r>
+              </a:p>
+              <a:p>
+                <a:pPr marL="342900" lvl="1" indent="-342900">
+                  <a:lnSpc>
+                    <a:spcPct val="120000"/>
+                  </a:lnSpc>
+                  <a:spcBef>
+                    <a:spcPts val="1200"/>
+                  </a:spcBef>
+                  <a:buFont typeface="Arial" charset="0"/>
+                  <a:buChar char="•"/>
+                </a:pPr>
+                <a:endParaRPr lang="en-US" sz="500" dirty="0">
+                  <a:ea typeface="+mn-ea"/>
+                  <a:cs typeface="+mn-cs"/>
+                </a:endParaRPr>
+              </a:p>
+              <a:p>
+                <a:pPr>
+                  <a:lnSpc>
+                    <a:spcPct val="120000"/>
+                  </a:lnSpc>
+                  <a:spcBef>
+                    <a:spcPts val="1200"/>
+                  </a:spcBef>
+                </a:pPr>
+                <a:r>
+                  <a:rPr lang="en-US" dirty="0" smtClean="0"/>
+                  <a:t>If two matrices, </a:t>
+                </a:r>
+                <a14:m>
+                  <m:oMath xmlns:m="http://schemas.openxmlformats.org/officeDocument/2006/math">
+                    <m:r>
+                      <a:rPr lang="en-US" b="0" i="1" smtClean="0">
+                        <a:latin typeface="Cambria Math"/>
+                      </a:rPr>
+                      <m:t>𝑈</m:t>
+                    </m:r>
+                  </m:oMath>
+                </a14:m>
+                <a:r>
+                  <a:rPr lang="en-US" dirty="0" smtClean="0"/>
+                  <a:t> and </a:t>
+                </a:r>
+                <a14:m>
+                  <m:oMath xmlns:m="http://schemas.openxmlformats.org/officeDocument/2006/math">
+                    <m:r>
+                      <a:rPr lang="en-US" b="0" i="1" smtClean="0">
+                        <a:latin typeface="Cambria Math"/>
+                      </a:rPr>
+                      <m:t>𝑉</m:t>
+                    </m:r>
+                  </m:oMath>
+                </a14:m>
+                <a:r>
+                  <a:rPr lang="en-US" dirty="0" smtClean="0"/>
+                  <a:t>, are geometrically consistent, they can be </a:t>
+                </a:r>
+                <a:r>
+                  <a:rPr lang="en-US" i="1" dirty="0">
+                    <a:solidFill>
+                      <a:srgbClr val="006600"/>
+                    </a:solidFill>
+                  </a:rPr>
+                  <a:t>merged</a:t>
+                </a:r>
+                <a:r>
+                  <a:rPr lang="en-US" dirty="0" smtClean="0"/>
+                  <a:t> (</a:t>
+                </a:r>
+                <a14:m>
+                  <m:oMath xmlns:m="http://schemas.openxmlformats.org/officeDocument/2006/math">
+                    <m:r>
+                      <a:rPr lang="en-US" b="0" i="1" smtClean="0">
+                        <a:latin typeface="Cambria Math"/>
+                      </a:rPr>
+                      <m:t>𝑈</m:t>
+                    </m:r>
+                    <m:r>
+                      <a:rPr lang="en-US" b="0" i="1" smtClean="0">
+                        <a:latin typeface="Cambria Math"/>
+                        <a:ea typeface="Cambria Math"/>
+                      </a:rPr>
+                      <m:t>⊕</m:t>
+                    </m:r>
+                    <m:r>
+                      <a:rPr lang="en-US" b="0" i="1" smtClean="0">
+                        <a:latin typeface="Cambria Math"/>
+                      </a:rPr>
+                      <m:t>𝑉</m:t>
+                    </m:r>
+                  </m:oMath>
+                </a14:m>
+                <a:r>
+                  <a:rPr lang="en-US" dirty="0" smtClean="0"/>
+                  <a:t>).</a:t>
+                </a:r>
+                <a:endParaRPr lang="en-US" dirty="0"/>
+              </a:p>
+            </p:txBody>
+          </p:sp>
+        </mc:Choice>
+        <mc:Fallback>
+          <p:sp>
+            <p:nvSpPr>
+              <p:cNvPr id="3" name="Content Placeholder 2"/>
+              <p:cNvSpPr>
+                <a:spLocks noGrp="1" noRot="1" noChangeAspect="1" noMove="1" noResize="1" noEditPoints="1" noAdjustHandles="1" noChangeArrowheads="1" noChangeShapeType="1" noTextEdit="1"/>
+              </p:cNvSpPr>
+              <p:nvPr>
+                <p:ph idx="1"/>
+              </p:nvPr>
+            </p:nvSpPr>
+            <p:spPr>
+              <a:blipFill rotWithShape="1">
+                <a:blip r:embed="rId2"/>
+                <a:stretch>
+                  <a:fillRect l="-593" t="-593" r="-741"/>
+                </a:stretch>
+              </a:blipFill>
+            </p:spPr>
+            <p:txBody>
+              <a:bodyPr/>
+              <a:lstStyle/>
+              <a:p>
+                <a:r>
+                  <a:rPr lang="en-US">
+                    <a:noFill/>
+                  </a:rPr>
+                  <a:t> </a:t>
+                </a:r>
+              </a:p>
+            </p:txBody>
+          </p:sp>
+        </mc:Fallback>
+      </mc:AlternateContent>
       <p:sp>
         <p:nvSpPr>
-          <p:cNvPr id="3" name="Content Placeholder 2"/>
+          <p:cNvPr id="4" name="Slide Number Placeholder 3"/>
           <p:cNvSpPr>
             <a:spLocks noGrp="1"/>
           </p:cNvSpPr>
           <p:nvPr>
-            <p:ph idx="1"/>
+            <p:ph type="sldNum" sz="quarter" idx="11"/>
           </p:nvPr>
         </p:nvSpPr>
         <p:spPr/>
@@ -17939,158 +20000,16 @@
           <a:bodyPr/>
           <a:lstStyle/>
           <a:p>
-            <a:pPr marL="0" indent="0">
-              <a:lnSpc>
-                <a:spcPct val="120000"/>
-              </a:lnSpc>
-              <a:buNone/>
+            <a:pPr>
+              <a:defRPr/>
             </a:pPr>
-            <a:r>
-              <a:rPr lang="en-US" dirty="0" smtClean="0"/>
-              <a:t>Paikan’s &amp; Tal’s jigsaw puzzle problem definition is the most difficult presented to date.  It is described below:</a:t>
-            </a:r>
-          </a:p>
-          <a:p>
-            <a:pPr marL="0" indent="0">
-              <a:buNone/>
-            </a:pPr>
-            <a:endParaRPr lang="en-US" dirty="0" smtClean="0"/>
-          </a:p>
-          <a:p>
-            <a:pPr>
-              <a:lnSpc>
-                <a:spcPct val="150000"/>
-              </a:lnSpc>
-              <a:spcBef>
-                <a:spcPts val="0"/>
-              </a:spcBef>
-            </a:pPr>
-            <a:r>
-              <a:rPr lang="en-US" dirty="0" smtClean="0"/>
-              <a:t>Size of the </a:t>
-            </a:r>
-            <a:r>
-              <a:rPr lang="en-US" dirty="0" smtClean="0"/>
-              <a:t>puzzle(s) </a:t>
-            </a:r>
-            <a:r>
-              <a:rPr lang="en-US" dirty="0" smtClean="0"/>
-              <a:t>is unknown and may be different</a:t>
-            </a:r>
-          </a:p>
-          <a:p>
-            <a:pPr>
-              <a:lnSpc>
-                <a:spcPct val="150000"/>
-              </a:lnSpc>
-              <a:spcBef>
-                <a:spcPts val="0"/>
-              </a:spcBef>
-            </a:pPr>
-            <a:r>
-              <a:rPr lang="en-US" dirty="0" smtClean="0"/>
-              <a:t>Orientation of the </a:t>
-            </a:r>
-            <a:r>
-              <a:rPr lang="en-US" dirty="0" smtClean="0"/>
-              <a:t>pieces </a:t>
-            </a:r>
-            <a:r>
-              <a:rPr lang="en-US" dirty="0" smtClean="0"/>
-              <a:t>is unknown</a:t>
-            </a:r>
-          </a:p>
-          <a:p>
-            <a:pPr>
-              <a:lnSpc>
-                <a:spcPct val="150000"/>
-              </a:lnSpc>
-              <a:spcBef>
-                <a:spcPts val="0"/>
-              </a:spcBef>
-            </a:pPr>
-            <a:r>
-              <a:rPr lang="en-US" dirty="0" smtClean="0"/>
-              <a:t>Pieces </a:t>
-            </a:r>
-            <a:r>
-              <a:rPr lang="en-US" dirty="0" smtClean="0"/>
-              <a:t>may missing</a:t>
-            </a:r>
-          </a:p>
-          <a:p>
-            <a:pPr>
-              <a:lnSpc>
-                <a:spcPct val="150000"/>
-              </a:lnSpc>
-              <a:spcBef>
-                <a:spcPts val="0"/>
-              </a:spcBef>
-            </a:pPr>
-            <a:r>
-              <a:rPr lang="en-US" dirty="0" smtClean="0"/>
-              <a:t>Input may contain pieces from multiple </a:t>
-            </a:r>
-            <a:r>
-              <a:rPr lang="en-US" dirty="0" smtClean="0"/>
-              <a:t>puzzles</a:t>
-            </a:r>
-          </a:p>
-          <a:p>
-            <a:pPr marL="0" indent="0">
-              <a:lnSpc>
-                <a:spcPct val="150000"/>
-              </a:lnSpc>
-              <a:spcBef>
-                <a:spcPts val="0"/>
-              </a:spcBef>
-              <a:buNone/>
-            </a:pPr>
-            <a:endParaRPr lang="en-US" dirty="0" smtClean="0"/>
-          </a:p>
-          <a:p>
-            <a:pPr marL="0" indent="0">
-              <a:lnSpc>
-                <a:spcPct val="150000"/>
-              </a:lnSpc>
-              <a:spcBef>
-                <a:spcPts val="0"/>
-              </a:spcBef>
-              <a:buNone/>
-            </a:pPr>
-            <a:r>
-              <a:rPr lang="en-US" b="1" dirty="0" smtClean="0"/>
-              <a:t>Only Input to the Algorithm</a:t>
-            </a:r>
-            <a:r>
-              <a:rPr lang="en-US" dirty="0" smtClean="0"/>
-              <a:t>: Number of puzzles to be solved.</a:t>
-            </a:r>
-            <a:endParaRPr lang="en-US" dirty="0" smtClean="0"/>
-          </a:p>
-          <a:p>
-            <a:pPr>
-              <a:lnSpc>
-                <a:spcPct val="150000"/>
-              </a:lnSpc>
-              <a:spcBef>
-                <a:spcPts val="0"/>
-              </a:spcBef>
-            </a:pPr>
-            <a:endParaRPr lang="en-US" dirty="0"/>
-          </a:p>
-          <a:p>
-            <a:pPr>
-              <a:lnSpc>
-                <a:spcPct val="150000"/>
-              </a:lnSpc>
-              <a:spcBef>
-                <a:spcPts val="0"/>
-              </a:spcBef>
-            </a:pPr>
-            <a:endParaRPr lang="en-US" dirty="0" smtClean="0"/>
-          </a:p>
-          <a:p>
+            <a:fld id="{6E954588-8532-426F-A2EF-680516B179CB}" type="slidenum">
+              <a:rPr lang="en-US" smtClean="0"/>
+              <a:pPr>
+                <a:defRPr/>
+              </a:pPr>
+              <a:t>50</a:t>
+            </a:fld>
             <a:endParaRPr lang="en-US" dirty="0"/>
           </a:p>
         </p:txBody>
@@ -18098,7 +20017,7 @@
     </p:spTree>
     <p:extLst>
       <p:ext uri="{BB962C8B-B14F-4D97-AF65-F5344CB8AC3E}">
-        <p14:creationId xmlns:p14="http://schemas.microsoft.com/office/powerpoint/2010/main" val="2849680590"/>
+        <p14:creationId xmlns:p14="http://schemas.microsoft.com/office/powerpoint/2010/main" val="806023860"/>
       </p:ext>
     </p:extLst>
   </p:cSld>
@@ -18138,97 +20057,306 @@
         <p:spPr/>
         <p:txBody>
           <a:bodyPr>
-            <a:noAutofit/>
+            <a:normAutofit fontScale="90000"/>
           </a:bodyPr>
           <a:lstStyle/>
           <a:p>
             <a:r>
-              <a:rPr lang="en-US" sz="3200" dirty="0" smtClean="0"/>
-              <a:t>Overview of Paikan and Tal’s Algorithm</a:t>
-            </a:r>
-            <a:endParaRPr lang="en-US" sz="3200" dirty="0"/>
+              <a:rPr lang="en-US" dirty="0" smtClean="0"/>
+              <a:t>Managing Piece-wise Computations</a:t>
+            </a:r>
+            <a:endParaRPr lang="en-US" dirty="0"/>
           </a:p>
         </p:txBody>
       </p:sp>
+      <mc:AlternateContent xmlns:mc="http://schemas.openxmlformats.org/markup-compatibility/2006">
+        <mc:Choice xmlns:a14="http://schemas.microsoft.com/office/drawing/2010/main" Requires="a14">
+          <p:sp>
+            <p:nvSpPr>
+              <p:cNvPr id="3" name="Content Placeholder 2"/>
+              <p:cNvSpPr>
+                <a:spLocks noGrp="1"/>
+              </p:cNvSpPr>
+              <p:nvPr>
+                <p:ph idx="1"/>
+              </p:nvPr>
+            </p:nvSpPr>
+            <p:spPr/>
+            <p:txBody>
+              <a:bodyPr/>
+              <a:lstStyle/>
+              <a:p>
+                <a:r>
+                  <a:rPr lang="en-US" dirty="0" smtClean="0"/>
+                  <a:t>If for a given pair of pieces the distance is above some threshold, the two pieces are consider not pair worthy and ignored with respect to each other.</a:t>
+                </a:r>
+              </a:p>
+              <a:p>
+                <a:pPr marL="0" indent="0">
+                  <a:buNone/>
+                </a:pPr>
+                <a:endParaRPr lang="en-US" dirty="0" smtClean="0"/>
+              </a:p>
+              <a:p>
+                <a:pPr lvl="1"/>
+                <a:r>
+                  <a:rPr lang="en-US" dirty="0" smtClean="0"/>
+                  <a:t>Each piece will have a maximum number (e.g. 10) of pair worthy neighbors.</a:t>
+                </a:r>
+              </a:p>
+              <a:p>
+                <a:pPr lvl="1"/>
+                <a:endParaRPr lang="en-US" dirty="0"/>
+              </a:p>
+              <a:p>
+                <a:r>
+                  <a:rPr lang="en-US" dirty="0" smtClean="0"/>
+                  <a:t>Pairwise compatibility is stored in a </a:t>
+                </a:r>
+                <a14:m>
+                  <m:oMath xmlns:m="http://schemas.openxmlformats.org/officeDocument/2006/math">
+                    <m:r>
+                      <a:rPr lang="en-US" b="0" i="1" smtClean="0">
+                        <a:latin typeface="Cambria Math"/>
+                      </a:rPr>
+                      <m:t>𝐾</m:t>
+                    </m:r>
+                  </m:oMath>
+                </a14:m>
+                <a:r>
+                  <a:rPr lang="en-US" dirty="0" smtClean="0"/>
+                  <a:t> by </a:t>
+                </a:r>
+                <a14:m>
+                  <m:oMath xmlns:m="http://schemas.openxmlformats.org/officeDocument/2006/math">
+                    <m:r>
+                      <a:rPr lang="en-US" b="0" i="1" smtClean="0">
+                        <a:latin typeface="Cambria Math"/>
+                      </a:rPr>
+                      <m:t>𝐾</m:t>
+                    </m:r>
+                  </m:oMath>
+                </a14:m>
+                <a:r>
+                  <a:rPr lang="en-US" dirty="0" smtClean="0"/>
+                  <a:t> by 16 matrix (</a:t>
+                </a:r>
+                <a14:m>
+                  <m:oMath xmlns:m="http://schemas.openxmlformats.org/officeDocument/2006/math">
+                    <m:r>
+                      <a:rPr lang="en-US" i="1" dirty="0" smtClean="0">
+                        <a:latin typeface="Cambria Math"/>
+                      </a:rPr>
+                      <m:t>𝑀</m:t>
+                    </m:r>
+                  </m:oMath>
+                </a14:m>
+                <a:r>
+                  <a:rPr lang="en-US" dirty="0" smtClean="0"/>
+                  <a:t>) where </a:t>
+                </a:r>
+                <a14:m>
+                  <m:oMath xmlns:m="http://schemas.openxmlformats.org/officeDocument/2006/math">
+                    <m:r>
+                      <a:rPr lang="en-US" b="0" i="1" smtClean="0">
+                        <a:latin typeface="Cambria Math"/>
+                      </a:rPr>
+                      <m:t>𝐾</m:t>
+                    </m:r>
+                  </m:oMath>
+                </a14:m>
+                <a:r>
+                  <a:rPr lang="en-US" dirty="0" smtClean="0"/>
+                  <a:t> is the number of pieces and 16 represents the number of possible rotations for each piece in a Type-2 puzzle.</a:t>
+                </a:r>
+              </a:p>
+              <a:p>
+                <a:pPr lvl="1"/>
+                <a:r>
+                  <a:rPr lang="en-US" dirty="0" smtClean="0"/>
+                  <a:t>If </a:t>
+                </a:r>
+                <a14:m>
+                  <m:oMath xmlns:m="http://schemas.openxmlformats.org/officeDocument/2006/math">
+                    <m:r>
+                      <a:rPr lang="en-US" b="0" i="1" smtClean="0">
+                        <a:latin typeface="Cambria Math"/>
+                      </a:rPr>
+                      <m:t>𝑀</m:t>
+                    </m:r>
+                    <m:d>
+                      <m:dPr>
+                        <m:ctrlPr>
+                          <a:rPr lang="en-US" b="0" i="1" smtClean="0">
+                            <a:latin typeface="Cambria Math"/>
+                          </a:rPr>
+                        </m:ctrlPr>
+                      </m:dPr>
+                      <m:e>
+                        <m:r>
+                          <a:rPr lang="en-US" b="0" i="1" smtClean="0">
+                            <a:latin typeface="Cambria Math"/>
+                          </a:rPr>
+                          <m:t>𝑥</m:t>
+                        </m:r>
+                        <m:r>
+                          <a:rPr lang="en-US" b="0" i="1" smtClean="0">
+                            <a:latin typeface="Cambria Math"/>
+                          </a:rPr>
+                          <m:t>,</m:t>
+                        </m:r>
+                        <m:r>
+                          <a:rPr lang="en-US" b="0" i="1" smtClean="0">
+                            <a:latin typeface="Cambria Math"/>
+                          </a:rPr>
+                          <m:t>𝑦</m:t>
+                        </m:r>
+                        <m:r>
+                          <a:rPr lang="en-US" b="0" i="1" smtClean="0">
+                            <a:latin typeface="Cambria Math"/>
+                          </a:rPr>
+                          <m:t>,</m:t>
+                        </m:r>
+                        <m:r>
+                          <a:rPr lang="en-US" b="0" i="1" smtClean="0">
+                            <a:latin typeface="Cambria Math"/>
+                          </a:rPr>
+                          <m:t>𝑧</m:t>
+                        </m:r>
+                      </m:e>
+                    </m:d>
+                    <m:r>
+                      <a:rPr lang="en-US" b="0" i="1" smtClean="0">
+                        <a:latin typeface="Cambria Math"/>
+                      </a:rPr>
+                      <m:t>=1</m:t>
+                    </m:r>
+                  </m:oMath>
+                </a14:m>
+                <a:r>
+                  <a:rPr lang="en-US" dirty="0" smtClean="0"/>
+                  <a:t>, then pieces </a:t>
+                </a:r>
+                <a14:m>
+                  <m:oMath xmlns:m="http://schemas.openxmlformats.org/officeDocument/2006/math">
+                    <m:r>
+                      <a:rPr lang="en-US" b="0" i="1" smtClean="0">
+                        <a:latin typeface="Cambria Math"/>
+                      </a:rPr>
+                      <m:t>𝑥</m:t>
+                    </m:r>
+                  </m:oMath>
+                </a14:m>
+                <a:r>
+                  <a:rPr lang="en-US" dirty="0" smtClean="0"/>
+                  <a:t> and </a:t>
+                </a:r>
+                <a14:m>
+                  <m:oMath xmlns:m="http://schemas.openxmlformats.org/officeDocument/2006/math">
+                    <m:r>
+                      <a:rPr lang="en-US" b="0" i="1" smtClean="0">
+                        <a:latin typeface="Cambria Math"/>
+                      </a:rPr>
+                      <m:t>𝑦</m:t>
+                    </m:r>
+                  </m:oMath>
+                </a14:m>
+                <a:r>
+                  <a:rPr lang="en-US" dirty="0" smtClean="0"/>
+                  <a:t> are compatible with configuration (rotation and side) </a:t>
+                </a:r>
+                <a14:m>
+                  <m:oMath xmlns:m="http://schemas.openxmlformats.org/officeDocument/2006/math">
+                    <m:r>
+                      <a:rPr lang="en-US" b="0" i="1" smtClean="0">
+                        <a:latin typeface="Cambria Math"/>
+                      </a:rPr>
+                      <m:t>𝑧</m:t>
+                    </m:r>
+                  </m:oMath>
+                </a14:m>
+                <a:r>
+                  <a:rPr lang="en-US" dirty="0" smtClean="0"/>
+                  <a:t>.</a:t>
+                </a:r>
+              </a:p>
+              <a:p>
+                <a:pPr lvl="1"/>
+                <a:endParaRPr lang="en-US" dirty="0"/>
+              </a:p>
+              <a:p>
+                <a:pPr lvl="1"/>
+                <a:endParaRPr lang="en-US" dirty="0" smtClean="0"/>
+              </a:p>
+              <a:p>
+                <a:pPr lvl="1"/>
+                <a:endParaRPr lang="en-US" dirty="0"/>
+              </a:p>
+              <a:p>
+                <a:endParaRPr lang="en-US" dirty="0"/>
+              </a:p>
+            </p:txBody>
+          </p:sp>
+        </mc:Choice>
+        <mc:Fallback>
+          <p:sp>
+            <p:nvSpPr>
+              <p:cNvPr id="3" name="Content Placeholder 2"/>
+              <p:cNvSpPr>
+                <a:spLocks noGrp="1" noRot="1" noChangeAspect="1" noMove="1" noResize="1" noEditPoints="1" noAdjustHandles="1" noChangeArrowheads="1" noChangeShapeType="1" noTextEdit="1"/>
+              </p:cNvSpPr>
+              <p:nvPr>
+                <p:ph idx="1"/>
+              </p:nvPr>
+            </p:nvSpPr>
+            <p:spPr>
+              <a:blipFill rotWithShape="1">
+                <a:blip r:embed="rId2"/>
+                <a:stretch>
+                  <a:fillRect l="-963" t="-949" r="-1556" b="-474"/>
+                </a:stretch>
+              </a:blipFill>
+            </p:spPr>
+            <p:txBody>
+              <a:bodyPr/>
+              <a:lstStyle/>
+              <a:p>
+                <a:r>
+                  <a:rPr lang="en-US">
+                    <a:noFill/>
+                  </a:rPr>
+                  <a:t> </a:t>
+                </a:r>
+              </a:p>
+            </p:txBody>
+          </p:sp>
+        </mc:Fallback>
+      </mc:AlternateContent>
       <p:sp>
         <p:nvSpPr>
-          <p:cNvPr id="3" name="Content Placeholder 2"/>
+          <p:cNvPr id="4" name="Slide Number Placeholder 3"/>
           <p:cNvSpPr>
             <a:spLocks noGrp="1"/>
           </p:cNvSpPr>
           <p:nvPr>
-            <p:ph idx="1"/>
+            <p:ph type="sldNum" sz="quarter" idx="11"/>
           </p:nvPr>
         </p:nvSpPr>
         <p:spPr/>
         <p:txBody>
-          <a:bodyPr>
-            <a:normAutofit/>
-          </a:bodyPr>
+          <a:bodyPr/>
           <a:lstStyle/>
           <a:p>
-            <a:r>
-              <a:rPr lang="en-US" dirty="0" smtClean="0"/>
-              <a:t>Similar to Pomeranz et. al., Paikan and Tal use a greedy strategy.  </a:t>
-            </a:r>
-          </a:p>
-          <a:p>
-            <a:endParaRPr lang="en-US" dirty="0"/>
-          </a:p>
-          <a:p>
-            <a:r>
-              <a:rPr lang="en-US" dirty="0" smtClean="0"/>
-              <a:t>With greedy algorithms, early, suboptimal decisions can lead to major divergences in future decisions. </a:t>
-            </a:r>
-            <a:r>
-              <a:rPr lang="en-US" dirty="0"/>
-              <a:t> </a:t>
-            </a:r>
-            <a:endParaRPr lang="en-US" dirty="0" smtClean="0"/>
-          </a:p>
-          <a:p>
-            <a:pPr lvl="1"/>
-            <a:r>
-              <a:rPr lang="en-US" dirty="0" smtClean="0"/>
-              <a:t>To mitigate such poor decisions, Paikan and Tal’s algorithm focuses on delaying potentially poor decisions.</a:t>
-            </a:r>
-          </a:p>
-          <a:p>
-            <a:endParaRPr lang="en-US" dirty="0"/>
-          </a:p>
-          <a:p>
-            <a:r>
-              <a:rPr lang="en-US" b="1" dirty="0" smtClean="0"/>
-              <a:t>Phase #1: </a:t>
-            </a:r>
-            <a:r>
-              <a:rPr lang="en-US" dirty="0" smtClean="0"/>
-              <a:t>Calculate and store all piece to piece the </a:t>
-            </a:r>
-            <a:r>
-              <a:rPr lang="en-US" i="1" dirty="0" smtClean="0"/>
-              <a:t>confident asymmetric dissimilarity values</a:t>
-            </a:r>
-            <a:r>
-              <a:rPr lang="en-US" dirty="0" smtClean="0"/>
-              <a:t>.</a:t>
-            </a:r>
-            <a:endParaRPr lang="en-US" dirty="0"/>
-          </a:p>
-          <a:p>
-            <a:pPr lvl="1"/>
-            <a:endParaRPr lang="en-US" dirty="0" smtClean="0"/>
-          </a:p>
-          <a:p>
-            <a:pPr lvl="2"/>
-            <a:endParaRPr lang="en-US" dirty="0"/>
-          </a:p>
-          <a:p>
-            <a:pPr lvl="1"/>
-            <a:endParaRPr lang="en-US" dirty="0" smtClean="0"/>
-          </a:p>
-          <a:p>
-            <a:pPr lvl="1"/>
+            <a:pPr>
+              <a:defRPr/>
+            </a:pPr>
+            <a:fld id="{6E954588-8532-426F-A2EF-680516B179CB}" type="slidenum">
+              <a:rPr lang="en-US" smtClean="0"/>
+              <a:pPr>
+                <a:defRPr/>
+              </a:pPr>
+              <a:t>51</a:t>
+            </a:fld>
             <a:endParaRPr lang="en-US" dirty="0"/>
           </a:p>
         </p:txBody>
@@ -18236,7 +20364,7 @@
     </p:spTree>
     <p:extLst>
       <p:ext uri="{BB962C8B-B14F-4D97-AF65-F5344CB8AC3E}">
-        <p14:creationId xmlns:p14="http://schemas.microsoft.com/office/powerpoint/2010/main" val="3797867754"/>
+        <p14:creationId xmlns:p14="http://schemas.microsoft.com/office/powerpoint/2010/main" val="2362003088"/>
       </p:ext>
     </p:extLst>
   </p:cSld>
@@ -18282,6 +20410,1718 @@
           <a:p>
             <a:r>
               <a:rPr lang="en-US" dirty="0" smtClean="0"/>
+              <a:t>Creating Larger Small Loops</a:t>
+            </a:r>
+            <a:endParaRPr lang="en-US" dirty="0"/>
+          </a:p>
+        </p:txBody>
+      </p:sp>
+      <mc:AlternateContent xmlns:mc="http://schemas.openxmlformats.org/markup-compatibility/2006">
+        <mc:Choice xmlns:a14="http://schemas.microsoft.com/office/drawing/2010/main" Requires="a14">
+          <p:sp>
+            <p:nvSpPr>
+              <p:cNvPr id="3" name="Content Placeholder 2"/>
+              <p:cNvSpPr>
+                <a:spLocks noGrp="1"/>
+              </p:cNvSpPr>
+              <p:nvPr>
+                <p:ph idx="1"/>
+              </p:nvPr>
+            </p:nvSpPr>
+            <p:spPr/>
+            <p:txBody>
+              <a:bodyPr>
+                <a:normAutofit lnSpcReduction="10000"/>
+              </a:bodyPr>
+              <a:lstStyle/>
+              <a:p>
+                <a:r>
+                  <a:rPr lang="en-US" dirty="0" smtClean="0"/>
+                  <a:t>Larger “small loops” are build iteratively.</a:t>
+                </a:r>
+              </a:p>
+              <a:p>
+                <a:endParaRPr lang="en-US" dirty="0"/>
+              </a:p>
+              <a:p>
+                <a:r>
+                  <a:rPr lang="en-US" dirty="0" smtClean="0"/>
+                  <a:t>In the first iteration, </a:t>
+                </a:r>
+                <a14:m>
+                  <m:oMath xmlns:m="http://schemas.openxmlformats.org/officeDocument/2006/math">
+                    <m:r>
+                      <a:rPr lang="en-US" b="0" i="1" smtClean="0">
+                        <a:latin typeface="Cambria Math"/>
+                      </a:rPr>
+                      <m:t>𝑆</m:t>
+                    </m:r>
+                    <m:sSub>
+                      <m:sSubPr>
+                        <m:ctrlPr>
+                          <a:rPr lang="en-US" b="0" i="1" smtClean="0">
+                            <a:latin typeface="Cambria Math"/>
+                          </a:rPr>
+                        </m:ctrlPr>
+                      </m:sSubPr>
+                      <m:e>
+                        <m:r>
+                          <a:rPr lang="en-US" b="0" i="1" smtClean="0">
+                            <a:latin typeface="Cambria Math"/>
+                          </a:rPr>
+                          <m:t>𝐿</m:t>
+                        </m:r>
+                      </m:e>
+                      <m:sub>
+                        <m:r>
+                          <a:rPr lang="en-US" b="0" i="1" smtClean="0">
+                            <a:latin typeface="Cambria Math"/>
+                          </a:rPr>
+                          <m:t>2</m:t>
+                        </m:r>
+                      </m:sub>
+                    </m:sSub>
+                  </m:oMath>
+                </a14:m>
+                <a:r>
+                  <a:rPr lang="en-US" dirty="0" smtClean="0"/>
+                  <a:t> (i.e. two piece by two piece) loops are formed.  </a:t>
+                </a:r>
+              </a:p>
+              <a:p>
+                <a:pPr lvl="1"/>
+                <a:r>
+                  <a:rPr lang="en-US" dirty="0" smtClean="0"/>
+                  <a:t>Consistency between all loops is them check.</a:t>
+                </a:r>
+              </a:p>
+              <a:p>
+                <a:endParaRPr lang="en-US" dirty="0"/>
+              </a:p>
+              <a:p>
+                <a:r>
+                  <a:rPr lang="en-US" dirty="0" smtClean="0"/>
+                  <a:t>In the next iteration, four consistent </a:t>
+                </a:r>
+                <a14:m>
+                  <m:oMath xmlns:m="http://schemas.openxmlformats.org/officeDocument/2006/math">
+                    <m:r>
+                      <a:rPr lang="en-US" b="0" i="1" smtClean="0">
+                        <a:latin typeface="Cambria Math"/>
+                      </a:rPr>
+                      <m:t>𝑆</m:t>
+                    </m:r>
+                    <m:sSub>
+                      <m:sSubPr>
+                        <m:ctrlPr>
+                          <a:rPr lang="en-US" b="0" i="1" smtClean="0">
+                            <a:latin typeface="Cambria Math"/>
+                          </a:rPr>
+                        </m:ctrlPr>
+                      </m:sSubPr>
+                      <m:e>
+                        <m:r>
+                          <a:rPr lang="en-US" b="0" i="1" smtClean="0">
+                            <a:latin typeface="Cambria Math"/>
+                          </a:rPr>
+                          <m:t>𝐿</m:t>
+                        </m:r>
+                      </m:e>
+                      <m:sub>
+                        <m:r>
+                          <a:rPr lang="en-US" b="0" i="1" smtClean="0">
+                            <a:latin typeface="Cambria Math"/>
+                          </a:rPr>
+                          <m:t>2</m:t>
+                        </m:r>
+                      </m:sub>
+                    </m:sSub>
+                  </m:oMath>
+                </a14:m>
+                <a:r>
+                  <a:rPr lang="en-US" dirty="0" smtClean="0"/>
+                  <a:t> loops can be merged to form </a:t>
+                </a:r>
+                <a14:m>
+                  <m:oMath xmlns:m="http://schemas.openxmlformats.org/officeDocument/2006/math">
+                    <m:r>
+                      <a:rPr lang="en-US" b="0" i="1" smtClean="0">
+                        <a:latin typeface="Cambria Math"/>
+                      </a:rPr>
+                      <m:t>𝑆</m:t>
+                    </m:r>
+                    <m:sSub>
+                      <m:sSubPr>
+                        <m:ctrlPr>
+                          <a:rPr lang="en-US" b="0" i="1" smtClean="0">
+                            <a:latin typeface="Cambria Math"/>
+                          </a:rPr>
+                        </m:ctrlPr>
+                      </m:sSubPr>
+                      <m:e>
+                        <m:r>
+                          <a:rPr lang="en-US" b="0" i="1" smtClean="0">
+                            <a:latin typeface="Cambria Math"/>
+                          </a:rPr>
+                          <m:t>𝐿</m:t>
+                        </m:r>
+                      </m:e>
+                      <m:sub>
+                        <m:r>
+                          <a:rPr lang="en-US" b="0" i="1" smtClean="0">
+                            <a:latin typeface="Cambria Math"/>
+                          </a:rPr>
+                          <m:t>3</m:t>
+                        </m:r>
+                      </m:sub>
+                    </m:sSub>
+                  </m:oMath>
+                </a14:m>
+                <a:r>
+                  <a:rPr lang="en-US" dirty="0" smtClean="0"/>
+                  <a:t> loops.  </a:t>
+                </a:r>
+              </a:p>
+              <a:p>
+                <a:endParaRPr lang="en-US" dirty="0"/>
+              </a:p>
+              <a:p>
+                <a:r>
+                  <a:rPr lang="en-US" dirty="0" smtClean="0"/>
+                  <a:t>Hence, the algorithm constructs </a:t>
+                </a:r>
+                <a14:m>
+                  <m:oMath xmlns:m="http://schemas.openxmlformats.org/officeDocument/2006/math">
+                    <m:r>
+                      <a:rPr lang="en-US" b="0" i="1" smtClean="0">
+                        <a:latin typeface="Cambria Math"/>
+                      </a:rPr>
+                      <m:t>𝑆</m:t>
+                    </m:r>
+                    <m:sSub>
+                      <m:sSubPr>
+                        <m:ctrlPr>
+                          <a:rPr lang="en-US" b="0" i="1" smtClean="0">
+                            <a:latin typeface="Cambria Math"/>
+                          </a:rPr>
+                        </m:ctrlPr>
+                      </m:sSubPr>
+                      <m:e>
+                        <m:r>
+                          <a:rPr lang="en-US" b="0" i="1" smtClean="0">
+                            <a:latin typeface="Cambria Math"/>
+                          </a:rPr>
+                          <m:t>𝐿</m:t>
+                        </m:r>
+                      </m:e>
+                      <m:sub>
+                        <m:r>
+                          <a:rPr lang="en-US" b="0" i="1" smtClean="0">
+                            <a:latin typeface="Cambria Math"/>
+                          </a:rPr>
+                          <m:t>𝑖</m:t>
+                        </m:r>
+                      </m:sub>
+                    </m:sSub>
+                  </m:oMath>
+                </a14:m>
+                <a:r>
+                  <a:rPr lang="en-US" dirty="0" smtClean="0"/>
+                  <a:t> loops using </a:t>
+                </a:r>
+                <a14:m>
+                  <m:oMath xmlns:m="http://schemas.openxmlformats.org/officeDocument/2006/math">
+                    <m:r>
+                      <a:rPr lang="en-US" b="0" i="1" smtClean="0">
+                        <a:latin typeface="Cambria Math"/>
+                      </a:rPr>
+                      <m:t>𝑆</m:t>
+                    </m:r>
+                    <m:sSub>
+                      <m:sSubPr>
+                        <m:ctrlPr>
+                          <a:rPr lang="en-US" b="0" i="1" smtClean="0">
+                            <a:latin typeface="Cambria Math"/>
+                          </a:rPr>
+                        </m:ctrlPr>
+                      </m:sSubPr>
+                      <m:e>
+                        <m:r>
+                          <a:rPr lang="en-US" b="0" i="1" smtClean="0">
+                            <a:latin typeface="Cambria Math"/>
+                          </a:rPr>
+                          <m:t>𝐿</m:t>
+                        </m:r>
+                      </m:e>
+                      <m:sub>
+                        <m:r>
+                          <a:rPr lang="en-US" b="0" i="1" smtClean="0">
+                            <a:latin typeface="Cambria Math"/>
+                          </a:rPr>
+                          <m:t>𝑖</m:t>
+                        </m:r>
+                        <m:r>
+                          <a:rPr lang="en-US" b="0" i="1" smtClean="0">
+                            <a:latin typeface="Cambria Math"/>
+                          </a:rPr>
+                          <m:t>−1</m:t>
+                        </m:r>
+                      </m:sub>
+                    </m:sSub>
+                  </m:oMath>
+                </a14:m>
+                <a:r>
+                  <a:rPr lang="en-US" dirty="0" smtClean="0"/>
+                  <a:t> loops.</a:t>
+                </a:r>
+              </a:p>
+              <a:p>
+                <a:endParaRPr lang="en-US" dirty="0"/>
+              </a:p>
+              <a:p>
+                <a:r>
+                  <a:rPr lang="en-US" dirty="0" smtClean="0"/>
+                  <a:t>This process continues until no higher order loops can be built and some highest order loop (</a:t>
+                </a:r>
+                <a14:m>
+                  <m:oMath xmlns:m="http://schemas.openxmlformats.org/officeDocument/2006/math">
+                    <m:r>
+                      <a:rPr lang="en-US" b="0" i="1" smtClean="0">
+                        <a:latin typeface="Cambria Math"/>
+                      </a:rPr>
+                      <m:t>𝑆</m:t>
+                    </m:r>
+                    <m:sSub>
+                      <m:sSubPr>
+                        <m:ctrlPr>
+                          <a:rPr lang="en-US" b="0" i="1" smtClean="0">
+                            <a:latin typeface="Cambria Math"/>
+                          </a:rPr>
+                        </m:ctrlPr>
+                      </m:sSubPr>
+                      <m:e>
+                        <m:r>
+                          <a:rPr lang="en-US" b="0" i="1" smtClean="0">
+                            <a:latin typeface="Cambria Math"/>
+                          </a:rPr>
+                          <m:t>𝐿</m:t>
+                        </m:r>
+                      </m:e>
+                      <m:sub>
+                        <m:r>
+                          <a:rPr lang="en-US" b="0" i="1" smtClean="0">
+                            <a:latin typeface="Cambria Math"/>
+                          </a:rPr>
+                          <m:t>𝑁</m:t>
+                        </m:r>
+                      </m:sub>
+                    </m:sSub>
+                  </m:oMath>
+                </a14:m>
+                <a:r>
+                  <a:rPr lang="en-US" dirty="0" smtClean="0"/>
+                  <a:t>) is found.</a:t>
+                </a:r>
+              </a:p>
+            </p:txBody>
+          </p:sp>
+        </mc:Choice>
+        <mc:Fallback>
+          <p:sp>
+            <p:nvSpPr>
+              <p:cNvPr id="3" name="Content Placeholder 2"/>
+              <p:cNvSpPr>
+                <a:spLocks noGrp="1" noRot="1" noChangeAspect="1" noMove="1" noResize="1" noEditPoints="1" noAdjustHandles="1" noChangeArrowheads="1" noChangeShapeType="1" noTextEdit="1"/>
+              </p:cNvSpPr>
+              <p:nvPr>
+                <p:ph idx="1"/>
+              </p:nvPr>
+            </p:nvSpPr>
+            <p:spPr>
+              <a:blipFill rotWithShape="1">
+                <a:blip r:embed="rId2"/>
+                <a:stretch>
+                  <a:fillRect l="-963" t="-1661" r="-1630"/>
+                </a:stretch>
+              </a:blipFill>
+            </p:spPr>
+            <p:txBody>
+              <a:bodyPr/>
+              <a:lstStyle/>
+              <a:p>
+                <a:r>
+                  <a:rPr lang="en-US">
+                    <a:noFill/>
+                  </a:rPr>
+                  <a:t> </a:t>
+                </a:r>
+              </a:p>
+            </p:txBody>
+          </p:sp>
+        </mc:Fallback>
+      </mc:AlternateContent>
+      <p:sp>
+        <p:nvSpPr>
+          <p:cNvPr id="4" name="Slide Number Placeholder 3"/>
+          <p:cNvSpPr>
+            <a:spLocks noGrp="1"/>
+          </p:cNvSpPr>
+          <p:nvPr>
+            <p:ph type="sldNum" sz="quarter" idx="11"/>
+          </p:nvPr>
+        </p:nvSpPr>
+        <p:spPr/>
+        <p:txBody>
+          <a:bodyPr/>
+          <a:lstStyle/>
+          <a:p>
+            <a:pPr>
+              <a:defRPr/>
+            </a:pPr>
+            <a:fld id="{6E954588-8532-426F-A2EF-680516B179CB}" type="slidenum">
+              <a:rPr lang="en-US" smtClean="0"/>
+              <a:pPr>
+                <a:defRPr/>
+              </a:pPr>
+              <a:t>52</a:t>
+            </a:fld>
+            <a:endParaRPr lang="en-US" dirty="0"/>
+          </a:p>
+        </p:txBody>
+      </p:sp>
+    </p:spTree>
+    <p:extLst>
+      <p:ext uri="{BB962C8B-B14F-4D97-AF65-F5344CB8AC3E}">
+        <p14:creationId xmlns:p14="http://schemas.microsoft.com/office/powerpoint/2010/main" val="3079141855"/>
+      </p:ext>
+    </p:extLst>
+  </p:cSld>
+  <p:clrMapOvr>
+    <a:masterClrMapping/>
+  </p:clrMapOvr>
+</p:sld>
+</file>
+
+<file path=ppt/slides/slide53.xml><?xml version="1.0" encoding="utf-8"?>
+<p:sld xmlns:a="http://schemas.openxmlformats.org/drawingml/2006/main" xmlns:r="http://schemas.openxmlformats.org/officeDocument/2006/relationships" xmlns:p="http://schemas.openxmlformats.org/presentationml/2006/main">
+  <p:cSld>
+    <p:spTree>
+      <p:nvGrpSpPr>
+        <p:cNvPr id="1" name=""/>
+        <p:cNvGrpSpPr/>
+        <p:nvPr/>
+      </p:nvGrpSpPr>
+      <p:grpSpPr>
+        <a:xfrm>
+          <a:off x="0" y="0"/>
+          <a:ext cx="0" cy="0"/>
+          <a:chOff x="0" y="0"/>
+          <a:chExt cx="0" cy="0"/>
+        </a:xfrm>
+      </p:grpSpPr>
+      <p:sp>
+        <p:nvSpPr>
+          <p:cNvPr id="2" name="Title 1"/>
+          <p:cNvSpPr>
+            <a:spLocks noGrp="1"/>
+          </p:cNvSpPr>
+          <p:nvPr>
+            <p:ph type="title"/>
+          </p:nvPr>
+        </p:nvSpPr>
+        <p:spPr/>
+        <p:txBody>
+          <a:bodyPr>
+            <a:noAutofit/>
+          </a:bodyPr>
+          <a:lstStyle/>
+          <a:p>
+            <a:r>
+              <a:rPr lang="en-US" sz="2800" dirty="0" smtClean="0"/>
+              <a:t>Managing Structure-Wise Computations</a:t>
+            </a:r>
+            <a:endParaRPr lang="en-US" sz="2800" dirty="0"/>
+          </a:p>
+        </p:txBody>
+      </p:sp>
+      <mc:AlternateContent xmlns:mc="http://schemas.openxmlformats.org/markup-compatibility/2006">
+        <mc:Choice xmlns:a14="http://schemas.microsoft.com/office/drawing/2010/main" Requires="a14">
+          <p:sp>
+            <p:nvSpPr>
+              <p:cNvPr id="3" name="Content Placeholder 2"/>
+              <p:cNvSpPr>
+                <a:spLocks noGrp="1"/>
+              </p:cNvSpPr>
+              <p:nvPr>
+                <p:ph idx="1"/>
+              </p:nvPr>
+            </p:nvSpPr>
+            <p:spPr/>
+            <p:txBody>
+              <a:bodyPr/>
+              <a:lstStyle/>
+              <a:p>
+                <a14:m>
+                  <m:oMath xmlns:m="http://schemas.openxmlformats.org/officeDocument/2006/math">
+                    <m:sSub>
+                      <m:sSubPr>
+                        <m:ctrlPr>
+                          <a:rPr lang="en-US" b="0" i="1" smtClean="0">
+                            <a:latin typeface="Cambria Math"/>
+                          </a:rPr>
+                        </m:ctrlPr>
+                      </m:sSubPr>
+                      <m:e>
+                        <m:r>
+                          <m:rPr>
+                            <m:sty m:val="p"/>
+                          </m:rPr>
+                          <a:rPr lang="en-US" b="0" i="0" smtClean="0">
+                            <a:latin typeface="Cambria Math"/>
+                          </a:rPr>
+                          <m:t>Ω</m:t>
+                        </m:r>
+                      </m:e>
+                      <m:sub>
+                        <m:r>
+                          <a:rPr lang="en-US" b="0" i="1" smtClean="0">
+                            <a:latin typeface="Cambria Math"/>
+                          </a:rPr>
+                          <m:t>𝑖</m:t>
+                        </m:r>
+                      </m:sub>
+                    </m:sSub>
+                    <m:r>
+                      <a:rPr lang="en-US" b="0" i="0" smtClean="0">
+                        <a:latin typeface="Cambria Math"/>
+                      </a:rPr>
+                      <m:t>={</m:t>
+                    </m:r>
+                    <m:sSub>
+                      <m:sSubPr>
+                        <m:ctrlPr>
+                          <a:rPr lang="en-US" b="0" i="1" smtClean="0">
+                            <a:latin typeface="Cambria Math"/>
+                          </a:rPr>
+                        </m:ctrlPr>
+                      </m:sSubPr>
+                      <m:e>
+                        <m:r>
+                          <a:rPr lang="en-US" b="0" i="1" smtClean="0">
+                            <a:latin typeface="Cambria Math"/>
+                          </a:rPr>
+                          <m:t>𝜔</m:t>
+                        </m:r>
+                      </m:e>
+                      <m:sub>
+                        <m:r>
+                          <a:rPr lang="en-US" b="0" i="1" smtClean="0">
+                            <a:latin typeface="Cambria Math"/>
+                          </a:rPr>
+                          <m:t>𝑖</m:t>
+                        </m:r>
+                        <m:r>
+                          <a:rPr lang="en-US" b="0" i="1" smtClean="0">
+                            <a:latin typeface="Cambria Math"/>
+                          </a:rPr>
+                          <m:t>1</m:t>
+                        </m:r>
+                      </m:sub>
+                    </m:sSub>
+                    <m:r>
+                      <a:rPr lang="en-US" b="0" i="1" smtClean="0">
+                        <a:latin typeface="Cambria Math"/>
+                      </a:rPr>
+                      <m:t>,</m:t>
+                    </m:r>
+                    <m:sSub>
+                      <m:sSubPr>
+                        <m:ctrlPr>
+                          <a:rPr lang="en-US" b="0" i="1" smtClean="0">
+                            <a:latin typeface="Cambria Math"/>
+                          </a:rPr>
+                        </m:ctrlPr>
+                      </m:sSubPr>
+                      <m:e>
+                        <m:r>
+                          <a:rPr lang="en-US" b="0" i="1" smtClean="0">
+                            <a:latin typeface="Cambria Math"/>
+                          </a:rPr>
+                          <m:t>𝜔</m:t>
+                        </m:r>
+                      </m:e>
+                      <m:sub>
+                        <m:r>
+                          <a:rPr lang="en-US" b="0" i="1" smtClean="0">
+                            <a:latin typeface="Cambria Math"/>
+                          </a:rPr>
+                          <m:t>𝑖</m:t>
+                        </m:r>
+                        <m:r>
+                          <a:rPr lang="en-US" b="0" i="1" smtClean="0">
+                            <a:latin typeface="Cambria Math"/>
+                          </a:rPr>
+                          <m:t>2</m:t>
+                        </m:r>
+                      </m:sub>
+                    </m:sSub>
+                    <m:r>
+                      <a:rPr lang="en-US" b="0" i="1" smtClean="0">
+                        <a:latin typeface="Cambria Math"/>
+                      </a:rPr>
+                      <m:t>,…,</m:t>
+                    </m:r>
+                    <m:sSub>
+                      <m:sSubPr>
+                        <m:ctrlPr>
+                          <a:rPr lang="en-US" b="0" i="1" smtClean="0">
+                            <a:latin typeface="Cambria Math"/>
+                          </a:rPr>
+                        </m:ctrlPr>
+                      </m:sSubPr>
+                      <m:e>
+                        <m:r>
+                          <a:rPr lang="en-US" b="0" i="1" smtClean="0">
+                            <a:latin typeface="Cambria Math"/>
+                          </a:rPr>
+                          <m:t>𝑤</m:t>
+                        </m:r>
+                      </m:e>
+                      <m:sub>
+                        <m:r>
+                          <a:rPr lang="en-US" b="0" i="1" smtClean="0">
+                            <a:latin typeface="Cambria Math"/>
+                          </a:rPr>
+                          <m:t>𝑖</m:t>
+                        </m:r>
+                        <m:sSub>
+                          <m:sSubPr>
+                            <m:ctrlPr>
+                              <a:rPr lang="en-US" b="0" i="1" smtClean="0">
+                                <a:latin typeface="Cambria Math"/>
+                              </a:rPr>
+                            </m:ctrlPr>
+                          </m:sSubPr>
+                          <m:e>
+                            <m:r>
+                              <a:rPr lang="en-US" b="0" i="1" smtClean="0">
+                                <a:latin typeface="Cambria Math"/>
+                              </a:rPr>
+                              <m:t>𝐾</m:t>
+                            </m:r>
+                          </m:e>
+                          <m:sub>
+                            <m:r>
+                              <a:rPr lang="en-US" b="0" i="1" smtClean="0">
+                                <a:latin typeface="Cambria Math"/>
+                              </a:rPr>
+                              <m:t>𝑖</m:t>
+                            </m:r>
+                          </m:sub>
+                        </m:sSub>
+                      </m:sub>
+                    </m:sSub>
+                    <m:r>
+                      <a:rPr lang="en-US" b="0" i="1" smtClean="0">
+                        <a:latin typeface="Cambria Math"/>
+                      </a:rPr>
+                      <m:t>}</m:t>
+                    </m:r>
+                  </m:oMath>
+                </a14:m>
+                <a:r>
+                  <a:rPr lang="en-US" dirty="0" smtClean="0"/>
+                  <a:t> represents all of the </a:t>
+                </a:r>
+                <a14:m>
+                  <m:oMath xmlns:m="http://schemas.openxmlformats.org/officeDocument/2006/math">
+                    <m:r>
+                      <a:rPr lang="en-US" b="0" i="1" smtClean="0">
+                        <a:latin typeface="Cambria Math"/>
+                      </a:rPr>
+                      <m:t>𝑆</m:t>
+                    </m:r>
+                    <m:sSub>
+                      <m:sSubPr>
+                        <m:ctrlPr>
+                          <a:rPr lang="en-US" b="0" i="1" smtClean="0">
+                            <a:latin typeface="Cambria Math"/>
+                          </a:rPr>
+                        </m:ctrlPr>
+                      </m:sSubPr>
+                      <m:e>
+                        <m:r>
+                          <a:rPr lang="en-US" b="0" i="1" smtClean="0">
+                            <a:latin typeface="Cambria Math"/>
+                          </a:rPr>
+                          <m:t>𝐿</m:t>
+                        </m:r>
+                      </m:e>
+                      <m:sub>
+                        <m:r>
+                          <a:rPr lang="en-US" b="0" i="1" smtClean="0">
+                            <a:latin typeface="Cambria Math"/>
+                          </a:rPr>
+                          <m:t>𝑖</m:t>
+                        </m:r>
+                      </m:sub>
+                    </m:sSub>
+                  </m:oMath>
+                </a14:m>
+                <a:r>
+                  <a:rPr lang="en-US" dirty="0" smtClean="0"/>
+                  <a:t> dimension structures</a:t>
+                </a:r>
+              </a:p>
+              <a:p>
+                <a:pPr lvl="1"/>
+                <a:r>
+                  <a:rPr lang="en-US" dirty="0" smtClean="0"/>
+                  <a:t>Similar to what was done for piece-wise compatibility, structure-wise compatibility is stored in a </a:t>
+                </a:r>
+                <a14:m>
+                  <m:oMath xmlns:m="http://schemas.openxmlformats.org/officeDocument/2006/math">
+                    <m:sSub>
+                      <m:sSubPr>
+                        <m:ctrlPr>
+                          <a:rPr lang="en-US" b="0" i="1" smtClean="0">
+                            <a:latin typeface="Cambria Math"/>
+                          </a:rPr>
+                        </m:ctrlPr>
+                      </m:sSubPr>
+                      <m:e>
+                        <m:r>
+                          <a:rPr lang="en-US" b="0" i="1" smtClean="0">
+                            <a:latin typeface="Cambria Math"/>
+                          </a:rPr>
+                          <m:t>𝐾</m:t>
+                        </m:r>
+                      </m:e>
+                      <m:sub>
+                        <m:r>
+                          <a:rPr lang="en-US" b="0" i="1" smtClean="0">
+                            <a:latin typeface="Cambria Math"/>
+                          </a:rPr>
+                          <m:t>𝑖</m:t>
+                        </m:r>
+                      </m:sub>
+                    </m:sSub>
+                  </m:oMath>
+                </a14:m>
+                <a:r>
+                  <a:rPr lang="en-US" dirty="0" smtClean="0"/>
+                  <a:t> by </a:t>
+                </a:r>
+                <a14:m>
+                  <m:oMath xmlns:m="http://schemas.openxmlformats.org/officeDocument/2006/math">
+                    <m:sSub>
+                      <m:sSubPr>
+                        <m:ctrlPr>
+                          <a:rPr lang="en-US" b="0" i="1" smtClean="0">
+                            <a:latin typeface="Cambria Math"/>
+                          </a:rPr>
+                        </m:ctrlPr>
+                      </m:sSubPr>
+                      <m:e>
+                        <m:r>
+                          <a:rPr lang="en-US" b="0" i="1" smtClean="0">
+                            <a:latin typeface="Cambria Math"/>
+                          </a:rPr>
+                          <m:t>𝐾</m:t>
+                        </m:r>
+                      </m:e>
+                      <m:sub>
+                        <m:r>
+                          <a:rPr lang="en-US" b="0" i="1" smtClean="0">
+                            <a:latin typeface="Cambria Math"/>
+                          </a:rPr>
+                          <m:t>𝑖</m:t>
+                        </m:r>
+                      </m:sub>
+                    </m:sSub>
+                  </m:oMath>
+                </a14:m>
+                <a:r>
+                  <a:rPr lang="en-US" dirty="0" smtClean="0"/>
+                  <a:t> by 16 matrix (where </a:t>
+                </a:r>
+                <a14:m>
+                  <m:oMath xmlns:m="http://schemas.openxmlformats.org/officeDocument/2006/math">
+                    <m:sSub>
+                      <m:sSubPr>
+                        <m:ctrlPr>
+                          <a:rPr lang="en-US" b="0" i="1" smtClean="0">
+                            <a:latin typeface="Cambria Math"/>
+                          </a:rPr>
+                        </m:ctrlPr>
+                      </m:sSubPr>
+                      <m:e>
+                        <m:r>
+                          <a:rPr lang="en-US" b="0" i="1" smtClean="0">
+                            <a:latin typeface="Cambria Math"/>
+                          </a:rPr>
+                          <m:t>𝐾</m:t>
+                        </m:r>
+                      </m:e>
+                      <m:sub>
+                        <m:r>
+                          <a:rPr lang="en-US" b="0" i="1" smtClean="0">
+                            <a:latin typeface="Cambria Math"/>
+                          </a:rPr>
+                          <m:t>𝑖</m:t>
+                        </m:r>
+                      </m:sub>
+                    </m:sSub>
+                  </m:oMath>
+                </a14:m>
+                <a:r>
+                  <a:rPr lang="en-US" dirty="0" smtClean="0"/>
+                  <a:t> is the number of structures of dimension </a:t>
+                </a:r>
+                <a14:m>
+                  <m:oMath xmlns:m="http://schemas.openxmlformats.org/officeDocument/2006/math">
+                    <m:r>
+                      <a:rPr lang="en-US" b="0" i="1" smtClean="0">
+                        <a:latin typeface="Cambria Math"/>
+                      </a:rPr>
+                      <m:t>𝑆</m:t>
+                    </m:r>
+                    <m:sSub>
+                      <m:sSubPr>
+                        <m:ctrlPr>
+                          <a:rPr lang="en-US" b="0" i="1" smtClean="0">
+                            <a:latin typeface="Cambria Math"/>
+                          </a:rPr>
+                        </m:ctrlPr>
+                      </m:sSubPr>
+                      <m:e>
+                        <m:r>
+                          <a:rPr lang="en-US" b="0" i="1" smtClean="0">
+                            <a:latin typeface="Cambria Math"/>
+                          </a:rPr>
+                          <m:t>𝐿</m:t>
+                        </m:r>
+                      </m:e>
+                      <m:sub>
+                        <m:r>
+                          <a:rPr lang="en-US" b="0" i="1" smtClean="0">
+                            <a:latin typeface="Cambria Math"/>
+                          </a:rPr>
+                          <m:t>𝑖</m:t>
+                        </m:r>
+                      </m:sub>
+                    </m:sSub>
+                  </m:oMath>
+                </a14:m>
+                <a:r>
+                  <a:rPr lang="en-US" dirty="0" smtClean="0"/>
+                  <a:t>).</a:t>
+                </a:r>
+              </a:p>
+              <a:p>
+                <a:endParaRPr lang="en-US" dirty="0"/>
+              </a:p>
+              <a:p>
+                <a:r>
+                  <a:rPr lang="en-US" dirty="0" smtClean="0"/>
+                  <a:t>Structures that are consistent and overlap on more than two pieces are merged.  </a:t>
+                </a:r>
+              </a:p>
+              <a:p>
+                <a:pPr lvl="1"/>
+                <a:r>
+                  <a:rPr lang="en-US" dirty="0" smtClean="0"/>
+                  <a:t>If two structures both align at a given location, the one with the superior pairwise matching is </a:t>
+                </a:r>
+                <a:r>
+                  <a:rPr lang="en-US" dirty="0" err="1" smtClean="0"/>
+                  <a:t>prefered</a:t>
+                </a:r>
+                <a:r>
+                  <a:rPr lang="en-US" smtClean="0"/>
+                  <a:t>.</a:t>
+                </a:r>
+                <a:endParaRPr lang="en-US" dirty="0"/>
+              </a:p>
+            </p:txBody>
+          </p:sp>
+        </mc:Choice>
+        <mc:Fallback>
+          <p:sp>
+            <p:nvSpPr>
+              <p:cNvPr id="3" name="Content Placeholder 2"/>
+              <p:cNvSpPr>
+                <a:spLocks noGrp="1" noRot="1" noChangeAspect="1" noMove="1" noResize="1" noEditPoints="1" noAdjustHandles="1" noChangeArrowheads="1" noChangeShapeType="1" noTextEdit="1"/>
+              </p:cNvSpPr>
+              <p:nvPr>
+                <p:ph idx="1"/>
+              </p:nvPr>
+            </p:nvSpPr>
+            <p:spPr>
+              <a:blipFill rotWithShape="1">
+                <a:blip r:embed="rId2"/>
+                <a:stretch>
+                  <a:fillRect l="-963" t="-830" r="-815"/>
+                </a:stretch>
+              </a:blipFill>
+            </p:spPr>
+            <p:txBody>
+              <a:bodyPr/>
+              <a:lstStyle/>
+              <a:p>
+                <a:r>
+                  <a:rPr lang="en-US">
+                    <a:noFill/>
+                  </a:rPr>
+                  <a:t> </a:t>
+                </a:r>
+              </a:p>
+            </p:txBody>
+          </p:sp>
+        </mc:Fallback>
+      </mc:AlternateContent>
+      <p:sp>
+        <p:nvSpPr>
+          <p:cNvPr id="4" name="Slide Number Placeholder 3"/>
+          <p:cNvSpPr>
+            <a:spLocks noGrp="1"/>
+          </p:cNvSpPr>
+          <p:nvPr>
+            <p:ph type="sldNum" sz="quarter" idx="11"/>
+          </p:nvPr>
+        </p:nvSpPr>
+        <p:spPr/>
+        <p:txBody>
+          <a:bodyPr/>
+          <a:lstStyle/>
+          <a:p>
+            <a:pPr>
+              <a:defRPr/>
+            </a:pPr>
+            <a:fld id="{6E954588-8532-426F-A2EF-680516B179CB}" type="slidenum">
+              <a:rPr lang="en-US" smtClean="0"/>
+              <a:pPr>
+                <a:defRPr/>
+              </a:pPr>
+              <a:t>53</a:t>
+            </a:fld>
+            <a:endParaRPr lang="en-US" dirty="0"/>
+          </a:p>
+        </p:txBody>
+      </p:sp>
+    </p:spTree>
+    <p:extLst>
+      <p:ext uri="{BB962C8B-B14F-4D97-AF65-F5344CB8AC3E}">
+        <p14:creationId xmlns:p14="http://schemas.microsoft.com/office/powerpoint/2010/main" val="2523094234"/>
+      </p:ext>
+    </p:extLst>
+  </p:cSld>
+  <p:clrMapOvr>
+    <a:masterClrMapping/>
+  </p:clrMapOvr>
+</p:sld>
+</file>
+
+<file path=ppt/slides/slide54.xml><?xml version="1.0" encoding="utf-8"?>
+<p:sld xmlns:a="http://schemas.openxmlformats.org/drawingml/2006/main" xmlns:r="http://schemas.openxmlformats.org/officeDocument/2006/relationships" xmlns:p="http://schemas.openxmlformats.org/presentationml/2006/main">
+  <p:cSld>
+    <p:spTree>
+      <p:nvGrpSpPr>
+        <p:cNvPr id="1" name=""/>
+        <p:cNvGrpSpPr/>
+        <p:nvPr/>
+      </p:nvGrpSpPr>
+      <p:grpSpPr>
+        <a:xfrm>
+          <a:off x="0" y="0"/>
+          <a:ext cx="0" cy="0"/>
+          <a:chOff x="0" y="0"/>
+          <a:chExt cx="0" cy="0"/>
+        </a:xfrm>
+      </p:grpSpPr>
+      <p:sp>
+        <p:nvSpPr>
+          <p:cNvPr id="4" name="Title 3"/>
+          <p:cNvSpPr>
+            <a:spLocks noGrp="1"/>
+          </p:cNvSpPr>
+          <p:nvPr>
+            <p:ph type="ctrTitle"/>
+          </p:nvPr>
+        </p:nvSpPr>
+        <p:spPr>
+          <a:xfrm>
+            <a:off x="685800" y="4505325"/>
+            <a:ext cx="7772400" cy="942975"/>
+          </a:xfrm>
+        </p:spPr>
+        <p:txBody>
+          <a:bodyPr>
+            <a:normAutofit fontScale="90000"/>
+          </a:bodyPr>
+          <a:lstStyle/>
+          <a:p>
+            <a:r>
+              <a:rPr lang="en-US" dirty="0" smtClean="0"/>
+              <a:t>Paikan and Tal – Solving Multiple Square Jigsaw Puzzles with Missing Pieces</a:t>
+            </a:r>
+            <a:endParaRPr lang="en-US" dirty="0"/>
+          </a:p>
+        </p:txBody>
+      </p:sp>
+      <p:sp>
+        <p:nvSpPr>
+          <p:cNvPr id="6" name="Slide Number Placeholder 5"/>
+          <p:cNvSpPr>
+            <a:spLocks noGrp="1"/>
+          </p:cNvSpPr>
+          <p:nvPr>
+            <p:ph type="sldNum" sz="quarter" idx="12"/>
+          </p:nvPr>
+        </p:nvSpPr>
+        <p:spPr/>
+        <p:txBody>
+          <a:bodyPr/>
+          <a:lstStyle/>
+          <a:p>
+            <a:pPr>
+              <a:defRPr/>
+            </a:pPr>
+            <a:fld id="{D391AFD6-1AE9-4580-A04C-2A7171B16A5C}" type="slidenum">
+              <a:rPr lang="en-US" smtClean="0"/>
+              <a:pPr>
+                <a:defRPr/>
+              </a:pPr>
+              <a:t>54</a:t>
+            </a:fld>
+            <a:endParaRPr lang="en-US" dirty="0"/>
+          </a:p>
+        </p:txBody>
+      </p:sp>
+    </p:spTree>
+    <p:extLst>
+      <p:ext uri="{BB962C8B-B14F-4D97-AF65-F5344CB8AC3E}">
+        <p14:creationId xmlns:p14="http://schemas.microsoft.com/office/powerpoint/2010/main" val="858591803"/>
+      </p:ext>
+    </p:extLst>
+  </p:cSld>
+  <p:clrMapOvr>
+    <a:masterClrMapping/>
+  </p:clrMapOvr>
+</p:sld>
+</file>
+
+<file path=ppt/slides/slide55.xml><?xml version="1.0" encoding="utf-8"?>
+<p:sld xmlns:a="http://schemas.openxmlformats.org/drawingml/2006/main" xmlns:r="http://schemas.openxmlformats.org/officeDocument/2006/relationships" xmlns:p="http://schemas.openxmlformats.org/presentationml/2006/main">
+  <p:cSld>
+    <p:spTree>
+      <p:nvGrpSpPr>
+        <p:cNvPr id="1" name=""/>
+        <p:cNvGrpSpPr/>
+        <p:nvPr/>
+      </p:nvGrpSpPr>
+      <p:grpSpPr>
+        <a:xfrm>
+          <a:off x="0" y="0"/>
+          <a:ext cx="0" cy="0"/>
+          <a:chOff x="0" y="0"/>
+          <a:chExt cx="0" cy="0"/>
+        </a:xfrm>
+      </p:grpSpPr>
+      <p:sp>
+        <p:nvSpPr>
+          <p:cNvPr id="2" name="Title 1"/>
+          <p:cNvSpPr>
+            <a:spLocks noGrp="1"/>
+          </p:cNvSpPr>
+          <p:nvPr>
+            <p:ph type="title"/>
+          </p:nvPr>
+        </p:nvSpPr>
+        <p:spPr/>
+        <p:txBody>
+          <a:bodyPr>
+            <a:noAutofit/>
+          </a:bodyPr>
+          <a:lstStyle/>
+          <a:p>
+            <a:r>
+              <a:rPr lang="en-US" sz="2600" dirty="0" smtClean="0"/>
+              <a:t>Managing Missing Pieces and Multiple Puzzles</a:t>
+            </a:r>
+            <a:endParaRPr lang="en-US" sz="2600" dirty="0"/>
+          </a:p>
+        </p:txBody>
+      </p:sp>
+      <p:sp>
+        <p:nvSpPr>
+          <p:cNvPr id="3" name="Content Placeholder 2"/>
+          <p:cNvSpPr>
+            <a:spLocks noGrp="1"/>
+          </p:cNvSpPr>
+          <p:nvPr>
+            <p:ph idx="1"/>
+          </p:nvPr>
+        </p:nvSpPr>
+        <p:spPr/>
+        <p:txBody>
+          <a:bodyPr>
+            <a:normAutofit lnSpcReduction="10000"/>
+          </a:bodyPr>
+          <a:lstStyle/>
+          <a:p>
+            <a:r>
+              <a:rPr lang="en-US" dirty="0" smtClean="0"/>
+              <a:t>Proposed by Paikin and Tal in [20].  </a:t>
+            </a:r>
+          </a:p>
+          <a:p>
+            <a:endParaRPr lang="en-US" dirty="0"/>
+          </a:p>
+          <a:p>
+            <a:r>
+              <a:rPr lang="en-US" dirty="0"/>
+              <a:t>Inspired by Pomeranz </a:t>
+            </a:r>
+            <a:r>
+              <a:rPr lang="en-US" i="1" dirty="0"/>
+              <a:t>et. al</a:t>
+            </a:r>
+            <a:r>
+              <a:rPr lang="en-US" i="1" dirty="0" smtClean="0"/>
+              <a:t>.</a:t>
+            </a:r>
+            <a:r>
+              <a:rPr lang="en-US" dirty="0" smtClean="0"/>
+              <a:t>’s greedy algorithm</a:t>
+            </a:r>
+            <a:r>
+              <a:rPr lang="en-US" i="1" dirty="0" smtClean="0"/>
+              <a:t> </a:t>
+            </a:r>
+            <a:r>
+              <a:rPr lang="en-US" dirty="0" smtClean="0"/>
+              <a:t>[</a:t>
+            </a:r>
+            <a:r>
+              <a:rPr lang="en-US" dirty="0"/>
+              <a:t>10</a:t>
+            </a:r>
+            <a:r>
+              <a:rPr lang="en-US" dirty="0" smtClean="0"/>
+              <a:t>] with </a:t>
+            </a:r>
+            <a:r>
+              <a:rPr lang="en-US" b="1" dirty="0" smtClean="0"/>
+              <a:t>three additional requirements</a:t>
+            </a:r>
+            <a:r>
+              <a:rPr lang="en-US" dirty="0" smtClean="0"/>
+              <a:t>:</a:t>
+            </a:r>
+          </a:p>
+          <a:p>
+            <a:pPr lvl="1">
+              <a:spcBef>
+                <a:spcPts val="1800"/>
+              </a:spcBef>
+            </a:pPr>
+            <a:r>
+              <a:rPr lang="en-US" i="1" dirty="0">
+                <a:solidFill>
+                  <a:srgbClr val="006600"/>
+                </a:solidFill>
+              </a:rPr>
+              <a:t>New Requirement #1</a:t>
+            </a:r>
+            <a:r>
+              <a:rPr lang="en-US" dirty="0" smtClean="0"/>
+              <a:t>: A modified compatibility function</a:t>
+            </a:r>
+          </a:p>
+          <a:p>
+            <a:pPr lvl="1">
+              <a:spcBef>
+                <a:spcPts val="1800"/>
+              </a:spcBef>
+            </a:pPr>
+            <a:r>
+              <a:rPr lang="en-US" i="1" dirty="0">
+                <a:solidFill>
+                  <a:srgbClr val="006600"/>
+                </a:solidFill>
+              </a:rPr>
+              <a:t>New Requirement #2</a:t>
+            </a:r>
+            <a:r>
+              <a:rPr lang="en-US" dirty="0" smtClean="0"/>
+              <a:t>: Superior initial seed selection.</a:t>
+            </a:r>
+          </a:p>
+          <a:p>
+            <a:pPr lvl="1">
+              <a:spcBef>
+                <a:spcPts val="1800"/>
+              </a:spcBef>
+            </a:pPr>
+            <a:r>
+              <a:rPr lang="en-US" i="1" dirty="0" smtClean="0">
+                <a:solidFill>
+                  <a:srgbClr val="006600"/>
+                </a:solidFill>
+              </a:rPr>
+              <a:t>New </a:t>
+            </a:r>
+            <a:r>
+              <a:rPr lang="en-US" i="1" dirty="0">
+                <a:solidFill>
+                  <a:srgbClr val="006600"/>
+                </a:solidFill>
+              </a:rPr>
+              <a:t>Requirement </a:t>
+            </a:r>
+            <a:r>
+              <a:rPr lang="en-US" i="1" dirty="0" smtClean="0">
+                <a:solidFill>
+                  <a:srgbClr val="006600"/>
+                </a:solidFill>
+              </a:rPr>
+              <a:t>#3</a:t>
+            </a:r>
+            <a:r>
+              <a:rPr lang="en-US" dirty="0" smtClean="0"/>
+              <a:t>: Rather than making the “best”/ “closest matching” selection at each round, make the selection with the lowest chance of erring regardless of location.</a:t>
+            </a:r>
+          </a:p>
+          <a:p>
+            <a:pPr lvl="2"/>
+            <a:r>
+              <a:rPr lang="en-US" dirty="0" smtClean="0"/>
+              <a:t>This makes their algorithm deterministic eliminating the need for restarts.</a:t>
+            </a:r>
+          </a:p>
+          <a:p>
+            <a:pPr marL="914400" lvl="2" indent="0">
+              <a:buNone/>
+            </a:pPr>
+            <a:endParaRPr lang="en-US" dirty="0" smtClean="0"/>
+          </a:p>
+          <a:p>
+            <a:r>
+              <a:rPr lang="en-US" b="1" dirty="0" smtClean="0"/>
+              <a:t>Accuracy:</a:t>
+            </a:r>
+            <a:r>
+              <a:rPr lang="en-US" dirty="0" smtClean="0"/>
+              <a:t> 97.7% on dataset in [17]</a:t>
+            </a:r>
+            <a:endParaRPr lang="en-US" dirty="0"/>
+          </a:p>
+          <a:p>
+            <a:endParaRPr lang="en-US" dirty="0"/>
+          </a:p>
+        </p:txBody>
+      </p:sp>
+      <p:sp>
+        <p:nvSpPr>
+          <p:cNvPr id="4" name="Slide Number Placeholder 3"/>
+          <p:cNvSpPr>
+            <a:spLocks noGrp="1"/>
+          </p:cNvSpPr>
+          <p:nvPr>
+            <p:ph type="sldNum" sz="quarter" idx="11"/>
+          </p:nvPr>
+        </p:nvSpPr>
+        <p:spPr/>
+        <p:txBody>
+          <a:bodyPr/>
+          <a:lstStyle/>
+          <a:p>
+            <a:pPr>
+              <a:defRPr/>
+            </a:pPr>
+            <a:fld id="{6E954588-8532-426F-A2EF-680516B179CB}" type="slidenum">
+              <a:rPr lang="en-US" smtClean="0"/>
+              <a:pPr>
+                <a:defRPr/>
+              </a:pPr>
+              <a:t>55</a:t>
+            </a:fld>
+            <a:endParaRPr lang="en-US" dirty="0"/>
+          </a:p>
+        </p:txBody>
+      </p:sp>
+    </p:spTree>
+    <p:extLst>
+      <p:ext uri="{BB962C8B-B14F-4D97-AF65-F5344CB8AC3E}">
+        <p14:creationId xmlns:p14="http://schemas.microsoft.com/office/powerpoint/2010/main" val="1626026482"/>
+      </p:ext>
+    </p:extLst>
+  </p:cSld>
+  <p:clrMapOvr>
+    <a:masterClrMapping/>
+  </p:clrMapOvr>
+</p:sld>
+</file>
+
+<file path=ppt/slides/slide56.xml><?xml version="1.0" encoding="utf-8"?>
+<p:sld xmlns:a="http://schemas.openxmlformats.org/drawingml/2006/main" xmlns:r="http://schemas.openxmlformats.org/officeDocument/2006/relationships" xmlns:p="http://schemas.openxmlformats.org/presentationml/2006/main">
+  <p:cSld>
+    <p:spTree>
+      <p:nvGrpSpPr>
+        <p:cNvPr id="1" name=""/>
+        <p:cNvGrpSpPr/>
+        <p:nvPr/>
+      </p:nvGrpSpPr>
+      <p:grpSpPr>
+        <a:xfrm>
+          <a:off x="0" y="0"/>
+          <a:ext cx="0" cy="0"/>
+          <a:chOff x="0" y="0"/>
+          <a:chExt cx="0" cy="0"/>
+        </a:xfrm>
+      </p:grpSpPr>
+      <p:sp>
+        <p:nvSpPr>
+          <p:cNvPr id="2" name="Title 1"/>
+          <p:cNvSpPr>
+            <a:spLocks noGrp="1"/>
+          </p:cNvSpPr>
+          <p:nvPr>
+            <p:ph type="title"/>
+          </p:nvPr>
+        </p:nvSpPr>
+        <p:spPr/>
+        <p:txBody>
+          <a:bodyPr>
+            <a:normAutofit fontScale="90000"/>
+          </a:bodyPr>
+          <a:lstStyle/>
+          <a:p>
+            <a:r>
+              <a:rPr lang="en-US" dirty="0" smtClean="0"/>
+              <a:t>Puzzle Problem Requirements</a:t>
+            </a:r>
+            <a:endParaRPr lang="en-US" dirty="0"/>
+          </a:p>
+        </p:txBody>
+      </p:sp>
+      <p:sp>
+        <p:nvSpPr>
+          <p:cNvPr id="3" name="Content Placeholder 2"/>
+          <p:cNvSpPr>
+            <a:spLocks noGrp="1"/>
+          </p:cNvSpPr>
+          <p:nvPr>
+            <p:ph idx="1"/>
+          </p:nvPr>
+        </p:nvSpPr>
+        <p:spPr/>
+        <p:txBody>
+          <a:bodyPr/>
+          <a:lstStyle/>
+          <a:p>
+            <a:pPr marL="0" indent="0">
+              <a:lnSpc>
+                <a:spcPct val="120000"/>
+              </a:lnSpc>
+              <a:buNone/>
+            </a:pPr>
+            <a:r>
+              <a:rPr lang="en-US" dirty="0" smtClean="0"/>
+              <a:t>Paikan’s &amp; Tal’s jigsaw puzzle problem definition is the most difficult presented to date.  It is described below:</a:t>
+            </a:r>
+          </a:p>
+          <a:p>
+            <a:pPr marL="0" indent="0">
+              <a:buNone/>
+            </a:pPr>
+            <a:endParaRPr lang="en-US" dirty="0" smtClean="0"/>
+          </a:p>
+          <a:p>
+            <a:pPr>
+              <a:lnSpc>
+                <a:spcPct val="150000"/>
+              </a:lnSpc>
+              <a:spcBef>
+                <a:spcPts val="0"/>
+              </a:spcBef>
+            </a:pPr>
+            <a:r>
+              <a:rPr lang="en-US" dirty="0" smtClean="0"/>
+              <a:t>Size of the </a:t>
+            </a:r>
+            <a:r>
+              <a:rPr lang="en-US" dirty="0" smtClean="0"/>
+              <a:t>puzzle(s) </a:t>
+            </a:r>
+            <a:r>
+              <a:rPr lang="en-US" dirty="0" smtClean="0"/>
+              <a:t>is unknown and may be different</a:t>
+            </a:r>
+          </a:p>
+          <a:p>
+            <a:pPr>
+              <a:lnSpc>
+                <a:spcPct val="150000"/>
+              </a:lnSpc>
+              <a:spcBef>
+                <a:spcPts val="0"/>
+              </a:spcBef>
+            </a:pPr>
+            <a:r>
+              <a:rPr lang="en-US" dirty="0" smtClean="0"/>
+              <a:t>Orientation of the </a:t>
+            </a:r>
+            <a:r>
+              <a:rPr lang="en-US" dirty="0" smtClean="0"/>
+              <a:t>pieces </a:t>
+            </a:r>
+            <a:r>
+              <a:rPr lang="en-US" dirty="0" smtClean="0"/>
+              <a:t>is unknown</a:t>
+            </a:r>
+          </a:p>
+          <a:p>
+            <a:pPr>
+              <a:lnSpc>
+                <a:spcPct val="150000"/>
+              </a:lnSpc>
+              <a:spcBef>
+                <a:spcPts val="0"/>
+              </a:spcBef>
+            </a:pPr>
+            <a:r>
+              <a:rPr lang="en-US" dirty="0" smtClean="0"/>
+              <a:t>Pieces </a:t>
+            </a:r>
+            <a:r>
+              <a:rPr lang="en-US" dirty="0" smtClean="0"/>
+              <a:t>may missing</a:t>
+            </a:r>
+          </a:p>
+          <a:p>
+            <a:pPr>
+              <a:lnSpc>
+                <a:spcPct val="150000"/>
+              </a:lnSpc>
+              <a:spcBef>
+                <a:spcPts val="0"/>
+              </a:spcBef>
+            </a:pPr>
+            <a:r>
+              <a:rPr lang="en-US" dirty="0" smtClean="0"/>
+              <a:t>Input may contain pieces from multiple </a:t>
+            </a:r>
+            <a:r>
+              <a:rPr lang="en-US" dirty="0" smtClean="0"/>
+              <a:t>puzzles</a:t>
+            </a:r>
+          </a:p>
+          <a:p>
+            <a:pPr marL="0" indent="0">
+              <a:lnSpc>
+                <a:spcPct val="150000"/>
+              </a:lnSpc>
+              <a:spcBef>
+                <a:spcPts val="0"/>
+              </a:spcBef>
+              <a:buNone/>
+            </a:pPr>
+            <a:endParaRPr lang="en-US" dirty="0" smtClean="0"/>
+          </a:p>
+          <a:p>
+            <a:pPr marL="0" indent="0">
+              <a:lnSpc>
+                <a:spcPct val="150000"/>
+              </a:lnSpc>
+              <a:spcBef>
+                <a:spcPts val="0"/>
+              </a:spcBef>
+              <a:buNone/>
+            </a:pPr>
+            <a:r>
+              <a:rPr lang="en-US" b="1" dirty="0" smtClean="0"/>
+              <a:t>Only Input to the Algorithm</a:t>
+            </a:r>
+            <a:r>
+              <a:rPr lang="en-US" dirty="0" smtClean="0"/>
+              <a:t>: Number of puzzles to be solved.</a:t>
+            </a:r>
+            <a:endParaRPr lang="en-US" dirty="0" smtClean="0"/>
+          </a:p>
+          <a:p>
+            <a:pPr>
+              <a:lnSpc>
+                <a:spcPct val="150000"/>
+              </a:lnSpc>
+              <a:spcBef>
+                <a:spcPts val="0"/>
+              </a:spcBef>
+            </a:pPr>
+            <a:endParaRPr lang="en-US" dirty="0"/>
+          </a:p>
+          <a:p>
+            <a:pPr>
+              <a:lnSpc>
+                <a:spcPct val="150000"/>
+              </a:lnSpc>
+              <a:spcBef>
+                <a:spcPts val="0"/>
+              </a:spcBef>
+            </a:pPr>
+            <a:endParaRPr lang="en-US" dirty="0" smtClean="0"/>
+          </a:p>
+          <a:p>
+            <a:endParaRPr lang="en-US" dirty="0"/>
+          </a:p>
+        </p:txBody>
+      </p:sp>
+      <p:sp>
+        <p:nvSpPr>
+          <p:cNvPr id="4" name="Slide Number Placeholder 3"/>
+          <p:cNvSpPr>
+            <a:spLocks noGrp="1"/>
+          </p:cNvSpPr>
+          <p:nvPr>
+            <p:ph type="sldNum" sz="quarter" idx="11"/>
+          </p:nvPr>
+        </p:nvSpPr>
+        <p:spPr/>
+        <p:txBody>
+          <a:bodyPr/>
+          <a:lstStyle/>
+          <a:p>
+            <a:pPr>
+              <a:defRPr/>
+            </a:pPr>
+            <a:fld id="{6E954588-8532-426F-A2EF-680516B179CB}" type="slidenum">
+              <a:rPr lang="en-US" smtClean="0"/>
+              <a:pPr>
+                <a:defRPr/>
+              </a:pPr>
+              <a:t>56</a:t>
+            </a:fld>
+            <a:endParaRPr lang="en-US" dirty="0"/>
+          </a:p>
+        </p:txBody>
+      </p:sp>
+    </p:spTree>
+    <p:extLst>
+      <p:ext uri="{BB962C8B-B14F-4D97-AF65-F5344CB8AC3E}">
+        <p14:creationId xmlns:p14="http://schemas.microsoft.com/office/powerpoint/2010/main" val="2849680590"/>
+      </p:ext>
+    </p:extLst>
+  </p:cSld>
+  <p:clrMapOvr>
+    <a:masterClrMapping/>
+  </p:clrMapOvr>
+</p:sld>
+</file>
+
+<file path=ppt/slides/slide57.xml><?xml version="1.0" encoding="utf-8"?>
+<p:sld xmlns:a="http://schemas.openxmlformats.org/drawingml/2006/main" xmlns:r="http://schemas.openxmlformats.org/officeDocument/2006/relationships" xmlns:p="http://schemas.openxmlformats.org/presentationml/2006/main">
+  <p:cSld>
+    <p:spTree>
+      <p:nvGrpSpPr>
+        <p:cNvPr id="1" name=""/>
+        <p:cNvGrpSpPr/>
+        <p:nvPr/>
+      </p:nvGrpSpPr>
+      <p:grpSpPr>
+        <a:xfrm>
+          <a:off x="0" y="0"/>
+          <a:ext cx="0" cy="0"/>
+          <a:chOff x="0" y="0"/>
+          <a:chExt cx="0" cy="0"/>
+        </a:xfrm>
+      </p:grpSpPr>
+      <p:sp>
+        <p:nvSpPr>
+          <p:cNvPr id="2" name="Title 1"/>
+          <p:cNvSpPr>
+            <a:spLocks noGrp="1"/>
+          </p:cNvSpPr>
+          <p:nvPr>
+            <p:ph type="title"/>
+          </p:nvPr>
+        </p:nvSpPr>
+        <p:spPr/>
+        <p:txBody>
+          <a:bodyPr>
+            <a:noAutofit/>
+          </a:bodyPr>
+          <a:lstStyle/>
+          <a:p>
+            <a:r>
+              <a:rPr lang="en-US" sz="3200" dirty="0" smtClean="0"/>
+              <a:t>Overview of Paikan and Tal’s Algorithm</a:t>
+            </a:r>
+            <a:endParaRPr lang="en-US" sz="3200" dirty="0"/>
+          </a:p>
+        </p:txBody>
+      </p:sp>
+      <p:sp>
+        <p:nvSpPr>
+          <p:cNvPr id="3" name="Content Placeholder 2"/>
+          <p:cNvSpPr>
+            <a:spLocks noGrp="1"/>
+          </p:cNvSpPr>
+          <p:nvPr>
+            <p:ph idx="1"/>
+          </p:nvPr>
+        </p:nvSpPr>
+        <p:spPr/>
+        <p:txBody>
+          <a:bodyPr>
+            <a:normAutofit/>
+          </a:bodyPr>
+          <a:lstStyle/>
+          <a:p>
+            <a:r>
+              <a:rPr lang="en-US" dirty="0" smtClean="0"/>
+              <a:t>Similar to Pomeranz et. al., Paikan and Tal use a greedy strategy.  </a:t>
+            </a:r>
+          </a:p>
+          <a:p>
+            <a:endParaRPr lang="en-US" dirty="0"/>
+          </a:p>
+          <a:p>
+            <a:r>
+              <a:rPr lang="en-US" dirty="0" smtClean="0"/>
+              <a:t>With greedy algorithms, early, suboptimal decisions can lead to major divergences in future decisions. </a:t>
+            </a:r>
+            <a:r>
+              <a:rPr lang="en-US" dirty="0"/>
+              <a:t> </a:t>
+            </a:r>
+            <a:endParaRPr lang="en-US" dirty="0" smtClean="0"/>
+          </a:p>
+          <a:p>
+            <a:pPr lvl="1"/>
+            <a:r>
+              <a:rPr lang="en-US" dirty="0" smtClean="0"/>
+              <a:t>To mitigate such poor decisions, Paikan and Tal’s algorithm focuses on delaying potentially poor decisions.</a:t>
+            </a:r>
+          </a:p>
+          <a:p>
+            <a:endParaRPr lang="en-US" dirty="0"/>
+          </a:p>
+          <a:p>
+            <a:r>
+              <a:rPr lang="en-US" b="1" dirty="0" smtClean="0"/>
+              <a:t>Phase #1: </a:t>
+            </a:r>
+            <a:r>
+              <a:rPr lang="en-US" dirty="0" smtClean="0"/>
+              <a:t>Calculate and store all piece to piece the </a:t>
+            </a:r>
+            <a:r>
+              <a:rPr lang="en-US" i="1" dirty="0" smtClean="0"/>
+              <a:t>confident asymmetric dissimilarity values</a:t>
+            </a:r>
+            <a:r>
+              <a:rPr lang="en-US" dirty="0" smtClean="0"/>
+              <a:t>.</a:t>
+            </a:r>
+            <a:endParaRPr lang="en-US" dirty="0"/>
+          </a:p>
+          <a:p>
+            <a:pPr lvl="1"/>
+            <a:endParaRPr lang="en-US" dirty="0" smtClean="0"/>
+          </a:p>
+          <a:p>
+            <a:pPr lvl="2"/>
+            <a:endParaRPr lang="en-US" dirty="0"/>
+          </a:p>
+          <a:p>
+            <a:pPr lvl="1"/>
+            <a:endParaRPr lang="en-US" dirty="0" smtClean="0"/>
+          </a:p>
+          <a:p>
+            <a:pPr lvl="1"/>
+            <a:endParaRPr lang="en-US" dirty="0"/>
+          </a:p>
+        </p:txBody>
+      </p:sp>
+      <p:sp>
+        <p:nvSpPr>
+          <p:cNvPr id="4" name="Slide Number Placeholder 3"/>
+          <p:cNvSpPr>
+            <a:spLocks noGrp="1"/>
+          </p:cNvSpPr>
+          <p:nvPr>
+            <p:ph type="sldNum" sz="quarter" idx="11"/>
+          </p:nvPr>
+        </p:nvSpPr>
+        <p:spPr/>
+        <p:txBody>
+          <a:bodyPr/>
+          <a:lstStyle/>
+          <a:p>
+            <a:pPr>
+              <a:defRPr/>
+            </a:pPr>
+            <a:fld id="{6E954588-8532-426F-A2EF-680516B179CB}" type="slidenum">
+              <a:rPr lang="en-US" smtClean="0"/>
+              <a:pPr>
+                <a:defRPr/>
+              </a:pPr>
+              <a:t>57</a:t>
+            </a:fld>
+            <a:endParaRPr lang="en-US" dirty="0"/>
+          </a:p>
+        </p:txBody>
+      </p:sp>
+    </p:spTree>
+    <p:extLst>
+      <p:ext uri="{BB962C8B-B14F-4D97-AF65-F5344CB8AC3E}">
+        <p14:creationId xmlns:p14="http://schemas.microsoft.com/office/powerpoint/2010/main" val="3797867754"/>
+      </p:ext>
+    </p:extLst>
+  </p:cSld>
+  <p:clrMapOvr>
+    <a:masterClrMapping/>
+  </p:clrMapOvr>
+</p:sld>
+</file>
+
+<file path=ppt/slides/slide58.xml><?xml version="1.0" encoding="utf-8"?>
+<p:sld xmlns:a="http://schemas.openxmlformats.org/drawingml/2006/main" xmlns:r="http://schemas.openxmlformats.org/officeDocument/2006/relationships" xmlns:p="http://schemas.openxmlformats.org/presentationml/2006/main">
+  <p:cSld>
+    <p:spTree>
+      <p:nvGrpSpPr>
+        <p:cNvPr id="1" name=""/>
+        <p:cNvGrpSpPr/>
+        <p:nvPr/>
+      </p:nvGrpSpPr>
+      <p:grpSpPr>
+        <a:xfrm>
+          <a:off x="0" y="0"/>
+          <a:ext cx="0" cy="0"/>
+          <a:chOff x="0" y="0"/>
+          <a:chExt cx="0" cy="0"/>
+        </a:xfrm>
+      </p:grpSpPr>
+      <p:sp>
+        <p:nvSpPr>
+          <p:cNvPr id="2" name="Title 1"/>
+          <p:cNvSpPr>
+            <a:spLocks noGrp="1"/>
+          </p:cNvSpPr>
+          <p:nvPr>
+            <p:ph type="title"/>
+          </p:nvPr>
+        </p:nvSpPr>
+        <p:spPr/>
+        <p:txBody>
+          <a:bodyPr>
+            <a:normAutofit fontScale="90000"/>
+          </a:bodyPr>
+          <a:lstStyle/>
+          <a:p>
+            <a:r>
+              <a:rPr lang="en-US" dirty="0" smtClean="0"/>
               <a:t>Phase #2 – Initial Piece Selection</a:t>
             </a:r>
             <a:endParaRPr lang="en-US" dirty="0"/>
@@ -18461,6 +22301,35 @@
           </a:p>
         </p:txBody>
       </p:sp>
+      <p:sp>
+        <p:nvSpPr>
+          <p:cNvPr id="4" name="Slide Number Placeholder 3"/>
+          <p:cNvSpPr>
+            <a:spLocks noGrp="1"/>
+          </p:cNvSpPr>
+          <p:nvPr>
+            <p:ph type="sldNum" sz="quarter" idx="11"/>
+          </p:nvPr>
+        </p:nvSpPr>
+        <p:spPr/>
+        <p:txBody>
+          <a:bodyPr/>
+          <a:lstStyle/>
+          <a:p>
+            <a:pPr>
+              <a:defRPr/>
+            </a:pPr>
+            <a:fld id="{6E954588-8532-426F-A2EF-680516B179CB}" type="slidenum">
+              <a:rPr lang="en-US" smtClean="0"/>
+              <a:pPr>
+                <a:defRPr/>
+              </a:pPr>
+              <a:t>58</a:t>
+            </a:fld>
+            <a:endParaRPr lang="en-US" dirty="0"/>
+          </a:p>
+        </p:txBody>
+      </p:sp>
     </p:spTree>
     <p:extLst>
       <p:ext uri="{BB962C8B-B14F-4D97-AF65-F5344CB8AC3E}">
@@ -18474,7 +22343,7 @@
 </p:sld>
 </file>
 
-<file path=ppt/slides/slide53.xml><?xml version="1.0" encoding="utf-8"?>
+<file path=ppt/slides/slide59.xml><?xml version="1.0" encoding="utf-8"?>
 <p:sld xmlns:a="http://schemas.openxmlformats.org/drawingml/2006/main" xmlns:r="http://schemas.openxmlformats.org/officeDocument/2006/relationships" xmlns:p="http://schemas.openxmlformats.org/presentationml/2006/main">
   <p:cSld>
     <p:spTree>
@@ -19739,6 +23608,35 @@
           </p:sp>
         </mc:Fallback>
       </mc:AlternateContent>
+      <p:sp>
+        <p:nvSpPr>
+          <p:cNvPr id="4" name="Slide Number Placeholder 3"/>
+          <p:cNvSpPr>
+            <a:spLocks noGrp="1"/>
+          </p:cNvSpPr>
+          <p:nvPr>
+            <p:ph type="sldNum" sz="quarter" idx="11"/>
+          </p:nvPr>
+        </p:nvSpPr>
+        <p:spPr/>
+        <p:txBody>
+          <a:bodyPr/>
+          <a:lstStyle/>
+          <a:p>
+            <a:pPr>
+              <a:defRPr/>
+            </a:pPr>
+            <a:fld id="{6E954588-8532-426F-A2EF-680516B179CB}" type="slidenum">
+              <a:rPr lang="en-US" smtClean="0"/>
+              <a:pPr>
+                <a:defRPr/>
+              </a:pPr>
+              <a:t>59</a:t>
+            </a:fld>
+            <a:endParaRPr lang="en-US" dirty="0"/>
+          </a:p>
+        </p:txBody>
+      </p:sp>
     </p:spTree>
     <p:extLst>
       <p:ext uri="{BB962C8B-B14F-4D97-AF65-F5344CB8AC3E}">
@@ -19752,7 +23650,7 @@
 </p:sld>
 </file>
 
-<file path=ppt/slides/slide54.xml><?xml version="1.0" encoding="utf-8"?>
+<file path=ppt/slides/slide6.xml><?xml version="1.0" encoding="utf-8"?>
 <p:sld xmlns:a="http://schemas.openxmlformats.org/drawingml/2006/main" xmlns:r="http://schemas.openxmlformats.org/officeDocument/2006/relationships" xmlns:p="http://schemas.openxmlformats.org/presentationml/2006/main">
   <p:cSld>
     <p:spTree>
@@ -19788,228 +23686,311 @@
           <a:p>
             <a:r>
               <a:rPr lang="en-US" dirty="0" smtClean="0"/>
-              <a:t>Phase #3: Placement Algorithm</a:t>
+              <a:t>Pairwise Affinity</a:t>
             </a:r>
             <a:endParaRPr lang="en-US" dirty="0"/>
           </a:p>
         </p:txBody>
       </p:sp>
+      <mc:AlternateContent xmlns:mc="http://schemas.openxmlformats.org/markup-compatibility/2006">
+        <mc:Choice xmlns:a14="http://schemas.microsoft.com/office/drawing/2010/main" Requires="a14">
+          <p:sp>
+            <p:nvSpPr>
+              <p:cNvPr id="3" name="Content Placeholder 2"/>
+              <p:cNvSpPr>
+                <a:spLocks noGrp="1"/>
+              </p:cNvSpPr>
+              <p:nvPr>
+                <p:ph idx="1"/>
+              </p:nvPr>
+            </p:nvSpPr>
+            <p:spPr>
+              <a:xfrm>
+                <a:off x="409574" y="989013"/>
+                <a:ext cx="8334375" cy="5135562"/>
+              </a:xfrm>
+            </p:spPr>
+            <p:txBody>
+              <a:bodyPr>
+                <a:normAutofit fontScale="92500" lnSpcReduction="10000"/>
+              </a:bodyPr>
+              <a:lstStyle/>
+              <a:p>
+                <a:pPr>
+                  <a:lnSpc>
+                    <a:spcPct val="110000"/>
+                  </a:lnSpc>
+                </a:pPr>
+                <a:r>
+                  <a:rPr lang="en-US" b="1" dirty="0" smtClean="0"/>
+                  <a:t>Definition: </a:t>
+                </a:r>
+                <a:r>
+                  <a:rPr lang="en-US" dirty="0" smtClean="0"/>
+                  <a:t>Quantifies the similarity/compatibility between two </a:t>
+                </a:r>
+                <a:r>
+                  <a:rPr lang="en-US" dirty="0" smtClean="0"/>
+                  <a:t>pieces.  </a:t>
+                </a:r>
+                <a:endParaRPr lang="en-US" dirty="0" smtClean="0"/>
+              </a:p>
+              <a:p>
+                <a:pPr>
+                  <a:lnSpc>
+                    <a:spcPct val="110000"/>
+                  </a:lnSpc>
+                </a:pPr>
+                <a:endParaRPr lang="en-US" dirty="0" smtClean="0"/>
+              </a:p>
+              <a:p>
+                <a:pPr>
+                  <a:lnSpc>
+                    <a:spcPct val="110000"/>
+                  </a:lnSpc>
+                </a:pPr>
+                <a:r>
+                  <a:rPr lang="en-US" dirty="0" smtClean="0"/>
+                  <a:t>Between two pieces </a:t>
+                </a:r>
+                <a14:m>
+                  <m:oMath xmlns:m="http://schemas.openxmlformats.org/officeDocument/2006/math">
+                    <m:sSub>
+                      <m:sSubPr>
+                        <m:ctrlPr>
+                          <a:rPr lang="en-US" b="0" i="1" smtClean="0">
+                            <a:latin typeface="Cambria Math"/>
+                          </a:rPr>
+                        </m:ctrlPr>
+                      </m:sSubPr>
+                      <m:e>
+                        <m:r>
+                          <a:rPr lang="en-US" b="0" i="1" smtClean="0">
+                            <a:latin typeface="Cambria Math"/>
+                          </a:rPr>
+                          <m:t>𝑥</m:t>
+                        </m:r>
+                      </m:e>
+                      <m:sub>
+                        <m:r>
+                          <a:rPr lang="en-US" b="0" i="1" smtClean="0">
+                            <a:latin typeface="Cambria Math"/>
+                          </a:rPr>
+                          <m:t>𝑖</m:t>
+                        </m:r>
+                      </m:sub>
+                    </m:sSub>
+                  </m:oMath>
+                </a14:m>
+                <a:r>
+                  <a:rPr lang="en-US" dirty="0" smtClean="0"/>
+                  <a:t> and </a:t>
+                </a:r>
+                <a14:m>
+                  <m:oMath xmlns:m="http://schemas.openxmlformats.org/officeDocument/2006/math">
+                    <m:sSub>
+                      <m:sSubPr>
+                        <m:ctrlPr>
+                          <a:rPr lang="en-US" b="0" i="1" smtClean="0">
+                            <a:latin typeface="Cambria Math"/>
+                          </a:rPr>
+                        </m:ctrlPr>
+                      </m:sSubPr>
+                      <m:e>
+                        <m:r>
+                          <a:rPr lang="en-US" b="0" i="1" smtClean="0">
+                            <a:latin typeface="Cambria Math"/>
+                          </a:rPr>
+                          <m:t>𝑥</m:t>
+                        </m:r>
+                      </m:e>
+                      <m:sub>
+                        <m:r>
+                          <a:rPr lang="en-US" b="0" i="1" smtClean="0">
+                            <a:latin typeface="Cambria Math"/>
+                          </a:rPr>
+                          <m:t>𝑗</m:t>
+                        </m:r>
+                      </m:sub>
+                    </m:sSub>
+                  </m:oMath>
+                </a14:m>
+                <a:r>
+                  <a:rPr lang="en-US" dirty="0" smtClean="0"/>
+                  <a:t>, there are 4 pairwise affinity values when rotation is not allowed and  16 when rotation is allowed.</a:t>
+                </a:r>
+              </a:p>
+              <a:p>
+                <a:pPr>
+                  <a:lnSpc>
+                    <a:spcPct val="110000"/>
+                  </a:lnSpc>
+                </a:pPr>
+                <a:endParaRPr lang="en-US" dirty="0" smtClean="0"/>
+              </a:p>
+              <a:p>
+                <a:pPr>
+                  <a:lnSpc>
+                    <a:spcPct val="110000"/>
+                  </a:lnSpc>
+                </a:pPr>
+                <a:r>
+                  <a:rPr lang="en-US" dirty="0" smtClean="0"/>
+                  <a:t>Metrics of particular interest in the literature are divided into two categories.</a:t>
+                </a:r>
+              </a:p>
+              <a:p>
+                <a:pPr lvl="1">
+                  <a:lnSpc>
+                    <a:spcPct val="110000"/>
+                  </a:lnSpc>
+                </a:pPr>
+                <a:r>
+                  <a:rPr lang="en-US" dirty="0" smtClean="0"/>
+                  <a:t>Boundary/Edge Based:</a:t>
+                </a:r>
+              </a:p>
+              <a:p>
+                <a:pPr lvl="2">
+                  <a:lnSpc>
+                    <a:spcPct val="110000"/>
+                  </a:lnSpc>
+                </a:pPr>
+                <a:r>
+                  <a:rPr lang="en-US" dirty="0" smtClean="0"/>
+                  <a:t>Normalized and Unnormalized Dissimilarity-based Compatibility</a:t>
+                </a:r>
+              </a:p>
+              <a:p>
+                <a:pPr lvl="2">
+                  <a:lnSpc>
+                    <a:spcPct val="110000"/>
+                  </a:lnSpc>
+                </a:pPr>
+                <a:r>
+                  <a:rPr lang="en-US" dirty="0" smtClean="0"/>
+                  <a:t>Prediction-based Compatibility</a:t>
+                </a:r>
+              </a:p>
+              <a:p>
+                <a:pPr lvl="1">
+                  <a:lnSpc>
+                    <a:spcPct val="110000"/>
+                  </a:lnSpc>
+                </a:pPr>
+                <a:endParaRPr lang="en-US" dirty="0" smtClean="0"/>
+              </a:p>
+              <a:p>
+                <a:pPr lvl="1">
+                  <a:lnSpc>
+                    <a:spcPct val="110000"/>
+                  </a:lnSpc>
+                </a:pPr>
+                <a:r>
+                  <a:rPr lang="en-US" dirty="0" smtClean="0"/>
+                  <a:t>Statistical based using the entire </a:t>
+                </a:r>
+                <a:r>
+                  <a:rPr lang="en-US" dirty="0" smtClean="0"/>
+                  <a:t>piece </a:t>
+                </a:r>
+                <a:r>
+                  <a:rPr lang="en-US" dirty="0" smtClean="0"/>
+                  <a:t>and its statistical properties [14]</a:t>
+                </a:r>
+                <a:endParaRPr lang="en-US" dirty="0"/>
+              </a:p>
+            </p:txBody>
+          </p:sp>
+        </mc:Choice>
+        <mc:Fallback>
+          <p:sp>
+            <p:nvSpPr>
+              <p:cNvPr id="3" name="Content Placeholder 2"/>
+              <p:cNvSpPr>
+                <a:spLocks noGrp="1" noRot="1" noChangeAspect="1" noMove="1" noResize="1" noEditPoints="1" noAdjustHandles="1" noChangeArrowheads="1" noChangeShapeType="1" noTextEdit="1"/>
+              </p:cNvSpPr>
+              <p:nvPr>
+                <p:ph idx="1"/>
+              </p:nvPr>
+            </p:nvSpPr>
+            <p:spPr>
+              <a:xfrm>
+                <a:off x="409574" y="989013"/>
+                <a:ext cx="8334375" cy="5135562"/>
+              </a:xfrm>
+              <a:blipFill rotWithShape="1">
+                <a:blip r:embed="rId2"/>
+                <a:stretch>
+                  <a:fillRect l="-805" t="-712" r="-293"/>
+                </a:stretch>
+              </a:blipFill>
+            </p:spPr>
+            <p:txBody>
+              <a:bodyPr/>
+              <a:lstStyle/>
+              <a:p>
+                <a:r>
+                  <a:rPr lang="en-US">
+                    <a:noFill/>
+                  </a:rPr>
+                  <a:t> </a:t>
+                </a:r>
+              </a:p>
+            </p:txBody>
+          </p:sp>
+        </mc:Fallback>
+      </mc:AlternateContent>
       <p:sp>
         <p:nvSpPr>
-          <p:cNvPr id="3" name="Content Placeholder 2"/>
+          <p:cNvPr id="4" name="Slide Number Placeholder 3"/>
           <p:cNvSpPr>
             <a:spLocks noGrp="1"/>
           </p:cNvSpPr>
           <p:nvPr>
-            <p:ph idx="1"/>
+            <p:ph type="sldNum" sz="quarter" idx="11"/>
           </p:nvPr>
         </p:nvSpPr>
-        <p:spPr>
-          <a:xfrm>
-            <a:off x="195948" y="989013"/>
-            <a:ext cx="8686800" cy="5135562"/>
-          </a:xfrm>
-        </p:spPr>
+        <p:spPr/>
         <p:txBody>
-          <a:bodyPr>
-            <a:normAutofit/>
-          </a:bodyPr>
+          <a:bodyPr/>
           <a:lstStyle/>
           <a:p>
-            <a:pPr marL="0" indent="0">
-              <a:buNone/>
+            <a:pPr>
+              <a:defRPr/>
             </a:pPr>
-            <a:r>
-              <a:rPr lang="en-US" dirty="0" smtClean="0">
-                <a:solidFill>
-                  <a:srgbClr val="000099"/>
-                </a:solidFill>
-                <a:latin typeface="Consolas" panose="020B0609020204030204" pitchFamily="49" charset="0"/>
-              </a:rPr>
-              <a:t>While</a:t>
-            </a:r>
-            <a:r>
-              <a:rPr lang="en-US" dirty="0" smtClean="0">
-                <a:latin typeface="Consolas" panose="020B0609020204030204" pitchFamily="49" charset="0"/>
-              </a:rPr>
-              <a:t> there are unplaced pieces</a:t>
-            </a:r>
-          </a:p>
-          <a:p>
-            <a:pPr marL="0" indent="0">
-              <a:buNone/>
-            </a:pPr>
-            <a:endParaRPr lang="en-US" dirty="0" smtClean="0">
-              <a:latin typeface="Consolas" panose="020B0609020204030204" pitchFamily="49" charset="0"/>
-            </a:endParaRPr>
-          </a:p>
-          <a:p>
-            <a:pPr marL="0" indent="0">
-              <a:buNone/>
-            </a:pPr>
-            <a:r>
-              <a:rPr lang="en-US" dirty="0">
-                <a:latin typeface="Consolas" panose="020B0609020204030204" pitchFamily="49" charset="0"/>
-              </a:rPr>
-              <a:t> </a:t>
-            </a:r>
-            <a:r>
-              <a:rPr lang="en-US" dirty="0" smtClean="0">
-                <a:latin typeface="Consolas" panose="020B0609020204030204" pitchFamily="49" charset="0"/>
-              </a:rPr>
-              <a:t>   </a:t>
-            </a:r>
-            <a:r>
-              <a:rPr lang="en-US" dirty="0">
-                <a:solidFill>
-                  <a:srgbClr val="000099"/>
-                </a:solidFill>
-                <a:latin typeface="Consolas" panose="020B0609020204030204" pitchFamily="49" charset="0"/>
-              </a:rPr>
-              <a:t>if</a:t>
-            </a:r>
-            <a:r>
-              <a:rPr lang="en-US" dirty="0" smtClean="0">
-                <a:latin typeface="Consolas" panose="020B0609020204030204" pitchFamily="49" charset="0"/>
-              </a:rPr>
-              <a:t> the pool is not empty</a:t>
-            </a:r>
-          </a:p>
-          <a:p>
-            <a:pPr marL="0" indent="0">
-              <a:buNone/>
-            </a:pPr>
-            <a:r>
-              <a:rPr lang="en-US" dirty="0" smtClean="0">
-                <a:latin typeface="Consolas" panose="020B0609020204030204" pitchFamily="49" charset="0"/>
-              </a:rPr>
-              <a:t>          Extract the best candidate from the pool</a:t>
-            </a:r>
-            <a:endParaRPr lang="en-US" dirty="0">
-              <a:latin typeface="Consolas" panose="020B0609020204030204" pitchFamily="49" charset="0"/>
-            </a:endParaRPr>
-          </a:p>
-          <a:p>
-            <a:pPr marL="0" indent="0">
-              <a:buNone/>
-            </a:pPr>
-            <a:r>
-              <a:rPr lang="en-US" dirty="0" smtClean="0">
-                <a:latin typeface="Consolas" panose="020B0609020204030204" pitchFamily="49" charset="0"/>
-              </a:rPr>
-              <a:t>    </a:t>
-            </a:r>
-            <a:r>
-              <a:rPr lang="en-US" dirty="0">
-                <a:solidFill>
-                  <a:srgbClr val="000099"/>
-                </a:solidFill>
-                <a:latin typeface="Consolas" panose="020B0609020204030204" pitchFamily="49" charset="0"/>
-              </a:rPr>
-              <a:t>else</a:t>
-            </a:r>
-          </a:p>
-          <a:p>
-            <a:pPr marL="0" indent="0">
-              <a:buNone/>
-            </a:pPr>
-            <a:r>
-              <a:rPr lang="en-US" dirty="0">
-                <a:latin typeface="Consolas" panose="020B0609020204030204" pitchFamily="49" charset="0"/>
-              </a:rPr>
-              <a:t> </a:t>
-            </a:r>
-            <a:r>
-              <a:rPr lang="en-US" dirty="0" smtClean="0">
-                <a:latin typeface="Consolas" panose="020B0609020204030204" pitchFamily="49" charset="0"/>
-              </a:rPr>
-              <a:t>       Recalculate the compatibility function</a:t>
-            </a:r>
-          </a:p>
-          <a:p>
-            <a:pPr marL="0" indent="0">
-              <a:buNone/>
-            </a:pPr>
-            <a:r>
-              <a:rPr lang="en-US" dirty="0">
-                <a:latin typeface="Consolas" panose="020B0609020204030204" pitchFamily="49" charset="0"/>
-              </a:rPr>
-              <a:t> </a:t>
-            </a:r>
-            <a:r>
-              <a:rPr lang="en-US" dirty="0" smtClean="0">
-                <a:latin typeface="Consolas" panose="020B0609020204030204" pitchFamily="49" charset="0"/>
-              </a:rPr>
-              <a:t>       Find the best neighbors (not best buddies)</a:t>
-            </a:r>
-          </a:p>
-          <a:p>
-            <a:pPr marL="0" indent="0">
-              <a:buNone/>
-            </a:pPr>
-            <a:r>
-              <a:rPr lang="en-US" dirty="0">
-                <a:latin typeface="Consolas" panose="020B0609020204030204" pitchFamily="49" charset="0"/>
-              </a:rPr>
-              <a:t> </a:t>
-            </a:r>
-            <a:r>
-              <a:rPr lang="en-US" dirty="0" smtClean="0">
-                <a:latin typeface="Consolas" panose="020B0609020204030204" pitchFamily="49" charset="0"/>
-              </a:rPr>
-              <a:t>   </a:t>
-            </a:r>
-          </a:p>
-          <a:p>
-            <a:pPr marL="0" indent="0">
-              <a:buNone/>
-            </a:pPr>
-            <a:r>
-              <a:rPr lang="en-US" dirty="0">
-                <a:latin typeface="Consolas" panose="020B0609020204030204" pitchFamily="49" charset="0"/>
-              </a:rPr>
-              <a:t> </a:t>
-            </a:r>
-            <a:r>
-              <a:rPr lang="en-US" dirty="0" smtClean="0">
-                <a:latin typeface="Consolas" panose="020B0609020204030204" pitchFamily="49" charset="0"/>
-              </a:rPr>
-              <a:t>   Place the above best piece</a:t>
-            </a:r>
-          </a:p>
-          <a:p>
-            <a:pPr marL="0" indent="0">
-              <a:buNone/>
-            </a:pPr>
-            <a:r>
-              <a:rPr lang="en-US" dirty="0">
-                <a:latin typeface="Consolas" panose="020B0609020204030204" pitchFamily="49" charset="0"/>
-              </a:rPr>
-              <a:t> </a:t>
-            </a:r>
-            <a:r>
-              <a:rPr lang="en-US" dirty="0" smtClean="0">
-                <a:latin typeface="Consolas" panose="020B0609020204030204" pitchFamily="49" charset="0"/>
-              </a:rPr>
-              <a:t>   Add the best buddies of the piece to the pool</a:t>
-            </a:r>
+            <a:fld id="{6E954588-8532-426F-A2EF-680516B179CB}" type="slidenum">
+              <a:rPr lang="en-US" smtClean="0"/>
+              <a:pPr>
+                <a:defRPr/>
+              </a:pPr>
+              <a:t>6</a:t>
+            </a:fld>
+            <a:endParaRPr lang="en-US" dirty="0"/>
           </a:p>
         </p:txBody>
       </p:sp>
     </p:spTree>
     <p:extLst>
       <p:ext uri="{BB962C8B-B14F-4D97-AF65-F5344CB8AC3E}">
-        <p14:creationId xmlns:p14="http://schemas.microsoft.com/office/powerpoint/2010/main" val="103347594"/>
+        <p14:creationId xmlns:p14="http://schemas.microsoft.com/office/powerpoint/2010/main" val="3565227271"/>
       </p:ext>
     </p:extLst>
   </p:cSld>
   <p:clrMapOvr>
     <a:masterClrMapping/>
   </p:clrMapOvr>
+  <p:timing>
+    <p:tnLst>
+      <p:par>
+        <p:cTn id="1" dur="indefinite" restart="never" nodeType="tmRoot"/>
+      </p:par>
+    </p:tnLst>
+  </p:timing>
 </p:sld>
 </file>
 
-<file path=ppt/slides/slide55.xml><?xml version="1.0" encoding="utf-8"?>
+<file path=ppt/slides/slide60.xml><?xml version="1.0" encoding="utf-8"?>
 <p:sld xmlns:a="http://schemas.openxmlformats.org/drawingml/2006/main" xmlns:r="http://schemas.openxmlformats.org/officeDocument/2006/relationships" xmlns:p="http://schemas.openxmlformats.org/presentationml/2006/main">
   <p:cSld>
     <p:spTree>
@@ -20045,7 +24026,7 @@
           <a:p>
             <a:r>
               <a:rPr lang="en-US" dirty="0" smtClean="0"/>
-              <a:t>Phase #3: Placement Overview</a:t>
+              <a:t>Phase #3: Placement Algorithm</a:t>
             </a:r>
             <a:endParaRPr lang="en-US" dirty="0"/>
           </a:p>
@@ -20061,63 +24042,231 @@
             <p:ph idx="1"/>
           </p:nvPr>
         </p:nvSpPr>
-        <p:spPr/>
+        <p:spPr>
+          <a:xfrm>
+            <a:off x="195948" y="989013"/>
+            <a:ext cx="8686800" cy="5135562"/>
+          </a:xfrm>
+        </p:spPr>
         <p:txBody>
           <a:bodyPr>
             <a:normAutofit/>
           </a:bodyPr>
           <a:lstStyle/>
           <a:p>
-            <a:r>
-              <a:rPr lang="en-US" dirty="0" smtClean="0"/>
-              <a:t>If the pool is not empty, then the “best candidate” is defined as the one with the highest mutual compatibility.</a:t>
-            </a:r>
-          </a:p>
-          <a:p>
-            <a:pPr lvl="1"/>
-            <a:r>
-              <a:rPr lang="en-US" dirty="0" smtClean="0"/>
-              <a:t>Unlike best buddies which used asymmetric dissimilarity, the greedy placed uses mutual compatibility.</a:t>
-            </a:r>
-          </a:p>
-          <a:p>
-            <a:pPr lvl="1"/>
+            <a:pPr marL="0" indent="0">
+              <a:buNone/>
+            </a:pPr>
+            <a:r>
+              <a:rPr lang="en-US" dirty="0" smtClean="0">
+                <a:solidFill>
+                  <a:srgbClr val="000099"/>
+                </a:solidFill>
+                <a:latin typeface="Consolas" panose="020B0609020204030204" pitchFamily="49" charset="0"/>
+              </a:rPr>
+              <a:t>While</a:t>
+            </a:r>
+            <a:r>
+              <a:rPr lang="en-US" dirty="0" smtClean="0">
+                <a:latin typeface="Consolas" panose="020B0609020204030204" pitchFamily="49" charset="0"/>
+              </a:rPr>
+              <a:t> there are unplaced pieces</a:t>
+            </a:r>
+          </a:p>
+          <a:p>
+            <a:pPr marL="0" indent="0">
+              <a:buNone/>
+            </a:pPr>
+            <a:endParaRPr lang="en-US" dirty="0" smtClean="0">
+              <a:latin typeface="Consolas" panose="020B0609020204030204" pitchFamily="49" charset="0"/>
+            </a:endParaRPr>
+          </a:p>
+          <a:p>
+            <a:pPr marL="0" indent="0">
+              <a:buNone/>
+            </a:pPr>
+            <a:r>
+              <a:rPr lang="en-US" dirty="0">
+                <a:latin typeface="Consolas" panose="020B0609020204030204" pitchFamily="49" charset="0"/>
+              </a:rPr>
+              <a:t> </a:t>
+            </a:r>
+            <a:r>
+              <a:rPr lang="en-US" dirty="0" smtClean="0">
+                <a:latin typeface="Consolas" panose="020B0609020204030204" pitchFamily="49" charset="0"/>
+              </a:rPr>
+              <a:t>   </a:t>
+            </a:r>
+            <a:r>
+              <a:rPr lang="en-US" dirty="0">
+                <a:solidFill>
+                  <a:srgbClr val="000099"/>
+                </a:solidFill>
+                <a:latin typeface="Consolas" panose="020B0609020204030204" pitchFamily="49" charset="0"/>
+              </a:rPr>
+              <a:t>if</a:t>
+            </a:r>
+            <a:r>
+              <a:rPr lang="en-US" dirty="0" smtClean="0">
+                <a:latin typeface="Consolas" panose="020B0609020204030204" pitchFamily="49" charset="0"/>
+              </a:rPr>
+              <a:t> the pool is not empty</a:t>
+            </a:r>
+          </a:p>
+          <a:p>
+            <a:pPr marL="0" indent="0">
+              <a:buNone/>
+            </a:pPr>
+            <a:r>
+              <a:rPr lang="en-US" dirty="0" smtClean="0">
+                <a:latin typeface="Consolas" panose="020B0609020204030204" pitchFamily="49" charset="0"/>
+              </a:rPr>
+              <a:t>          Extract the best candidate from the pool</a:t>
+            </a:r>
+            <a:endParaRPr lang="en-US" dirty="0">
+              <a:latin typeface="Consolas" panose="020B0609020204030204" pitchFamily="49" charset="0"/>
+            </a:endParaRPr>
+          </a:p>
+          <a:p>
+            <a:pPr marL="0" indent="0">
+              <a:buNone/>
+            </a:pPr>
+            <a:r>
+              <a:rPr lang="en-US" dirty="0" smtClean="0">
+                <a:latin typeface="Consolas" panose="020B0609020204030204" pitchFamily="49" charset="0"/>
+              </a:rPr>
+              <a:t>    </a:t>
+            </a:r>
+            <a:r>
+              <a:rPr lang="en-US" dirty="0">
+                <a:solidFill>
+                  <a:srgbClr val="000099"/>
+                </a:solidFill>
+                <a:latin typeface="Consolas" panose="020B0609020204030204" pitchFamily="49" charset="0"/>
+              </a:rPr>
+              <a:t>else</a:t>
+            </a:r>
+          </a:p>
+          <a:p>
+            <a:pPr marL="0" indent="0">
+              <a:buNone/>
+            </a:pPr>
+            <a:r>
+              <a:rPr lang="en-US" dirty="0">
+                <a:latin typeface="Consolas" panose="020B0609020204030204" pitchFamily="49" charset="0"/>
+              </a:rPr>
+              <a:t> </a:t>
+            </a:r>
+            <a:r>
+              <a:rPr lang="en-US" dirty="0" smtClean="0">
+                <a:latin typeface="Consolas" panose="020B0609020204030204" pitchFamily="49" charset="0"/>
+              </a:rPr>
+              <a:t>       Recalculate the compatibility function</a:t>
+            </a:r>
+          </a:p>
+          <a:p>
+            <a:pPr marL="0" indent="0">
+              <a:buNone/>
+            </a:pPr>
+            <a:r>
+              <a:rPr lang="en-US" dirty="0">
+                <a:latin typeface="Consolas" panose="020B0609020204030204" pitchFamily="49" charset="0"/>
+              </a:rPr>
+              <a:t> </a:t>
+            </a:r>
+            <a:r>
+              <a:rPr lang="en-US" dirty="0" smtClean="0">
+                <a:latin typeface="Consolas" panose="020B0609020204030204" pitchFamily="49" charset="0"/>
+              </a:rPr>
+              <a:t>       Find the best neighbors (not best buddies)</a:t>
+            </a:r>
+          </a:p>
+          <a:p>
+            <a:pPr marL="0" indent="0">
+              <a:buNone/>
+            </a:pPr>
+            <a:r>
+              <a:rPr lang="en-US" dirty="0">
+                <a:latin typeface="Consolas" panose="020B0609020204030204" pitchFamily="49" charset="0"/>
+              </a:rPr>
+              <a:t> </a:t>
+            </a:r>
+            <a:r>
+              <a:rPr lang="en-US" dirty="0" smtClean="0">
+                <a:latin typeface="Consolas" panose="020B0609020204030204" pitchFamily="49" charset="0"/>
+              </a:rPr>
+              <a:t>   </a:t>
+            </a:r>
+          </a:p>
+          <a:p>
+            <a:pPr marL="0" indent="0">
+              <a:buNone/>
+            </a:pPr>
+            <a:r>
+              <a:rPr lang="en-US" dirty="0">
+                <a:latin typeface="Consolas" panose="020B0609020204030204" pitchFamily="49" charset="0"/>
+              </a:rPr>
+              <a:t> </a:t>
+            </a:r>
+            <a:r>
+              <a:rPr lang="en-US" dirty="0" smtClean="0">
+                <a:latin typeface="Consolas" panose="020B0609020204030204" pitchFamily="49" charset="0"/>
+              </a:rPr>
+              <a:t>   Place the above best piece</a:t>
+            </a:r>
+          </a:p>
+          <a:p>
+            <a:pPr marL="0" indent="0">
+              <a:buNone/>
+            </a:pPr>
+            <a:r>
+              <a:rPr lang="en-US" dirty="0">
+                <a:latin typeface="Consolas" panose="020B0609020204030204" pitchFamily="49" charset="0"/>
+              </a:rPr>
+              <a:t> </a:t>
+            </a:r>
+            <a:r>
+              <a:rPr lang="en-US" dirty="0" smtClean="0">
+                <a:latin typeface="Consolas" panose="020B0609020204030204" pitchFamily="49" charset="0"/>
+              </a:rPr>
+              <a:t>   Add the best buddies of the piece to the pool</a:t>
+            </a:r>
+          </a:p>
+        </p:txBody>
+      </p:sp>
+      <p:sp>
+        <p:nvSpPr>
+          <p:cNvPr id="4" name="Slide Number Placeholder 3"/>
+          <p:cNvSpPr>
+            <a:spLocks noGrp="1"/>
+          </p:cNvSpPr>
+          <p:nvPr>
+            <p:ph type="sldNum" sz="quarter" idx="11"/>
+          </p:nvPr>
+        </p:nvSpPr>
+        <p:spPr/>
+        <p:txBody>
+          <a:bodyPr/>
+          <a:lstStyle/>
+          <a:p>
+            <a:pPr>
+              <a:defRPr/>
+            </a:pPr>
+            <a:fld id="{6E954588-8532-426F-A2EF-680516B179CB}" type="slidenum">
+              <a:rPr lang="en-US" smtClean="0"/>
+              <a:pPr>
+                <a:defRPr/>
+              </a:pPr>
+              <a:t>60</a:t>
+            </a:fld>
             <a:endParaRPr lang="en-US" dirty="0"/>
-          </a:p>
-          <a:p>
-            <a:r>
-              <a:rPr lang="en-US" dirty="0" smtClean="0"/>
-              <a:t>If the pool is empty, the mutual compatibility values are recalculated using only the unplaced pieces </a:t>
-            </a:r>
-            <a:r>
-              <a:rPr lang="en-US" i="1" dirty="0" smtClean="0"/>
-              <a:t>and the border pieces in the puzzle</a:t>
-            </a:r>
-            <a:r>
-              <a:rPr lang="en-US" dirty="0" smtClean="0"/>
-              <a:t>.  </a:t>
-            </a:r>
-          </a:p>
-          <a:p>
-            <a:pPr lvl="1"/>
-            <a:r>
-              <a:rPr lang="en-US" dirty="0" smtClean="0"/>
-              <a:t>The piece with the highest mutual compatibility is then placed onto the board</a:t>
-            </a:r>
-          </a:p>
-          <a:p>
-            <a:pPr lvl="1"/>
-            <a:r>
-              <a:rPr lang="en-US" dirty="0" smtClean="0"/>
-              <a:t>The newly placed piece’s best buddies (if any) are placed into the pool.</a:t>
-            </a:r>
           </a:p>
         </p:txBody>
       </p:sp>
     </p:spTree>
     <p:extLst>
       <p:ext uri="{BB962C8B-B14F-4D97-AF65-F5344CB8AC3E}">
-        <p14:creationId xmlns:p14="http://schemas.microsoft.com/office/powerpoint/2010/main" val="2342260290"/>
+        <p14:creationId xmlns:p14="http://schemas.microsoft.com/office/powerpoint/2010/main" val="103347594"/>
       </p:ext>
     </p:extLst>
   </p:cSld>
@@ -20127,7 +24276,7 @@
 </p:sld>
 </file>
 
-<file path=ppt/slides/slide56.xml><?xml version="1.0" encoding="utf-8"?>
+<file path=ppt/slides/slide61.xml><?xml version="1.0" encoding="utf-8"?>
 <p:sld xmlns:a="http://schemas.openxmlformats.org/drawingml/2006/main" xmlns:r="http://schemas.openxmlformats.org/officeDocument/2006/relationships" xmlns:p="http://schemas.openxmlformats.org/presentationml/2006/main">
   <p:cSld>
     <p:spTree>
@@ -20163,7 +24312,7 @@
           <a:p>
             <a:r>
               <a:rPr lang="en-US" dirty="0" smtClean="0"/>
-              <a:t>Phase #3: Handling Multiple Puzzles</a:t>
+              <a:t>Phase #3: Placement Overview</a:t>
             </a:r>
             <a:endParaRPr lang="en-US" dirty="0"/>
           </a:p>
@@ -20182,122 +24331,89 @@
         <p:spPr/>
         <p:txBody>
           <a:bodyPr>
-            <a:normAutofit fontScale="92500"/>
+            <a:normAutofit/>
           </a:bodyPr>
           <a:lstStyle/>
           <a:p>
+            <a:r>
+              <a:rPr lang="en-US" dirty="0" smtClean="0"/>
+              <a:t>If the pool is not empty, then the “best candidate” is defined as the one with the highest mutual compatibility.</a:t>
+            </a:r>
+          </a:p>
+          <a:p>
+            <a:pPr lvl="1"/>
+            <a:r>
+              <a:rPr lang="en-US" dirty="0" smtClean="0"/>
+              <a:t>Unlike best buddies which used asymmetric dissimilarity, the greedy placed uses mutual compatibility.</a:t>
+            </a:r>
+          </a:p>
+          <a:p>
+            <a:pPr lvl="1"/>
+            <a:endParaRPr lang="en-US" dirty="0"/>
+          </a:p>
+          <a:p>
+            <a:r>
+              <a:rPr lang="en-US" dirty="0" smtClean="0"/>
+              <a:t>If the pool is empty, the mutual compatibility values are recalculated using only the unplaced pieces </a:t>
+            </a:r>
+            <a:r>
+              <a:rPr lang="en-US" i="1" dirty="0" smtClean="0"/>
+              <a:t>and the border pieces in the puzzle</a:t>
+            </a:r>
+            <a:r>
+              <a:rPr lang="en-US" dirty="0" smtClean="0"/>
+              <a:t>.  </a:t>
+            </a:r>
+          </a:p>
+          <a:p>
+            <a:pPr lvl="1"/>
+            <a:r>
+              <a:rPr lang="en-US" dirty="0" smtClean="0"/>
+              <a:t>The piece with the highest mutual compatibility is then placed onto the board</a:t>
+            </a:r>
+          </a:p>
+          <a:p>
+            <a:pPr lvl="1"/>
+            <a:r>
+              <a:rPr lang="en-US" dirty="0" smtClean="0"/>
+              <a:t>The newly placed piece’s best buddies (if any) are placed into the pool.</a:t>
+            </a:r>
+          </a:p>
+        </p:txBody>
+      </p:sp>
+      <p:sp>
+        <p:nvSpPr>
+          <p:cNvPr id="4" name="Slide Number Placeholder 3"/>
+          <p:cNvSpPr>
+            <a:spLocks noGrp="1"/>
+          </p:cNvSpPr>
+          <p:nvPr>
+            <p:ph type="sldNum" sz="quarter" idx="11"/>
+          </p:nvPr>
+        </p:nvSpPr>
+        <p:spPr/>
+        <p:txBody>
+          <a:bodyPr/>
+          <a:lstStyle/>
+          <a:p>
             <a:pPr>
-              <a:lnSpc>
-                <a:spcPct val="110000"/>
-              </a:lnSpc>
-              <a:spcBef>
-                <a:spcPts val="1200"/>
-              </a:spcBef>
+              <a:defRPr/>
             </a:pPr>
-            <a:r>
-              <a:rPr lang="en-US" dirty="0" smtClean="0"/>
-              <a:t>Other than the pieces themselves, the only input into Paikin and Tal’s algorithm is the number of puzzles</a:t>
-            </a:r>
-          </a:p>
-          <a:p>
-            <a:pPr lvl="1">
-              <a:lnSpc>
-                <a:spcPct val="110000"/>
-              </a:lnSpc>
-              <a:spcBef>
-                <a:spcPts val="1200"/>
-              </a:spcBef>
-            </a:pPr>
-            <a:r>
-              <a:rPr lang="en-US" dirty="0" smtClean="0"/>
-              <a:t>If the “bag of pieces” is from multiple boards, only one small change is required to their algorithm.</a:t>
-            </a:r>
-          </a:p>
-          <a:p>
-            <a:pPr>
-              <a:lnSpc>
-                <a:spcPct val="110000"/>
-              </a:lnSpc>
-              <a:spcBef>
-                <a:spcPts val="1200"/>
-              </a:spcBef>
-            </a:pPr>
-            <a:endParaRPr lang="en-US" sz="1000" dirty="0"/>
-          </a:p>
-          <a:p>
-            <a:pPr>
-              <a:lnSpc>
-                <a:spcPct val="110000"/>
-              </a:lnSpc>
-              <a:spcBef>
-                <a:spcPts val="1200"/>
-              </a:spcBef>
-            </a:pPr>
-            <a:r>
-              <a:rPr lang="en-US" b="1" dirty="0" smtClean="0"/>
-              <a:t>Modified Approach: </a:t>
-            </a:r>
-            <a:r>
-              <a:rPr lang="en-US" dirty="0" smtClean="0"/>
-              <a:t>When the mutual compatibility </a:t>
-            </a:r>
-            <a:r>
-              <a:rPr lang="en-US" i="1" dirty="0" smtClean="0"/>
-              <a:t>between placed and unplaced pieces</a:t>
-            </a:r>
-            <a:r>
-              <a:rPr lang="en-US" dirty="0" smtClean="0"/>
-              <a:t> drops below a specified threshold (e.g. 0.5), the candidate pool is cleared, and a new puzzle is started.</a:t>
-            </a:r>
-          </a:p>
-          <a:p>
-            <a:pPr lvl="1">
-              <a:lnSpc>
-                <a:spcPct val="110000"/>
-              </a:lnSpc>
-              <a:spcBef>
-                <a:spcPts val="1200"/>
-              </a:spcBef>
-            </a:pPr>
-            <a:r>
-              <a:rPr lang="en-US" dirty="0" smtClean="0"/>
-              <a:t>The seed of the new puzzle uses the same approach that was used for the first puzzle.</a:t>
-            </a:r>
-          </a:p>
-          <a:p>
-            <a:pPr lvl="1">
-              <a:lnSpc>
-                <a:spcPct val="110000"/>
-              </a:lnSpc>
-              <a:spcBef>
-                <a:spcPts val="1200"/>
-              </a:spcBef>
-            </a:pPr>
-            <a:r>
-              <a:rPr lang="en-US" dirty="0" smtClean="0"/>
-              <a:t>New puzzles can be created up to the specified value.</a:t>
-            </a:r>
-          </a:p>
-          <a:p>
-            <a:pPr lvl="1">
-              <a:lnSpc>
-                <a:spcPct val="110000"/>
-              </a:lnSpc>
-              <a:spcBef>
-                <a:spcPts val="1200"/>
-              </a:spcBef>
-            </a:pPr>
-            <a:r>
-              <a:rPr lang="en-US" dirty="0" smtClean="0"/>
-              <a:t>Placement goes on simultaneously across all puzzles.</a:t>
-            </a:r>
+            <a:fld id="{6E954588-8532-426F-A2EF-680516B179CB}" type="slidenum">
+              <a:rPr lang="en-US" smtClean="0"/>
+              <a:pPr>
+                <a:defRPr/>
+              </a:pPr>
+              <a:t>61</a:t>
+            </a:fld>
+            <a:endParaRPr lang="en-US" dirty="0"/>
           </a:p>
         </p:txBody>
       </p:sp>
     </p:spTree>
     <p:extLst>
       <p:ext uri="{BB962C8B-B14F-4D97-AF65-F5344CB8AC3E}">
-        <p14:creationId xmlns:p14="http://schemas.microsoft.com/office/powerpoint/2010/main" val="3801036123"/>
+        <p14:creationId xmlns:p14="http://schemas.microsoft.com/office/powerpoint/2010/main" val="2342260290"/>
       </p:ext>
     </p:extLst>
   </p:cSld>
@@ -20307,7 +24423,7 @@
 </p:sld>
 </file>
 
-<file path=ppt/slides/slide57.xml><?xml version="1.0" encoding="utf-8"?>
+<file path=ppt/slides/slide62.xml><?xml version="1.0" encoding="utf-8"?>
 <p:sld xmlns:a="http://schemas.openxmlformats.org/drawingml/2006/main" xmlns:r="http://schemas.openxmlformats.org/officeDocument/2006/relationships" xmlns:p="http://schemas.openxmlformats.org/presentationml/2006/main">
   <p:cSld>
     <p:spTree>
@@ -20343,6 +24459,215 @@
           <a:p>
             <a:r>
               <a:rPr lang="en-US" dirty="0" smtClean="0"/>
+              <a:t>Phase #3: Handling Multiple Puzzles</a:t>
+            </a:r>
+            <a:endParaRPr lang="en-US" dirty="0"/>
+          </a:p>
+        </p:txBody>
+      </p:sp>
+      <p:sp>
+        <p:nvSpPr>
+          <p:cNvPr id="3" name="Content Placeholder 2"/>
+          <p:cNvSpPr>
+            <a:spLocks noGrp="1"/>
+          </p:cNvSpPr>
+          <p:nvPr>
+            <p:ph idx="1"/>
+          </p:nvPr>
+        </p:nvSpPr>
+        <p:spPr/>
+        <p:txBody>
+          <a:bodyPr>
+            <a:normAutofit fontScale="92500"/>
+          </a:bodyPr>
+          <a:lstStyle/>
+          <a:p>
+            <a:pPr>
+              <a:lnSpc>
+                <a:spcPct val="110000"/>
+              </a:lnSpc>
+              <a:spcBef>
+                <a:spcPts val="1200"/>
+              </a:spcBef>
+            </a:pPr>
+            <a:r>
+              <a:rPr lang="en-US" dirty="0" smtClean="0"/>
+              <a:t>Other than the pieces themselves, the only input into Paikin and Tal’s algorithm is the number of puzzles</a:t>
+            </a:r>
+          </a:p>
+          <a:p>
+            <a:pPr lvl="1">
+              <a:lnSpc>
+                <a:spcPct val="110000"/>
+              </a:lnSpc>
+              <a:spcBef>
+                <a:spcPts val="1200"/>
+              </a:spcBef>
+            </a:pPr>
+            <a:r>
+              <a:rPr lang="en-US" dirty="0" smtClean="0"/>
+              <a:t>If the “bag of pieces” is from multiple boards, only one small change is required to their algorithm.</a:t>
+            </a:r>
+          </a:p>
+          <a:p>
+            <a:pPr>
+              <a:lnSpc>
+                <a:spcPct val="110000"/>
+              </a:lnSpc>
+              <a:spcBef>
+                <a:spcPts val="1200"/>
+              </a:spcBef>
+            </a:pPr>
+            <a:endParaRPr lang="en-US" sz="1000" dirty="0"/>
+          </a:p>
+          <a:p>
+            <a:pPr>
+              <a:lnSpc>
+                <a:spcPct val="110000"/>
+              </a:lnSpc>
+              <a:spcBef>
+                <a:spcPts val="1200"/>
+              </a:spcBef>
+            </a:pPr>
+            <a:r>
+              <a:rPr lang="en-US" b="1" dirty="0" smtClean="0"/>
+              <a:t>Modified Approach: </a:t>
+            </a:r>
+            <a:r>
+              <a:rPr lang="en-US" dirty="0" smtClean="0"/>
+              <a:t>When the mutual compatibility </a:t>
+            </a:r>
+            <a:r>
+              <a:rPr lang="en-US" i="1" dirty="0" smtClean="0"/>
+              <a:t>between placed and unplaced pieces</a:t>
+            </a:r>
+            <a:r>
+              <a:rPr lang="en-US" dirty="0" smtClean="0"/>
+              <a:t> drops below a specified threshold (e.g. 0.5), the candidate pool is cleared, and a new puzzle is started.</a:t>
+            </a:r>
+          </a:p>
+          <a:p>
+            <a:pPr lvl="1">
+              <a:lnSpc>
+                <a:spcPct val="110000"/>
+              </a:lnSpc>
+              <a:spcBef>
+                <a:spcPts val="1200"/>
+              </a:spcBef>
+            </a:pPr>
+            <a:r>
+              <a:rPr lang="en-US" dirty="0" smtClean="0"/>
+              <a:t>The seed of the new puzzle uses the same approach that was used for the first puzzle.</a:t>
+            </a:r>
+          </a:p>
+          <a:p>
+            <a:pPr lvl="1">
+              <a:lnSpc>
+                <a:spcPct val="110000"/>
+              </a:lnSpc>
+              <a:spcBef>
+                <a:spcPts val="1200"/>
+              </a:spcBef>
+            </a:pPr>
+            <a:r>
+              <a:rPr lang="en-US" dirty="0" smtClean="0"/>
+              <a:t>New puzzles can be created up to the specified value.</a:t>
+            </a:r>
+          </a:p>
+          <a:p>
+            <a:pPr lvl="1">
+              <a:lnSpc>
+                <a:spcPct val="110000"/>
+              </a:lnSpc>
+              <a:spcBef>
+                <a:spcPts val="1200"/>
+              </a:spcBef>
+            </a:pPr>
+            <a:r>
+              <a:rPr lang="en-US" dirty="0" smtClean="0"/>
+              <a:t>Placement goes on simultaneously across all puzzles.</a:t>
+            </a:r>
+          </a:p>
+        </p:txBody>
+      </p:sp>
+      <p:sp>
+        <p:nvSpPr>
+          <p:cNvPr id="4" name="Slide Number Placeholder 3"/>
+          <p:cNvSpPr>
+            <a:spLocks noGrp="1"/>
+          </p:cNvSpPr>
+          <p:nvPr>
+            <p:ph type="sldNum" sz="quarter" idx="11"/>
+          </p:nvPr>
+        </p:nvSpPr>
+        <p:spPr/>
+        <p:txBody>
+          <a:bodyPr/>
+          <a:lstStyle/>
+          <a:p>
+            <a:pPr>
+              <a:defRPr/>
+            </a:pPr>
+            <a:fld id="{6E954588-8532-426F-A2EF-680516B179CB}" type="slidenum">
+              <a:rPr lang="en-US" smtClean="0"/>
+              <a:pPr>
+                <a:defRPr/>
+              </a:pPr>
+              <a:t>62</a:t>
+            </a:fld>
+            <a:endParaRPr lang="en-US" dirty="0"/>
+          </a:p>
+        </p:txBody>
+      </p:sp>
+    </p:spTree>
+    <p:extLst>
+      <p:ext uri="{BB962C8B-B14F-4D97-AF65-F5344CB8AC3E}">
+        <p14:creationId xmlns:p14="http://schemas.microsoft.com/office/powerpoint/2010/main" val="3801036123"/>
+      </p:ext>
+    </p:extLst>
+  </p:cSld>
+  <p:clrMapOvr>
+    <a:masterClrMapping/>
+  </p:clrMapOvr>
+</p:sld>
+</file>
+
+<file path=ppt/slides/slide63.xml><?xml version="1.0" encoding="utf-8"?>
+<p:sld xmlns:a="http://schemas.openxmlformats.org/drawingml/2006/main" xmlns:r="http://schemas.openxmlformats.org/officeDocument/2006/relationships" xmlns:p="http://schemas.openxmlformats.org/presentationml/2006/main">
+  <p:cSld>
+    <p:spTree>
+      <p:nvGrpSpPr>
+        <p:cNvPr id="1" name=""/>
+        <p:cNvGrpSpPr/>
+        <p:nvPr/>
+      </p:nvGrpSpPr>
+      <p:grpSpPr>
+        <a:xfrm>
+          <a:off x="0" y="0"/>
+          <a:ext cx="0" cy="0"/>
+          <a:chOff x="0" y="0"/>
+          <a:chExt cx="0" cy="0"/>
+        </a:xfrm>
+      </p:grpSpPr>
+      <p:sp>
+        <p:nvSpPr>
+          <p:cNvPr id="2" name="Title 1"/>
+          <p:cNvSpPr>
+            <a:spLocks noGrp="1"/>
+          </p:cNvSpPr>
+          <p:nvPr>
+            <p:ph type="title"/>
+          </p:nvPr>
+        </p:nvSpPr>
+        <p:spPr/>
+        <p:txBody>
+          <a:bodyPr>
+            <a:normAutofit fontScale="90000"/>
+          </a:bodyPr>
+          <a:lstStyle/>
+          <a:p>
+            <a:r>
+              <a:rPr lang="en-US" dirty="0" smtClean="0"/>
               <a:t>Phase #3: Handling Missing Pieces</a:t>
             </a:r>
             <a:endParaRPr lang="en-US" dirty="0"/>
@@ -20431,6 +24756,35 @@
           </a:p>
         </p:txBody>
       </p:sp>
+      <p:sp>
+        <p:nvSpPr>
+          <p:cNvPr id="4" name="Slide Number Placeholder 3"/>
+          <p:cNvSpPr>
+            <a:spLocks noGrp="1"/>
+          </p:cNvSpPr>
+          <p:nvPr>
+            <p:ph type="sldNum" sz="quarter" idx="11"/>
+          </p:nvPr>
+        </p:nvSpPr>
+        <p:spPr/>
+        <p:txBody>
+          <a:bodyPr/>
+          <a:lstStyle/>
+          <a:p>
+            <a:pPr>
+              <a:defRPr/>
+            </a:pPr>
+            <a:fld id="{6E954588-8532-426F-A2EF-680516B179CB}" type="slidenum">
+              <a:rPr lang="en-US" smtClean="0"/>
+              <a:pPr>
+                <a:defRPr/>
+              </a:pPr>
+              <a:t>63</a:t>
+            </a:fld>
+            <a:endParaRPr lang="en-US" dirty="0"/>
+          </a:p>
+        </p:txBody>
+      </p:sp>
     </p:spTree>
     <p:extLst>
       <p:ext uri="{BB962C8B-B14F-4D97-AF65-F5344CB8AC3E}">
@@ -20444,7 +24798,7 @@
 </p:sld>
 </file>
 
-<file path=ppt/slides/slide58.xml><?xml version="1.0" encoding="utf-8"?>
+<file path=ppt/slides/slide64.xml><?xml version="1.0" encoding="utf-8"?>
 <p:sld xmlns:a="http://schemas.openxmlformats.org/drawingml/2006/main" xmlns:r="http://schemas.openxmlformats.org/officeDocument/2006/relationships" xmlns:p="http://schemas.openxmlformats.org/presentationml/2006/main">
   <p:cSld>
     <p:spTree>
@@ -20491,6 +24845,35 @@
           </a:p>
         </p:txBody>
       </p:sp>
+      <p:sp>
+        <p:nvSpPr>
+          <p:cNvPr id="2" name="Slide Number Placeholder 1"/>
+          <p:cNvSpPr>
+            <a:spLocks noGrp="1"/>
+          </p:cNvSpPr>
+          <p:nvPr>
+            <p:ph type="sldNum" sz="quarter" idx="12"/>
+          </p:nvPr>
+        </p:nvSpPr>
+        <p:spPr/>
+        <p:txBody>
+          <a:bodyPr/>
+          <a:lstStyle/>
+          <a:p>
+            <a:pPr>
+              <a:defRPr/>
+            </a:pPr>
+            <a:fld id="{D391AFD6-1AE9-4580-A04C-2A7171B16A5C}" type="slidenum">
+              <a:rPr lang="en-US" smtClean="0"/>
+              <a:pPr>
+                <a:defRPr/>
+              </a:pPr>
+              <a:t>64</a:t>
+            </a:fld>
+            <a:endParaRPr lang="en-US" dirty="0"/>
+          </a:p>
+        </p:txBody>
+      </p:sp>
     </p:spTree>
     <p:extLst>
       <p:ext uri="{BB962C8B-B14F-4D97-AF65-F5344CB8AC3E}">
@@ -20504,7 +24887,7 @@
 </p:sld>
 </file>
 
-<file path=ppt/slides/slide59.xml><?xml version="1.0" encoding="utf-8"?>
+<file path=ppt/slides/slide65.xml><?xml version="1.0" encoding="utf-8"?>
 <p:sld xmlns:a="http://schemas.openxmlformats.org/drawingml/2006/main" xmlns:r="http://schemas.openxmlformats.org/officeDocument/2006/relationships" xmlns:p="http://schemas.openxmlformats.org/presentationml/2006/main">
   <p:cSld>
     <p:spTree>
@@ -20813,6 +25196,35 @@
           </a:graphicData>
         </a:graphic>
       </p:graphicFrame>
+      <p:sp>
+        <p:nvSpPr>
+          <p:cNvPr id="3" name="Slide Number Placeholder 2"/>
+          <p:cNvSpPr>
+            <a:spLocks noGrp="1"/>
+          </p:cNvSpPr>
+          <p:nvPr>
+            <p:ph type="sldNum" sz="quarter" idx="11"/>
+          </p:nvPr>
+        </p:nvSpPr>
+        <p:spPr/>
+        <p:txBody>
+          <a:bodyPr/>
+          <a:lstStyle/>
+          <a:p>
+            <a:pPr>
+              <a:defRPr/>
+            </a:pPr>
+            <a:fld id="{6E954588-8532-426F-A2EF-680516B179CB}" type="slidenum">
+              <a:rPr lang="en-US" smtClean="0"/>
+              <a:pPr>
+                <a:defRPr/>
+              </a:pPr>
+              <a:t>65</a:t>
+            </a:fld>
+            <a:endParaRPr lang="en-US" dirty="0"/>
+          </a:p>
+        </p:txBody>
+      </p:sp>
     </p:spTree>
     <p:extLst>
       <p:ext uri="{BB962C8B-B14F-4D97-AF65-F5344CB8AC3E}">
@@ -20833,318 +25245,7 @@
 </p:sld>
 </file>
 
-<file path=ppt/slides/slide6.xml><?xml version="1.0" encoding="utf-8"?>
-<p:sld xmlns:a="http://schemas.openxmlformats.org/drawingml/2006/main" xmlns:r="http://schemas.openxmlformats.org/officeDocument/2006/relationships" xmlns:p="http://schemas.openxmlformats.org/presentationml/2006/main">
-  <p:cSld>
-    <p:spTree>
-      <p:nvGrpSpPr>
-        <p:cNvPr id="1" name=""/>
-        <p:cNvGrpSpPr/>
-        <p:nvPr/>
-      </p:nvGrpSpPr>
-      <p:grpSpPr>
-        <a:xfrm>
-          <a:off x="0" y="0"/>
-          <a:ext cx="0" cy="0"/>
-          <a:chOff x="0" y="0"/>
-          <a:chExt cx="0" cy="0"/>
-        </a:xfrm>
-      </p:grpSpPr>
-      <p:sp>
-        <p:nvSpPr>
-          <p:cNvPr id="2" name="Title 1"/>
-          <p:cNvSpPr>
-            <a:spLocks noGrp="1"/>
-          </p:cNvSpPr>
-          <p:nvPr>
-            <p:ph type="title"/>
-          </p:nvPr>
-        </p:nvSpPr>
-        <p:spPr/>
-        <p:txBody>
-          <a:bodyPr>
-            <a:normAutofit fontScale="90000"/>
-          </a:bodyPr>
-          <a:lstStyle/>
-          <a:p>
-            <a:r>
-              <a:rPr lang="en-US" dirty="0" smtClean="0"/>
-              <a:t>Pairwise Affinity</a:t>
-            </a:r>
-            <a:endParaRPr lang="en-US" dirty="0"/>
-          </a:p>
-        </p:txBody>
-      </p:sp>
-      <mc:AlternateContent xmlns:mc="http://schemas.openxmlformats.org/markup-compatibility/2006">
-        <mc:Choice xmlns:a14="http://schemas.microsoft.com/office/drawing/2010/main" Requires="a14">
-          <p:sp>
-            <p:nvSpPr>
-              <p:cNvPr id="3" name="Content Placeholder 2"/>
-              <p:cNvSpPr>
-                <a:spLocks noGrp="1"/>
-              </p:cNvSpPr>
-              <p:nvPr>
-                <p:ph idx="1"/>
-              </p:nvPr>
-            </p:nvSpPr>
-            <p:spPr>
-              <a:xfrm>
-                <a:off x="409574" y="989013"/>
-                <a:ext cx="8334375" cy="5135562"/>
-              </a:xfrm>
-            </p:spPr>
-            <p:txBody>
-              <a:bodyPr>
-                <a:normAutofit fontScale="92500" lnSpcReduction="10000"/>
-              </a:bodyPr>
-              <a:lstStyle/>
-              <a:p>
-                <a:pPr>
-                  <a:lnSpc>
-                    <a:spcPct val="110000"/>
-                  </a:lnSpc>
-                </a:pPr>
-                <a:r>
-                  <a:rPr lang="en-US" b="1" dirty="0" smtClean="0"/>
-                  <a:t>Definition: </a:t>
-                </a:r>
-                <a:r>
-                  <a:rPr lang="en-US" dirty="0" smtClean="0"/>
-                  <a:t>Quantifies the similarity/compatibility between two </a:t>
-                </a:r>
-                <a:r>
-                  <a:rPr lang="en-US" dirty="0" smtClean="0"/>
-                  <a:t>pieces.  </a:t>
-                </a:r>
-                <a:endParaRPr lang="en-US" dirty="0" smtClean="0"/>
-              </a:p>
-              <a:p>
-                <a:pPr>
-                  <a:lnSpc>
-                    <a:spcPct val="110000"/>
-                  </a:lnSpc>
-                </a:pPr>
-                <a:endParaRPr lang="en-US" dirty="0" smtClean="0"/>
-              </a:p>
-              <a:p>
-                <a:pPr>
-                  <a:lnSpc>
-                    <a:spcPct val="110000"/>
-                  </a:lnSpc>
-                </a:pPr>
-                <a:r>
-                  <a:rPr lang="en-US" dirty="0" smtClean="0"/>
-                  <a:t>Between two pieces </a:t>
-                </a:r>
-                <a14:m>
-                  <m:oMath xmlns:m="http://schemas.openxmlformats.org/officeDocument/2006/math">
-                    <m:sSub>
-                      <m:sSubPr>
-                        <m:ctrlPr>
-                          <a:rPr lang="en-US" b="0" i="1" smtClean="0">
-                            <a:latin typeface="Cambria Math"/>
-                          </a:rPr>
-                        </m:ctrlPr>
-                      </m:sSubPr>
-                      <m:e>
-                        <m:r>
-                          <a:rPr lang="en-US" b="0" i="1" smtClean="0">
-                            <a:latin typeface="Cambria Math"/>
-                          </a:rPr>
-                          <m:t>𝑥</m:t>
-                        </m:r>
-                      </m:e>
-                      <m:sub>
-                        <m:r>
-                          <a:rPr lang="en-US" b="0" i="1" smtClean="0">
-                            <a:latin typeface="Cambria Math"/>
-                          </a:rPr>
-                          <m:t>𝑖</m:t>
-                        </m:r>
-                      </m:sub>
-                    </m:sSub>
-                  </m:oMath>
-                </a14:m>
-                <a:r>
-                  <a:rPr lang="en-US" dirty="0" smtClean="0"/>
-                  <a:t> and </a:t>
-                </a:r>
-                <a14:m>
-                  <m:oMath xmlns:m="http://schemas.openxmlformats.org/officeDocument/2006/math">
-                    <m:sSub>
-                      <m:sSubPr>
-                        <m:ctrlPr>
-                          <a:rPr lang="en-US" b="0" i="1" smtClean="0">
-                            <a:latin typeface="Cambria Math"/>
-                          </a:rPr>
-                        </m:ctrlPr>
-                      </m:sSubPr>
-                      <m:e>
-                        <m:r>
-                          <a:rPr lang="en-US" b="0" i="1" smtClean="0">
-                            <a:latin typeface="Cambria Math"/>
-                          </a:rPr>
-                          <m:t>𝑥</m:t>
-                        </m:r>
-                      </m:e>
-                      <m:sub>
-                        <m:r>
-                          <a:rPr lang="en-US" b="0" i="1" smtClean="0">
-                            <a:latin typeface="Cambria Math"/>
-                          </a:rPr>
-                          <m:t>𝑗</m:t>
-                        </m:r>
-                      </m:sub>
-                    </m:sSub>
-                  </m:oMath>
-                </a14:m>
-                <a:r>
-                  <a:rPr lang="en-US" dirty="0" smtClean="0"/>
-                  <a:t>, there are 4 pairwise affinity values when rotation is not allowed and  16 when rotation is allowed.</a:t>
-                </a:r>
-              </a:p>
-              <a:p>
-                <a:pPr>
-                  <a:lnSpc>
-                    <a:spcPct val="110000"/>
-                  </a:lnSpc>
-                </a:pPr>
-                <a:endParaRPr lang="en-US" dirty="0" smtClean="0"/>
-              </a:p>
-              <a:p>
-                <a:pPr>
-                  <a:lnSpc>
-                    <a:spcPct val="110000"/>
-                  </a:lnSpc>
-                </a:pPr>
-                <a:r>
-                  <a:rPr lang="en-US" dirty="0" smtClean="0"/>
-                  <a:t>Metrics of particular interest in the literature are divided into two categories.</a:t>
-                </a:r>
-              </a:p>
-              <a:p>
-                <a:pPr lvl="1">
-                  <a:lnSpc>
-                    <a:spcPct val="110000"/>
-                  </a:lnSpc>
-                </a:pPr>
-                <a:r>
-                  <a:rPr lang="en-US" dirty="0" smtClean="0"/>
-                  <a:t>Boundary/Edge Based:</a:t>
-                </a:r>
-              </a:p>
-              <a:p>
-                <a:pPr lvl="2">
-                  <a:lnSpc>
-                    <a:spcPct val="110000"/>
-                  </a:lnSpc>
-                </a:pPr>
-                <a:r>
-                  <a:rPr lang="en-US" dirty="0" smtClean="0"/>
-                  <a:t>Normalized and Unnormalized Dissimilarity-based Compatibility</a:t>
-                </a:r>
-              </a:p>
-              <a:p>
-                <a:pPr lvl="2">
-                  <a:lnSpc>
-                    <a:spcPct val="110000"/>
-                  </a:lnSpc>
-                </a:pPr>
-                <a:r>
-                  <a:rPr lang="en-US" dirty="0" smtClean="0"/>
-                  <a:t>Prediction-based Compatibility</a:t>
-                </a:r>
-              </a:p>
-              <a:p>
-                <a:pPr lvl="1">
-                  <a:lnSpc>
-                    <a:spcPct val="110000"/>
-                  </a:lnSpc>
-                </a:pPr>
-                <a:endParaRPr lang="en-US" dirty="0" smtClean="0"/>
-              </a:p>
-              <a:p>
-                <a:pPr lvl="1">
-                  <a:lnSpc>
-                    <a:spcPct val="110000"/>
-                  </a:lnSpc>
-                </a:pPr>
-                <a:r>
-                  <a:rPr lang="en-US" dirty="0" smtClean="0"/>
-                  <a:t>Statistical based using the entire </a:t>
-                </a:r>
-                <a:r>
-                  <a:rPr lang="en-US" dirty="0" smtClean="0"/>
-                  <a:t>piece </a:t>
-                </a:r>
-                <a:r>
-                  <a:rPr lang="en-US" dirty="0" smtClean="0"/>
-                  <a:t>and its statistical properties [14]</a:t>
-                </a:r>
-                <a:endParaRPr lang="en-US" dirty="0"/>
-              </a:p>
-            </p:txBody>
-          </p:sp>
-        </mc:Choice>
-        <mc:Fallback>
-          <p:sp>
-            <p:nvSpPr>
-              <p:cNvPr id="3" name="Content Placeholder 2"/>
-              <p:cNvSpPr>
-                <a:spLocks noGrp="1" noRot="1" noChangeAspect="1" noMove="1" noResize="1" noEditPoints="1" noAdjustHandles="1" noChangeArrowheads="1" noChangeShapeType="1" noTextEdit="1"/>
-              </p:cNvSpPr>
-              <p:nvPr>
-                <p:ph idx="1"/>
-              </p:nvPr>
-            </p:nvSpPr>
-            <p:spPr>
-              <a:xfrm>
-                <a:off x="409574" y="989013"/>
-                <a:ext cx="8334375" cy="5135562"/>
-              </a:xfrm>
-              <a:blipFill rotWithShape="1">
-                <a:blip r:embed="rId2"/>
-                <a:stretch>
-                  <a:fillRect l="-805" t="-712" r="-293"/>
-                </a:stretch>
-              </a:blipFill>
-            </p:spPr>
-            <p:txBody>
-              <a:bodyPr/>
-              <a:lstStyle/>
-              <a:p>
-                <a:r>
-                  <a:rPr lang="en-US">
-                    <a:noFill/>
-                  </a:rPr>
-                  <a:t> </a:t>
-                </a:r>
-              </a:p>
-            </p:txBody>
-          </p:sp>
-        </mc:Fallback>
-      </mc:AlternateContent>
-    </p:spTree>
-    <p:extLst>
-      <p:ext uri="{BB962C8B-B14F-4D97-AF65-F5344CB8AC3E}">
-        <p14:creationId xmlns:p14="http://schemas.microsoft.com/office/powerpoint/2010/main" val="3565227271"/>
-      </p:ext>
-    </p:extLst>
-  </p:cSld>
-  <p:clrMapOvr>
-    <a:masterClrMapping/>
-  </p:clrMapOvr>
-  <p:timing>
-    <p:tnLst>
-      <p:par>
-        <p:cTn id="1" dur="indefinite" restart="never" nodeType="tmRoot"/>
-      </p:par>
-    </p:tnLst>
-  </p:timing>
-</p:sld>
-</file>
-
-<file path=ppt/slides/slide60.xml><?xml version="1.0" encoding="utf-8"?>
+<file path=ppt/slides/slide66.xml><?xml version="1.0" encoding="utf-8"?>
 <p:sld xmlns:a="http://schemas.openxmlformats.org/drawingml/2006/main" xmlns:r="http://schemas.openxmlformats.org/officeDocument/2006/relationships" xmlns:p="http://schemas.openxmlformats.org/presentationml/2006/main">
   <p:cSld>
     <p:spTree>
@@ -21629,6 +25730,35 @@
           </a:graphicData>
         </a:graphic>
       </p:graphicFrame>
+      <p:sp>
+        <p:nvSpPr>
+          <p:cNvPr id="2" name="Slide Number Placeholder 1"/>
+          <p:cNvSpPr>
+            <a:spLocks noGrp="1"/>
+          </p:cNvSpPr>
+          <p:nvPr>
+            <p:ph type="sldNum" sz="quarter" idx="11"/>
+          </p:nvPr>
+        </p:nvSpPr>
+        <p:spPr/>
+        <p:txBody>
+          <a:bodyPr/>
+          <a:lstStyle/>
+          <a:p>
+            <a:pPr>
+              <a:defRPr/>
+            </a:pPr>
+            <a:fld id="{6E954588-8532-426F-A2EF-680516B179CB}" type="slidenum">
+              <a:rPr lang="en-US" smtClean="0"/>
+              <a:pPr>
+                <a:defRPr/>
+              </a:pPr>
+              <a:t>66</a:t>
+            </a:fld>
+            <a:endParaRPr lang="en-US" dirty="0"/>
+          </a:p>
+        </p:txBody>
+      </p:sp>
     </p:spTree>
     <p:extLst>
       <p:ext uri="{BB962C8B-B14F-4D97-AF65-F5344CB8AC3E}">
@@ -21649,7 +25779,7 @@
 </p:sld>
 </file>
 
-<file path=ppt/slides/slide61.xml><?xml version="1.0" encoding="utf-8"?>
+<file path=ppt/slides/slide67.xml><?xml version="1.0" encoding="utf-8"?>
 <p:sld xmlns:a="http://schemas.openxmlformats.org/drawingml/2006/main" xmlns:r="http://schemas.openxmlformats.org/officeDocument/2006/relationships" xmlns:p="http://schemas.openxmlformats.org/presentationml/2006/main">
   <p:cSld>
     <p:spTree>
@@ -22180,6 +26310,35 @@
           </a:graphicData>
         </a:graphic>
       </p:graphicFrame>
+      <p:sp>
+        <p:nvSpPr>
+          <p:cNvPr id="2" name="Slide Number Placeholder 1"/>
+          <p:cNvSpPr>
+            <a:spLocks noGrp="1"/>
+          </p:cNvSpPr>
+          <p:nvPr>
+            <p:ph type="sldNum" sz="quarter" idx="11"/>
+          </p:nvPr>
+        </p:nvSpPr>
+        <p:spPr/>
+        <p:txBody>
+          <a:bodyPr/>
+          <a:lstStyle/>
+          <a:p>
+            <a:pPr>
+              <a:defRPr/>
+            </a:pPr>
+            <a:fld id="{6E954588-8532-426F-A2EF-680516B179CB}" type="slidenum">
+              <a:rPr lang="en-US" smtClean="0"/>
+              <a:pPr>
+                <a:defRPr/>
+              </a:pPr>
+              <a:t>67</a:t>
+            </a:fld>
+            <a:endParaRPr lang="en-US" dirty="0"/>
+          </a:p>
+        </p:txBody>
+      </p:sp>
     </p:spTree>
     <p:extLst>
       <p:ext uri="{BB962C8B-B14F-4D97-AF65-F5344CB8AC3E}">
@@ -22200,7 +26359,7 @@
 </p:sld>
 </file>
 
-<file path=ppt/slides/slide62.xml><?xml version="1.0" encoding="utf-8"?>
+<file path=ppt/slides/slide68.xml><?xml version="1.0" encoding="utf-8"?>
 <p:sld xmlns:a="http://schemas.openxmlformats.org/drawingml/2006/main" xmlns:r="http://schemas.openxmlformats.org/officeDocument/2006/relationships" xmlns:p="http://schemas.openxmlformats.org/presentationml/2006/main">
   <p:cSld>
     <p:spTree>
@@ -22717,6 +26876,35 @@
           </a:graphicData>
         </a:graphic>
       </p:graphicFrame>
+      <p:sp>
+        <p:nvSpPr>
+          <p:cNvPr id="2" name="Slide Number Placeholder 1"/>
+          <p:cNvSpPr>
+            <a:spLocks noGrp="1"/>
+          </p:cNvSpPr>
+          <p:nvPr>
+            <p:ph type="sldNum" sz="quarter" idx="11"/>
+          </p:nvPr>
+        </p:nvSpPr>
+        <p:spPr/>
+        <p:txBody>
+          <a:bodyPr/>
+          <a:lstStyle/>
+          <a:p>
+            <a:pPr>
+              <a:defRPr/>
+            </a:pPr>
+            <a:fld id="{6E954588-8532-426F-A2EF-680516B179CB}" type="slidenum">
+              <a:rPr lang="en-US" smtClean="0"/>
+              <a:pPr>
+                <a:defRPr/>
+              </a:pPr>
+              <a:t>68</a:t>
+            </a:fld>
+            <a:endParaRPr lang="en-US" dirty="0"/>
+          </a:p>
+        </p:txBody>
+      </p:sp>
     </p:spTree>
     <p:extLst>
       <p:ext uri="{BB962C8B-B14F-4D97-AF65-F5344CB8AC3E}">
@@ -22737,7 +26925,7 @@
 </p:sld>
 </file>
 
-<file path=ppt/slides/slide63.xml><?xml version="1.0" encoding="utf-8"?>
+<file path=ppt/slides/slide69.xml><?xml version="1.0" encoding="utf-8"?>
 <p:sld xmlns:a="http://schemas.openxmlformats.org/drawingml/2006/main" xmlns:r="http://schemas.openxmlformats.org/officeDocument/2006/relationships" xmlns:p="http://schemas.openxmlformats.org/presentationml/2006/main">
   <p:cSld>
     <p:spTree>
@@ -23267,6 +27455,35 @@
           </a:graphicData>
         </a:graphic>
       </p:graphicFrame>
+      <p:sp>
+        <p:nvSpPr>
+          <p:cNvPr id="2" name="Slide Number Placeholder 1"/>
+          <p:cNvSpPr>
+            <a:spLocks noGrp="1"/>
+          </p:cNvSpPr>
+          <p:nvPr>
+            <p:ph type="sldNum" sz="quarter" idx="11"/>
+          </p:nvPr>
+        </p:nvSpPr>
+        <p:spPr/>
+        <p:txBody>
+          <a:bodyPr/>
+          <a:lstStyle/>
+          <a:p>
+            <a:pPr>
+              <a:defRPr/>
+            </a:pPr>
+            <a:fld id="{6E954588-8532-426F-A2EF-680516B179CB}" type="slidenum">
+              <a:rPr lang="en-US" smtClean="0"/>
+              <a:pPr>
+                <a:defRPr/>
+              </a:pPr>
+              <a:t>69</a:t>
+            </a:fld>
+            <a:endParaRPr lang="en-US" dirty="0"/>
+          </a:p>
+        </p:txBody>
+      </p:sp>
     </p:spTree>
     <p:extLst>
       <p:ext uri="{BB962C8B-B14F-4D97-AF65-F5344CB8AC3E}">
@@ -24269,6 +28486,35 @@
           </p:sp>
         </mc:Fallback>
       </mc:AlternateContent>
+      <p:sp>
+        <p:nvSpPr>
+          <p:cNvPr id="4" name="Slide Number Placeholder 3"/>
+          <p:cNvSpPr>
+            <a:spLocks noGrp="1"/>
+          </p:cNvSpPr>
+          <p:nvPr>
+            <p:ph type="sldNum" sz="quarter" idx="11"/>
+          </p:nvPr>
+        </p:nvSpPr>
+        <p:spPr/>
+        <p:txBody>
+          <a:bodyPr/>
+          <a:lstStyle/>
+          <a:p>
+            <a:pPr>
+              <a:defRPr/>
+            </a:pPr>
+            <a:fld id="{6E954588-8532-426F-A2EF-680516B179CB}" type="slidenum">
+              <a:rPr lang="en-US" smtClean="0"/>
+              <a:pPr>
+                <a:defRPr/>
+              </a:pPr>
+              <a:t>7</a:t>
+            </a:fld>
+            <a:endParaRPr lang="en-US" dirty="0"/>
+          </a:p>
+        </p:txBody>
+      </p:sp>
     </p:spTree>
     <p:extLst>
       <p:ext uri="{BB962C8B-B14F-4D97-AF65-F5344CB8AC3E}">
@@ -25117,6 +29363,35 @@
           </p:sp>
         </mc:Fallback>
       </mc:AlternateContent>
+      <p:sp>
+        <p:nvSpPr>
+          <p:cNvPr id="4" name="Slide Number Placeholder 3"/>
+          <p:cNvSpPr>
+            <a:spLocks noGrp="1"/>
+          </p:cNvSpPr>
+          <p:nvPr>
+            <p:ph type="sldNum" sz="quarter" idx="11"/>
+          </p:nvPr>
+        </p:nvSpPr>
+        <p:spPr/>
+        <p:txBody>
+          <a:bodyPr/>
+          <a:lstStyle/>
+          <a:p>
+            <a:pPr>
+              <a:defRPr/>
+            </a:pPr>
+            <a:fld id="{6E954588-8532-426F-A2EF-680516B179CB}" type="slidenum">
+              <a:rPr lang="en-US" smtClean="0"/>
+              <a:pPr>
+                <a:defRPr/>
+              </a:pPr>
+              <a:t>8</a:t>
+            </a:fld>
+            <a:endParaRPr lang="en-US" dirty="0"/>
+          </a:p>
+        </p:txBody>
+      </p:sp>
     </p:spTree>
     <p:extLst>
       <p:ext uri="{BB962C8B-B14F-4D97-AF65-F5344CB8AC3E}">
@@ -25833,6 +30108,35 @@
           </p:sp>
         </mc:Fallback>
       </mc:AlternateContent>
+      <p:sp>
+        <p:nvSpPr>
+          <p:cNvPr id="4" name="Slide Number Placeholder 3"/>
+          <p:cNvSpPr>
+            <a:spLocks noGrp="1"/>
+          </p:cNvSpPr>
+          <p:nvPr>
+            <p:ph type="sldNum" sz="quarter" idx="11"/>
+          </p:nvPr>
+        </p:nvSpPr>
+        <p:spPr/>
+        <p:txBody>
+          <a:bodyPr/>
+          <a:lstStyle/>
+          <a:p>
+            <a:pPr>
+              <a:defRPr/>
+            </a:pPr>
+            <a:fld id="{6E954588-8532-426F-A2EF-680516B179CB}" type="slidenum">
+              <a:rPr lang="en-US" smtClean="0"/>
+              <a:pPr>
+                <a:defRPr/>
+              </a:pPr>
+              <a:t>9</a:t>
+            </a:fld>
+            <a:endParaRPr lang="en-US" dirty="0"/>
+          </a:p>
+        </p:txBody>
+      </p:sp>
     </p:spTree>
     <p:extLst>
       <p:ext uri="{BB962C8B-B14F-4D97-AF65-F5344CB8AC3E}">
